--- a/_posts/Hbase基本原理副本.pptx
+++ b/_posts/Hbase基本原理副本.pptx
@@ -5,10 +5,10 @@
     <p:sldMasterId id="2147483660" r:id="rId1"/>
   </p:sldMasterIdLst>
   <p:notesMasterIdLst>
-    <p:notesMasterId r:id="rId50"/>
+    <p:notesMasterId r:id="rId52"/>
   </p:notesMasterIdLst>
   <p:handoutMasterIdLst>
-    <p:handoutMasterId r:id="rId51"/>
+    <p:handoutMasterId r:id="rId53"/>
   </p:handoutMasterIdLst>
   <p:sldIdLst>
     <p:sldId id="256" r:id="rId2"/>
@@ -37,28 +37,30 @@
     <p:sldId id="296" r:id="rId25"/>
     <p:sldId id="298" r:id="rId26"/>
     <p:sldId id="299" r:id="rId27"/>
-    <p:sldId id="305" r:id="rId28"/>
-    <p:sldId id="300" r:id="rId29"/>
-    <p:sldId id="306" r:id="rId30"/>
-    <p:sldId id="307" r:id="rId31"/>
-    <p:sldId id="308" r:id="rId32"/>
-    <p:sldId id="309" r:id="rId33"/>
-    <p:sldId id="310" r:id="rId34"/>
-    <p:sldId id="313" r:id="rId35"/>
-    <p:sldId id="314" r:id="rId36"/>
-    <p:sldId id="315" r:id="rId37"/>
-    <p:sldId id="316" r:id="rId38"/>
-    <p:sldId id="317" r:id="rId39"/>
-    <p:sldId id="311" r:id="rId40"/>
-    <p:sldId id="318" r:id="rId41"/>
-    <p:sldId id="319" r:id="rId42"/>
-    <p:sldId id="320" r:id="rId43"/>
-    <p:sldId id="321" r:id="rId44"/>
-    <p:sldId id="312" r:id="rId45"/>
-    <p:sldId id="322" r:id="rId46"/>
-    <p:sldId id="323" r:id="rId47"/>
-    <p:sldId id="324" r:id="rId48"/>
-    <p:sldId id="325" r:id="rId49"/>
+    <p:sldId id="330" r:id="rId28"/>
+    <p:sldId id="305" r:id="rId29"/>
+    <p:sldId id="329" r:id="rId30"/>
+    <p:sldId id="300" r:id="rId31"/>
+    <p:sldId id="306" r:id="rId32"/>
+    <p:sldId id="307" r:id="rId33"/>
+    <p:sldId id="308" r:id="rId34"/>
+    <p:sldId id="309" r:id="rId35"/>
+    <p:sldId id="310" r:id="rId36"/>
+    <p:sldId id="313" r:id="rId37"/>
+    <p:sldId id="314" r:id="rId38"/>
+    <p:sldId id="315" r:id="rId39"/>
+    <p:sldId id="316" r:id="rId40"/>
+    <p:sldId id="317" r:id="rId41"/>
+    <p:sldId id="311" r:id="rId42"/>
+    <p:sldId id="318" r:id="rId43"/>
+    <p:sldId id="319" r:id="rId44"/>
+    <p:sldId id="320" r:id="rId45"/>
+    <p:sldId id="321" r:id="rId46"/>
+    <p:sldId id="312" r:id="rId47"/>
+    <p:sldId id="322" r:id="rId48"/>
+    <p:sldId id="323" r:id="rId49"/>
+    <p:sldId id="324" r:id="rId50"/>
+    <p:sldId id="325" r:id="rId51"/>
   </p:sldIdLst>
   <p:sldSz cx="12192000" cy="6858000"/>
   <p:notesSz cx="6858000" cy="9144000"/>
@@ -192,7 +194,9 @@
             <p14:sldId id="296"/>
             <p14:sldId id="298"/>
             <p14:sldId id="299"/>
+            <p14:sldId id="330"/>
             <p14:sldId id="305"/>
+            <p14:sldId id="329"/>
             <p14:sldId id="300"/>
             <p14:sldId id="306"/>
             <p14:sldId id="307"/>
@@ -12293,7 +12297,7 @@
         </p:blipFill>
         <p:spPr bwMode="auto">
           <a:xfrm>
-            <a:off x="3190181" y="1711235"/>
+            <a:off x="2976425" y="3257939"/>
             <a:ext cx="6677025" cy="2857500"/>
           </a:xfrm>
           <a:prstGeom prst="rect">
@@ -12311,6 +12315,60 @@
           </a:extLst>
         </p:spPr>
       </p:pic>
+      <p:sp>
+        <p:nvSpPr>
+          <p:cNvPr id="3" name="文本框 2"/>
+          <p:cNvSpPr txBox="1"/>
+          <p:nvPr/>
+        </p:nvSpPr>
+        <p:spPr>
+          <a:xfrm>
+            <a:off x="590975" y="1307783"/>
+            <a:ext cx="4615454" cy="369332"/>
+          </a:xfrm>
+          <a:prstGeom prst="rect">
+            <a:avLst/>
+          </a:prstGeom>
+          <a:noFill/>
+        </p:spPr>
+        <p:txBody>
+          <a:bodyPr wrap="none" rtlCol="0">
+            <a:spAutoFit/>
+          </a:bodyPr>
+          <a:lstStyle/>
+          <a:p>
+            <a:r>
+              <a:rPr kumimoji="1" lang="zh-CN" altLang="en-US" dirty="0" smtClean="0"/>
+              <a:t>需要根据</a:t>
+            </a:r>
+            <a:r>
+              <a:rPr kumimoji="1" lang="en-US" altLang="zh-CN" dirty="0" smtClean="0"/>
+              <a:t>Hbase2.0</a:t>
+            </a:r>
+            <a:r>
+              <a:rPr kumimoji="1" lang="zh-CN" altLang="en-US" dirty="0" smtClean="0"/>
+              <a:t> 重画！！</a:t>
+            </a:r>
+            <a:r>
+              <a:rPr kumimoji="1" lang="en-US" altLang="zh-CN" dirty="0" smtClean="0"/>
+              <a:t>  </a:t>
+            </a:r>
+            <a:r>
+              <a:rPr kumimoji="1" lang="zh-CN" altLang="en-US" dirty="0" smtClean="0">
+                <a:solidFill>
+                  <a:srgbClr val="C55A11"/>
+                </a:solidFill>
+              </a:rPr>
+              <a:t>待补充！！！</a:t>
+            </a:r>
+            <a:endParaRPr kumimoji="1" lang="zh-CN" altLang="en-US" dirty="0">
+              <a:solidFill>
+                <a:srgbClr val="C55A11"/>
+              </a:solidFill>
+            </a:endParaRPr>
+          </a:p>
+        </p:txBody>
+      </p:sp>
     </p:spTree>
     <p:extLst>
       <p:ext uri="{BB962C8B-B14F-4D97-AF65-F5344CB8AC3E}">
@@ -12377,7 +12435,7 @@
         <p:spPr>
           <a:xfrm>
             <a:off x="644433" y="1414373"/>
-            <a:ext cx="11229703" cy="5324534"/>
+            <a:ext cx="11229703" cy="5478422"/>
           </a:xfrm>
           <a:prstGeom prst="rect">
             <a:avLst/>
@@ -12638,16 +12696,80 @@
               <a:t>对象，然后顺序写入</a:t>
             </a:r>
             <a:r>
-              <a:rPr lang="en-US" altLang="zh-CN" sz="1400" dirty="0" err="1"/>
-              <a:t>HLog</a:t>
-            </a:r>
-            <a:r>
-              <a:rPr lang="zh-CN" altLang="en-US" sz="1400" dirty="0"/>
-              <a:t>中</a:t>
+              <a:rPr lang="en-US" altLang="zh-CN" sz="1400" dirty="0" err="1" smtClean="0"/>
+              <a:t>Hlog</a:t>
             </a:r>
             <a:r>
               <a:rPr lang="zh-CN" altLang="en-US" sz="1400" dirty="0" smtClean="0"/>
-              <a:t>，。</a:t>
+              <a:t>中。</a:t>
+            </a:r>
+            <a:r>
+              <a:rPr lang="zh-CN" altLang="en-US" sz="1400" dirty="0" smtClean="0"/>
+              <a:t>在这一步</a:t>
+            </a:r>
+            <a:r>
+              <a:rPr lang="en-US" altLang="zh-CN" sz="1400" dirty="0" err="1" smtClean="0"/>
+              <a:t>doWALAppend</a:t>
+            </a:r>
+            <a:r>
+              <a:rPr lang="zh-CN" altLang="en-US" sz="1400" dirty="0" smtClean="0"/>
+              <a:t>的时候，会生成</a:t>
+            </a:r>
+            <a:r>
+              <a:rPr lang="en-US" altLang="zh-CN" sz="1400" dirty="0" err="1" smtClean="0"/>
+              <a:t>mvcc</a:t>
+            </a:r>
+            <a:r>
+              <a:rPr lang="zh-CN" altLang="en-US" sz="1400" dirty="0" smtClean="0"/>
+              <a:t>的</a:t>
+            </a:r>
+            <a:r>
+              <a:rPr lang="en-US" altLang="zh-CN" sz="1400" dirty="0" err="1" smtClean="0"/>
+              <a:t>seqid</a:t>
+            </a:r>
+            <a:r>
+              <a:rPr lang="zh-CN" altLang="en-US" sz="1400" dirty="0" smtClean="0"/>
+              <a:t>（</a:t>
+            </a:r>
+            <a:r>
+              <a:rPr lang="en-US" altLang="zh-CN" sz="1400" dirty="0" err="1" smtClean="0"/>
+              <a:t>ringbuffer</a:t>
+            </a:r>
+            <a:r>
+              <a:rPr lang="zh-CN" altLang="en-US" sz="1400" dirty="0" smtClean="0"/>
+              <a:t>的</a:t>
+            </a:r>
+            <a:r>
+              <a:rPr lang="en-US" altLang="zh-CN" sz="1400" dirty="0" err="1" smtClean="0"/>
+              <a:t>nextid</a:t>
+            </a:r>
+            <a:r>
+              <a:rPr lang="zh-CN" altLang="en-US" sz="1400" dirty="0" smtClean="0"/>
+              <a:t>），所有的</a:t>
+            </a:r>
+            <a:r>
+              <a:rPr lang="en-US" altLang="zh-CN" sz="1400" dirty="0" smtClean="0"/>
+              <a:t>cell</a:t>
+            </a:r>
+            <a:r>
+              <a:rPr lang="zh-CN" altLang="en-US" sz="1400" dirty="0" smtClean="0"/>
+              <a:t>的</a:t>
+            </a:r>
+            <a:r>
+              <a:rPr lang="en-US" altLang="zh-CN" sz="1400" dirty="0" err="1" smtClean="0"/>
+              <a:t>seqid</a:t>
+            </a:r>
+            <a:r>
+              <a:rPr lang="zh-CN" altLang="en-US" sz="1400" dirty="0" smtClean="0"/>
+              <a:t>都被设置为这个</a:t>
+            </a:r>
+            <a:r>
+              <a:rPr lang="en-US" altLang="zh-CN" sz="1400" dirty="0" smtClean="0"/>
+              <a:t>ID</a:t>
+            </a:r>
+            <a:r>
+              <a:rPr lang="zh-CN" altLang="en-US" sz="1400" dirty="0" smtClean="0"/>
+              <a:t>。</a:t>
             </a:r>
             <a:endParaRPr lang="en-US" altLang="zh-CN" sz="1400" dirty="0" smtClean="0"/>
           </a:p>
@@ -13218,7 +13340,7 @@
         <p:spPr>
           <a:xfrm>
             <a:off x="521207" y="1561573"/>
-            <a:ext cx="11444370" cy="1477328"/>
+            <a:ext cx="11159977" cy="4832092"/>
           </a:xfrm>
           <a:prstGeom prst="rect">
             <a:avLst/>
@@ -13230,258 +13352,452 @@
           </a:bodyPr>
           <a:lstStyle/>
           <a:p>
-            <a:r>
-              <a:rPr lang="en-US" altLang="zh-CN" dirty="0"/>
+            <a:pPr marL="285750" indent="-285750">
+              <a:buFont typeface="Wingdings" charset="2"/>
+              <a:buChar char="l"/>
+            </a:pPr>
+            <a:r>
+              <a:rPr lang="en-US" altLang="zh-CN" sz="1400" dirty="0">
+                <a:latin typeface="仿宋"/>
+                <a:ea typeface="仿宋"/>
+                <a:cs typeface="仿宋"/>
+              </a:rPr>
               <a:t>WAL(Write-Ahead Logging)</a:t>
             </a:r>
             <a:r>
-              <a:rPr lang="zh-CN" altLang="en-US" dirty="0"/>
+              <a:rPr lang="zh-CN" altLang="en-US" sz="1400" dirty="0">
+                <a:latin typeface="仿宋"/>
+                <a:ea typeface="仿宋"/>
+                <a:cs typeface="仿宋"/>
+              </a:rPr>
               <a:t>是一种高效的日志算法，几乎是所有非内存数据库提升写性能的不二法门，基本原理是在数据写入之前首先顺序写入日志，然后再写入缓存，等到缓存写满之后统一落盘。之所以能够提升写性能，是因为</a:t>
             </a:r>
             <a:r>
-              <a:rPr lang="en-US" altLang="zh-CN" dirty="0"/>
+              <a:rPr lang="en-US" altLang="zh-CN" sz="1400" dirty="0">
+                <a:latin typeface="仿宋"/>
+                <a:ea typeface="仿宋"/>
+                <a:cs typeface="仿宋"/>
+              </a:rPr>
               <a:t>WAL</a:t>
             </a:r>
             <a:r>
-              <a:rPr lang="zh-CN" altLang="en-US" dirty="0"/>
+              <a:rPr lang="zh-CN" altLang="en-US" sz="1400" dirty="0">
+                <a:latin typeface="仿宋"/>
+                <a:ea typeface="仿宋"/>
+                <a:cs typeface="仿宋"/>
+              </a:rPr>
               <a:t>将一次随机写转化为了一次顺序写加一次内存写。提升写性能的同时，</a:t>
             </a:r>
             <a:r>
-              <a:rPr lang="en-US" altLang="zh-CN" dirty="0"/>
+              <a:rPr lang="en-US" altLang="zh-CN" sz="1400" dirty="0">
+                <a:latin typeface="仿宋"/>
+                <a:ea typeface="仿宋"/>
+                <a:cs typeface="仿宋"/>
+              </a:rPr>
               <a:t>WAL</a:t>
             </a:r>
             <a:r>
-              <a:rPr lang="zh-CN" altLang="en-US" dirty="0"/>
-              <a:t>可以保证数据的可靠性，即在任何情况下数据不丢失。假如一次写入完成之后发生了宕机，即使所有缓存中的数据丢失，也可以通过恢复日志还原出丢失的数据。</a:t>
-            </a:r>
-          </a:p>
-        </p:txBody>
-      </p:sp>
-      <p:sp>
-        <p:nvSpPr>
-          <p:cNvPr id="5" name="矩形 4"/>
-          <p:cNvSpPr/>
-          <p:nvPr/>
-        </p:nvSpPr>
-        <p:spPr>
-          <a:xfrm>
-            <a:off x="521207" y="3290564"/>
-            <a:ext cx="13011913" cy="4524315"/>
-          </a:xfrm>
-          <a:prstGeom prst="rect">
-            <a:avLst/>
-          </a:prstGeom>
-        </p:spPr>
-        <p:txBody>
-          <a:bodyPr wrap="square">
-            <a:spAutoFit/>
-          </a:bodyPr>
-          <a:lstStyle/>
-          <a:p>
-            <a:r>
-              <a:rPr lang="en-US" altLang="zh-CN" dirty="0"/>
+              <a:rPr lang="zh-CN" altLang="en-US" sz="1400" dirty="0">
+                <a:latin typeface="仿宋"/>
+                <a:ea typeface="仿宋"/>
+                <a:cs typeface="仿宋"/>
+              </a:rPr>
+              <a:t>可以保证数据的可靠性，即在任何情况下数据不丢失。假如一次写入完成之后发生了宕机，即使所有缓存中的数据丢失，也可以通过恢复日志还原出丢失的数据</a:t>
+            </a:r>
+            <a:r>
+              <a:rPr lang="zh-CN" altLang="en-US" sz="1400" dirty="0" smtClean="0">
+                <a:latin typeface="仿宋"/>
+                <a:ea typeface="仿宋"/>
+                <a:cs typeface="仿宋"/>
+              </a:rPr>
+              <a:t>。</a:t>
+            </a:r>
+            <a:endParaRPr lang="en-US" altLang="zh-CN" sz="1400" dirty="0" smtClean="0">
+              <a:latin typeface="仿宋"/>
+              <a:ea typeface="仿宋"/>
+              <a:cs typeface="仿宋"/>
+            </a:endParaRPr>
+          </a:p>
+          <a:p>
+            <a:endParaRPr lang="en-US" altLang="zh-CN" sz="1400" dirty="0">
+              <a:latin typeface="仿宋"/>
+              <a:ea typeface="仿宋"/>
+              <a:cs typeface="仿宋"/>
+            </a:endParaRPr>
+          </a:p>
+          <a:p>
+            <a:pPr marL="285750" indent="-285750">
+              <a:buFont typeface="Wingdings" charset="2"/>
+              <a:buChar char="l"/>
+            </a:pPr>
+            <a:r>
+              <a:rPr lang="en-US" altLang="zh-CN" sz="1400" dirty="0">
+                <a:latin typeface="仿宋"/>
+                <a:ea typeface="仿宋"/>
+                <a:cs typeface="仿宋"/>
+              </a:rPr>
               <a:t>WAL</a:t>
             </a:r>
             <a:r>
-              <a:rPr lang="zh-CN" altLang="en-US" dirty="0"/>
+              <a:rPr lang="zh-CN" altLang="en-US" sz="1400" dirty="0">
+                <a:latin typeface="仿宋"/>
+                <a:ea typeface="仿宋"/>
+                <a:cs typeface="仿宋"/>
+              </a:rPr>
               <a:t>持久化等级</a:t>
             </a:r>
           </a:p>
           <a:p>
-            <a:endParaRPr lang="zh-CN" altLang="en-US" dirty="0"/>
-          </a:p>
-          <a:p>
-            <a:r>
-              <a:rPr lang="en-US" altLang="zh-CN" dirty="0" err="1"/>
+            <a:endParaRPr lang="zh-CN" altLang="en-US" sz="1400" dirty="0">
+              <a:latin typeface="仿宋"/>
+              <a:ea typeface="仿宋"/>
+              <a:cs typeface="仿宋"/>
+            </a:endParaRPr>
+          </a:p>
+          <a:p>
+            <a:pPr lvl="1"/>
+            <a:r>
+              <a:rPr lang="en-US" altLang="zh-CN" sz="1400" dirty="0" err="1">
+                <a:latin typeface="仿宋"/>
+                <a:ea typeface="仿宋"/>
+                <a:cs typeface="仿宋"/>
+              </a:rPr>
               <a:t>HBase</a:t>
             </a:r>
             <a:r>
-              <a:rPr lang="zh-CN" altLang="en-US" dirty="0"/>
+              <a:rPr lang="zh-CN" altLang="en-US" sz="1400" dirty="0">
+                <a:latin typeface="仿宋"/>
+                <a:ea typeface="仿宋"/>
+                <a:cs typeface="仿宋"/>
+              </a:rPr>
               <a:t>中可以通过设置</a:t>
             </a:r>
             <a:r>
-              <a:rPr lang="en-US" altLang="zh-CN" dirty="0"/>
+              <a:rPr lang="en-US" altLang="zh-CN" sz="1400" dirty="0">
+                <a:latin typeface="仿宋"/>
+                <a:ea typeface="仿宋"/>
+                <a:cs typeface="仿宋"/>
+              </a:rPr>
               <a:t>WAL</a:t>
             </a:r>
             <a:r>
-              <a:rPr lang="zh-CN" altLang="en-US" dirty="0"/>
+              <a:rPr lang="zh-CN" altLang="en-US" sz="1400" dirty="0">
+                <a:latin typeface="仿宋"/>
+                <a:ea typeface="仿宋"/>
+                <a:cs typeface="仿宋"/>
+              </a:rPr>
               <a:t>的持久化等级决定是否开启</a:t>
             </a:r>
             <a:r>
-              <a:rPr lang="en-US" altLang="zh-CN" dirty="0"/>
+              <a:rPr lang="en-US" altLang="zh-CN" sz="1400" dirty="0">
+                <a:latin typeface="仿宋"/>
+                <a:ea typeface="仿宋"/>
+                <a:cs typeface="仿宋"/>
+              </a:rPr>
               <a:t>WAL</a:t>
             </a:r>
             <a:r>
-              <a:rPr lang="zh-CN" altLang="en-US" dirty="0"/>
+              <a:rPr lang="zh-CN" altLang="en-US" sz="1400" dirty="0">
+                <a:latin typeface="仿宋"/>
+                <a:ea typeface="仿宋"/>
+                <a:cs typeface="仿宋"/>
+              </a:rPr>
               <a:t>机制、以及</a:t>
             </a:r>
             <a:r>
-              <a:rPr lang="en-US" altLang="zh-CN" dirty="0" err="1"/>
+              <a:rPr lang="en-US" altLang="zh-CN" sz="1400" dirty="0" err="1">
+                <a:latin typeface="仿宋"/>
+                <a:ea typeface="仿宋"/>
+                <a:cs typeface="仿宋"/>
+              </a:rPr>
               <a:t>HLog</a:t>
             </a:r>
             <a:r>
-              <a:rPr lang="zh-CN" altLang="en-US" dirty="0"/>
+              <a:rPr lang="zh-CN" altLang="en-US" sz="1400" dirty="0">
+                <a:latin typeface="仿宋"/>
+                <a:ea typeface="仿宋"/>
+                <a:cs typeface="仿宋"/>
+              </a:rPr>
               <a:t>的落盘方式。</a:t>
             </a:r>
             <a:r>
-              <a:rPr lang="en-US" altLang="zh-CN" dirty="0"/>
+              <a:rPr lang="en-US" altLang="zh-CN" sz="1400" dirty="0">
+                <a:latin typeface="仿宋"/>
+                <a:ea typeface="仿宋"/>
+                <a:cs typeface="仿宋"/>
+              </a:rPr>
               <a:t>WAL</a:t>
             </a:r>
             <a:r>
-              <a:rPr lang="zh-CN" altLang="en-US" dirty="0"/>
+              <a:rPr lang="zh-CN" altLang="en-US" sz="1400" dirty="0">
+                <a:latin typeface="仿宋"/>
+                <a:ea typeface="仿宋"/>
+                <a:cs typeface="仿宋"/>
+              </a:rPr>
               <a:t>的持久化等级分为如下四个等级：</a:t>
             </a:r>
           </a:p>
           <a:p>
-            <a:endParaRPr lang="zh-CN" altLang="en-US" dirty="0"/>
-          </a:p>
-          <a:p>
-            <a:r>
-              <a:rPr lang="en-US" altLang="zh-CN" dirty="0"/>
+            <a:pPr lvl="1"/>
+            <a:endParaRPr lang="zh-CN" altLang="en-US" sz="1400" dirty="0">
+              <a:latin typeface="仿宋"/>
+              <a:ea typeface="仿宋"/>
+              <a:cs typeface="仿宋"/>
+            </a:endParaRPr>
+          </a:p>
+          <a:p>
+            <a:pPr lvl="1"/>
+            <a:r>
+              <a:rPr lang="en-US" altLang="zh-CN" sz="1400" dirty="0">
+                <a:latin typeface="仿宋"/>
+                <a:ea typeface="仿宋"/>
+                <a:cs typeface="仿宋"/>
+              </a:rPr>
               <a:t>1. SKIP_WAL</a:t>
             </a:r>
             <a:r>
-              <a:rPr lang="zh-CN" altLang="en-US" dirty="0"/>
+              <a:rPr lang="zh-CN" altLang="en-US" sz="1400" dirty="0">
+                <a:latin typeface="仿宋"/>
+                <a:ea typeface="仿宋"/>
+                <a:cs typeface="仿宋"/>
+              </a:rPr>
               <a:t>：只写缓存，不写</a:t>
             </a:r>
             <a:r>
-              <a:rPr lang="en-US" altLang="zh-CN" dirty="0" err="1"/>
+              <a:rPr lang="en-US" altLang="zh-CN" sz="1400" dirty="0" err="1">
+                <a:latin typeface="仿宋"/>
+                <a:ea typeface="仿宋"/>
+                <a:cs typeface="仿宋"/>
+              </a:rPr>
               <a:t>HLog</a:t>
             </a:r>
             <a:r>
-              <a:rPr lang="zh-CN" altLang="en-US" dirty="0"/>
+              <a:rPr lang="zh-CN" altLang="en-US" sz="1400" dirty="0">
+                <a:latin typeface="仿宋"/>
+                <a:ea typeface="仿宋"/>
+                <a:cs typeface="仿宋"/>
+              </a:rPr>
               <a:t>日志。这种方式因为只写内存，因此可以极大的提升写入性能，但是数据有丢失的风险。在实际应用过程中并不建议设置此等级，除非确认不要求数据的可靠性。</a:t>
             </a:r>
           </a:p>
           <a:p>
-            <a:endParaRPr lang="zh-CN" altLang="en-US" dirty="0"/>
-          </a:p>
-          <a:p>
-            <a:r>
-              <a:rPr lang="en-US" altLang="zh-CN" dirty="0"/>
+            <a:pPr lvl="1"/>
+            <a:endParaRPr lang="zh-CN" altLang="en-US" sz="1400" dirty="0">
+              <a:latin typeface="仿宋"/>
+              <a:ea typeface="仿宋"/>
+              <a:cs typeface="仿宋"/>
+            </a:endParaRPr>
+          </a:p>
+          <a:p>
+            <a:pPr lvl="1"/>
+            <a:r>
+              <a:rPr lang="en-US" altLang="zh-CN" sz="1400" dirty="0">
+                <a:latin typeface="仿宋"/>
+                <a:ea typeface="仿宋"/>
+                <a:cs typeface="仿宋"/>
+              </a:rPr>
               <a:t>2. ASYNC_WAL</a:t>
             </a:r>
             <a:r>
-              <a:rPr lang="zh-CN" altLang="en-US" dirty="0"/>
+              <a:rPr lang="zh-CN" altLang="en-US" sz="1400" dirty="0">
+                <a:latin typeface="仿宋"/>
+                <a:ea typeface="仿宋"/>
+                <a:cs typeface="仿宋"/>
+              </a:rPr>
               <a:t>：异步将数据写入</a:t>
             </a:r>
             <a:r>
-              <a:rPr lang="en-US" altLang="zh-CN" dirty="0" err="1"/>
+              <a:rPr lang="en-US" altLang="zh-CN" sz="1400" dirty="0" err="1">
+                <a:latin typeface="仿宋"/>
+                <a:ea typeface="仿宋"/>
+                <a:cs typeface="仿宋"/>
+              </a:rPr>
               <a:t>HLog</a:t>
             </a:r>
             <a:r>
-              <a:rPr lang="zh-CN" altLang="en-US" dirty="0"/>
+              <a:rPr lang="zh-CN" altLang="en-US" sz="1400" dirty="0">
+                <a:latin typeface="仿宋"/>
+                <a:ea typeface="仿宋"/>
+                <a:cs typeface="仿宋"/>
+              </a:rPr>
               <a:t>日志中。</a:t>
             </a:r>
           </a:p>
           <a:p>
-            <a:endParaRPr lang="zh-CN" altLang="en-US" dirty="0"/>
-          </a:p>
-          <a:p>
-            <a:r>
-              <a:rPr lang="en-US" altLang="zh-CN" dirty="0"/>
+            <a:pPr lvl="1"/>
+            <a:endParaRPr lang="zh-CN" altLang="en-US" sz="1400" dirty="0">
+              <a:latin typeface="仿宋"/>
+              <a:ea typeface="仿宋"/>
+              <a:cs typeface="仿宋"/>
+            </a:endParaRPr>
+          </a:p>
+          <a:p>
+            <a:pPr lvl="1"/>
+            <a:r>
+              <a:rPr lang="en-US" altLang="zh-CN" sz="1400" dirty="0">
+                <a:latin typeface="仿宋"/>
+                <a:ea typeface="仿宋"/>
+                <a:cs typeface="仿宋"/>
+              </a:rPr>
               <a:t>3. SYNC_WAL</a:t>
             </a:r>
             <a:r>
-              <a:rPr lang="zh-CN" altLang="en-US" dirty="0"/>
+              <a:rPr lang="zh-CN" altLang="en-US" sz="1400" dirty="0">
+                <a:latin typeface="仿宋"/>
+                <a:ea typeface="仿宋"/>
+                <a:cs typeface="仿宋"/>
+              </a:rPr>
               <a:t>：同步将数据写入日志文件中，需要注意的是数据只是被写入文件系统中，并没有真正落盘。</a:t>
             </a:r>
           </a:p>
           <a:p>
-            <a:endParaRPr lang="zh-CN" altLang="en-US" dirty="0"/>
-          </a:p>
-          <a:p>
-            <a:r>
-              <a:rPr lang="en-US" altLang="zh-CN" dirty="0"/>
+            <a:pPr lvl="1"/>
+            <a:endParaRPr lang="zh-CN" altLang="en-US" sz="1400" dirty="0">
+              <a:latin typeface="仿宋"/>
+              <a:ea typeface="仿宋"/>
+              <a:cs typeface="仿宋"/>
+            </a:endParaRPr>
+          </a:p>
+          <a:p>
+            <a:pPr lvl="1"/>
+            <a:r>
+              <a:rPr lang="en-US" altLang="zh-CN" sz="1400" dirty="0">
+                <a:latin typeface="仿宋"/>
+                <a:ea typeface="仿宋"/>
+                <a:cs typeface="仿宋"/>
+              </a:rPr>
               <a:t>4. FSYNC_WAL</a:t>
             </a:r>
             <a:r>
-              <a:rPr lang="zh-CN" altLang="en-US" dirty="0"/>
+              <a:rPr lang="zh-CN" altLang="en-US" sz="1400" dirty="0">
+                <a:latin typeface="仿宋"/>
+                <a:ea typeface="仿宋"/>
+                <a:cs typeface="仿宋"/>
+              </a:rPr>
               <a:t>：同步将数据写入日志文件并强制落盘。最严格的日志写入等级，可以保证数据不会丢失，但是性能相对比较差。</a:t>
             </a:r>
           </a:p>
           <a:p>
-            <a:endParaRPr lang="zh-CN" altLang="en-US" dirty="0"/>
-          </a:p>
-          <a:p>
-            <a:r>
-              <a:rPr lang="en-US" altLang="zh-CN" dirty="0"/>
+            <a:pPr lvl="1"/>
+            <a:endParaRPr lang="zh-CN" altLang="en-US" sz="1400" dirty="0">
+              <a:latin typeface="仿宋"/>
+              <a:ea typeface="仿宋"/>
+              <a:cs typeface="仿宋"/>
+            </a:endParaRPr>
+          </a:p>
+          <a:p>
+            <a:pPr lvl="1"/>
+            <a:r>
+              <a:rPr lang="en-US" altLang="zh-CN" sz="1400" dirty="0">
+                <a:latin typeface="仿宋"/>
+                <a:ea typeface="仿宋"/>
+                <a:cs typeface="仿宋"/>
+              </a:rPr>
               <a:t>5. USER_DEFAULT</a:t>
             </a:r>
             <a:r>
-              <a:rPr lang="zh-CN" altLang="en-US" dirty="0"/>
+              <a:rPr lang="zh-CN" altLang="en-US" sz="1400" dirty="0">
+                <a:latin typeface="仿宋"/>
+                <a:ea typeface="仿宋"/>
+                <a:cs typeface="仿宋"/>
+              </a:rPr>
               <a:t>：默认如果用户没有指定持久化等级，</a:t>
             </a:r>
             <a:r>
-              <a:rPr lang="en-US" altLang="zh-CN" dirty="0" err="1"/>
+              <a:rPr lang="en-US" altLang="zh-CN" sz="1400" dirty="0" err="1">
+                <a:latin typeface="仿宋"/>
+                <a:ea typeface="仿宋"/>
+                <a:cs typeface="仿宋"/>
+              </a:rPr>
               <a:t>HBase</a:t>
             </a:r>
             <a:r>
-              <a:rPr lang="zh-CN" altLang="en-US" dirty="0"/>
+              <a:rPr lang="zh-CN" altLang="en-US" sz="1400" dirty="0">
+                <a:latin typeface="仿宋"/>
+                <a:ea typeface="仿宋"/>
+                <a:cs typeface="仿宋"/>
+              </a:rPr>
               <a:t>使用</a:t>
             </a:r>
             <a:r>
-              <a:rPr lang="en-US" altLang="zh-CN" dirty="0"/>
+              <a:rPr lang="en-US" altLang="zh-CN" sz="1400" dirty="0">
+                <a:latin typeface="仿宋"/>
+                <a:ea typeface="仿宋"/>
+                <a:cs typeface="仿宋"/>
+              </a:rPr>
               <a:t>SYNC_WAL</a:t>
             </a:r>
             <a:r>
-              <a:rPr lang="zh-CN" altLang="en-US" dirty="0"/>
+              <a:rPr lang="zh-CN" altLang="en-US" sz="1400" dirty="0">
+                <a:latin typeface="仿宋"/>
+                <a:ea typeface="仿宋"/>
+                <a:cs typeface="仿宋"/>
+              </a:rPr>
               <a:t>等级持久化数据。</a:t>
             </a:r>
           </a:p>
           <a:p>
-            <a:endParaRPr lang="zh-CN" altLang="en-US" dirty="0"/>
-          </a:p>
-          <a:p>
-            <a:r>
-              <a:rPr lang="zh-CN" altLang="en-US" dirty="0"/>
+            <a:pPr lvl="1"/>
+            <a:endParaRPr lang="zh-CN" altLang="en-US" sz="1400" dirty="0">
+              <a:latin typeface="仿宋"/>
+              <a:ea typeface="仿宋"/>
+              <a:cs typeface="仿宋"/>
+            </a:endParaRPr>
+          </a:p>
+          <a:p>
+            <a:pPr lvl="1"/>
+            <a:r>
+              <a:rPr lang="zh-CN" altLang="en-US" sz="1400" dirty="0">
+                <a:latin typeface="仿宋"/>
+                <a:ea typeface="仿宋"/>
+                <a:cs typeface="仿宋"/>
+              </a:rPr>
               <a:t>用户可以通过客户端设置</a:t>
             </a:r>
             <a:r>
-              <a:rPr lang="en-US" altLang="zh-CN" dirty="0"/>
+              <a:rPr lang="en-US" altLang="zh-CN" sz="1400" dirty="0">
+                <a:latin typeface="仿宋"/>
+                <a:ea typeface="仿宋"/>
+                <a:cs typeface="仿宋"/>
+              </a:rPr>
               <a:t>WAL</a:t>
             </a:r>
             <a:r>
-              <a:rPr lang="zh-CN" altLang="en-US" dirty="0"/>
+              <a:rPr lang="zh-CN" altLang="en-US" sz="1400" dirty="0">
+                <a:latin typeface="仿宋"/>
+                <a:ea typeface="仿宋"/>
+                <a:cs typeface="仿宋"/>
+              </a:rPr>
               <a:t>持久化等级，代码：</a:t>
             </a:r>
             <a:r>
-              <a:rPr lang="en-US" altLang="zh-CN" dirty="0" err="1"/>
+              <a:rPr lang="en-US" altLang="zh-CN" sz="1400" dirty="0" err="1">
+                <a:latin typeface="仿宋"/>
+                <a:ea typeface="仿宋"/>
+                <a:cs typeface="仿宋"/>
+              </a:rPr>
               <a:t>put.setDurability</a:t>
             </a:r>
             <a:r>
-              <a:rPr lang="en-US" altLang="zh-CN" dirty="0"/>
+              <a:rPr lang="en-US" altLang="zh-CN" sz="1400" dirty="0">
+                <a:latin typeface="仿宋"/>
+                <a:ea typeface="仿宋"/>
+                <a:cs typeface="仿宋"/>
+              </a:rPr>
               <a:t>(Durability. SYNC_WAL );</a:t>
             </a:r>
-            <a:endParaRPr lang="zh-CN" altLang="en-US" dirty="0"/>
-          </a:p>
-        </p:txBody>
-      </p:sp>
-      <p:sp>
-        <p:nvSpPr>
-          <p:cNvPr id="6" name="矩形 5"/>
-          <p:cNvSpPr/>
-          <p:nvPr/>
-        </p:nvSpPr>
-        <p:spPr>
-          <a:xfrm>
-            <a:off x="1960141" y="659970"/>
-            <a:ext cx="4875374" cy="369332"/>
-          </a:xfrm>
-          <a:prstGeom prst="rect">
-            <a:avLst/>
-          </a:prstGeom>
-        </p:spPr>
-        <p:txBody>
-          <a:bodyPr wrap="none">
-            <a:spAutoFit/>
-          </a:bodyPr>
-          <a:lstStyle/>
-          <a:p>
-            <a:r>
-              <a:rPr lang="zh-CN" altLang="en-US" dirty="0"/>
-              <a:t>http://hbasefly.com/2016/03/23/hbase_writer/</a:t>
-            </a:r>
+            <a:endParaRPr lang="zh-CN" altLang="en-US" sz="1400" dirty="0">
+              <a:latin typeface="仿宋"/>
+              <a:ea typeface="仿宋"/>
+              <a:cs typeface="仿宋"/>
+            </a:endParaRPr>
+          </a:p>
+          <a:p>
+            <a:endParaRPr lang="zh-CN" altLang="en-US" sz="1400" dirty="0">
+              <a:latin typeface="仿宋"/>
+              <a:ea typeface="仿宋"/>
+              <a:cs typeface="仿宋"/>
+            </a:endParaRPr>
           </a:p>
         </p:txBody>
       </p:sp>
@@ -13530,38 +13846,96 @@
           <a:bodyPr/>
           <a:lstStyle/>
           <a:p>
-            <a:endParaRPr lang="zh-CN" altLang="en-US"/>
+            <a:r>
+              <a:rPr lang="en-US" altLang="zh-CN" dirty="0" smtClean="0"/>
+              <a:t>WAL</a:t>
+            </a:r>
+            <a:r>
+              <a:rPr lang="en-US" altLang="zh-CN" dirty="0" smtClean="0"/>
+              <a:t> Splitting</a:t>
+            </a:r>
+            <a:endParaRPr lang="zh-CN" altLang="en-US" dirty="0"/>
           </a:p>
         </p:txBody>
       </p:sp>
-      <p:pic>
-        <p:nvPicPr>
-          <p:cNvPr id="4" name="图片 3"/>
-          <p:cNvPicPr>
-            <a:picLocks noChangeAspect="1"/>
-          </p:cNvPicPr>
+      <p:sp>
+        <p:nvSpPr>
+          <p:cNvPr id="4" name="矩形 3"/>
+          <p:cNvSpPr/>
           <p:nvPr/>
-        </p:nvPicPr>
-        <p:blipFill>
-          <a:blip r:embed="rId2"/>
-          <a:stretch>
-            <a:fillRect/>
-          </a:stretch>
-        </p:blipFill>
+        </p:nvSpPr>
         <p:spPr>
           <a:xfrm>
-            <a:off x="403641" y="339374"/>
-            <a:ext cx="9328187" cy="6304517"/>
+            <a:off x="521207" y="1561573"/>
+            <a:ext cx="11159977" cy="738664"/>
           </a:xfrm>
           <a:prstGeom prst="rect">
             <a:avLst/>
           </a:prstGeom>
         </p:spPr>
-      </p:pic>
+        <p:txBody>
+          <a:bodyPr wrap="square">
+            <a:spAutoFit/>
+          </a:bodyPr>
+          <a:lstStyle/>
+          <a:p>
+            <a:r>
+              <a:rPr lang="zh-CN" altLang="en-US" sz="1400" dirty="0" smtClean="0">
+                <a:solidFill>
+                  <a:srgbClr val="C55A11"/>
+                </a:solidFill>
+                <a:latin typeface="仿宋"/>
+                <a:ea typeface="仿宋"/>
+                <a:cs typeface="仿宋"/>
+              </a:rPr>
+              <a:t>待补充！</a:t>
+            </a:r>
+            <a:endParaRPr lang="en-US" altLang="zh-CN" sz="1400" dirty="0" smtClean="0">
+              <a:solidFill>
+                <a:srgbClr val="C55A11"/>
+              </a:solidFill>
+              <a:latin typeface="仿宋"/>
+              <a:ea typeface="仿宋"/>
+              <a:cs typeface="仿宋"/>
+            </a:endParaRPr>
+          </a:p>
+          <a:p>
+            <a:endParaRPr lang="en-US" altLang="zh-CN" sz="1400" dirty="0">
+              <a:solidFill>
+                <a:srgbClr val="C55A11"/>
+              </a:solidFill>
+              <a:latin typeface="仿宋"/>
+              <a:ea typeface="仿宋"/>
+              <a:cs typeface="仿宋"/>
+            </a:endParaRPr>
+          </a:p>
+          <a:p>
+            <a:r>
+              <a:rPr lang="zh-CN" altLang="en-US" sz="1400" dirty="0" smtClean="0">
+                <a:solidFill>
+                  <a:srgbClr val="C55A11"/>
+                </a:solidFill>
+                <a:latin typeface="仿宋"/>
+                <a:ea typeface="仿宋"/>
+                <a:cs typeface="仿宋"/>
+              </a:rPr>
+              <a:t>文档里面有！！</a:t>
+            </a:r>
+            <a:endParaRPr lang="zh-CN" altLang="en-US" sz="1400" dirty="0">
+              <a:solidFill>
+                <a:srgbClr val="C55A11"/>
+              </a:solidFill>
+              <a:latin typeface="仿宋"/>
+              <a:ea typeface="仿宋"/>
+              <a:cs typeface="仿宋"/>
+            </a:endParaRPr>
+          </a:p>
+        </p:txBody>
+      </p:sp>
     </p:spTree>
     <p:extLst>
       <p:ext uri="{BB962C8B-B14F-4D97-AF65-F5344CB8AC3E}">
-        <p14:creationId xmlns:p14="http://schemas.microsoft.com/office/powerpoint/2010/main" val="3529256650"/>
+        <p14:creationId xmlns:p14="http://schemas.microsoft.com/office/powerpoint/2010/main" val="2909129744"/>
       </p:ext>
     </p:extLst>
   </p:cSld>
@@ -13605,7 +13979,11 @@
           <a:p>
             <a:r>
               <a:rPr lang="en-US" altLang="zh-CN" dirty="0" err="1" smtClean="0"/>
-              <a:t>BlockCache</a:t>
+              <a:t>Hbase</a:t>
+            </a:r>
+            <a:r>
+              <a:rPr lang="zh-CN" altLang="en-US" dirty="0" smtClean="0"/>
+              <a:t>读路径</a:t>
             </a:r>
             <a:endParaRPr lang="zh-CN" altLang="en-US" dirty="0"/>
           </a:p>
@@ -13613,14 +13991,14 @@
       </p:sp>
       <p:sp>
         <p:nvSpPr>
-          <p:cNvPr id="4" name="矩形 3"/>
+          <p:cNvPr id="3" name="矩形 2"/>
           <p:cNvSpPr/>
           <p:nvPr/>
         </p:nvSpPr>
         <p:spPr>
           <a:xfrm>
-            <a:off x="521207" y="1521721"/>
-            <a:ext cx="11379056" cy="5078313"/>
+            <a:off x="641270" y="1379203"/>
+            <a:ext cx="10700417" cy="3629198"/>
           </a:xfrm>
           <a:prstGeom prst="rect">
             <a:avLst/>
@@ -13632,413 +14010,128 @@
           </a:bodyPr>
           <a:lstStyle/>
           <a:p>
-            <a:r>
-              <a:rPr lang="zh-CN" altLang="en-US"/>
-              <a:t>在介绍</a:t>
-            </a:r>
-            <a:r>
-              <a:rPr lang="en-US" altLang="zh-CN" dirty="0" err="1"/>
-              <a:t>BlockCache</a:t>
-            </a:r>
-            <a:r>
-              <a:rPr lang="zh-CN" altLang="en-US" dirty="0"/>
-              <a:t>之前，简单地回顾一下</a:t>
-            </a:r>
-            <a:r>
-              <a:rPr lang="en-US" altLang="zh-CN" dirty="0" err="1"/>
+            <a:pPr>
+              <a:lnSpc>
+                <a:spcPct val="150000"/>
+              </a:lnSpc>
+            </a:pPr>
+            <a:r>
+              <a:rPr lang="en-US" altLang="zh-CN" sz="1400" b="1" dirty="0"/>
+              <a:t>How Search Initializes in </a:t>
+            </a:r>
+            <a:r>
+              <a:rPr lang="en-US" altLang="zh-CN" sz="1400" b="1" dirty="0" err="1"/>
               <a:t>HBase</a:t>
             </a:r>
             <a:r>
-              <a:rPr lang="zh-CN" altLang="en-US" dirty="0"/>
-              <a:t>中</a:t>
-            </a:r>
-            <a:r>
-              <a:rPr lang="en-US" altLang="zh-CN" dirty="0"/>
-              <a:t>Block</a:t>
-            </a:r>
-            <a:r>
-              <a:rPr lang="zh-CN" altLang="en-US" dirty="0"/>
-              <a:t>的概念，详细介绍戳这里。 </a:t>
-            </a:r>
-            <a:r>
-              <a:rPr lang="en-US" altLang="zh-CN" dirty="0"/>
-              <a:t>Block</a:t>
-            </a:r>
-            <a:r>
-              <a:rPr lang="zh-CN" altLang="en-US" dirty="0"/>
-              <a:t>是</a:t>
-            </a:r>
-            <a:r>
-              <a:rPr lang="en-US" altLang="zh-CN" dirty="0" err="1"/>
+              <a:rPr lang="en-US" altLang="zh-CN" sz="1400" b="1" dirty="0"/>
+              <a:t>?</a:t>
+            </a:r>
+          </a:p>
+          <a:p>
+            <a:pPr marL="285750" indent="-285750">
+              <a:lnSpc>
+                <a:spcPct val="150000"/>
+              </a:lnSpc>
+              <a:buFont typeface="Wingdings" charset="2"/>
+              <a:buChar char="l"/>
+            </a:pPr>
+            <a:r>
+              <a:rPr lang="en-US" altLang="zh-CN" sz="1400" dirty="0" smtClean="0"/>
+              <a:t>Zookeeper </a:t>
+            </a:r>
+            <a:r>
+              <a:rPr lang="en-US" altLang="zh-CN" sz="1400" dirty="0"/>
+              <a:t>stores the META table location. Whenever a client approaches with a read or writes requests to </a:t>
+            </a:r>
+            <a:r>
+              <a:rPr lang="en-US" altLang="zh-CN" sz="1400" dirty="0" err="1"/>
               <a:t>HBase</a:t>
             </a:r>
             <a:r>
-              <a:rPr lang="zh-CN" altLang="en-US" dirty="0"/>
-              <a:t>中最小的数据存储单元，默认为</a:t>
-            </a:r>
-            <a:r>
-              <a:rPr lang="en-US" altLang="zh-CN" dirty="0"/>
-              <a:t>64K</a:t>
-            </a:r>
-            <a:r>
-              <a:rPr lang="zh-CN" altLang="en-US" dirty="0"/>
-              <a:t>，在建表语句中可以通过参数</a:t>
-            </a:r>
-            <a:r>
-              <a:rPr lang="en-US" altLang="zh-CN" dirty="0" err="1"/>
-              <a:t>BlockSize</a:t>
-            </a:r>
-            <a:r>
-              <a:rPr lang="zh-CN" altLang="en-US" dirty="0"/>
-              <a:t>指定。</a:t>
-            </a:r>
-            <a:r>
-              <a:rPr lang="en-US" altLang="zh-CN" dirty="0" err="1"/>
-              <a:t>HBase</a:t>
-            </a:r>
-            <a:r>
-              <a:rPr lang="zh-CN" altLang="en-US" dirty="0"/>
-              <a:t>中</a:t>
-            </a:r>
-            <a:r>
-              <a:rPr lang="en-US" altLang="zh-CN" dirty="0"/>
-              <a:t>Block</a:t>
-            </a:r>
-            <a:r>
-              <a:rPr lang="zh-CN" altLang="en-US" dirty="0"/>
-              <a:t>分为四种类型：</a:t>
-            </a:r>
-            <a:r>
-              <a:rPr lang="en-US" altLang="zh-CN" dirty="0"/>
-              <a:t>Data Block</a:t>
-            </a:r>
-            <a:r>
-              <a:rPr lang="zh-CN" altLang="en-US" dirty="0"/>
-              <a:t>，</a:t>
-            </a:r>
-            <a:r>
-              <a:rPr lang="en-US" altLang="zh-CN" dirty="0"/>
-              <a:t>Index Block</a:t>
-            </a:r>
-            <a:r>
-              <a:rPr lang="zh-CN" altLang="en-US" dirty="0"/>
-              <a:t>，</a:t>
-            </a:r>
-            <a:r>
-              <a:rPr lang="en-US" altLang="zh-CN" dirty="0"/>
-              <a:t>Bloom Block</a:t>
-            </a:r>
-            <a:r>
-              <a:rPr lang="zh-CN" altLang="en-US" dirty="0"/>
-              <a:t>和</a:t>
-            </a:r>
-            <a:r>
-              <a:rPr lang="en-US" altLang="zh-CN" dirty="0"/>
-              <a:t>Meta Block</a:t>
-            </a:r>
-            <a:r>
-              <a:rPr lang="zh-CN" altLang="en-US" dirty="0"/>
-              <a:t>。其中</a:t>
-            </a:r>
-            <a:r>
-              <a:rPr lang="en-US" altLang="zh-CN" dirty="0"/>
-              <a:t>Data Block</a:t>
-            </a:r>
-            <a:r>
-              <a:rPr lang="zh-CN" altLang="en-US" dirty="0"/>
-              <a:t>用于存储实际数据，通常情况下每个</a:t>
-            </a:r>
-            <a:r>
-              <a:rPr lang="en-US" altLang="zh-CN" dirty="0"/>
-              <a:t>Data Block</a:t>
-            </a:r>
-            <a:r>
-              <a:rPr lang="zh-CN" altLang="en-US" dirty="0"/>
-              <a:t>可以存放多条</a:t>
-            </a:r>
-            <a:r>
-              <a:rPr lang="en-US" altLang="zh-CN" dirty="0" err="1"/>
-              <a:t>KeyValue</a:t>
-            </a:r>
-            <a:r>
-              <a:rPr lang="zh-CN" altLang="en-US" dirty="0"/>
-              <a:t>数据对；</a:t>
-            </a:r>
-            <a:r>
-              <a:rPr lang="en-US" altLang="zh-CN" dirty="0"/>
-              <a:t>Index Block</a:t>
-            </a:r>
-            <a:r>
-              <a:rPr lang="zh-CN" altLang="en-US" dirty="0"/>
-              <a:t>和</a:t>
-            </a:r>
-            <a:r>
-              <a:rPr lang="en-US" altLang="zh-CN" dirty="0"/>
-              <a:t>Bloom Block</a:t>
-            </a:r>
-            <a:r>
-              <a:rPr lang="zh-CN" altLang="en-US" dirty="0"/>
-              <a:t>都用于优化随机读的查找路径，其中</a:t>
-            </a:r>
-            <a:r>
-              <a:rPr lang="en-US" altLang="zh-CN" dirty="0"/>
-              <a:t>Index Block</a:t>
-            </a:r>
-            <a:r>
-              <a:rPr lang="zh-CN" altLang="en-US" dirty="0"/>
-              <a:t>通过存储索引数据加快数据查找，而</a:t>
-            </a:r>
-            <a:r>
-              <a:rPr lang="en-US" altLang="zh-CN" dirty="0"/>
-              <a:t>Bloom Block</a:t>
-            </a:r>
-            <a:r>
-              <a:rPr lang="zh-CN" altLang="en-US" dirty="0"/>
-              <a:t>通过一定算法可以过滤掉部分一定不存在待查</a:t>
-            </a:r>
-            <a:r>
-              <a:rPr lang="en-US" altLang="zh-CN" dirty="0" err="1"/>
-              <a:t>KeyValue</a:t>
-            </a:r>
-            <a:r>
-              <a:rPr lang="zh-CN" altLang="en-US" dirty="0"/>
-              <a:t>的数据文件，减少不必要的</a:t>
-            </a:r>
-            <a:r>
-              <a:rPr lang="en-US" altLang="zh-CN" dirty="0"/>
-              <a:t>IO</a:t>
-            </a:r>
-            <a:r>
-              <a:rPr lang="zh-CN" altLang="en-US" dirty="0"/>
-              <a:t>操作；</a:t>
-            </a:r>
-            <a:r>
-              <a:rPr lang="en-US" altLang="zh-CN" dirty="0"/>
-              <a:t>Meta Block</a:t>
-            </a:r>
-            <a:r>
-              <a:rPr lang="zh-CN" altLang="en-US" dirty="0"/>
-              <a:t>主要存储整个</a:t>
-            </a:r>
-            <a:r>
-              <a:rPr lang="en-US" altLang="zh-CN" dirty="0" err="1"/>
-              <a:t>HFile</a:t>
-            </a:r>
-            <a:r>
-              <a:rPr lang="zh-CN" altLang="en-US" dirty="0"/>
-              <a:t>的元数据。</a:t>
-            </a:r>
-          </a:p>
-          <a:p>
-            <a:endParaRPr lang="zh-CN" altLang="en-US" dirty="0"/>
-          </a:p>
-          <a:p>
-            <a:endParaRPr lang="zh-CN" altLang="en-US" dirty="0"/>
-          </a:p>
-          <a:p>
-            <a:r>
-              <a:rPr lang="en-US" altLang="zh-CN" dirty="0" err="1"/>
-              <a:t>BlockCache</a:t>
-            </a:r>
-            <a:r>
-              <a:rPr lang="zh-CN" altLang="en-US" dirty="0"/>
-              <a:t>是</a:t>
-            </a:r>
-            <a:r>
-              <a:rPr lang="en-US" altLang="zh-CN" dirty="0"/>
-              <a:t>Region Server</a:t>
-            </a:r>
-            <a:r>
-              <a:rPr lang="zh-CN" altLang="en-US" dirty="0"/>
-              <a:t>级别的，一个</a:t>
-            </a:r>
-            <a:r>
-              <a:rPr lang="en-US" altLang="zh-CN" dirty="0"/>
-              <a:t>Region Server</a:t>
-            </a:r>
-            <a:r>
-              <a:rPr lang="zh-CN" altLang="en-US" dirty="0"/>
-              <a:t>只有一个</a:t>
-            </a:r>
-            <a:r>
-              <a:rPr lang="en-US" altLang="zh-CN" dirty="0"/>
-              <a:t>Block Cache</a:t>
-            </a:r>
-            <a:r>
-              <a:rPr lang="zh-CN" altLang="en-US" dirty="0"/>
-              <a:t>，在</a:t>
-            </a:r>
-            <a:r>
-              <a:rPr lang="en-US" altLang="zh-CN" dirty="0"/>
-              <a:t>Region Server</a:t>
-            </a:r>
-            <a:r>
-              <a:rPr lang="zh-CN" altLang="en-US" dirty="0"/>
-              <a:t>启动的时候完成</a:t>
-            </a:r>
-            <a:r>
-              <a:rPr lang="en-US" altLang="zh-CN" dirty="0"/>
-              <a:t>Block Cache</a:t>
-            </a:r>
-            <a:r>
-              <a:rPr lang="zh-CN" altLang="en-US" dirty="0"/>
-              <a:t>的初始化工作。到目前为止，</a:t>
-            </a:r>
-            <a:r>
-              <a:rPr lang="en-US" altLang="zh-CN" dirty="0" err="1"/>
-              <a:t>HBase</a:t>
-            </a:r>
-            <a:r>
-              <a:rPr lang="zh-CN" altLang="en-US" dirty="0"/>
-              <a:t>先后实现了</a:t>
-            </a:r>
-            <a:r>
-              <a:rPr lang="en-US" altLang="zh-CN" dirty="0"/>
-              <a:t>3</a:t>
-            </a:r>
-            <a:r>
-              <a:rPr lang="zh-CN" altLang="en-US" dirty="0"/>
-              <a:t>种</a:t>
-            </a:r>
-            <a:r>
-              <a:rPr lang="en-US" altLang="zh-CN" dirty="0"/>
-              <a:t>Block Cache</a:t>
-            </a:r>
-            <a:r>
-              <a:rPr lang="zh-CN" altLang="en-US" dirty="0"/>
-              <a:t>方案，</a:t>
-            </a:r>
-            <a:r>
-              <a:rPr lang="en-US" altLang="zh-CN" dirty="0" err="1"/>
-              <a:t>LRUBlockCache</a:t>
-            </a:r>
-            <a:r>
-              <a:rPr lang="zh-CN" altLang="en-US" dirty="0"/>
-              <a:t>是最初的实现方案，也是默认的实现方案；</a:t>
-            </a:r>
-            <a:r>
-              <a:rPr lang="en-US" altLang="zh-CN" dirty="0" err="1"/>
-              <a:t>HBase</a:t>
-            </a:r>
-            <a:r>
-              <a:rPr lang="en-US" altLang="zh-CN" dirty="0"/>
-              <a:t> 0.92</a:t>
-            </a:r>
-            <a:r>
-              <a:rPr lang="zh-CN" altLang="en-US" dirty="0"/>
-              <a:t>版本实现了第二种方案</a:t>
-            </a:r>
-            <a:r>
-              <a:rPr lang="en-US" altLang="zh-CN" dirty="0" err="1"/>
-              <a:t>SlabCache</a:t>
-            </a:r>
-            <a:r>
-              <a:rPr lang="zh-CN" altLang="en-US" dirty="0"/>
-              <a:t>，见</a:t>
-            </a:r>
-            <a:r>
-              <a:rPr lang="en-US" altLang="zh-CN" dirty="0"/>
-              <a:t>HBASE-4027</a:t>
-            </a:r>
-            <a:r>
-              <a:rPr lang="zh-CN" altLang="en-US" dirty="0"/>
-              <a:t>；</a:t>
-            </a:r>
-            <a:r>
-              <a:rPr lang="en-US" altLang="zh-CN" dirty="0" err="1"/>
-              <a:t>HBase</a:t>
-            </a:r>
-            <a:r>
-              <a:rPr lang="en-US" altLang="zh-CN" dirty="0"/>
-              <a:t> 0.96</a:t>
-            </a:r>
-            <a:r>
-              <a:rPr lang="zh-CN" altLang="en-US" dirty="0"/>
-              <a:t>之后官方提供了另一种可选方案</a:t>
-            </a:r>
-            <a:r>
-              <a:rPr lang="en-US" altLang="zh-CN" dirty="0" err="1"/>
-              <a:t>BucketCache</a:t>
-            </a:r>
-            <a:r>
-              <a:rPr lang="zh-CN" altLang="en-US" dirty="0"/>
-              <a:t>，见</a:t>
-            </a:r>
-            <a:r>
-              <a:rPr lang="en-US" altLang="zh-CN" dirty="0"/>
-              <a:t>HBASE-7404</a:t>
-            </a:r>
-            <a:r>
-              <a:rPr lang="zh-CN" altLang="en-US" dirty="0"/>
-              <a:t>。</a:t>
-            </a:r>
-          </a:p>
-          <a:p>
-            <a:endParaRPr lang="zh-CN" altLang="en-US" dirty="0"/>
-          </a:p>
-          <a:p>
-            <a:endParaRPr lang="zh-CN" altLang="en-US" dirty="0"/>
-          </a:p>
-          <a:p>
-            <a:r>
-              <a:rPr lang="zh-CN" altLang="en-US" dirty="0"/>
-              <a:t>这三种方案的不同之处在于对内存的管理模式，其中</a:t>
-            </a:r>
-            <a:r>
-              <a:rPr lang="en-US" altLang="zh-CN" dirty="0" err="1"/>
-              <a:t>LRUBlockCache</a:t>
-            </a:r>
-            <a:r>
-              <a:rPr lang="zh-CN" altLang="en-US" dirty="0"/>
-              <a:t>是将所有数据都放入</a:t>
-            </a:r>
-            <a:r>
-              <a:rPr lang="en-US" altLang="zh-CN" dirty="0"/>
-              <a:t>JVM Heap</a:t>
-            </a:r>
-            <a:r>
-              <a:rPr lang="zh-CN" altLang="en-US" dirty="0"/>
-              <a:t>中，交给</a:t>
-            </a:r>
-            <a:r>
-              <a:rPr lang="en-US" altLang="zh-CN" dirty="0"/>
-              <a:t>JVM</a:t>
-            </a:r>
-            <a:r>
-              <a:rPr lang="zh-CN" altLang="en-US" dirty="0"/>
-              <a:t>进行管理。而后两者采用了不同机制将部分数据存储在堆外，交给</a:t>
-            </a:r>
-            <a:r>
-              <a:rPr lang="en-US" altLang="zh-CN" dirty="0" err="1"/>
-              <a:t>HBase</a:t>
-            </a:r>
-            <a:r>
-              <a:rPr lang="zh-CN" altLang="en-US" dirty="0"/>
-              <a:t>自己管理。这种演变过程是因为</a:t>
-            </a:r>
-            <a:r>
-              <a:rPr lang="en-US" altLang="zh-CN" dirty="0" err="1"/>
-              <a:t>LRUBlockCache</a:t>
-            </a:r>
-            <a:r>
-              <a:rPr lang="zh-CN" altLang="en-US" dirty="0"/>
-              <a:t>方案中</a:t>
-            </a:r>
-            <a:r>
-              <a:rPr lang="en-US" altLang="zh-CN" dirty="0"/>
-              <a:t>JVM</a:t>
-            </a:r>
-            <a:r>
-              <a:rPr lang="zh-CN" altLang="en-US" dirty="0"/>
-              <a:t>垃圾回收机制经常会导致程序长时间暂停，而采用堆外内存对数据进行管理可以有效避免这种情况发生。</a:t>
-            </a:r>
+              <a:rPr lang="en-US" altLang="zh-CN" sz="1400" dirty="0"/>
+              <a:t> following operation occurs:</a:t>
+            </a:r>
+          </a:p>
+          <a:p>
+            <a:pPr marL="1200150" lvl="2" indent="-285750">
+              <a:lnSpc>
+                <a:spcPct val="150000"/>
+              </a:lnSpc>
+              <a:buFont typeface="Wingdings" charset="2"/>
+              <a:buChar char="²"/>
+            </a:pPr>
+            <a:r>
+              <a:rPr lang="en-US" altLang="zh-CN" sz="1400" dirty="0"/>
+              <a:t>The client retrieves the location of the META table from the </a:t>
+            </a:r>
+            <a:r>
+              <a:rPr lang="en-US" altLang="zh-CN" sz="1400" dirty="0" err="1"/>
+              <a:t>ZooKeeper</a:t>
+            </a:r>
+            <a:r>
+              <a:rPr lang="en-US" altLang="zh-CN" sz="1400" dirty="0"/>
+              <a:t>.</a:t>
+            </a:r>
+          </a:p>
+          <a:p>
+            <a:pPr marL="1200150" lvl="2" indent="-285750">
+              <a:lnSpc>
+                <a:spcPct val="150000"/>
+              </a:lnSpc>
+              <a:buFont typeface="Wingdings" charset="2"/>
+              <a:buChar char="²"/>
+            </a:pPr>
+            <a:r>
+              <a:rPr lang="en-US" altLang="zh-CN" sz="1400" dirty="0"/>
+              <a:t>The client then requests for the location of the Region Server of corresponding row key from the META table to access it. The client caches this information with the location of the META Table.</a:t>
+            </a:r>
+          </a:p>
+          <a:p>
+            <a:pPr marL="1200150" lvl="2" indent="-285750">
+              <a:lnSpc>
+                <a:spcPct val="150000"/>
+              </a:lnSpc>
+              <a:buFont typeface="Wingdings" charset="2"/>
+              <a:buChar char="²"/>
+            </a:pPr>
+            <a:r>
+              <a:rPr lang="en-US" altLang="zh-CN" sz="1400" dirty="0"/>
+              <a:t>Then it will get the row location by requesting from the corresponding Region Server.</a:t>
+            </a:r>
+          </a:p>
+          <a:p>
+            <a:pPr>
+              <a:lnSpc>
+                <a:spcPct val="150000"/>
+              </a:lnSpc>
+            </a:pPr>
+            <a:endParaRPr lang="en-US" altLang="zh-CN" sz="1400" dirty="0"/>
+          </a:p>
+          <a:p>
+            <a:pPr marL="285750" indent="-285750">
+              <a:lnSpc>
+                <a:spcPct val="150000"/>
+              </a:lnSpc>
+              <a:buFont typeface="Wingdings" charset="2"/>
+              <a:buChar char="l"/>
+            </a:pPr>
+            <a:r>
+              <a:rPr lang="en-US" altLang="zh-CN" sz="1400" dirty="0"/>
+              <a:t>For future references, the client uses its cache to retrieve the location of META table and previously read row key’s Region Server. Then the client will not refer to the META table, until and unless there is a miss because the region is shifted or moved. Then it will again request to the META server and update the cache</a:t>
+            </a:r>
+            <a:r>
+              <a:rPr lang="en-US" altLang="zh-CN" sz="1400" dirty="0" smtClean="0"/>
+              <a:t>.</a:t>
+            </a:r>
+            <a:endParaRPr lang="en-US" altLang="zh-CN" sz="1400" dirty="0"/>
           </a:p>
         </p:txBody>
       </p:sp>
     </p:spTree>
     <p:extLst>
       <p:ext uri="{BB962C8B-B14F-4D97-AF65-F5344CB8AC3E}">
-        <p14:creationId xmlns:p14="http://schemas.microsoft.com/office/powerpoint/2010/main" val="3517875183"/>
+        <p14:creationId xmlns:p14="http://schemas.microsoft.com/office/powerpoint/2010/main" val="3529256650"/>
       </p:ext>
     </p:extLst>
   </p:cSld>
@@ -14081,8 +14174,12 @@
           <a:lstStyle/>
           <a:p>
             <a:r>
-              <a:rPr lang="en-US" altLang="zh-CN" dirty="0"/>
-              <a:t>Compaction</a:t>
+              <a:rPr lang="en-US" altLang="zh-CN" dirty="0" err="1" smtClean="0"/>
+              <a:t>Hbase</a:t>
+            </a:r>
+            <a:r>
+              <a:rPr lang="zh-CN" altLang="en-US" dirty="0" smtClean="0"/>
+              <a:t>读路径</a:t>
             </a:r>
             <a:endParaRPr lang="zh-CN" altLang="en-US" dirty="0"/>
           </a:p>
@@ -14096,8 +14193,8 @@
         </p:nvSpPr>
         <p:spPr>
           <a:xfrm>
-            <a:off x="696685" y="1425752"/>
-            <a:ext cx="8342811" cy="1754326"/>
+            <a:off x="948153" y="1482271"/>
+            <a:ext cx="10456404" cy="3393237"/>
           </a:xfrm>
           <a:prstGeom prst="rect">
             <a:avLst/>
@@ -14109,33 +14206,37 @@
           </a:bodyPr>
           <a:lstStyle/>
           <a:p>
-            <a:r>
-              <a:rPr lang="en-US" altLang="zh-CN" dirty="0"/>
-              <a:t>As we know, for read performance, </a:t>
+            <a:pPr marL="285750" indent="-285750">
+              <a:lnSpc>
+                <a:spcPct val="150000"/>
+              </a:lnSpc>
+              <a:buFont typeface="Wingdings" charset="2"/>
+              <a:buChar char="l"/>
+            </a:pPr>
+            <a:r>
+              <a:rPr lang="en-US" altLang="zh-CN" dirty="0"/>
+              <a:t>For reading the data, the scanner first looks for the Row cell in Block cache. Here all the recently read key value pairs are stored.</a:t>
+            </a:r>
+          </a:p>
+          <a:p>
+            <a:pPr marL="285750" indent="-285750">
+              <a:lnSpc>
+                <a:spcPct val="150000"/>
+              </a:lnSpc>
+              <a:buFont typeface="Wingdings" charset="2"/>
+              <a:buChar char="l"/>
+            </a:pPr>
+            <a:r>
+              <a:rPr lang="en-US" altLang="zh-CN" dirty="0"/>
+              <a:t>If Scanner fails to find the required result, it moves to the </a:t>
             </a:r>
             <a:r>
               <a:rPr lang="en-US" altLang="zh-CN" dirty="0" err="1"/>
-              <a:t>HBase</a:t>
-            </a:r>
-            <a:r>
-              <a:rPr lang="en-US" altLang="zh-CN" dirty="0"/>
-              <a:t> is an optimized distributed data store. But this optimal read performance needs one file per column family. Although, during the heavy writes, it is not always possible to have one file per column family. Hence, to reduce the maximum number of disk seeks needed for read, </a:t>
-            </a:r>
-            <a:r>
-              <a:rPr lang="en-US" altLang="zh-CN" dirty="0" err="1"/>
-              <a:t>HBase</a:t>
-            </a:r>
-            <a:r>
-              <a:rPr lang="en-US" altLang="zh-CN" dirty="0"/>
-              <a:t> tries to combine all </a:t>
-            </a:r>
-            <a:r>
-              <a:rPr lang="en-US" altLang="zh-CN" dirty="0" err="1"/>
-              <a:t>HFiles</a:t>
-            </a:r>
-            <a:r>
-              <a:rPr lang="en-US" altLang="zh-CN" dirty="0"/>
-              <a:t> into a large single </a:t>
+              <a:t>MemStore</a:t>
+            </a:r>
+            <a:r>
+              <a:rPr lang="en-US" altLang="zh-CN" dirty="0"/>
+              <a:t>, as we know this is the write cache memory. There, it searches for the most recently written files, which has not been dumped yet in </a:t>
             </a:r>
             <a:r>
               <a:rPr lang="en-US" altLang="zh-CN" dirty="0" err="1"/>
@@ -14143,16 +14244,62 @@
             </a:r>
             <a:r>
               <a:rPr lang="en-US" altLang="zh-CN" dirty="0"/>
-              <a:t>. So, this process is what we call Compaction.</a:t>
-            </a:r>
-            <a:endParaRPr lang="zh-CN" altLang="en-US" dirty="0"/>
+              <a:t>.</a:t>
+            </a:r>
+          </a:p>
+          <a:p>
+            <a:pPr marL="285750" indent="-285750">
+              <a:lnSpc>
+                <a:spcPct val="150000"/>
+              </a:lnSpc>
+              <a:buFont typeface="Wingdings" charset="2"/>
+              <a:buChar char="l"/>
+            </a:pPr>
+            <a:r>
+              <a:rPr lang="en-US" altLang="zh-CN" dirty="0"/>
+              <a:t>At last, it will use bloom filters and block cache to load the data from </a:t>
+            </a:r>
+            <a:r>
+              <a:rPr lang="en-US" altLang="zh-CN" dirty="0" err="1"/>
+              <a:t>HFile</a:t>
+            </a:r>
+            <a:r>
+              <a:rPr lang="en-US" altLang="zh-CN" dirty="0" smtClean="0"/>
+              <a:t>.</a:t>
+            </a:r>
+          </a:p>
+          <a:p>
+            <a:pPr marL="285750" indent="-285750">
+              <a:lnSpc>
+                <a:spcPct val="150000"/>
+              </a:lnSpc>
+              <a:buFont typeface="Wingdings" charset="2"/>
+              <a:buChar char="l"/>
+            </a:pPr>
+            <a:r>
+              <a:rPr lang="zh-CN" altLang="en-US" dirty="0" smtClean="0"/>
+              <a:t>不同类型的存储对应不同的</a:t>
+            </a:r>
+            <a:r>
+              <a:rPr lang="en-US" altLang="zh-CN" dirty="0" smtClean="0"/>
+              <a:t>Scanner</a:t>
+            </a:r>
+            <a:endParaRPr lang="en-US" altLang="zh-CN" dirty="0"/>
+          </a:p>
+          <a:p>
+            <a:pPr>
+              <a:lnSpc>
+                <a:spcPct val="150000"/>
+              </a:lnSpc>
+            </a:pPr>
+            <a:endParaRPr lang="en-US" altLang="zh-CN" dirty="0"/>
           </a:p>
         </p:txBody>
       </p:sp>
     </p:spTree>
     <p:extLst>
       <p:ext uri="{BB962C8B-B14F-4D97-AF65-F5344CB8AC3E}">
-        <p14:creationId xmlns:p14="http://schemas.microsoft.com/office/powerpoint/2010/main" val="3260393897"/>
+        <p14:creationId xmlns:p14="http://schemas.microsoft.com/office/powerpoint/2010/main" val="3247015901"/>
       </p:ext>
     </p:extLst>
   </p:cSld>
@@ -15698,6 +15845,1566 @@
           <a:lstStyle/>
           <a:p>
             <a:r>
+              <a:rPr lang="en-US" altLang="zh-CN" dirty="0" err="1" smtClean="0"/>
+              <a:t>BlockCache</a:t>
+            </a:r>
+            <a:endParaRPr lang="zh-CN" altLang="en-US" dirty="0"/>
+          </a:p>
+        </p:txBody>
+      </p:sp>
+      <p:sp>
+        <p:nvSpPr>
+          <p:cNvPr id="4" name="矩形 3"/>
+          <p:cNvSpPr/>
+          <p:nvPr/>
+        </p:nvSpPr>
+        <p:spPr>
+          <a:xfrm>
+            <a:off x="521207" y="1521721"/>
+            <a:ext cx="11379056" cy="5245024"/>
+          </a:xfrm>
+          <a:prstGeom prst="rect">
+            <a:avLst/>
+          </a:prstGeom>
+        </p:spPr>
+        <p:txBody>
+          <a:bodyPr wrap="square">
+            <a:spAutoFit/>
+          </a:bodyPr>
+          <a:lstStyle/>
+          <a:p>
+            <a:pPr marL="285750" indent="-285750">
+              <a:lnSpc>
+                <a:spcPct val="150000"/>
+              </a:lnSpc>
+              <a:buFont typeface="Wingdings" charset="2"/>
+              <a:buChar char="l"/>
+            </a:pPr>
+            <a:r>
+              <a:rPr lang="en-US" altLang="zh-CN" sz="1400" dirty="0" smtClean="0">
+                <a:latin typeface="仿宋"/>
+                <a:ea typeface="仿宋"/>
+                <a:cs typeface="仿宋"/>
+              </a:rPr>
+              <a:t>Block</a:t>
+            </a:r>
+            <a:r>
+              <a:rPr lang="zh-CN" altLang="en-US" sz="1400" dirty="0">
+                <a:latin typeface="仿宋"/>
+                <a:ea typeface="仿宋"/>
+                <a:cs typeface="仿宋"/>
+              </a:rPr>
+              <a:t>是</a:t>
+            </a:r>
+            <a:r>
+              <a:rPr lang="en-US" altLang="zh-CN" sz="1400" dirty="0" err="1">
+                <a:latin typeface="仿宋"/>
+                <a:ea typeface="仿宋"/>
+                <a:cs typeface="仿宋"/>
+              </a:rPr>
+              <a:t>HBase</a:t>
+            </a:r>
+            <a:r>
+              <a:rPr lang="zh-CN" altLang="en-US" sz="1400" dirty="0">
+                <a:latin typeface="仿宋"/>
+                <a:ea typeface="仿宋"/>
+                <a:cs typeface="仿宋"/>
+              </a:rPr>
+              <a:t>中最小的数据存储单元，默认为</a:t>
+            </a:r>
+            <a:r>
+              <a:rPr lang="en-US" altLang="zh-CN" sz="1400" dirty="0">
+                <a:latin typeface="仿宋"/>
+                <a:ea typeface="仿宋"/>
+                <a:cs typeface="仿宋"/>
+              </a:rPr>
+              <a:t>64K</a:t>
+            </a:r>
+            <a:r>
+              <a:rPr lang="zh-CN" altLang="en-US" sz="1400" dirty="0">
+                <a:latin typeface="仿宋"/>
+                <a:ea typeface="仿宋"/>
+                <a:cs typeface="仿宋"/>
+              </a:rPr>
+              <a:t>，在建表语句中可以通过参数</a:t>
+            </a:r>
+            <a:r>
+              <a:rPr lang="en-US" altLang="zh-CN" sz="1400" dirty="0" err="1">
+                <a:latin typeface="仿宋"/>
+                <a:ea typeface="仿宋"/>
+                <a:cs typeface="仿宋"/>
+              </a:rPr>
+              <a:t>BlockSize</a:t>
+            </a:r>
+            <a:r>
+              <a:rPr lang="zh-CN" altLang="en-US" sz="1400" dirty="0">
+                <a:latin typeface="仿宋"/>
+                <a:ea typeface="仿宋"/>
+                <a:cs typeface="仿宋"/>
+              </a:rPr>
+              <a:t>指定。</a:t>
+            </a:r>
+            <a:r>
+              <a:rPr lang="en-US" altLang="zh-CN" sz="1400" dirty="0" err="1">
+                <a:latin typeface="仿宋"/>
+                <a:ea typeface="仿宋"/>
+                <a:cs typeface="仿宋"/>
+              </a:rPr>
+              <a:t>HBase</a:t>
+            </a:r>
+            <a:r>
+              <a:rPr lang="zh-CN" altLang="en-US" sz="1400" dirty="0">
+                <a:latin typeface="仿宋"/>
+                <a:ea typeface="仿宋"/>
+                <a:cs typeface="仿宋"/>
+              </a:rPr>
+              <a:t>中</a:t>
+            </a:r>
+            <a:r>
+              <a:rPr lang="en-US" altLang="zh-CN" sz="1400" dirty="0">
+                <a:latin typeface="仿宋"/>
+                <a:ea typeface="仿宋"/>
+                <a:cs typeface="仿宋"/>
+              </a:rPr>
+              <a:t>Block</a:t>
+            </a:r>
+            <a:r>
+              <a:rPr lang="zh-CN" altLang="en-US" sz="1400" dirty="0">
+                <a:latin typeface="仿宋"/>
+                <a:ea typeface="仿宋"/>
+                <a:cs typeface="仿宋"/>
+              </a:rPr>
+              <a:t>分为四种类型：</a:t>
+            </a:r>
+            <a:r>
+              <a:rPr lang="en-US" altLang="zh-CN" sz="1400" dirty="0">
+                <a:latin typeface="仿宋"/>
+                <a:ea typeface="仿宋"/>
+                <a:cs typeface="仿宋"/>
+              </a:rPr>
+              <a:t>Data Block</a:t>
+            </a:r>
+            <a:r>
+              <a:rPr lang="zh-CN" altLang="en-US" sz="1400" dirty="0">
+                <a:latin typeface="仿宋"/>
+                <a:ea typeface="仿宋"/>
+                <a:cs typeface="仿宋"/>
+              </a:rPr>
+              <a:t>，</a:t>
+            </a:r>
+            <a:r>
+              <a:rPr lang="en-US" altLang="zh-CN" sz="1400" dirty="0">
+                <a:latin typeface="仿宋"/>
+                <a:ea typeface="仿宋"/>
+                <a:cs typeface="仿宋"/>
+              </a:rPr>
+              <a:t>Index Block</a:t>
+            </a:r>
+            <a:r>
+              <a:rPr lang="zh-CN" altLang="en-US" sz="1400" dirty="0">
+                <a:latin typeface="仿宋"/>
+                <a:ea typeface="仿宋"/>
+                <a:cs typeface="仿宋"/>
+              </a:rPr>
+              <a:t>，</a:t>
+            </a:r>
+            <a:r>
+              <a:rPr lang="en-US" altLang="zh-CN" sz="1400" dirty="0">
+                <a:latin typeface="仿宋"/>
+                <a:ea typeface="仿宋"/>
+                <a:cs typeface="仿宋"/>
+              </a:rPr>
+              <a:t>Bloom Block</a:t>
+            </a:r>
+            <a:r>
+              <a:rPr lang="zh-CN" altLang="en-US" sz="1400" dirty="0">
+                <a:latin typeface="仿宋"/>
+                <a:ea typeface="仿宋"/>
+                <a:cs typeface="仿宋"/>
+              </a:rPr>
+              <a:t>和</a:t>
+            </a:r>
+            <a:r>
+              <a:rPr lang="en-US" altLang="zh-CN" sz="1400" dirty="0">
+                <a:latin typeface="仿宋"/>
+                <a:ea typeface="仿宋"/>
+                <a:cs typeface="仿宋"/>
+              </a:rPr>
+              <a:t>Meta Block</a:t>
+            </a:r>
+            <a:r>
+              <a:rPr lang="zh-CN" altLang="en-US" sz="1400" dirty="0">
+                <a:latin typeface="仿宋"/>
+                <a:ea typeface="仿宋"/>
+                <a:cs typeface="仿宋"/>
+              </a:rPr>
+              <a:t>。其中</a:t>
+            </a:r>
+            <a:r>
+              <a:rPr lang="en-US" altLang="zh-CN" sz="1400" dirty="0">
+                <a:latin typeface="仿宋"/>
+                <a:ea typeface="仿宋"/>
+                <a:cs typeface="仿宋"/>
+              </a:rPr>
+              <a:t>Data Block</a:t>
+            </a:r>
+            <a:r>
+              <a:rPr lang="zh-CN" altLang="en-US" sz="1400" dirty="0">
+                <a:latin typeface="仿宋"/>
+                <a:ea typeface="仿宋"/>
+                <a:cs typeface="仿宋"/>
+              </a:rPr>
+              <a:t>用于存储实际数据，通常情况下每个</a:t>
+            </a:r>
+            <a:r>
+              <a:rPr lang="en-US" altLang="zh-CN" sz="1400" dirty="0">
+                <a:latin typeface="仿宋"/>
+                <a:ea typeface="仿宋"/>
+                <a:cs typeface="仿宋"/>
+              </a:rPr>
+              <a:t>Data Block</a:t>
+            </a:r>
+            <a:r>
+              <a:rPr lang="zh-CN" altLang="en-US" sz="1400" dirty="0">
+                <a:latin typeface="仿宋"/>
+                <a:ea typeface="仿宋"/>
+                <a:cs typeface="仿宋"/>
+              </a:rPr>
+              <a:t>可以存放多条</a:t>
+            </a:r>
+            <a:r>
+              <a:rPr lang="en-US" altLang="zh-CN" sz="1400" dirty="0" err="1">
+                <a:latin typeface="仿宋"/>
+                <a:ea typeface="仿宋"/>
+                <a:cs typeface="仿宋"/>
+              </a:rPr>
+              <a:t>KeyValue</a:t>
+            </a:r>
+            <a:r>
+              <a:rPr lang="zh-CN" altLang="en-US" sz="1400" dirty="0">
+                <a:latin typeface="仿宋"/>
+                <a:ea typeface="仿宋"/>
+                <a:cs typeface="仿宋"/>
+              </a:rPr>
+              <a:t>数据对；</a:t>
+            </a:r>
+            <a:r>
+              <a:rPr lang="en-US" altLang="zh-CN" sz="1400" dirty="0">
+                <a:latin typeface="仿宋"/>
+                <a:ea typeface="仿宋"/>
+                <a:cs typeface="仿宋"/>
+              </a:rPr>
+              <a:t>Index Block</a:t>
+            </a:r>
+            <a:r>
+              <a:rPr lang="zh-CN" altLang="en-US" sz="1400" dirty="0">
+                <a:latin typeface="仿宋"/>
+                <a:ea typeface="仿宋"/>
+                <a:cs typeface="仿宋"/>
+              </a:rPr>
+              <a:t>和</a:t>
+            </a:r>
+            <a:r>
+              <a:rPr lang="en-US" altLang="zh-CN" sz="1400" dirty="0">
+                <a:latin typeface="仿宋"/>
+                <a:ea typeface="仿宋"/>
+                <a:cs typeface="仿宋"/>
+              </a:rPr>
+              <a:t>Bloom Block</a:t>
+            </a:r>
+            <a:r>
+              <a:rPr lang="zh-CN" altLang="en-US" sz="1400" dirty="0">
+                <a:latin typeface="仿宋"/>
+                <a:ea typeface="仿宋"/>
+                <a:cs typeface="仿宋"/>
+              </a:rPr>
+              <a:t>都用于优化随机读的查找路径，其中</a:t>
+            </a:r>
+            <a:r>
+              <a:rPr lang="en-US" altLang="zh-CN" sz="1400" dirty="0">
+                <a:latin typeface="仿宋"/>
+                <a:ea typeface="仿宋"/>
+                <a:cs typeface="仿宋"/>
+              </a:rPr>
+              <a:t>Index Block</a:t>
+            </a:r>
+            <a:r>
+              <a:rPr lang="zh-CN" altLang="en-US" sz="1400" dirty="0">
+                <a:latin typeface="仿宋"/>
+                <a:ea typeface="仿宋"/>
+                <a:cs typeface="仿宋"/>
+              </a:rPr>
+              <a:t>通过存储索引数据加快数据查找，而</a:t>
+            </a:r>
+            <a:r>
+              <a:rPr lang="en-US" altLang="zh-CN" sz="1400" dirty="0">
+                <a:latin typeface="仿宋"/>
+                <a:ea typeface="仿宋"/>
+                <a:cs typeface="仿宋"/>
+              </a:rPr>
+              <a:t>Bloom Block</a:t>
+            </a:r>
+            <a:r>
+              <a:rPr lang="zh-CN" altLang="en-US" sz="1400" dirty="0">
+                <a:latin typeface="仿宋"/>
+                <a:ea typeface="仿宋"/>
+                <a:cs typeface="仿宋"/>
+              </a:rPr>
+              <a:t>通过一定算法可以过滤掉部分一定不存在待查</a:t>
+            </a:r>
+            <a:r>
+              <a:rPr lang="en-US" altLang="zh-CN" sz="1400" dirty="0" err="1">
+                <a:latin typeface="仿宋"/>
+                <a:ea typeface="仿宋"/>
+                <a:cs typeface="仿宋"/>
+              </a:rPr>
+              <a:t>KeyValue</a:t>
+            </a:r>
+            <a:r>
+              <a:rPr lang="zh-CN" altLang="en-US" sz="1400" dirty="0">
+                <a:latin typeface="仿宋"/>
+                <a:ea typeface="仿宋"/>
+                <a:cs typeface="仿宋"/>
+              </a:rPr>
+              <a:t>的数据文件，减少不必要的</a:t>
+            </a:r>
+            <a:r>
+              <a:rPr lang="en-US" altLang="zh-CN" sz="1400" dirty="0">
+                <a:latin typeface="仿宋"/>
+                <a:ea typeface="仿宋"/>
+                <a:cs typeface="仿宋"/>
+              </a:rPr>
+              <a:t>IO</a:t>
+            </a:r>
+            <a:r>
+              <a:rPr lang="zh-CN" altLang="en-US" sz="1400" dirty="0">
+                <a:latin typeface="仿宋"/>
+                <a:ea typeface="仿宋"/>
+                <a:cs typeface="仿宋"/>
+              </a:rPr>
+              <a:t>操作；</a:t>
+            </a:r>
+            <a:r>
+              <a:rPr lang="en-US" altLang="zh-CN" sz="1400" dirty="0">
+                <a:latin typeface="仿宋"/>
+                <a:ea typeface="仿宋"/>
+                <a:cs typeface="仿宋"/>
+              </a:rPr>
+              <a:t>Meta Block</a:t>
+            </a:r>
+            <a:r>
+              <a:rPr lang="zh-CN" altLang="en-US" sz="1400" dirty="0">
+                <a:latin typeface="仿宋"/>
+                <a:ea typeface="仿宋"/>
+                <a:cs typeface="仿宋"/>
+              </a:rPr>
+              <a:t>主要存储整个</a:t>
+            </a:r>
+            <a:r>
+              <a:rPr lang="en-US" altLang="zh-CN" sz="1400" dirty="0" err="1">
+                <a:latin typeface="仿宋"/>
+                <a:ea typeface="仿宋"/>
+                <a:cs typeface="仿宋"/>
+              </a:rPr>
+              <a:t>HFile</a:t>
+            </a:r>
+            <a:r>
+              <a:rPr lang="zh-CN" altLang="en-US" sz="1400" dirty="0">
+                <a:latin typeface="仿宋"/>
+                <a:ea typeface="仿宋"/>
+                <a:cs typeface="仿宋"/>
+              </a:rPr>
+              <a:t>的元数据</a:t>
+            </a:r>
+            <a:r>
+              <a:rPr lang="zh-CN" altLang="en-US" sz="1400" dirty="0" smtClean="0">
+                <a:latin typeface="仿宋"/>
+                <a:ea typeface="仿宋"/>
+                <a:cs typeface="仿宋"/>
+              </a:rPr>
+              <a:t>。</a:t>
+            </a:r>
+            <a:endParaRPr lang="en-US" altLang="zh-CN" sz="1400" dirty="0" smtClean="0">
+              <a:latin typeface="仿宋"/>
+              <a:ea typeface="仿宋"/>
+              <a:cs typeface="仿宋"/>
+            </a:endParaRPr>
+          </a:p>
+          <a:p>
+            <a:pPr marL="285750" indent="-285750">
+              <a:lnSpc>
+                <a:spcPct val="150000"/>
+              </a:lnSpc>
+              <a:buFont typeface="Wingdings" charset="2"/>
+              <a:buChar char="l"/>
+            </a:pPr>
+            <a:r>
+              <a:rPr lang="zh-TW" altLang="en-US" sz="1400" dirty="0">
+                <a:latin typeface="仿宋"/>
+                <a:ea typeface="仿宋"/>
+                <a:cs typeface="仿宋"/>
+              </a:rPr>
+              <a:t>对于一次随机读，</a:t>
+            </a:r>
+            <a:r>
+              <a:rPr lang="en-US" altLang="zh-TW" sz="1400" dirty="0">
+                <a:latin typeface="仿宋"/>
+                <a:ea typeface="仿宋"/>
+                <a:cs typeface="仿宋"/>
+              </a:rPr>
+              <a:t>Block</a:t>
+            </a:r>
+            <a:r>
+              <a:rPr lang="zh-TW" altLang="en-US" sz="1400" dirty="0">
+                <a:latin typeface="仿宋"/>
+                <a:ea typeface="仿宋"/>
+                <a:cs typeface="仿宋"/>
+              </a:rPr>
+              <a:t>的访问顺序为</a:t>
+            </a:r>
+            <a:r>
+              <a:rPr lang="en-US" altLang="zh-TW" sz="1400" dirty="0" err="1">
+                <a:latin typeface="仿宋"/>
+                <a:ea typeface="仿宋"/>
+                <a:cs typeface="仿宋"/>
+              </a:rPr>
+              <a:t>BloomBlock</a:t>
+            </a:r>
+            <a:r>
+              <a:rPr lang="zh-TW" altLang="en-US" sz="1400" dirty="0">
+                <a:latin typeface="仿宋"/>
+                <a:ea typeface="仿宋"/>
+                <a:cs typeface="仿宋"/>
+              </a:rPr>
+              <a:t>、</a:t>
+            </a:r>
+            <a:r>
+              <a:rPr lang="en-US" altLang="zh-TW" sz="1400" dirty="0" err="1">
+                <a:latin typeface="仿宋"/>
+                <a:ea typeface="仿宋"/>
+                <a:cs typeface="仿宋"/>
+              </a:rPr>
+              <a:t>IndexBlock</a:t>
+            </a:r>
+            <a:r>
+              <a:rPr lang="zh-TW" altLang="en-US" sz="1400" dirty="0">
+                <a:latin typeface="仿宋"/>
+                <a:ea typeface="仿宋"/>
+                <a:cs typeface="仿宋"/>
+              </a:rPr>
+              <a:t>、</a:t>
+            </a:r>
+            <a:r>
+              <a:rPr lang="en-US" altLang="zh-TW" sz="1400" dirty="0" err="1">
+                <a:latin typeface="仿宋"/>
+                <a:ea typeface="仿宋"/>
+                <a:cs typeface="仿宋"/>
+              </a:rPr>
+              <a:t>DataBlock</a:t>
+            </a:r>
+            <a:r>
+              <a:rPr lang="zh-TW" altLang="en-US" sz="1400" dirty="0">
+                <a:latin typeface="仿宋"/>
+                <a:ea typeface="仿宋"/>
+                <a:cs typeface="仿宋"/>
+              </a:rPr>
+              <a:t>，如果</a:t>
+            </a:r>
+            <a:r>
+              <a:rPr lang="en-US" altLang="zh-TW" sz="1400" dirty="0">
+                <a:latin typeface="仿宋"/>
+                <a:ea typeface="仿宋"/>
+                <a:cs typeface="仿宋"/>
+              </a:rPr>
+              <a:t>Region</a:t>
+            </a:r>
+            <a:r>
+              <a:rPr lang="zh-TW" altLang="en-US" sz="1400" dirty="0">
+                <a:latin typeface="仿宋"/>
+                <a:ea typeface="仿宋"/>
+                <a:cs typeface="仿宋"/>
+              </a:rPr>
+              <a:t>下面的</a:t>
+            </a:r>
+            <a:r>
+              <a:rPr lang="en-US" altLang="zh-TW" sz="1400" dirty="0" err="1">
+                <a:latin typeface="仿宋"/>
+                <a:ea typeface="仿宋"/>
+                <a:cs typeface="仿宋"/>
+              </a:rPr>
+              <a:t>StoreFile</a:t>
+            </a:r>
+            <a:r>
+              <a:rPr lang="zh-TW" altLang="en-US" sz="1400" dirty="0">
+                <a:latin typeface="仿宋"/>
+                <a:ea typeface="仿宋"/>
+                <a:cs typeface="仿宋"/>
+              </a:rPr>
+              <a:t>数目为</a:t>
+            </a:r>
+            <a:r>
+              <a:rPr lang="en-US" altLang="zh-TW" sz="1400" dirty="0">
+                <a:latin typeface="仿宋"/>
+                <a:ea typeface="仿宋"/>
+                <a:cs typeface="仿宋"/>
+              </a:rPr>
+              <a:t>2</a:t>
+            </a:r>
+            <a:r>
+              <a:rPr lang="zh-TW" altLang="en-US" sz="1400" dirty="0">
+                <a:latin typeface="仿宋"/>
+                <a:ea typeface="仿宋"/>
+                <a:cs typeface="仿宋"/>
+              </a:rPr>
+              <a:t>个，那么一次随机读至少访问</a:t>
+            </a:r>
+            <a:r>
+              <a:rPr lang="en-US" altLang="zh-TW" sz="1400" dirty="0">
+                <a:latin typeface="仿宋"/>
+                <a:ea typeface="仿宋"/>
+                <a:cs typeface="仿宋"/>
+              </a:rPr>
+              <a:t>2</a:t>
+            </a:r>
+            <a:r>
+              <a:rPr lang="zh-TW" altLang="en-US" sz="1400" dirty="0">
+                <a:latin typeface="仿宋"/>
+                <a:ea typeface="仿宋"/>
+                <a:cs typeface="仿宋"/>
+              </a:rPr>
+              <a:t>次</a:t>
+            </a:r>
+            <a:r>
+              <a:rPr lang="en-US" altLang="zh-TW" sz="1400" dirty="0">
+                <a:latin typeface="仿宋"/>
+                <a:ea typeface="仿宋"/>
+                <a:cs typeface="仿宋"/>
+              </a:rPr>
+              <a:t>BloomBlock+1</a:t>
+            </a:r>
+            <a:r>
+              <a:rPr lang="zh-TW" altLang="en-US" sz="1400" dirty="0">
+                <a:latin typeface="仿宋"/>
+                <a:ea typeface="仿宋"/>
+                <a:cs typeface="仿宋"/>
+              </a:rPr>
+              <a:t>次</a:t>
+            </a:r>
+            <a:r>
+              <a:rPr lang="en-US" altLang="zh-TW" sz="1400" dirty="0">
+                <a:latin typeface="仿宋"/>
+                <a:ea typeface="仿宋"/>
+                <a:cs typeface="仿宋"/>
+              </a:rPr>
+              <a:t>IndexBlock+1</a:t>
+            </a:r>
+            <a:r>
+              <a:rPr lang="zh-TW" altLang="en-US" sz="1400" dirty="0">
+                <a:latin typeface="仿宋"/>
+                <a:ea typeface="仿宋"/>
+                <a:cs typeface="仿宋"/>
+              </a:rPr>
+              <a:t>次</a:t>
+            </a:r>
+            <a:r>
+              <a:rPr lang="en-US" altLang="zh-TW" sz="1400" dirty="0" err="1">
+                <a:latin typeface="仿宋"/>
+                <a:ea typeface="仿宋"/>
+                <a:cs typeface="仿宋"/>
+              </a:rPr>
+              <a:t>DataBlock</a:t>
+            </a:r>
+            <a:r>
+              <a:rPr lang="en-US" altLang="zh-TW" sz="1400" dirty="0">
+                <a:latin typeface="仿宋"/>
+                <a:ea typeface="仿宋"/>
+                <a:cs typeface="仿宋"/>
+              </a:rPr>
+              <a:t> </a:t>
+            </a:r>
+            <a:endParaRPr lang="zh-CN" altLang="en-US" sz="1400" dirty="0">
+              <a:latin typeface="仿宋"/>
+              <a:ea typeface="仿宋"/>
+              <a:cs typeface="仿宋"/>
+            </a:endParaRPr>
+          </a:p>
+          <a:p>
+            <a:pPr marL="285750" indent="-285750">
+              <a:lnSpc>
+                <a:spcPct val="150000"/>
+              </a:lnSpc>
+              <a:buFont typeface="Wingdings" charset="2"/>
+              <a:buChar char="l"/>
+            </a:pPr>
+            <a:r>
+              <a:rPr lang="en-US" altLang="zh-CN" sz="1400" dirty="0" err="1">
+                <a:latin typeface="仿宋"/>
+                <a:ea typeface="仿宋"/>
+                <a:cs typeface="仿宋"/>
+              </a:rPr>
+              <a:t>BlockCache</a:t>
+            </a:r>
+            <a:r>
+              <a:rPr lang="zh-CN" altLang="en-US" sz="1400" dirty="0">
+                <a:latin typeface="仿宋"/>
+                <a:ea typeface="仿宋"/>
+                <a:cs typeface="仿宋"/>
+              </a:rPr>
+              <a:t>是</a:t>
+            </a:r>
+            <a:r>
+              <a:rPr lang="en-US" altLang="zh-CN" sz="1400" dirty="0">
+                <a:latin typeface="仿宋"/>
+                <a:ea typeface="仿宋"/>
+                <a:cs typeface="仿宋"/>
+              </a:rPr>
+              <a:t>Region Server</a:t>
+            </a:r>
+            <a:r>
+              <a:rPr lang="zh-CN" altLang="en-US" sz="1400" dirty="0">
+                <a:latin typeface="仿宋"/>
+                <a:ea typeface="仿宋"/>
+                <a:cs typeface="仿宋"/>
+              </a:rPr>
+              <a:t>级别的，一个</a:t>
+            </a:r>
+            <a:r>
+              <a:rPr lang="en-US" altLang="zh-CN" sz="1400" dirty="0">
+                <a:latin typeface="仿宋"/>
+                <a:ea typeface="仿宋"/>
+                <a:cs typeface="仿宋"/>
+              </a:rPr>
+              <a:t>Region Server</a:t>
+            </a:r>
+            <a:r>
+              <a:rPr lang="zh-CN" altLang="en-US" sz="1400" dirty="0">
+                <a:latin typeface="仿宋"/>
+                <a:ea typeface="仿宋"/>
+                <a:cs typeface="仿宋"/>
+              </a:rPr>
+              <a:t>只有一个</a:t>
+            </a:r>
+            <a:r>
+              <a:rPr lang="en-US" altLang="zh-CN" sz="1400" dirty="0">
+                <a:latin typeface="仿宋"/>
+                <a:ea typeface="仿宋"/>
+                <a:cs typeface="仿宋"/>
+              </a:rPr>
+              <a:t>Block Cache</a:t>
+            </a:r>
+            <a:r>
+              <a:rPr lang="zh-CN" altLang="en-US" sz="1400" dirty="0">
+                <a:latin typeface="仿宋"/>
+                <a:ea typeface="仿宋"/>
+                <a:cs typeface="仿宋"/>
+              </a:rPr>
+              <a:t>，在</a:t>
+            </a:r>
+            <a:r>
+              <a:rPr lang="en-US" altLang="zh-CN" sz="1400" dirty="0">
+                <a:latin typeface="仿宋"/>
+                <a:ea typeface="仿宋"/>
+                <a:cs typeface="仿宋"/>
+              </a:rPr>
+              <a:t>Region Server</a:t>
+            </a:r>
+            <a:r>
+              <a:rPr lang="zh-CN" altLang="en-US" sz="1400" dirty="0">
+                <a:latin typeface="仿宋"/>
+                <a:ea typeface="仿宋"/>
+                <a:cs typeface="仿宋"/>
+              </a:rPr>
+              <a:t>启动的时候完成</a:t>
+            </a:r>
+            <a:r>
+              <a:rPr lang="en-US" altLang="zh-CN" sz="1400" dirty="0">
+                <a:latin typeface="仿宋"/>
+                <a:ea typeface="仿宋"/>
+                <a:cs typeface="仿宋"/>
+              </a:rPr>
+              <a:t>Block Cache</a:t>
+            </a:r>
+            <a:r>
+              <a:rPr lang="zh-CN" altLang="en-US" sz="1400" dirty="0">
+                <a:latin typeface="仿宋"/>
+                <a:ea typeface="仿宋"/>
+                <a:cs typeface="仿宋"/>
+              </a:rPr>
+              <a:t>的初始化工作。到目前为止，</a:t>
+            </a:r>
+            <a:r>
+              <a:rPr lang="en-US" altLang="zh-CN" sz="1400" dirty="0" err="1">
+                <a:latin typeface="仿宋"/>
+                <a:ea typeface="仿宋"/>
+                <a:cs typeface="仿宋"/>
+              </a:rPr>
+              <a:t>HBase</a:t>
+            </a:r>
+            <a:r>
+              <a:rPr lang="zh-CN" altLang="en-US" sz="1400" dirty="0">
+                <a:latin typeface="仿宋"/>
+                <a:ea typeface="仿宋"/>
+                <a:cs typeface="仿宋"/>
+              </a:rPr>
+              <a:t>先后实现了</a:t>
+            </a:r>
+            <a:r>
+              <a:rPr lang="en-US" altLang="zh-CN" sz="1400" dirty="0">
+                <a:latin typeface="仿宋"/>
+                <a:ea typeface="仿宋"/>
+                <a:cs typeface="仿宋"/>
+              </a:rPr>
+              <a:t>3</a:t>
+            </a:r>
+            <a:r>
+              <a:rPr lang="zh-CN" altLang="en-US" sz="1400" dirty="0">
+                <a:latin typeface="仿宋"/>
+                <a:ea typeface="仿宋"/>
+                <a:cs typeface="仿宋"/>
+              </a:rPr>
+              <a:t>种</a:t>
+            </a:r>
+            <a:r>
+              <a:rPr lang="en-US" altLang="zh-CN" sz="1400" dirty="0">
+                <a:latin typeface="仿宋"/>
+                <a:ea typeface="仿宋"/>
+                <a:cs typeface="仿宋"/>
+              </a:rPr>
+              <a:t>Block Cache</a:t>
+            </a:r>
+            <a:r>
+              <a:rPr lang="zh-CN" altLang="en-US" sz="1400" dirty="0">
+                <a:latin typeface="仿宋"/>
+                <a:ea typeface="仿宋"/>
+                <a:cs typeface="仿宋"/>
+              </a:rPr>
+              <a:t>方案，</a:t>
+            </a:r>
+            <a:r>
+              <a:rPr lang="en-US" altLang="zh-CN" sz="1400" dirty="0" err="1">
+                <a:latin typeface="仿宋"/>
+                <a:ea typeface="仿宋"/>
+                <a:cs typeface="仿宋"/>
+              </a:rPr>
+              <a:t>LRUBlockCache</a:t>
+            </a:r>
+            <a:r>
+              <a:rPr lang="zh-CN" altLang="en-US" sz="1400" dirty="0">
+                <a:latin typeface="仿宋"/>
+                <a:ea typeface="仿宋"/>
+                <a:cs typeface="仿宋"/>
+              </a:rPr>
+              <a:t>是最初的实现方案，也是默认的实现方案；</a:t>
+            </a:r>
+            <a:r>
+              <a:rPr lang="en-US" altLang="zh-CN" sz="1400" dirty="0" err="1">
+                <a:latin typeface="仿宋"/>
+                <a:ea typeface="仿宋"/>
+                <a:cs typeface="仿宋"/>
+              </a:rPr>
+              <a:t>HBase</a:t>
+            </a:r>
+            <a:r>
+              <a:rPr lang="en-US" altLang="zh-CN" sz="1400" dirty="0">
+                <a:latin typeface="仿宋"/>
+                <a:ea typeface="仿宋"/>
+                <a:cs typeface="仿宋"/>
+              </a:rPr>
+              <a:t> 0.92</a:t>
+            </a:r>
+            <a:r>
+              <a:rPr lang="zh-CN" altLang="en-US" sz="1400" dirty="0">
+                <a:latin typeface="仿宋"/>
+                <a:ea typeface="仿宋"/>
+                <a:cs typeface="仿宋"/>
+              </a:rPr>
+              <a:t>版本实现了第二种方案</a:t>
+            </a:r>
+            <a:r>
+              <a:rPr lang="en-US" altLang="zh-CN" sz="1400" dirty="0" err="1">
+                <a:latin typeface="仿宋"/>
+                <a:ea typeface="仿宋"/>
+                <a:cs typeface="仿宋"/>
+              </a:rPr>
+              <a:t>SlabCache</a:t>
+            </a:r>
+            <a:r>
+              <a:rPr lang="zh-CN" altLang="en-US" sz="1400" dirty="0">
+                <a:latin typeface="仿宋"/>
+                <a:ea typeface="仿宋"/>
+                <a:cs typeface="仿宋"/>
+              </a:rPr>
+              <a:t>，见</a:t>
+            </a:r>
+            <a:r>
+              <a:rPr lang="en-US" altLang="zh-CN" sz="1400" dirty="0">
+                <a:latin typeface="仿宋"/>
+                <a:ea typeface="仿宋"/>
+                <a:cs typeface="仿宋"/>
+              </a:rPr>
+              <a:t>HBASE-4027</a:t>
+            </a:r>
+            <a:r>
+              <a:rPr lang="zh-CN" altLang="en-US" sz="1400" dirty="0">
+                <a:latin typeface="仿宋"/>
+                <a:ea typeface="仿宋"/>
+                <a:cs typeface="仿宋"/>
+              </a:rPr>
+              <a:t>；</a:t>
+            </a:r>
+            <a:r>
+              <a:rPr lang="en-US" altLang="zh-CN" sz="1400" dirty="0" err="1">
+                <a:latin typeface="仿宋"/>
+                <a:ea typeface="仿宋"/>
+                <a:cs typeface="仿宋"/>
+              </a:rPr>
+              <a:t>HBase</a:t>
+            </a:r>
+            <a:r>
+              <a:rPr lang="en-US" altLang="zh-CN" sz="1400" dirty="0">
+                <a:latin typeface="仿宋"/>
+                <a:ea typeface="仿宋"/>
+                <a:cs typeface="仿宋"/>
+              </a:rPr>
+              <a:t> 0.96</a:t>
+            </a:r>
+            <a:r>
+              <a:rPr lang="zh-CN" altLang="en-US" sz="1400" dirty="0">
+                <a:latin typeface="仿宋"/>
+                <a:ea typeface="仿宋"/>
+                <a:cs typeface="仿宋"/>
+              </a:rPr>
+              <a:t>之后官方提供了另一种可选方案</a:t>
+            </a:r>
+            <a:r>
+              <a:rPr lang="en-US" altLang="zh-CN" sz="1400" dirty="0" err="1">
+                <a:latin typeface="仿宋"/>
+                <a:ea typeface="仿宋"/>
+                <a:cs typeface="仿宋"/>
+              </a:rPr>
+              <a:t>BucketCache</a:t>
+            </a:r>
+            <a:r>
+              <a:rPr lang="zh-CN" altLang="en-US" sz="1400" dirty="0">
+                <a:latin typeface="仿宋"/>
+                <a:ea typeface="仿宋"/>
+                <a:cs typeface="仿宋"/>
+              </a:rPr>
+              <a:t>，见</a:t>
+            </a:r>
+            <a:r>
+              <a:rPr lang="en-US" altLang="zh-CN" sz="1400" dirty="0">
+                <a:latin typeface="仿宋"/>
+                <a:ea typeface="仿宋"/>
+                <a:cs typeface="仿宋"/>
+              </a:rPr>
+              <a:t>HBASE-7404</a:t>
+            </a:r>
+            <a:r>
+              <a:rPr lang="zh-CN" altLang="en-US" sz="1400" dirty="0" smtClean="0">
+                <a:latin typeface="仿宋"/>
+                <a:ea typeface="仿宋"/>
+                <a:cs typeface="仿宋"/>
+              </a:rPr>
+              <a:t>。</a:t>
+            </a:r>
+            <a:endParaRPr lang="zh-CN" altLang="en-US" sz="1400" dirty="0">
+              <a:latin typeface="仿宋"/>
+              <a:ea typeface="仿宋"/>
+              <a:cs typeface="仿宋"/>
+            </a:endParaRPr>
+          </a:p>
+          <a:p>
+            <a:pPr marL="285750" indent="-285750">
+              <a:lnSpc>
+                <a:spcPct val="150000"/>
+              </a:lnSpc>
+              <a:buFont typeface="Wingdings" charset="2"/>
+              <a:buChar char="l"/>
+            </a:pPr>
+            <a:r>
+              <a:rPr lang="zh-CN" altLang="en-US" sz="1400" dirty="0" smtClean="0">
+                <a:latin typeface="仿宋"/>
+                <a:ea typeface="仿宋"/>
+                <a:cs typeface="仿宋"/>
+              </a:rPr>
+              <a:t>三种方</a:t>
+            </a:r>
+            <a:r>
+              <a:rPr lang="zh-CN" altLang="en-US" sz="1400" dirty="0">
+                <a:latin typeface="仿宋"/>
+                <a:ea typeface="仿宋"/>
+                <a:cs typeface="仿宋"/>
+              </a:rPr>
+              <a:t>案的不同之处在于对内存的管理模式，其中</a:t>
+            </a:r>
+            <a:r>
+              <a:rPr lang="en-US" altLang="zh-CN" sz="1400" dirty="0" err="1">
+                <a:latin typeface="仿宋"/>
+                <a:ea typeface="仿宋"/>
+                <a:cs typeface="仿宋"/>
+              </a:rPr>
+              <a:t>LRUBlockCache</a:t>
+            </a:r>
+            <a:r>
+              <a:rPr lang="zh-CN" altLang="en-US" sz="1400" dirty="0">
+                <a:latin typeface="仿宋"/>
+                <a:ea typeface="仿宋"/>
+                <a:cs typeface="仿宋"/>
+              </a:rPr>
+              <a:t>是将所有数据都放入</a:t>
+            </a:r>
+            <a:r>
+              <a:rPr lang="en-US" altLang="zh-CN" sz="1400" dirty="0">
+                <a:latin typeface="仿宋"/>
+                <a:ea typeface="仿宋"/>
+                <a:cs typeface="仿宋"/>
+              </a:rPr>
+              <a:t>JVM Heap</a:t>
+            </a:r>
+            <a:r>
+              <a:rPr lang="zh-CN" altLang="en-US" sz="1400" dirty="0">
+                <a:latin typeface="仿宋"/>
+                <a:ea typeface="仿宋"/>
+                <a:cs typeface="仿宋"/>
+              </a:rPr>
+              <a:t>中，交给</a:t>
+            </a:r>
+            <a:r>
+              <a:rPr lang="en-US" altLang="zh-CN" sz="1400" dirty="0">
+                <a:latin typeface="仿宋"/>
+                <a:ea typeface="仿宋"/>
+                <a:cs typeface="仿宋"/>
+              </a:rPr>
+              <a:t>JVM</a:t>
+            </a:r>
+            <a:r>
+              <a:rPr lang="zh-CN" altLang="en-US" sz="1400" dirty="0">
+                <a:latin typeface="仿宋"/>
+                <a:ea typeface="仿宋"/>
+                <a:cs typeface="仿宋"/>
+              </a:rPr>
+              <a:t>进行管理。而后两者采用了不同机制将部分数据存储在堆外，交给</a:t>
+            </a:r>
+            <a:r>
+              <a:rPr lang="en-US" altLang="zh-CN" sz="1400" dirty="0" err="1">
+                <a:latin typeface="仿宋"/>
+                <a:ea typeface="仿宋"/>
+                <a:cs typeface="仿宋"/>
+              </a:rPr>
+              <a:t>HBase</a:t>
+            </a:r>
+            <a:r>
+              <a:rPr lang="zh-CN" altLang="en-US" sz="1400" dirty="0">
+                <a:latin typeface="仿宋"/>
+                <a:ea typeface="仿宋"/>
+                <a:cs typeface="仿宋"/>
+              </a:rPr>
+              <a:t>自己管理</a:t>
+            </a:r>
+            <a:r>
+              <a:rPr lang="zh-CN" altLang="en-US" sz="1400" dirty="0" smtClean="0">
+                <a:latin typeface="仿宋"/>
+                <a:ea typeface="仿宋"/>
+                <a:cs typeface="仿宋"/>
+              </a:rPr>
+              <a:t>。</a:t>
+            </a:r>
+            <a:r>
+              <a:rPr lang="en-US" altLang="zh-CN" sz="1400" dirty="0" err="1" smtClean="0">
+                <a:latin typeface="仿宋"/>
+                <a:ea typeface="仿宋"/>
+                <a:cs typeface="仿宋"/>
+              </a:rPr>
+              <a:t>SlabCache</a:t>
+            </a:r>
+            <a:r>
+              <a:rPr lang="zh-CN" altLang="en-US" sz="1400" dirty="0" smtClean="0">
+                <a:latin typeface="仿宋"/>
+                <a:ea typeface="仿宋"/>
+                <a:cs typeface="仿宋"/>
+              </a:rPr>
+              <a:t>将堆外内存按照</a:t>
+            </a:r>
+            <a:r>
+              <a:rPr lang="en-US" altLang="zh-CN" sz="1400" dirty="0" smtClean="0">
+                <a:latin typeface="仿宋"/>
+                <a:ea typeface="仿宋"/>
+                <a:cs typeface="仿宋"/>
+              </a:rPr>
+              <a:t>4</a:t>
+            </a:r>
+            <a:r>
+              <a:rPr lang="zh-CN" altLang="en-US" sz="1400" dirty="0" smtClean="0">
+                <a:latin typeface="仿宋"/>
+                <a:ea typeface="仿宋"/>
+                <a:cs typeface="仿宋"/>
+              </a:rPr>
+              <a:t>：</a:t>
+            </a:r>
+            <a:r>
+              <a:rPr lang="en-US" altLang="zh-CN" sz="1400" dirty="0" smtClean="0">
+                <a:latin typeface="仿宋"/>
+                <a:ea typeface="仿宋"/>
+                <a:cs typeface="仿宋"/>
+              </a:rPr>
+              <a:t>1</a:t>
+            </a:r>
+            <a:r>
+              <a:rPr lang="zh-CN" altLang="en-US" sz="1400" dirty="0" smtClean="0">
+                <a:latin typeface="仿宋"/>
+                <a:ea typeface="仿宋"/>
+                <a:cs typeface="仿宋"/>
+              </a:rPr>
+              <a:t>分为两部分，前者用来存放和</a:t>
+            </a:r>
+            <a:r>
+              <a:rPr lang="en-US" altLang="zh-CN" sz="1400" dirty="0" err="1" smtClean="0">
+                <a:latin typeface="仿宋"/>
+                <a:ea typeface="仿宋"/>
+                <a:cs typeface="仿宋"/>
+              </a:rPr>
+              <a:t>BlockSize</a:t>
+            </a:r>
+            <a:r>
+              <a:rPr lang="zh-CN" altLang="en-US" sz="1400" dirty="0" smtClean="0">
+                <a:latin typeface="仿宋"/>
+                <a:ea typeface="仿宋"/>
+                <a:cs typeface="仿宋"/>
+              </a:rPr>
+              <a:t>大小差不多的数据，后者用来存放</a:t>
+            </a:r>
+            <a:r>
+              <a:rPr lang="en-US" altLang="zh-CN" sz="1400" dirty="0" smtClean="0">
+                <a:latin typeface="仿宋"/>
+                <a:ea typeface="仿宋"/>
+                <a:cs typeface="仿宋"/>
+              </a:rPr>
+              <a:t>2</a:t>
+            </a:r>
+            <a:r>
+              <a:rPr lang="zh-CN" altLang="en-US" sz="1400" dirty="0" smtClean="0">
+                <a:latin typeface="仿宋"/>
+                <a:ea typeface="仿宋"/>
+                <a:cs typeface="仿宋"/>
+              </a:rPr>
+              <a:t>*</a:t>
+            </a:r>
+            <a:r>
+              <a:rPr lang="en-US" altLang="zh-CN" sz="1400" dirty="0" err="1" smtClean="0">
+                <a:latin typeface="仿宋"/>
+                <a:ea typeface="仿宋"/>
+                <a:cs typeface="仿宋"/>
+              </a:rPr>
+              <a:t>BlockSize</a:t>
+            </a:r>
+            <a:r>
+              <a:rPr lang="zh-CN" altLang="en-US" sz="1400" dirty="0" smtClean="0">
+                <a:latin typeface="仿宋"/>
+                <a:ea typeface="仿宋"/>
+                <a:cs typeface="仿宋"/>
+              </a:rPr>
+              <a:t>大小的数据；</a:t>
+            </a:r>
+            <a:r>
+              <a:rPr lang="en-US" altLang="zh-CN" sz="1400" dirty="0" err="1" smtClean="0">
+                <a:latin typeface="仿宋"/>
+                <a:ea typeface="仿宋"/>
+                <a:cs typeface="仿宋"/>
+              </a:rPr>
+              <a:t>BucketCache</a:t>
+            </a:r>
+            <a:r>
+              <a:rPr lang="zh-CN" altLang="en-US" sz="1400" dirty="0" smtClean="0">
+                <a:latin typeface="仿宋"/>
+                <a:ea typeface="仿宋"/>
+                <a:cs typeface="仿宋"/>
+              </a:rPr>
+              <a:t>将内存分为不同大小的桶；</a:t>
+            </a:r>
+            <a:r>
+              <a:rPr lang="zh-CN" altLang="en-US" sz="1400" dirty="0" smtClean="0">
+                <a:latin typeface="仿宋"/>
+                <a:ea typeface="仿宋"/>
+                <a:cs typeface="仿宋"/>
+              </a:rPr>
+              <a:t>这种演变过程是因为</a:t>
+            </a:r>
+            <a:r>
+              <a:rPr lang="en-US" altLang="zh-CN" sz="1400" dirty="0" err="1">
+                <a:latin typeface="仿宋"/>
+                <a:ea typeface="仿宋"/>
+                <a:cs typeface="仿宋"/>
+              </a:rPr>
+              <a:t>LRUBlockCache</a:t>
+            </a:r>
+            <a:r>
+              <a:rPr lang="zh-CN" altLang="en-US" sz="1400" dirty="0">
+                <a:latin typeface="仿宋"/>
+                <a:ea typeface="仿宋"/>
+                <a:cs typeface="仿宋"/>
+              </a:rPr>
+              <a:t>方案中</a:t>
+            </a:r>
+            <a:r>
+              <a:rPr lang="en-US" altLang="zh-CN" sz="1400" dirty="0">
+                <a:latin typeface="仿宋"/>
+                <a:ea typeface="仿宋"/>
+                <a:cs typeface="仿宋"/>
+              </a:rPr>
+              <a:t>JVM</a:t>
+            </a:r>
+            <a:r>
+              <a:rPr lang="zh-CN" altLang="en-US" sz="1400" dirty="0">
+                <a:latin typeface="仿宋"/>
+                <a:ea typeface="仿宋"/>
+                <a:cs typeface="仿宋"/>
+              </a:rPr>
+              <a:t>垃圾回收机制经常会导致程序长时间暂停，而采用堆外内存对数据进行管理可以有效避免这种情况发生</a:t>
+            </a:r>
+            <a:r>
+              <a:rPr lang="zh-CN" altLang="en-US" sz="1400" dirty="0" smtClean="0">
+                <a:latin typeface="仿宋"/>
+                <a:ea typeface="仿宋"/>
+                <a:cs typeface="仿宋"/>
+              </a:rPr>
+              <a:t>。</a:t>
+            </a:r>
+            <a:r>
+              <a:rPr lang="zh-CN" altLang="en-US" sz="1400" dirty="0" smtClean="0">
+                <a:solidFill>
+                  <a:srgbClr val="C55A11"/>
+                </a:solidFill>
+                <a:latin typeface="仿宋"/>
+                <a:ea typeface="仿宋"/>
+                <a:cs typeface="仿宋"/>
+              </a:rPr>
+              <a:t>备注：</a:t>
+            </a:r>
+            <a:r>
+              <a:rPr lang="en-US" altLang="zh-CN" sz="1400" dirty="0" smtClean="0">
+                <a:solidFill>
+                  <a:srgbClr val="C55A11"/>
+                </a:solidFill>
+                <a:latin typeface="仿宋"/>
+                <a:ea typeface="仿宋"/>
+                <a:cs typeface="仿宋"/>
+              </a:rPr>
+              <a:t>2.0</a:t>
+            </a:r>
+            <a:r>
+              <a:rPr lang="zh-CN" altLang="en-US" sz="1400" dirty="0" smtClean="0">
+                <a:solidFill>
+                  <a:srgbClr val="C55A11"/>
+                </a:solidFill>
+                <a:latin typeface="仿宋"/>
+                <a:ea typeface="仿宋"/>
+                <a:cs typeface="仿宋"/>
+              </a:rPr>
+              <a:t>只支持</a:t>
+            </a:r>
+            <a:r>
+              <a:rPr lang="en-US" altLang="zh-CN" sz="1400" dirty="0" err="1" smtClean="0">
+                <a:solidFill>
+                  <a:srgbClr val="C55A11"/>
+                </a:solidFill>
+                <a:latin typeface="仿宋"/>
+                <a:ea typeface="仿宋"/>
+                <a:cs typeface="仿宋"/>
+              </a:rPr>
+              <a:t>BucketCache</a:t>
+            </a:r>
+            <a:r>
+              <a:rPr lang="zh-CN" altLang="en-US" sz="1400" dirty="0" smtClean="0">
+                <a:latin typeface="仿宋"/>
+                <a:ea typeface="仿宋"/>
+                <a:cs typeface="仿宋"/>
+              </a:rPr>
+              <a:t>？</a:t>
+            </a:r>
+            <a:endParaRPr lang="en-US" altLang="zh-CN" sz="1400" dirty="0" smtClean="0">
+              <a:latin typeface="仿宋"/>
+              <a:ea typeface="仿宋"/>
+              <a:cs typeface="仿宋"/>
+            </a:endParaRPr>
+          </a:p>
+          <a:p>
+            <a:pPr marL="285750" indent="-285750">
+              <a:lnSpc>
+                <a:spcPct val="150000"/>
+              </a:lnSpc>
+              <a:buFont typeface="Wingdings" charset="2"/>
+              <a:buChar char="l"/>
+            </a:pPr>
+            <a:r>
+              <a:rPr lang="en-US" altLang="zh-CN" sz="1400" dirty="0" smtClean="0">
+                <a:latin typeface="仿宋"/>
+                <a:ea typeface="仿宋"/>
+                <a:cs typeface="仿宋"/>
+              </a:rPr>
+              <a:t>Meta</a:t>
+            </a:r>
+            <a:r>
+              <a:rPr lang="zh-CN" altLang="en-US" sz="1400" dirty="0" smtClean="0">
+                <a:latin typeface="仿宋"/>
+                <a:ea typeface="仿宋"/>
+                <a:cs typeface="仿宋"/>
+              </a:rPr>
+              <a:t> </a:t>
+            </a:r>
+            <a:r>
+              <a:rPr lang="en-US" altLang="zh-CN" sz="1400" dirty="0" smtClean="0">
+                <a:latin typeface="仿宋"/>
+                <a:ea typeface="仿宋"/>
+                <a:cs typeface="仿宋"/>
+              </a:rPr>
+              <a:t>Blocks</a:t>
+            </a:r>
+            <a:r>
+              <a:rPr lang="zh-CN" altLang="en-US" sz="1400" dirty="0" smtClean="0">
+                <a:latin typeface="仿宋"/>
+                <a:ea typeface="仿宋"/>
+                <a:cs typeface="仿宋"/>
+              </a:rPr>
+              <a:t> </a:t>
+            </a:r>
+            <a:r>
+              <a:rPr lang="en-US" altLang="zh-CN" sz="1400" dirty="0" err="1" smtClean="0">
+                <a:latin typeface="仿宋"/>
+                <a:ea typeface="仿宋"/>
+                <a:cs typeface="仿宋"/>
+              </a:rPr>
+              <a:t>Alaways</a:t>
+            </a:r>
+            <a:r>
+              <a:rPr lang="zh-CN" altLang="en-US" sz="1400" dirty="0" smtClean="0">
+                <a:latin typeface="仿宋"/>
+                <a:ea typeface="仿宋"/>
+                <a:cs typeface="仿宋"/>
+              </a:rPr>
+              <a:t> </a:t>
+            </a:r>
+            <a:r>
+              <a:rPr lang="en-US" altLang="zh-CN" sz="1400" dirty="0" smtClean="0">
+                <a:latin typeface="仿宋"/>
+                <a:ea typeface="仿宋"/>
+                <a:cs typeface="仿宋"/>
+              </a:rPr>
+              <a:t>Cached</a:t>
+            </a:r>
+            <a:r>
+              <a:rPr lang="zh-CN" altLang="en-US" sz="1400" dirty="0" smtClean="0">
+                <a:latin typeface="仿宋"/>
+                <a:ea typeface="仿宋"/>
+                <a:cs typeface="仿宋"/>
+              </a:rPr>
+              <a:t>；</a:t>
+            </a:r>
+            <a:r>
+              <a:rPr lang="en-US" altLang="zh-CN" sz="1400" dirty="0" smtClean="0">
+                <a:latin typeface="仿宋"/>
+                <a:ea typeface="仿宋"/>
+                <a:cs typeface="仿宋"/>
+              </a:rPr>
+              <a:t/>
+            </a:r>
+            <a:r>
+              <a:rPr lang="zh-CN" altLang="en-US" sz="1400" dirty="0" smtClean="0">
+                <a:latin typeface="仿宋"/>
+                <a:ea typeface="仿宋"/>
+                <a:cs typeface="仿宋"/>
+              </a:rPr>
+              <a:t>使用</a:t>
+            </a:r>
+            <a:r>
+              <a:rPr lang="en-US" altLang="zh-CN" sz="1400" dirty="0" err="1" smtClean="0">
+                <a:latin typeface="仿宋"/>
+                <a:ea typeface="仿宋"/>
+                <a:cs typeface="仿宋"/>
+              </a:rPr>
+              <a:t>BucketCache</a:t>
+            </a:r>
+            <a:r>
+              <a:rPr lang="zh-CN" altLang="en-US" sz="1400" dirty="0" smtClean="0">
+                <a:latin typeface="仿宋"/>
+                <a:ea typeface="仿宋"/>
+                <a:cs typeface="仿宋"/>
+              </a:rPr>
+              <a:t>时，数据缓存到对外，</a:t>
+            </a:r>
+            <a:r>
+              <a:rPr lang="en-US" altLang="zh-CN" sz="1400" dirty="0" smtClean="0">
+                <a:latin typeface="仿宋"/>
+                <a:ea typeface="仿宋"/>
+                <a:cs typeface="仿宋"/>
+              </a:rPr>
+              <a:t>Meta</a:t>
+            </a:r>
+            <a:r>
+              <a:rPr lang="zh-CN" altLang="en-US" sz="1400" dirty="0" smtClean="0">
+                <a:latin typeface="仿宋"/>
+                <a:ea typeface="仿宋"/>
+                <a:cs typeface="仿宋"/>
+              </a:rPr>
+              <a:t>换在在堆内，构成所谓的二级缓存；</a:t>
+            </a:r>
+            <a:r>
+              <a:rPr lang="zh-CN" altLang="en-US" sz="1400" dirty="0">
+                <a:latin typeface="仿宋"/>
+                <a:ea typeface="仿宋"/>
+                <a:cs typeface="仿宋"/>
+              </a:rPr>
+              <a:t>可以自己配置</a:t>
+            </a:r>
+            <a:r>
+              <a:rPr lang="en-US" altLang="zh-CN" sz="1400" dirty="0">
+                <a:latin typeface="仿宋"/>
+                <a:ea typeface="仿宋"/>
+                <a:cs typeface="仿宋"/>
+              </a:rPr>
+              <a:t>L2</a:t>
+            </a:r>
+            <a:r>
+              <a:rPr lang="zh-CN" altLang="en-US" sz="1400" dirty="0">
+                <a:latin typeface="仿宋"/>
+                <a:ea typeface="仿宋"/>
+                <a:cs typeface="仿宋"/>
+              </a:rPr>
+              <a:t> </a:t>
+            </a:r>
+            <a:r>
+              <a:rPr lang="en-US" altLang="zh-CN" sz="1400" dirty="0">
+                <a:latin typeface="仿宋"/>
+                <a:ea typeface="仿宋"/>
+                <a:cs typeface="仿宋"/>
+              </a:rPr>
+              <a:t>Cache</a:t>
+            </a:r>
+            <a:r>
+              <a:rPr lang="zh-CN" altLang="en-US" sz="1400" dirty="0">
+                <a:latin typeface="仿宋"/>
+                <a:ea typeface="仿宋"/>
+                <a:cs typeface="仿宋"/>
+              </a:rPr>
+              <a:t>，比如</a:t>
+            </a:r>
+            <a:r>
+              <a:rPr lang="en-US" altLang="zh-CN" sz="1400" dirty="0" err="1">
+                <a:latin typeface="仿宋"/>
+                <a:ea typeface="仿宋"/>
+                <a:cs typeface="仿宋"/>
+              </a:rPr>
+              <a:t>memcache</a:t>
+            </a:r>
+            <a:r>
+              <a:rPr lang="zh-CN" altLang="en-US" sz="1400" dirty="0">
+                <a:latin typeface="仿宋"/>
+                <a:ea typeface="仿宋"/>
+                <a:cs typeface="仿宋"/>
+              </a:rPr>
+              <a:t>（</a:t>
+            </a:r>
+            <a:r>
+              <a:rPr lang="en-US" altLang="zh-CN" sz="1400" dirty="0" err="1">
+                <a:latin typeface="仿宋"/>
+                <a:ea typeface="仿宋"/>
+                <a:cs typeface="仿宋"/>
+              </a:rPr>
+              <a:t>CacheConfig</a:t>
+            </a:r>
+            <a:r>
+              <a:rPr lang="zh-CN" altLang="en-US" sz="1400" dirty="0">
+                <a:latin typeface="仿宋"/>
+                <a:ea typeface="仿宋"/>
+                <a:cs typeface="仿宋"/>
+              </a:rPr>
+              <a:t>类）</a:t>
+            </a:r>
+            <a:r>
+              <a:rPr lang="en-US" altLang="zh-CN" sz="1400" dirty="0">
+                <a:latin typeface="仿宋"/>
+                <a:ea typeface="仿宋"/>
+                <a:cs typeface="仿宋"/>
+              </a:rPr>
+              <a:t>;</a:t>
+            </a:r>
+          </a:p>
+          <a:p>
+            <a:pPr marL="285750" indent="-285750">
+              <a:lnSpc>
+                <a:spcPct val="150000"/>
+              </a:lnSpc>
+              <a:buFont typeface="Wingdings" charset="2"/>
+              <a:buChar char="l"/>
+            </a:pPr>
+            <a:endParaRPr lang="zh-CN" altLang="en-US" sz="1400" dirty="0">
+              <a:latin typeface="仿宋"/>
+              <a:ea typeface="仿宋"/>
+              <a:cs typeface="仿宋"/>
+            </a:endParaRPr>
+          </a:p>
+        </p:txBody>
+      </p:sp>
+    </p:spTree>
+    <p:extLst>
+      <p:ext uri="{BB962C8B-B14F-4D97-AF65-F5344CB8AC3E}">
+        <p14:creationId xmlns:p14="http://schemas.microsoft.com/office/powerpoint/2010/main" val="3517875183"/>
+      </p:ext>
+    </p:extLst>
+  </p:cSld>
+  <p:clrMapOvr>
+    <a:masterClrMapping/>
+  </p:clrMapOvr>
+</p:sld>
+</file>
+
+<file path=ppt/slides/slide31.xml><?xml version="1.0" encoding="utf-8"?>
+<p:sld xmlns:a="http://schemas.openxmlformats.org/drawingml/2006/main" xmlns:r="http://schemas.openxmlformats.org/officeDocument/2006/relationships" xmlns:p="http://schemas.openxmlformats.org/presentationml/2006/main">
+  <p:cSld>
+    <p:spTree>
+      <p:nvGrpSpPr>
+        <p:cNvPr id="1" name=""/>
+        <p:cNvGrpSpPr/>
+        <p:nvPr/>
+      </p:nvGrpSpPr>
+      <p:grpSpPr>
+        <a:xfrm>
+          <a:off x="0" y="0"/>
+          <a:ext cx="0" cy="0"/>
+          <a:chOff x="0" y="0"/>
+          <a:chExt cx="0" cy="0"/>
+        </a:xfrm>
+      </p:grpSpPr>
+      <p:sp>
+        <p:nvSpPr>
+          <p:cNvPr id="2" name="标题 1"/>
+          <p:cNvSpPr>
+            <a:spLocks noGrp="1"/>
+          </p:cNvSpPr>
+          <p:nvPr>
+            <p:ph type="title"/>
+          </p:nvPr>
+        </p:nvSpPr>
+        <p:spPr/>
+        <p:txBody>
+          <a:bodyPr/>
+          <a:lstStyle/>
+          <a:p>
+            <a:r>
+              <a:rPr lang="en-US" altLang="zh-CN" dirty="0"/>
+              <a:t>Compaction</a:t>
+            </a:r>
+            <a:endParaRPr lang="zh-CN" altLang="en-US" dirty="0"/>
+          </a:p>
+        </p:txBody>
+      </p:sp>
+      <p:sp>
+        <p:nvSpPr>
+          <p:cNvPr id="4" name="矩形 3"/>
+          <p:cNvSpPr/>
+          <p:nvPr/>
+        </p:nvSpPr>
+        <p:spPr>
+          <a:xfrm>
+            <a:off x="696685" y="1425752"/>
+            <a:ext cx="8342811" cy="1754326"/>
+          </a:xfrm>
+          <a:prstGeom prst="rect">
+            <a:avLst/>
+          </a:prstGeom>
+        </p:spPr>
+        <p:txBody>
+          <a:bodyPr wrap="square">
+            <a:spAutoFit/>
+          </a:bodyPr>
+          <a:lstStyle/>
+          <a:p>
+            <a:r>
+              <a:rPr lang="en-US" altLang="zh-CN" dirty="0"/>
+              <a:t>As we know, for read performance, </a:t>
+            </a:r>
+            <a:r>
+              <a:rPr lang="en-US" altLang="zh-CN" dirty="0" err="1"/>
+              <a:t>HBase</a:t>
+            </a:r>
+            <a:r>
+              <a:rPr lang="en-US" altLang="zh-CN" dirty="0"/>
+              <a:t> is an optimized distributed data store. But this optimal read performance needs one file per column family. Although, during the heavy writes, it is not always possible to have one file per column family. Hence, to reduce the maximum number of disk seeks needed for read, </a:t>
+            </a:r>
+            <a:r>
+              <a:rPr lang="en-US" altLang="zh-CN" dirty="0" err="1"/>
+              <a:t>HBase</a:t>
+            </a:r>
+            <a:r>
+              <a:rPr lang="en-US" altLang="zh-CN" dirty="0"/>
+              <a:t> tries to combine all </a:t>
+            </a:r>
+            <a:r>
+              <a:rPr lang="en-US" altLang="zh-CN" dirty="0" err="1"/>
+              <a:t>HFiles</a:t>
+            </a:r>
+            <a:r>
+              <a:rPr lang="en-US" altLang="zh-CN" dirty="0"/>
+              <a:t> into a large single </a:t>
+            </a:r>
+            <a:r>
+              <a:rPr lang="en-US" altLang="zh-CN" dirty="0" err="1"/>
+              <a:t>HFile</a:t>
+            </a:r>
+            <a:r>
+              <a:rPr lang="en-US" altLang="zh-CN" dirty="0"/>
+              <a:t>. So, this process is what we call Compaction.</a:t>
+            </a:r>
+            <a:endParaRPr lang="zh-CN" altLang="en-US" dirty="0"/>
+          </a:p>
+        </p:txBody>
+      </p:sp>
+    </p:spTree>
+    <p:extLst>
+      <p:ext uri="{BB962C8B-B14F-4D97-AF65-F5344CB8AC3E}">
+        <p14:creationId xmlns:p14="http://schemas.microsoft.com/office/powerpoint/2010/main" val="3260393897"/>
+      </p:ext>
+    </p:extLst>
+  </p:cSld>
+  <p:clrMapOvr>
+    <a:masterClrMapping/>
+  </p:clrMapOvr>
+</p:sld>
+</file>
+
+<file path=ppt/slides/slide32.xml><?xml version="1.0" encoding="utf-8"?>
+<p:sld xmlns:a="http://schemas.openxmlformats.org/drawingml/2006/main" xmlns:r="http://schemas.openxmlformats.org/officeDocument/2006/relationships" xmlns:p="http://schemas.openxmlformats.org/presentationml/2006/main">
+  <p:cSld>
+    <p:spTree>
+      <p:nvGrpSpPr>
+        <p:cNvPr id="1" name=""/>
+        <p:cNvGrpSpPr/>
+        <p:nvPr/>
+      </p:nvGrpSpPr>
+      <p:grpSpPr>
+        <a:xfrm>
+          <a:off x="0" y="0"/>
+          <a:ext cx="0" cy="0"/>
+          <a:chOff x="0" y="0"/>
+          <a:chExt cx="0" cy="0"/>
+        </a:xfrm>
+      </p:grpSpPr>
+      <p:sp>
+        <p:nvSpPr>
+          <p:cNvPr id="2" name="标题 1"/>
+          <p:cNvSpPr>
+            <a:spLocks noGrp="1"/>
+          </p:cNvSpPr>
+          <p:nvPr>
+            <p:ph type="title"/>
+          </p:nvPr>
+        </p:nvSpPr>
+        <p:spPr/>
+        <p:txBody>
+          <a:bodyPr/>
+          <a:lstStyle/>
+          <a:p>
+            <a:r>
               <a:rPr lang="en-US" altLang="zh-CN" dirty="0"/>
               <a:t>Minor </a:t>
             </a:r>
@@ -15893,7 +17600,7 @@
 </p:sld>
 </file>
 
-<file path=ppt/slides/slide31.xml><?xml version="1.0" encoding="utf-8"?>
+<file path=ppt/slides/slide33.xml><?xml version="1.0" encoding="utf-8"?>
 <p:sld xmlns:a="http://schemas.openxmlformats.org/drawingml/2006/main" xmlns:r="http://schemas.openxmlformats.org/officeDocument/2006/relationships" xmlns:p="http://schemas.openxmlformats.org/presentationml/2006/main">
   <p:cSld>
     <p:spTree>
@@ -15976,7 +17683,7 @@
 </p:sld>
 </file>
 
-<file path=ppt/slides/slide32.xml><?xml version="1.0" encoding="utf-8"?>
+<file path=ppt/slides/slide34.xml><?xml version="1.0" encoding="utf-8"?>
 <p:sld xmlns:a="http://schemas.openxmlformats.org/drawingml/2006/main" xmlns:r="http://schemas.openxmlformats.org/officeDocument/2006/relationships" xmlns:p="http://schemas.openxmlformats.org/presentationml/2006/main">
   <p:cSld>
     <p:spTree>
@@ -16138,7 +17845,7 @@
 </p:sld>
 </file>
 
-<file path=ppt/slides/slide33.xml><?xml version="1.0" encoding="utf-8"?>
+<file path=ppt/slides/slide35.xml><?xml version="1.0" encoding="utf-8"?>
 <p:sld xmlns:a="http://schemas.openxmlformats.org/drawingml/2006/main" xmlns:r="http://schemas.openxmlformats.org/officeDocument/2006/relationships" xmlns:p="http://schemas.openxmlformats.org/presentationml/2006/main">
   <p:cSld>
     <p:spTree>
@@ -16217,7 +17924,7 @@
 </p:sld>
 </file>
 
-<file path=ppt/slides/slide34.xml><?xml version="1.0" encoding="utf-8"?>
+<file path=ppt/slides/slide36.xml><?xml version="1.0" encoding="utf-8"?>
 <p:sld xmlns:a="http://schemas.openxmlformats.org/drawingml/2006/main" xmlns:r="http://schemas.openxmlformats.org/officeDocument/2006/relationships" xmlns:p="http://schemas.openxmlformats.org/presentationml/2006/main">
   <p:cSld>
     <p:spTree>
@@ -16626,197 +18333,6 @@
     <p:extLst>
       <p:ext uri="{BB962C8B-B14F-4D97-AF65-F5344CB8AC3E}">
         <p14:creationId xmlns:p14="http://schemas.microsoft.com/office/powerpoint/2010/main" val="1630451852"/>
-      </p:ext>
-    </p:extLst>
-  </p:cSld>
-  <p:clrMapOvr>
-    <a:masterClrMapping/>
-  </p:clrMapOvr>
-</p:sld>
-</file>
-
-<file path=ppt/slides/slide35.xml><?xml version="1.0" encoding="utf-8"?>
-<p:sld xmlns:a="http://schemas.openxmlformats.org/drawingml/2006/main" xmlns:r="http://schemas.openxmlformats.org/officeDocument/2006/relationships" xmlns:p="http://schemas.openxmlformats.org/presentationml/2006/main">
-  <p:cSld>
-    <p:spTree>
-      <p:nvGrpSpPr>
-        <p:cNvPr id="1" name=""/>
-        <p:cNvGrpSpPr/>
-        <p:nvPr/>
-      </p:nvGrpSpPr>
-      <p:grpSpPr>
-        <a:xfrm>
-          <a:off x="0" y="0"/>
-          <a:ext cx="0" cy="0"/>
-          <a:chOff x="0" y="0"/>
-          <a:chExt cx="0" cy="0"/>
-        </a:xfrm>
-      </p:grpSpPr>
-      <p:sp>
-        <p:nvSpPr>
-          <p:cNvPr id="2" name="标题 1"/>
-          <p:cNvSpPr>
-            <a:spLocks noGrp="1"/>
-          </p:cNvSpPr>
-          <p:nvPr>
-            <p:ph type="title"/>
-          </p:nvPr>
-        </p:nvSpPr>
-        <p:spPr/>
-        <p:txBody>
-          <a:bodyPr/>
-          <a:lstStyle/>
-          <a:p>
-            <a:endParaRPr lang="zh-CN" altLang="en-US"/>
-          </a:p>
-        </p:txBody>
-      </p:sp>
-      <p:pic>
-        <p:nvPicPr>
-          <p:cNvPr id="4" name="图片 3"/>
-          <p:cNvPicPr>
-            <a:picLocks noChangeAspect="1"/>
-          </p:cNvPicPr>
-          <p:nvPr/>
-        </p:nvPicPr>
-        <p:blipFill>
-          <a:blip r:embed="rId2"/>
-          <a:stretch>
-            <a:fillRect/>
-          </a:stretch>
-        </p:blipFill>
-        <p:spPr>
-          <a:xfrm>
-            <a:off x="1518149" y="1595981"/>
-            <a:ext cx="8162925" cy="5076825"/>
-          </a:xfrm>
-          <a:prstGeom prst="rect">
-            <a:avLst/>
-          </a:prstGeom>
-        </p:spPr>
-      </p:pic>
-    </p:spTree>
-    <p:extLst>
-      <p:ext uri="{BB962C8B-B14F-4D97-AF65-F5344CB8AC3E}">
-        <p14:creationId xmlns:p14="http://schemas.microsoft.com/office/powerpoint/2010/main" val="2045367573"/>
-      </p:ext>
-    </p:extLst>
-  </p:cSld>
-  <p:clrMapOvr>
-    <a:masterClrMapping/>
-  </p:clrMapOvr>
-</p:sld>
-</file>
-
-<file path=ppt/slides/slide36.xml><?xml version="1.0" encoding="utf-8"?>
-<p:sld xmlns:a="http://schemas.openxmlformats.org/drawingml/2006/main" xmlns:r="http://schemas.openxmlformats.org/officeDocument/2006/relationships" xmlns:p="http://schemas.openxmlformats.org/presentationml/2006/main">
-  <p:cSld>
-    <p:spTree>
-      <p:nvGrpSpPr>
-        <p:cNvPr id="1" name=""/>
-        <p:cNvGrpSpPr/>
-        <p:nvPr/>
-      </p:nvGrpSpPr>
-      <p:grpSpPr>
-        <a:xfrm>
-          <a:off x="0" y="0"/>
-          <a:ext cx="0" cy="0"/>
-          <a:chOff x="0" y="0"/>
-          <a:chExt cx="0" cy="0"/>
-        </a:xfrm>
-      </p:grpSpPr>
-      <p:sp>
-        <p:nvSpPr>
-          <p:cNvPr id="2" name="标题 1"/>
-          <p:cNvSpPr>
-            <a:spLocks noGrp="1"/>
-          </p:cNvSpPr>
-          <p:nvPr>
-            <p:ph type="title"/>
-          </p:nvPr>
-        </p:nvSpPr>
-        <p:spPr>
-          <a:xfrm>
-            <a:off x="521207" y="448056"/>
-            <a:ext cx="10216462" cy="518595"/>
-          </a:xfrm>
-        </p:spPr>
-        <p:txBody>
-          <a:bodyPr>
-            <a:normAutofit/>
-          </a:bodyPr>
-          <a:lstStyle/>
-          <a:p>
-            <a:r>
-              <a:rPr lang="en-US" altLang="zh-CN" dirty="0"/>
-              <a:t>https://blog.csdn.net/nosqlnotes/article/details/80890191</a:t>
-            </a:r>
-            <a:endParaRPr lang="zh-CN" altLang="en-US" dirty="0"/>
-          </a:p>
-        </p:txBody>
-      </p:sp>
-      <p:sp>
-        <p:nvSpPr>
-          <p:cNvPr id="4" name="矩形 3"/>
-          <p:cNvSpPr/>
-          <p:nvPr/>
-        </p:nvSpPr>
-        <p:spPr>
-          <a:xfrm>
-            <a:off x="1624149" y="1779687"/>
-            <a:ext cx="6096000" cy="5078313"/>
-          </a:xfrm>
-          <a:prstGeom prst="rect">
-            <a:avLst/>
-          </a:prstGeom>
-        </p:spPr>
-        <p:txBody>
-          <a:bodyPr>
-            <a:spAutoFit/>
-          </a:bodyPr>
-          <a:lstStyle/>
-          <a:p>
-            <a:r>
-              <a:rPr lang="zh-CN" altLang="en-US" dirty="0"/>
-              <a:t>Date Tiered Compaction我们假设有这样一种场景：新数据的产生与时间有关，而且无更新、删除场景读取时通常会指定时间范围，而且通常读取最近的数据在这种情形下，如果将老数据与新数据合并在一起，那么，指定时间范围读取时，就需要扫描一些不必要的老数据：因为合并后，数据按RowKey排序，RowKey排序未必与按照数据产生的时间排序一致，这使得新老数据交叉存放，而扫描时老数据也会被读到。这是Date Tiered Compaction的设计初衷，Date Tiered Compaction在选择文件执行合并的时候，会感知Date信息，使得Compaction时，不需要将新老数据合并在一起。这对于基于Time Range的Scan操作是非常有利的，因为与本次Scan不相关的文件可以直接忽略。</a:t>
-            </a:r>
-          </a:p>
-          <a:p>
-            <a:r>
-              <a:rPr lang="zh-CN" altLang="en-US" dirty="0"/>
-              <a:t>--------------------- </a:t>
-            </a:r>
-          </a:p>
-          <a:p>
-            <a:r>
-              <a:rPr lang="zh-CN" altLang="en-US" dirty="0"/>
-              <a:t>作者：NoSQL漫谈 </a:t>
-            </a:r>
-          </a:p>
-          <a:p>
-            <a:r>
-              <a:rPr lang="zh-CN" altLang="en-US" dirty="0"/>
-              <a:t>来源：CSDN </a:t>
-            </a:r>
-          </a:p>
-          <a:p>
-            <a:r>
-              <a:rPr lang="zh-CN" altLang="en-US" dirty="0"/>
-              <a:t>原文：https://blog.csdn.net/nosqlnotes/article/details/80890191 </a:t>
-            </a:r>
-          </a:p>
-          <a:p>
-            <a:r>
-              <a:rPr lang="zh-CN" altLang="en-US" dirty="0"/>
-              <a:t>版权声明：本文为博主原创文章，转载请附上博文链接！</a:t>
-            </a:r>
-          </a:p>
-        </p:txBody>
-      </p:sp>
-    </p:spTree>
-    <p:extLst>
-      <p:ext uri="{BB962C8B-B14F-4D97-AF65-F5344CB8AC3E}">
-        <p14:creationId xmlns:p14="http://schemas.microsoft.com/office/powerpoint/2010/main" val="3031849696"/>
       </p:ext>
     </p:extLst>
   </p:cSld>
@@ -16858,444 +18374,38 @@
           <a:bodyPr/>
           <a:lstStyle/>
           <a:p>
-            <a:endParaRPr lang="zh-CN" altLang="en-US" dirty="0"/>
+            <a:endParaRPr lang="zh-CN" altLang="en-US"/>
           </a:p>
         </p:txBody>
       </p:sp>
-      <p:sp>
-        <p:nvSpPr>
-          <p:cNvPr id="4" name="矩形 3"/>
-          <p:cNvSpPr/>
+      <p:pic>
+        <p:nvPicPr>
+          <p:cNvPr id="4" name="图片 3"/>
+          <p:cNvPicPr>
+            <a:picLocks noChangeAspect="1"/>
+          </p:cNvPicPr>
           <p:nvPr/>
-        </p:nvSpPr>
+        </p:nvPicPr>
+        <p:blipFill>
+          <a:blip r:embed="rId2"/>
+          <a:stretch>
+            <a:fillRect/>
+          </a:stretch>
+        </p:blipFill>
         <p:spPr>
           <a:xfrm>
-            <a:off x="521207" y="1377863"/>
-            <a:ext cx="10694126" cy="5909310"/>
+            <a:off x="1518149" y="1595981"/>
+            <a:ext cx="8162925" cy="5076825"/>
           </a:xfrm>
           <a:prstGeom prst="rect">
             <a:avLst/>
           </a:prstGeom>
         </p:spPr>
-        <p:txBody>
-          <a:bodyPr wrap="square">
-            <a:spAutoFit/>
-          </a:bodyPr>
-          <a:lstStyle/>
-          <a:p>
-            <a:r>
-              <a:rPr lang="en-US" altLang="zh-CN" dirty="0"/>
-              <a:t>MOB Compaction</a:t>
-            </a:r>
-            <a:r>
-              <a:rPr lang="zh-CN" altLang="en-US" dirty="0"/>
-              <a:t>能否使用</a:t>
-            </a:r>
-            <a:r>
-              <a:rPr lang="en-US" altLang="zh-CN" dirty="0" err="1"/>
-              <a:t>HBase</a:t>
-            </a:r>
-            <a:r>
-              <a:rPr lang="zh-CN" altLang="en-US" dirty="0"/>
-              <a:t>来存储</a:t>
-            </a:r>
-            <a:r>
-              <a:rPr lang="en-US" altLang="zh-CN" dirty="0"/>
-              <a:t>MB</a:t>
-            </a:r>
-            <a:r>
-              <a:rPr lang="zh-CN" altLang="en-US" dirty="0"/>
-              <a:t>级别的</a:t>
-            </a:r>
-            <a:r>
-              <a:rPr lang="en-US" altLang="zh-CN" dirty="0"/>
-              <a:t>Blob(</a:t>
-            </a:r>
-            <a:r>
-              <a:rPr lang="zh-CN" altLang="en-US" dirty="0"/>
-              <a:t>如图片之类的小文件</a:t>
-            </a:r>
-            <a:r>
-              <a:rPr lang="en-US" altLang="zh-CN" dirty="0"/>
-              <a:t>)</a:t>
-            </a:r>
-            <a:r>
-              <a:rPr lang="zh-CN" altLang="en-US" dirty="0"/>
-              <a:t>数据？这是很多应用面临的一个基础问题，因为这些数据相比于普通的存储于</a:t>
-            </a:r>
-            <a:r>
-              <a:rPr lang="en-US" altLang="zh-CN" dirty="0" err="1"/>
-              <a:t>HBase</a:t>
-            </a:r>
-            <a:r>
-              <a:rPr lang="zh-CN" altLang="en-US" dirty="0"/>
-              <a:t>中的结构化</a:t>
-            </a:r>
-            <a:r>
-              <a:rPr lang="en-US" altLang="zh-CN" dirty="0"/>
-              <a:t>/</a:t>
-            </a:r>
-            <a:r>
-              <a:rPr lang="zh-CN" altLang="en-US" dirty="0"/>
-              <a:t>半结构化数据显得过大了，而如果将这些数据直接存储成</a:t>
-            </a:r>
-            <a:r>
-              <a:rPr lang="en-US" altLang="zh-CN" dirty="0"/>
-              <a:t>HDFS</a:t>
-            </a:r>
-            <a:r>
-              <a:rPr lang="zh-CN" altLang="en-US" dirty="0"/>
-              <a:t>中的独立文件，会加重</a:t>
-            </a:r>
-            <a:r>
-              <a:rPr lang="en-US" altLang="zh-CN" dirty="0"/>
-              <a:t>HDFS</a:t>
-            </a:r>
-            <a:r>
-              <a:rPr lang="zh-CN" altLang="en-US" dirty="0"/>
-              <a:t>的</a:t>
-            </a:r>
-            <a:r>
-              <a:rPr lang="en-US" altLang="zh-CN" dirty="0" err="1"/>
-              <a:t>NameNode</a:t>
-            </a:r>
-            <a:r>
-              <a:rPr lang="zh-CN" altLang="en-US" dirty="0"/>
-              <a:t>的负担，再者，如何索引这些小文件也是一个极大的痛点。当然，也有人采用了这样的方式：将多个小文件合并成</a:t>
-            </a:r>
-            <a:r>
-              <a:rPr lang="en-US" altLang="zh-CN" dirty="0"/>
-              <a:t>HDFS</a:t>
-            </a:r>
-            <a:r>
-              <a:rPr lang="zh-CN" altLang="en-US" dirty="0"/>
-              <a:t>上的一个大文件，这样子可以减轻</a:t>
-            </a:r>
-            <a:r>
-              <a:rPr lang="en-US" altLang="zh-CN" dirty="0"/>
-              <a:t>HDFS</a:t>
-            </a:r>
-            <a:r>
-              <a:rPr lang="zh-CN" altLang="en-US" dirty="0"/>
-              <a:t>的</a:t>
-            </a:r>
-            <a:r>
-              <a:rPr lang="en-US" altLang="zh-CN" dirty="0" err="1"/>
-              <a:t>NameNode</a:t>
-            </a:r>
-            <a:r>
-              <a:rPr lang="zh-CN" altLang="en-US" dirty="0"/>
-              <a:t>的负担，但需要维护每一个小文件的索引信息（文件名以及每一个小文件的偏移信息）。如果存这些这些小文件时，像普通的结构化数据</a:t>
-            </a:r>
-            <a:r>
-              <a:rPr lang="en-US" altLang="zh-CN" dirty="0"/>
-              <a:t>/</a:t>
-            </a:r>
-            <a:r>
-              <a:rPr lang="zh-CN" altLang="en-US" dirty="0"/>
-              <a:t>半结构化数据一样，直接写到</a:t>
-            </a:r>
-            <a:r>
-              <a:rPr lang="en-US" altLang="zh-CN" dirty="0" err="1"/>
-              <a:t>HBase</a:t>
-            </a:r>
-            <a:r>
-              <a:rPr lang="zh-CN" altLang="en-US" dirty="0"/>
-              <a:t>中，会有什么问题？这样子多条数据可以被合并在较大的</a:t>
-            </a:r>
-            <a:r>
-              <a:rPr lang="en-US" altLang="zh-CN" dirty="0" err="1"/>
-              <a:t>HFile</a:t>
-            </a:r>
-            <a:r>
-              <a:rPr lang="zh-CN" altLang="en-US" dirty="0"/>
-              <a:t>文件中，减轻了</a:t>
-            </a:r>
-            <a:r>
-              <a:rPr lang="en-US" altLang="zh-CN" dirty="0" err="1"/>
-              <a:t>NameNode</a:t>
-            </a:r>
-            <a:r>
-              <a:rPr lang="zh-CN" altLang="en-US" dirty="0"/>
-              <a:t>的负担，同时解决了快速索引的问题。但基于前面的内容，我们已经清楚知道了</a:t>
-            </a:r>
-            <a:r>
-              <a:rPr lang="en-US" altLang="zh-CN" dirty="0"/>
-              <a:t>Compaction</a:t>
-            </a:r>
-            <a:r>
-              <a:rPr lang="zh-CN" altLang="en-US" dirty="0"/>
-              <a:t>带来的写放大问题。试想一下，数</a:t>
-            </a:r>
-            <a:r>
-              <a:rPr lang="en-US" altLang="zh-CN" dirty="0"/>
-              <a:t>MB</a:t>
-            </a:r>
-            <a:r>
-              <a:rPr lang="zh-CN" altLang="en-US" dirty="0"/>
-              <a:t>级别的</a:t>
-            </a:r>
-            <a:r>
-              <a:rPr lang="en-US" altLang="zh-CN" dirty="0"/>
-              <a:t>Blob</a:t>
-            </a:r>
-            <a:r>
-              <a:rPr lang="zh-CN" altLang="en-US" dirty="0"/>
-              <a:t>数据，被反复多次合并以后，会带来什么样的影响？这对</a:t>
-            </a:r>
-            <a:r>
-              <a:rPr lang="en-US" altLang="zh-CN" dirty="0"/>
-              <a:t>IO</a:t>
-            </a:r>
-            <a:r>
-              <a:rPr lang="zh-CN" altLang="en-US" dirty="0"/>
-              <a:t>资源的抢占将会更加严重。因此，</a:t>
-            </a:r>
-            <a:r>
-              <a:rPr lang="en-US" altLang="zh-CN" dirty="0" err="1"/>
-              <a:t>HBase</a:t>
-            </a:r>
-            <a:r>
-              <a:rPr lang="zh-CN" altLang="en-US" dirty="0"/>
-              <a:t>的</a:t>
-            </a:r>
-            <a:r>
-              <a:rPr lang="en-US" altLang="zh-CN" dirty="0"/>
-              <a:t>MOB</a:t>
-            </a:r>
-            <a:r>
-              <a:rPr lang="zh-CN" altLang="en-US" dirty="0"/>
-              <a:t>特性的设计思想为：将</a:t>
-            </a:r>
-            <a:r>
-              <a:rPr lang="en-US" altLang="zh-CN" dirty="0"/>
-              <a:t>Blob</a:t>
-            </a:r>
-            <a:r>
-              <a:rPr lang="zh-CN" altLang="en-US" dirty="0"/>
-              <a:t>数据与描述</a:t>
-            </a:r>
-            <a:r>
-              <a:rPr lang="en-US" altLang="zh-CN" dirty="0"/>
-              <a:t>Blob</a:t>
-            </a:r>
-            <a:r>
-              <a:rPr lang="zh-CN" altLang="en-US" dirty="0"/>
-              <a:t>的元数据分离存储，</a:t>
-            </a:r>
-            <a:r>
-              <a:rPr lang="en-US" altLang="zh-CN" dirty="0"/>
-              <a:t>Blob</a:t>
-            </a:r>
-            <a:r>
-              <a:rPr lang="zh-CN" altLang="en-US" dirty="0"/>
-              <a:t>元数据采用正常的</a:t>
-            </a:r>
-            <a:r>
-              <a:rPr lang="en-US" altLang="zh-CN" dirty="0" err="1"/>
-              <a:t>HBase</a:t>
-            </a:r>
-            <a:r>
-              <a:rPr lang="zh-CN" altLang="en-US" dirty="0"/>
-              <a:t>的数据存储方式，而</a:t>
-            </a:r>
-            <a:r>
-              <a:rPr lang="en-US" altLang="zh-CN" dirty="0"/>
-              <a:t>Blob</a:t>
-            </a:r>
-            <a:r>
-              <a:rPr lang="zh-CN" altLang="en-US" dirty="0"/>
-              <a:t>数据存储在额外的</a:t>
-            </a:r>
-            <a:r>
-              <a:rPr lang="en-US" altLang="zh-CN" dirty="0"/>
-              <a:t>MOB</a:t>
-            </a:r>
-            <a:r>
-              <a:rPr lang="zh-CN" altLang="en-US" dirty="0"/>
-              <a:t>文件中，但在</a:t>
-            </a:r>
-            <a:r>
-              <a:rPr lang="en-US" altLang="zh-CN" dirty="0"/>
-              <a:t>Blob</a:t>
-            </a:r>
-            <a:r>
-              <a:rPr lang="zh-CN" altLang="en-US" dirty="0"/>
-              <a:t>元数据行中，存储了这个</a:t>
-            </a:r>
-            <a:r>
-              <a:rPr lang="en-US" altLang="zh-CN" dirty="0"/>
-              <a:t>MOB</a:t>
-            </a:r>
-            <a:r>
-              <a:rPr lang="zh-CN" altLang="en-US" dirty="0"/>
-              <a:t>文件的路径信息。</a:t>
-            </a:r>
-            <a:r>
-              <a:rPr lang="en-US" altLang="zh-CN" dirty="0"/>
-              <a:t>MOB</a:t>
-            </a:r>
-            <a:r>
-              <a:rPr lang="zh-CN" altLang="en-US" dirty="0"/>
-              <a:t>文件本质还是一个</a:t>
-            </a:r>
-            <a:r>
-              <a:rPr lang="en-US" altLang="zh-CN" dirty="0" err="1"/>
-              <a:t>HFile</a:t>
-            </a:r>
-            <a:r>
-              <a:rPr lang="zh-CN" altLang="en-US" dirty="0"/>
-              <a:t>文件，但这种</a:t>
-            </a:r>
-            <a:r>
-              <a:rPr lang="en-US" altLang="zh-CN" dirty="0" err="1"/>
-              <a:t>HFile</a:t>
-            </a:r>
-            <a:r>
-              <a:rPr lang="zh-CN" altLang="en-US" dirty="0"/>
-              <a:t>文件不参与</a:t>
-            </a:r>
-            <a:r>
-              <a:rPr lang="en-US" altLang="zh-CN" dirty="0" err="1"/>
-              <a:t>HBase</a:t>
-            </a:r>
-            <a:r>
-              <a:rPr lang="zh-CN" altLang="en-US" dirty="0"/>
-              <a:t>正常的</a:t>
-            </a:r>
-            <a:r>
-              <a:rPr lang="en-US" altLang="zh-CN" dirty="0"/>
-              <a:t>Compaction</a:t>
-            </a:r>
-            <a:r>
-              <a:rPr lang="zh-CN" altLang="en-US" dirty="0"/>
-              <a:t>流程。仅仅合并</a:t>
-            </a:r>
-            <a:r>
-              <a:rPr lang="en-US" altLang="zh-CN" dirty="0"/>
-              <a:t>Blob</a:t>
-            </a:r>
-            <a:r>
-              <a:rPr lang="zh-CN" altLang="en-US" dirty="0"/>
-              <a:t>元数据信息，写</a:t>
-            </a:r>
-            <a:r>
-              <a:rPr lang="en-US" altLang="zh-CN" dirty="0"/>
-              <a:t>IO</a:t>
-            </a:r>
-            <a:r>
-              <a:rPr lang="zh-CN" altLang="en-US" dirty="0"/>
-              <a:t>放大的问题就得到了有效的缓解。</a:t>
-            </a:r>
-            <a:r>
-              <a:rPr lang="en-US" altLang="zh-CN" dirty="0"/>
-              <a:t>MOB Compaction</a:t>
-            </a:r>
-            <a:r>
-              <a:rPr lang="zh-CN" altLang="en-US" dirty="0"/>
-              <a:t>也主要是针对</a:t>
-            </a:r>
-            <a:r>
-              <a:rPr lang="en-US" altLang="zh-CN" dirty="0"/>
-              <a:t>MOB</a:t>
-            </a:r>
-            <a:r>
-              <a:rPr lang="zh-CN" altLang="en-US" dirty="0"/>
-              <a:t>特性而存在的，这里涉及到数据在</a:t>
-            </a:r>
-            <a:r>
-              <a:rPr lang="en-US" altLang="zh-CN" dirty="0"/>
-              <a:t>MOB</a:t>
-            </a:r>
-            <a:r>
-              <a:rPr lang="zh-CN" altLang="en-US" dirty="0"/>
-              <a:t>文件与普通的</a:t>
-            </a:r>
-            <a:r>
-              <a:rPr lang="en-US" altLang="zh-CN" dirty="0" err="1"/>
-              <a:t>HFile</a:t>
-            </a:r>
-            <a:r>
-              <a:rPr lang="zh-CN" altLang="en-US" dirty="0"/>
-              <a:t>文件之间的一些流动，尤其是</a:t>
-            </a:r>
-            <a:r>
-              <a:rPr lang="en-US" altLang="zh-CN" dirty="0"/>
-              <a:t>MOB</a:t>
-            </a:r>
-            <a:r>
-              <a:rPr lang="zh-CN" altLang="en-US" dirty="0"/>
-              <a:t>的阈值大小发生变更的时候</a:t>
-            </a:r>
-            <a:r>
-              <a:rPr lang="en-US" altLang="zh-CN" dirty="0"/>
-              <a:t>(</a:t>
-            </a:r>
-            <a:r>
-              <a:rPr lang="zh-CN" altLang="en-US" dirty="0"/>
-              <a:t>即当一个列超过预设的配置值时，才被认定为</a:t>
-            </a:r>
-            <a:r>
-              <a:rPr lang="en-US" altLang="zh-CN" dirty="0"/>
-              <a:t>MOB)</a:t>
-            </a:r>
-            <a:r>
-              <a:rPr lang="zh-CN" altLang="en-US" dirty="0"/>
-              <a:t>，本文暂不展开过多的细节。</a:t>
-            </a:r>
-          </a:p>
-          <a:p>
-            <a:r>
-              <a:rPr lang="en-US" altLang="zh-CN" dirty="0"/>
-              <a:t>--------------------- </a:t>
-            </a:r>
-          </a:p>
-          <a:p>
-            <a:r>
-              <a:rPr lang="zh-CN" altLang="en-US" dirty="0"/>
-              <a:t>作者：</a:t>
-            </a:r>
-            <a:r>
-              <a:rPr lang="en-US" altLang="zh-CN" dirty="0"/>
-              <a:t>NoSQL</a:t>
-            </a:r>
-            <a:r>
-              <a:rPr lang="zh-CN" altLang="en-US" dirty="0"/>
-              <a:t>漫谈 </a:t>
-            </a:r>
-          </a:p>
-          <a:p>
-            <a:r>
-              <a:rPr lang="zh-CN" altLang="en-US" dirty="0"/>
-              <a:t>来源：</a:t>
-            </a:r>
-            <a:r>
-              <a:rPr lang="en-US" altLang="zh-CN" dirty="0"/>
-              <a:t>CSDN </a:t>
-            </a:r>
-          </a:p>
-          <a:p>
-            <a:r>
-              <a:rPr lang="zh-CN" altLang="en-US" dirty="0"/>
-              <a:t>原文：</a:t>
-            </a:r>
-            <a:r>
-              <a:rPr lang="en-US" altLang="zh-CN" dirty="0"/>
-              <a:t>https://blog.csdn.net/nosqlnotes/article/details/80890191 </a:t>
-            </a:r>
-          </a:p>
-          <a:p>
-            <a:r>
-              <a:rPr lang="zh-CN" altLang="en-US" dirty="0"/>
-              <a:t>版权声明：本文为博主原创文章，转载请附上博文链接！</a:t>
-            </a:r>
-          </a:p>
-        </p:txBody>
-      </p:sp>
+      </p:pic>
     </p:spTree>
     <p:extLst>
       <p:ext uri="{BB962C8B-B14F-4D97-AF65-F5344CB8AC3E}">
-        <p14:creationId xmlns:p14="http://schemas.microsoft.com/office/powerpoint/2010/main" val="2847969713"/>
+        <p14:creationId xmlns:p14="http://schemas.microsoft.com/office/powerpoint/2010/main" val="2045367573"/>
       </p:ext>
     </p:extLst>
   </p:cSld>
@@ -17332,12 +18442,23 @@
             <p:ph type="title"/>
           </p:nvPr>
         </p:nvSpPr>
-        <p:spPr/>
+        <p:spPr>
+          <a:xfrm>
+            <a:off x="521207" y="448056"/>
+            <a:ext cx="10216462" cy="518595"/>
+          </a:xfrm>
+        </p:spPr>
         <p:txBody>
-          <a:bodyPr/>
+          <a:bodyPr>
+            <a:normAutofit/>
+          </a:bodyPr>
           <a:lstStyle/>
           <a:p>
-            <a:endParaRPr lang="zh-CN" altLang="en-US"/>
+            <a:r>
+              <a:rPr lang="en-US" altLang="zh-CN" dirty="0"/>
+              <a:t>https://blog.csdn.net/nosqlnotes/article/details/80890191</a:t>
+            </a:r>
+            <a:endParaRPr lang="zh-CN" altLang="en-US" dirty="0"/>
           </a:p>
         </p:txBody>
       </p:sp>
@@ -17349,7 +18470,7 @@
         </p:nvSpPr>
         <p:spPr>
           <a:xfrm>
-            <a:off x="911766" y="1673616"/>
+            <a:off x="1624149" y="1779687"/>
             <a:ext cx="6096000" cy="5078313"/>
           </a:xfrm>
           <a:prstGeom prst="rect">
@@ -17363,140 +18484,32 @@
           <a:lstStyle/>
           <a:p>
             <a:r>
-              <a:rPr lang="en-US" altLang="zh-CN" dirty="0"/>
-              <a:t>Default Compaction</a:t>
-            </a:r>
-            <a:r>
               <a:rPr lang="zh-CN" altLang="en-US" dirty="0"/>
-              <a:t>就是默认的</a:t>
-            </a:r>
-            <a:r>
-              <a:rPr lang="en-US" altLang="zh-CN" dirty="0"/>
-              <a:t>Compaction</a:t>
-            </a:r>
+              <a:t>Date Tiered Compaction我们假设有这样一种场景：新数据的产生与时间有关，而且无更新、删除场景读取时通常会指定时间范围，而且通常读取最近的数据在这种情形下，如果将老数据与新数据合并在一起，那么，指定时间范围读取时，就需要扫描一些不必要的老数据：因为合并后，数据按RowKey排序，RowKey排序未必与按照数据产生的时间排序一致，这使得新老数据交叉存放，而扫描时老数据也会被读到。这是Date Tiered Compaction的设计初衷，Date Tiered Compaction在选择文件执行合并的时候，会感知Date信息，使得Compaction时，不需要将新老数据合并在一起。这对于基于Time Range的Scan操作是非常有利的，因为与本次Scan不相关的文件可以直接忽略。</a:t>
+            </a:r>
+          </a:p>
+          <a:p>
             <a:r>
               <a:rPr lang="zh-CN" altLang="en-US" dirty="0"/>
-              <a:t>行为，</a:t>
-            </a:r>
-            <a:r>
-              <a:rPr lang="en-US" altLang="zh-CN" dirty="0"/>
-              <a:t>2.0</a:t>
-            </a:r>
+              <a:t>--------------------- </a:t>
+            </a:r>
+          </a:p>
+          <a:p>
             <a:r>
               <a:rPr lang="zh-CN" altLang="en-US" dirty="0"/>
-              <a:t>版本和旧版本中的行为没有什么明显变化。所谓的</a:t>
-            </a:r>
-            <a:r>
-              <a:rPr lang="en-US" altLang="zh-CN" dirty="0"/>
-              <a:t>Default Compaction</a:t>
-            </a:r>
+              <a:t>作者：NoSQL漫谈 </a:t>
+            </a:r>
+          </a:p>
+          <a:p>
             <a:r>
               <a:rPr lang="zh-CN" altLang="en-US" dirty="0"/>
-              <a:t>，具有更广泛的适用场景，它在选择待合并的文件时是在整个</a:t>
-            </a:r>
-            <a:r>
-              <a:rPr lang="en-US" altLang="zh-CN" dirty="0"/>
-              <a:t>Region</a:t>
-            </a:r>
+              <a:t>来源：CSDN </a:t>
+            </a:r>
+          </a:p>
+          <a:p>
             <a:r>
               <a:rPr lang="zh-CN" altLang="en-US" dirty="0"/>
-              <a:t>级别进行选择的，所以往往意味着更高的写</a:t>
-            </a:r>
-            <a:r>
-              <a:rPr lang="en-US" altLang="zh-CN" dirty="0"/>
-              <a:t>IO</a:t>
-            </a:r>
-            <a:r>
-              <a:rPr lang="zh-CN" altLang="en-US" dirty="0"/>
-              <a:t>放大。在实际应用中，应该结合自己的应用场景选择合适的</a:t>
-            </a:r>
-            <a:r>
-              <a:rPr lang="en-US" altLang="zh-CN" dirty="0"/>
-              <a:t>Compaction</a:t>
-            </a:r>
-            <a:r>
-              <a:rPr lang="zh-CN" altLang="en-US" dirty="0"/>
-              <a:t>策略，如果前几种策略能够匹配自己的应用场景，那么应该是优选的（这几个策略的质量状态如何尚不好判断，建议结合业务场景进行实测观察），否则应该选择</a:t>
-            </a:r>
-            <a:r>
-              <a:rPr lang="en-US" altLang="zh-CN" dirty="0"/>
-              <a:t>Default Compaction</a:t>
-            </a:r>
-            <a:r>
-              <a:rPr lang="zh-CN" altLang="en-US" dirty="0"/>
-              <a:t>。如果上述几种</a:t>
-            </a:r>
-            <a:r>
-              <a:rPr lang="en-US" altLang="zh-CN" dirty="0"/>
-              <a:t>Compaction</a:t>
-            </a:r>
-            <a:r>
-              <a:rPr lang="zh-CN" altLang="en-US" dirty="0"/>
-              <a:t>策略都无法很好的满足业务需求的话，用户还可以自定义</a:t>
-            </a:r>
-            <a:r>
-              <a:rPr lang="en-US" altLang="zh-CN" dirty="0"/>
-              <a:t>Compaction</a:t>
-            </a:r>
-            <a:r>
-              <a:rPr lang="zh-CN" altLang="en-US" dirty="0"/>
-              <a:t>策略，因为</a:t>
-            </a:r>
-            <a:r>
-              <a:rPr lang="en-US" altLang="zh-CN" dirty="0" err="1"/>
-              <a:t>HBase</a:t>
-            </a:r>
-            <a:r>
-              <a:rPr lang="zh-CN" altLang="en-US" dirty="0"/>
-              <a:t>已经具备良好的</a:t>
-            </a:r>
-            <a:r>
-              <a:rPr lang="en-US" altLang="zh-CN" dirty="0"/>
-              <a:t>Compaction</a:t>
-            </a:r>
-            <a:r>
-              <a:rPr lang="zh-CN" altLang="en-US" dirty="0"/>
-              <a:t>插件化机制。</a:t>
-            </a:r>
-          </a:p>
-          <a:p>
-            <a:r>
-              <a:rPr lang="en-US" altLang="zh-CN" dirty="0"/>
-              <a:t>--------------------- </a:t>
-            </a:r>
-          </a:p>
-          <a:p>
-            <a:r>
-              <a:rPr lang="zh-CN" altLang="en-US" dirty="0"/>
-              <a:t>作者：</a:t>
-            </a:r>
-            <a:r>
-              <a:rPr lang="en-US" altLang="zh-CN" dirty="0"/>
-              <a:t>NoSQL</a:t>
-            </a:r>
-            <a:r>
-              <a:rPr lang="zh-CN" altLang="en-US" dirty="0"/>
-              <a:t>漫谈 </a:t>
-            </a:r>
-          </a:p>
-          <a:p>
-            <a:r>
-              <a:rPr lang="zh-CN" altLang="en-US" dirty="0"/>
-              <a:t>来源：</a:t>
-            </a:r>
-            <a:r>
-              <a:rPr lang="en-US" altLang="zh-CN" dirty="0"/>
-              <a:t>CSDN </a:t>
-            </a:r>
-          </a:p>
-          <a:p>
-            <a:r>
-              <a:rPr lang="zh-CN" altLang="en-US" dirty="0"/>
-              <a:t>原文：</a:t>
-            </a:r>
-            <a:r>
-              <a:rPr lang="en-US" altLang="zh-CN" dirty="0"/>
-              <a:t>https://blog.csdn.net/nosqlnotes/article/details/80890191 </a:t>
+              <a:t>原文：https://blog.csdn.net/nosqlnotes/article/details/80890191 </a:t>
             </a:r>
           </a:p>
           <a:p>
@@ -17510,7 +18523,7 @@
     </p:spTree>
     <p:extLst>
       <p:ext uri="{BB962C8B-B14F-4D97-AF65-F5344CB8AC3E}">
-        <p14:creationId xmlns:p14="http://schemas.microsoft.com/office/powerpoint/2010/main" val="500363755"/>
+        <p14:creationId xmlns:p14="http://schemas.microsoft.com/office/powerpoint/2010/main" val="3031849696"/>
       </p:ext>
     </p:extLst>
   </p:cSld>
@@ -17552,10 +18565,6 @@
           <a:bodyPr/>
           <a:lstStyle/>
           <a:p>
-            <a:r>
-              <a:rPr lang="en-US" altLang="zh-CN" dirty="0" smtClean="0"/>
-              <a:t>split</a:t>
-            </a:r>
             <a:endParaRPr lang="zh-CN" altLang="en-US" dirty="0"/>
           </a:p>
         </p:txBody>
@@ -17568,51 +18577,424 @@
         </p:nvSpPr>
         <p:spPr>
           <a:xfrm>
-            <a:off x="769615" y="1585351"/>
-            <a:ext cx="1430392" cy="369332"/>
+            <a:off x="521207" y="1377863"/>
+            <a:ext cx="10694126" cy="5909310"/>
           </a:xfrm>
           <a:prstGeom prst="rect">
             <a:avLst/>
           </a:prstGeom>
         </p:spPr>
         <p:txBody>
-          <a:bodyPr wrap="none">
+          <a:bodyPr wrap="square">
             <a:spAutoFit/>
           </a:bodyPr>
           <a:lstStyle/>
           <a:p>
             <a:r>
               <a:rPr lang="en-US" altLang="zh-CN" dirty="0"/>
-              <a:t>Pre-splitting</a:t>
-            </a:r>
-            <a:endParaRPr lang="zh-CN" altLang="en-US" dirty="0"/>
-          </a:p>
-        </p:txBody>
-      </p:sp>
-      <p:sp>
-        <p:nvSpPr>
-          <p:cNvPr id="5" name="矩形 4"/>
-          <p:cNvSpPr/>
-          <p:nvPr/>
-        </p:nvSpPr>
-        <p:spPr>
-          <a:xfrm>
-            <a:off x="769615" y="2267232"/>
-            <a:ext cx="4552144" cy="369332"/>
-          </a:xfrm>
-          <a:prstGeom prst="rect">
-            <a:avLst/>
-          </a:prstGeom>
-        </p:spPr>
-        <p:txBody>
-          <a:bodyPr wrap="none">
-            <a:spAutoFit/>
-          </a:bodyPr>
-          <a:lstStyle/>
-          <a:p>
+              <a:t>MOB Compaction</a:t>
+            </a:r>
             <a:r>
               <a:rPr lang="zh-CN" altLang="en-US" dirty="0"/>
-              <a:t>create 'test_table', 'f1', SPLITS=&gt; ['a', 'b', 'c']</a:t>
+              <a:t>能否使用</a:t>
+            </a:r>
+            <a:r>
+              <a:rPr lang="en-US" altLang="zh-CN" dirty="0" err="1"/>
+              <a:t>HBase</a:t>
+            </a:r>
+            <a:r>
+              <a:rPr lang="zh-CN" altLang="en-US" dirty="0"/>
+              <a:t>来存储</a:t>
+            </a:r>
+            <a:r>
+              <a:rPr lang="en-US" altLang="zh-CN" dirty="0"/>
+              <a:t>MB</a:t>
+            </a:r>
+            <a:r>
+              <a:rPr lang="zh-CN" altLang="en-US" dirty="0"/>
+              <a:t>级别的</a:t>
+            </a:r>
+            <a:r>
+              <a:rPr lang="en-US" altLang="zh-CN" dirty="0"/>
+              <a:t>Blob(</a:t>
+            </a:r>
+            <a:r>
+              <a:rPr lang="zh-CN" altLang="en-US" dirty="0"/>
+              <a:t>如图片之类的小文件</a:t>
+            </a:r>
+            <a:r>
+              <a:rPr lang="en-US" altLang="zh-CN" dirty="0"/>
+              <a:t>)</a:t>
+            </a:r>
+            <a:r>
+              <a:rPr lang="zh-CN" altLang="en-US" dirty="0"/>
+              <a:t>数据？这是很多应用面临的一个基础问题，因为这些数据相比于普通的存储于</a:t>
+            </a:r>
+            <a:r>
+              <a:rPr lang="en-US" altLang="zh-CN" dirty="0" err="1"/>
+              <a:t>HBase</a:t>
+            </a:r>
+            <a:r>
+              <a:rPr lang="zh-CN" altLang="en-US" dirty="0"/>
+              <a:t>中的结构化</a:t>
+            </a:r>
+            <a:r>
+              <a:rPr lang="en-US" altLang="zh-CN" dirty="0"/>
+              <a:t>/</a:t>
+            </a:r>
+            <a:r>
+              <a:rPr lang="zh-CN" altLang="en-US" dirty="0"/>
+              <a:t>半结构化数据显得过大了，而如果将这些数据直接存储成</a:t>
+            </a:r>
+            <a:r>
+              <a:rPr lang="en-US" altLang="zh-CN" dirty="0"/>
+              <a:t>HDFS</a:t>
+            </a:r>
+            <a:r>
+              <a:rPr lang="zh-CN" altLang="en-US" dirty="0"/>
+              <a:t>中的独立文件，会加重</a:t>
+            </a:r>
+            <a:r>
+              <a:rPr lang="en-US" altLang="zh-CN" dirty="0"/>
+              <a:t>HDFS</a:t>
+            </a:r>
+            <a:r>
+              <a:rPr lang="zh-CN" altLang="en-US" dirty="0"/>
+              <a:t>的</a:t>
+            </a:r>
+            <a:r>
+              <a:rPr lang="en-US" altLang="zh-CN" dirty="0" err="1"/>
+              <a:t>NameNode</a:t>
+            </a:r>
+            <a:r>
+              <a:rPr lang="zh-CN" altLang="en-US" dirty="0"/>
+              <a:t>的负担，再者，如何索引这些小文件也是一个极大的痛点。当然，也有人采用了这样的方式：将多个小文件合并成</a:t>
+            </a:r>
+            <a:r>
+              <a:rPr lang="en-US" altLang="zh-CN" dirty="0"/>
+              <a:t>HDFS</a:t>
+            </a:r>
+            <a:r>
+              <a:rPr lang="zh-CN" altLang="en-US" dirty="0"/>
+              <a:t>上的一个大文件，这样子可以减轻</a:t>
+            </a:r>
+            <a:r>
+              <a:rPr lang="en-US" altLang="zh-CN" dirty="0"/>
+              <a:t>HDFS</a:t>
+            </a:r>
+            <a:r>
+              <a:rPr lang="zh-CN" altLang="en-US" dirty="0"/>
+              <a:t>的</a:t>
+            </a:r>
+            <a:r>
+              <a:rPr lang="en-US" altLang="zh-CN" dirty="0" err="1"/>
+              <a:t>NameNode</a:t>
+            </a:r>
+            <a:r>
+              <a:rPr lang="zh-CN" altLang="en-US" dirty="0"/>
+              <a:t>的负担，但需要维护每一个小文件的索引信息（文件名以及每一个小文件的偏移信息）。如果存这些这些小文件时，像普通的结构化数据</a:t>
+            </a:r>
+            <a:r>
+              <a:rPr lang="en-US" altLang="zh-CN" dirty="0"/>
+              <a:t>/</a:t>
+            </a:r>
+            <a:r>
+              <a:rPr lang="zh-CN" altLang="en-US" dirty="0"/>
+              <a:t>半结构化数据一样，直接写到</a:t>
+            </a:r>
+            <a:r>
+              <a:rPr lang="en-US" altLang="zh-CN" dirty="0" err="1"/>
+              <a:t>HBase</a:t>
+            </a:r>
+            <a:r>
+              <a:rPr lang="zh-CN" altLang="en-US" dirty="0"/>
+              <a:t>中，会有什么问题？这样子多条数据可以被合并在较大的</a:t>
+            </a:r>
+            <a:r>
+              <a:rPr lang="en-US" altLang="zh-CN" dirty="0" err="1"/>
+              <a:t>HFile</a:t>
+            </a:r>
+            <a:r>
+              <a:rPr lang="zh-CN" altLang="en-US" dirty="0"/>
+              <a:t>文件中，减轻了</a:t>
+            </a:r>
+            <a:r>
+              <a:rPr lang="en-US" altLang="zh-CN" dirty="0" err="1"/>
+              <a:t>NameNode</a:t>
+            </a:r>
+            <a:r>
+              <a:rPr lang="zh-CN" altLang="en-US" dirty="0"/>
+              <a:t>的负担，同时解决了快速索引的问题。但基于前面的内容，我们已经清楚知道了</a:t>
+            </a:r>
+            <a:r>
+              <a:rPr lang="en-US" altLang="zh-CN" dirty="0"/>
+              <a:t>Compaction</a:t>
+            </a:r>
+            <a:r>
+              <a:rPr lang="zh-CN" altLang="en-US" dirty="0"/>
+              <a:t>带来的写放大问题。试想一下，数</a:t>
+            </a:r>
+            <a:r>
+              <a:rPr lang="en-US" altLang="zh-CN" dirty="0"/>
+              <a:t>MB</a:t>
+            </a:r>
+            <a:r>
+              <a:rPr lang="zh-CN" altLang="en-US" dirty="0"/>
+              <a:t>级别的</a:t>
+            </a:r>
+            <a:r>
+              <a:rPr lang="en-US" altLang="zh-CN" dirty="0"/>
+              <a:t>Blob</a:t>
+            </a:r>
+            <a:r>
+              <a:rPr lang="zh-CN" altLang="en-US" dirty="0"/>
+              <a:t>数据，被反复多次合并以后，会带来什么样的影响？这对</a:t>
+            </a:r>
+            <a:r>
+              <a:rPr lang="en-US" altLang="zh-CN" dirty="0"/>
+              <a:t>IO</a:t>
+            </a:r>
+            <a:r>
+              <a:rPr lang="zh-CN" altLang="en-US" dirty="0"/>
+              <a:t>资源的抢占将会更加严重。因此，</a:t>
+            </a:r>
+            <a:r>
+              <a:rPr lang="en-US" altLang="zh-CN" dirty="0" err="1"/>
+              <a:t>HBase</a:t>
+            </a:r>
+            <a:r>
+              <a:rPr lang="zh-CN" altLang="en-US" dirty="0"/>
+              <a:t>的</a:t>
+            </a:r>
+            <a:r>
+              <a:rPr lang="en-US" altLang="zh-CN" dirty="0"/>
+              <a:t>MOB</a:t>
+            </a:r>
+            <a:r>
+              <a:rPr lang="zh-CN" altLang="en-US" dirty="0"/>
+              <a:t>特性的设计思想为：将</a:t>
+            </a:r>
+            <a:r>
+              <a:rPr lang="en-US" altLang="zh-CN" dirty="0"/>
+              <a:t>Blob</a:t>
+            </a:r>
+            <a:r>
+              <a:rPr lang="zh-CN" altLang="en-US" dirty="0"/>
+              <a:t>数据与描述</a:t>
+            </a:r>
+            <a:r>
+              <a:rPr lang="en-US" altLang="zh-CN" dirty="0"/>
+              <a:t>Blob</a:t>
+            </a:r>
+            <a:r>
+              <a:rPr lang="zh-CN" altLang="en-US" dirty="0"/>
+              <a:t>的元数据分离存储，</a:t>
+            </a:r>
+            <a:r>
+              <a:rPr lang="en-US" altLang="zh-CN" dirty="0"/>
+              <a:t>Blob</a:t>
+            </a:r>
+            <a:r>
+              <a:rPr lang="zh-CN" altLang="en-US" dirty="0"/>
+              <a:t>元数据采用正常的</a:t>
+            </a:r>
+            <a:r>
+              <a:rPr lang="en-US" altLang="zh-CN" dirty="0" err="1"/>
+              <a:t>HBase</a:t>
+            </a:r>
+            <a:r>
+              <a:rPr lang="zh-CN" altLang="en-US" dirty="0"/>
+              <a:t>的数据存储方式，而</a:t>
+            </a:r>
+            <a:r>
+              <a:rPr lang="en-US" altLang="zh-CN" dirty="0"/>
+              <a:t>Blob</a:t>
+            </a:r>
+            <a:r>
+              <a:rPr lang="zh-CN" altLang="en-US" dirty="0"/>
+              <a:t>数据存储在额外的</a:t>
+            </a:r>
+            <a:r>
+              <a:rPr lang="en-US" altLang="zh-CN" dirty="0"/>
+              <a:t>MOB</a:t>
+            </a:r>
+            <a:r>
+              <a:rPr lang="zh-CN" altLang="en-US" dirty="0"/>
+              <a:t>文件中，但在</a:t>
+            </a:r>
+            <a:r>
+              <a:rPr lang="en-US" altLang="zh-CN" dirty="0"/>
+              <a:t>Blob</a:t>
+            </a:r>
+            <a:r>
+              <a:rPr lang="zh-CN" altLang="en-US" dirty="0"/>
+              <a:t>元数据行中，存储了这个</a:t>
+            </a:r>
+            <a:r>
+              <a:rPr lang="en-US" altLang="zh-CN" dirty="0"/>
+              <a:t>MOB</a:t>
+            </a:r>
+            <a:r>
+              <a:rPr lang="zh-CN" altLang="en-US" dirty="0"/>
+              <a:t>文件的路径信息。</a:t>
+            </a:r>
+            <a:r>
+              <a:rPr lang="en-US" altLang="zh-CN" dirty="0"/>
+              <a:t>MOB</a:t>
+            </a:r>
+            <a:r>
+              <a:rPr lang="zh-CN" altLang="en-US" dirty="0"/>
+              <a:t>文件本质还是一个</a:t>
+            </a:r>
+            <a:r>
+              <a:rPr lang="en-US" altLang="zh-CN" dirty="0" err="1"/>
+              <a:t>HFile</a:t>
+            </a:r>
+            <a:r>
+              <a:rPr lang="zh-CN" altLang="en-US" dirty="0"/>
+              <a:t>文件，但这种</a:t>
+            </a:r>
+            <a:r>
+              <a:rPr lang="en-US" altLang="zh-CN" dirty="0" err="1"/>
+              <a:t>HFile</a:t>
+            </a:r>
+            <a:r>
+              <a:rPr lang="zh-CN" altLang="en-US" dirty="0"/>
+              <a:t>文件不参与</a:t>
+            </a:r>
+            <a:r>
+              <a:rPr lang="en-US" altLang="zh-CN" dirty="0" err="1"/>
+              <a:t>HBase</a:t>
+            </a:r>
+            <a:r>
+              <a:rPr lang="zh-CN" altLang="en-US" dirty="0"/>
+              <a:t>正常的</a:t>
+            </a:r>
+            <a:r>
+              <a:rPr lang="en-US" altLang="zh-CN" dirty="0"/>
+              <a:t>Compaction</a:t>
+            </a:r>
+            <a:r>
+              <a:rPr lang="zh-CN" altLang="en-US" dirty="0"/>
+              <a:t>流程。仅仅合并</a:t>
+            </a:r>
+            <a:r>
+              <a:rPr lang="en-US" altLang="zh-CN" dirty="0"/>
+              <a:t>Blob</a:t>
+            </a:r>
+            <a:r>
+              <a:rPr lang="zh-CN" altLang="en-US" dirty="0"/>
+              <a:t>元数据信息，写</a:t>
+            </a:r>
+            <a:r>
+              <a:rPr lang="en-US" altLang="zh-CN" dirty="0"/>
+              <a:t>IO</a:t>
+            </a:r>
+            <a:r>
+              <a:rPr lang="zh-CN" altLang="en-US" dirty="0"/>
+              <a:t>放大的问题就得到了有效的缓解。</a:t>
+            </a:r>
+            <a:r>
+              <a:rPr lang="en-US" altLang="zh-CN" dirty="0"/>
+              <a:t>MOB Compaction</a:t>
+            </a:r>
+            <a:r>
+              <a:rPr lang="zh-CN" altLang="en-US" dirty="0"/>
+              <a:t>也主要是针对</a:t>
+            </a:r>
+            <a:r>
+              <a:rPr lang="en-US" altLang="zh-CN" dirty="0"/>
+              <a:t>MOB</a:t>
+            </a:r>
+            <a:r>
+              <a:rPr lang="zh-CN" altLang="en-US" dirty="0"/>
+              <a:t>特性而存在的，这里涉及到数据在</a:t>
+            </a:r>
+            <a:r>
+              <a:rPr lang="en-US" altLang="zh-CN" dirty="0"/>
+              <a:t>MOB</a:t>
+            </a:r>
+            <a:r>
+              <a:rPr lang="zh-CN" altLang="en-US" dirty="0"/>
+              <a:t>文件与普通的</a:t>
+            </a:r>
+            <a:r>
+              <a:rPr lang="en-US" altLang="zh-CN" dirty="0" err="1"/>
+              <a:t>HFile</a:t>
+            </a:r>
+            <a:r>
+              <a:rPr lang="zh-CN" altLang="en-US" dirty="0"/>
+              <a:t>文件之间的一些流动，尤其是</a:t>
+            </a:r>
+            <a:r>
+              <a:rPr lang="en-US" altLang="zh-CN" dirty="0"/>
+              <a:t>MOB</a:t>
+            </a:r>
+            <a:r>
+              <a:rPr lang="zh-CN" altLang="en-US" dirty="0"/>
+              <a:t>的阈值大小发生变更的时候</a:t>
+            </a:r>
+            <a:r>
+              <a:rPr lang="en-US" altLang="zh-CN" dirty="0"/>
+              <a:t>(</a:t>
+            </a:r>
+            <a:r>
+              <a:rPr lang="zh-CN" altLang="en-US" dirty="0"/>
+              <a:t>即当一个列超过预设的配置值时，才被认定为</a:t>
+            </a:r>
+            <a:r>
+              <a:rPr lang="en-US" altLang="zh-CN" dirty="0"/>
+              <a:t>MOB)</a:t>
+            </a:r>
+            <a:r>
+              <a:rPr lang="zh-CN" altLang="en-US" dirty="0"/>
+              <a:t>，本文暂不展开过多的细节。</a:t>
+            </a:r>
+          </a:p>
+          <a:p>
+            <a:r>
+              <a:rPr lang="en-US" altLang="zh-CN" dirty="0"/>
+              <a:t>--------------------- </a:t>
+            </a:r>
+          </a:p>
+          <a:p>
+            <a:r>
+              <a:rPr lang="zh-CN" altLang="en-US" dirty="0"/>
+              <a:t>作者：</a:t>
+            </a:r>
+            <a:r>
+              <a:rPr lang="en-US" altLang="zh-CN" dirty="0"/>
+              <a:t>NoSQL</a:t>
+            </a:r>
+            <a:r>
+              <a:rPr lang="zh-CN" altLang="en-US" dirty="0"/>
+              <a:t>漫谈 </a:t>
+            </a:r>
+          </a:p>
+          <a:p>
+            <a:r>
+              <a:rPr lang="zh-CN" altLang="en-US" dirty="0"/>
+              <a:t>来源：</a:t>
+            </a:r>
+            <a:r>
+              <a:rPr lang="en-US" altLang="zh-CN" dirty="0"/>
+              <a:t>CSDN </a:t>
+            </a:r>
+          </a:p>
+          <a:p>
+            <a:r>
+              <a:rPr lang="zh-CN" altLang="en-US" dirty="0"/>
+              <a:t>原文：</a:t>
+            </a:r>
+            <a:r>
+              <a:rPr lang="en-US" altLang="zh-CN" dirty="0"/>
+              <a:t>https://blog.csdn.net/nosqlnotes/article/details/80890191 </a:t>
+            </a:r>
+          </a:p>
+          <a:p>
+            <a:r>
+              <a:rPr lang="zh-CN" altLang="en-US" dirty="0"/>
+              <a:t>版权声明：本文为博主原创文章，转载请附上博文链接！</a:t>
             </a:r>
           </a:p>
         </p:txBody>
@@ -17620,7 +19002,7 @@
     </p:spTree>
     <p:extLst>
       <p:ext uri="{BB962C8B-B14F-4D97-AF65-F5344CB8AC3E}">
-        <p14:creationId xmlns:p14="http://schemas.microsoft.com/office/powerpoint/2010/main" val="647299925"/>
+        <p14:creationId xmlns:p14="http://schemas.microsoft.com/office/powerpoint/2010/main" val="2847969713"/>
       </p:ext>
     </p:extLst>
   </p:cSld>
@@ -19045,6 +20427,331 @@
           <a:bodyPr/>
           <a:lstStyle/>
           <a:p>
+            <a:endParaRPr lang="zh-CN" altLang="en-US"/>
+          </a:p>
+        </p:txBody>
+      </p:sp>
+      <p:sp>
+        <p:nvSpPr>
+          <p:cNvPr id="4" name="矩形 3"/>
+          <p:cNvSpPr/>
+          <p:nvPr/>
+        </p:nvSpPr>
+        <p:spPr>
+          <a:xfrm>
+            <a:off x="911766" y="1673616"/>
+            <a:ext cx="6096000" cy="5078313"/>
+          </a:xfrm>
+          <a:prstGeom prst="rect">
+            <a:avLst/>
+          </a:prstGeom>
+        </p:spPr>
+        <p:txBody>
+          <a:bodyPr>
+            <a:spAutoFit/>
+          </a:bodyPr>
+          <a:lstStyle/>
+          <a:p>
+            <a:r>
+              <a:rPr lang="en-US" altLang="zh-CN" dirty="0"/>
+              <a:t>Default Compaction</a:t>
+            </a:r>
+            <a:r>
+              <a:rPr lang="zh-CN" altLang="en-US" dirty="0"/>
+              <a:t>就是默认的</a:t>
+            </a:r>
+            <a:r>
+              <a:rPr lang="en-US" altLang="zh-CN" dirty="0"/>
+              <a:t>Compaction</a:t>
+            </a:r>
+            <a:r>
+              <a:rPr lang="zh-CN" altLang="en-US" dirty="0"/>
+              <a:t>行为，</a:t>
+            </a:r>
+            <a:r>
+              <a:rPr lang="en-US" altLang="zh-CN" dirty="0"/>
+              <a:t>2.0</a:t>
+            </a:r>
+            <a:r>
+              <a:rPr lang="zh-CN" altLang="en-US" dirty="0"/>
+              <a:t>版本和旧版本中的行为没有什么明显变化。所谓的</a:t>
+            </a:r>
+            <a:r>
+              <a:rPr lang="en-US" altLang="zh-CN" dirty="0"/>
+              <a:t>Default Compaction</a:t>
+            </a:r>
+            <a:r>
+              <a:rPr lang="zh-CN" altLang="en-US" dirty="0"/>
+              <a:t>，具有更广泛的适用场景，它在选择待合并的文件时是在整个</a:t>
+            </a:r>
+            <a:r>
+              <a:rPr lang="en-US" altLang="zh-CN" dirty="0"/>
+              <a:t>Region</a:t>
+            </a:r>
+            <a:r>
+              <a:rPr lang="zh-CN" altLang="en-US" dirty="0"/>
+              <a:t>级别进行选择的，所以往往意味着更高的写</a:t>
+            </a:r>
+            <a:r>
+              <a:rPr lang="en-US" altLang="zh-CN" dirty="0"/>
+              <a:t>IO</a:t>
+            </a:r>
+            <a:r>
+              <a:rPr lang="zh-CN" altLang="en-US" dirty="0"/>
+              <a:t>放大。在实际应用中，应该结合自己的应用场景选择合适的</a:t>
+            </a:r>
+            <a:r>
+              <a:rPr lang="en-US" altLang="zh-CN" dirty="0"/>
+              <a:t>Compaction</a:t>
+            </a:r>
+            <a:r>
+              <a:rPr lang="zh-CN" altLang="en-US" dirty="0"/>
+              <a:t>策略，如果前几种策略能够匹配自己的应用场景，那么应该是优选的（这几个策略的质量状态如何尚不好判断，建议结合业务场景进行实测观察），否则应该选择</a:t>
+            </a:r>
+            <a:r>
+              <a:rPr lang="en-US" altLang="zh-CN" dirty="0"/>
+              <a:t>Default Compaction</a:t>
+            </a:r>
+            <a:r>
+              <a:rPr lang="zh-CN" altLang="en-US" dirty="0"/>
+              <a:t>。如果上述几种</a:t>
+            </a:r>
+            <a:r>
+              <a:rPr lang="en-US" altLang="zh-CN" dirty="0"/>
+              <a:t>Compaction</a:t>
+            </a:r>
+            <a:r>
+              <a:rPr lang="zh-CN" altLang="en-US" dirty="0"/>
+              <a:t>策略都无法很好的满足业务需求的话，用户还可以自定义</a:t>
+            </a:r>
+            <a:r>
+              <a:rPr lang="en-US" altLang="zh-CN" dirty="0"/>
+              <a:t>Compaction</a:t>
+            </a:r>
+            <a:r>
+              <a:rPr lang="zh-CN" altLang="en-US" dirty="0"/>
+              <a:t>策略，因为</a:t>
+            </a:r>
+            <a:r>
+              <a:rPr lang="en-US" altLang="zh-CN" dirty="0" err="1"/>
+              <a:t>HBase</a:t>
+            </a:r>
+            <a:r>
+              <a:rPr lang="zh-CN" altLang="en-US" dirty="0"/>
+              <a:t>已经具备良好的</a:t>
+            </a:r>
+            <a:r>
+              <a:rPr lang="en-US" altLang="zh-CN" dirty="0"/>
+              <a:t>Compaction</a:t>
+            </a:r>
+            <a:r>
+              <a:rPr lang="zh-CN" altLang="en-US" dirty="0"/>
+              <a:t>插件化机制。</a:t>
+            </a:r>
+          </a:p>
+          <a:p>
+            <a:r>
+              <a:rPr lang="en-US" altLang="zh-CN" dirty="0"/>
+              <a:t>--------------------- </a:t>
+            </a:r>
+          </a:p>
+          <a:p>
+            <a:r>
+              <a:rPr lang="zh-CN" altLang="en-US" dirty="0"/>
+              <a:t>作者：</a:t>
+            </a:r>
+            <a:r>
+              <a:rPr lang="en-US" altLang="zh-CN" dirty="0"/>
+              <a:t>NoSQL</a:t>
+            </a:r>
+            <a:r>
+              <a:rPr lang="zh-CN" altLang="en-US" dirty="0"/>
+              <a:t>漫谈 </a:t>
+            </a:r>
+          </a:p>
+          <a:p>
+            <a:r>
+              <a:rPr lang="zh-CN" altLang="en-US" dirty="0"/>
+              <a:t>来源：</a:t>
+            </a:r>
+            <a:r>
+              <a:rPr lang="en-US" altLang="zh-CN" dirty="0"/>
+              <a:t>CSDN </a:t>
+            </a:r>
+          </a:p>
+          <a:p>
+            <a:r>
+              <a:rPr lang="zh-CN" altLang="en-US" dirty="0"/>
+              <a:t>原文：</a:t>
+            </a:r>
+            <a:r>
+              <a:rPr lang="en-US" altLang="zh-CN" dirty="0"/>
+              <a:t>https://blog.csdn.net/nosqlnotes/article/details/80890191 </a:t>
+            </a:r>
+          </a:p>
+          <a:p>
+            <a:r>
+              <a:rPr lang="zh-CN" altLang="en-US" dirty="0"/>
+              <a:t>版权声明：本文为博主原创文章，转载请附上博文链接！</a:t>
+            </a:r>
+          </a:p>
+        </p:txBody>
+      </p:sp>
+    </p:spTree>
+    <p:extLst>
+      <p:ext uri="{BB962C8B-B14F-4D97-AF65-F5344CB8AC3E}">
+        <p14:creationId xmlns:p14="http://schemas.microsoft.com/office/powerpoint/2010/main" val="500363755"/>
+      </p:ext>
+    </p:extLst>
+  </p:cSld>
+  <p:clrMapOvr>
+    <a:masterClrMapping/>
+  </p:clrMapOvr>
+</p:sld>
+</file>
+
+<file path=ppt/slides/slide41.xml><?xml version="1.0" encoding="utf-8"?>
+<p:sld xmlns:a="http://schemas.openxmlformats.org/drawingml/2006/main" xmlns:r="http://schemas.openxmlformats.org/officeDocument/2006/relationships" xmlns:p="http://schemas.openxmlformats.org/presentationml/2006/main">
+  <p:cSld>
+    <p:spTree>
+      <p:nvGrpSpPr>
+        <p:cNvPr id="1" name=""/>
+        <p:cNvGrpSpPr/>
+        <p:nvPr/>
+      </p:nvGrpSpPr>
+      <p:grpSpPr>
+        <a:xfrm>
+          <a:off x="0" y="0"/>
+          <a:ext cx="0" cy="0"/>
+          <a:chOff x="0" y="0"/>
+          <a:chExt cx="0" cy="0"/>
+        </a:xfrm>
+      </p:grpSpPr>
+      <p:sp>
+        <p:nvSpPr>
+          <p:cNvPr id="2" name="标题 1"/>
+          <p:cNvSpPr>
+            <a:spLocks noGrp="1"/>
+          </p:cNvSpPr>
+          <p:nvPr>
+            <p:ph type="title"/>
+          </p:nvPr>
+        </p:nvSpPr>
+        <p:spPr/>
+        <p:txBody>
+          <a:bodyPr/>
+          <a:lstStyle/>
+          <a:p>
+            <a:r>
+              <a:rPr lang="en-US" altLang="zh-CN" dirty="0" smtClean="0"/>
+              <a:t>split</a:t>
+            </a:r>
+            <a:endParaRPr lang="zh-CN" altLang="en-US" dirty="0"/>
+          </a:p>
+        </p:txBody>
+      </p:sp>
+      <p:sp>
+        <p:nvSpPr>
+          <p:cNvPr id="4" name="矩形 3"/>
+          <p:cNvSpPr/>
+          <p:nvPr/>
+        </p:nvSpPr>
+        <p:spPr>
+          <a:xfrm>
+            <a:off x="769615" y="1585351"/>
+            <a:ext cx="1430392" cy="369332"/>
+          </a:xfrm>
+          <a:prstGeom prst="rect">
+            <a:avLst/>
+          </a:prstGeom>
+        </p:spPr>
+        <p:txBody>
+          <a:bodyPr wrap="none">
+            <a:spAutoFit/>
+          </a:bodyPr>
+          <a:lstStyle/>
+          <a:p>
+            <a:r>
+              <a:rPr lang="en-US" altLang="zh-CN" dirty="0"/>
+              <a:t>Pre-splitting</a:t>
+            </a:r>
+            <a:endParaRPr lang="zh-CN" altLang="en-US" dirty="0"/>
+          </a:p>
+        </p:txBody>
+      </p:sp>
+      <p:sp>
+        <p:nvSpPr>
+          <p:cNvPr id="5" name="矩形 4"/>
+          <p:cNvSpPr/>
+          <p:nvPr/>
+        </p:nvSpPr>
+        <p:spPr>
+          <a:xfrm>
+            <a:off x="769615" y="2267232"/>
+            <a:ext cx="4552144" cy="369332"/>
+          </a:xfrm>
+          <a:prstGeom prst="rect">
+            <a:avLst/>
+          </a:prstGeom>
+        </p:spPr>
+        <p:txBody>
+          <a:bodyPr wrap="none">
+            <a:spAutoFit/>
+          </a:bodyPr>
+          <a:lstStyle/>
+          <a:p>
+            <a:r>
+              <a:rPr lang="zh-CN" altLang="en-US" dirty="0"/>
+              <a:t>create 'test_table', 'f1', SPLITS=&gt; ['a', 'b', 'c']</a:t>
+            </a:r>
+          </a:p>
+        </p:txBody>
+      </p:sp>
+    </p:spTree>
+    <p:extLst>
+      <p:ext uri="{BB962C8B-B14F-4D97-AF65-F5344CB8AC3E}">
+        <p14:creationId xmlns:p14="http://schemas.microsoft.com/office/powerpoint/2010/main" val="647299925"/>
+      </p:ext>
+    </p:extLst>
+  </p:cSld>
+  <p:clrMapOvr>
+    <a:masterClrMapping/>
+  </p:clrMapOvr>
+</p:sld>
+</file>
+
+<file path=ppt/slides/slide42.xml><?xml version="1.0" encoding="utf-8"?>
+<p:sld xmlns:a="http://schemas.openxmlformats.org/drawingml/2006/main" xmlns:r="http://schemas.openxmlformats.org/officeDocument/2006/relationships" xmlns:p="http://schemas.openxmlformats.org/presentationml/2006/main">
+  <p:cSld>
+    <p:spTree>
+      <p:nvGrpSpPr>
+        <p:cNvPr id="1" name=""/>
+        <p:cNvGrpSpPr/>
+        <p:nvPr/>
+      </p:nvGrpSpPr>
+      <p:grpSpPr>
+        <a:xfrm>
+          <a:off x="0" y="0"/>
+          <a:ext cx="0" cy="0"/>
+          <a:chOff x="0" y="0"/>
+          <a:chExt cx="0" cy="0"/>
+        </a:xfrm>
+      </p:grpSpPr>
+      <p:sp>
+        <p:nvSpPr>
+          <p:cNvPr id="2" name="标题 1"/>
+          <p:cNvSpPr>
+            <a:spLocks noGrp="1"/>
+          </p:cNvSpPr>
+          <p:nvPr>
+            <p:ph type="title"/>
+          </p:nvPr>
+        </p:nvSpPr>
+        <p:spPr/>
+        <p:txBody>
+          <a:bodyPr/>
+          <a:lstStyle/>
+          <a:p>
             <a:r>
               <a:rPr lang="en-US" altLang="zh-CN" dirty="0" smtClean="0"/>
               <a:t>split</a:t>
@@ -19215,7 +20922,7 @@
 </p:sld>
 </file>
 
-<file path=ppt/slides/slide41.xml><?xml version="1.0" encoding="utf-8"?>
+<file path=ppt/slides/slide43.xml><?xml version="1.0" encoding="utf-8"?>
 <p:sld xmlns:a="http://schemas.openxmlformats.org/drawingml/2006/main" xmlns:r="http://schemas.openxmlformats.org/officeDocument/2006/relationships" xmlns:p="http://schemas.openxmlformats.org/presentationml/2006/main">
   <p:cSld>
     <p:spTree>
@@ -19298,309 +21005,6 @@
 </p:sld>
 </file>
 
-<file path=ppt/slides/slide42.xml><?xml version="1.0" encoding="utf-8"?>
-<p:sld xmlns:a="http://schemas.openxmlformats.org/drawingml/2006/main" xmlns:r="http://schemas.openxmlformats.org/officeDocument/2006/relationships" xmlns:p="http://schemas.openxmlformats.org/presentationml/2006/main">
-  <p:cSld>
-    <p:spTree>
-      <p:nvGrpSpPr>
-        <p:cNvPr id="1" name=""/>
-        <p:cNvGrpSpPr/>
-        <p:nvPr/>
-      </p:nvGrpSpPr>
-      <p:grpSpPr>
-        <a:xfrm>
-          <a:off x="0" y="0"/>
-          <a:ext cx="0" cy="0"/>
-          <a:chOff x="0" y="0"/>
-          <a:chExt cx="0" cy="0"/>
-        </a:xfrm>
-      </p:grpSpPr>
-      <p:sp>
-        <p:nvSpPr>
-          <p:cNvPr id="2" name="标题 1"/>
-          <p:cNvSpPr>
-            <a:spLocks noGrp="1"/>
-          </p:cNvSpPr>
-          <p:nvPr>
-            <p:ph type="title"/>
-          </p:nvPr>
-        </p:nvSpPr>
-        <p:spPr/>
-        <p:txBody>
-          <a:bodyPr/>
-          <a:lstStyle/>
-          <a:p>
-            <a:r>
-              <a:rPr lang="en-US" altLang="zh-CN" dirty="0" smtClean="0"/>
-              <a:t>split</a:t>
-            </a:r>
-            <a:endParaRPr lang="zh-CN" altLang="en-US" dirty="0"/>
-          </a:p>
-        </p:txBody>
-      </p:sp>
-      <p:sp>
-        <p:nvSpPr>
-          <p:cNvPr id="5" name="矩形 4"/>
-          <p:cNvSpPr/>
-          <p:nvPr/>
-        </p:nvSpPr>
-        <p:spPr>
-          <a:xfrm>
-            <a:off x="1166948" y="1225804"/>
-            <a:ext cx="10080172" cy="5078313"/>
-          </a:xfrm>
-          <a:prstGeom prst="rect">
-            <a:avLst/>
-          </a:prstGeom>
-        </p:spPr>
-        <p:txBody>
-          <a:bodyPr wrap="square">
-            <a:spAutoFit/>
-          </a:bodyPr>
-          <a:lstStyle/>
-          <a:p>
-            <a:r>
-              <a:rPr lang="en-US" altLang="zh-CN" dirty="0"/>
-              <a:t>\1. </a:t>
-            </a:r>
-            <a:r>
-              <a:rPr lang="en-US" altLang="zh-CN" dirty="0" err="1"/>
-              <a:t>RegionServer</a:t>
-            </a:r>
-            <a:r>
-              <a:rPr lang="en-US" altLang="zh-CN" dirty="0"/>
-              <a:t> decides locally to split the region, and prepares the  split. As a first step, it creates a </a:t>
-            </a:r>
-            <a:r>
-              <a:rPr lang="en-US" altLang="zh-CN" dirty="0" err="1"/>
-              <a:t>znode</a:t>
-            </a:r>
-            <a:r>
-              <a:rPr lang="en-US" altLang="zh-CN" dirty="0"/>
-              <a:t> in zookeeper under  /</a:t>
-            </a:r>
-            <a:r>
-              <a:rPr lang="en-US" altLang="zh-CN" dirty="0" err="1"/>
-              <a:t>hbase</a:t>
-            </a:r>
-            <a:r>
-              <a:rPr lang="en-US" altLang="zh-CN" dirty="0"/>
-              <a:t>/region-in-transition/region-name in SPLITTING state. \2. The Master learns about this </a:t>
-            </a:r>
-            <a:r>
-              <a:rPr lang="en-US" altLang="zh-CN" dirty="0" err="1"/>
-              <a:t>znode</a:t>
-            </a:r>
-            <a:r>
-              <a:rPr lang="en-US" altLang="zh-CN" dirty="0"/>
-              <a:t>, since it has a watcher for the parent region-in-transition </a:t>
-            </a:r>
-            <a:r>
-              <a:rPr lang="en-US" altLang="zh-CN" dirty="0" err="1"/>
-              <a:t>znode</a:t>
-            </a:r>
-            <a:r>
-              <a:rPr lang="en-US" altLang="zh-CN" dirty="0"/>
-              <a:t>. \3. </a:t>
-            </a:r>
-            <a:r>
-              <a:rPr lang="en-US" altLang="zh-CN" dirty="0" err="1"/>
-              <a:t>RegionServer</a:t>
-            </a:r>
-            <a:r>
-              <a:rPr lang="en-US" altLang="zh-CN" dirty="0"/>
-              <a:t> creates a sub-directory named “.splits” under the parent’s region directory in HDFS.  \4. </a:t>
-            </a:r>
-            <a:r>
-              <a:rPr lang="en-US" altLang="zh-CN" dirty="0" err="1"/>
-              <a:t>RegionServer</a:t>
-            </a:r>
-            <a:r>
-              <a:rPr lang="en-US" altLang="zh-CN" dirty="0"/>
-              <a:t> closes the parent region, forces a flush of the cache  and marks the region as offline in its local data structures. At this  point, client requests coming to the parent region will throw  </a:t>
-            </a:r>
-            <a:r>
-              <a:rPr lang="en-US" altLang="zh-CN" dirty="0" err="1"/>
-              <a:t>NotServingRegionException</a:t>
-            </a:r>
-            <a:r>
-              <a:rPr lang="en-US" altLang="zh-CN" dirty="0"/>
-              <a:t>. The client will retry with some </a:t>
-            </a:r>
-            <a:r>
-              <a:rPr lang="en-US" altLang="zh-CN" dirty="0" err="1"/>
-              <a:t>backoff</a:t>
-            </a:r>
-            <a:r>
-              <a:rPr lang="en-US" altLang="zh-CN" dirty="0"/>
-              <a:t>.  \5. </a:t>
-            </a:r>
-            <a:r>
-              <a:rPr lang="en-US" altLang="zh-CN" dirty="0" err="1"/>
-              <a:t>RegionServer</a:t>
-            </a:r>
-            <a:r>
-              <a:rPr lang="en-US" altLang="zh-CN" dirty="0"/>
-              <a:t> create the region directories under .splits directory,  for daughter regions A and B, and creates necessary data structures.  Then it splits the store files, in the sense that it creates two Reference files per store file in the parent region. Those reference files will point to the parent regions files. \6. </a:t>
-            </a:r>
-            <a:r>
-              <a:rPr lang="en-US" altLang="zh-CN" dirty="0" err="1"/>
-              <a:t>RegionServer</a:t>
-            </a:r>
-            <a:r>
-              <a:rPr lang="en-US" altLang="zh-CN" dirty="0"/>
-              <a:t> creates the actual region directory in HDFS, and moves the reference files for each daughter.  \7. </a:t>
-            </a:r>
-            <a:r>
-              <a:rPr lang="en-US" altLang="zh-CN" dirty="0" err="1"/>
-              <a:t>RegionServer</a:t>
-            </a:r>
-            <a:r>
-              <a:rPr lang="en-US" altLang="zh-CN" dirty="0"/>
-              <a:t> sends a Put request to the .META. table, and sets the  parent as offline in the .META. table and adds information about  daughter regions. At this point, there won’t be individual entries in  .META. for the daughters. Clients will see the parent region is split if  they scan .META., but won’t know about the daughters until they appear  in .META.. Also, if this Put to .META. succeeds, the parent will be  effectively split. If the </a:t>
-            </a:r>
-            <a:r>
-              <a:rPr lang="en-US" altLang="zh-CN" dirty="0" err="1"/>
-              <a:t>RegionServer</a:t>
-            </a:r>
-            <a:r>
-              <a:rPr lang="en-US" altLang="zh-CN" dirty="0"/>
-              <a:t> fails before this RPC succeeds,  Master and the next region server opening the region will clean dirty  state about the region split. After the .META. update, though, the  region split will be rolled-forward by Master. </a:t>
-            </a:r>
-            <a:endParaRPr lang="zh-CN" altLang="en-US" dirty="0"/>
-          </a:p>
-        </p:txBody>
-      </p:sp>
-    </p:spTree>
-    <p:extLst>
-      <p:ext uri="{BB962C8B-B14F-4D97-AF65-F5344CB8AC3E}">
-        <p14:creationId xmlns:p14="http://schemas.microsoft.com/office/powerpoint/2010/main" val="2628794886"/>
-      </p:ext>
-    </p:extLst>
-  </p:cSld>
-  <p:clrMapOvr>
-    <a:masterClrMapping/>
-  </p:clrMapOvr>
-</p:sld>
-</file>
-
-<file path=ppt/slides/slide43.xml><?xml version="1.0" encoding="utf-8"?>
-<p:sld xmlns:a="http://schemas.openxmlformats.org/drawingml/2006/main" xmlns:r="http://schemas.openxmlformats.org/officeDocument/2006/relationships" xmlns:p="http://schemas.openxmlformats.org/presentationml/2006/main">
-  <p:cSld>
-    <p:spTree>
-      <p:nvGrpSpPr>
-        <p:cNvPr id="1" name=""/>
-        <p:cNvGrpSpPr/>
-        <p:nvPr/>
-      </p:nvGrpSpPr>
-      <p:grpSpPr>
-        <a:xfrm>
-          <a:off x="0" y="0"/>
-          <a:ext cx="0" cy="0"/>
-          <a:chOff x="0" y="0"/>
-          <a:chExt cx="0" cy="0"/>
-        </a:xfrm>
-      </p:grpSpPr>
-      <p:sp>
-        <p:nvSpPr>
-          <p:cNvPr id="2" name="标题 1"/>
-          <p:cNvSpPr>
-            <a:spLocks noGrp="1"/>
-          </p:cNvSpPr>
-          <p:nvPr>
-            <p:ph type="title"/>
-          </p:nvPr>
-        </p:nvSpPr>
-        <p:spPr/>
-        <p:txBody>
-          <a:bodyPr/>
-          <a:lstStyle/>
-          <a:p>
-            <a:endParaRPr lang="zh-CN" altLang="en-US"/>
-          </a:p>
-        </p:txBody>
-      </p:sp>
-      <p:sp>
-        <p:nvSpPr>
-          <p:cNvPr id="4" name="矩形 3"/>
-          <p:cNvSpPr/>
-          <p:nvPr/>
-        </p:nvSpPr>
-        <p:spPr>
-          <a:xfrm>
-            <a:off x="748936" y="1502688"/>
-            <a:ext cx="8826137" cy="3693319"/>
-          </a:xfrm>
-          <a:prstGeom prst="rect">
-            <a:avLst/>
-          </a:prstGeom>
-        </p:spPr>
-        <p:txBody>
-          <a:bodyPr wrap="square">
-            <a:spAutoFit/>
-          </a:bodyPr>
-          <a:lstStyle/>
-          <a:p>
-            <a:r>
-              <a:rPr lang="en-US" altLang="zh-CN" dirty="0"/>
-              <a:t>\8. </a:t>
-            </a:r>
-            <a:r>
-              <a:rPr lang="en-US" altLang="zh-CN" dirty="0" err="1"/>
-              <a:t>RegionServer</a:t>
-            </a:r>
-            <a:r>
-              <a:rPr lang="en-US" altLang="zh-CN" dirty="0"/>
-              <a:t> opens daughters in parallel to accept writes.  \9. </a:t>
-            </a:r>
-            <a:r>
-              <a:rPr lang="en-US" altLang="zh-CN" dirty="0" err="1"/>
-              <a:t>RegionServer</a:t>
-            </a:r>
-            <a:r>
-              <a:rPr lang="en-US" altLang="zh-CN" dirty="0"/>
-              <a:t> adds the daughters A and B to .META. together with  information that it hosts the regions. After this point, clients can  discover the new regions, and issue requests to the new region. Clients  cache the .META. entries locally, but when they make requests to the  region server or .META., their caches will be invalidated, and they will  learn about the new regions from .META.. \10. </a:t>
-            </a:r>
-            <a:r>
-              <a:rPr lang="en-US" altLang="zh-CN" dirty="0" err="1"/>
-              <a:t>RegionServer</a:t>
-            </a:r>
-            <a:r>
-              <a:rPr lang="en-US" altLang="zh-CN" dirty="0"/>
-              <a:t> updates  </a:t>
-            </a:r>
-            <a:r>
-              <a:rPr lang="en-US" altLang="zh-CN" dirty="0" err="1"/>
-              <a:t>znode</a:t>
-            </a:r>
-            <a:r>
-              <a:rPr lang="en-US" altLang="zh-CN" dirty="0"/>
-              <a:t> /</a:t>
-            </a:r>
-            <a:r>
-              <a:rPr lang="en-US" altLang="zh-CN" dirty="0" err="1"/>
-              <a:t>hbase</a:t>
-            </a:r>
-            <a:r>
-              <a:rPr lang="en-US" altLang="zh-CN" dirty="0"/>
-              <a:t>/region-in-transition/region-name in zookeeper to state  SPLIT, so that the master can learn about it. The balancer can freely  re-assign the daughter regions to other region servers if it chooses so.  \11. After the split, meta and HDFS will still contain references to the  parent region. Those references will be removed when compactions in  daughter regions rewrite the data files. Garbage collection tasks in the  master periodically checks whether the daughter regions still refer to  parents files.  If not, the parent region will be removed.</a:t>
-            </a:r>
-          </a:p>
-        </p:txBody>
-      </p:sp>
-    </p:spTree>
-    <p:extLst>
-      <p:ext uri="{BB962C8B-B14F-4D97-AF65-F5344CB8AC3E}">
-        <p14:creationId xmlns:p14="http://schemas.microsoft.com/office/powerpoint/2010/main" val="3661374470"/>
-      </p:ext>
-    </p:extLst>
-  </p:cSld>
-  <p:clrMapOvr>
-    <a:masterClrMapping/>
-  </p:clrMapOvr>
-</p:sld>
-</file>
-
 <file path=ppt/slides/slide44.xml><?xml version="1.0" encoding="utf-8"?>
 <p:sld xmlns:a="http://schemas.openxmlformats.org/drawingml/2006/main" xmlns:r="http://schemas.openxmlformats.org/officeDocument/2006/relationships" xmlns:p="http://schemas.openxmlformats.org/presentationml/2006/main">
   <p:cSld>
@@ -19635,6 +21039,309 @@
           <a:p>
             <a:r>
               <a:rPr lang="en-US" altLang="zh-CN" dirty="0" smtClean="0"/>
+              <a:t>split</a:t>
+            </a:r>
+            <a:endParaRPr lang="zh-CN" altLang="en-US" dirty="0"/>
+          </a:p>
+        </p:txBody>
+      </p:sp>
+      <p:sp>
+        <p:nvSpPr>
+          <p:cNvPr id="5" name="矩形 4"/>
+          <p:cNvSpPr/>
+          <p:nvPr/>
+        </p:nvSpPr>
+        <p:spPr>
+          <a:xfrm>
+            <a:off x="1166948" y="1225804"/>
+            <a:ext cx="10080172" cy="5078313"/>
+          </a:xfrm>
+          <a:prstGeom prst="rect">
+            <a:avLst/>
+          </a:prstGeom>
+        </p:spPr>
+        <p:txBody>
+          <a:bodyPr wrap="square">
+            <a:spAutoFit/>
+          </a:bodyPr>
+          <a:lstStyle/>
+          <a:p>
+            <a:r>
+              <a:rPr lang="en-US" altLang="zh-CN" dirty="0"/>
+              <a:t>\1. </a:t>
+            </a:r>
+            <a:r>
+              <a:rPr lang="en-US" altLang="zh-CN" dirty="0" err="1"/>
+              <a:t>RegionServer</a:t>
+            </a:r>
+            <a:r>
+              <a:rPr lang="en-US" altLang="zh-CN" dirty="0"/>
+              <a:t> decides locally to split the region, and prepares the  split. As a first step, it creates a </a:t>
+            </a:r>
+            <a:r>
+              <a:rPr lang="en-US" altLang="zh-CN" dirty="0" err="1"/>
+              <a:t>znode</a:t>
+            </a:r>
+            <a:r>
+              <a:rPr lang="en-US" altLang="zh-CN" dirty="0"/>
+              <a:t> in zookeeper under  /</a:t>
+            </a:r>
+            <a:r>
+              <a:rPr lang="en-US" altLang="zh-CN" dirty="0" err="1"/>
+              <a:t>hbase</a:t>
+            </a:r>
+            <a:r>
+              <a:rPr lang="en-US" altLang="zh-CN" dirty="0"/>
+              <a:t>/region-in-transition/region-name in SPLITTING state. \2. The Master learns about this </a:t>
+            </a:r>
+            <a:r>
+              <a:rPr lang="en-US" altLang="zh-CN" dirty="0" err="1"/>
+              <a:t>znode</a:t>
+            </a:r>
+            <a:r>
+              <a:rPr lang="en-US" altLang="zh-CN" dirty="0"/>
+              <a:t>, since it has a watcher for the parent region-in-transition </a:t>
+            </a:r>
+            <a:r>
+              <a:rPr lang="en-US" altLang="zh-CN" dirty="0" err="1"/>
+              <a:t>znode</a:t>
+            </a:r>
+            <a:r>
+              <a:rPr lang="en-US" altLang="zh-CN" dirty="0"/>
+              <a:t>. \3. </a:t>
+            </a:r>
+            <a:r>
+              <a:rPr lang="en-US" altLang="zh-CN" dirty="0" err="1"/>
+              <a:t>RegionServer</a:t>
+            </a:r>
+            <a:r>
+              <a:rPr lang="en-US" altLang="zh-CN" dirty="0"/>
+              <a:t> creates a sub-directory named “.splits” under the parent’s region directory in HDFS.  \4. </a:t>
+            </a:r>
+            <a:r>
+              <a:rPr lang="en-US" altLang="zh-CN" dirty="0" err="1"/>
+              <a:t>RegionServer</a:t>
+            </a:r>
+            <a:r>
+              <a:rPr lang="en-US" altLang="zh-CN" dirty="0"/>
+              <a:t> closes the parent region, forces a flush of the cache  and marks the region as offline in its local data structures. At this  point, client requests coming to the parent region will throw  </a:t>
+            </a:r>
+            <a:r>
+              <a:rPr lang="en-US" altLang="zh-CN" dirty="0" err="1"/>
+              <a:t>NotServingRegionException</a:t>
+            </a:r>
+            <a:r>
+              <a:rPr lang="en-US" altLang="zh-CN" dirty="0"/>
+              <a:t>. The client will retry with some </a:t>
+            </a:r>
+            <a:r>
+              <a:rPr lang="en-US" altLang="zh-CN" dirty="0" err="1"/>
+              <a:t>backoff</a:t>
+            </a:r>
+            <a:r>
+              <a:rPr lang="en-US" altLang="zh-CN" dirty="0"/>
+              <a:t>.  \5. </a:t>
+            </a:r>
+            <a:r>
+              <a:rPr lang="en-US" altLang="zh-CN" dirty="0" err="1"/>
+              <a:t>RegionServer</a:t>
+            </a:r>
+            <a:r>
+              <a:rPr lang="en-US" altLang="zh-CN" dirty="0"/>
+              <a:t> create the region directories under .splits directory,  for daughter regions A and B, and creates necessary data structures.  Then it splits the store files, in the sense that it creates two Reference files per store file in the parent region. Those reference files will point to the parent regions files. \6. </a:t>
+            </a:r>
+            <a:r>
+              <a:rPr lang="en-US" altLang="zh-CN" dirty="0" err="1"/>
+              <a:t>RegionServer</a:t>
+            </a:r>
+            <a:r>
+              <a:rPr lang="en-US" altLang="zh-CN" dirty="0"/>
+              <a:t> creates the actual region directory in HDFS, and moves the reference files for each daughter.  \7. </a:t>
+            </a:r>
+            <a:r>
+              <a:rPr lang="en-US" altLang="zh-CN" dirty="0" err="1"/>
+              <a:t>RegionServer</a:t>
+            </a:r>
+            <a:r>
+              <a:rPr lang="en-US" altLang="zh-CN" dirty="0"/>
+              <a:t> sends a Put request to the .META. table, and sets the  parent as offline in the .META. table and adds information about  daughter regions. At this point, there won’t be individual entries in  .META. for the daughters. Clients will see the parent region is split if  they scan .META., but won’t know about the daughters until they appear  in .META.. Also, if this Put to .META. succeeds, the parent will be  effectively split. If the </a:t>
+            </a:r>
+            <a:r>
+              <a:rPr lang="en-US" altLang="zh-CN" dirty="0" err="1"/>
+              <a:t>RegionServer</a:t>
+            </a:r>
+            <a:r>
+              <a:rPr lang="en-US" altLang="zh-CN" dirty="0"/>
+              <a:t> fails before this RPC succeeds,  Master and the next region server opening the region will clean dirty  state about the region split. After the .META. update, though, the  region split will be rolled-forward by Master. </a:t>
+            </a:r>
+            <a:endParaRPr lang="zh-CN" altLang="en-US" dirty="0"/>
+          </a:p>
+        </p:txBody>
+      </p:sp>
+    </p:spTree>
+    <p:extLst>
+      <p:ext uri="{BB962C8B-B14F-4D97-AF65-F5344CB8AC3E}">
+        <p14:creationId xmlns:p14="http://schemas.microsoft.com/office/powerpoint/2010/main" val="2628794886"/>
+      </p:ext>
+    </p:extLst>
+  </p:cSld>
+  <p:clrMapOvr>
+    <a:masterClrMapping/>
+  </p:clrMapOvr>
+</p:sld>
+</file>
+
+<file path=ppt/slides/slide45.xml><?xml version="1.0" encoding="utf-8"?>
+<p:sld xmlns:a="http://schemas.openxmlformats.org/drawingml/2006/main" xmlns:r="http://schemas.openxmlformats.org/officeDocument/2006/relationships" xmlns:p="http://schemas.openxmlformats.org/presentationml/2006/main">
+  <p:cSld>
+    <p:spTree>
+      <p:nvGrpSpPr>
+        <p:cNvPr id="1" name=""/>
+        <p:cNvGrpSpPr/>
+        <p:nvPr/>
+      </p:nvGrpSpPr>
+      <p:grpSpPr>
+        <a:xfrm>
+          <a:off x="0" y="0"/>
+          <a:ext cx="0" cy="0"/>
+          <a:chOff x="0" y="0"/>
+          <a:chExt cx="0" cy="0"/>
+        </a:xfrm>
+      </p:grpSpPr>
+      <p:sp>
+        <p:nvSpPr>
+          <p:cNvPr id="2" name="标题 1"/>
+          <p:cNvSpPr>
+            <a:spLocks noGrp="1"/>
+          </p:cNvSpPr>
+          <p:nvPr>
+            <p:ph type="title"/>
+          </p:nvPr>
+        </p:nvSpPr>
+        <p:spPr/>
+        <p:txBody>
+          <a:bodyPr/>
+          <a:lstStyle/>
+          <a:p>
+            <a:endParaRPr lang="zh-CN" altLang="en-US"/>
+          </a:p>
+        </p:txBody>
+      </p:sp>
+      <p:sp>
+        <p:nvSpPr>
+          <p:cNvPr id="4" name="矩形 3"/>
+          <p:cNvSpPr/>
+          <p:nvPr/>
+        </p:nvSpPr>
+        <p:spPr>
+          <a:xfrm>
+            <a:off x="748936" y="1502688"/>
+            <a:ext cx="8826137" cy="3693319"/>
+          </a:xfrm>
+          <a:prstGeom prst="rect">
+            <a:avLst/>
+          </a:prstGeom>
+        </p:spPr>
+        <p:txBody>
+          <a:bodyPr wrap="square">
+            <a:spAutoFit/>
+          </a:bodyPr>
+          <a:lstStyle/>
+          <a:p>
+            <a:r>
+              <a:rPr lang="en-US" altLang="zh-CN" dirty="0"/>
+              <a:t>\8. </a:t>
+            </a:r>
+            <a:r>
+              <a:rPr lang="en-US" altLang="zh-CN" dirty="0" err="1"/>
+              <a:t>RegionServer</a:t>
+            </a:r>
+            <a:r>
+              <a:rPr lang="en-US" altLang="zh-CN" dirty="0"/>
+              <a:t> opens daughters in parallel to accept writes.  \9. </a:t>
+            </a:r>
+            <a:r>
+              <a:rPr lang="en-US" altLang="zh-CN" dirty="0" err="1"/>
+              <a:t>RegionServer</a:t>
+            </a:r>
+            <a:r>
+              <a:rPr lang="en-US" altLang="zh-CN" dirty="0"/>
+              <a:t> adds the daughters A and B to .META. together with  information that it hosts the regions. After this point, clients can  discover the new regions, and issue requests to the new region. Clients  cache the .META. entries locally, but when they make requests to the  region server or .META., their caches will be invalidated, and they will  learn about the new regions from .META.. \10. </a:t>
+            </a:r>
+            <a:r>
+              <a:rPr lang="en-US" altLang="zh-CN" dirty="0" err="1"/>
+              <a:t>RegionServer</a:t>
+            </a:r>
+            <a:r>
+              <a:rPr lang="en-US" altLang="zh-CN" dirty="0"/>
+              <a:t> updates  </a:t>
+            </a:r>
+            <a:r>
+              <a:rPr lang="en-US" altLang="zh-CN" dirty="0" err="1"/>
+              <a:t>znode</a:t>
+            </a:r>
+            <a:r>
+              <a:rPr lang="en-US" altLang="zh-CN" dirty="0"/>
+              <a:t> /</a:t>
+            </a:r>
+            <a:r>
+              <a:rPr lang="en-US" altLang="zh-CN" dirty="0" err="1"/>
+              <a:t>hbase</a:t>
+            </a:r>
+            <a:r>
+              <a:rPr lang="en-US" altLang="zh-CN" dirty="0"/>
+              <a:t>/region-in-transition/region-name in zookeeper to state  SPLIT, so that the master can learn about it. The balancer can freely  re-assign the daughter regions to other region servers if it chooses so.  \11. After the split, meta and HDFS will still contain references to the  parent region. Those references will be removed when compactions in  daughter regions rewrite the data files. Garbage collection tasks in the  master periodically checks whether the daughter regions still refer to  parents files.  If not, the parent region will be removed.</a:t>
+            </a:r>
+          </a:p>
+        </p:txBody>
+      </p:sp>
+    </p:spTree>
+    <p:extLst>
+      <p:ext uri="{BB962C8B-B14F-4D97-AF65-F5344CB8AC3E}">
+        <p14:creationId xmlns:p14="http://schemas.microsoft.com/office/powerpoint/2010/main" val="3661374470"/>
+      </p:ext>
+    </p:extLst>
+  </p:cSld>
+  <p:clrMapOvr>
+    <a:masterClrMapping/>
+  </p:clrMapOvr>
+</p:sld>
+</file>
+
+<file path=ppt/slides/slide46.xml><?xml version="1.0" encoding="utf-8"?>
+<p:sld xmlns:a="http://schemas.openxmlformats.org/drawingml/2006/main" xmlns:r="http://schemas.openxmlformats.org/officeDocument/2006/relationships" xmlns:p="http://schemas.openxmlformats.org/presentationml/2006/main">
+  <p:cSld>
+    <p:spTree>
+      <p:nvGrpSpPr>
+        <p:cNvPr id="1" name=""/>
+        <p:cNvGrpSpPr/>
+        <p:nvPr/>
+      </p:nvGrpSpPr>
+      <p:grpSpPr>
+        <a:xfrm>
+          <a:off x="0" y="0"/>
+          <a:ext cx="0" cy="0"/>
+          <a:chOff x="0" y="0"/>
+          <a:chExt cx="0" cy="0"/>
+        </a:xfrm>
+      </p:grpSpPr>
+      <p:sp>
+        <p:nvSpPr>
+          <p:cNvPr id="2" name="标题 1"/>
+          <p:cNvSpPr>
+            <a:spLocks noGrp="1"/>
+          </p:cNvSpPr>
+          <p:nvPr>
+            <p:ph type="title"/>
+          </p:nvPr>
+        </p:nvSpPr>
+        <p:spPr/>
+        <p:txBody>
+          <a:bodyPr/>
+          <a:lstStyle/>
+          <a:p>
+            <a:r>
+              <a:rPr lang="en-US" altLang="zh-CN" dirty="0" smtClean="0"/>
               <a:t>snapshot</a:t>
             </a:r>
             <a:endParaRPr lang="zh-CN" altLang="en-US" dirty="0"/>
@@ -19742,7 +21449,7 @@
 </p:sld>
 </file>
 
-<file path=ppt/slides/slide45.xml><?xml version="1.0" encoding="utf-8"?>
+<file path=ppt/slides/slide47.xml><?xml version="1.0" encoding="utf-8"?>
 <p:sld xmlns:a="http://schemas.openxmlformats.org/drawingml/2006/main" xmlns:r="http://schemas.openxmlformats.org/officeDocument/2006/relationships" xmlns:p="http://schemas.openxmlformats.org/presentationml/2006/main">
   <p:cSld>
     <p:spTree>
@@ -19914,445 +21621,6 @@
 </p:sld>
 </file>
 
-<file path=ppt/slides/slide46.xml><?xml version="1.0" encoding="utf-8"?>
-<p:sld xmlns:a="http://schemas.openxmlformats.org/drawingml/2006/main" xmlns:r="http://schemas.openxmlformats.org/officeDocument/2006/relationships" xmlns:p="http://schemas.openxmlformats.org/presentationml/2006/main">
-  <p:cSld>
-    <p:spTree>
-      <p:nvGrpSpPr>
-        <p:cNvPr id="1" name=""/>
-        <p:cNvGrpSpPr/>
-        <p:nvPr/>
-      </p:nvGrpSpPr>
-      <p:grpSpPr>
-        <a:xfrm>
-          <a:off x="0" y="0"/>
-          <a:ext cx="0" cy="0"/>
-          <a:chOff x="0" y="0"/>
-          <a:chExt cx="0" cy="0"/>
-        </a:xfrm>
-      </p:grpSpPr>
-      <p:sp>
-        <p:nvSpPr>
-          <p:cNvPr id="2" name="标题 1"/>
-          <p:cNvSpPr>
-            <a:spLocks noGrp="1"/>
-          </p:cNvSpPr>
-          <p:nvPr>
-            <p:ph type="title"/>
-          </p:nvPr>
-        </p:nvSpPr>
-        <p:spPr/>
-        <p:txBody>
-          <a:bodyPr/>
-          <a:lstStyle/>
-          <a:p>
-            <a:endParaRPr lang="zh-CN" altLang="en-US"/>
-          </a:p>
-        </p:txBody>
-      </p:sp>
-      <p:sp>
-        <p:nvSpPr>
-          <p:cNvPr id="4" name="矩形 3"/>
-          <p:cNvSpPr/>
-          <p:nvPr/>
-        </p:nvSpPr>
-        <p:spPr>
-          <a:xfrm>
-            <a:off x="1702526" y="1822996"/>
-            <a:ext cx="6096000" cy="1200329"/>
-          </a:xfrm>
-          <a:prstGeom prst="rect">
-            <a:avLst/>
-          </a:prstGeom>
-        </p:spPr>
-        <p:txBody>
-          <a:bodyPr>
-            <a:spAutoFit/>
-          </a:bodyPr>
-          <a:lstStyle/>
-          <a:p>
-            <a:r>
-              <a:rPr lang="en-US" altLang="zh-CN" dirty="0"/>
-              <a:t>snapshot</a:t>
-            </a:r>
-            <a:r>
-              <a:rPr lang="zh-CN" altLang="en-US" dirty="0"/>
-              <a:t>流程主要涉及</a:t>
-            </a:r>
-            <a:r>
-              <a:rPr lang="en-US" altLang="zh-CN" dirty="0"/>
-              <a:t>3</a:t>
-            </a:r>
-            <a:r>
-              <a:rPr lang="zh-CN" altLang="en-US" dirty="0"/>
-              <a:t>个步骤：</a:t>
-            </a:r>
-            <a:r>
-              <a:rPr lang="en-US" altLang="zh-CN" dirty="0"/>
-              <a:t>\1. </a:t>
-            </a:r>
-            <a:r>
-              <a:rPr lang="zh-CN" altLang="en-US" dirty="0"/>
-              <a:t>加一把全局锁，此时不允许任何的数据写入更新以及删除</a:t>
-            </a:r>
-            <a:r>
-              <a:rPr lang="en-US" altLang="zh-CN" dirty="0"/>
-              <a:t>\2. </a:t>
-            </a:r>
-            <a:r>
-              <a:rPr lang="zh-CN" altLang="en-US" dirty="0"/>
-              <a:t>将</a:t>
-            </a:r>
-            <a:r>
-              <a:rPr lang="en-US" altLang="zh-CN" dirty="0" err="1"/>
-              <a:t>Memstore</a:t>
-            </a:r>
-            <a:r>
-              <a:rPr lang="zh-CN" altLang="en-US" dirty="0"/>
-              <a:t>中的缓存数据</a:t>
-            </a:r>
-            <a:r>
-              <a:rPr lang="en-US" altLang="zh-CN" dirty="0"/>
-              <a:t>flush</a:t>
-            </a:r>
-            <a:r>
-              <a:rPr lang="zh-CN" altLang="en-US" dirty="0"/>
-              <a:t>到文件中（可选）</a:t>
-            </a:r>
-            <a:r>
-              <a:rPr lang="en-US" altLang="zh-CN" dirty="0"/>
-              <a:t>\3. </a:t>
-            </a:r>
-            <a:r>
-              <a:rPr lang="zh-CN" altLang="en-US" dirty="0"/>
-              <a:t>为所有</a:t>
-            </a:r>
-            <a:r>
-              <a:rPr lang="en-US" altLang="zh-CN" dirty="0" err="1"/>
-              <a:t>HFile</a:t>
-            </a:r>
-            <a:r>
-              <a:rPr lang="zh-CN" altLang="en-US" dirty="0"/>
-              <a:t>文件分别新建引用指针，这些指针元数据就是</a:t>
-            </a:r>
-            <a:r>
-              <a:rPr lang="en-US" altLang="zh-CN" dirty="0"/>
-              <a:t>snapshot</a:t>
-            </a:r>
-            <a:endParaRPr lang="zh-CN" altLang="en-US" dirty="0"/>
-          </a:p>
-        </p:txBody>
-      </p:sp>
-    </p:spTree>
-    <p:extLst>
-      <p:ext uri="{BB962C8B-B14F-4D97-AF65-F5344CB8AC3E}">
-        <p14:creationId xmlns:p14="http://schemas.microsoft.com/office/powerpoint/2010/main" val="2469514538"/>
-      </p:ext>
-    </p:extLst>
-  </p:cSld>
-  <p:clrMapOvr>
-    <a:masterClrMapping/>
-  </p:clrMapOvr>
-</p:sld>
-</file>
-
-<file path=ppt/slides/slide47.xml><?xml version="1.0" encoding="utf-8"?>
-<p:sld xmlns:a="http://schemas.openxmlformats.org/drawingml/2006/main" xmlns:r="http://schemas.openxmlformats.org/officeDocument/2006/relationships" xmlns:p="http://schemas.openxmlformats.org/presentationml/2006/main">
-  <p:cSld>
-    <p:spTree>
-      <p:nvGrpSpPr>
-        <p:cNvPr id="1" name=""/>
-        <p:cNvGrpSpPr/>
-        <p:nvPr/>
-      </p:nvGrpSpPr>
-      <p:grpSpPr>
-        <a:xfrm>
-          <a:off x="0" y="0"/>
-          <a:ext cx="0" cy="0"/>
-          <a:chOff x="0" y="0"/>
-          <a:chExt cx="0" cy="0"/>
-        </a:xfrm>
-      </p:grpSpPr>
-      <p:sp>
-        <p:nvSpPr>
-          <p:cNvPr id="2" name="标题 1"/>
-          <p:cNvSpPr>
-            <a:spLocks noGrp="1"/>
-          </p:cNvSpPr>
-          <p:nvPr>
-            <p:ph type="title"/>
-          </p:nvPr>
-        </p:nvSpPr>
-        <p:spPr/>
-        <p:txBody>
-          <a:bodyPr/>
-          <a:lstStyle/>
-          <a:p>
-            <a:endParaRPr lang="zh-CN" altLang="en-US"/>
-          </a:p>
-        </p:txBody>
-      </p:sp>
-      <p:sp>
-        <p:nvSpPr>
-          <p:cNvPr id="4" name="矩形 3"/>
-          <p:cNvSpPr/>
-          <p:nvPr/>
-        </p:nvSpPr>
-        <p:spPr>
-          <a:xfrm>
-            <a:off x="521207" y="1502688"/>
-            <a:ext cx="8577943" cy="5355312"/>
-          </a:xfrm>
-          <a:prstGeom prst="rect">
-            <a:avLst/>
-          </a:prstGeom>
-        </p:spPr>
-        <p:txBody>
-          <a:bodyPr wrap="square">
-            <a:spAutoFit/>
-          </a:bodyPr>
-          <a:lstStyle/>
-          <a:p>
-            <a:r>
-              <a:rPr lang="en-US" altLang="zh-CN" dirty="0"/>
-              <a:t>snapshot</a:t>
-            </a:r>
-            <a:r>
-              <a:rPr lang="zh-CN" altLang="en-US" dirty="0"/>
-              <a:t>能实现什么功能？</a:t>
-            </a:r>
-            <a:r>
-              <a:rPr lang="en-US" altLang="zh-CN" dirty="0"/>
-              <a:t>snapshot</a:t>
-            </a:r>
-            <a:r>
-              <a:rPr lang="zh-CN" altLang="en-US" dirty="0"/>
-              <a:t>是</a:t>
-            </a:r>
-            <a:r>
-              <a:rPr lang="en-US" altLang="zh-CN" dirty="0" err="1"/>
-              <a:t>HBase</a:t>
-            </a:r>
-            <a:r>
-              <a:rPr lang="zh-CN" altLang="en-US" dirty="0"/>
-              <a:t>非常核心的一个功能，使用</a:t>
-            </a:r>
-            <a:r>
-              <a:rPr lang="en-US" altLang="zh-CN" dirty="0"/>
-              <a:t>snapshot</a:t>
-            </a:r>
-            <a:r>
-              <a:rPr lang="zh-CN" altLang="en-US" dirty="0"/>
-              <a:t>的不同用法可以实现很多功能，比如：</a:t>
-            </a:r>
-            <a:r>
-              <a:rPr lang="en-US" altLang="zh-CN" dirty="0"/>
-              <a:t>1. </a:t>
-            </a:r>
-            <a:r>
-              <a:rPr lang="zh-CN" altLang="en-US" dirty="0"/>
-              <a:t>全量</a:t>
-            </a:r>
-            <a:r>
-              <a:rPr lang="en-US" altLang="zh-CN" dirty="0"/>
-              <a:t>/</a:t>
-            </a:r>
-            <a:r>
-              <a:rPr lang="zh-CN" altLang="en-US" dirty="0"/>
-              <a:t>增量备份：任何数据库都需要有备份的功能来实现数据的高可靠性，</a:t>
-            </a:r>
-            <a:r>
-              <a:rPr lang="en-US" altLang="zh-CN" dirty="0"/>
-              <a:t>snapshot</a:t>
-            </a:r>
-            <a:r>
-              <a:rPr lang="zh-CN" altLang="en-US" dirty="0"/>
-              <a:t>可以非常方便的实现表的在线备份功能，并且对在线业务请求影响非常小。使用备份数据，用户可以在异常发生的情况下快速回滚到指定快照点。增量备份会在全量备份的基础上使用</a:t>
-            </a:r>
-            <a:r>
-              <a:rPr lang="en-US" altLang="zh-CN" dirty="0" err="1"/>
-              <a:t>binlog</a:t>
-            </a:r>
-            <a:r>
-              <a:rPr lang="zh-CN" altLang="en-US" dirty="0"/>
-              <a:t>进行周期性的增量备份。</a:t>
-            </a:r>
-            <a:r>
-              <a:rPr lang="en-US" altLang="zh-CN" dirty="0"/>
-              <a:t>- </a:t>
-            </a:r>
-            <a:r>
-              <a:rPr lang="zh-CN" altLang="en-US" dirty="0"/>
-              <a:t>使用场景一：通常情况下，对重要的业务数据，建议至少每天执行一次</a:t>
-            </a:r>
-            <a:r>
-              <a:rPr lang="en-US" altLang="zh-CN" dirty="0"/>
-              <a:t>snapshot</a:t>
-            </a:r>
-            <a:r>
-              <a:rPr lang="zh-CN" altLang="en-US" dirty="0"/>
-              <a:t>来保存数据的快照记录，并且定期清理过期快照，这样如果业务发生重要错误需要回滚的话是可以回滚到之前的一个快照点的。</a:t>
-            </a:r>
-            <a:r>
-              <a:rPr lang="en-US" altLang="zh-CN" dirty="0"/>
-              <a:t>- </a:t>
-            </a:r>
-            <a:r>
-              <a:rPr lang="zh-CN" altLang="en-US" dirty="0"/>
-              <a:t>使用场景二：如果要对集群做重大的升级的话，建议升级前对重要的表执行一次</a:t>
-            </a:r>
-            <a:r>
-              <a:rPr lang="en-US" altLang="zh-CN" dirty="0"/>
-              <a:t>snapshot</a:t>
-            </a:r>
-            <a:r>
-              <a:rPr lang="zh-CN" altLang="en-US" dirty="0"/>
-              <a:t>，一旦升级有任何异常可以快速回滚到升级前。       </a:t>
-            </a:r>
-            <a:r>
-              <a:rPr lang="en-US" altLang="zh-CN" dirty="0"/>
-              <a:t>2. </a:t>
-            </a:r>
-            <a:r>
-              <a:rPr lang="zh-CN" altLang="en-US" dirty="0"/>
-              <a:t>数据迁移：可以使用</a:t>
-            </a:r>
-            <a:r>
-              <a:rPr lang="en-US" altLang="zh-CN" dirty="0" err="1"/>
-              <a:t>ExportSnapshot</a:t>
-            </a:r>
-            <a:r>
-              <a:rPr lang="zh-CN" altLang="en-US" dirty="0"/>
-              <a:t>功能将快照导出到另一个集群，实现数据的迁移</a:t>
-            </a:r>
-            <a:r>
-              <a:rPr lang="en-US" altLang="zh-CN" dirty="0"/>
-              <a:t>- </a:t>
-            </a:r>
-            <a:r>
-              <a:rPr lang="zh-CN" altLang="en-US" dirty="0"/>
-              <a:t>使用场景一：机房在线迁移，通常情况是数据在</a:t>
-            </a:r>
-            <a:r>
-              <a:rPr lang="en-US" altLang="zh-CN" dirty="0"/>
-              <a:t>A</a:t>
-            </a:r>
-            <a:r>
-              <a:rPr lang="zh-CN" altLang="en-US" dirty="0"/>
-              <a:t>机房，因为</a:t>
-            </a:r>
-            <a:r>
-              <a:rPr lang="en-US" altLang="zh-CN" dirty="0"/>
-              <a:t>A</a:t>
-            </a:r>
-            <a:r>
-              <a:rPr lang="zh-CN" altLang="en-US" dirty="0"/>
-              <a:t>机房机位不够或者机架不够需要将整个集群迁移到另一个容量更大的</a:t>
-            </a:r>
-            <a:r>
-              <a:rPr lang="en-US" altLang="zh-CN" dirty="0"/>
-              <a:t>B</a:t>
-            </a:r>
-            <a:r>
-              <a:rPr lang="zh-CN" altLang="en-US" dirty="0"/>
-              <a:t>集群，而且在迁移过程中不能停服。基本迁移思路是先使用</a:t>
-            </a:r>
-            <a:r>
-              <a:rPr lang="en-US" altLang="zh-CN" dirty="0"/>
-              <a:t>snapshot</a:t>
-            </a:r>
-            <a:r>
-              <a:rPr lang="zh-CN" altLang="en-US" dirty="0"/>
-              <a:t>在</a:t>
-            </a:r>
-            <a:r>
-              <a:rPr lang="en-US" altLang="zh-CN" dirty="0"/>
-              <a:t>B</a:t>
-            </a:r>
-            <a:r>
-              <a:rPr lang="zh-CN" altLang="en-US" dirty="0"/>
-              <a:t>集群恢复出一个全量数据，再使用</a:t>
-            </a:r>
-            <a:r>
-              <a:rPr lang="en-US" altLang="zh-CN" dirty="0"/>
-              <a:t>replication</a:t>
-            </a:r>
-            <a:r>
-              <a:rPr lang="zh-CN" altLang="en-US" dirty="0"/>
-              <a:t>技术增量复制</a:t>
-            </a:r>
-            <a:r>
-              <a:rPr lang="en-US" altLang="zh-CN" dirty="0"/>
-              <a:t>A</a:t>
-            </a:r>
-            <a:r>
-              <a:rPr lang="zh-CN" altLang="en-US" dirty="0"/>
-              <a:t>集群的更新数据，等待两个集群数据一致之后将客户端请求重定向到</a:t>
-            </a:r>
-            <a:r>
-              <a:rPr lang="en-US" altLang="zh-CN" dirty="0"/>
-              <a:t>B</a:t>
-            </a:r>
-            <a:r>
-              <a:rPr lang="zh-CN" altLang="en-US" dirty="0"/>
-              <a:t>机房。具体步骤可以参考：</a:t>
-            </a:r>
-            <a:r>
-              <a:rPr lang="en-US" altLang="zh-CN" dirty="0"/>
-              <a:t>https://www.cloudera.com/documentation/enterprise/5-5-x/topics/cdh_bdr_hbase_replication.html#topic_20_11_7- </a:t>
-            </a:r>
-            <a:r>
-              <a:rPr lang="zh-CN" altLang="en-US" dirty="0"/>
-              <a:t>使用场景二：使用</a:t>
-            </a:r>
-            <a:r>
-              <a:rPr lang="en-US" altLang="zh-CN" dirty="0"/>
-              <a:t>snapshot</a:t>
-            </a:r>
-            <a:r>
-              <a:rPr lang="zh-CN" altLang="en-US" dirty="0"/>
-              <a:t>将表数据导出到</a:t>
-            </a:r>
-            <a:r>
-              <a:rPr lang="en-US" altLang="zh-CN" dirty="0"/>
-              <a:t>HDFS</a:t>
-            </a:r>
-            <a:r>
-              <a:rPr lang="zh-CN" altLang="en-US" dirty="0"/>
-              <a:t>，再使用</a:t>
-            </a:r>
-            <a:r>
-              <a:rPr lang="en-US" altLang="zh-CN" dirty="0"/>
-              <a:t>Hive\Spark</a:t>
-            </a:r>
-            <a:r>
-              <a:rPr lang="zh-CN" altLang="en-US" dirty="0"/>
-              <a:t>等进行离线</a:t>
-            </a:r>
-            <a:r>
-              <a:rPr lang="en-US" altLang="zh-CN" dirty="0"/>
-              <a:t>OLAP</a:t>
-            </a:r>
-            <a:r>
-              <a:rPr lang="zh-CN" altLang="en-US" dirty="0"/>
-              <a:t>分析，比如审计报表、月度报表等</a:t>
-            </a:r>
-          </a:p>
-        </p:txBody>
-      </p:sp>
-    </p:spTree>
-    <p:extLst>
-      <p:ext uri="{BB962C8B-B14F-4D97-AF65-F5344CB8AC3E}">
-        <p14:creationId xmlns:p14="http://schemas.microsoft.com/office/powerpoint/2010/main" val="346614126"/>
-      </p:ext>
-    </p:extLst>
-  </p:cSld>
-  <p:clrMapOvr>
-    <a:masterClrMapping/>
-  </p:clrMapOvr>
-</p:sld>
-</file>
-
 <file path=ppt/slides/slide48.xml><?xml version="1.0" encoding="utf-8"?>
 <p:sld xmlns:a="http://schemas.openxmlformats.org/drawingml/2006/main" xmlns:r="http://schemas.openxmlformats.org/officeDocument/2006/relationships" xmlns:p="http://schemas.openxmlformats.org/presentationml/2006/main">
   <p:cSld>
@@ -20397,8 +21665,150 @@
         </p:nvSpPr>
         <p:spPr>
           <a:xfrm>
-            <a:off x="911766" y="1490569"/>
-            <a:ext cx="9303388" cy="4247317"/>
+            <a:off x="1702526" y="1822996"/>
+            <a:ext cx="6096000" cy="1200329"/>
+          </a:xfrm>
+          <a:prstGeom prst="rect">
+            <a:avLst/>
+          </a:prstGeom>
+        </p:spPr>
+        <p:txBody>
+          <a:bodyPr>
+            <a:spAutoFit/>
+          </a:bodyPr>
+          <a:lstStyle/>
+          <a:p>
+            <a:r>
+              <a:rPr lang="en-US" altLang="zh-CN" dirty="0"/>
+              <a:t>snapshot</a:t>
+            </a:r>
+            <a:r>
+              <a:rPr lang="zh-CN" altLang="en-US" dirty="0"/>
+              <a:t>流程主要涉及</a:t>
+            </a:r>
+            <a:r>
+              <a:rPr lang="en-US" altLang="zh-CN" dirty="0"/>
+              <a:t>3</a:t>
+            </a:r>
+            <a:r>
+              <a:rPr lang="zh-CN" altLang="en-US" dirty="0"/>
+              <a:t>个步骤：</a:t>
+            </a:r>
+            <a:r>
+              <a:rPr lang="en-US" altLang="zh-CN" dirty="0"/>
+              <a:t>\1. </a:t>
+            </a:r>
+            <a:r>
+              <a:rPr lang="zh-CN" altLang="en-US" dirty="0"/>
+              <a:t>加一把全局锁，此时不允许任何的数据写入更新以及删除</a:t>
+            </a:r>
+            <a:r>
+              <a:rPr lang="en-US" altLang="zh-CN" dirty="0"/>
+              <a:t>\2. </a:t>
+            </a:r>
+            <a:r>
+              <a:rPr lang="zh-CN" altLang="en-US" dirty="0"/>
+              <a:t>将</a:t>
+            </a:r>
+            <a:r>
+              <a:rPr lang="en-US" altLang="zh-CN" dirty="0" err="1"/>
+              <a:t>Memstore</a:t>
+            </a:r>
+            <a:r>
+              <a:rPr lang="zh-CN" altLang="en-US" dirty="0"/>
+              <a:t>中的缓存数据</a:t>
+            </a:r>
+            <a:r>
+              <a:rPr lang="en-US" altLang="zh-CN" dirty="0"/>
+              <a:t>flush</a:t>
+            </a:r>
+            <a:r>
+              <a:rPr lang="zh-CN" altLang="en-US" dirty="0"/>
+              <a:t>到文件中（可选）</a:t>
+            </a:r>
+            <a:r>
+              <a:rPr lang="en-US" altLang="zh-CN" dirty="0"/>
+              <a:t>\3. </a:t>
+            </a:r>
+            <a:r>
+              <a:rPr lang="zh-CN" altLang="en-US" dirty="0"/>
+              <a:t>为所有</a:t>
+            </a:r>
+            <a:r>
+              <a:rPr lang="en-US" altLang="zh-CN" dirty="0" err="1"/>
+              <a:t>HFile</a:t>
+            </a:r>
+            <a:r>
+              <a:rPr lang="zh-CN" altLang="en-US" dirty="0"/>
+              <a:t>文件分别新建引用指针，这些指针元数据就是</a:t>
+            </a:r>
+            <a:r>
+              <a:rPr lang="en-US" altLang="zh-CN" dirty="0"/>
+              <a:t>snapshot</a:t>
+            </a:r>
+            <a:endParaRPr lang="zh-CN" altLang="en-US" dirty="0"/>
+          </a:p>
+        </p:txBody>
+      </p:sp>
+    </p:spTree>
+    <p:extLst>
+      <p:ext uri="{BB962C8B-B14F-4D97-AF65-F5344CB8AC3E}">
+        <p14:creationId xmlns:p14="http://schemas.microsoft.com/office/powerpoint/2010/main" val="2469514538"/>
+      </p:ext>
+    </p:extLst>
+  </p:cSld>
+  <p:clrMapOvr>
+    <a:masterClrMapping/>
+  </p:clrMapOvr>
+</p:sld>
+</file>
+
+<file path=ppt/slides/slide49.xml><?xml version="1.0" encoding="utf-8"?>
+<p:sld xmlns:a="http://schemas.openxmlformats.org/drawingml/2006/main" xmlns:r="http://schemas.openxmlformats.org/officeDocument/2006/relationships" xmlns:p="http://schemas.openxmlformats.org/presentationml/2006/main">
+  <p:cSld>
+    <p:spTree>
+      <p:nvGrpSpPr>
+        <p:cNvPr id="1" name=""/>
+        <p:cNvGrpSpPr/>
+        <p:nvPr/>
+      </p:nvGrpSpPr>
+      <p:grpSpPr>
+        <a:xfrm>
+          <a:off x="0" y="0"/>
+          <a:ext cx="0" cy="0"/>
+          <a:chOff x="0" y="0"/>
+          <a:chExt cx="0" cy="0"/>
+        </a:xfrm>
+      </p:grpSpPr>
+      <p:sp>
+        <p:nvSpPr>
+          <p:cNvPr id="2" name="标题 1"/>
+          <p:cNvSpPr>
+            <a:spLocks noGrp="1"/>
+          </p:cNvSpPr>
+          <p:nvPr>
+            <p:ph type="title"/>
+          </p:nvPr>
+        </p:nvSpPr>
+        <p:spPr/>
+        <p:txBody>
+          <a:bodyPr/>
+          <a:lstStyle/>
+          <a:p>
+            <a:endParaRPr lang="zh-CN" altLang="en-US"/>
+          </a:p>
+        </p:txBody>
+      </p:sp>
+      <p:sp>
+        <p:nvSpPr>
+          <p:cNvPr id="4" name="矩形 3"/>
+          <p:cNvSpPr/>
+          <p:nvPr/>
+        </p:nvSpPr>
+        <p:spPr>
+          <a:xfrm>
+            <a:off x="521207" y="1502688"/>
+            <a:ext cx="8577943" cy="5355312"/>
           </a:xfrm>
           <a:prstGeom prst="rect">
             <a:avLst/>
@@ -20411,16 +21821,28 @@
           <a:lstStyle/>
           <a:p>
             <a:r>
+              <a:rPr lang="en-US" altLang="zh-CN" dirty="0"/>
+              <a:t>snapshot</a:t>
+            </a:r>
+            <a:r>
+              <a:rPr lang="zh-CN" altLang="en-US" dirty="0"/>
+              <a:t>能实现什么功能？</a:t>
+            </a:r>
+            <a:r>
+              <a:rPr lang="en-US" altLang="zh-CN" dirty="0"/>
+              <a:t>snapshot</a:t>
+            </a:r>
+            <a:r>
+              <a:rPr lang="zh-CN" altLang="en-US" dirty="0"/>
+              <a:t>是</a:t>
+            </a:r>
+            <a:r>
               <a:rPr lang="en-US" altLang="zh-CN" dirty="0" err="1"/>
-              <a:t>hbase</a:t>
-            </a:r>
-            <a:r>
-              <a:rPr lang="en-US" altLang="zh-CN" dirty="0"/>
-              <a:t> snapshot</a:t>
+              <a:t>HBase</a:t>
             </a:r>
             <a:r>
               <a:rPr lang="zh-CN" altLang="en-US" dirty="0"/>
-              <a:t>用法大全</a:t>
+              <a:t>非常核心的一个功能，使用</a:t>
             </a:r>
             <a:r>
               <a:rPr lang="en-US" altLang="zh-CN" dirty="0"/>
@@ -20428,7 +21850,23 @@
             </a:r>
             <a:r>
               <a:rPr lang="zh-CN" altLang="en-US" dirty="0"/>
-              <a:t>最常用的命令有</a:t>
+              <a:t>的不同用法可以实现很多功能，比如：</a:t>
+            </a:r>
+            <a:r>
+              <a:rPr lang="en-US" altLang="zh-CN" dirty="0"/>
+              <a:t>1. </a:t>
+            </a:r>
+            <a:r>
+              <a:rPr lang="zh-CN" altLang="en-US" dirty="0"/>
+              <a:t>全量</a:t>
+            </a:r>
+            <a:r>
+              <a:rPr lang="en-US" altLang="zh-CN" dirty="0"/>
+              <a:t>/</a:t>
+            </a:r>
+            <a:r>
+              <a:rPr lang="zh-CN" altLang="en-US" dirty="0"/>
+              <a:t>增量备份：任何数据库都需要有备份的功能来实现数据的高可靠性，</a:t>
             </a:r>
             <a:r>
               <a:rPr lang="en-US" altLang="zh-CN" dirty="0"/>
@@ -20436,23 +21874,55 @@
             </a:r>
             <a:r>
               <a:rPr lang="zh-CN" altLang="en-US" dirty="0"/>
-              <a:t>、</a:t>
+              <a:t>可以非常方便的实现表的在线备份功能，并且对在线业务请求影响非常小。使用备份数据，用户可以在异常发生的情况下快速回滚到指定快照点。增量备份会在全量备份的基础上使用</a:t>
             </a:r>
             <a:r>
               <a:rPr lang="en-US" altLang="zh-CN" dirty="0" err="1"/>
-              <a:t>restore_snapshot</a:t>
+              <a:t>binlog</a:t>
             </a:r>
             <a:r>
               <a:rPr lang="zh-CN" altLang="en-US" dirty="0"/>
-              <a:t>、</a:t>
-            </a:r>
-            <a:r>
-              <a:rPr lang="en-US" altLang="zh-CN" dirty="0" err="1"/>
-              <a:t>clone_snapshot</a:t>
+              <a:t>进行周期性的增量备份。</a:t>
+            </a:r>
+            <a:r>
+              <a:rPr lang="en-US" altLang="zh-CN" dirty="0"/>
+              <a:t>- </a:t>
             </a:r>
             <a:r>
               <a:rPr lang="zh-CN" altLang="en-US" dirty="0"/>
-              <a:t>以及</a:t>
+              <a:t>使用场景一：通常情况下，对重要的业务数据，建议至少每天执行一次</a:t>
+            </a:r>
+            <a:r>
+              <a:rPr lang="en-US" altLang="zh-CN" dirty="0"/>
+              <a:t>snapshot</a:t>
+            </a:r>
+            <a:r>
+              <a:rPr lang="zh-CN" altLang="en-US" dirty="0"/>
+              <a:t>来保存数据的快照记录，并且定期清理过期快照，这样如果业务发生重要错误需要回滚的话是可以回滚到之前的一个快照点的。</a:t>
+            </a:r>
+            <a:r>
+              <a:rPr lang="en-US" altLang="zh-CN" dirty="0"/>
+              <a:t>- </a:t>
+            </a:r>
+            <a:r>
+              <a:rPr lang="zh-CN" altLang="en-US" dirty="0"/>
+              <a:t>使用场景二：如果要对集群做重大的升级的话，建议升级前对重要的表执行一次</a:t>
+            </a:r>
+            <a:r>
+              <a:rPr lang="en-US" altLang="zh-CN" dirty="0"/>
+              <a:t>snapshot</a:t>
+            </a:r>
+            <a:r>
+              <a:rPr lang="zh-CN" altLang="en-US" dirty="0"/>
+              <a:t>，一旦升级有任何异常可以快速回滚到升级前。       </a:t>
+            </a:r>
+            <a:r>
+              <a:rPr lang="en-US" altLang="zh-CN" dirty="0"/>
+              <a:t>2. </a:t>
+            </a:r>
+            <a:r>
+              <a:rPr lang="zh-CN" altLang="en-US" dirty="0"/>
+              <a:t>数据迁移：可以使用</a:t>
             </a:r>
             <a:r>
               <a:rPr lang="en-US" altLang="zh-CN" dirty="0" err="1"/>
@@ -20460,7 +21930,7 @@
             </a:r>
             <a:r>
               <a:rPr lang="zh-CN" altLang="en-US" dirty="0"/>
-              <a:t>这个工具，具体使用方法如下：</a:t>
+              <a:t>功能将快照导出到另一个集群，实现数据的迁移</a:t>
             </a:r>
             <a:r>
               <a:rPr lang="en-US" altLang="zh-CN" dirty="0"/>
@@ -20468,284 +21938,119 @@
             </a:r>
             <a:r>
               <a:rPr lang="zh-CN" altLang="en-US" dirty="0"/>
-              <a:t>为表’</a:t>
-            </a:r>
-            <a:r>
-              <a:rPr lang="en-US" altLang="zh-CN" dirty="0" err="1"/>
-              <a:t>sourceTable</a:t>
-            </a:r>
-            <a:r>
-              <a:rPr lang="en-US" altLang="zh-CN" dirty="0"/>
-              <a:t>’</a:t>
+              <a:t>使用场景一：机房在线迁移，通常情况是数据在</a:t>
+            </a:r>
+            <a:r>
+              <a:rPr lang="en-US" altLang="zh-CN" dirty="0"/>
+              <a:t>A</a:t>
             </a:r>
             <a:r>
               <a:rPr lang="zh-CN" altLang="en-US" dirty="0"/>
-              <a:t>打一个快照’</a:t>
-            </a:r>
-            <a:r>
-              <a:rPr lang="en-US" altLang="zh-CN" dirty="0" err="1"/>
-              <a:t>snapshotName</a:t>
-            </a:r>
-            <a:r>
-              <a:rPr lang="en-US" altLang="zh-CN" dirty="0"/>
-              <a:t>’</a:t>
+              <a:t>机房，因为</a:t>
+            </a:r>
+            <a:r>
+              <a:rPr lang="en-US" altLang="zh-CN" dirty="0"/>
+              <a:t>A</a:t>
             </a:r>
             <a:r>
               <a:rPr lang="zh-CN" altLang="en-US" dirty="0"/>
-              <a:t>，快照并不涉及数据移动，可以在线完成。    </a:t>
-            </a:r>
-            <a:r>
-              <a:rPr lang="en-US" altLang="zh-CN" dirty="0" err="1"/>
-              <a:t>hbase</a:t>
-            </a:r>
-            <a:r>
-              <a:rPr lang="en-US" altLang="zh-CN" dirty="0"/>
-              <a:t>&gt; snapshot '</a:t>
-            </a:r>
-            <a:r>
-              <a:rPr lang="en-US" altLang="zh-CN" dirty="0" err="1"/>
-              <a:t>sourceTable</a:t>
-            </a:r>
-            <a:r>
-              <a:rPr lang="en-US" altLang="zh-CN" dirty="0"/>
-              <a:t>', ‘</a:t>
-            </a:r>
-            <a:r>
-              <a:rPr lang="en-US" altLang="zh-CN" dirty="0" err="1"/>
-              <a:t>snapshotName</a:t>
-            </a:r>
-            <a:r>
-              <a:rPr lang="en-US" altLang="zh-CN" dirty="0"/>
-              <a:t>'- </a:t>
+              <a:t>机房机位不够或者机架不够需要将整个集群迁移到另一个容量更大的</a:t>
+            </a:r>
+            <a:r>
+              <a:rPr lang="en-US" altLang="zh-CN" dirty="0"/>
+              <a:t>B</a:t>
             </a:r>
             <a:r>
               <a:rPr lang="zh-CN" altLang="en-US" dirty="0"/>
-              <a:t>恢复指定快照，恢复过程会替代原有数据，将表还原到快照点，快照点之后的所有更新将会丢失。需要注意的是原表需要先</a:t>
-            </a:r>
-            <a:r>
-              <a:rPr lang="en-US" altLang="zh-CN" dirty="0"/>
-              <a:t>disable</a:t>
+              <a:t>集群，而且在迁移过程中不能停服。基本迁移思路是先使用</a:t>
+            </a:r>
+            <a:r>
+              <a:rPr lang="en-US" altLang="zh-CN" dirty="0"/>
+              <a:t>snapshot</a:t>
             </a:r>
             <a:r>
               <a:rPr lang="zh-CN" altLang="en-US" dirty="0"/>
-              <a:t>掉，才能执行</a:t>
-            </a:r>
-            <a:r>
-              <a:rPr lang="en-US" altLang="zh-CN" dirty="0" err="1"/>
-              <a:t>restore_snapshot</a:t>
+              <a:t>在</a:t>
+            </a:r>
+            <a:r>
+              <a:rPr lang="en-US" altLang="zh-CN" dirty="0"/>
+              <a:t>B</a:t>
             </a:r>
             <a:r>
               <a:rPr lang="zh-CN" altLang="en-US" dirty="0"/>
-              <a:t>操作。    </a:t>
-            </a:r>
-            <a:r>
-              <a:rPr lang="en-US" altLang="zh-CN" dirty="0" err="1"/>
-              <a:t>hbase</a:t>
-            </a:r>
-            <a:r>
-              <a:rPr lang="en-US" altLang="zh-CN" dirty="0"/>
-              <a:t>&gt; </a:t>
-            </a:r>
-            <a:r>
-              <a:rPr lang="en-US" altLang="zh-CN" dirty="0" err="1"/>
-              <a:t>restore_snapshot</a:t>
-            </a:r>
-            <a:r>
-              <a:rPr lang="en-US" altLang="zh-CN" dirty="0"/>
-              <a:t> ‘</a:t>
-            </a:r>
-            <a:r>
-              <a:rPr lang="en-US" altLang="zh-CN" dirty="0" err="1"/>
-              <a:t>snapshotName</a:t>
-            </a:r>
-            <a:r>
-              <a:rPr lang="en-US" altLang="zh-CN" dirty="0"/>
-              <a:t>'- </a:t>
+              <a:t>集群恢复出一个全量数据，再使用</a:t>
+            </a:r>
+            <a:r>
+              <a:rPr lang="en-US" altLang="zh-CN" dirty="0"/>
+              <a:t>replication</a:t>
             </a:r>
             <a:r>
               <a:rPr lang="zh-CN" altLang="en-US" dirty="0"/>
-              <a:t>根据快照恢复出一个新表，恢复过程不涉及数据移动，可以在秒级完成。很好奇是怎么做的吧，且听下文分解。    </a:t>
-            </a:r>
-            <a:r>
-              <a:rPr lang="en-US" altLang="zh-CN" dirty="0" err="1"/>
-              <a:t>hbase</a:t>
-            </a:r>
-            <a:r>
-              <a:rPr lang="en-US" altLang="zh-CN" dirty="0"/>
-              <a:t>&gt; </a:t>
-            </a:r>
-            <a:r>
-              <a:rPr lang="en-US" altLang="zh-CN" dirty="0" err="1"/>
-              <a:t>clone_snapshot</a:t>
-            </a:r>
-            <a:r>
-              <a:rPr lang="en-US" altLang="zh-CN" dirty="0"/>
-              <a:t> '</a:t>
-            </a:r>
-            <a:r>
-              <a:rPr lang="en-US" altLang="zh-CN" dirty="0" err="1"/>
-              <a:t>snapshotName</a:t>
-            </a:r>
-            <a:r>
-              <a:rPr lang="en-US" altLang="zh-CN" dirty="0"/>
-              <a:t>', ‘</a:t>
-            </a:r>
-            <a:r>
-              <a:rPr lang="en-US" altLang="zh-CN" dirty="0" err="1"/>
-              <a:t>tableName</a:t>
-            </a:r>
-            <a:r>
-              <a:rPr lang="en-US" altLang="zh-CN" dirty="0"/>
-              <a:t>'- </a:t>
+              <a:t>技术增量复制</a:t>
+            </a:r>
+            <a:r>
+              <a:rPr lang="en-US" altLang="zh-CN" dirty="0"/>
+              <a:t>A</a:t>
             </a:r>
             <a:r>
               <a:rPr lang="zh-CN" altLang="en-US" dirty="0"/>
-              <a:t>使用</a:t>
-            </a:r>
-            <a:r>
-              <a:rPr lang="en-US" altLang="zh-CN" dirty="0" err="1"/>
-              <a:t>ExportSnapshot</a:t>
+              <a:t>集群的更新数据，等待两个集群数据一致之后将客户端请求重定向到</a:t>
+            </a:r>
+            <a:r>
+              <a:rPr lang="en-US" altLang="zh-CN" dirty="0"/>
+              <a:t>B</a:t>
             </a:r>
             <a:r>
               <a:rPr lang="zh-CN" altLang="en-US" dirty="0"/>
-              <a:t>命令可以将</a:t>
-            </a:r>
-            <a:r>
-              <a:rPr lang="en-US" altLang="zh-CN" dirty="0"/>
-              <a:t>A</a:t>
+              <a:t>机房。具体步骤可以参考：</a:t>
+            </a:r>
+            <a:r>
+              <a:rPr lang="en-US" altLang="zh-CN" dirty="0"/>
+              <a:t>https://www.cloudera.com/documentation/enterprise/5-5-x/topics/cdh_bdr_hbase_replication.html#topic_20_11_7- </a:t>
             </a:r>
             <a:r>
               <a:rPr lang="zh-CN" altLang="en-US" dirty="0"/>
-              <a:t>集群的快照数据迁移到</a:t>
-            </a:r>
-            <a:r>
-              <a:rPr lang="en-US" altLang="zh-CN" dirty="0"/>
-              <a:t>B</a:t>
+              <a:t>使用场景二：使用</a:t>
+            </a:r>
+            <a:r>
+              <a:rPr lang="en-US" altLang="zh-CN" dirty="0"/>
+              <a:t>snapshot</a:t>
             </a:r>
             <a:r>
               <a:rPr lang="zh-CN" altLang="en-US" dirty="0"/>
-              <a:t>集群，</a:t>
-            </a:r>
-            <a:r>
-              <a:rPr lang="en-US" altLang="zh-CN" dirty="0" err="1"/>
-              <a:t>ExportSnapshot</a:t>
+              <a:t>将表数据导出到</a:t>
+            </a:r>
+            <a:r>
+              <a:rPr lang="en-US" altLang="zh-CN" dirty="0"/>
+              <a:t>HDFS</a:t>
             </a:r>
             <a:r>
               <a:rPr lang="zh-CN" altLang="en-US" dirty="0"/>
-              <a:t>是</a:t>
-            </a:r>
-            <a:r>
-              <a:rPr lang="en-US" altLang="zh-CN" dirty="0"/>
-              <a:t>HDFS</a:t>
+              <a:t>，再使用</a:t>
+            </a:r>
+            <a:r>
+              <a:rPr lang="en-US" altLang="zh-CN" dirty="0"/>
+              <a:t>Hive\Spark</a:t>
             </a:r>
             <a:r>
               <a:rPr lang="zh-CN" altLang="en-US" dirty="0"/>
-              <a:t>层面的操作，会使用</a:t>
-            </a:r>
-            <a:r>
-              <a:rPr lang="en-US" altLang="zh-CN" dirty="0"/>
-              <a:t>MR</a:t>
+              <a:t>等进行离线</a:t>
+            </a:r>
+            <a:r>
+              <a:rPr lang="en-US" altLang="zh-CN" dirty="0"/>
+              <a:t>OLAP</a:t>
             </a:r>
             <a:r>
               <a:rPr lang="zh-CN" altLang="en-US" dirty="0"/>
-              <a:t>进行数据的并行迁移，因此需要在开启</a:t>
-            </a:r>
-            <a:r>
-              <a:rPr lang="en-US" altLang="zh-CN" dirty="0"/>
-              <a:t>MR</a:t>
-            </a:r>
-            <a:r>
-              <a:rPr lang="zh-CN" altLang="en-US" dirty="0"/>
-              <a:t>的机器上进行迁移。</a:t>
-            </a:r>
-            <a:r>
-              <a:rPr lang="en-US" altLang="zh-CN" dirty="0" err="1"/>
-              <a:t>HMaster</a:t>
-            </a:r>
-            <a:r>
-              <a:rPr lang="zh-CN" altLang="en-US" dirty="0"/>
-              <a:t>和</a:t>
-            </a:r>
-            <a:r>
-              <a:rPr lang="en-US" altLang="zh-CN" dirty="0" err="1"/>
-              <a:t>HRegionServer</a:t>
-            </a:r>
-            <a:r>
-              <a:rPr lang="zh-CN" altLang="en-US" dirty="0"/>
-              <a:t>并不参与这个过程，因此不会带来额外的内存开销以及</a:t>
-            </a:r>
-            <a:r>
-              <a:rPr lang="en-US" altLang="zh-CN" dirty="0"/>
-              <a:t>GC</a:t>
-            </a:r>
-            <a:r>
-              <a:rPr lang="zh-CN" altLang="en-US" dirty="0"/>
-              <a:t>开销。唯一的影响是</a:t>
-            </a:r>
-            <a:r>
-              <a:rPr lang="en-US" altLang="zh-CN" dirty="0"/>
-              <a:t>DN</a:t>
-            </a:r>
-            <a:r>
-              <a:rPr lang="zh-CN" altLang="en-US" dirty="0"/>
-              <a:t>在拷贝数据的时候需要额外的带宽以及</a:t>
-            </a:r>
-            <a:r>
-              <a:rPr lang="en-US" altLang="zh-CN" dirty="0"/>
-              <a:t>IO</a:t>
-            </a:r>
-            <a:r>
-              <a:rPr lang="zh-CN" altLang="en-US" dirty="0"/>
-              <a:t>负载，</a:t>
-            </a:r>
-            <a:r>
-              <a:rPr lang="en-US" altLang="zh-CN" dirty="0" err="1"/>
-              <a:t>ExportSnapshot</a:t>
-            </a:r>
-            <a:r>
-              <a:rPr lang="zh-CN" altLang="en-US" dirty="0"/>
-              <a:t>也针对这个问题设置了参数</a:t>
-            </a:r>
-            <a:r>
-              <a:rPr lang="en-US" altLang="zh-CN" dirty="0"/>
-              <a:t>-bandwidth</a:t>
-            </a:r>
-            <a:r>
-              <a:rPr lang="zh-CN" altLang="en-US" dirty="0"/>
-              <a:t>来限制带宽的使用。    </a:t>
-            </a:r>
-            <a:r>
-              <a:rPr lang="en-US" altLang="zh-CN" dirty="0" err="1"/>
-              <a:t>hbase</a:t>
-            </a:r>
-            <a:r>
-              <a:rPr lang="en-US" altLang="zh-CN" dirty="0"/>
-              <a:t> </a:t>
-            </a:r>
-            <a:r>
-              <a:rPr lang="en-US" altLang="zh-CN" dirty="0" err="1"/>
-              <a:t>org.apache.hadoop.hbase.snapshot.ExportSnapshot</a:t>
-            </a:r>
-            <a:r>
-              <a:rPr lang="en-US" altLang="zh-CN" dirty="0"/>
-              <a:t> \        -snapshot </a:t>
-            </a:r>
-            <a:r>
-              <a:rPr lang="en-US" altLang="zh-CN" dirty="0" err="1"/>
-              <a:t>MySnapshot</a:t>
-            </a:r>
-            <a:r>
-              <a:rPr lang="en-US" altLang="zh-CN" dirty="0"/>
-              <a:t> -copy-from hdfs://srv2:8082/hbase \        -copy-to hdfs://srv1:50070/hbase -mappers 16 -bandwidth  1024\</a:t>
-            </a:r>
-            <a:endParaRPr lang="zh-CN" altLang="en-US" dirty="0"/>
+              <a:t>分析，比如审计报表、月度报表等</a:t>
+            </a:r>
           </a:p>
         </p:txBody>
       </p:sp>
     </p:spTree>
     <p:extLst>
       <p:ext uri="{BB962C8B-B14F-4D97-AF65-F5344CB8AC3E}">
-        <p14:creationId xmlns:p14="http://schemas.microsoft.com/office/powerpoint/2010/main" val="764204804"/>
+        <p14:creationId xmlns:p14="http://schemas.microsoft.com/office/powerpoint/2010/main" val="346614126"/>
       </p:ext>
     </p:extLst>
   </p:cSld>
@@ -21029,6 +22334,408 @@
       </p:par>
     </p:tnLst>
   </p:timing>
+</p:sld>
+</file>
+
+<file path=ppt/slides/slide50.xml><?xml version="1.0" encoding="utf-8"?>
+<p:sld xmlns:a="http://schemas.openxmlformats.org/drawingml/2006/main" xmlns:r="http://schemas.openxmlformats.org/officeDocument/2006/relationships" xmlns:p="http://schemas.openxmlformats.org/presentationml/2006/main">
+  <p:cSld>
+    <p:spTree>
+      <p:nvGrpSpPr>
+        <p:cNvPr id="1" name=""/>
+        <p:cNvGrpSpPr/>
+        <p:nvPr/>
+      </p:nvGrpSpPr>
+      <p:grpSpPr>
+        <a:xfrm>
+          <a:off x="0" y="0"/>
+          <a:ext cx="0" cy="0"/>
+          <a:chOff x="0" y="0"/>
+          <a:chExt cx="0" cy="0"/>
+        </a:xfrm>
+      </p:grpSpPr>
+      <p:sp>
+        <p:nvSpPr>
+          <p:cNvPr id="2" name="标题 1"/>
+          <p:cNvSpPr>
+            <a:spLocks noGrp="1"/>
+          </p:cNvSpPr>
+          <p:nvPr>
+            <p:ph type="title"/>
+          </p:nvPr>
+        </p:nvSpPr>
+        <p:spPr/>
+        <p:txBody>
+          <a:bodyPr/>
+          <a:lstStyle/>
+          <a:p>
+            <a:endParaRPr lang="zh-CN" altLang="en-US"/>
+          </a:p>
+        </p:txBody>
+      </p:sp>
+      <p:sp>
+        <p:nvSpPr>
+          <p:cNvPr id="4" name="矩形 3"/>
+          <p:cNvSpPr/>
+          <p:nvPr/>
+        </p:nvSpPr>
+        <p:spPr>
+          <a:xfrm>
+            <a:off x="911766" y="1490569"/>
+            <a:ext cx="9303388" cy="4247317"/>
+          </a:xfrm>
+          <a:prstGeom prst="rect">
+            <a:avLst/>
+          </a:prstGeom>
+        </p:spPr>
+        <p:txBody>
+          <a:bodyPr wrap="square">
+            <a:spAutoFit/>
+          </a:bodyPr>
+          <a:lstStyle/>
+          <a:p>
+            <a:r>
+              <a:rPr lang="en-US" altLang="zh-CN" dirty="0" err="1"/>
+              <a:t>hbase</a:t>
+            </a:r>
+            <a:r>
+              <a:rPr lang="en-US" altLang="zh-CN" dirty="0"/>
+              <a:t> snapshot</a:t>
+            </a:r>
+            <a:r>
+              <a:rPr lang="zh-CN" altLang="en-US" dirty="0"/>
+              <a:t>用法大全</a:t>
+            </a:r>
+            <a:r>
+              <a:rPr lang="en-US" altLang="zh-CN" dirty="0"/>
+              <a:t>snapshot</a:t>
+            </a:r>
+            <a:r>
+              <a:rPr lang="zh-CN" altLang="en-US" dirty="0"/>
+              <a:t>最常用的命令有</a:t>
+            </a:r>
+            <a:r>
+              <a:rPr lang="en-US" altLang="zh-CN" dirty="0"/>
+              <a:t>snapshot</a:t>
+            </a:r>
+            <a:r>
+              <a:rPr lang="zh-CN" altLang="en-US" dirty="0"/>
+              <a:t>、</a:t>
+            </a:r>
+            <a:r>
+              <a:rPr lang="en-US" altLang="zh-CN" dirty="0" err="1"/>
+              <a:t>restore_snapshot</a:t>
+            </a:r>
+            <a:r>
+              <a:rPr lang="zh-CN" altLang="en-US" dirty="0"/>
+              <a:t>、</a:t>
+            </a:r>
+            <a:r>
+              <a:rPr lang="en-US" altLang="zh-CN" dirty="0" err="1"/>
+              <a:t>clone_snapshot</a:t>
+            </a:r>
+            <a:r>
+              <a:rPr lang="zh-CN" altLang="en-US" dirty="0"/>
+              <a:t>以及</a:t>
+            </a:r>
+            <a:r>
+              <a:rPr lang="en-US" altLang="zh-CN" dirty="0" err="1"/>
+              <a:t>ExportSnapshot</a:t>
+            </a:r>
+            <a:r>
+              <a:rPr lang="zh-CN" altLang="en-US" dirty="0"/>
+              <a:t>这个工具，具体使用方法如下：</a:t>
+            </a:r>
+            <a:r>
+              <a:rPr lang="en-US" altLang="zh-CN" dirty="0"/>
+              <a:t>- </a:t>
+            </a:r>
+            <a:r>
+              <a:rPr lang="zh-CN" altLang="en-US" dirty="0"/>
+              <a:t>为表’</a:t>
+            </a:r>
+            <a:r>
+              <a:rPr lang="en-US" altLang="zh-CN" dirty="0" err="1"/>
+              <a:t>sourceTable</a:t>
+            </a:r>
+            <a:r>
+              <a:rPr lang="en-US" altLang="zh-CN" dirty="0"/>
+              <a:t>’</a:t>
+            </a:r>
+            <a:r>
+              <a:rPr lang="zh-CN" altLang="en-US" dirty="0"/>
+              <a:t>打一个快照’</a:t>
+            </a:r>
+            <a:r>
+              <a:rPr lang="en-US" altLang="zh-CN" dirty="0" err="1"/>
+              <a:t>snapshotName</a:t>
+            </a:r>
+            <a:r>
+              <a:rPr lang="en-US" altLang="zh-CN" dirty="0"/>
+              <a:t>’</a:t>
+            </a:r>
+            <a:r>
+              <a:rPr lang="zh-CN" altLang="en-US" dirty="0"/>
+              <a:t>，快照并不涉及数据移动，可以在线完成。    </a:t>
+            </a:r>
+            <a:r>
+              <a:rPr lang="en-US" altLang="zh-CN" dirty="0" err="1"/>
+              <a:t>hbase</a:t>
+            </a:r>
+            <a:r>
+              <a:rPr lang="en-US" altLang="zh-CN" dirty="0"/>
+              <a:t>&gt; snapshot '</a:t>
+            </a:r>
+            <a:r>
+              <a:rPr lang="en-US" altLang="zh-CN" dirty="0" err="1"/>
+              <a:t>sourceTable</a:t>
+            </a:r>
+            <a:r>
+              <a:rPr lang="en-US" altLang="zh-CN" dirty="0"/>
+              <a:t>', ‘</a:t>
+            </a:r>
+            <a:r>
+              <a:rPr lang="en-US" altLang="zh-CN" dirty="0" err="1"/>
+              <a:t>snapshotName</a:t>
+            </a:r>
+            <a:r>
+              <a:rPr lang="en-US" altLang="zh-CN" dirty="0"/>
+              <a:t>'- </a:t>
+            </a:r>
+            <a:r>
+              <a:rPr lang="zh-CN" altLang="en-US" dirty="0"/>
+              <a:t>恢复指定快照，恢复过程会替代原有数据，将表还原到快照点，快照点之后的所有更新将会丢失。需要注意的是原表需要先</a:t>
+            </a:r>
+            <a:r>
+              <a:rPr lang="en-US" altLang="zh-CN" dirty="0"/>
+              <a:t>disable</a:t>
+            </a:r>
+            <a:r>
+              <a:rPr lang="zh-CN" altLang="en-US" dirty="0"/>
+              <a:t>掉，才能执行</a:t>
+            </a:r>
+            <a:r>
+              <a:rPr lang="en-US" altLang="zh-CN" dirty="0" err="1"/>
+              <a:t>restore_snapshot</a:t>
+            </a:r>
+            <a:r>
+              <a:rPr lang="zh-CN" altLang="en-US" dirty="0"/>
+              <a:t>操作。    </a:t>
+            </a:r>
+            <a:r>
+              <a:rPr lang="en-US" altLang="zh-CN" dirty="0" err="1"/>
+              <a:t>hbase</a:t>
+            </a:r>
+            <a:r>
+              <a:rPr lang="en-US" altLang="zh-CN" dirty="0"/>
+              <a:t>&gt; </a:t>
+            </a:r>
+            <a:r>
+              <a:rPr lang="en-US" altLang="zh-CN" dirty="0" err="1"/>
+              <a:t>restore_snapshot</a:t>
+            </a:r>
+            <a:r>
+              <a:rPr lang="en-US" altLang="zh-CN" dirty="0"/>
+              <a:t> ‘</a:t>
+            </a:r>
+            <a:r>
+              <a:rPr lang="en-US" altLang="zh-CN" dirty="0" err="1"/>
+              <a:t>snapshotName</a:t>
+            </a:r>
+            <a:r>
+              <a:rPr lang="en-US" altLang="zh-CN" dirty="0"/>
+              <a:t>'- </a:t>
+            </a:r>
+            <a:r>
+              <a:rPr lang="zh-CN" altLang="en-US" dirty="0"/>
+              <a:t>根据快照恢复出一个新表，恢复过程不涉及数据移动，可以在秒级完成。很好奇是怎么做的吧，且听下文分解。    </a:t>
+            </a:r>
+            <a:r>
+              <a:rPr lang="en-US" altLang="zh-CN" dirty="0" err="1"/>
+              <a:t>hbase</a:t>
+            </a:r>
+            <a:r>
+              <a:rPr lang="en-US" altLang="zh-CN" dirty="0"/>
+              <a:t>&gt; </a:t>
+            </a:r>
+            <a:r>
+              <a:rPr lang="en-US" altLang="zh-CN" dirty="0" err="1"/>
+              <a:t>clone_snapshot</a:t>
+            </a:r>
+            <a:r>
+              <a:rPr lang="en-US" altLang="zh-CN" dirty="0"/>
+              <a:t> '</a:t>
+            </a:r>
+            <a:r>
+              <a:rPr lang="en-US" altLang="zh-CN" dirty="0" err="1"/>
+              <a:t>snapshotName</a:t>
+            </a:r>
+            <a:r>
+              <a:rPr lang="en-US" altLang="zh-CN" dirty="0"/>
+              <a:t>', ‘</a:t>
+            </a:r>
+            <a:r>
+              <a:rPr lang="en-US" altLang="zh-CN" dirty="0" err="1"/>
+              <a:t>tableName</a:t>
+            </a:r>
+            <a:r>
+              <a:rPr lang="en-US" altLang="zh-CN" dirty="0"/>
+              <a:t>'- </a:t>
+            </a:r>
+            <a:r>
+              <a:rPr lang="zh-CN" altLang="en-US" dirty="0"/>
+              <a:t>使用</a:t>
+            </a:r>
+            <a:r>
+              <a:rPr lang="en-US" altLang="zh-CN" dirty="0" err="1"/>
+              <a:t>ExportSnapshot</a:t>
+            </a:r>
+            <a:r>
+              <a:rPr lang="zh-CN" altLang="en-US" dirty="0"/>
+              <a:t>命令可以将</a:t>
+            </a:r>
+            <a:r>
+              <a:rPr lang="en-US" altLang="zh-CN" dirty="0"/>
+              <a:t>A</a:t>
+            </a:r>
+            <a:r>
+              <a:rPr lang="zh-CN" altLang="en-US" dirty="0"/>
+              <a:t>集群的快照数据迁移到</a:t>
+            </a:r>
+            <a:r>
+              <a:rPr lang="en-US" altLang="zh-CN" dirty="0"/>
+              <a:t>B</a:t>
+            </a:r>
+            <a:r>
+              <a:rPr lang="zh-CN" altLang="en-US" dirty="0"/>
+              <a:t>集群，</a:t>
+            </a:r>
+            <a:r>
+              <a:rPr lang="en-US" altLang="zh-CN" dirty="0" err="1"/>
+              <a:t>ExportSnapshot</a:t>
+            </a:r>
+            <a:r>
+              <a:rPr lang="zh-CN" altLang="en-US" dirty="0"/>
+              <a:t>是</a:t>
+            </a:r>
+            <a:r>
+              <a:rPr lang="en-US" altLang="zh-CN" dirty="0"/>
+              <a:t>HDFS</a:t>
+            </a:r>
+            <a:r>
+              <a:rPr lang="zh-CN" altLang="en-US" dirty="0"/>
+              <a:t>层面的操作，会使用</a:t>
+            </a:r>
+            <a:r>
+              <a:rPr lang="en-US" altLang="zh-CN" dirty="0"/>
+              <a:t>MR</a:t>
+            </a:r>
+            <a:r>
+              <a:rPr lang="zh-CN" altLang="en-US" dirty="0"/>
+              <a:t>进行数据的并行迁移，因此需要在开启</a:t>
+            </a:r>
+            <a:r>
+              <a:rPr lang="en-US" altLang="zh-CN" dirty="0"/>
+              <a:t>MR</a:t>
+            </a:r>
+            <a:r>
+              <a:rPr lang="zh-CN" altLang="en-US" dirty="0"/>
+              <a:t>的机器上进行迁移。</a:t>
+            </a:r>
+            <a:r>
+              <a:rPr lang="en-US" altLang="zh-CN" dirty="0" err="1"/>
+              <a:t>HMaster</a:t>
+            </a:r>
+            <a:r>
+              <a:rPr lang="zh-CN" altLang="en-US" dirty="0"/>
+              <a:t>和</a:t>
+            </a:r>
+            <a:r>
+              <a:rPr lang="en-US" altLang="zh-CN" dirty="0" err="1"/>
+              <a:t>HRegionServer</a:t>
+            </a:r>
+            <a:r>
+              <a:rPr lang="zh-CN" altLang="en-US" dirty="0"/>
+              <a:t>并不参与这个过程，因此不会带来额外的内存开销以及</a:t>
+            </a:r>
+            <a:r>
+              <a:rPr lang="en-US" altLang="zh-CN" dirty="0"/>
+              <a:t>GC</a:t>
+            </a:r>
+            <a:r>
+              <a:rPr lang="zh-CN" altLang="en-US" dirty="0"/>
+              <a:t>开销。唯一的影响是</a:t>
+            </a:r>
+            <a:r>
+              <a:rPr lang="en-US" altLang="zh-CN" dirty="0"/>
+              <a:t>DN</a:t>
+            </a:r>
+            <a:r>
+              <a:rPr lang="zh-CN" altLang="en-US" dirty="0"/>
+              <a:t>在拷贝数据的时候需要额外的带宽以及</a:t>
+            </a:r>
+            <a:r>
+              <a:rPr lang="en-US" altLang="zh-CN" dirty="0"/>
+              <a:t>IO</a:t>
+            </a:r>
+            <a:r>
+              <a:rPr lang="zh-CN" altLang="en-US" dirty="0"/>
+              <a:t>负载，</a:t>
+            </a:r>
+            <a:r>
+              <a:rPr lang="en-US" altLang="zh-CN" dirty="0" err="1"/>
+              <a:t>ExportSnapshot</a:t>
+            </a:r>
+            <a:r>
+              <a:rPr lang="zh-CN" altLang="en-US" dirty="0"/>
+              <a:t>也针对这个问题设置了参数</a:t>
+            </a:r>
+            <a:r>
+              <a:rPr lang="en-US" altLang="zh-CN" dirty="0"/>
+              <a:t>-bandwidth</a:t>
+            </a:r>
+            <a:r>
+              <a:rPr lang="zh-CN" altLang="en-US" dirty="0"/>
+              <a:t>来限制带宽的使用。    </a:t>
+            </a:r>
+            <a:r>
+              <a:rPr lang="en-US" altLang="zh-CN" dirty="0" err="1"/>
+              <a:t>hbase</a:t>
+            </a:r>
+            <a:r>
+              <a:rPr lang="en-US" altLang="zh-CN" dirty="0"/>
+              <a:t> </a:t>
+            </a:r>
+            <a:r>
+              <a:rPr lang="en-US" altLang="zh-CN" dirty="0" err="1"/>
+              <a:t>org.apache.hadoop.hbase.snapshot.ExportSnapshot</a:t>
+            </a:r>
+            <a:r>
+              <a:rPr lang="en-US" altLang="zh-CN" dirty="0"/>
+              <a:t> \        -snapshot </a:t>
+            </a:r>
+            <a:r>
+              <a:rPr lang="en-US" altLang="zh-CN" dirty="0" err="1"/>
+              <a:t>MySnapshot</a:t>
+            </a:r>
+            <a:r>
+              <a:rPr lang="en-US" altLang="zh-CN" dirty="0"/>
+              <a:t> -copy-from hdfs://srv2:8082/hbase \        -copy-to hdfs://srv1:50070/hbase -mappers 16 -bandwidth  1024\</a:t>
+            </a:r>
+            <a:endParaRPr lang="zh-CN" altLang="en-US" dirty="0"/>
+          </a:p>
+        </p:txBody>
+      </p:sp>
+    </p:spTree>
+    <p:extLst>
+      <p:ext uri="{BB962C8B-B14F-4D97-AF65-F5344CB8AC3E}">
+        <p14:creationId xmlns:p14="http://schemas.microsoft.com/office/powerpoint/2010/main" val="764204804"/>
+      </p:ext>
+    </p:extLst>
+  </p:cSld>
+  <p:clrMapOvr>
+    <a:masterClrMapping/>
+  </p:clrMapOvr>
 </p:sld>
 </file>
 

--- a/_posts/Hbase基本原理副本.pptx
+++ b/_posts/Hbase基本原理副本.pptx
@@ -5,10 +5,10 @@
     <p:sldMasterId id="2147483660" r:id="rId1"/>
   </p:sldMasterIdLst>
   <p:notesMasterIdLst>
-    <p:notesMasterId r:id="rId56"/>
+    <p:notesMasterId r:id="rId55"/>
   </p:notesMasterIdLst>
   <p:handoutMasterIdLst>
-    <p:handoutMasterId r:id="rId57"/>
+    <p:handoutMasterId r:id="rId56"/>
   </p:handoutMasterIdLst>
   <p:sldIdLst>
     <p:sldId id="256" r:id="rId2"/>
@@ -47,24 +47,23 @@
     <p:sldId id="306" r:id="rId35"/>
     <p:sldId id="334" r:id="rId36"/>
     <p:sldId id="307" r:id="rId37"/>
-    <p:sldId id="308" r:id="rId38"/>
-    <p:sldId id="309" r:id="rId39"/>
-    <p:sldId id="310" r:id="rId40"/>
-    <p:sldId id="313" r:id="rId41"/>
-    <p:sldId id="314" r:id="rId42"/>
-    <p:sldId id="315" r:id="rId43"/>
-    <p:sldId id="316" r:id="rId44"/>
-    <p:sldId id="317" r:id="rId45"/>
-    <p:sldId id="311" r:id="rId46"/>
-    <p:sldId id="318" r:id="rId47"/>
-    <p:sldId id="319" r:id="rId48"/>
-    <p:sldId id="320" r:id="rId49"/>
-    <p:sldId id="321" r:id="rId50"/>
-    <p:sldId id="312" r:id="rId51"/>
-    <p:sldId id="322" r:id="rId52"/>
-    <p:sldId id="323" r:id="rId53"/>
-    <p:sldId id="324" r:id="rId54"/>
-    <p:sldId id="325" r:id="rId55"/>
+    <p:sldId id="313" r:id="rId38"/>
+    <p:sldId id="335" r:id="rId39"/>
+    <p:sldId id="336" r:id="rId40"/>
+    <p:sldId id="314" r:id="rId41"/>
+    <p:sldId id="315" r:id="rId42"/>
+    <p:sldId id="316" r:id="rId43"/>
+    <p:sldId id="317" r:id="rId44"/>
+    <p:sldId id="311" r:id="rId45"/>
+    <p:sldId id="318" r:id="rId46"/>
+    <p:sldId id="319" r:id="rId47"/>
+    <p:sldId id="320" r:id="rId48"/>
+    <p:sldId id="321" r:id="rId49"/>
+    <p:sldId id="312" r:id="rId50"/>
+    <p:sldId id="322" r:id="rId51"/>
+    <p:sldId id="323" r:id="rId52"/>
+    <p:sldId id="324" r:id="rId53"/>
+    <p:sldId id="325" r:id="rId54"/>
   </p:sldIdLst>
   <p:sldSz cx="12192000" cy="6858000"/>
   <p:notesSz cx="6858000" cy="9144000"/>
@@ -208,10 +207,9 @@
             <p14:sldId id="306"/>
             <p14:sldId id="334"/>
             <p14:sldId id="307"/>
-            <p14:sldId id="308"/>
-            <p14:sldId id="309"/>
-            <p14:sldId id="310"/>
             <p14:sldId id="313"/>
+            <p14:sldId id="335"/>
+            <p14:sldId id="336"/>
             <p14:sldId id="314"/>
             <p14:sldId id="315"/>
             <p14:sldId id="316"/>
@@ -234,7 +232,7 @@
       </p14:sectionLst>
     </p:ext>
     <p:ext uri="{EFAFB233-063F-42B5-8137-9DF3F51BA10A}">
-      <p15:sldGuideLst xmlns:p15="http://schemas.microsoft.com/office/powerpoint/2012/main">
+      <p15:sldGuideLst xmlns:p15="http://schemas.microsoft.com/office/powerpoint/2012/main" xmlns="">
         <p15:guide id="1" orient="horz" pos="2160" userDrawn="1">
           <p15:clr>
             <a:srgbClr val="A4A3A4"/>
@@ -248,7 +246,7 @@
       </p15:sldGuideLst>
     </p:ext>
     <p:ext uri="{2D200454-40CA-4A62-9FC3-DE9A4176ACB9}">
-      <p15:notesGuideLst xmlns:p15="http://schemas.microsoft.com/office/powerpoint/2012/main"/>
+      <p15:notesGuideLst xmlns:p15="http://schemas.microsoft.com/office/powerpoint/2012/main" xmlns=""/>
     </p:ext>
   </p:extLst>
 </p:presentation>
@@ -354,7 +352,7 @@
                 <a:latin typeface="微软雅黑" panose="020B0503020204020204" pitchFamily="34" charset="-122"/>
                 <a:ea typeface="微软雅黑" panose="020B0503020204020204" pitchFamily="34" charset="-122"/>
               </a:rPr>
-              <a:t>2018年11月13日</a:t>
+              <a:t>2018年11月13日星期二</a:t>
             </a:fld>
             <a:endParaRPr lang="en-US" dirty="0">
               <a:latin typeface="微软雅黑" panose="020B0503020204020204" pitchFamily="34" charset="-122"/>
@@ -541,7 +539,7 @@
             <a:fld id="{10717CCD-7153-4CFA-8FE4-043AE2A91A48}" type="datetime2">
               <a:rPr lang="zh-CN" altLang="en-US" smtClean="0"/>
               <a:pPr/>
-              <a:t>2018年11月13日</a:t>
+              <a:t>2018年11月13日星期二</a:t>
             </a:fld>
             <a:endParaRPr lang="en-US" dirty="0"/>
           </a:p>
@@ -2387,7 +2385,7 @@
           <a:p>
             <a:fld id="{B6646B47-A73D-4F6F-AD82-C99F4E62F746}" type="datetime2">
               <a:rPr lang="zh-CN" altLang="en-US" smtClean="0"/>
-              <a:t>2018年11月13日</a:t>
+              <a:t>2018年11月13日星期二</a:t>
             </a:fld>
             <a:endParaRPr lang="en-US" dirty="0"/>
           </a:p>
@@ -3071,7 +3069,7 @@
           <a:p>
             <a:fld id="{9A0CFC2C-DA54-4396-A846-1816F2961B91}" type="datetime2">
               <a:rPr lang="zh-CN" altLang="en-US" smtClean="0"/>
-              <a:t>2018年11月13日</a:t>
+              <a:t>2018年11月13日星期二</a:t>
             </a:fld>
             <a:endParaRPr lang="en-US" dirty="0"/>
           </a:p>
@@ -3648,7 +3646,7 @@
   <p:timing>
     <p:tnLst>
       <p:par>
-        <p:cTn id="1" dur="indefinite" restart="never" nodeType="tmRoot"/>
+        <p:cTn xmlns:p14="http://schemas.microsoft.com/office/powerpoint/2010/main" id="1" dur="indefinite" restart="never" nodeType="tmRoot"/>
       </p:par>
     </p:tnLst>
   </p:timing>
@@ -3972,7 +3970,7 @@
   <p:timing>
     <p:tnLst>
       <p:par>
-        <p:cTn id="1" dur="indefinite" restart="never" nodeType="tmRoot"/>
+        <p:cTn xmlns:p14="http://schemas.microsoft.com/office/powerpoint/2010/main" id="1" dur="indefinite" restart="never" nodeType="tmRoot"/>
       </p:par>
     </p:tnLst>
   </p:timing>
@@ -4205,7 +4203,7 @@
   <p:timing>
     <p:tnLst>
       <p:par>
-        <p:cTn id="1" dur="indefinite" restart="never" nodeType="tmRoot"/>
+        <p:cTn xmlns:p14="http://schemas.microsoft.com/office/powerpoint/2010/main" id="1" dur="indefinite" restart="never" nodeType="tmRoot"/>
       </p:par>
     </p:tnLst>
   </p:timing>
@@ -4523,7 +4521,7 @@
   <p:timing>
     <p:tnLst>
       <p:par>
-        <p:cTn id="1" dur="indefinite" restart="never" nodeType="tmRoot"/>
+        <p:cTn xmlns:p14="http://schemas.microsoft.com/office/powerpoint/2010/main" id="1" dur="indefinite" restart="never" nodeType="tmRoot"/>
       </p:par>
     </p:tnLst>
   </p:timing>
@@ -4833,7 +4831,7 @@
   <p:timing>
     <p:tnLst>
       <p:par>
-        <p:cTn id="1" dur="indefinite" restart="never" nodeType="tmRoot"/>
+        <p:cTn xmlns:p14="http://schemas.microsoft.com/office/powerpoint/2010/main" id="1" dur="indefinite" restart="never" nodeType="tmRoot"/>
       </p:par>
     </p:tnLst>
   </p:timing>
@@ -4941,7 +4939,7 @@
   <p:timing>
     <p:tnLst>
       <p:par>
-        <p:cTn id="1" dur="indefinite" restart="never" nodeType="tmRoot"/>
+        <p:cTn xmlns:p14="http://schemas.microsoft.com/office/powerpoint/2010/main" id="1" dur="indefinite" restart="never" nodeType="tmRoot"/>
       </p:par>
     </p:tnLst>
   </p:timing>
@@ -9905,7 +9903,7 @@
   <p:timing>
     <p:tnLst>
       <p:par>
-        <p:cTn id="1" dur="indefinite" restart="never" nodeType="tmRoot"/>
+        <p:cTn xmlns:p14="http://schemas.microsoft.com/office/powerpoint/2010/main" id="1" dur="indefinite" restart="never" nodeType="tmRoot"/>
       </p:par>
     </p:tnLst>
   </p:timing>
@@ -12920,14 +12918,7 @@
                 <a:latin typeface="仿宋" panose="02010609060101010101" pitchFamily="49" charset="-122"/>
                 <a:ea typeface="仿宋" panose="02010609060101010101" pitchFamily="49" charset="-122"/>
               </a:rPr>
-              <a:t>备注</a:t>
-            </a:r>
-            <a:r>
-              <a:rPr lang="en-US" altLang="en-US" sz="1400" dirty="0" err="1" smtClean="0">
-                <a:latin typeface="仿宋" panose="02010609060101010101" pitchFamily="49" charset="-122"/>
-                <a:ea typeface="仿宋" panose="02010609060101010101" pitchFamily="49" charset="-122"/>
-              </a:rPr>
-              <a:t>：对于是否此时</a:t>
+              <a:t>备注：对于是否此时</a:t>
             </a:r>
             <a:r>
               <a:rPr lang="zh-CN" altLang="en-US" sz="1400" dirty="0" smtClean="0">
@@ -13349,7 +13340,17 @@
                 <a:latin typeface="仿宋" panose="02010609060101010101" pitchFamily="49" charset="-122"/>
                 <a:ea typeface="仿宋" panose="02010609060101010101" pitchFamily="49" charset="-122"/>
               </a:rPr>
-              <a:t>备注</a:t>
+              <a:t>备注：第</a:t>
+            </a:r>
+            <a:r>
+              <a:rPr lang="en-US" altLang="zh-CN" sz="1400" dirty="0" smtClean="0">
+                <a:solidFill>
+                  <a:srgbClr val="C55A11"/>
+                </a:solidFill>
+                <a:latin typeface="仿宋" panose="02010609060101010101" pitchFamily="49" charset="-122"/>
+                <a:ea typeface="仿宋" panose="02010609060101010101" pitchFamily="49" charset="-122"/>
+              </a:rPr>
+              <a:t>4</a:t>
             </a:r>
             <a:r>
               <a:rPr lang="zh-CN" altLang="en-US" sz="1400" dirty="0" smtClean="0">
@@ -13359,7 +13360,17 @@
                 <a:latin typeface="仿宋" panose="02010609060101010101" pitchFamily="49" charset="-122"/>
                 <a:ea typeface="仿宋" panose="02010609060101010101" pitchFamily="49" charset="-122"/>
               </a:rPr>
-              <a:t>：</a:t>
+              <a:t>步和第</a:t>
+            </a:r>
+            <a:r>
+              <a:rPr lang="en-US" altLang="zh-CN" sz="1400" dirty="0" smtClean="0">
+                <a:solidFill>
+                  <a:srgbClr val="C55A11"/>
+                </a:solidFill>
+                <a:latin typeface="仿宋" panose="02010609060101010101" pitchFamily="49" charset="-122"/>
+                <a:ea typeface="仿宋" panose="02010609060101010101" pitchFamily="49" charset="-122"/>
+              </a:rPr>
+              <a:t>5</a:t>
             </a:r>
             <a:r>
               <a:rPr lang="zh-CN" altLang="en-US" sz="1400" dirty="0" smtClean="0">
@@ -13369,7 +13380,7 @@
                 <a:latin typeface="仿宋" panose="02010609060101010101" pitchFamily="49" charset="-122"/>
                 <a:ea typeface="仿宋" panose="02010609060101010101" pitchFamily="49" charset="-122"/>
               </a:rPr>
-              <a:t>第</a:t>
+              <a:t>步看网上讨论，在不同的版本中有不同的顺序，但是在</a:t>
             </a:r>
             <a:r>
               <a:rPr lang="en-US" altLang="zh-CN" sz="1400" dirty="0" smtClean="0">
@@ -13379,7 +13390,7 @@
                 <a:latin typeface="仿宋" panose="02010609060101010101" pitchFamily="49" charset="-122"/>
                 <a:ea typeface="仿宋" panose="02010609060101010101" pitchFamily="49" charset="-122"/>
               </a:rPr>
-              <a:t>4</a:t>
+              <a:t>Hbase2.0</a:t>
             </a:r>
             <a:r>
               <a:rPr lang="zh-CN" altLang="en-US" sz="1400" dirty="0" smtClean="0">
@@ -13389,7 +13400,17 @@
                 <a:latin typeface="仿宋" panose="02010609060101010101" pitchFamily="49" charset="-122"/>
                 <a:ea typeface="仿宋" panose="02010609060101010101" pitchFamily="49" charset="-122"/>
               </a:rPr>
-              <a:t>步</a:t>
+              <a:t>版本中，是</a:t>
+            </a:r>
+            <a:r>
+              <a:rPr lang="en-US" altLang="zh-CN" sz="1400" dirty="0" smtClean="0">
+                <a:solidFill>
+                  <a:srgbClr val="C55A11"/>
+                </a:solidFill>
+                <a:latin typeface="仿宋" panose="02010609060101010101" pitchFamily="49" charset="-122"/>
+                <a:ea typeface="仿宋" panose="02010609060101010101" pitchFamily="49" charset="-122"/>
+              </a:rPr>
+              <a:t>4</a:t>
             </a:r>
             <a:r>
               <a:rPr lang="zh-CN" altLang="en-US" sz="1400" dirty="0" smtClean="0">
@@ -13399,7 +13420,17 @@
                 <a:latin typeface="仿宋" panose="02010609060101010101" pitchFamily="49" charset="-122"/>
                 <a:ea typeface="仿宋" panose="02010609060101010101" pitchFamily="49" charset="-122"/>
               </a:rPr>
-              <a:t>和</a:t>
+              <a:t>在前，</a:t>
+            </a:r>
+            <a:r>
+              <a:rPr lang="en-US" altLang="zh-CN" sz="1400" dirty="0" smtClean="0">
+                <a:solidFill>
+                  <a:srgbClr val="C55A11"/>
+                </a:solidFill>
+                <a:latin typeface="仿宋" panose="02010609060101010101" pitchFamily="49" charset="-122"/>
+                <a:ea typeface="仿宋" panose="02010609060101010101" pitchFamily="49" charset="-122"/>
+              </a:rPr>
+              <a:t>5</a:t>
             </a:r>
             <a:r>
               <a:rPr lang="zh-CN" altLang="en-US" sz="1400" dirty="0" smtClean="0">
@@ -13409,137 +13440,7 @@
                 <a:latin typeface="仿宋" panose="02010609060101010101" pitchFamily="49" charset="-122"/>
                 <a:ea typeface="仿宋" panose="02010609060101010101" pitchFamily="49" charset="-122"/>
               </a:rPr>
-              <a:t>第</a:t>
-            </a:r>
-            <a:r>
-              <a:rPr lang="en-US" altLang="zh-CN" sz="1400" dirty="0" smtClean="0">
-                <a:solidFill>
-                  <a:srgbClr val="C55A11"/>
-                </a:solidFill>
-                <a:latin typeface="仿宋" panose="02010609060101010101" pitchFamily="49" charset="-122"/>
-                <a:ea typeface="仿宋" panose="02010609060101010101" pitchFamily="49" charset="-122"/>
-              </a:rPr>
-              <a:t>5</a:t>
-            </a:r>
-            <a:r>
-              <a:rPr lang="zh-CN" altLang="en-US" sz="1400" dirty="0" smtClean="0">
-                <a:solidFill>
-                  <a:srgbClr val="C55A11"/>
-                </a:solidFill>
-                <a:latin typeface="仿宋" panose="02010609060101010101" pitchFamily="49" charset="-122"/>
-                <a:ea typeface="仿宋" panose="02010609060101010101" pitchFamily="49" charset="-122"/>
-              </a:rPr>
-              <a:t>步</a:t>
-            </a:r>
-            <a:r>
-              <a:rPr lang="zh-CN" altLang="en-US" sz="1400" dirty="0" smtClean="0">
-                <a:solidFill>
-                  <a:srgbClr val="C55A11"/>
-                </a:solidFill>
-                <a:latin typeface="仿宋" panose="02010609060101010101" pitchFamily="49" charset="-122"/>
-                <a:ea typeface="仿宋" panose="02010609060101010101" pitchFamily="49" charset="-122"/>
-              </a:rPr>
-              <a:t>看网上讨论，在不同的版本中有不同的顺序，但是在</a:t>
-            </a:r>
-            <a:r>
-              <a:rPr lang="en-US" altLang="zh-CN" sz="1400" dirty="0" smtClean="0">
-                <a:solidFill>
-                  <a:srgbClr val="C55A11"/>
-                </a:solidFill>
-                <a:latin typeface="仿宋" panose="02010609060101010101" pitchFamily="49" charset="-122"/>
-                <a:ea typeface="仿宋" panose="02010609060101010101" pitchFamily="49" charset="-122"/>
-              </a:rPr>
-              <a:t>Hbase2.0</a:t>
-            </a:r>
-            <a:r>
-              <a:rPr lang="zh-CN" altLang="en-US" sz="1400" dirty="0" smtClean="0">
-                <a:solidFill>
-                  <a:srgbClr val="C55A11"/>
-                </a:solidFill>
-                <a:latin typeface="仿宋" panose="02010609060101010101" pitchFamily="49" charset="-122"/>
-                <a:ea typeface="仿宋" panose="02010609060101010101" pitchFamily="49" charset="-122"/>
-              </a:rPr>
-              <a:t>版本中，</a:t>
-            </a:r>
-            <a:r>
-              <a:rPr lang="zh-CN" altLang="en-US" sz="1400" dirty="0" smtClean="0">
-                <a:solidFill>
-                  <a:srgbClr val="C55A11"/>
-                </a:solidFill>
-                <a:latin typeface="仿宋" panose="02010609060101010101" pitchFamily="49" charset="-122"/>
-                <a:ea typeface="仿宋" panose="02010609060101010101" pitchFamily="49" charset="-122"/>
-              </a:rPr>
-              <a:t>是</a:t>
-            </a:r>
-            <a:r>
-              <a:rPr lang="en-US" altLang="zh-CN" sz="1400" dirty="0" smtClean="0">
-                <a:solidFill>
-                  <a:srgbClr val="C55A11"/>
-                </a:solidFill>
-                <a:latin typeface="仿宋" panose="02010609060101010101" pitchFamily="49" charset="-122"/>
-                <a:ea typeface="仿宋" panose="02010609060101010101" pitchFamily="49" charset="-122"/>
-              </a:rPr>
-              <a:t>4</a:t>
-            </a:r>
-            <a:r>
-              <a:rPr lang="zh-CN" altLang="en-US" sz="1400" dirty="0" smtClean="0">
-                <a:solidFill>
-                  <a:srgbClr val="C55A11"/>
-                </a:solidFill>
-                <a:latin typeface="仿宋" panose="02010609060101010101" pitchFamily="49" charset="-122"/>
-                <a:ea typeface="仿宋" panose="02010609060101010101" pitchFamily="49" charset="-122"/>
-              </a:rPr>
-              <a:t>在</a:t>
-            </a:r>
-            <a:r>
-              <a:rPr lang="zh-CN" altLang="en-US" sz="1400" dirty="0" smtClean="0">
-                <a:solidFill>
-                  <a:srgbClr val="C55A11"/>
-                </a:solidFill>
-                <a:latin typeface="仿宋" panose="02010609060101010101" pitchFamily="49" charset="-122"/>
-                <a:ea typeface="仿宋" panose="02010609060101010101" pitchFamily="49" charset="-122"/>
-              </a:rPr>
-              <a:t>前</a:t>
-            </a:r>
-            <a:r>
-              <a:rPr lang="zh-CN" altLang="en-US" sz="1400" dirty="0" smtClean="0">
-                <a:solidFill>
-                  <a:srgbClr val="C55A11"/>
-                </a:solidFill>
-                <a:latin typeface="仿宋" panose="02010609060101010101" pitchFamily="49" charset="-122"/>
-                <a:ea typeface="仿宋" panose="02010609060101010101" pitchFamily="49" charset="-122"/>
-              </a:rPr>
-              <a:t>，</a:t>
-            </a:r>
-            <a:r>
-              <a:rPr lang="en-US" altLang="zh-CN" sz="1400" dirty="0" smtClean="0">
-                <a:solidFill>
-                  <a:srgbClr val="C55A11"/>
-                </a:solidFill>
-                <a:latin typeface="仿宋" panose="02010609060101010101" pitchFamily="49" charset="-122"/>
-                <a:ea typeface="仿宋" panose="02010609060101010101" pitchFamily="49" charset="-122"/>
-              </a:rPr>
-              <a:t>5</a:t>
-            </a:r>
-            <a:r>
-              <a:rPr lang="zh-CN" altLang="en-US" sz="1400" dirty="0" smtClean="0">
-                <a:solidFill>
-                  <a:srgbClr val="C55A11"/>
-                </a:solidFill>
-                <a:latin typeface="仿宋" panose="02010609060101010101" pitchFamily="49" charset="-122"/>
-                <a:ea typeface="仿宋" panose="02010609060101010101" pitchFamily="49" charset="-122"/>
-              </a:rPr>
-              <a:t>在</a:t>
-            </a:r>
-            <a:r>
-              <a:rPr lang="zh-CN" altLang="en-US" sz="1400" dirty="0" smtClean="0">
-                <a:solidFill>
-                  <a:srgbClr val="C55A11"/>
-                </a:solidFill>
-                <a:latin typeface="仿宋" panose="02010609060101010101" pitchFamily="49" charset="-122"/>
-                <a:ea typeface="仿宋" panose="02010609060101010101" pitchFamily="49" charset="-122"/>
-              </a:rPr>
-              <a:t>后，符合常规逻辑。</a:t>
+              <a:t>在后，符合常规逻辑。</a:t>
             </a:r>
             <a:endParaRPr lang="en-US" altLang="zh-CN" sz="1400" dirty="0" smtClean="0">
               <a:solidFill>
@@ -13739,14 +13640,7 @@
                 <a:latin typeface="仿宋" panose="02010609060101010101" pitchFamily="49" charset="-122"/>
                 <a:ea typeface="仿宋" panose="02010609060101010101" pitchFamily="49" charset="-122"/>
               </a:rPr>
-              <a:t>，当写缓存</a:t>
-            </a:r>
-            <a:r>
-              <a:rPr lang="zh-CN" altLang="en-US" sz="1400" dirty="0" smtClean="0">
-                <a:latin typeface="仿宋" panose="02010609060101010101" pitchFamily="49" charset="-122"/>
-                <a:ea typeface="仿宋" panose="02010609060101010101" pitchFamily="49" charset="-122"/>
-              </a:rPr>
-              <a:t>满达到配置项大小之后</a:t>
+              <a:t>，当写缓存满达到配置项大小之后</a:t>
             </a:r>
             <a:r>
               <a:rPr lang="zh-CN" altLang="en-US" sz="1400" dirty="0">
@@ -15450,14 +15344,7 @@
                 <a:latin typeface="仿宋" panose="02010609060101010101" pitchFamily="49" charset="-122"/>
                 <a:ea typeface="仿宋" panose="02010609060101010101" pitchFamily="49" charset="-122"/>
               </a:rPr>
-              <a:t>cluster is started</a:t>
-            </a:r>
-            <a:r>
-              <a:rPr lang="en-US" altLang="zh-CN" sz="1400" dirty="0">
-                <a:latin typeface="仿宋" panose="02010609060101010101" pitchFamily="49" charset="-122"/>
-                <a:ea typeface="仿宋" panose="02010609060101010101" pitchFamily="49" charset="-122"/>
-              </a:rPr>
-              <a:t> </a:t>
+              <a:t>cluster is started </a:t>
             </a:r>
             <a:br>
               <a:rPr lang="en-US" altLang="zh-CN" sz="1400" dirty="0">
@@ -15577,14 +15464,7 @@
                 <a:latin typeface="仿宋" panose="02010609060101010101" pitchFamily="49" charset="-122"/>
                 <a:ea typeface="仿宋" panose="02010609060101010101" pitchFamily="49" charset="-122"/>
               </a:rPr>
-              <a:t>as tasks.</a:t>
-            </a:r>
-            <a:r>
-              <a:rPr lang="en-US" altLang="zh-CN" sz="1400" dirty="0">
-                <a:latin typeface="仿宋" panose="02010609060101010101" pitchFamily="49" charset="-122"/>
-                <a:ea typeface="仿宋" panose="02010609060101010101" pitchFamily="49" charset="-122"/>
-              </a:rPr>
-              <a:t> </a:t>
+              <a:t>as tasks. </a:t>
             </a:r>
             <a:br>
               <a:rPr lang="en-US" altLang="zh-CN" sz="1400" dirty="0">
@@ -15617,14 +15497,7 @@
                 <a:latin typeface="仿宋" panose="02010609060101010101" pitchFamily="49" charset="-122"/>
                 <a:ea typeface="仿宋" panose="02010609060101010101" pitchFamily="49" charset="-122"/>
               </a:rPr>
-              <a:t>split log manager monitors the log-splitting tasks and workers.</a:t>
-            </a:r>
-            <a:r>
-              <a:rPr lang="en-US" altLang="zh-CN" sz="1400" dirty="0">
-                <a:latin typeface="仿宋" panose="02010609060101010101" pitchFamily="49" charset="-122"/>
-                <a:ea typeface="仿宋" panose="02010609060101010101" pitchFamily="49" charset="-122"/>
-              </a:rPr>
-              <a:t> </a:t>
+              <a:t>split log manager monitors the log-splitting tasks and workers. </a:t>
             </a:r>
             <a:endParaRPr lang="en-US" altLang="zh-CN" sz="1400" dirty="0" smtClean="0">
               <a:latin typeface="仿宋" panose="02010609060101010101" pitchFamily="49" charset="-122"/>
@@ -15658,14 +15531,7 @@
                 <a:latin typeface="仿宋" panose="02010609060101010101" pitchFamily="49" charset="-122"/>
                 <a:ea typeface="仿宋" panose="02010609060101010101" pitchFamily="49" charset="-122"/>
               </a:rPr>
-              <a:t> split log worker performs the log-splitting tasks.</a:t>
-            </a:r>
-            <a:r>
-              <a:rPr lang="en-US" altLang="zh-CN" sz="1400" dirty="0">
-                <a:latin typeface="仿宋" panose="02010609060101010101" pitchFamily="49" charset="-122"/>
-                <a:ea typeface="仿宋" panose="02010609060101010101" pitchFamily="49" charset="-122"/>
-              </a:rPr>
-              <a:t> </a:t>
+              <a:t> split log worker performs the log-splitting tasks. </a:t>
             </a:r>
             <a:endParaRPr lang="en-US" altLang="zh-CN" sz="1400" dirty="0" smtClean="0">
               <a:latin typeface="仿宋" panose="02010609060101010101" pitchFamily="49" charset="-122"/>
@@ -15692,14 +15558,7 @@
                 <a:latin typeface="仿宋" panose="02010609060101010101" pitchFamily="49" charset="-122"/>
                 <a:ea typeface="仿宋" panose="02010609060101010101" pitchFamily="49" charset="-122"/>
               </a:rPr>
-              <a:t>split log manager monitors for uncompleted tasks.</a:t>
-            </a:r>
-            <a:r>
-              <a:rPr lang="en-US" altLang="zh-CN" sz="1400" dirty="0">
-                <a:latin typeface="仿宋" panose="02010609060101010101" pitchFamily="49" charset="-122"/>
-                <a:ea typeface="仿宋" panose="02010609060101010101" pitchFamily="49" charset="-122"/>
-              </a:rPr>
-              <a:t> </a:t>
+              <a:t>split log manager monitors for uncompleted tasks. </a:t>
             </a:r>
             <a:br>
               <a:rPr lang="en-US" altLang="zh-CN" sz="1400" dirty="0">
@@ -17319,7 +17178,7 @@
   <p:timing>
     <p:tnLst>
       <p:par>
-        <p:cTn id="1" dur="indefinite" restart="never" nodeType="tmRoot"/>
+        <p:cTn xmlns:p14="http://schemas.microsoft.com/office/powerpoint/2010/main" id="1" dur="indefinite" restart="never" nodeType="tmRoot"/>
       </p:par>
     </p:tnLst>
   </p:timing>
@@ -17375,7 +17234,7 @@
         <p:spPr>
           <a:xfrm>
             <a:off x="521207" y="1168969"/>
-            <a:ext cx="10784102" cy="4401205"/>
+            <a:ext cx="10784102" cy="5245024"/>
           </a:xfrm>
           <a:prstGeom prst="rect">
             <a:avLst/>
@@ -17387,138 +17246,283 @@
           </a:bodyPr>
           <a:lstStyle/>
           <a:p>
-            <a:r>
-              <a:rPr lang="en-US" altLang="zh-CN" i="1" dirty="0" smtClean="0"/>
+            <a:pPr>
+              <a:lnSpc>
+                <a:spcPct val="150000"/>
+              </a:lnSpc>
+            </a:pPr>
+            <a:r>
+              <a:rPr lang="en-US" altLang="zh-CN" sz="1400" i="1" dirty="0" smtClean="0">
+                <a:latin typeface="仿宋"/>
+                <a:ea typeface="仿宋"/>
+                <a:cs typeface="仿宋"/>
+              </a:rPr>
               <a:t>How </a:t>
             </a:r>
             <a:r>
-              <a:rPr lang="en-US" altLang="zh-CN" i="1" dirty="0"/>
+              <a:rPr lang="en-US" altLang="zh-CN" sz="1400" i="1" dirty="0">
+                <a:latin typeface="仿宋"/>
+                <a:ea typeface="仿宋"/>
+                <a:cs typeface="仿宋"/>
+              </a:rPr>
               <a:t>the Split Log Worker Approaches a Task</a:t>
             </a:r>
             <a:br>
-              <a:rPr lang="en-US" altLang="zh-CN" i="1" dirty="0"/>
+              <a:rPr lang="en-US" altLang="zh-CN" sz="1400" i="1" dirty="0">
+                <a:latin typeface="仿宋"/>
+                <a:ea typeface="仿宋"/>
+                <a:cs typeface="仿宋"/>
+              </a:rPr>
             </a:br>
             <a:r>
-              <a:rPr lang="en-US" altLang="zh-CN" dirty="0"/>
+              <a:rPr lang="en-US" altLang="zh-CN" sz="1400" dirty="0">
+                <a:latin typeface="仿宋"/>
+                <a:ea typeface="仿宋"/>
+                <a:cs typeface="仿宋"/>
+              </a:rPr>
               <a:t>◦ It queries the task state and only takes action if the task is in `TASK_UNASSIGNED `state.</a:t>
             </a:r>
             <a:br>
-              <a:rPr lang="en-US" altLang="zh-CN" dirty="0"/>
+              <a:rPr lang="en-US" altLang="zh-CN" sz="1400" dirty="0">
+                <a:latin typeface="仿宋"/>
+                <a:ea typeface="仿宋"/>
+                <a:cs typeface="仿宋"/>
+              </a:rPr>
             </a:br>
             <a:r>
-              <a:rPr lang="en-US" altLang="zh-CN" dirty="0"/>
+              <a:rPr lang="en-US" altLang="zh-CN" sz="1400" dirty="0">
+                <a:latin typeface="仿宋"/>
+                <a:ea typeface="仿宋"/>
+                <a:cs typeface="仿宋"/>
+              </a:rPr>
               <a:t>◦ If the task is in TASK_UNASSIGNED state, the worker attempts to set the state to TASK_OWNED by</a:t>
             </a:r>
             <a:br>
-              <a:rPr lang="en-US" altLang="zh-CN" dirty="0"/>
+              <a:rPr lang="en-US" altLang="zh-CN" sz="1400" dirty="0">
+                <a:latin typeface="仿宋"/>
+                <a:ea typeface="仿宋"/>
+                <a:cs typeface="仿宋"/>
+              </a:rPr>
             </a:br>
             <a:r>
-              <a:rPr lang="en-US" altLang="zh-CN" dirty="0"/>
+              <a:rPr lang="en-US" altLang="zh-CN" sz="1400" dirty="0">
+                <a:latin typeface="仿宋"/>
+                <a:ea typeface="仿宋"/>
+                <a:cs typeface="仿宋"/>
+              </a:rPr>
               <a:t>itself. If it fails to set the state, another worker will try to grab it. The split log manager will</a:t>
             </a:r>
             <a:br>
-              <a:rPr lang="en-US" altLang="zh-CN" dirty="0"/>
+              <a:rPr lang="en-US" altLang="zh-CN" sz="1400" dirty="0">
+                <a:latin typeface="仿宋"/>
+                <a:ea typeface="仿宋"/>
+                <a:cs typeface="仿宋"/>
+              </a:rPr>
             </a:br>
             <a:r>
-              <a:rPr lang="en-US" altLang="zh-CN" dirty="0"/>
+              <a:rPr lang="en-US" altLang="zh-CN" sz="1400" dirty="0">
+                <a:latin typeface="仿宋"/>
+                <a:ea typeface="仿宋"/>
+                <a:cs typeface="仿宋"/>
+              </a:rPr>
               <a:t>also ask all workers to rescan later if the task remains unassigned.</a:t>
             </a:r>
             <a:br>
-              <a:rPr lang="en-US" altLang="zh-CN" dirty="0"/>
+              <a:rPr lang="en-US" altLang="zh-CN" sz="1400" dirty="0">
+                <a:latin typeface="仿宋"/>
+                <a:ea typeface="仿宋"/>
+                <a:cs typeface="仿宋"/>
+              </a:rPr>
             </a:br>
             <a:r>
-              <a:rPr lang="en-US" altLang="zh-CN" dirty="0"/>
+              <a:rPr lang="en-US" altLang="zh-CN" sz="1400" dirty="0">
+                <a:latin typeface="仿宋"/>
+                <a:ea typeface="仿宋"/>
+                <a:cs typeface="仿宋"/>
+              </a:rPr>
               <a:t>◦ If the worker succeeds in taking ownership of the task, it tries to get the task state again to</a:t>
             </a:r>
             <a:br>
-              <a:rPr lang="en-US" altLang="zh-CN" dirty="0"/>
+              <a:rPr lang="en-US" altLang="zh-CN" sz="1400" dirty="0">
+                <a:latin typeface="仿宋"/>
+                <a:ea typeface="仿宋"/>
+                <a:cs typeface="仿宋"/>
+              </a:rPr>
             </a:br>
             <a:r>
-              <a:rPr lang="en-US" altLang="zh-CN" dirty="0"/>
+              <a:rPr lang="en-US" altLang="zh-CN" sz="1400" dirty="0">
+                <a:latin typeface="仿宋"/>
+                <a:ea typeface="仿宋"/>
+                <a:cs typeface="仿宋"/>
+              </a:rPr>
               <a:t>make sure it really gets it asynchronously. In the meantime, it starts a split task executor to</a:t>
             </a:r>
             <a:br>
-              <a:rPr lang="en-US" altLang="zh-CN" dirty="0"/>
+              <a:rPr lang="en-US" altLang="zh-CN" sz="1400" dirty="0">
+                <a:latin typeface="仿宋"/>
+                <a:ea typeface="仿宋"/>
+                <a:cs typeface="仿宋"/>
+              </a:rPr>
             </a:br>
             <a:r>
-              <a:rPr lang="en-US" altLang="zh-CN" dirty="0"/>
+              <a:rPr lang="en-US" altLang="zh-CN" sz="1400" dirty="0">
+                <a:latin typeface="仿宋"/>
+                <a:ea typeface="仿宋"/>
+                <a:cs typeface="仿宋"/>
+              </a:rPr>
               <a:t>do the actual work:</a:t>
             </a:r>
             <a:br>
-              <a:rPr lang="en-US" altLang="zh-CN" dirty="0"/>
+              <a:rPr lang="en-US" altLang="zh-CN" sz="1400" dirty="0">
+                <a:latin typeface="仿宋"/>
+                <a:ea typeface="仿宋"/>
+                <a:cs typeface="仿宋"/>
+              </a:rPr>
             </a:br>
             <a:r>
-              <a:rPr lang="en-US" altLang="zh-CN" dirty="0"/>
+              <a:rPr lang="en-US" altLang="zh-CN" sz="1400" dirty="0">
+                <a:latin typeface="仿宋"/>
+                <a:ea typeface="仿宋"/>
+                <a:cs typeface="仿宋"/>
+              </a:rPr>
               <a:t>▪ Get the </a:t>
             </a:r>
             <a:r>
-              <a:rPr lang="en-US" altLang="zh-CN" dirty="0" err="1"/>
+              <a:rPr lang="en-US" altLang="zh-CN" sz="1400" dirty="0" err="1">
+                <a:latin typeface="仿宋"/>
+                <a:ea typeface="仿宋"/>
+                <a:cs typeface="仿宋"/>
+              </a:rPr>
               <a:t>HBase</a:t>
             </a:r>
             <a:r>
-              <a:rPr lang="en-US" altLang="zh-CN" dirty="0"/>
+              <a:rPr lang="en-US" altLang="zh-CN" sz="1400" dirty="0">
+                <a:latin typeface="仿宋"/>
+                <a:ea typeface="仿宋"/>
+                <a:cs typeface="仿宋"/>
+              </a:rPr>
               <a:t> root folder, create a temp folder under the root, and split the log file to the</a:t>
             </a:r>
             <a:br>
-              <a:rPr lang="en-US" altLang="zh-CN" dirty="0"/>
+              <a:rPr lang="en-US" altLang="zh-CN" sz="1400" dirty="0">
+                <a:latin typeface="仿宋"/>
+                <a:ea typeface="仿宋"/>
+                <a:cs typeface="仿宋"/>
+              </a:rPr>
             </a:br>
             <a:r>
-              <a:rPr lang="en-US" altLang="zh-CN" dirty="0"/>
+              <a:rPr lang="en-US" altLang="zh-CN" sz="1400" dirty="0">
+                <a:latin typeface="仿宋"/>
+                <a:ea typeface="仿宋"/>
+                <a:cs typeface="仿宋"/>
+              </a:rPr>
               <a:t>temp folder.</a:t>
             </a:r>
             <a:br>
-              <a:rPr lang="en-US" altLang="zh-CN" dirty="0"/>
+              <a:rPr lang="en-US" altLang="zh-CN" sz="1400" dirty="0">
+                <a:latin typeface="仿宋"/>
+                <a:ea typeface="仿宋"/>
+                <a:cs typeface="仿宋"/>
+              </a:rPr>
             </a:br>
             <a:r>
-              <a:rPr lang="en-US" altLang="zh-CN" dirty="0"/>
+              <a:rPr lang="en-US" altLang="zh-CN" sz="1400" dirty="0">
+                <a:latin typeface="仿宋"/>
+                <a:ea typeface="仿宋"/>
+                <a:cs typeface="仿宋"/>
+              </a:rPr>
               <a:t>▪ If the split was successful, the task executor sets the task to state TASK_DONE.</a:t>
             </a:r>
             <a:br>
-              <a:rPr lang="en-US" altLang="zh-CN" dirty="0"/>
+              <a:rPr lang="en-US" altLang="zh-CN" sz="1400" dirty="0">
+                <a:latin typeface="仿宋"/>
+                <a:ea typeface="仿宋"/>
+                <a:cs typeface="仿宋"/>
+              </a:rPr>
             </a:br>
             <a:r>
-              <a:rPr lang="en-US" altLang="zh-CN" dirty="0" smtClean="0"/>
+              <a:rPr lang="en-US" altLang="zh-CN" sz="1400" dirty="0" smtClean="0">
+                <a:latin typeface="仿宋"/>
+                <a:ea typeface="仿宋"/>
+                <a:cs typeface="仿宋"/>
+              </a:rPr>
               <a:t>▪ </a:t>
             </a:r>
             <a:r>
-              <a:rPr lang="en-US" altLang="zh-CN" dirty="0"/>
+              <a:rPr lang="en-US" altLang="zh-CN" sz="1400" dirty="0">
+                <a:latin typeface="仿宋"/>
+                <a:ea typeface="仿宋"/>
+                <a:cs typeface="仿宋"/>
+              </a:rPr>
               <a:t>If the worker catches an unexpected </a:t>
             </a:r>
             <a:r>
-              <a:rPr lang="en-US" altLang="zh-CN" dirty="0" err="1"/>
+              <a:rPr lang="en-US" altLang="zh-CN" sz="1400" dirty="0" err="1">
+                <a:latin typeface="仿宋"/>
+                <a:ea typeface="仿宋"/>
+                <a:cs typeface="仿宋"/>
+              </a:rPr>
               <a:t>IOException</a:t>
             </a:r>
             <a:r>
-              <a:rPr lang="en-US" altLang="zh-CN" dirty="0"/>
+              <a:rPr lang="en-US" altLang="zh-CN" sz="1400" dirty="0">
+                <a:latin typeface="仿宋"/>
+                <a:ea typeface="仿宋"/>
+                <a:cs typeface="仿宋"/>
+              </a:rPr>
               <a:t>, the task is set to state TASK_ERR.</a:t>
             </a:r>
             <a:br>
-              <a:rPr lang="en-US" altLang="zh-CN" dirty="0"/>
+              <a:rPr lang="en-US" altLang="zh-CN" sz="1400" dirty="0">
+                <a:latin typeface="仿宋"/>
+                <a:ea typeface="仿宋"/>
+                <a:cs typeface="仿宋"/>
+              </a:rPr>
             </a:br>
             <a:r>
-              <a:rPr lang="en-US" altLang="zh-CN" dirty="0"/>
+              <a:rPr lang="en-US" altLang="zh-CN" sz="1400" dirty="0">
+                <a:latin typeface="仿宋"/>
+                <a:ea typeface="仿宋"/>
+                <a:cs typeface="仿宋"/>
+              </a:rPr>
               <a:t>▪ If the worker is shutting down, set the task to state TASK_RESIGNED.</a:t>
             </a:r>
             <a:br>
-              <a:rPr lang="en-US" altLang="zh-CN" dirty="0"/>
+              <a:rPr lang="en-US" altLang="zh-CN" sz="1400" dirty="0">
+                <a:latin typeface="仿宋"/>
+                <a:ea typeface="仿宋"/>
+                <a:cs typeface="仿宋"/>
+              </a:rPr>
             </a:br>
             <a:r>
-              <a:rPr lang="en-US" altLang="zh-CN" dirty="0"/>
-              <a:t>▪ If the task is taken by another worker, just log it.</a:t>
-            </a:r>
-            <a:r>
-              <a:rPr lang="en-US" altLang="zh-CN" dirty="0"/>
-              <a:t> </a:t>
+              <a:rPr lang="en-US" altLang="zh-CN" sz="1400" dirty="0">
+                <a:latin typeface="仿宋"/>
+                <a:ea typeface="仿宋"/>
+                <a:cs typeface="仿宋"/>
+              </a:rPr>
+              <a:t>▪ If the task is taken by another worker, just log it. </a:t>
             </a:r>
             <a:br>
-              <a:rPr lang="en-US" altLang="zh-CN" dirty="0"/>
+              <a:rPr lang="en-US" altLang="zh-CN" sz="1400" dirty="0">
+                <a:latin typeface="仿宋"/>
+                <a:ea typeface="仿宋"/>
+                <a:cs typeface="仿宋"/>
+              </a:rPr>
             </a:br>
             <a:r>
-              <a:rPr lang="en-US" altLang="zh-CN" sz="1400" dirty="0"/>
+              <a:rPr lang="en-US" altLang="zh-CN" sz="1400" dirty="0">
+                <a:latin typeface="仿宋"/>
+                <a:ea typeface="仿宋"/>
+                <a:cs typeface="仿宋"/>
+              </a:rPr>
               <a:t/>
             </a:r>
             <a:br>
-              <a:rPr lang="en-US" altLang="zh-CN" sz="1400" dirty="0"/>
+              <a:rPr lang="en-US" altLang="zh-CN" sz="1400" dirty="0">
+                <a:latin typeface="仿宋"/>
+                <a:ea typeface="仿宋"/>
+                <a:cs typeface="仿宋"/>
+              </a:rPr>
             </a:br>
             <a:endParaRPr lang="en-US" altLang="zh-CN" sz="1400" dirty="0" smtClean="0">
               <a:solidFill>
@@ -17526,8 +17530,9 @@
                   <a:lumMod val="75000"/>
                 </a:schemeClr>
               </a:solidFill>
-              <a:latin typeface="仿宋" panose="02010609060101010101" pitchFamily="49" charset="-122"/>
-              <a:ea typeface="仿宋" panose="02010609060101010101" pitchFamily="49" charset="-122"/>
+              <a:latin typeface="仿宋"/>
+              <a:ea typeface="仿宋"/>
+              <a:cs typeface="仿宋"/>
             </a:endParaRPr>
           </a:p>
         </p:txBody>
@@ -19576,7 +19581,7 @@
           </a:prstGeom>
           <a:noFill/>
           <a:extLst>
-            <a:ext uri="{909E8E84-426E-40DD-AFC4-6F175D3DCCD1}">
+            <a:ext uri="{909E8E84-426E-40dd-AFC4-6F175D3DCCD1}">
               <a14:hiddenFill xmlns:a14="http://schemas.microsoft.com/office/drawing/2010/main">
                 <a:solidFill>
                   <a:srgbClr val="FFFFFF"/>
@@ -19630,7 +19635,7 @@
         <p:spPr>
           <a:xfrm>
             <a:off x="521207" y="3004405"/>
-            <a:ext cx="4691149" cy="2246769"/>
+            <a:ext cx="4810380" cy="2246769"/>
           </a:xfrm>
           <a:prstGeom prst="rect">
             <a:avLst/>
@@ -19891,14 +19896,14 @@
       </p:sp>
       <p:sp>
         <p:nvSpPr>
-          <p:cNvPr id="4" name="矩形 3"/>
+          <p:cNvPr id="3" name="矩形 2"/>
           <p:cNvSpPr/>
           <p:nvPr/>
         </p:nvSpPr>
         <p:spPr>
           <a:xfrm>
-            <a:off x="696685" y="1425752"/>
-            <a:ext cx="8342811" cy="1754326"/>
+            <a:off x="633912" y="1464855"/>
+            <a:ext cx="10578437" cy="4598694"/>
           </a:xfrm>
           <a:prstGeom prst="rect">
             <a:avLst/>
@@ -19910,43 +19915,631 @@
           </a:bodyPr>
           <a:lstStyle/>
           <a:p>
-            <a:r>
-              <a:rPr lang="en-US" altLang="zh-CN" dirty="0"/>
-              <a:t>As we know, for read performance, </a:t>
-            </a:r>
-            <a:r>
-              <a:rPr lang="en-US" altLang="zh-CN" dirty="0" err="1"/>
+            <a:pPr>
+              <a:lnSpc>
+                <a:spcPct val="150000"/>
+              </a:lnSpc>
+            </a:pPr>
+            <a:r>
+              <a:rPr lang="zh-CN" altLang="en-US" sz="1400" dirty="0">
+                <a:latin typeface="仿宋"/>
+                <a:ea typeface="仿宋"/>
+                <a:cs typeface="仿宋"/>
+              </a:rPr>
+              <a:t>用户数据写入先写</a:t>
+            </a:r>
+            <a:r>
+              <a:rPr lang="en-US" altLang="zh-CN" sz="1400" dirty="0">
+                <a:latin typeface="仿宋"/>
+                <a:ea typeface="仿宋"/>
+                <a:cs typeface="仿宋"/>
+              </a:rPr>
+              <a:t>WAL</a:t>
+            </a:r>
+            <a:r>
+              <a:rPr lang="zh-CN" altLang="en-US" sz="1400" dirty="0">
+                <a:latin typeface="仿宋"/>
+                <a:ea typeface="仿宋"/>
+                <a:cs typeface="仿宋"/>
+              </a:rPr>
+              <a:t>，再写缓存，满足一定条件后缓存数据会执行</a:t>
+            </a:r>
+            <a:r>
+              <a:rPr lang="en-US" altLang="zh-CN" sz="1400" dirty="0">
+                <a:latin typeface="仿宋"/>
+                <a:ea typeface="仿宋"/>
+                <a:cs typeface="仿宋"/>
+              </a:rPr>
+              <a:t>flush</a:t>
+            </a:r>
+            <a:r>
+              <a:rPr lang="zh-CN" altLang="en-US" sz="1400" dirty="0">
+                <a:latin typeface="仿宋"/>
+                <a:ea typeface="仿宋"/>
+                <a:cs typeface="仿宋"/>
+              </a:rPr>
+              <a:t>操作真正落盘，形成一个数据文件</a:t>
+            </a:r>
+            <a:r>
+              <a:rPr lang="en-US" altLang="zh-CN" sz="1400" dirty="0" err="1">
+                <a:latin typeface="仿宋"/>
+                <a:ea typeface="仿宋"/>
+                <a:cs typeface="仿宋"/>
+              </a:rPr>
+              <a:t>HFile</a:t>
+            </a:r>
+            <a:r>
+              <a:rPr lang="zh-CN" altLang="en-US" sz="1400" dirty="0">
+                <a:latin typeface="仿宋"/>
+                <a:ea typeface="仿宋"/>
+                <a:cs typeface="仿宋"/>
+              </a:rPr>
+              <a:t>。随着数据写入不断增多，</a:t>
+            </a:r>
+            <a:r>
+              <a:rPr lang="en-US" altLang="zh-CN" sz="1400" dirty="0">
+                <a:latin typeface="仿宋"/>
+                <a:ea typeface="仿宋"/>
+                <a:cs typeface="仿宋"/>
+              </a:rPr>
+              <a:t>flush</a:t>
+            </a:r>
+            <a:r>
+              <a:rPr lang="zh-CN" altLang="en-US" sz="1400" dirty="0">
+                <a:latin typeface="仿宋"/>
+                <a:ea typeface="仿宋"/>
+                <a:cs typeface="仿宋"/>
+              </a:rPr>
+              <a:t>次数也会不断增多，进而</a:t>
+            </a:r>
+            <a:r>
+              <a:rPr lang="en-US" altLang="zh-CN" sz="1400" dirty="0" err="1">
+                <a:latin typeface="仿宋"/>
+                <a:ea typeface="仿宋"/>
+                <a:cs typeface="仿宋"/>
+              </a:rPr>
+              <a:t>HFile</a:t>
+            </a:r>
+            <a:r>
+              <a:rPr lang="zh-CN" altLang="en-US" sz="1400" dirty="0">
+                <a:latin typeface="仿宋"/>
+                <a:ea typeface="仿宋"/>
+                <a:cs typeface="仿宋"/>
+              </a:rPr>
+              <a:t>数据文件就会越来越多。然而，太多数据文件会导致数据查询</a:t>
+            </a:r>
+            <a:r>
+              <a:rPr lang="en-US" altLang="zh-CN" sz="1400" dirty="0">
+                <a:latin typeface="仿宋"/>
+                <a:ea typeface="仿宋"/>
+                <a:cs typeface="仿宋"/>
+              </a:rPr>
+              <a:t>IO</a:t>
+            </a:r>
+            <a:r>
+              <a:rPr lang="zh-CN" altLang="en-US" sz="1400" dirty="0">
+                <a:latin typeface="仿宋"/>
+                <a:ea typeface="仿宋"/>
+                <a:cs typeface="仿宋"/>
+              </a:rPr>
+              <a:t>次数增多，因此</a:t>
+            </a:r>
+            <a:r>
+              <a:rPr lang="en-US" altLang="zh-CN" sz="1400" dirty="0" err="1">
+                <a:latin typeface="仿宋"/>
+                <a:ea typeface="仿宋"/>
+                <a:cs typeface="仿宋"/>
+              </a:rPr>
               <a:t>HBase</a:t>
             </a:r>
             <a:r>
-              <a:rPr lang="en-US" altLang="zh-CN" dirty="0"/>
-              <a:t> is an optimized distributed data store. But this optimal read performance needs one file per column family. Although, during the heavy writes, it is not always possible to have one file per column family. Hence, to reduce the maximum number of disk seeks needed for read, </a:t>
-            </a:r>
-            <a:r>
-              <a:rPr lang="en-US" altLang="zh-CN" dirty="0" err="1"/>
+              <a:rPr lang="zh-CN" altLang="en-US" sz="1400" dirty="0">
+                <a:latin typeface="仿宋"/>
+                <a:ea typeface="仿宋"/>
+                <a:cs typeface="仿宋"/>
+              </a:rPr>
+              <a:t>尝试</a:t>
+            </a:r>
+            <a:r>
+              <a:rPr lang="zh-CN" altLang="en-US" sz="1400" dirty="0" smtClean="0">
+                <a:latin typeface="仿宋"/>
+                <a:ea typeface="仿宋"/>
+                <a:cs typeface="仿宋"/>
+              </a:rPr>
+              <a:t>着不断对这些文件进行</a:t>
+            </a:r>
+            <a:r>
+              <a:rPr lang="zh-CN" altLang="en-US" sz="1400" dirty="0" smtClean="0">
+                <a:latin typeface="仿宋"/>
+                <a:ea typeface="仿宋"/>
+                <a:cs typeface="仿宋"/>
+              </a:rPr>
+              <a:t>合并，这个合并过程称为</a:t>
+            </a:r>
+            <a:r>
+              <a:rPr lang="en-US" altLang="zh-CN" sz="1400" dirty="0" smtClean="0">
+                <a:latin typeface="仿宋"/>
+                <a:ea typeface="仿宋"/>
+                <a:cs typeface="仿宋"/>
+              </a:rPr>
+              <a:t>c</a:t>
+            </a:r>
+            <a:r>
+              <a:rPr lang="en-US" altLang="zh-CN" sz="1400" dirty="0" smtClean="0">
+                <a:latin typeface="仿宋"/>
+                <a:ea typeface="仿宋"/>
+                <a:cs typeface="仿宋"/>
+              </a:rPr>
+              <a:t>ompaction</a:t>
+            </a:r>
+            <a:r>
+              <a:rPr lang="zh-CN" altLang="en-US" sz="1400" dirty="0" smtClean="0">
+                <a:latin typeface="仿宋"/>
+                <a:ea typeface="仿宋"/>
+                <a:cs typeface="仿宋"/>
+              </a:rPr>
+              <a:t>。</a:t>
+            </a:r>
+            <a:endParaRPr lang="en-US" altLang="zh-CN" sz="1400" dirty="0">
+              <a:latin typeface="仿宋"/>
+              <a:ea typeface="仿宋"/>
+              <a:cs typeface="仿宋"/>
+            </a:endParaRPr>
+          </a:p>
+          <a:p>
+            <a:pPr>
+              <a:lnSpc>
+                <a:spcPct val="150000"/>
+              </a:lnSpc>
+            </a:pPr>
+            <a:endParaRPr lang="en-US" altLang="zh-CN" sz="1400" dirty="0" smtClean="0">
+              <a:latin typeface="仿宋"/>
+              <a:ea typeface="仿宋"/>
+              <a:cs typeface="仿宋"/>
+            </a:endParaRPr>
+          </a:p>
+          <a:p>
+            <a:pPr>
+              <a:lnSpc>
+                <a:spcPct val="150000"/>
+              </a:lnSpc>
+            </a:pPr>
+            <a:r>
+              <a:rPr lang="en-US" altLang="zh-CN" sz="1400" dirty="0">
+                <a:latin typeface="仿宋"/>
+                <a:ea typeface="仿宋"/>
+                <a:cs typeface="仿宋"/>
+              </a:rPr>
+              <a:t>Compaction</a:t>
+            </a:r>
+            <a:r>
+              <a:rPr lang="zh-CN" altLang="en-US" sz="1400" dirty="0">
+                <a:latin typeface="仿宋"/>
+                <a:ea typeface="仿宋"/>
+                <a:cs typeface="仿宋"/>
+              </a:rPr>
+              <a:t>会从一个</a:t>
+            </a:r>
+            <a:r>
+              <a:rPr lang="en-US" altLang="zh-CN" sz="1400" dirty="0">
+                <a:latin typeface="仿宋"/>
+                <a:ea typeface="仿宋"/>
+                <a:cs typeface="仿宋"/>
+              </a:rPr>
+              <a:t>region</a:t>
+            </a:r>
+            <a:r>
+              <a:rPr lang="zh-CN" altLang="en-US" sz="1400" dirty="0">
+                <a:latin typeface="仿宋"/>
+                <a:ea typeface="仿宋"/>
+                <a:cs typeface="仿宋"/>
+              </a:rPr>
+              <a:t>的一个</a:t>
+            </a:r>
+            <a:r>
+              <a:rPr lang="en-US" altLang="zh-CN" sz="1400" dirty="0">
+                <a:latin typeface="仿宋"/>
+                <a:ea typeface="仿宋"/>
+                <a:cs typeface="仿宋"/>
+              </a:rPr>
+              <a:t>store</a:t>
+            </a:r>
+            <a:r>
+              <a:rPr lang="zh-CN" altLang="en-US" sz="1400" dirty="0">
+                <a:latin typeface="仿宋"/>
+                <a:ea typeface="仿宋"/>
+                <a:cs typeface="仿宋"/>
+              </a:rPr>
+              <a:t>中选择一些</a:t>
+            </a:r>
+            <a:r>
+              <a:rPr lang="en-US" altLang="zh-CN" sz="1400" dirty="0" err="1">
+                <a:latin typeface="仿宋"/>
+                <a:ea typeface="仿宋"/>
+                <a:cs typeface="仿宋"/>
+              </a:rPr>
+              <a:t>hfile</a:t>
+            </a:r>
+            <a:r>
+              <a:rPr lang="zh-CN" altLang="en-US" sz="1400" dirty="0">
+                <a:latin typeface="仿宋"/>
+                <a:ea typeface="仿宋"/>
+                <a:cs typeface="仿宋"/>
+              </a:rPr>
+              <a:t>文件进行合并</a:t>
+            </a:r>
+            <a:r>
+              <a:rPr lang="zh-CN" altLang="en-US" sz="1400" dirty="0" smtClean="0">
+                <a:latin typeface="仿宋"/>
+                <a:ea typeface="仿宋"/>
+                <a:cs typeface="仿宋"/>
+              </a:rPr>
+              <a:t>。原理很简单</a:t>
+            </a:r>
+            <a:r>
+              <a:rPr lang="zh-CN" altLang="en-US" sz="1400" dirty="0">
+                <a:latin typeface="仿宋"/>
+                <a:ea typeface="仿宋"/>
+                <a:cs typeface="仿宋"/>
+              </a:rPr>
+              <a:t>，先从这些待合并的数据文件中读出</a:t>
+            </a:r>
+            <a:r>
+              <a:rPr lang="en-US" altLang="zh-CN" sz="1400" dirty="0" err="1">
+                <a:latin typeface="仿宋"/>
+                <a:ea typeface="仿宋"/>
+                <a:cs typeface="仿宋"/>
+              </a:rPr>
+              <a:t>KeyValues</a:t>
+            </a:r>
+            <a:r>
+              <a:rPr lang="zh-CN" altLang="en-US" sz="1400" dirty="0">
+                <a:latin typeface="仿宋"/>
+                <a:ea typeface="仿宋"/>
+                <a:cs typeface="仿宋"/>
+              </a:rPr>
+              <a:t>，再按照由小到大排列后写入一个新的文件中。之后，这个新生成的文件就会取代之前待合并的所有文件对外提供服务。</a:t>
+            </a:r>
+            <a:r>
+              <a:rPr lang="en-US" altLang="zh-CN" sz="1400" dirty="0" err="1">
+                <a:latin typeface="仿宋"/>
+                <a:ea typeface="仿宋"/>
+                <a:cs typeface="仿宋"/>
+              </a:rPr>
               <a:t>HBase</a:t>
             </a:r>
             <a:r>
-              <a:rPr lang="en-US" altLang="zh-CN" dirty="0"/>
-              <a:t> tries to combine all </a:t>
-            </a:r>
-            <a:r>
-              <a:rPr lang="en-US" altLang="zh-CN" dirty="0" err="1"/>
-              <a:t>HFiles</a:t>
-            </a:r>
-            <a:r>
-              <a:rPr lang="en-US" altLang="zh-CN" dirty="0"/>
-              <a:t> into a large single </a:t>
-            </a:r>
-            <a:r>
-              <a:rPr lang="en-US" altLang="zh-CN" dirty="0" err="1"/>
-              <a:t>HFile</a:t>
-            </a:r>
-            <a:r>
-              <a:rPr lang="en-US" altLang="zh-CN" dirty="0"/>
-              <a:t>. So, this process is what we call Compaction.</a:t>
-            </a:r>
-            <a:endParaRPr lang="zh-CN" altLang="en-US" dirty="0"/>
+              <a:rPr lang="zh-CN" altLang="en-US" sz="1400" dirty="0">
+                <a:latin typeface="仿宋"/>
+                <a:ea typeface="仿宋"/>
+                <a:cs typeface="仿宋"/>
+              </a:rPr>
+              <a:t>根据合并规模将</a:t>
+            </a:r>
+            <a:r>
+              <a:rPr lang="en-US" altLang="zh-CN" sz="1400" dirty="0">
+                <a:latin typeface="仿宋"/>
+                <a:ea typeface="仿宋"/>
+                <a:cs typeface="仿宋"/>
+              </a:rPr>
+              <a:t>Compaction</a:t>
+            </a:r>
+            <a:r>
+              <a:rPr lang="zh-CN" altLang="en-US" sz="1400" dirty="0">
+                <a:latin typeface="仿宋"/>
+                <a:ea typeface="仿宋"/>
+                <a:cs typeface="仿宋"/>
+              </a:rPr>
+              <a:t>分为了两类：</a:t>
+            </a:r>
+            <a:r>
+              <a:rPr lang="en-US" altLang="zh-CN" sz="1400" dirty="0" err="1">
+                <a:latin typeface="仿宋"/>
+                <a:ea typeface="仿宋"/>
+                <a:cs typeface="仿宋"/>
+              </a:rPr>
+              <a:t>MinorCompaction</a:t>
+            </a:r>
+            <a:r>
+              <a:rPr lang="zh-CN" altLang="en-US" sz="1400" dirty="0">
+                <a:latin typeface="仿宋"/>
+                <a:ea typeface="仿宋"/>
+                <a:cs typeface="仿宋"/>
+              </a:rPr>
+              <a:t>和</a:t>
+            </a:r>
+            <a:r>
+              <a:rPr lang="en-US" altLang="zh-CN" sz="1400" dirty="0" err="1" smtClean="0">
+                <a:latin typeface="仿宋"/>
+                <a:ea typeface="仿宋"/>
+                <a:cs typeface="仿宋"/>
+              </a:rPr>
+              <a:t>MajorCompaction</a:t>
+            </a:r>
+            <a:endParaRPr lang="en-US" altLang="zh-CN" sz="1400" dirty="0" smtClean="0">
+              <a:latin typeface="仿宋"/>
+              <a:ea typeface="仿宋"/>
+              <a:cs typeface="仿宋"/>
+            </a:endParaRPr>
+          </a:p>
+          <a:p>
+            <a:pPr>
+              <a:lnSpc>
+                <a:spcPct val="150000"/>
+              </a:lnSpc>
+            </a:pPr>
+            <a:endParaRPr lang="en-US" altLang="zh-CN" sz="1400" dirty="0">
+              <a:latin typeface="仿宋"/>
+              <a:ea typeface="仿宋"/>
+              <a:cs typeface="仿宋"/>
+            </a:endParaRPr>
+          </a:p>
+          <a:p>
+            <a:pPr marL="285750" indent="-285750">
+              <a:lnSpc>
+                <a:spcPct val="150000"/>
+              </a:lnSpc>
+              <a:buFont typeface="Wingdings" charset="2"/>
+              <a:buChar char="l"/>
+            </a:pPr>
+            <a:r>
+              <a:rPr lang="en-US" altLang="zh-CN" sz="1400" dirty="0">
+                <a:latin typeface="仿宋"/>
+                <a:ea typeface="仿宋"/>
+                <a:cs typeface="仿宋"/>
+              </a:rPr>
+              <a:t>Minor Compaction</a:t>
+            </a:r>
+            <a:r>
+              <a:rPr lang="zh-CN" altLang="en-US" sz="1400" dirty="0">
+                <a:latin typeface="仿宋"/>
+                <a:ea typeface="仿宋"/>
+                <a:cs typeface="仿宋"/>
+              </a:rPr>
+              <a:t>是指选取一些小的、相邻的</a:t>
+            </a:r>
+            <a:r>
+              <a:rPr lang="en-US" altLang="zh-CN" sz="1400" dirty="0" err="1">
+                <a:latin typeface="仿宋"/>
+                <a:ea typeface="仿宋"/>
+                <a:cs typeface="仿宋"/>
+              </a:rPr>
+              <a:t>StoreFile</a:t>
+            </a:r>
+            <a:r>
+              <a:rPr lang="zh-CN" altLang="en-US" sz="1400" dirty="0">
+                <a:latin typeface="仿宋"/>
+                <a:ea typeface="仿宋"/>
+                <a:cs typeface="仿宋"/>
+              </a:rPr>
+              <a:t>将他们合并成一个更大的</a:t>
+            </a:r>
+            <a:r>
+              <a:rPr lang="en-US" altLang="zh-CN" sz="1400" dirty="0" err="1">
+                <a:latin typeface="仿宋"/>
+                <a:ea typeface="仿宋"/>
+                <a:cs typeface="仿宋"/>
+              </a:rPr>
+              <a:t>StoreFile</a:t>
+            </a:r>
+            <a:r>
+              <a:rPr lang="zh-CN" altLang="en-US" sz="1400" dirty="0">
+                <a:latin typeface="仿宋"/>
+                <a:ea typeface="仿宋"/>
+                <a:cs typeface="仿宋"/>
+              </a:rPr>
+              <a:t>，在这个过程中不会处理已经</a:t>
+            </a:r>
+            <a:r>
+              <a:rPr lang="en-US" altLang="zh-CN" sz="1400" dirty="0">
+                <a:latin typeface="仿宋"/>
+                <a:ea typeface="仿宋"/>
+                <a:cs typeface="仿宋"/>
+              </a:rPr>
+              <a:t>Deleted</a:t>
+            </a:r>
+            <a:r>
+              <a:rPr lang="zh-CN" altLang="en-US" sz="1400" dirty="0">
+                <a:latin typeface="仿宋"/>
+                <a:ea typeface="仿宋"/>
+                <a:cs typeface="仿宋"/>
+              </a:rPr>
+              <a:t>或</a:t>
+            </a:r>
+            <a:r>
+              <a:rPr lang="en-US" altLang="zh-CN" sz="1400" dirty="0">
+                <a:latin typeface="仿宋"/>
+                <a:ea typeface="仿宋"/>
+                <a:cs typeface="仿宋"/>
+              </a:rPr>
+              <a:t>Expired</a:t>
+            </a:r>
+            <a:r>
+              <a:rPr lang="zh-CN" altLang="en-US" sz="1400" dirty="0">
+                <a:latin typeface="仿宋"/>
+                <a:ea typeface="仿宋"/>
+                <a:cs typeface="仿宋"/>
+              </a:rPr>
+              <a:t>的</a:t>
+            </a:r>
+            <a:r>
+              <a:rPr lang="en-US" altLang="zh-CN" sz="1400" dirty="0">
+                <a:latin typeface="仿宋"/>
+                <a:ea typeface="仿宋"/>
+                <a:cs typeface="仿宋"/>
+              </a:rPr>
+              <a:t>Cell</a:t>
+            </a:r>
+            <a:r>
+              <a:rPr lang="zh-CN" altLang="en-US" sz="1400" dirty="0">
+                <a:latin typeface="仿宋"/>
+                <a:ea typeface="仿宋"/>
+                <a:cs typeface="仿宋"/>
+              </a:rPr>
+              <a:t>。一次</a:t>
+            </a:r>
+            <a:r>
+              <a:rPr lang="en-US" altLang="zh-CN" sz="1400" dirty="0">
+                <a:latin typeface="仿宋"/>
+                <a:ea typeface="仿宋"/>
+                <a:cs typeface="仿宋"/>
+              </a:rPr>
+              <a:t>Minor Compaction</a:t>
+            </a:r>
+            <a:r>
+              <a:rPr lang="zh-CN" altLang="en-US" sz="1400" dirty="0">
+                <a:latin typeface="仿宋"/>
+                <a:ea typeface="仿宋"/>
+                <a:cs typeface="仿宋"/>
+              </a:rPr>
+              <a:t>的结果是更少并且更大的</a:t>
+            </a:r>
+            <a:r>
+              <a:rPr lang="en-US" altLang="zh-CN" sz="1400" dirty="0" err="1">
+                <a:latin typeface="仿宋"/>
+                <a:ea typeface="仿宋"/>
+                <a:cs typeface="仿宋"/>
+              </a:rPr>
+              <a:t>StoreFile</a:t>
+            </a:r>
+            <a:r>
+              <a:rPr lang="zh-CN" altLang="en-US" sz="1400" dirty="0">
+                <a:latin typeface="仿宋"/>
+                <a:ea typeface="仿宋"/>
+                <a:cs typeface="仿宋"/>
+              </a:rPr>
+              <a:t>。</a:t>
+            </a:r>
+          </a:p>
+          <a:p>
+            <a:pPr marL="285750" indent="-285750">
+              <a:lnSpc>
+                <a:spcPct val="150000"/>
+              </a:lnSpc>
+              <a:buFont typeface="Wingdings" charset="2"/>
+              <a:buChar char="l"/>
+            </a:pPr>
+            <a:r>
+              <a:rPr lang="en-US" altLang="zh-CN" sz="1400" dirty="0">
+                <a:latin typeface="仿宋"/>
+                <a:ea typeface="仿宋"/>
+                <a:cs typeface="仿宋"/>
+              </a:rPr>
+              <a:t>Major Compaction</a:t>
+            </a:r>
+            <a:r>
+              <a:rPr lang="zh-CN" altLang="en-US" sz="1400" dirty="0">
+                <a:latin typeface="仿宋"/>
+                <a:ea typeface="仿宋"/>
+                <a:cs typeface="仿宋"/>
+              </a:rPr>
+              <a:t>是指将所有的</a:t>
+            </a:r>
+            <a:r>
+              <a:rPr lang="en-US" altLang="zh-CN" sz="1400" dirty="0" err="1">
+                <a:latin typeface="仿宋"/>
+                <a:ea typeface="仿宋"/>
+                <a:cs typeface="仿宋"/>
+              </a:rPr>
+              <a:t>StoreFile</a:t>
+            </a:r>
+            <a:r>
+              <a:rPr lang="zh-CN" altLang="en-US" sz="1400" dirty="0">
+                <a:latin typeface="仿宋"/>
+                <a:ea typeface="仿宋"/>
+                <a:cs typeface="仿宋"/>
+              </a:rPr>
+              <a:t>合并成一个</a:t>
+            </a:r>
+            <a:r>
+              <a:rPr lang="en-US" altLang="zh-CN" sz="1400" dirty="0" err="1">
+                <a:latin typeface="仿宋"/>
+                <a:ea typeface="仿宋"/>
+                <a:cs typeface="仿宋"/>
+              </a:rPr>
+              <a:t>StoreFile</a:t>
+            </a:r>
+            <a:r>
+              <a:rPr lang="zh-CN" altLang="en-US" sz="1400" dirty="0">
+                <a:latin typeface="仿宋"/>
+                <a:ea typeface="仿宋"/>
+                <a:cs typeface="仿宋"/>
+              </a:rPr>
+              <a:t>，这个过程还会清理三类无意义数据：被删除的数据、</a:t>
+            </a:r>
+            <a:r>
+              <a:rPr lang="en-US" altLang="zh-CN" sz="1400" dirty="0">
+                <a:latin typeface="仿宋"/>
+                <a:ea typeface="仿宋"/>
+                <a:cs typeface="仿宋"/>
+              </a:rPr>
+              <a:t>TTL</a:t>
+            </a:r>
+            <a:r>
+              <a:rPr lang="zh-CN" altLang="en-US" sz="1400" dirty="0">
+                <a:latin typeface="仿宋"/>
+                <a:ea typeface="仿宋"/>
+                <a:cs typeface="仿宋"/>
+              </a:rPr>
+              <a:t>过期数据、版本号超过设定版本号的数据。另外，一般情况下，</a:t>
+            </a:r>
+            <a:r>
+              <a:rPr lang="en-US" altLang="zh-CN" sz="1400" dirty="0">
+                <a:latin typeface="仿宋"/>
+                <a:ea typeface="仿宋"/>
+                <a:cs typeface="仿宋"/>
+              </a:rPr>
+              <a:t>Major Compaction</a:t>
+            </a:r>
+            <a:r>
+              <a:rPr lang="zh-CN" altLang="en-US" sz="1400" dirty="0">
+                <a:latin typeface="仿宋"/>
+                <a:ea typeface="仿宋"/>
+                <a:cs typeface="仿宋"/>
+              </a:rPr>
+              <a:t>时间会持续比较长，整个过程会消耗大量系统资源，对上层业务有比较大的影响。因此线上业务都会将关闭自动触发</a:t>
+            </a:r>
+            <a:r>
+              <a:rPr lang="en-US" altLang="zh-CN" sz="1400" dirty="0">
+                <a:latin typeface="仿宋"/>
+                <a:ea typeface="仿宋"/>
+                <a:cs typeface="仿宋"/>
+              </a:rPr>
+              <a:t>Major Compaction</a:t>
+            </a:r>
+            <a:r>
+              <a:rPr lang="zh-CN" altLang="en-US" sz="1400" dirty="0">
+                <a:latin typeface="仿宋"/>
+                <a:ea typeface="仿宋"/>
+                <a:cs typeface="仿宋"/>
+              </a:rPr>
+              <a:t>功能，改为手动在业务低峰期触发</a:t>
+            </a:r>
+            <a:r>
+              <a:rPr lang="zh-CN" altLang="en-US" sz="1400" dirty="0" smtClean="0">
+                <a:latin typeface="仿宋"/>
+                <a:ea typeface="仿宋"/>
+                <a:cs typeface="仿宋"/>
+              </a:rPr>
+              <a:t>。</a:t>
+            </a:r>
+            <a:endParaRPr lang="en-US" altLang="zh-CN" sz="1400" dirty="0">
+              <a:latin typeface="仿宋"/>
+              <a:ea typeface="仿宋"/>
+              <a:cs typeface="仿宋"/>
+            </a:endParaRPr>
+          </a:p>
+          <a:p>
+            <a:pPr>
+              <a:lnSpc>
+                <a:spcPct val="150000"/>
+              </a:lnSpc>
+            </a:pPr>
+            <a:endParaRPr lang="zh-CN" altLang="en-US" sz="1400" dirty="0">
+              <a:latin typeface="仿宋"/>
+              <a:ea typeface="仿宋"/>
+              <a:cs typeface="仿宋"/>
+            </a:endParaRPr>
           </a:p>
         </p:txBody>
       </p:sp>
@@ -19960,6 +20553,13 @@
   <p:clrMapOvr>
     <a:masterClrMapping/>
   </p:clrMapOvr>
+  <p:timing>
+    <p:tnLst>
+      <p:par>
+        <p:cTn xmlns:p14="http://schemas.microsoft.com/office/powerpoint/2010/main" id="1" dur="indefinite" restart="never" nodeType="tmRoot"/>
+      </p:par>
+    </p:tnLst>
+  </p:timing>
 </p:sld>
 </file>
 
@@ -19996,10 +20596,6 @@
           <a:lstStyle/>
           <a:p>
             <a:r>
-              <a:rPr lang="en-US" altLang="zh-CN" dirty="0"/>
-              <a:t>Minor </a:t>
-            </a:r>
-            <a:r>
               <a:rPr lang="en-US" altLang="zh-CN" dirty="0" smtClean="0"/>
               <a:t>Compaction</a:t>
             </a:r>
@@ -20009,14 +20605,14 @@
       </p:sp>
       <p:sp>
         <p:nvSpPr>
-          <p:cNvPr id="4" name="矩形 3"/>
+          <p:cNvPr id="5" name="矩形 4"/>
           <p:cNvSpPr/>
           <p:nvPr/>
         </p:nvSpPr>
         <p:spPr>
           <a:xfrm>
-            <a:off x="911766" y="1684331"/>
-            <a:ext cx="8963754" cy="2585323"/>
+            <a:off x="656795" y="1369730"/>
+            <a:ext cx="10898790" cy="5478422"/>
           </a:xfrm>
           <a:prstGeom prst="rect">
             <a:avLst/>
@@ -20028,153 +20624,1284 @@
           </a:bodyPr>
           <a:lstStyle/>
           <a:p>
-            <a:r>
-              <a:rPr lang="en-US" altLang="zh-CN" dirty="0" err="1" smtClean="0"/>
+            <a:pPr marL="285750" indent="-285750">
+              <a:buFont typeface="Wingdings" charset="2"/>
+              <a:buChar char="l"/>
+            </a:pPr>
+            <a:r>
+              <a:rPr lang="zh-CN" altLang="en-US" sz="1400" dirty="0">
+                <a:latin typeface="仿宋"/>
+                <a:ea typeface="仿宋"/>
+                <a:cs typeface="仿宋"/>
+              </a:rPr>
+              <a:t>当写请求非常多，导致不断生成</a:t>
+            </a:r>
+            <a:r>
+              <a:rPr lang="en-US" altLang="zh-CN" sz="1400" dirty="0" err="1">
+                <a:latin typeface="仿宋"/>
+                <a:ea typeface="仿宋"/>
+                <a:cs typeface="仿宋"/>
+              </a:rPr>
+              <a:t>HFile</a:t>
+            </a:r>
+            <a:r>
+              <a:rPr lang="zh-CN" altLang="en-US" sz="1400" dirty="0">
+                <a:latin typeface="仿宋"/>
+                <a:ea typeface="仿宋"/>
+                <a:cs typeface="仿宋"/>
+              </a:rPr>
+              <a:t>，但</a:t>
+            </a:r>
+            <a:r>
+              <a:rPr lang="en-US" altLang="zh-CN" sz="1400" dirty="0">
+                <a:latin typeface="仿宋"/>
+                <a:ea typeface="仿宋"/>
+                <a:cs typeface="仿宋"/>
+              </a:rPr>
+              <a:t>compact</a:t>
+            </a:r>
+            <a:r>
+              <a:rPr lang="zh-CN" altLang="en-US" sz="1400" dirty="0">
+                <a:latin typeface="仿宋"/>
+                <a:ea typeface="仿宋"/>
+                <a:cs typeface="仿宋"/>
+              </a:rPr>
+              <a:t>的速度远远跟不上</a:t>
+            </a:r>
+            <a:r>
+              <a:rPr lang="en-US" altLang="zh-CN" sz="1400" dirty="0" err="1">
+                <a:latin typeface="仿宋"/>
+                <a:ea typeface="仿宋"/>
+                <a:cs typeface="仿宋"/>
+              </a:rPr>
+              <a:t>HFile</a:t>
+            </a:r>
+            <a:r>
+              <a:rPr lang="zh-CN" altLang="en-US" sz="1400" dirty="0">
+                <a:latin typeface="仿宋"/>
+                <a:ea typeface="仿宋"/>
+                <a:cs typeface="仿宋"/>
+              </a:rPr>
+              <a:t>生成的速度，这样就会使</a:t>
+            </a:r>
+            <a:r>
+              <a:rPr lang="en-US" altLang="zh-CN" sz="1400" dirty="0" err="1">
+                <a:latin typeface="仿宋"/>
+                <a:ea typeface="仿宋"/>
+                <a:cs typeface="仿宋"/>
+              </a:rPr>
+              <a:t>HFile</a:t>
+            </a:r>
+            <a:r>
+              <a:rPr lang="zh-CN" altLang="en-US" sz="1400" dirty="0">
+                <a:latin typeface="仿宋"/>
+                <a:ea typeface="仿宋"/>
+                <a:cs typeface="仿宋"/>
+              </a:rPr>
+              <a:t>的数量会越来越多，导致读性能急剧下降。为了避免这种情况，在</a:t>
+            </a:r>
+            <a:r>
+              <a:rPr lang="en-US" altLang="zh-CN" sz="1400" dirty="0" err="1">
+                <a:latin typeface="仿宋"/>
+                <a:ea typeface="仿宋"/>
+                <a:cs typeface="仿宋"/>
+              </a:rPr>
+              <a:t>HFile</a:t>
+            </a:r>
+            <a:r>
+              <a:rPr lang="zh-CN" altLang="en-US" sz="1400" dirty="0">
+                <a:latin typeface="仿宋"/>
+                <a:ea typeface="仿宋"/>
+                <a:cs typeface="仿宋"/>
+              </a:rPr>
+              <a:t>的数量过多的时候会限制写请求的速度：在每次执行</a:t>
+            </a:r>
+            <a:r>
+              <a:rPr lang="en-US" altLang="zh-CN" sz="1400" dirty="0" err="1">
+                <a:latin typeface="仿宋"/>
+                <a:ea typeface="仿宋"/>
+                <a:cs typeface="仿宋"/>
+              </a:rPr>
+              <a:t>MemStore</a:t>
+            </a:r>
+            <a:r>
+              <a:rPr lang="en-US" altLang="zh-CN" sz="1400" dirty="0">
+                <a:latin typeface="仿宋"/>
+                <a:ea typeface="仿宋"/>
+                <a:cs typeface="仿宋"/>
+              </a:rPr>
+              <a:t> flush</a:t>
+            </a:r>
+            <a:r>
+              <a:rPr lang="zh-CN" altLang="en-US" sz="1400" dirty="0">
+                <a:latin typeface="仿宋"/>
+                <a:ea typeface="仿宋"/>
+                <a:cs typeface="仿宋"/>
+              </a:rPr>
+              <a:t>的操作前，如果</a:t>
+            </a:r>
+            <a:r>
+              <a:rPr lang="en-US" altLang="zh-CN" sz="1400" dirty="0" err="1">
+                <a:latin typeface="仿宋"/>
+                <a:ea typeface="仿宋"/>
+                <a:cs typeface="仿宋"/>
+              </a:rPr>
+              <a:t>HStore</a:t>
+            </a:r>
+            <a:r>
+              <a:rPr lang="zh-CN" altLang="en-US" sz="1400" dirty="0">
+                <a:latin typeface="仿宋"/>
+                <a:ea typeface="仿宋"/>
+                <a:cs typeface="仿宋"/>
+              </a:rPr>
+              <a:t>的</a:t>
+            </a:r>
+            <a:r>
+              <a:rPr lang="en-US" altLang="zh-CN" sz="1400" dirty="0" err="1">
+                <a:latin typeface="仿宋"/>
+                <a:ea typeface="仿宋"/>
+                <a:cs typeface="仿宋"/>
+              </a:rPr>
+              <a:t>HFile</a:t>
+            </a:r>
+            <a:r>
+              <a:rPr lang="zh-CN" altLang="en-US" sz="1400" dirty="0">
+                <a:latin typeface="仿宋"/>
+                <a:ea typeface="仿宋"/>
+                <a:cs typeface="仿宋"/>
+              </a:rPr>
+              <a:t>数超过</a:t>
+            </a:r>
+            <a:r>
+              <a:rPr lang="en-US" altLang="zh-CN" sz="1400" dirty="0" err="1">
+                <a:latin typeface="仿宋"/>
+                <a:ea typeface="仿宋"/>
+                <a:cs typeface="仿宋"/>
+              </a:rPr>
+              <a:t>hbase.hstore.blockingStoreFiles</a:t>
+            </a:r>
+            <a:r>
+              <a:rPr lang="en-US" altLang="zh-CN" sz="1400" dirty="0">
+                <a:latin typeface="仿宋"/>
+                <a:ea typeface="仿宋"/>
+                <a:cs typeface="仿宋"/>
+              </a:rPr>
+              <a:t> </a:t>
+            </a:r>
+            <a:r>
+              <a:rPr lang="zh-CN" altLang="en-US" sz="1400" dirty="0">
+                <a:latin typeface="仿宋"/>
+                <a:ea typeface="仿宋"/>
+                <a:cs typeface="仿宋"/>
+              </a:rPr>
+              <a:t>（默认</a:t>
+            </a:r>
+            <a:r>
+              <a:rPr lang="en-US" altLang="zh-CN" sz="1400" dirty="0">
+                <a:latin typeface="仿宋"/>
+                <a:ea typeface="仿宋"/>
+                <a:cs typeface="仿宋"/>
+              </a:rPr>
+              <a:t>7</a:t>
+            </a:r>
+            <a:r>
+              <a:rPr lang="zh-CN" altLang="en-US" sz="1400" dirty="0">
+                <a:latin typeface="仿宋"/>
+                <a:ea typeface="仿宋"/>
+                <a:cs typeface="仿宋"/>
+              </a:rPr>
+              <a:t>），则会阻塞</a:t>
+            </a:r>
+            <a:r>
+              <a:rPr lang="en-US" altLang="zh-CN" sz="1400" dirty="0">
+                <a:latin typeface="仿宋"/>
+                <a:ea typeface="仿宋"/>
+                <a:cs typeface="仿宋"/>
+              </a:rPr>
+              <a:t>flush</a:t>
+            </a:r>
+            <a:r>
+              <a:rPr lang="zh-CN" altLang="en-US" sz="1400" dirty="0">
+                <a:latin typeface="仿宋"/>
+                <a:ea typeface="仿宋"/>
+                <a:cs typeface="仿宋"/>
+              </a:rPr>
+              <a:t>操作</a:t>
+            </a:r>
+            <a:r>
+              <a:rPr lang="en-US" altLang="zh-CN" sz="1400" dirty="0" err="1">
+                <a:latin typeface="仿宋"/>
+                <a:ea typeface="仿宋"/>
+                <a:cs typeface="仿宋"/>
+              </a:rPr>
+              <a:t>hbase.hstore.blockingWaitTime</a:t>
+            </a:r>
+            <a:r>
+              <a:rPr lang="zh-CN" altLang="en-US" sz="1400" dirty="0">
+                <a:latin typeface="仿宋"/>
+                <a:ea typeface="仿宋"/>
+                <a:cs typeface="仿宋"/>
+              </a:rPr>
+              <a:t>时间，在这段时间内，如果</a:t>
+            </a:r>
+            <a:r>
+              <a:rPr lang="en-US" altLang="zh-CN" sz="1400" dirty="0">
+                <a:latin typeface="仿宋"/>
+                <a:ea typeface="仿宋"/>
+                <a:cs typeface="仿宋"/>
+              </a:rPr>
+              <a:t>compact</a:t>
+            </a:r>
+            <a:r>
+              <a:rPr lang="zh-CN" altLang="en-US" sz="1400" dirty="0">
+                <a:latin typeface="仿宋"/>
+                <a:ea typeface="仿宋"/>
+                <a:cs typeface="仿宋"/>
+              </a:rPr>
+              <a:t>操作使得</a:t>
+            </a:r>
+            <a:r>
+              <a:rPr lang="en-US" altLang="zh-CN" sz="1400" dirty="0" err="1">
+                <a:latin typeface="仿宋"/>
+                <a:ea typeface="仿宋"/>
+                <a:cs typeface="仿宋"/>
+              </a:rPr>
+              <a:t>HStore</a:t>
+            </a:r>
+            <a:r>
+              <a:rPr lang="zh-CN" altLang="en-US" sz="1400" dirty="0">
+                <a:latin typeface="仿宋"/>
+                <a:ea typeface="仿宋"/>
+                <a:cs typeface="仿宋"/>
+              </a:rPr>
+              <a:t>文件数下降到回这个值，则停止阻塞。另外阻塞超过时间后，也会恢复执行</a:t>
+            </a:r>
+            <a:r>
+              <a:rPr lang="en-US" altLang="zh-CN" sz="1400" dirty="0">
+                <a:latin typeface="仿宋"/>
+                <a:ea typeface="仿宋"/>
+                <a:cs typeface="仿宋"/>
+              </a:rPr>
+              <a:t>flush</a:t>
+            </a:r>
+            <a:r>
+              <a:rPr lang="zh-CN" altLang="en-US" sz="1400" dirty="0">
+                <a:latin typeface="仿宋"/>
+                <a:ea typeface="仿宋"/>
+                <a:cs typeface="仿宋"/>
+              </a:rPr>
+              <a:t>操作</a:t>
+            </a:r>
+            <a:r>
+              <a:rPr lang="zh-CN" altLang="en-US" sz="1400" dirty="0" smtClean="0">
+                <a:latin typeface="仿宋"/>
+                <a:ea typeface="仿宋"/>
+                <a:cs typeface="仿宋"/>
+              </a:rPr>
+              <a:t>。</a:t>
+            </a:r>
+            <a:endParaRPr lang="en-US" altLang="zh-CN" sz="1400" dirty="0" smtClean="0">
+              <a:latin typeface="仿宋"/>
+              <a:ea typeface="仿宋"/>
+              <a:cs typeface="仿宋"/>
+            </a:endParaRPr>
+          </a:p>
+          <a:p>
+            <a:endParaRPr lang="en-US" altLang="zh-CN" sz="1400" dirty="0">
+              <a:latin typeface="仿宋"/>
+              <a:ea typeface="仿宋"/>
+              <a:cs typeface="仿宋"/>
+            </a:endParaRPr>
+          </a:p>
+          <a:p>
+            <a:pPr marL="285750" indent="-285750">
+              <a:buFont typeface="Wingdings" charset="2"/>
+              <a:buChar char="l"/>
+            </a:pPr>
+            <a:r>
+              <a:rPr lang="zh-CN" altLang="en-US" sz="1400" b="1" dirty="0">
+                <a:latin typeface="仿宋"/>
+                <a:ea typeface="仿宋"/>
+                <a:cs typeface="仿宋"/>
+              </a:rPr>
+              <a:t>触发时机</a:t>
+            </a:r>
+          </a:p>
+          <a:p>
+            <a:pPr lvl="1"/>
+            <a:r>
+              <a:rPr lang="en-US" altLang="zh-CN" sz="1400" dirty="0" err="1">
+                <a:latin typeface="仿宋"/>
+                <a:ea typeface="仿宋"/>
+                <a:cs typeface="仿宋"/>
+              </a:rPr>
               <a:t>HBase</a:t>
             </a:r>
             <a:r>
-              <a:rPr lang="en-US" altLang="zh-CN" dirty="0" smtClean="0"/>
+              <a:rPr lang="zh-CN" altLang="en-US" sz="1400" dirty="0">
+                <a:latin typeface="仿宋"/>
+                <a:ea typeface="仿宋"/>
+                <a:cs typeface="仿宋"/>
+              </a:rPr>
+              <a:t>中可以触发</a:t>
+            </a:r>
+            <a:r>
+              <a:rPr lang="en-US" altLang="zh-CN" sz="1400" dirty="0">
+                <a:latin typeface="仿宋"/>
+                <a:ea typeface="仿宋"/>
+                <a:cs typeface="仿宋"/>
+              </a:rPr>
+              <a:t>compaction</a:t>
+            </a:r>
+            <a:r>
+              <a:rPr lang="zh-CN" altLang="en-US" sz="1400" dirty="0">
+                <a:latin typeface="仿宋"/>
+                <a:ea typeface="仿宋"/>
+                <a:cs typeface="仿宋"/>
+              </a:rPr>
+              <a:t>的因素有很多，最常见的因素有这么三种：</a:t>
+            </a:r>
+            <a:r>
+              <a:rPr lang="en-US" altLang="zh-CN" sz="1400" dirty="0" err="1">
+                <a:latin typeface="仿宋"/>
+                <a:ea typeface="仿宋"/>
+                <a:cs typeface="仿宋"/>
+              </a:rPr>
+              <a:t>Memstore</a:t>
+            </a:r>
+            <a:r>
+              <a:rPr lang="en-US" altLang="zh-CN" sz="1400" dirty="0">
+                <a:latin typeface="仿宋"/>
+                <a:ea typeface="仿宋"/>
+                <a:cs typeface="仿宋"/>
+              </a:rPr>
+              <a:t> Flush</a:t>
+            </a:r>
+            <a:r>
+              <a:rPr lang="zh-CN" altLang="en-US" sz="1400" dirty="0">
+                <a:latin typeface="仿宋"/>
+                <a:ea typeface="仿宋"/>
+                <a:cs typeface="仿宋"/>
+              </a:rPr>
+              <a:t>、后台线程周期性检查、手动触发。</a:t>
+            </a:r>
+          </a:p>
+          <a:p>
+            <a:pPr lvl="1"/>
+            <a:r>
+              <a:rPr lang="en-US" altLang="zh-TW" sz="1400" dirty="0">
+                <a:latin typeface="仿宋"/>
+                <a:ea typeface="仿宋"/>
+                <a:cs typeface="仿宋"/>
+              </a:rPr>
+              <a:t>1. </a:t>
+            </a:r>
+            <a:r>
+              <a:rPr lang="en-US" altLang="zh-TW" sz="1400" dirty="0" err="1">
+                <a:latin typeface="仿宋"/>
+                <a:ea typeface="仿宋"/>
+                <a:cs typeface="仿宋"/>
+              </a:rPr>
+              <a:t>Memstore</a:t>
+            </a:r>
+            <a:r>
+              <a:rPr lang="en-US" altLang="zh-TW" sz="1400" dirty="0">
+                <a:latin typeface="仿宋"/>
+                <a:ea typeface="仿宋"/>
+                <a:cs typeface="仿宋"/>
+              </a:rPr>
+              <a:t> Flush: </a:t>
+            </a:r>
+            <a:r>
+              <a:rPr lang="zh-TW" altLang="en-US" sz="1400" dirty="0">
+                <a:latin typeface="仿宋"/>
+                <a:ea typeface="仿宋"/>
+                <a:cs typeface="仿宋"/>
+              </a:rPr>
+              <a:t>应该说</a:t>
+            </a:r>
+            <a:r>
+              <a:rPr lang="en-US" altLang="zh-TW" sz="1400" dirty="0">
+                <a:latin typeface="仿宋"/>
+                <a:ea typeface="仿宋"/>
+                <a:cs typeface="仿宋"/>
+              </a:rPr>
+              <a:t>compaction</a:t>
+            </a:r>
+            <a:r>
+              <a:rPr lang="zh-TW" altLang="en-US" sz="1400" dirty="0">
+                <a:latin typeface="仿宋"/>
+                <a:ea typeface="仿宋"/>
+                <a:cs typeface="仿宋"/>
+              </a:rPr>
+              <a:t>操作的源头就来自</a:t>
+            </a:r>
+            <a:r>
+              <a:rPr lang="en-US" altLang="zh-TW" sz="1400" dirty="0">
+                <a:latin typeface="仿宋"/>
+                <a:ea typeface="仿宋"/>
+                <a:cs typeface="仿宋"/>
+              </a:rPr>
+              <a:t>flush</a:t>
+            </a:r>
+            <a:r>
+              <a:rPr lang="zh-TW" altLang="en-US" sz="1400" dirty="0">
+                <a:latin typeface="仿宋"/>
+                <a:ea typeface="仿宋"/>
+                <a:cs typeface="仿宋"/>
+              </a:rPr>
+              <a:t>操作，</a:t>
+            </a:r>
+            <a:r>
+              <a:rPr lang="en-US" altLang="zh-TW" sz="1400" dirty="0" err="1">
+                <a:latin typeface="仿宋"/>
+                <a:ea typeface="仿宋"/>
+                <a:cs typeface="仿宋"/>
+              </a:rPr>
+              <a:t>memstore</a:t>
+            </a:r>
+            <a:r>
+              <a:rPr lang="en-US" altLang="zh-TW" sz="1400" dirty="0">
+                <a:latin typeface="仿宋"/>
+                <a:ea typeface="仿宋"/>
+                <a:cs typeface="仿宋"/>
+              </a:rPr>
+              <a:t> flush</a:t>
+            </a:r>
+            <a:r>
+              <a:rPr lang="zh-TW" altLang="en-US" sz="1400" dirty="0">
+                <a:latin typeface="仿宋"/>
+                <a:ea typeface="仿宋"/>
+                <a:cs typeface="仿宋"/>
+              </a:rPr>
+              <a:t>会产生</a:t>
+            </a:r>
+            <a:r>
+              <a:rPr lang="en-US" altLang="zh-TW" sz="1400" dirty="0" err="1">
+                <a:latin typeface="仿宋"/>
+                <a:ea typeface="仿宋"/>
+                <a:cs typeface="仿宋"/>
+              </a:rPr>
+              <a:t>HFile</a:t>
+            </a:r>
+            <a:r>
+              <a:rPr lang="zh-TW" altLang="en-US" sz="1400" dirty="0">
+                <a:latin typeface="仿宋"/>
+                <a:ea typeface="仿宋"/>
+                <a:cs typeface="仿宋"/>
+              </a:rPr>
+              <a:t>文件，文件越来越多就需要</a:t>
+            </a:r>
+            <a:r>
+              <a:rPr lang="en-US" altLang="zh-TW" sz="1400" dirty="0">
+                <a:latin typeface="仿宋"/>
+                <a:ea typeface="仿宋"/>
+                <a:cs typeface="仿宋"/>
+              </a:rPr>
+              <a:t>compact</a:t>
+            </a:r>
+            <a:r>
+              <a:rPr lang="zh-TW" altLang="en-US" sz="1400" dirty="0">
+                <a:latin typeface="仿宋"/>
+                <a:ea typeface="仿宋"/>
+                <a:cs typeface="仿宋"/>
+              </a:rPr>
+              <a:t>。因此在每次执行完</a:t>
+            </a:r>
+            <a:r>
+              <a:rPr lang="en-US" altLang="zh-TW" sz="1400" dirty="0">
+                <a:latin typeface="仿宋"/>
+                <a:ea typeface="仿宋"/>
+                <a:cs typeface="仿宋"/>
+              </a:rPr>
+              <a:t>Flush</a:t>
+            </a:r>
+            <a:r>
+              <a:rPr lang="zh-TW" altLang="en-US" sz="1400" dirty="0">
+                <a:latin typeface="仿宋"/>
+                <a:ea typeface="仿宋"/>
+                <a:cs typeface="仿宋"/>
+              </a:rPr>
+              <a:t>操作之后，都会对当前</a:t>
+            </a:r>
+            <a:r>
+              <a:rPr lang="en-US" altLang="zh-TW" sz="1400" dirty="0">
+                <a:latin typeface="仿宋"/>
+                <a:ea typeface="仿宋"/>
+                <a:cs typeface="仿宋"/>
+              </a:rPr>
+              <a:t>Store</a:t>
+            </a:r>
+            <a:r>
+              <a:rPr lang="zh-TW" altLang="en-US" sz="1400" dirty="0">
+                <a:latin typeface="仿宋"/>
+                <a:ea typeface="仿宋"/>
+                <a:cs typeface="仿宋"/>
+              </a:rPr>
+              <a:t>中的文件数进行判断，一旦文件数＃ </a:t>
+            </a:r>
+            <a:r>
+              <a:rPr lang="en-US" altLang="zh-TW" sz="1400" dirty="0">
+                <a:latin typeface="仿宋"/>
+                <a:ea typeface="仿宋"/>
+                <a:cs typeface="仿宋"/>
+              </a:rPr>
+              <a:t>&gt; </a:t>
+            </a:r>
+            <a:r>
+              <a:rPr lang="zh-TW" altLang="en-US" sz="1400" dirty="0">
+                <a:latin typeface="仿宋"/>
+                <a:ea typeface="仿宋"/>
+                <a:cs typeface="仿宋"/>
+              </a:rPr>
+              <a:t>，就会触发</a:t>
+            </a:r>
+            <a:r>
+              <a:rPr lang="en-US" altLang="zh-TW" sz="1400" dirty="0">
+                <a:latin typeface="仿宋"/>
+                <a:ea typeface="仿宋"/>
+                <a:cs typeface="仿宋"/>
+              </a:rPr>
+              <a:t>compaction</a:t>
+            </a:r>
+            <a:r>
+              <a:rPr lang="zh-TW" altLang="en-US" sz="1400" dirty="0">
+                <a:latin typeface="仿宋"/>
+                <a:ea typeface="仿宋"/>
+                <a:cs typeface="仿宋"/>
+              </a:rPr>
+              <a:t>。需要说明的是，</a:t>
+            </a:r>
+            <a:r>
+              <a:rPr lang="en-US" altLang="zh-TW" sz="1400" dirty="0">
+                <a:latin typeface="仿宋"/>
+                <a:ea typeface="仿宋"/>
+                <a:cs typeface="仿宋"/>
+              </a:rPr>
+              <a:t>compaction</a:t>
+            </a:r>
+            <a:r>
+              <a:rPr lang="zh-TW" altLang="en-US" sz="1400" dirty="0">
+                <a:latin typeface="仿宋"/>
+                <a:ea typeface="仿宋"/>
+                <a:cs typeface="仿宋"/>
+              </a:rPr>
+              <a:t>都是以</a:t>
+            </a:r>
+            <a:r>
+              <a:rPr lang="en-US" altLang="zh-TW" sz="1400" dirty="0">
+                <a:latin typeface="仿宋"/>
+                <a:ea typeface="仿宋"/>
+                <a:cs typeface="仿宋"/>
+              </a:rPr>
+              <a:t>Store</a:t>
+            </a:r>
+            <a:r>
+              <a:rPr lang="zh-TW" altLang="en-US" sz="1400" dirty="0">
+                <a:latin typeface="仿宋"/>
+                <a:ea typeface="仿宋"/>
+                <a:cs typeface="仿宋"/>
+              </a:rPr>
+              <a:t>为单位进行的，而在</a:t>
+            </a:r>
+            <a:r>
+              <a:rPr lang="en-US" altLang="zh-TW" sz="1400" dirty="0">
+                <a:solidFill>
+                  <a:srgbClr val="FF0000"/>
+                </a:solidFill>
+                <a:latin typeface="仿宋"/>
+                <a:ea typeface="仿宋"/>
+                <a:cs typeface="仿宋"/>
+              </a:rPr>
+              <a:t>Flush</a:t>
+            </a:r>
+            <a:r>
+              <a:rPr lang="zh-TW" altLang="en-US" sz="1400" dirty="0">
+                <a:solidFill>
+                  <a:srgbClr val="FF0000"/>
+                </a:solidFill>
+                <a:latin typeface="仿宋"/>
+                <a:ea typeface="仿宋"/>
+                <a:cs typeface="仿宋"/>
+              </a:rPr>
+              <a:t>触发条件下，整个</a:t>
+            </a:r>
+            <a:r>
+              <a:rPr lang="en-US" altLang="zh-TW" sz="1400" dirty="0">
+                <a:solidFill>
+                  <a:srgbClr val="FF0000"/>
+                </a:solidFill>
+                <a:latin typeface="仿宋"/>
+                <a:ea typeface="仿宋"/>
+                <a:cs typeface="仿宋"/>
+              </a:rPr>
+              <a:t>Region</a:t>
+            </a:r>
+            <a:r>
+              <a:rPr lang="zh-TW" altLang="en-US" sz="1400" dirty="0">
+                <a:solidFill>
+                  <a:srgbClr val="FF0000"/>
+                </a:solidFill>
+                <a:latin typeface="仿宋"/>
+                <a:ea typeface="仿宋"/>
+                <a:cs typeface="仿宋"/>
+              </a:rPr>
+              <a:t>的所有</a:t>
+            </a:r>
+            <a:r>
+              <a:rPr lang="en-US" altLang="zh-TW" sz="1400" dirty="0">
+                <a:solidFill>
+                  <a:srgbClr val="FF0000"/>
+                </a:solidFill>
+                <a:latin typeface="仿宋"/>
+                <a:ea typeface="仿宋"/>
+                <a:cs typeface="仿宋"/>
+              </a:rPr>
+              <a:t>Store</a:t>
+            </a:r>
+            <a:r>
+              <a:rPr lang="zh-TW" altLang="en-US" sz="1400" dirty="0">
+                <a:solidFill>
+                  <a:srgbClr val="FF0000"/>
+                </a:solidFill>
+                <a:latin typeface="仿宋"/>
+                <a:ea typeface="仿宋"/>
+                <a:cs typeface="仿宋"/>
+              </a:rPr>
+              <a:t>都会执行</a:t>
+            </a:r>
+            <a:r>
+              <a:rPr lang="en-US" altLang="zh-TW" sz="1400" dirty="0">
+                <a:solidFill>
+                  <a:srgbClr val="FF0000"/>
+                </a:solidFill>
+                <a:latin typeface="仿宋"/>
+                <a:ea typeface="仿宋"/>
+                <a:cs typeface="仿宋"/>
+              </a:rPr>
+              <a:t>compact</a:t>
+            </a:r>
+            <a:r>
+              <a:rPr lang="zh-TW" altLang="en-US" sz="1400" dirty="0">
+                <a:latin typeface="仿宋"/>
+                <a:ea typeface="仿宋"/>
+                <a:cs typeface="仿宋"/>
+              </a:rPr>
+              <a:t>，所以会在短时间内执行多次</a:t>
+            </a:r>
+            <a:r>
+              <a:rPr lang="en-US" altLang="zh-TW" sz="1400" dirty="0">
+                <a:latin typeface="仿宋"/>
+                <a:ea typeface="仿宋"/>
+                <a:cs typeface="仿宋"/>
+              </a:rPr>
+              <a:t>compaction</a:t>
+            </a:r>
+            <a:r>
+              <a:rPr lang="zh-TW" altLang="en-US" sz="1400" dirty="0">
+                <a:latin typeface="仿宋"/>
+                <a:ea typeface="仿宋"/>
+                <a:cs typeface="仿宋"/>
+              </a:rPr>
+              <a:t>。</a:t>
+            </a:r>
+          </a:p>
+          <a:p>
+            <a:pPr lvl="1"/>
+            <a:endParaRPr lang="zh-TW" altLang="en-US" sz="1400" dirty="0">
+              <a:latin typeface="仿宋"/>
+              <a:ea typeface="仿宋"/>
+              <a:cs typeface="仿宋"/>
+            </a:endParaRPr>
+          </a:p>
+          <a:p>
+            <a:pPr lvl="1"/>
+            <a:r>
+              <a:rPr lang="en-US" altLang="zh-TW" sz="1400" dirty="0">
+                <a:latin typeface="仿宋"/>
+                <a:ea typeface="仿宋"/>
+                <a:cs typeface="仿宋"/>
+              </a:rPr>
+              <a:t>2. </a:t>
+            </a:r>
+            <a:r>
+              <a:rPr lang="zh-TW" altLang="en-US" sz="1400" dirty="0">
+                <a:latin typeface="仿宋"/>
+                <a:ea typeface="仿宋"/>
+                <a:cs typeface="仿宋"/>
+              </a:rPr>
+              <a:t>后台线程周期性检查：后台线程</a:t>
+            </a:r>
+            <a:r>
+              <a:rPr lang="en-US" altLang="zh-TW" sz="1400" dirty="0" err="1">
+                <a:latin typeface="仿宋"/>
+                <a:ea typeface="仿宋"/>
+                <a:cs typeface="仿宋"/>
+              </a:rPr>
+              <a:t>CompactionChecker</a:t>
+            </a:r>
+            <a:r>
+              <a:rPr lang="zh-TW" altLang="en-US" sz="1400" dirty="0">
+                <a:latin typeface="仿宋"/>
+                <a:ea typeface="仿宋"/>
+                <a:cs typeface="仿宋"/>
+              </a:rPr>
+              <a:t>定期触发检查是否需要执行</a:t>
+            </a:r>
+            <a:r>
+              <a:rPr lang="en-US" altLang="zh-TW" sz="1400" dirty="0">
+                <a:latin typeface="仿宋"/>
+                <a:ea typeface="仿宋"/>
+                <a:cs typeface="仿宋"/>
+              </a:rPr>
+              <a:t>compaction</a:t>
+            </a:r>
+            <a:r>
+              <a:rPr lang="zh-TW" altLang="en-US" sz="1400" dirty="0">
+                <a:latin typeface="仿宋"/>
+                <a:ea typeface="仿宋"/>
+                <a:cs typeface="仿宋"/>
+              </a:rPr>
+              <a:t>，检查周期为：</a:t>
+            </a:r>
+            <a:r>
+              <a:rPr lang="en-US" altLang="zh-TW" sz="1400" dirty="0" err="1">
+                <a:latin typeface="仿宋"/>
+                <a:ea typeface="仿宋"/>
+                <a:cs typeface="仿宋"/>
+              </a:rPr>
+              <a:t>hbase.server.thread.wakefrequency</a:t>
+            </a:r>
+            <a:r>
+              <a:rPr lang="en-US" altLang="zh-TW" sz="1400" dirty="0">
+                <a:latin typeface="仿宋"/>
+                <a:ea typeface="仿宋"/>
+                <a:cs typeface="仿宋"/>
+              </a:rPr>
+              <a:t>*</a:t>
+            </a:r>
+            <a:r>
+              <a:rPr lang="en-US" altLang="zh-TW" sz="1400" dirty="0" err="1">
+                <a:latin typeface="仿宋"/>
+                <a:ea typeface="仿宋"/>
+                <a:cs typeface="仿宋"/>
+              </a:rPr>
+              <a:t>hbase.server.compactchecker.interval.multiplier</a:t>
+            </a:r>
+            <a:r>
+              <a:rPr lang="zh-TW" altLang="en-US" sz="1400" dirty="0">
+                <a:latin typeface="仿宋"/>
+                <a:ea typeface="仿宋"/>
+                <a:cs typeface="仿宋"/>
+              </a:rPr>
+              <a:t>。和</a:t>
+            </a:r>
+            <a:r>
+              <a:rPr lang="en-US" altLang="zh-TW" sz="1400" dirty="0">
+                <a:latin typeface="仿宋"/>
+                <a:ea typeface="仿宋"/>
+                <a:cs typeface="仿宋"/>
+              </a:rPr>
+              <a:t>flush</a:t>
+            </a:r>
+            <a:r>
+              <a:rPr lang="zh-TW" altLang="en-US" sz="1400" dirty="0">
+                <a:latin typeface="仿宋"/>
+                <a:ea typeface="仿宋"/>
+                <a:cs typeface="仿宋"/>
+              </a:rPr>
+              <a:t>不同的是，该线程优先检查文件数＃是否大于，一旦大于就会触发</a:t>
+            </a:r>
+            <a:r>
+              <a:rPr lang="en-US" altLang="zh-TW" sz="1400" dirty="0" smtClean="0">
+                <a:latin typeface="仿宋"/>
+                <a:ea typeface="仿宋"/>
+                <a:cs typeface="仿宋"/>
+              </a:rPr>
+              <a:t>compaction</a:t>
+            </a:r>
+            <a:r>
+              <a:rPr lang="zh-TW" altLang="en-US" sz="1400" dirty="0" smtClean="0">
+                <a:latin typeface="仿宋"/>
+                <a:ea typeface="仿宋"/>
+                <a:cs typeface="仿宋"/>
+              </a:rPr>
+              <a:t>，</a:t>
+            </a:r>
+            <a:r>
+              <a:rPr lang="zh-CN" altLang="en-US" sz="1400" dirty="0" smtClean="0">
+                <a:latin typeface="仿宋"/>
+                <a:ea typeface="仿宋"/>
+                <a:cs typeface="仿宋"/>
+              </a:rPr>
+              <a:t>如果不满足，就检查是否满足</a:t>
+            </a:r>
+            <a:r>
+              <a:rPr lang="en-US" altLang="zh-CN" sz="1400" dirty="0" smtClean="0">
+                <a:latin typeface="仿宋"/>
+                <a:ea typeface="仿宋"/>
+                <a:cs typeface="仿宋"/>
+              </a:rPr>
+              <a:t>major</a:t>
+            </a:r>
+            <a:r>
+              <a:rPr lang="zh-CN" altLang="en-US" sz="1400" dirty="0" smtClean="0">
+                <a:latin typeface="仿宋"/>
+                <a:ea typeface="仿宋"/>
+                <a:cs typeface="仿宋"/>
+              </a:rPr>
               <a:t> </a:t>
             </a:r>
             <a:r>
-              <a:rPr lang="en-US" altLang="zh-CN" dirty="0"/>
-              <a:t>Minor </a:t>
-            </a:r>
-            <a:r>
-              <a:rPr lang="en-US" altLang="zh-CN" dirty="0" smtClean="0"/>
-              <a:t>Compaction</a:t>
-            </a:r>
-          </a:p>
-          <a:p>
-            <a:r>
-              <a:rPr lang="en-US" altLang="zh-CN" dirty="0" smtClean="0"/>
-              <a:t>The </a:t>
-            </a:r>
-            <a:r>
-              <a:rPr lang="en-US" altLang="zh-CN" dirty="0"/>
-              <a:t>process of combining the configurable number of smaller </a:t>
-            </a:r>
-            <a:r>
-              <a:rPr lang="en-US" altLang="zh-CN" dirty="0" err="1"/>
-              <a:t>HFiles</a:t>
-            </a:r>
-            <a:r>
-              <a:rPr lang="en-US" altLang="zh-CN" dirty="0"/>
-              <a:t> into one large </a:t>
-            </a:r>
-            <a:r>
-              <a:rPr lang="en-US" altLang="zh-CN" dirty="0" err="1"/>
-              <a:t>HFile</a:t>
-            </a:r>
-            <a:r>
-              <a:rPr lang="en-US" altLang="zh-CN" dirty="0"/>
-              <a:t> is what we call Minor compaction. Though, it is quite important since, reading particular rows needs many disk reads and may reduce overall performance, without </a:t>
-            </a:r>
-            <a:r>
-              <a:rPr lang="en-US" altLang="zh-CN" dirty="0" err="1"/>
-              <a:t>it.Here</a:t>
-            </a:r>
-            <a:r>
-              <a:rPr lang="en-US" altLang="zh-CN" dirty="0"/>
-              <a:t> are the several processes which involve in </a:t>
-            </a:r>
-            <a:r>
-              <a:rPr lang="en-US" altLang="zh-CN" dirty="0" err="1"/>
+              <a:rPr lang="en-US" altLang="zh-CN" sz="1400" dirty="0" smtClean="0">
+                <a:latin typeface="仿宋"/>
+                <a:ea typeface="仿宋"/>
+                <a:cs typeface="仿宋"/>
+              </a:rPr>
+              <a:t>compaction;</a:t>
+            </a:r>
+            <a:r>
+              <a:rPr lang="zh-TW" altLang="en-US" sz="1400" dirty="0" smtClean="0">
+                <a:latin typeface="仿宋"/>
+                <a:ea typeface="仿宋"/>
+                <a:cs typeface="仿宋"/>
+              </a:rPr>
+              <a:t>简单来说</a:t>
+            </a:r>
+            <a:r>
+              <a:rPr lang="zh-TW" altLang="en-US" sz="1400" dirty="0">
+                <a:latin typeface="仿宋"/>
+                <a:ea typeface="仿宋"/>
+                <a:cs typeface="仿宋"/>
+              </a:rPr>
+              <a:t>，如果当前</a:t>
+            </a:r>
+            <a:r>
+              <a:rPr lang="en-US" altLang="zh-TW" sz="1400" dirty="0">
+                <a:latin typeface="仿宋"/>
+                <a:ea typeface="仿宋"/>
+                <a:cs typeface="仿宋"/>
+              </a:rPr>
+              <a:t>store</a:t>
+            </a:r>
+            <a:r>
+              <a:rPr lang="zh-TW" altLang="en-US" sz="1400" dirty="0">
+                <a:latin typeface="仿宋"/>
+                <a:ea typeface="仿宋"/>
+                <a:cs typeface="仿宋"/>
+              </a:rPr>
+              <a:t>中</a:t>
+            </a:r>
+            <a:r>
+              <a:rPr lang="en-US" altLang="zh-TW" sz="1400" dirty="0" err="1">
+                <a:latin typeface="仿宋"/>
+                <a:ea typeface="仿宋"/>
+                <a:cs typeface="仿宋"/>
+              </a:rPr>
+              <a:t>hfile</a:t>
+            </a:r>
+            <a:r>
+              <a:rPr lang="zh-TW" altLang="en-US" sz="1400" dirty="0">
+                <a:latin typeface="仿宋"/>
+                <a:ea typeface="仿宋"/>
+                <a:cs typeface="仿宋"/>
+              </a:rPr>
+              <a:t>的最早更新时间早于某个值</a:t>
+            </a:r>
+            <a:r>
+              <a:rPr lang="en-US" altLang="zh-TW" sz="1400" dirty="0" err="1">
+                <a:latin typeface="仿宋"/>
+                <a:ea typeface="仿宋"/>
+                <a:cs typeface="仿宋"/>
+              </a:rPr>
+              <a:t>mcTime</a:t>
+            </a:r>
+            <a:r>
+              <a:rPr lang="zh-TW" altLang="en-US" sz="1400" dirty="0">
+                <a:latin typeface="仿宋"/>
+                <a:ea typeface="仿宋"/>
+                <a:cs typeface="仿宋"/>
+              </a:rPr>
+              <a:t>，就会触发</a:t>
+            </a:r>
+            <a:r>
+              <a:rPr lang="en-US" altLang="zh-TW" sz="1400" dirty="0">
+                <a:latin typeface="仿宋"/>
+                <a:ea typeface="仿宋"/>
+                <a:cs typeface="仿宋"/>
+              </a:rPr>
+              <a:t>major compaction</a:t>
+            </a:r>
+            <a:r>
+              <a:rPr lang="zh-TW" altLang="en-US" sz="1400" dirty="0">
+                <a:latin typeface="仿宋"/>
+                <a:ea typeface="仿宋"/>
+                <a:cs typeface="仿宋"/>
+              </a:rPr>
+              <a:t>，</a:t>
+            </a:r>
+            <a:r>
+              <a:rPr lang="en-US" altLang="zh-TW" sz="1400" dirty="0" err="1">
+                <a:latin typeface="仿宋"/>
+                <a:ea typeface="仿宋"/>
+                <a:cs typeface="仿宋"/>
+              </a:rPr>
               <a:t>HBase</a:t>
             </a:r>
             <a:r>
-              <a:rPr lang="en-US" altLang="zh-CN" dirty="0"/>
-              <a:t> Minor Compaction, are</a:t>
-            </a:r>
-            <a:r>
-              <a:rPr lang="en-US" altLang="zh-CN" dirty="0" smtClean="0"/>
-              <a:t>:</a:t>
-            </a:r>
-          </a:p>
-          <a:p>
-            <a:pPr marL="342900" indent="-342900">
-              <a:buAutoNum type="arabicPeriod"/>
-            </a:pPr>
-            <a:r>
-              <a:rPr lang="en-US" altLang="zh-CN" dirty="0" smtClean="0"/>
-              <a:t>By </a:t>
-            </a:r>
-            <a:r>
-              <a:rPr lang="en-US" altLang="zh-CN" dirty="0"/>
-              <a:t>combining smaller </a:t>
-            </a:r>
-            <a:r>
-              <a:rPr lang="en-US" altLang="zh-CN" dirty="0" err="1"/>
-              <a:t>Hfiles</a:t>
-            </a:r>
-            <a:r>
-              <a:rPr lang="en-US" altLang="zh-CN" dirty="0"/>
-              <a:t>, it creates bigger </a:t>
-            </a:r>
-            <a:r>
-              <a:rPr lang="en-US" altLang="zh-CN" dirty="0" err="1"/>
-              <a:t>Hfile</a:t>
-            </a:r>
-            <a:r>
-              <a:rPr lang="en-US" altLang="zh-CN" dirty="0" smtClean="0"/>
-              <a:t>.</a:t>
-            </a:r>
-          </a:p>
-          <a:p>
-            <a:pPr marL="342900" indent="-342900">
-              <a:buAutoNum type="arabicPeriod"/>
-            </a:pPr>
-            <a:r>
-              <a:rPr lang="en-US" altLang="zh-CN" dirty="0" smtClean="0"/>
-              <a:t>2</a:t>
-            </a:r>
-            <a:r>
-              <a:rPr lang="en-US" altLang="zh-CN" dirty="0"/>
-              <a:t>. Also, </a:t>
-            </a:r>
-            <a:r>
-              <a:rPr lang="en-US" altLang="zh-CN" dirty="0" err="1"/>
-              <a:t>Hfile</a:t>
-            </a:r>
-            <a:r>
-              <a:rPr lang="en-US" altLang="zh-CN" dirty="0"/>
-              <a:t> stores the deleted file along with it</a:t>
-            </a:r>
-            <a:r>
-              <a:rPr lang="en-US" altLang="zh-CN" dirty="0" smtClean="0"/>
-              <a:t>.</a:t>
-            </a:r>
-          </a:p>
-          <a:p>
-            <a:pPr marL="342900" indent="-342900">
-              <a:buAutoNum type="arabicPeriod"/>
-            </a:pPr>
-            <a:r>
-              <a:rPr lang="en-US" altLang="zh-CN" dirty="0" smtClean="0"/>
-              <a:t>3</a:t>
-            </a:r>
-            <a:r>
-              <a:rPr lang="en-US" altLang="zh-CN" dirty="0"/>
-              <a:t>. To store more data increases space in memory</a:t>
-            </a:r>
-            <a:r>
-              <a:rPr lang="en-US" altLang="zh-CN" dirty="0" smtClean="0"/>
-              <a:t>.</a:t>
-            </a:r>
-          </a:p>
-          <a:p>
-            <a:pPr marL="342900" indent="-342900">
-              <a:buAutoNum type="arabicPeriod"/>
-            </a:pPr>
-            <a:r>
-              <a:rPr lang="en-US" altLang="zh-CN" dirty="0" smtClean="0"/>
-              <a:t>4</a:t>
-            </a:r>
-            <a:r>
-              <a:rPr lang="en-US" altLang="zh-CN" dirty="0"/>
-              <a:t>. Uses merge sorting.</a:t>
-            </a:r>
-            <a:endParaRPr lang="zh-CN" altLang="en-US" dirty="0"/>
+              <a:rPr lang="zh-TW" altLang="en-US" sz="1400" dirty="0">
+                <a:latin typeface="仿宋"/>
+                <a:ea typeface="仿宋"/>
+                <a:cs typeface="仿宋"/>
+              </a:rPr>
+              <a:t>预想通过这种机制定期删除过期数据。上文</a:t>
+            </a:r>
+            <a:r>
+              <a:rPr lang="en-US" altLang="zh-TW" sz="1400" dirty="0" err="1">
+                <a:latin typeface="仿宋"/>
+                <a:ea typeface="仿宋"/>
+                <a:cs typeface="仿宋"/>
+              </a:rPr>
+              <a:t>mcTime</a:t>
+            </a:r>
+            <a:r>
+              <a:rPr lang="zh-TW" altLang="en-US" sz="1400" dirty="0">
+                <a:latin typeface="仿宋"/>
+                <a:ea typeface="仿宋"/>
+                <a:cs typeface="仿宋"/>
+              </a:rPr>
+              <a:t>是一个浮动值，浮动区间默认为［</a:t>
+            </a:r>
+            <a:r>
+              <a:rPr lang="en-US" altLang="zh-TW" sz="1400" dirty="0">
+                <a:latin typeface="仿宋"/>
+                <a:ea typeface="仿宋"/>
+                <a:cs typeface="仿宋"/>
+              </a:rPr>
+              <a:t>7-7*0.2</a:t>
+            </a:r>
+            <a:r>
+              <a:rPr lang="zh-TW" altLang="en-US" sz="1400" dirty="0">
+                <a:latin typeface="仿宋"/>
+                <a:ea typeface="仿宋"/>
+                <a:cs typeface="仿宋"/>
+              </a:rPr>
+              <a:t>，</a:t>
+            </a:r>
+            <a:r>
+              <a:rPr lang="en-US" altLang="zh-TW" sz="1400" dirty="0">
+                <a:latin typeface="仿宋"/>
+                <a:ea typeface="仿宋"/>
+                <a:cs typeface="仿宋"/>
+              </a:rPr>
+              <a:t>7+7*0.2</a:t>
+            </a:r>
+            <a:r>
+              <a:rPr lang="zh-TW" altLang="en-US" sz="1400" dirty="0">
+                <a:latin typeface="仿宋"/>
+                <a:ea typeface="仿宋"/>
+                <a:cs typeface="仿宋"/>
+              </a:rPr>
+              <a:t>］，其中</a:t>
+            </a:r>
+            <a:r>
+              <a:rPr lang="en-US" altLang="zh-TW" sz="1400" dirty="0">
+                <a:latin typeface="仿宋"/>
+                <a:ea typeface="仿宋"/>
+                <a:cs typeface="仿宋"/>
+              </a:rPr>
+              <a:t>7</a:t>
+            </a:r>
+            <a:r>
+              <a:rPr lang="zh-TW" altLang="en-US" sz="1400" dirty="0">
+                <a:latin typeface="仿宋"/>
+                <a:ea typeface="仿宋"/>
+                <a:cs typeface="仿宋"/>
+              </a:rPr>
+              <a:t>为</a:t>
+            </a:r>
+            <a:r>
+              <a:rPr lang="en-US" altLang="zh-TW" sz="1400" dirty="0" err="1">
+                <a:latin typeface="仿宋"/>
+                <a:ea typeface="仿宋"/>
+                <a:cs typeface="仿宋"/>
+              </a:rPr>
+              <a:t>hbase.hregion.majorcompaction</a:t>
+            </a:r>
+            <a:r>
+              <a:rPr lang="zh-TW" altLang="en-US" sz="1400" dirty="0">
+                <a:latin typeface="仿宋"/>
+                <a:ea typeface="仿宋"/>
+                <a:cs typeface="仿宋"/>
+              </a:rPr>
+              <a:t>，</a:t>
+            </a:r>
+            <a:r>
+              <a:rPr lang="en-US" altLang="zh-TW" sz="1400" dirty="0">
+                <a:latin typeface="仿宋"/>
+                <a:ea typeface="仿宋"/>
+                <a:cs typeface="仿宋"/>
+              </a:rPr>
+              <a:t>0.2</a:t>
+            </a:r>
+            <a:r>
+              <a:rPr lang="zh-TW" altLang="en-US" sz="1400" dirty="0">
+                <a:latin typeface="仿宋"/>
+                <a:ea typeface="仿宋"/>
+                <a:cs typeface="仿宋"/>
+              </a:rPr>
+              <a:t>为</a:t>
+            </a:r>
+            <a:r>
+              <a:rPr lang="en-US" altLang="zh-TW" sz="1400" dirty="0" err="1">
+                <a:latin typeface="仿宋"/>
+                <a:ea typeface="仿宋"/>
+                <a:cs typeface="仿宋"/>
+              </a:rPr>
+              <a:t>hbase.hregion.majorcompaction.jitter</a:t>
+            </a:r>
+            <a:r>
+              <a:rPr lang="zh-TW" altLang="en-US" sz="1400" dirty="0">
+                <a:latin typeface="仿宋"/>
+                <a:ea typeface="仿宋"/>
+                <a:cs typeface="仿宋"/>
+              </a:rPr>
+              <a:t>，可见默认在</a:t>
+            </a:r>
+            <a:r>
+              <a:rPr lang="en-US" altLang="zh-TW" sz="1400" dirty="0">
+                <a:latin typeface="仿宋"/>
+                <a:ea typeface="仿宋"/>
+                <a:cs typeface="仿宋"/>
+              </a:rPr>
+              <a:t>7</a:t>
+            </a:r>
+            <a:r>
+              <a:rPr lang="zh-TW" altLang="en-US" sz="1400" dirty="0">
+                <a:latin typeface="仿宋"/>
+                <a:ea typeface="仿宋"/>
+                <a:cs typeface="仿宋"/>
+              </a:rPr>
+              <a:t>天左右就会执行一次</a:t>
+            </a:r>
+            <a:r>
+              <a:rPr lang="en-US" altLang="zh-TW" sz="1400" dirty="0">
+                <a:latin typeface="仿宋"/>
+                <a:ea typeface="仿宋"/>
+                <a:cs typeface="仿宋"/>
+              </a:rPr>
+              <a:t>major compaction</a:t>
+            </a:r>
+            <a:r>
+              <a:rPr lang="zh-TW" altLang="en-US" sz="1400" dirty="0">
+                <a:latin typeface="仿宋"/>
+                <a:ea typeface="仿宋"/>
+                <a:cs typeface="仿宋"/>
+              </a:rPr>
+              <a:t>。用户如果想禁用</a:t>
+            </a:r>
+            <a:r>
+              <a:rPr lang="en-US" altLang="zh-TW" sz="1400" dirty="0">
+                <a:latin typeface="仿宋"/>
+                <a:ea typeface="仿宋"/>
+                <a:cs typeface="仿宋"/>
+              </a:rPr>
+              <a:t>major compaction</a:t>
+            </a:r>
+            <a:r>
+              <a:rPr lang="zh-TW" altLang="en-US" sz="1400" dirty="0">
+                <a:latin typeface="仿宋"/>
+                <a:ea typeface="仿宋"/>
+                <a:cs typeface="仿宋"/>
+              </a:rPr>
+              <a:t>，只需要将参数</a:t>
+            </a:r>
+            <a:r>
+              <a:rPr lang="en-US" altLang="zh-TW" sz="1400" dirty="0" err="1">
+                <a:latin typeface="仿宋"/>
+                <a:ea typeface="仿宋"/>
+                <a:cs typeface="仿宋"/>
+              </a:rPr>
+              <a:t>hbase.hregion.majorcompaction</a:t>
+            </a:r>
+            <a:r>
+              <a:rPr lang="zh-TW" altLang="en-US" sz="1400" dirty="0">
+                <a:latin typeface="仿宋"/>
+                <a:ea typeface="仿宋"/>
+                <a:cs typeface="仿宋"/>
+              </a:rPr>
+              <a:t>设为</a:t>
+            </a:r>
+            <a:r>
+              <a:rPr lang="en-US" altLang="zh-TW" sz="1400" dirty="0">
+                <a:latin typeface="仿宋"/>
+                <a:ea typeface="仿宋"/>
+                <a:cs typeface="仿宋"/>
+              </a:rPr>
+              <a:t>0</a:t>
+            </a:r>
+          </a:p>
+          <a:p>
+            <a:pPr lvl="1"/>
+            <a:endParaRPr lang="en-US" altLang="zh-CN" sz="1400" dirty="0">
+              <a:latin typeface="仿宋"/>
+              <a:ea typeface="仿宋"/>
+              <a:cs typeface="仿宋"/>
+            </a:endParaRPr>
+          </a:p>
+          <a:p>
+            <a:pPr lvl="1"/>
+            <a:r>
+              <a:rPr lang="en-US" altLang="zh-CN" sz="1400" dirty="0">
+                <a:latin typeface="仿宋"/>
+                <a:ea typeface="仿宋"/>
+                <a:cs typeface="仿宋"/>
+              </a:rPr>
+              <a:t>3. </a:t>
+            </a:r>
+            <a:r>
+              <a:rPr lang="zh-CN" altLang="en-US" sz="1400" dirty="0">
+                <a:latin typeface="仿宋"/>
+                <a:ea typeface="仿宋"/>
+                <a:cs typeface="仿宋"/>
+              </a:rPr>
+              <a:t>手动触发：一般来讲，手动触发</a:t>
+            </a:r>
+            <a:r>
+              <a:rPr lang="en-US" altLang="zh-CN" sz="1400" dirty="0">
+                <a:latin typeface="仿宋"/>
+                <a:ea typeface="仿宋"/>
+                <a:cs typeface="仿宋"/>
+              </a:rPr>
+              <a:t>compaction</a:t>
+            </a:r>
+            <a:r>
+              <a:rPr lang="zh-CN" altLang="en-US" sz="1400" dirty="0">
+                <a:latin typeface="仿宋"/>
+                <a:ea typeface="仿宋"/>
+                <a:cs typeface="仿宋"/>
+              </a:rPr>
+              <a:t>通常是为了执行</a:t>
+            </a:r>
+            <a:r>
+              <a:rPr lang="en-US" altLang="zh-CN" sz="1400" dirty="0">
+                <a:latin typeface="仿宋"/>
+                <a:ea typeface="仿宋"/>
+                <a:cs typeface="仿宋"/>
+              </a:rPr>
+              <a:t>major compaction</a:t>
+            </a:r>
+            <a:r>
+              <a:rPr lang="zh-CN" altLang="en-US" sz="1400" dirty="0">
+                <a:latin typeface="仿宋"/>
+                <a:ea typeface="仿宋"/>
+                <a:cs typeface="仿宋"/>
+              </a:rPr>
+              <a:t>，原因有三，其一是因为很多业务担心自动</a:t>
+            </a:r>
+            <a:r>
+              <a:rPr lang="en-US" altLang="zh-CN" sz="1400" dirty="0">
+                <a:latin typeface="仿宋"/>
+                <a:ea typeface="仿宋"/>
+                <a:cs typeface="仿宋"/>
+              </a:rPr>
+              <a:t>major compaction</a:t>
+            </a:r>
+            <a:r>
+              <a:rPr lang="zh-CN" altLang="en-US" sz="1400" dirty="0">
+                <a:latin typeface="仿宋"/>
+                <a:ea typeface="仿宋"/>
+                <a:cs typeface="仿宋"/>
+              </a:rPr>
+              <a:t>影响读写性能，因此会选择低峰期手动触发；其二也有可能是用户在执行完</a:t>
+            </a:r>
+            <a:r>
+              <a:rPr lang="en-US" altLang="zh-CN" sz="1400" dirty="0">
+                <a:latin typeface="仿宋"/>
+                <a:ea typeface="仿宋"/>
+                <a:cs typeface="仿宋"/>
+              </a:rPr>
+              <a:t>alter</a:t>
+            </a:r>
+            <a:r>
+              <a:rPr lang="zh-CN" altLang="en-US" sz="1400" dirty="0">
+                <a:latin typeface="仿宋"/>
+                <a:ea typeface="仿宋"/>
+                <a:cs typeface="仿宋"/>
+              </a:rPr>
+              <a:t>操作之后希望立刻生效，执行手动触发</a:t>
+            </a:r>
+            <a:r>
+              <a:rPr lang="en-US" altLang="zh-CN" sz="1400" dirty="0">
+                <a:latin typeface="仿宋"/>
+                <a:ea typeface="仿宋"/>
+                <a:cs typeface="仿宋"/>
+              </a:rPr>
+              <a:t>major compaction</a:t>
+            </a:r>
+            <a:r>
+              <a:rPr lang="zh-CN" altLang="en-US" sz="1400" dirty="0">
+                <a:latin typeface="仿宋"/>
+                <a:ea typeface="仿宋"/>
+                <a:cs typeface="仿宋"/>
+              </a:rPr>
+              <a:t>；其三是</a:t>
+            </a:r>
+            <a:r>
+              <a:rPr lang="en-US" altLang="zh-CN" sz="1400" dirty="0" err="1">
+                <a:latin typeface="仿宋"/>
+                <a:ea typeface="仿宋"/>
+                <a:cs typeface="仿宋"/>
+              </a:rPr>
+              <a:t>HBase</a:t>
+            </a:r>
+            <a:r>
+              <a:rPr lang="zh-CN" altLang="en-US" sz="1400" dirty="0">
+                <a:latin typeface="仿宋"/>
+                <a:ea typeface="仿宋"/>
+                <a:cs typeface="仿宋"/>
+              </a:rPr>
+              <a:t>管理员发现硬盘容量不够的情况下手动触发</a:t>
+            </a:r>
+            <a:r>
+              <a:rPr lang="en-US" altLang="zh-CN" sz="1400" dirty="0">
+                <a:latin typeface="仿宋"/>
+                <a:ea typeface="仿宋"/>
+                <a:cs typeface="仿宋"/>
+              </a:rPr>
+              <a:t>major compaction</a:t>
+            </a:r>
+            <a:r>
+              <a:rPr lang="zh-CN" altLang="en-US" sz="1400" dirty="0">
+                <a:latin typeface="仿宋"/>
+                <a:ea typeface="仿宋"/>
+                <a:cs typeface="仿宋"/>
+              </a:rPr>
+              <a:t>删除大量过期数据；无论哪种触发动机，一旦手动触发，</a:t>
+            </a:r>
+            <a:r>
+              <a:rPr lang="en-US" altLang="zh-CN" sz="1400" dirty="0" err="1">
+                <a:latin typeface="仿宋"/>
+                <a:ea typeface="仿宋"/>
+                <a:cs typeface="仿宋"/>
+              </a:rPr>
+              <a:t>HBase</a:t>
+            </a:r>
+            <a:r>
+              <a:rPr lang="zh-CN" altLang="en-US" sz="1400" dirty="0">
+                <a:latin typeface="仿宋"/>
+                <a:ea typeface="仿宋"/>
+                <a:cs typeface="仿宋"/>
+              </a:rPr>
+              <a:t>会不做很多自动化检查，直接执行合并。</a:t>
+            </a:r>
+          </a:p>
+          <a:p>
+            <a:endParaRPr lang="zh-CN" altLang="en-US" sz="1400" dirty="0">
+              <a:latin typeface="仿宋"/>
+              <a:ea typeface="仿宋"/>
+              <a:cs typeface="仿宋"/>
+            </a:endParaRPr>
           </a:p>
         </p:txBody>
       </p:sp>
@@ -20188,6 +21915,13 @@
   <p:clrMapOvr>
     <a:masterClrMapping/>
   </p:clrMapOvr>
+  <p:timing>
+    <p:tnLst>
+      <p:par>
+        <p:cTn xmlns:p14="http://schemas.microsoft.com/office/powerpoint/2010/main" id="1" dur="indefinite" restart="never" nodeType="tmRoot"/>
+      </p:par>
+    </p:tnLst>
+  </p:timing>
 </p:sld>
 </file>
 
@@ -20225,46 +21959,265 @@
           <a:p>
             <a:r>
               <a:rPr lang="en-US" altLang="zh-CN" dirty="0" smtClean="0"/>
-              <a:t>Minor Compaction</a:t>
-            </a:r>
-            <a:endParaRPr lang="zh-CN" altLang="en-US" dirty="0"/>
+              <a:t>Compaction</a:t>
+            </a:r>
+            <a:r>
+              <a:rPr lang="zh-CN" altLang="en-US" dirty="0"/>
+              <a:t>策略</a:t>
+            </a:r>
           </a:p>
         </p:txBody>
       </p:sp>
-      <p:pic>
-        <p:nvPicPr>
-          <p:cNvPr id="4" name="图片 3"/>
-          <p:cNvPicPr>
-            <a:picLocks noChangeAspect="1"/>
-          </p:cNvPicPr>
+      <p:sp>
+        <p:nvSpPr>
+          <p:cNvPr id="4" name="矩形 3"/>
+          <p:cNvSpPr/>
           <p:nvPr/>
-        </p:nvPicPr>
-        <p:blipFill>
-          <a:blip r:embed="rId2">
-            <a:extLst>
-              <a:ext uri="{28A0092B-C50C-407E-A947-70E740481C1C}">
-                <a14:useLocalDpi xmlns:a14="http://schemas.microsoft.com/office/drawing/2010/main" val="0"/>
-              </a:ext>
-            </a:extLst>
-          </a:blip>
-          <a:stretch>
-            <a:fillRect/>
-          </a:stretch>
-        </p:blipFill>
+        </p:nvSpPr>
         <p:spPr>
           <a:xfrm>
-            <a:off x="1306286" y="1244891"/>
-            <a:ext cx="8907560" cy="5463303"/>
+            <a:off x="617823" y="1262489"/>
+            <a:ext cx="10914879" cy="5193729"/>
           </a:xfrm>
           <a:prstGeom prst="rect">
             <a:avLst/>
           </a:prstGeom>
         </p:spPr>
-      </p:pic>
+        <p:txBody>
+          <a:bodyPr wrap="square">
+            <a:spAutoFit/>
+          </a:bodyPr>
+          <a:lstStyle/>
+          <a:p>
+            <a:pPr marL="285750" indent="-285750">
+              <a:buFont typeface="Wingdings" charset="2"/>
+              <a:buChar char="l"/>
+            </a:pPr>
+            <a:r>
+              <a:rPr lang="en-US" altLang="zh-CN" dirty="0" err="1"/>
+              <a:t>HBase</a:t>
+            </a:r>
+            <a:r>
+              <a:rPr lang="zh-CN" altLang="en-US" dirty="0"/>
+              <a:t>对于</a:t>
+            </a:r>
+            <a:r>
+              <a:rPr lang="en-US" altLang="zh-CN" dirty="0"/>
+              <a:t>compaction</a:t>
+            </a:r>
+            <a:r>
+              <a:rPr lang="zh-CN" altLang="en-US" dirty="0"/>
+              <a:t>的设计总是会追求一个平衡点，一方面需要保证</a:t>
+            </a:r>
+            <a:r>
+              <a:rPr lang="en-US" altLang="zh-CN" dirty="0"/>
+              <a:t>compaction</a:t>
+            </a:r>
+            <a:r>
+              <a:rPr lang="zh-CN" altLang="en-US" dirty="0"/>
+              <a:t>的基本效果，另一方面又不会带来严重的</a:t>
+            </a:r>
+            <a:r>
+              <a:rPr lang="en-US" altLang="zh-CN" dirty="0"/>
+              <a:t>IO</a:t>
+            </a:r>
+            <a:r>
+              <a:rPr lang="zh-CN" altLang="en-US" dirty="0" smtClean="0"/>
+              <a:t>压力</a:t>
+            </a:r>
+            <a:endParaRPr lang="en-US" altLang="zh-CN" dirty="0" smtClean="0"/>
+          </a:p>
+          <a:p>
+            <a:endParaRPr lang="en-US" altLang="zh-CN" dirty="0"/>
+          </a:p>
+          <a:p>
+            <a:pPr marL="285750" indent="-285750">
+              <a:buFont typeface="Wingdings" charset="2"/>
+              <a:buChar char="l"/>
+            </a:pPr>
+            <a:r>
+              <a:rPr lang="zh-CN" altLang="en-US" dirty="0"/>
+              <a:t>没有一种设计策略能够适用于所有应用场景或所有数据集</a:t>
+            </a:r>
+          </a:p>
+          <a:p>
+            <a:endParaRPr lang="en-US" altLang="zh-CN" dirty="0" smtClean="0"/>
+          </a:p>
+          <a:p>
+            <a:pPr marL="285750" indent="-285750">
+              <a:buFont typeface="Wingdings" charset="2"/>
+              <a:buChar char="l"/>
+            </a:pPr>
+            <a:r>
+              <a:rPr lang="zh-CN" altLang="en-US" dirty="0"/>
+              <a:t>根据自己的应用场景以及数据集定制特定的</a:t>
+            </a:r>
+            <a:r>
+              <a:rPr lang="en-US" altLang="zh-CN" dirty="0"/>
+              <a:t>compaction</a:t>
+            </a:r>
+            <a:r>
+              <a:rPr lang="zh-CN" altLang="en-US" dirty="0" smtClean="0"/>
+              <a:t>策略</a:t>
+            </a:r>
+            <a:endParaRPr lang="en-US" altLang="zh-CN" dirty="0" smtClean="0"/>
+          </a:p>
+          <a:p>
+            <a:pPr marL="285750" indent="-285750">
+              <a:buFont typeface="Wingdings" charset="2"/>
+              <a:buChar char="l"/>
+            </a:pPr>
+            <a:endParaRPr lang="en-US" altLang="zh-CN" dirty="0"/>
+          </a:p>
+          <a:p>
+            <a:r>
+              <a:rPr lang="zh-CN" altLang="en-US" dirty="0"/>
+              <a:t>原则</a:t>
+            </a:r>
+            <a:r>
+              <a:rPr lang="zh-CN" altLang="en-US" dirty="0" smtClean="0"/>
+              <a:t>：</a:t>
+            </a:r>
+            <a:endParaRPr lang="en-US" altLang="zh-CN" dirty="0"/>
+          </a:p>
+          <a:p>
+            <a:pPr marL="285750" indent="-285750">
+              <a:lnSpc>
+                <a:spcPct val="150000"/>
+              </a:lnSpc>
+              <a:buFont typeface="Wingdings" charset="2"/>
+              <a:buChar char="Ø"/>
+            </a:pPr>
+            <a:r>
+              <a:rPr lang="zh-CN" altLang="en-US" dirty="0" smtClean="0"/>
+              <a:t>减</a:t>
+            </a:r>
+            <a:r>
+              <a:rPr lang="zh-CN" altLang="en-US" dirty="0"/>
+              <a:t>少参与</a:t>
+            </a:r>
+            <a:r>
+              <a:rPr lang="en-US" altLang="zh-CN" dirty="0"/>
+              <a:t>compaction</a:t>
+            </a:r>
+            <a:r>
+              <a:rPr lang="zh-CN" altLang="en-US" dirty="0"/>
+              <a:t>的文件数：这个很好理解，实现起来却比较麻烦，首先需要将文件根据</a:t>
+            </a:r>
+            <a:r>
+              <a:rPr lang="en-US" altLang="zh-CN" dirty="0" err="1"/>
+              <a:t>rowkey</a:t>
+            </a:r>
+            <a:r>
+              <a:rPr lang="zh-CN" altLang="en-US" dirty="0"/>
+              <a:t>、</a:t>
+            </a:r>
+            <a:r>
+              <a:rPr lang="en-US" altLang="zh-CN" dirty="0"/>
+              <a:t>version</a:t>
+            </a:r>
+            <a:r>
+              <a:rPr lang="zh-CN" altLang="en-US" dirty="0"/>
+              <a:t>或其他属性进行分割，再根据这些属性挑选部分重要的文件参与合并；另一方面，尽量不要合并那些大文件，减少参与合并的文件数。</a:t>
+            </a:r>
+          </a:p>
+          <a:p>
+            <a:pPr marL="285750" indent="-285750">
+              <a:lnSpc>
+                <a:spcPct val="150000"/>
+              </a:lnSpc>
+              <a:buFont typeface="Wingdings" charset="2"/>
+              <a:buChar char="Ø"/>
+            </a:pPr>
+            <a:r>
+              <a:rPr lang="zh-CN" altLang="en-US" dirty="0" smtClean="0"/>
+              <a:t>不要合并那些不需要合并</a:t>
+            </a:r>
+            <a:r>
+              <a:rPr lang="zh-CN" altLang="en-US" dirty="0"/>
+              <a:t>的文件：比如</a:t>
+            </a:r>
+            <a:r>
+              <a:rPr lang="en-US" altLang="zh-CN" dirty="0" err="1"/>
+              <a:t>OpenTSDB</a:t>
+            </a:r>
+            <a:r>
+              <a:rPr lang="zh-CN" altLang="en-US" dirty="0"/>
+              <a:t>应用场景下的老数据，这些数据基本不会查询到，因此不进行合并也不会影响查询性能</a:t>
+            </a:r>
+          </a:p>
+          <a:p>
+            <a:pPr marL="285750" indent="-285750">
+              <a:lnSpc>
+                <a:spcPct val="150000"/>
+              </a:lnSpc>
+              <a:buFont typeface="Wingdings" charset="2"/>
+              <a:buChar char="Ø"/>
+            </a:pPr>
+            <a:r>
+              <a:rPr lang="zh-CN" altLang="en-US" dirty="0" smtClean="0"/>
+              <a:t>小</a:t>
+            </a:r>
+            <a:r>
+              <a:rPr lang="en-US" altLang="zh-CN" dirty="0" smtClean="0"/>
+              <a:t>region</a:t>
+            </a:r>
+            <a:r>
+              <a:rPr lang="zh-CN" altLang="en-US" dirty="0"/>
+              <a:t>更有利于</a:t>
+            </a:r>
+            <a:r>
+              <a:rPr lang="en-US" altLang="zh-CN" dirty="0"/>
+              <a:t>compaction</a:t>
+            </a:r>
+            <a:r>
+              <a:rPr lang="zh-CN" altLang="en-US" dirty="0"/>
+              <a:t>：大</a:t>
+            </a:r>
+            <a:r>
+              <a:rPr lang="en-US" altLang="zh-CN" dirty="0"/>
+              <a:t>region</a:t>
+            </a:r>
+            <a:r>
+              <a:rPr lang="zh-CN" altLang="en-US" dirty="0"/>
+              <a:t>会生成大量文件，不利于</a:t>
+            </a:r>
+            <a:r>
+              <a:rPr lang="en-US" altLang="zh-CN" dirty="0"/>
+              <a:t>compaction</a:t>
+            </a:r>
+            <a:r>
+              <a:rPr lang="zh-CN" altLang="en-US" dirty="0"/>
+              <a:t>；相反，小</a:t>
+            </a:r>
+            <a:r>
+              <a:rPr lang="en-US" altLang="zh-CN" dirty="0"/>
+              <a:t>region</a:t>
+            </a:r>
+            <a:r>
+              <a:rPr lang="zh-CN" altLang="en-US" dirty="0"/>
+              <a:t>只会生成少量文件，这些文件合并不会引起很大的</a:t>
+            </a:r>
+            <a:r>
+              <a:rPr lang="en-US" altLang="zh-CN" dirty="0"/>
+              <a:t>IO</a:t>
+            </a:r>
+            <a:r>
+              <a:rPr lang="zh-CN" altLang="en-US" dirty="0"/>
+              <a:t>放</a:t>
+            </a:r>
+            <a:r>
+              <a:rPr lang="zh-CN" altLang="en-US" dirty="0" smtClean="0"/>
+              <a:t>大</a:t>
+            </a:r>
+            <a:endParaRPr lang="zh-CN" altLang="en-US" dirty="0"/>
+          </a:p>
+        </p:txBody>
+      </p:sp>
     </p:spTree>
     <p:extLst>
       <p:ext uri="{BB962C8B-B14F-4D97-AF65-F5344CB8AC3E}">
-        <p14:creationId xmlns:p14="http://schemas.microsoft.com/office/powerpoint/2010/main" val="3453612924"/>
+        <p14:creationId xmlns:p14="http://schemas.microsoft.com/office/powerpoint/2010/main" val="1630451852"/>
       </p:ext>
     </p:extLst>
   </p:cSld>
@@ -20307,10 +22260,14 @@
           <a:lstStyle/>
           <a:p>
             <a:r>
-              <a:rPr lang="en-US" altLang="zh-CN" dirty="0" smtClean="0"/>
-              <a:t>Major Compaction</a:t>
-            </a:r>
-            <a:endParaRPr lang="zh-CN" altLang="en-US" dirty="0"/>
+              <a:rPr lang="en-US" altLang="zh-CN" dirty="0"/>
+              <a:t>Compaction</a:t>
+            </a:r>
+            <a:r>
+              <a:rPr lang="zh-CN" altLang="en-US" dirty="0"/>
+              <a:t>策略</a:t>
+            </a:r>
+            <a:endParaRPr kumimoji="1" lang="zh-CN" altLang="en-US" dirty="0"/>
           </a:p>
         </p:txBody>
       </p:sp>
@@ -20322,103 +22279,200 @@
         </p:nvSpPr>
         <p:spPr>
           <a:xfrm>
-            <a:off x="911766" y="1720674"/>
-            <a:ext cx="6096000" cy="4801314"/>
+            <a:off x="591287" y="1333534"/>
+            <a:ext cx="9865765" cy="4247317"/>
           </a:xfrm>
           <a:prstGeom prst="rect">
             <a:avLst/>
           </a:prstGeom>
         </p:spPr>
         <p:txBody>
-          <a:bodyPr>
+          <a:bodyPr wrap="none">
             <a:spAutoFit/>
           </a:bodyPr>
           <a:lstStyle/>
           <a:p>
             <a:r>
+              <a:rPr lang="en-US" altLang="zh-CN" b="1" dirty="0"/>
+              <a:t>FIFO </a:t>
+            </a:r>
+            <a:r>
+              <a:rPr lang="en-US" altLang="zh-CN" b="1" dirty="0" smtClean="0"/>
+              <a:t>Compaction</a:t>
+            </a:r>
+          </a:p>
+          <a:p>
+            <a:r>
+              <a:rPr lang="zh-CN" altLang="en-US" b="1" dirty="0" smtClean="0"/>
+              <a:t>收集过期的文件（</a:t>
+            </a:r>
+            <a:r>
               <a:rPr lang="en-US" altLang="zh-CN" dirty="0"/>
-              <a:t>Whereas, a process of combining the </a:t>
-            </a:r>
-            <a:r>
-              <a:rPr lang="en-US" altLang="zh-CN" dirty="0" err="1"/>
-              <a:t>StoreFiles</a:t>
+              <a:t>files which have all cells </a:t>
+            </a:r>
+            <a:r>
+              <a:rPr lang="en-US" altLang="zh-CN" dirty="0" smtClean="0"/>
+              <a:t>expired</a:t>
+            </a:r>
+            <a:r>
+              <a:rPr lang="zh-CN" altLang="en-US" dirty="0" smtClean="0"/>
+              <a:t>）</a:t>
+            </a:r>
+            <a:r>
+              <a:rPr lang="zh-CN" altLang="en-US" b="1" dirty="0" smtClean="0"/>
+              <a:t>并且删除，</a:t>
+            </a:r>
+            <a:endParaRPr lang="en-US" altLang="zh-CN" b="1" dirty="0" smtClean="0"/>
+          </a:p>
+          <a:p>
+            <a:r>
+              <a:rPr lang="zh-CN" altLang="en-US" b="1" dirty="0" smtClean="0"/>
+              <a:t>要求</a:t>
+            </a:r>
+            <a:r>
+              <a:rPr lang="en-US" altLang="zh-CN" b="1" dirty="0" smtClean="0"/>
+              <a:t>CF</a:t>
+            </a:r>
+            <a:r>
+              <a:rPr lang="zh-CN" altLang="en-US" b="1" dirty="0" smtClean="0"/>
+              <a:t>一定要有</a:t>
+            </a:r>
+            <a:r>
+              <a:rPr lang="en-US" altLang="zh-CN" b="1" dirty="0" smtClean="0"/>
+              <a:t>TTL</a:t>
+            </a:r>
+          </a:p>
+          <a:p>
+            <a:r>
+              <a:rPr lang="zh-CN" altLang="en-US" b="1" dirty="0" smtClean="0"/>
+              <a:t>应用场景：</a:t>
+            </a:r>
+            <a:endParaRPr lang="en-US" altLang="zh-CN" b="1" dirty="0" smtClean="0"/>
+          </a:p>
+          <a:p>
+            <a:pPr marL="342900" indent="-342900">
+              <a:buAutoNum type="arabicPeriod"/>
+            </a:pPr>
+            <a:r>
+              <a:rPr lang="zh-CN" altLang="en-US" b="1" dirty="0" smtClean="0"/>
+              <a:t>大量短时间存储</a:t>
+            </a:r>
+            <a:r>
+              <a:rPr lang="zh-CN" altLang="en-US" b="1" dirty="0"/>
+              <a:t>的原始数据，比如推荐业务，上层业务只需要最近时间内用户的行为特征</a:t>
+            </a:r>
+            <a:r>
+              <a:rPr lang="zh-CN" altLang="en-US" b="1" dirty="0" smtClean="0"/>
+              <a:t>，</a:t>
+            </a:r>
+            <a:endParaRPr lang="en-US" altLang="zh-CN" b="1" dirty="0" smtClean="0"/>
+          </a:p>
+          <a:p>
+            <a:r>
+              <a:rPr lang="zh-CN" altLang="en-US" b="1" dirty="0" smtClean="0"/>
+              <a:t>利用这些行为特征进行聚合为用户进行推荐。</a:t>
+            </a:r>
+            <a:endParaRPr lang="en-US" altLang="zh-CN" b="1" dirty="0" smtClean="0"/>
+          </a:p>
+          <a:p>
+            <a:r>
+              <a:rPr lang="en-US" altLang="zh-CN" b="1" dirty="0" smtClean="0"/>
+              <a:t>2.</a:t>
+            </a:r>
+            <a:r>
+              <a:rPr lang="en-US" altLang="zh-CN" b="1" dirty="0" smtClean="0"/>
+              <a:t>Nginx</a:t>
+            </a:r>
+            <a:r>
+              <a:rPr lang="zh-CN" altLang="en-US" b="1" dirty="0"/>
+              <a:t>日志，用户只需要存储最近几天的日志，方便查询某个用户最近一段时间的操作行为等等</a:t>
+            </a:r>
+            <a:endParaRPr lang="en-US" altLang="zh-CN" b="1" dirty="0" smtClean="0"/>
+          </a:p>
+          <a:p>
+            <a:r>
+              <a:rPr lang="en-US" altLang="zh-CN" dirty="0" smtClean="0"/>
+              <a:t>3.</a:t>
+            </a:r>
+            <a:r>
+              <a:rPr lang="en-US" altLang="zh-CN" dirty="0" smtClean="0"/>
+              <a:t> </a:t>
             </a:r>
             <a:r>
               <a:rPr lang="en-US" altLang="zh-CN" dirty="0"/>
-              <a:t> of regions into a single </a:t>
-            </a:r>
-            <a:r>
-              <a:rPr lang="en-US" altLang="zh-CN" dirty="0" err="1"/>
-              <a:t>StoreFile</a:t>
-            </a:r>
-            <a:r>
+              <a:t>The column family MUST have non-default TTL. One of the use cases for this </a:t>
+            </a:r>
+            <a:br>
               <a:rPr lang="en-US" altLang="zh-CN" dirty="0"/>
-              <a:t>, is what we call </a:t>
-            </a:r>
-            <a:r>
-              <a:rPr lang="en-US" altLang="zh-CN" dirty="0" err="1"/>
-              <a:t>HBase</a:t>
+            </a:br>
+            <a:r>
+              <a:rPr lang="en-US" altLang="zh-CN" dirty="0" smtClean="0"/>
+              <a:t> </a:t>
             </a:r>
             <a:r>
               <a:rPr lang="en-US" altLang="zh-CN" dirty="0"/>
-              <a:t> Major Compaction. Also, it deletes remove and expired versions. As a process, it merges all </a:t>
-            </a:r>
-            <a:r>
-              <a:rPr lang="en-US" altLang="zh-CN" dirty="0" err="1"/>
-              <a:t>StoreFiles</a:t>
+              <a:t>policy is when we need to store raw data which will be post-processed </a:t>
+            </a:r>
+            <a:r>
+              <a:rPr lang="en-US" altLang="zh-CN" dirty="0" smtClean="0"/>
+              <a:t>later</a:t>
+            </a:r>
+          </a:p>
+          <a:p>
+            <a:r>
+              <a:rPr lang="en-US" altLang="zh-CN" dirty="0" smtClean="0"/>
+              <a:t> </a:t>
             </a:r>
             <a:r>
               <a:rPr lang="en-US" altLang="zh-CN" dirty="0"/>
-              <a:t> into single </a:t>
-            </a:r>
-            <a:r>
-              <a:rPr lang="en-US" altLang="zh-CN" dirty="0" err="1"/>
-              <a:t>StoreFile</a:t>
-            </a:r>
-            <a:r>
+              <a:t>and discarded completely after quite short period of time. Raw time-series vs. </a:t>
+            </a:r>
+            <a:br>
               <a:rPr lang="en-US" altLang="zh-CN" dirty="0"/>
-              <a:t> and also runs every 24 hours. However, the region will split into new regions after compaction, if the new larger </a:t>
-            </a:r>
-            <a:r>
-              <a:rPr lang="en-US" altLang="zh-CN" dirty="0" err="1"/>
-              <a:t>StoreFile</a:t>
+            </a:br>
+            <a:r>
+              <a:rPr lang="en-US" altLang="zh-CN" dirty="0" smtClean="0"/>
+              <a:t> </a:t>
             </a:r>
             <a:r>
               <a:rPr lang="en-US" altLang="zh-CN" dirty="0"/>
-              <a:t> is greater than a certain size (defined by property).Have a look at </a:t>
-            </a:r>
-            <a:r>
-              <a:rPr lang="en-US" altLang="zh-CN" dirty="0" err="1"/>
-              <a:t>HBase</a:t>
-            </a:r>
-            <a:r>
+              <a:t>time-based roll up aggregates and compacted time-series. We collect raw time-series</a:t>
+            </a:r>
+            <a:br>
               <a:rPr lang="en-US" altLang="zh-CN" dirty="0"/>
+            </a:br>
+            <a:r>
+              <a:rPr lang="en-US" altLang="zh-CN" dirty="0" smtClean="0"/>
               <a:t> </a:t>
             </a:r>
             <a:r>
-              <a:rPr lang="en-US" altLang="zh-CN" dirty="0" err="1"/>
-              <a:t>CommandsWell</a:t>
-            </a:r>
-            <a:r>
               <a:rPr lang="en-US" altLang="zh-CN" dirty="0"/>
-              <a:t>, the </a:t>
-            </a:r>
-            <a:r>
-              <a:rPr lang="en-US" altLang="zh-CN" dirty="0" err="1"/>
-              <a:t>HBase</a:t>
-            </a:r>
-            <a:r>
+              <a:t>and store them into CF with FIFO compaction policy, periodically we run task </a:t>
+            </a:r>
+            <a:br>
               <a:rPr lang="en-US" altLang="zh-CN" dirty="0"/>
-              <a:t> Major Compaction in </a:t>
-            </a:r>
-            <a:r>
-              <a:rPr lang="en-US" altLang="zh-CN" dirty="0" err="1"/>
-              <a:t>HBase</a:t>
+            </a:br>
+            <a:r>
+              <a:rPr lang="en-US" altLang="zh-CN" dirty="0" smtClean="0"/>
+              <a:t> </a:t>
             </a:r>
             <a:r>
               <a:rPr lang="en-US" altLang="zh-CN" dirty="0"/>
-              <a:t> is the other way to go around:1. Data present per column family in one region is accumulated to 1 Hfile.2. All deleted files or expired cells are deleted permanently, during this process.3. Increase read performance of newly created Hfile.4. It accepts lots of I/O.5. Possibilities for traffic congestion.6. The other name of major compaction process is Write amplification Process.7. And it is must schedule this process at a minimum bandwidth of network I/O.</a:t>
-            </a:r>
+              <a:t>which creates roll up aggregates and compacts time-series, the original raw data </a:t>
+            </a:r>
+            <a:br>
+              <a:rPr lang="en-US" altLang="zh-CN" dirty="0"/>
+            </a:br>
+            <a:r>
+              <a:rPr lang="en-US" altLang="zh-CN" dirty="0" smtClean="0"/>
+              <a:t> </a:t>
+            </a:r>
+            <a:r>
+              <a:rPr lang="en-US" altLang="zh-CN" dirty="0"/>
+              <a:t>can be discarded after that.</a:t>
+            </a:r>
+          </a:p>
+          <a:p>
             <a:endParaRPr lang="zh-CN" altLang="en-US" dirty="0"/>
           </a:p>
         </p:txBody>
@@ -20426,7 +22480,7 @@
     </p:spTree>
     <p:extLst>
       <p:ext uri="{BB962C8B-B14F-4D97-AF65-F5344CB8AC3E}">
-        <p14:creationId xmlns:p14="http://schemas.microsoft.com/office/powerpoint/2010/main" val="964813103"/>
+        <p14:creationId xmlns:p14="http://schemas.microsoft.com/office/powerpoint/2010/main" val="1998388796"/>
       </p:ext>
     </p:extLst>
   </p:cSld>
@@ -20468,44 +22522,233 @@
           <a:bodyPr/>
           <a:lstStyle/>
           <a:p>
-            <a:endParaRPr lang="zh-CN" altLang="en-US"/>
+            <a:r>
+              <a:rPr lang="en-US" altLang="zh-CN" dirty="0"/>
+              <a:t>Compaction</a:t>
+            </a:r>
+            <a:r>
+              <a:rPr lang="zh-CN" altLang="en-US" dirty="0"/>
+              <a:t>策略</a:t>
+            </a:r>
+            <a:endParaRPr kumimoji="1" lang="zh-CN" altLang="en-US" dirty="0"/>
           </a:p>
         </p:txBody>
       </p:sp>
-      <p:pic>
-        <p:nvPicPr>
-          <p:cNvPr id="4" name="图片 3"/>
-          <p:cNvPicPr>
-            <a:picLocks noChangeAspect="1"/>
-          </p:cNvPicPr>
+      <p:sp>
+        <p:nvSpPr>
+          <p:cNvPr id="4" name="矩形 3"/>
+          <p:cNvSpPr/>
           <p:nvPr/>
-        </p:nvPicPr>
-        <p:blipFill>
-          <a:blip r:embed="rId2">
-            <a:extLst>
-              <a:ext uri="{28A0092B-C50C-407E-A947-70E740481C1C}">
-                <a14:useLocalDpi xmlns:a14="http://schemas.microsoft.com/office/drawing/2010/main" val="0"/>
-              </a:ext>
-            </a:extLst>
-          </a:blip>
-          <a:stretch>
-            <a:fillRect/>
-          </a:stretch>
-        </p:blipFill>
+        </p:nvSpPr>
         <p:spPr>
           <a:xfrm>
-            <a:off x="521207" y="1227909"/>
-            <a:ext cx="10058400" cy="6169151"/>
+            <a:off x="591287" y="1333534"/>
+            <a:ext cx="9865765" cy="4247317"/>
           </a:xfrm>
           <a:prstGeom prst="rect">
             <a:avLst/>
           </a:prstGeom>
         </p:spPr>
-      </p:pic>
+        <p:txBody>
+          <a:bodyPr wrap="none">
+            <a:spAutoFit/>
+          </a:bodyPr>
+          <a:lstStyle/>
+          <a:p>
+            <a:r>
+              <a:rPr lang="en-US" altLang="zh-CN" dirty="0" err="1" smtClean="0"/>
+              <a:t>RatioBasedCompactionPolicy</a:t>
+            </a:r>
+            <a:r>
+              <a:rPr lang="en-US" altLang="zh-CN" dirty="0" smtClean="0"/>
+              <a:t> </a:t>
+            </a:r>
+            <a:r>
+              <a:rPr lang="zh-CN" altLang="en-US" smtClean="0"/>
+              <a:t>默认</a:t>
+            </a:r>
+            <a:endParaRPr lang="en-US" altLang="zh-CN" smtClean="0"/>
+          </a:p>
+          <a:p>
+            <a:r>
+              <a:rPr lang="zh-CN" altLang="en-US" b="1" dirty="0" smtClean="0"/>
+              <a:t>收集过期的文件（</a:t>
+            </a:r>
+            <a:r>
+              <a:rPr lang="en-US" altLang="zh-CN" dirty="0"/>
+              <a:t>files which have all cells </a:t>
+            </a:r>
+            <a:r>
+              <a:rPr lang="en-US" altLang="zh-CN" dirty="0" smtClean="0"/>
+              <a:t>expired</a:t>
+            </a:r>
+            <a:r>
+              <a:rPr lang="zh-CN" altLang="en-US" dirty="0" smtClean="0"/>
+              <a:t>）</a:t>
+            </a:r>
+            <a:r>
+              <a:rPr lang="zh-CN" altLang="en-US" b="1" dirty="0" smtClean="0"/>
+              <a:t>并且删除，</a:t>
+            </a:r>
+            <a:endParaRPr lang="en-US" altLang="zh-CN" b="1" dirty="0" smtClean="0"/>
+          </a:p>
+          <a:p>
+            <a:r>
+              <a:rPr lang="zh-CN" altLang="en-US" b="1" dirty="0" smtClean="0"/>
+              <a:t>要求</a:t>
+            </a:r>
+            <a:r>
+              <a:rPr lang="en-US" altLang="zh-CN" b="1" dirty="0" smtClean="0"/>
+              <a:t>CF</a:t>
+            </a:r>
+            <a:r>
+              <a:rPr lang="zh-CN" altLang="en-US" b="1" dirty="0" smtClean="0"/>
+              <a:t>一定要有</a:t>
+            </a:r>
+            <a:r>
+              <a:rPr lang="en-US" altLang="zh-CN" b="1" dirty="0" smtClean="0"/>
+              <a:t>TTL</a:t>
+            </a:r>
+          </a:p>
+          <a:p>
+            <a:r>
+              <a:rPr lang="zh-CN" altLang="en-US" b="1" dirty="0" smtClean="0"/>
+              <a:t>应用场景：</a:t>
+            </a:r>
+            <a:endParaRPr lang="en-US" altLang="zh-CN" b="1" dirty="0" smtClean="0"/>
+          </a:p>
+          <a:p>
+            <a:pPr marL="342900" indent="-342900">
+              <a:buAutoNum type="arabicPeriod"/>
+            </a:pPr>
+            <a:r>
+              <a:rPr lang="zh-CN" altLang="en-US" b="1" dirty="0" smtClean="0"/>
+              <a:t>大量短时间存储</a:t>
+            </a:r>
+            <a:r>
+              <a:rPr lang="zh-CN" altLang="en-US" b="1" dirty="0"/>
+              <a:t>的原始数据，比如推荐业务，上层业务只需要最近时间内用户的行为特征</a:t>
+            </a:r>
+            <a:r>
+              <a:rPr lang="zh-CN" altLang="en-US" b="1" dirty="0" smtClean="0"/>
+              <a:t>，</a:t>
+            </a:r>
+            <a:endParaRPr lang="en-US" altLang="zh-CN" b="1" dirty="0" smtClean="0"/>
+          </a:p>
+          <a:p>
+            <a:r>
+              <a:rPr lang="zh-CN" altLang="en-US" b="1" dirty="0" smtClean="0"/>
+              <a:t>利用这些行为特征进行聚合为用户进行推荐。</a:t>
+            </a:r>
+            <a:endParaRPr lang="en-US" altLang="zh-CN" b="1" dirty="0" smtClean="0"/>
+          </a:p>
+          <a:p>
+            <a:r>
+              <a:rPr lang="en-US" altLang="zh-CN" b="1" dirty="0" smtClean="0"/>
+              <a:t>2.</a:t>
+            </a:r>
+            <a:r>
+              <a:rPr lang="en-US" altLang="zh-CN" b="1" dirty="0" smtClean="0"/>
+              <a:t>Nginx</a:t>
+            </a:r>
+            <a:r>
+              <a:rPr lang="zh-CN" altLang="en-US" b="1" dirty="0"/>
+              <a:t>日志，用户只需要存储最近几天的日志，方便查询某个用户最近一段时间的操作行为等等</a:t>
+            </a:r>
+            <a:endParaRPr lang="en-US" altLang="zh-CN" b="1" dirty="0" smtClean="0"/>
+          </a:p>
+          <a:p>
+            <a:r>
+              <a:rPr lang="en-US" altLang="zh-CN" dirty="0" smtClean="0"/>
+              <a:t>3.</a:t>
+            </a:r>
+            <a:r>
+              <a:rPr lang="en-US" altLang="zh-CN" dirty="0" smtClean="0"/>
+              <a:t> </a:t>
+            </a:r>
+            <a:r>
+              <a:rPr lang="en-US" altLang="zh-CN" dirty="0"/>
+              <a:t>The column family MUST have non-default TTL. One of the use cases for this </a:t>
+            </a:r>
+            <a:br>
+              <a:rPr lang="en-US" altLang="zh-CN" dirty="0"/>
+            </a:br>
+            <a:r>
+              <a:rPr lang="en-US" altLang="zh-CN" dirty="0" smtClean="0"/>
+              <a:t> </a:t>
+            </a:r>
+            <a:r>
+              <a:rPr lang="en-US" altLang="zh-CN" dirty="0"/>
+              <a:t>policy is when we need to store raw data which will be post-processed </a:t>
+            </a:r>
+            <a:r>
+              <a:rPr lang="en-US" altLang="zh-CN" dirty="0" smtClean="0"/>
+              <a:t>later</a:t>
+            </a:r>
+          </a:p>
+          <a:p>
+            <a:r>
+              <a:rPr lang="en-US" altLang="zh-CN" dirty="0" smtClean="0"/>
+              <a:t> </a:t>
+            </a:r>
+            <a:r>
+              <a:rPr lang="en-US" altLang="zh-CN" dirty="0"/>
+              <a:t>and discarded completely after quite short period of time. Raw time-series vs. </a:t>
+            </a:r>
+            <a:br>
+              <a:rPr lang="en-US" altLang="zh-CN" dirty="0"/>
+            </a:br>
+            <a:r>
+              <a:rPr lang="en-US" altLang="zh-CN" dirty="0" smtClean="0"/>
+              <a:t> </a:t>
+            </a:r>
+            <a:r>
+              <a:rPr lang="en-US" altLang="zh-CN" dirty="0"/>
+              <a:t>time-based roll up aggregates and compacted time-series. We collect raw time-series</a:t>
+            </a:r>
+            <a:br>
+              <a:rPr lang="en-US" altLang="zh-CN" dirty="0"/>
+            </a:br>
+            <a:r>
+              <a:rPr lang="en-US" altLang="zh-CN" dirty="0" smtClean="0"/>
+              <a:t> </a:t>
+            </a:r>
+            <a:r>
+              <a:rPr lang="en-US" altLang="zh-CN" dirty="0"/>
+              <a:t>and store them into CF with FIFO compaction policy, periodically we run task </a:t>
+            </a:r>
+            <a:br>
+              <a:rPr lang="en-US" altLang="zh-CN" dirty="0"/>
+            </a:br>
+            <a:r>
+              <a:rPr lang="en-US" altLang="zh-CN" dirty="0" smtClean="0"/>
+              <a:t> </a:t>
+            </a:r>
+            <a:r>
+              <a:rPr lang="en-US" altLang="zh-CN" dirty="0"/>
+              <a:t>which creates roll up aggregates and compacts time-series, the original raw data </a:t>
+            </a:r>
+            <a:br>
+              <a:rPr lang="en-US" altLang="zh-CN" dirty="0"/>
+            </a:br>
+            <a:r>
+              <a:rPr lang="en-US" altLang="zh-CN" dirty="0" smtClean="0"/>
+              <a:t> </a:t>
+            </a:r>
+            <a:r>
+              <a:rPr lang="en-US" altLang="zh-CN" dirty="0"/>
+              <a:t>can be discarded after that.</a:t>
+            </a:r>
+          </a:p>
+          <a:p>
+            <a:endParaRPr lang="zh-CN" altLang="en-US" dirty="0"/>
+          </a:p>
+        </p:txBody>
+      </p:sp>
     </p:spTree>
     <p:extLst>
       <p:ext uri="{BB962C8B-B14F-4D97-AF65-F5344CB8AC3E}">
-        <p14:creationId xmlns:p14="http://schemas.microsoft.com/office/powerpoint/2010/main" val="2946871011"/>
+        <p14:creationId xmlns:p14="http://schemas.microsoft.com/office/powerpoint/2010/main" val="433119612"/>
       </p:ext>
     </p:extLst>
   </p:cSld>
@@ -21891,7 +24134,7 @@
   <p:timing>
     <p:tnLst>
       <p:par>
-        <p:cTn id="1" dur="indefinite" restart="never" nodeType="tmRoot"/>
+        <p:cTn xmlns:p14="http://schemas.microsoft.com/office/powerpoint/2010/main" id="1" dur="indefinite" restart="never" nodeType="tmRoot"/>
       </p:par>
     </p:tnLst>
   </p:timing>
@@ -21899,424 +24142,6 @@
 </file>
 
 <file path=ppt/slides/slide40.xml><?xml version="1.0" encoding="utf-8"?>
-<p:sld xmlns:a="http://schemas.openxmlformats.org/drawingml/2006/main" xmlns:r="http://schemas.openxmlformats.org/officeDocument/2006/relationships" xmlns:p="http://schemas.openxmlformats.org/presentationml/2006/main">
-  <p:cSld>
-    <p:spTree>
-      <p:nvGrpSpPr>
-        <p:cNvPr id="1" name=""/>
-        <p:cNvGrpSpPr/>
-        <p:nvPr/>
-      </p:nvGrpSpPr>
-      <p:grpSpPr>
-        <a:xfrm>
-          <a:off x="0" y="0"/>
-          <a:ext cx="0" cy="0"/>
-          <a:chOff x="0" y="0"/>
-          <a:chExt cx="0" cy="0"/>
-        </a:xfrm>
-      </p:grpSpPr>
-      <p:sp>
-        <p:nvSpPr>
-          <p:cNvPr id="2" name="标题 1"/>
-          <p:cNvSpPr>
-            <a:spLocks noGrp="1"/>
-          </p:cNvSpPr>
-          <p:nvPr>
-            <p:ph type="title"/>
-          </p:nvPr>
-        </p:nvSpPr>
-        <p:spPr/>
-        <p:txBody>
-          <a:bodyPr/>
-          <a:lstStyle/>
-          <a:p>
-            <a:r>
-              <a:rPr lang="zh-CN" altLang="en-US" dirty="0"/>
-              <a:t>几种</a:t>
-            </a:r>
-            <a:r>
-              <a:rPr lang="en-US" altLang="zh-CN" dirty="0"/>
-              <a:t>Compaction</a:t>
-            </a:r>
-            <a:r>
-              <a:rPr lang="zh-CN" altLang="en-US" dirty="0"/>
-              <a:t>策略</a:t>
-            </a:r>
-          </a:p>
-        </p:txBody>
-      </p:sp>
-      <p:sp>
-        <p:nvSpPr>
-          <p:cNvPr id="5" name="矩形 4"/>
-          <p:cNvSpPr/>
-          <p:nvPr/>
-        </p:nvSpPr>
-        <p:spPr>
-          <a:xfrm>
-            <a:off x="657496" y="1511338"/>
-            <a:ext cx="10080171" cy="4801314"/>
-          </a:xfrm>
-          <a:prstGeom prst="rect">
-            <a:avLst/>
-          </a:prstGeom>
-        </p:spPr>
-        <p:txBody>
-          <a:bodyPr wrap="square">
-            <a:spAutoFit/>
-          </a:bodyPr>
-          <a:lstStyle/>
-          <a:p>
-            <a:r>
-              <a:rPr lang="en-US" altLang="zh-CN" dirty="0"/>
-              <a:t>Stripe Compaction</a:t>
-            </a:r>
-            <a:r>
-              <a:rPr lang="zh-CN" altLang="en-US" dirty="0"/>
-              <a:t>它的设计初衷是，</a:t>
-            </a:r>
-            <a:r>
-              <a:rPr lang="en-US" altLang="zh-CN" dirty="0"/>
-              <a:t>Major Compaction</a:t>
-            </a:r>
-            <a:r>
-              <a:rPr lang="zh-CN" altLang="en-US" dirty="0"/>
-              <a:t>占用大量的</a:t>
-            </a:r>
-            <a:r>
-              <a:rPr lang="en-US" altLang="zh-CN" dirty="0"/>
-              <a:t>IO</a:t>
-            </a:r>
-            <a:r>
-              <a:rPr lang="zh-CN" altLang="en-US" dirty="0"/>
-              <a:t>资源，所以很多</a:t>
-            </a:r>
-            <a:r>
-              <a:rPr lang="en-US" altLang="zh-CN" dirty="0" err="1"/>
-              <a:t>HBase</a:t>
-            </a:r>
-            <a:r>
-              <a:rPr lang="zh-CN" altLang="en-US" dirty="0"/>
-              <a:t>用户关闭了自动触发的</a:t>
-            </a:r>
-            <a:r>
-              <a:rPr lang="en-US" altLang="zh-CN" dirty="0"/>
-              <a:t>Major Compaction</a:t>
-            </a:r>
-            <a:r>
-              <a:rPr lang="zh-CN" altLang="en-US" dirty="0"/>
-              <a:t>，改为手动触发，因为</a:t>
-            </a:r>
-            <a:r>
-              <a:rPr lang="en-US" altLang="zh-CN" dirty="0"/>
-              <a:t>Major Compaction</a:t>
-            </a:r>
-            <a:r>
-              <a:rPr lang="zh-CN" altLang="en-US" dirty="0"/>
-              <a:t>依然会被用来清理一些不再需要的数据。随着时间的推移，</a:t>
-            </a:r>
-            <a:r>
-              <a:rPr lang="en-US" altLang="zh-CN" dirty="0"/>
-              <a:t>Major Compaction</a:t>
-            </a:r>
-            <a:r>
-              <a:rPr lang="zh-CN" altLang="en-US" dirty="0"/>
-              <a:t>要合并的文件总</a:t>
-            </a:r>
-            <a:r>
-              <a:rPr lang="en-US" altLang="zh-CN" dirty="0"/>
-              <a:t>Size</a:t>
-            </a:r>
-            <a:r>
-              <a:rPr lang="zh-CN" altLang="en-US" dirty="0"/>
-              <a:t>越来越大，但事实上，真的有必要每一次都将所有的文件合并成一个大的</a:t>
-            </a:r>
-            <a:r>
-              <a:rPr lang="en-US" altLang="zh-CN" dirty="0" err="1"/>
-              <a:t>HFile</a:t>
-            </a:r>
-            <a:r>
-              <a:rPr lang="zh-CN" altLang="en-US" dirty="0"/>
-              <a:t>文件吗？尤其是，不断的将一些较老的数据和最新的数据合并在一起，对于一些业务场景而言根本就是不必要的。因此，它的设计思路为：将一个</a:t>
-            </a:r>
-            <a:r>
-              <a:rPr lang="en-US" altLang="zh-CN" dirty="0"/>
-              <a:t>Region</a:t>
-            </a:r>
-            <a:r>
-              <a:rPr lang="zh-CN" altLang="en-US" dirty="0"/>
-              <a:t>划分为多个</a:t>
-            </a:r>
-            <a:r>
-              <a:rPr lang="en-US" altLang="zh-CN" dirty="0"/>
-              <a:t>Stripes(</a:t>
-            </a:r>
-            <a:r>
-              <a:rPr lang="zh-CN" altLang="en-US" dirty="0"/>
-              <a:t>可以理解为</a:t>
-            </a:r>
-            <a:r>
-              <a:rPr lang="en-US" altLang="zh-CN" dirty="0"/>
-              <a:t>Sub-Regions</a:t>
-            </a:r>
-            <a:r>
-              <a:rPr lang="zh-CN" altLang="en-US" dirty="0"/>
-              <a:t>），</a:t>
-            </a:r>
-            <a:r>
-              <a:rPr lang="en-US" altLang="zh-CN" dirty="0"/>
-              <a:t>Compaction</a:t>
-            </a:r>
-            <a:r>
-              <a:rPr lang="zh-CN" altLang="en-US" dirty="0"/>
-              <a:t>可以控制在</a:t>
-            </a:r>
-            <a:r>
-              <a:rPr lang="en-US" altLang="zh-CN" dirty="0"/>
-              <a:t>Stripe(Sub-Region)</a:t>
-            </a:r>
-            <a:r>
-              <a:rPr lang="zh-CN" altLang="en-US" dirty="0"/>
-              <a:t>层面发生，而不是整个</a:t>
-            </a:r>
-            <a:r>
-              <a:rPr lang="en-US" altLang="zh-CN" dirty="0"/>
-              <a:t>Region</a:t>
-            </a:r>
-            <a:r>
-              <a:rPr lang="zh-CN" altLang="en-US" dirty="0"/>
-              <a:t>级别，这样可以有效降低</a:t>
-            </a:r>
-            <a:r>
-              <a:rPr lang="en-US" altLang="zh-CN" dirty="0"/>
-              <a:t>Compaction</a:t>
-            </a:r>
-            <a:r>
-              <a:rPr lang="zh-CN" altLang="en-US" dirty="0"/>
-              <a:t>对</a:t>
-            </a:r>
-            <a:r>
-              <a:rPr lang="en-US" altLang="zh-CN" dirty="0"/>
-              <a:t>IO</a:t>
-            </a:r>
-            <a:r>
-              <a:rPr lang="zh-CN" altLang="en-US" dirty="0"/>
-              <a:t>资源的占用。那为何不直接通过设置更多的</a:t>
-            </a:r>
-            <a:r>
-              <a:rPr lang="en-US" altLang="zh-CN" dirty="0"/>
-              <a:t>Region</a:t>
-            </a:r>
-            <a:r>
-              <a:rPr lang="zh-CN" altLang="en-US" dirty="0"/>
-              <a:t>数量来解决这个问题？更多的</a:t>
-            </a:r>
-            <a:r>
-              <a:rPr lang="en-US" altLang="zh-CN" dirty="0"/>
-              <a:t>Region</a:t>
-            </a:r>
-            <a:r>
-              <a:rPr lang="zh-CN" altLang="en-US" dirty="0"/>
-              <a:t>意味着会加大</a:t>
-            </a:r>
-            <a:r>
-              <a:rPr lang="en-US" altLang="zh-CN" dirty="0" err="1"/>
-              <a:t>HBase</a:t>
-            </a:r>
-            <a:r>
-              <a:rPr lang="zh-CN" altLang="en-US" dirty="0"/>
-              <a:t>集群的负担，尤其是加重</a:t>
-            </a:r>
-            <a:r>
-              <a:rPr lang="en-US" altLang="zh-CN" dirty="0"/>
-              <a:t>Region Assignment</a:t>
-            </a:r>
-            <a:r>
-              <a:rPr lang="zh-CN" altLang="en-US" dirty="0"/>
-              <a:t>流程的负担，另外，</a:t>
-            </a:r>
-            <a:r>
-              <a:rPr lang="en-US" altLang="zh-CN" dirty="0"/>
-              <a:t>Region</a:t>
-            </a:r>
-            <a:r>
-              <a:rPr lang="zh-CN" altLang="en-US" dirty="0"/>
-              <a:t>增多，</a:t>
-            </a:r>
-            <a:r>
-              <a:rPr lang="en-US" altLang="zh-CN" dirty="0" err="1"/>
-              <a:t>MemStore</a:t>
-            </a:r>
-            <a:r>
-              <a:rPr lang="zh-CN" altLang="en-US" dirty="0"/>
-              <a:t>占用的总体内存变大，而在实际内存无法变大的情况下，只会使得</a:t>
-            </a:r>
-            <a:r>
-              <a:rPr lang="en-US" altLang="zh-CN" dirty="0"/>
-              <a:t>Flush</a:t>
-            </a:r>
-            <a:r>
-              <a:rPr lang="zh-CN" altLang="en-US" dirty="0"/>
-              <a:t>更早被触发，</a:t>
-            </a:r>
-            <a:r>
-              <a:rPr lang="en-US" altLang="zh-CN" dirty="0"/>
-              <a:t>Flush</a:t>
-            </a:r>
-            <a:r>
-              <a:rPr lang="zh-CN" altLang="en-US" dirty="0"/>
-              <a:t>的质量变差。新</a:t>
-            </a:r>
-            <a:r>
-              <a:rPr lang="en-US" altLang="zh-CN" dirty="0"/>
-              <a:t>Flush</a:t>
-            </a:r>
-            <a:r>
-              <a:rPr lang="zh-CN" altLang="en-US" dirty="0"/>
-              <a:t>产生的</a:t>
-            </a:r>
-            <a:r>
-              <a:rPr lang="en-US" altLang="zh-CN" dirty="0" err="1"/>
-              <a:t>HFile</a:t>
-            </a:r>
-            <a:r>
-              <a:rPr lang="zh-CN" altLang="en-US" dirty="0"/>
-              <a:t>文件，先放到一个称之为</a:t>
-            </a:r>
-            <a:r>
-              <a:rPr lang="en-US" altLang="zh-CN" dirty="0"/>
-              <a:t>L0</a:t>
-            </a:r>
-            <a:r>
-              <a:rPr lang="zh-CN" altLang="en-US" dirty="0"/>
-              <a:t>的区域，</a:t>
-            </a:r>
-            <a:r>
-              <a:rPr lang="en-US" altLang="zh-CN" dirty="0"/>
-              <a:t>L0</a:t>
-            </a:r>
-            <a:r>
-              <a:rPr lang="zh-CN" altLang="en-US" dirty="0"/>
-              <a:t>中</a:t>
-            </a:r>
-            <a:r>
-              <a:rPr lang="en-US" altLang="zh-CN" dirty="0"/>
-              <a:t>Key Range</a:t>
-            </a:r>
-            <a:r>
-              <a:rPr lang="zh-CN" altLang="en-US" dirty="0"/>
-              <a:t>是</a:t>
-            </a:r>
-            <a:r>
-              <a:rPr lang="en-US" altLang="zh-CN" dirty="0"/>
-              <a:t>Region</a:t>
-            </a:r>
-            <a:r>
-              <a:rPr lang="zh-CN" altLang="en-US" dirty="0"/>
-              <a:t>的完整</a:t>
-            </a:r>
-            <a:r>
-              <a:rPr lang="en-US" altLang="zh-CN" dirty="0"/>
-              <a:t>Key Range</a:t>
-            </a:r>
-            <a:r>
-              <a:rPr lang="zh-CN" altLang="en-US" dirty="0"/>
-              <a:t>，当对</a:t>
-            </a:r>
-            <a:r>
-              <a:rPr lang="en-US" altLang="zh-CN" dirty="0"/>
-              <a:t>L0</a:t>
-            </a:r>
-            <a:r>
-              <a:rPr lang="zh-CN" altLang="en-US" dirty="0"/>
-              <a:t>中的文件执行</a:t>
-            </a:r>
-            <a:r>
-              <a:rPr lang="en-US" altLang="zh-CN" dirty="0"/>
-              <a:t>Compaction</a:t>
-            </a:r>
-            <a:r>
-              <a:rPr lang="zh-CN" altLang="en-US" dirty="0"/>
-              <a:t>时，再将</a:t>
-            </a:r>
-            <a:r>
-              <a:rPr lang="en-US" altLang="zh-CN" dirty="0"/>
-              <a:t>Compaction</a:t>
-            </a:r>
-            <a:r>
-              <a:rPr lang="zh-CN" altLang="en-US" dirty="0"/>
-              <a:t>的结果输出到对应的</a:t>
-            </a:r>
-            <a:r>
-              <a:rPr lang="en-US" altLang="zh-CN" dirty="0"/>
-              <a:t>Stripe</a:t>
-            </a:r>
-            <a:r>
-              <a:rPr lang="zh-CN" altLang="en-US" dirty="0"/>
-              <a:t>中：</a:t>
-            </a:r>
-          </a:p>
-          <a:p>
-            <a:r>
-              <a:rPr lang="en-US" altLang="zh-CN" dirty="0"/>
-              <a:t>--------------------- </a:t>
-            </a:r>
-          </a:p>
-          <a:p>
-            <a:r>
-              <a:rPr lang="zh-CN" altLang="en-US" dirty="0"/>
-              <a:t>作者：</a:t>
-            </a:r>
-            <a:r>
-              <a:rPr lang="en-US" altLang="zh-CN" dirty="0"/>
-              <a:t>NoSQL</a:t>
-            </a:r>
-            <a:r>
-              <a:rPr lang="zh-CN" altLang="en-US" dirty="0"/>
-              <a:t>漫谈 </a:t>
-            </a:r>
-          </a:p>
-          <a:p>
-            <a:r>
-              <a:rPr lang="zh-CN" altLang="en-US" dirty="0"/>
-              <a:t>来源：</a:t>
-            </a:r>
-            <a:r>
-              <a:rPr lang="en-US" altLang="zh-CN" dirty="0"/>
-              <a:t>CSDN </a:t>
-            </a:r>
-          </a:p>
-          <a:p>
-            <a:r>
-              <a:rPr lang="zh-CN" altLang="en-US" dirty="0"/>
-              <a:t>原文：</a:t>
-            </a:r>
-            <a:r>
-              <a:rPr lang="en-US" altLang="zh-CN" dirty="0"/>
-              <a:t>https://blog.csdn.net/nosqlnotes/article/details/80890191 </a:t>
-            </a:r>
-          </a:p>
-          <a:p>
-            <a:r>
-              <a:rPr lang="zh-CN" altLang="en-US" dirty="0"/>
-              <a:t>版权声明：本文为博主原创文章，转载请附上博文链接！</a:t>
-            </a:r>
-          </a:p>
-        </p:txBody>
-      </p:sp>
-    </p:spTree>
-    <p:extLst>
-      <p:ext uri="{BB962C8B-B14F-4D97-AF65-F5344CB8AC3E}">
-        <p14:creationId xmlns:p14="http://schemas.microsoft.com/office/powerpoint/2010/main" val="1630451852"/>
-      </p:ext>
-    </p:extLst>
-  </p:cSld>
-  <p:clrMapOvr>
-    <a:masterClrMapping/>
-  </p:clrMapOvr>
-</p:sld>
-</file>
-
-<file path=ppt/slides/slide41.xml><?xml version="1.0" encoding="utf-8"?>
 <p:sld xmlns:a="http://schemas.openxmlformats.org/drawingml/2006/main" xmlns:r="http://schemas.openxmlformats.org/officeDocument/2006/relationships" xmlns:p="http://schemas.openxmlformats.org/presentationml/2006/main">
   <p:cSld>
     <p:spTree>
@@ -22389,7 +24214,7 @@
 </p:sld>
 </file>
 
-<file path=ppt/slides/slide42.xml><?xml version="1.0" encoding="utf-8"?>
+<file path=ppt/slides/slide41.xml><?xml version="1.0" encoding="utf-8"?>
 <p:sld xmlns:a="http://schemas.openxmlformats.org/drawingml/2006/main" xmlns:r="http://schemas.openxmlformats.org/officeDocument/2006/relationships" xmlns:p="http://schemas.openxmlformats.org/presentationml/2006/main">
   <p:cSld>
     <p:spTree>
@@ -22498,6 +24323,485 @@
     <p:extLst>
       <p:ext uri="{BB962C8B-B14F-4D97-AF65-F5344CB8AC3E}">
         <p14:creationId xmlns:p14="http://schemas.microsoft.com/office/powerpoint/2010/main" val="3031849696"/>
+      </p:ext>
+    </p:extLst>
+  </p:cSld>
+  <p:clrMapOvr>
+    <a:masterClrMapping/>
+  </p:clrMapOvr>
+</p:sld>
+</file>
+
+<file path=ppt/slides/slide42.xml><?xml version="1.0" encoding="utf-8"?>
+<p:sld xmlns:a="http://schemas.openxmlformats.org/drawingml/2006/main" xmlns:r="http://schemas.openxmlformats.org/officeDocument/2006/relationships" xmlns:p="http://schemas.openxmlformats.org/presentationml/2006/main">
+  <p:cSld>
+    <p:spTree>
+      <p:nvGrpSpPr>
+        <p:cNvPr id="1" name=""/>
+        <p:cNvGrpSpPr/>
+        <p:nvPr/>
+      </p:nvGrpSpPr>
+      <p:grpSpPr>
+        <a:xfrm>
+          <a:off x="0" y="0"/>
+          <a:ext cx="0" cy="0"/>
+          <a:chOff x="0" y="0"/>
+          <a:chExt cx="0" cy="0"/>
+        </a:xfrm>
+      </p:grpSpPr>
+      <p:sp>
+        <p:nvSpPr>
+          <p:cNvPr id="2" name="标题 1"/>
+          <p:cNvSpPr>
+            <a:spLocks noGrp="1"/>
+          </p:cNvSpPr>
+          <p:nvPr>
+            <p:ph type="title"/>
+          </p:nvPr>
+        </p:nvSpPr>
+        <p:spPr/>
+        <p:txBody>
+          <a:bodyPr/>
+          <a:lstStyle/>
+          <a:p>
+            <a:endParaRPr lang="zh-CN" altLang="en-US" dirty="0"/>
+          </a:p>
+        </p:txBody>
+      </p:sp>
+      <p:sp>
+        <p:nvSpPr>
+          <p:cNvPr id="4" name="矩形 3"/>
+          <p:cNvSpPr/>
+          <p:nvPr/>
+        </p:nvSpPr>
+        <p:spPr>
+          <a:xfrm>
+            <a:off x="521207" y="1377863"/>
+            <a:ext cx="10694126" cy="5909310"/>
+          </a:xfrm>
+          <a:prstGeom prst="rect">
+            <a:avLst/>
+          </a:prstGeom>
+        </p:spPr>
+        <p:txBody>
+          <a:bodyPr wrap="square">
+            <a:spAutoFit/>
+          </a:bodyPr>
+          <a:lstStyle/>
+          <a:p>
+            <a:r>
+              <a:rPr lang="en-US" altLang="zh-CN" dirty="0"/>
+              <a:t>MOB Compaction</a:t>
+            </a:r>
+            <a:r>
+              <a:rPr lang="zh-CN" altLang="en-US" dirty="0"/>
+              <a:t>能否使用</a:t>
+            </a:r>
+            <a:r>
+              <a:rPr lang="en-US" altLang="zh-CN" dirty="0" err="1"/>
+              <a:t>HBase</a:t>
+            </a:r>
+            <a:r>
+              <a:rPr lang="zh-CN" altLang="en-US" dirty="0"/>
+              <a:t>来存储</a:t>
+            </a:r>
+            <a:r>
+              <a:rPr lang="en-US" altLang="zh-CN" dirty="0"/>
+              <a:t>MB</a:t>
+            </a:r>
+            <a:r>
+              <a:rPr lang="zh-CN" altLang="en-US" dirty="0"/>
+              <a:t>级别的</a:t>
+            </a:r>
+            <a:r>
+              <a:rPr lang="en-US" altLang="zh-CN" dirty="0"/>
+              <a:t>Blob(</a:t>
+            </a:r>
+            <a:r>
+              <a:rPr lang="zh-CN" altLang="en-US" dirty="0"/>
+              <a:t>如图片之类的小文件</a:t>
+            </a:r>
+            <a:r>
+              <a:rPr lang="en-US" altLang="zh-CN" dirty="0"/>
+              <a:t>)</a:t>
+            </a:r>
+            <a:r>
+              <a:rPr lang="zh-CN" altLang="en-US" dirty="0"/>
+              <a:t>数据？这是很多应用面临的一个基础问题，因为这些数据相比于普通的存储于</a:t>
+            </a:r>
+            <a:r>
+              <a:rPr lang="en-US" altLang="zh-CN" dirty="0" err="1"/>
+              <a:t>HBase</a:t>
+            </a:r>
+            <a:r>
+              <a:rPr lang="zh-CN" altLang="en-US" dirty="0"/>
+              <a:t>中的结构化</a:t>
+            </a:r>
+            <a:r>
+              <a:rPr lang="en-US" altLang="zh-CN" dirty="0"/>
+              <a:t>/</a:t>
+            </a:r>
+            <a:r>
+              <a:rPr lang="zh-CN" altLang="en-US" dirty="0"/>
+              <a:t>半结构化数据显得过大了，而如果将这些数据直接存储成</a:t>
+            </a:r>
+            <a:r>
+              <a:rPr lang="en-US" altLang="zh-CN" dirty="0"/>
+              <a:t>HDFS</a:t>
+            </a:r>
+            <a:r>
+              <a:rPr lang="zh-CN" altLang="en-US" dirty="0"/>
+              <a:t>中的独立文件，会加重</a:t>
+            </a:r>
+            <a:r>
+              <a:rPr lang="en-US" altLang="zh-CN" dirty="0"/>
+              <a:t>HDFS</a:t>
+            </a:r>
+            <a:r>
+              <a:rPr lang="zh-CN" altLang="en-US" dirty="0"/>
+              <a:t>的</a:t>
+            </a:r>
+            <a:r>
+              <a:rPr lang="en-US" altLang="zh-CN" dirty="0" err="1"/>
+              <a:t>NameNode</a:t>
+            </a:r>
+            <a:r>
+              <a:rPr lang="zh-CN" altLang="en-US" dirty="0"/>
+              <a:t>的负担，再者，如何索引这些小文件也是一个极大的痛点。当然，也有人采用了这样的方式：将多个小文件合并成</a:t>
+            </a:r>
+            <a:r>
+              <a:rPr lang="en-US" altLang="zh-CN" dirty="0"/>
+              <a:t>HDFS</a:t>
+            </a:r>
+            <a:r>
+              <a:rPr lang="zh-CN" altLang="en-US" dirty="0"/>
+              <a:t>上的一个大文件，这样子可以减轻</a:t>
+            </a:r>
+            <a:r>
+              <a:rPr lang="en-US" altLang="zh-CN" dirty="0"/>
+              <a:t>HDFS</a:t>
+            </a:r>
+            <a:r>
+              <a:rPr lang="zh-CN" altLang="en-US" dirty="0"/>
+              <a:t>的</a:t>
+            </a:r>
+            <a:r>
+              <a:rPr lang="en-US" altLang="zh-CN" dirty="0" err="1"/>
+              <a:t>NameNode</a:t>
+            </a:r>
+            <a:r>
+              <a:rPr lang="zh-CN" altLang="en-US" dirty="0"/>
+              <a:t>的负担，但需要维护每一个小文件的索引信息（文件名以及每一个小文件的偏移信息）。如果存这些这些小文件时，像普通的结构化数据</a:t>
+            </a:r>
+            <a:r>
+              <a:rPr lang="en-US" altLang="zh-CN" dirty="0"/>
+              <a:t>/</a:t>
+            </a:r>
+            <a:r>
+              <a:rPr lang="zh-CN" altLang="en-US" dirty="0"/>
+              <a:t>半结构化数据一样，直接写到</a:t>
+            </a:r>
+            <a:r>
+              <a:rPr lang="en-US" altLang="zh-CN" dirty="0" err="1"/>
+              <a:t>HBase</a:t>
+            </a:r>
+            <a:r>
+              <a:rPr lang="zh-CN" altLang="en-US" dirty="0"/>
+              <a:t>中，会有什么问题？这样子多条数据可以被合并在较大的</a:t>
+            </a:r>
+            <a:r>
+              <a:rPr lang="en-US" altLang="zh-CN" dirty="0" err="1"/>
+              <a:t>HFile</a:t>
+            </a:r>
+            <a:r>
+              <a:rPr lang="zh-CN" altLang="en-US" dirty="0"/>
+              <a:t>文件中，减轻了</a:t>
+            </a:r>
+            <a:r>
+              <a:rPr lang="en-US" altLang="zh-CN" dirty="0" err="1"/>
+              <a:t>NameNode</a:t>
+            </a:r>
+            <a:r>
+              <a:rPr lang="zh-CN" altLang="en-US" dirty="0"/>
+              <a:t>的负担，同时解决了快速索引的问题。但基于前面的内容，我们已经清楚知道了</a:t>
+            </a:r>
+            <a:r>
+              <a:rPr lang="en-US" altLang="zh-CN" dirty="0"/>
+              <a:t>Compaction</a:t>
+            </a:r>
+            <a:r>
+              <a:rPr lang="zh-CN" altLang="en-US" dirty="0"/>
+              <a:t>带来的写放大问题。试想一下，数</a:t>
+            </a:r>
+            <a:r>
+              <a:rPr lang="en-US" altLang="zh-CN" dirty="0"/>
+              <a:t>MB</a:t>
+            </a:r>
+            <a:r>
+              <a:rPr lang="zh-CN" altLang="en-US" dirty="0"/>
+              <a:t>级别的</a:t>
+            </a:r>
+            <a:r>
+              <a:rPr lang="en-US" altLang="zh-CN" dirty="0"/>
+              <a:t>Blob</a:t>
+            </a:r>
+            <a:r>
+              <a:rPr lang="zh-CN" altLang="en-US" dirty="0"/>
+              <a:t>数据，被反复多次合并以后，会带来什么样的影响？这对</a:t>
+            </a:r>
+            <a:r>
+              <a:rPr lang="en-US" altLang="zh-CN" dirty="0"/>
+              <a:t>IO</a:t>
+            </a:r>
+            <a:r>
+              <a:rPr lang="zh-CN" altLang="en-US" dirty="0"/>
+              <a:t>资源的抢占将会更加严重。因此，</a:t>
+            </a:r>
+            <a:r>
+              <a:rPr lang="en-US" altLang="zh-CN" dirty="0" err="1"/>
+              <a:t>HBase</a:t>
+            </a:r>
+            <a:r>
+              <a:rPr lang="zh-CN" altLang="en-US" dirty="0"/>
+              <a:t>的</a:t>
+            </a:r>
+            <a:r>
+              <a:rPr lang="en-US" altLang="zh-CN" dirty="0"/>
+              <a:t>MOB</a:t>
+            </a:r>
+            <a:r>
+              <a:rPr lang="zh-CN" altLang="en-US" dirty="0"/>
+              <a:t>特性的设计思想为：将</a:t>
+            </a:r>
+            <a:r>
+              <a:rPr lang="en-US" altLang="zh-CN" dirty="0"/>
+              <a:t>Blob</a:t>
+            </a:r>
+            <a:r>
+              <a:rPr lang="zh-CN" altLang="en-US" dirty="0"/>
+              <a:t>数据与描述</a:t>
+            </a:r>
+            <a:r>
+              <a:rPr lang="en-US" altLang="zh-CN" dirty="0"/>
+              <a:t>Blob</a:t>
+            </a:r>
+            <a:r>
+              <a:rPr lang="zh-CN" altLang="en-US" dirty="0"/>
+              <a:t>的元数据分离存储，</a:t>
+            </a:r>
+            <a:r>
+              <a:rPr lang="en-US" altLang="zh-CN" dirty="0"/>
+              <a:t>Blob</a:t>
+            </a:r>
+            <a:r>
+              <a:rPr lang="zh-CN" altLang="en-US" dirty="0"/>
+              <a:t>元数据采用正常的</a:t>
+            </a:r>
+            <a:r>
+              <a:rPr lang="en-US" altLang="zh-CN" dirty="0" err="1"/>
+              <a:t>HBase</a:t>
+            </a:r>
+            <a:r>
+              <a:rPr lang="zh-CN" altLang="en-US" dirty="0"/>
+              <a:t>的数据存储方式，而</a:t>
+            </a:r>
+            <a:r>
+              <a:rPr lang="en-US" altLang="zh-CN" dirty="0"/>
+              <a:t>Blob</a:t>
+            </a:r>
+            <a:r>
+              <a:rPr lang="zh-CN" altLang="en-US" dirty="0"/>
+              <a:t>数据存储在额外的</a:t>
+            </a:r>
+            <a:r>
+              <a:rPr lang="en-US" altLang="zh-CN" dirty="0"/>
+              <a:t>MOB</a:t>
+            </a:r>
+            <a:r>
+              <a:rPr lang="zh-CN" altLang="en-US" dirty="0"/>
+              <a:t>文件中，但在</a:t>
+            </a:r>
+            <a:r>
+              <a:rPr lang="en-US" altLang="zh-CN" dirty="0"/>
+              <a:t>Blob</a:t>
+            </a:r>
+            <a:r>
+              <a:rPr lang="zh-CN" altLang="en-US" dirty="0"/>
+              <a:t>元数据行中，存储了这个</a:t>
+            </a:r>
+            <a:r>
+              <a:rPr lang="en-US" altLang="zh-CN" dirty="0"/>
+              <a:t>MOB</a:t>
+            </a:r>
+            <a:r>
+              <a:rPr lang="zh-CN" altLang="en-US" dirty="0"/>
+              <a:t>文件的路径信息。</a:t>
+            </a:r>
+            <a:r>
+              <a:rPr lang="en-US" altLang="zh-CN" dirty="0"/>
+              <a:t>MOB</a:t>
+            </a:r>
+            <a:r>
+              <a:rPr lang="zh-CN" altLang="en-US" dirty="0"/>
+              <a:t>文件本质还是一个</a:t>
+            </a:r>
+            <a:r>
+              <a:rPr lang="en-US" altLang="zh-CN" dirty="0" err="1"/>
+              <a:t>HFile</a:t>
+            </a:r>
+            <a:r>
+              <a:rPr lang="zh-CN" altLang="en-US" dirty="0"/>
+              <a:t>文件，但这种</a:t>
+            </a:r>
+            <a:r>
+              <a:rPr lang="en-US" altLang="zh-CN" dirty="0" err="1"/>
+              <a:t>HFile</a:t>
+            </a:r>
+            <a:r>
+              <a:rPr lang="zh-CN" altLang="en-US" dirty="0"/>
+              <a:t>文件不参与</a:t>
+            </a:r>
+            <a:r>
+              <a:rPr lang="en-US" altLang="zh-CN" dirty="0" err="1"/>
+              <a:t>HBase</a:t>
+            </a:r>
+            <a:r>
+              <a:rPr lang="zh-CN" altLang="en-US" dirty="0"/>
+              <a:t>正常的</a:t>
+            </a:r>
+            <a:r>
+              <a:rPr lang="en-US" altLang="zh-CN" dirty="0"/>
+              <a:t>Compaction</a:t>
+            </a:r>
+            <a:r>
+              <a:rPr lang="zh-CN" altLang="en-US" dirty="0"/>
+              <a:t>流程。仅仅合并</a:t>
+            </a:r>
+            <a:r>
+              <a:rPr lang="en-US" altLang="zh-CN" dirty="0"/>
+              <a:t>Blob</a:t>
+            </a:r>
+            <a:r>
+              <a:rPr lang="zh-CN" altLang="en-US" dirty="0"/>
+              <a:t>元数据信息，写</a:t>
+            </a:r>
+            <a:r>
+              <a:rPr lang="en-US" altLang="zh-CN" dirty="0"/>
+              <a:t>IO</a:t>
+            </a:r>
+            <a:r>
+              <a:rPr lang="zh-CN" altLang="en-US" dirty="0"/>
+              <a:t>放大的问题就得到了有效的缓解。</a:t>
+            </a:r>
+            <a:r>
+              <a:rPr lang="en-US" altLang="zh-CN" dirty="0"/>
+              <a:t>MOB Compaction</a:t>
+            </a:r>
+            <a:r>
+              <a:rPr lang="zh-CN" altLang="en-US" dirty="0"/>
+              <a:t>也主要是针对</a:t>
+            </a:r>
+            <a:r>
+              <a:rPr lang="en-US" altLang="zh-CN" dirty="0"/>
+              <a:t>MOB</a:t>
+            </a:r>
+            <a:r>
+              <a:rPr lang="zh-CN" altLang="en-US" dirty="0"/>
+              <a:t>特性而存在的，这里涉及到数据在</a:t>
+            </a:r>
+            <a:r>
+              <a:rPr lang="en-US" altLang="zh-CN" dirty="0"/>
+              <a:t>MOB</a:t>
+            </a:r>
+            <a:r>
+              <a:rPr lang="zh-CN" altLang="en-US" dirty="0"/>
+              <a:t>文件与普通的</a:t>
+            </a:r>
+            <a:r>
+              <a:rPr lang="en-US" altLang="zh-CN" dirty="0" err="1"/>
+              <a:t>HFile</a:t>
+            </a:r>
+            <a:r>
+              <a:rPr lang="zh-CN" altLang="en-US" dirty="0"/>
+              <a:t>文件之间的一些流动，尤其是</a:t>
+            </a:r>
+            <a:r>
+              <a:rPr lang="en-US" altLang="zh-CN" dirty="0"/>
+              <a:t>MOB</a:t>
+            </a:r>
+            <a:r>
+              <a:rPr lang="zh-CN" altLang="en-US" dirty="0"/>
+              <a:t>的阈值大小发生变更的时候</a:t>
+            </a:r>
+            <a:r>
+              <a:rPr lang="en-US" altLang="zh-CN" dirty="0"/>
+              <a:t>(</a:t>
+            </a:r>
+            <a:r>
+              <a:rPr lang="zh-CN" altLang="en-US" dirty="0"/>
+              <a:t>即当一个列超过预设的配置值时，才被认定为</a:t>
+            </a:r>
+            <a:r>
+              <a:rPr lang="en-US" altLang="zh-CN" dirty="0"/>
+              <a:t>MOB)</a:t>
+            </a:r>
+            <a:r>
+              <a:rPr lang="zh-CN" altLang="en-US" dirty="0"/>
+              <a:t>，本文暂不展开过多的细节。</a:t>
+            </a:r>
+          </a:p>
+          <a:p>
+            <a:r>
+              <a:rPr lang="en-US" altLang="zh-CN" dirty="0"/>
+              <a:t>--------------------- </a:t>
+            </a:r>
+          </a:p>
+          <a:p>
+            <a:r>
+              <a:rPr lang="zh-CN" altLang="en-US" dirty="0"/>
+              <a:t>作者：</a:t>
+            </a:r>
+            <a:r>
+              <a:rPr lang="en-US" altLang="zh-CN" dirty="0"/>
+              <a:t>NoSQL</a:t>
+            </a:r>
+            <a:r>
+              <a:rPr lang="zh-CN" altLang="en-US" dirty="0"/>
+              <a:t>漫谈 </a:t>
+            </a:r>
+          </a:p>
+          <a:p>
+            <a:r>
+              <a:rPr lang="zh-CN" altLang="en-US" dirty="0"/>
+              <a:t>来源：</a:t>
+            </a:r>
+            <a:r>
+              <a:rPr lang="en-US" altLang="zh-CN" dirty="0"/>
+              <a:t>CSDN </a:t>
+            </a:r>
+          </a:p>
+          <a:p>
+            <a:r>
+              <a:rPr lang="zh-CN" altLang="en-US" dirty="0"/>
+              <a:t>原文：</a:t>
+            </a:r>
+            <a:r>
+              <a:rPr lang="en-US" altLang="zh-CN" dirty="0"/>
+              <a:t>https://blog.csdn.net/nosqlnotes/article/details/80890191 </a:t>
+            </a:r>
+          </a:p>
+          <a:p>
+            <a:r>
+              <a:rPr lang="zh-CN" altLang="en-US" dirty="0"/>
+              <a:t>版权声明：本文为博主原创文章，转载请附上博文链接！</a:t>
+            </a:r>
+          </a:p>
+        </p:txBody>
+      </p:sp>
+    </p:spTree>
+    <p:extLst>
+      <p:ext uri="{BB962C8B-B14F-4D97-AF65-F5344CB8AC3E}">
+        <p14:creationId xmlns:p14="http://schemas.microsoft.com/office/powerpoint/2010/main" val="2847969713"/>
       </p:ext>
     </p:extLst>
   </p:cSld>
@@ -22539,7 +24843,7 @@
           <a:bodyPr/>
           <a:lstStyle/>
           <a:p>
-            <a:endParaRPr lang="zh-CN" altLang="en-US" dirty="0"/>
+            <a:endParaRPr lang="zh-CN" altLang="en-US"/>
           </a:p>
         </p:txBody>
       </p:sp>
@@ -22551,26 +24855,98 @@
         </p:nvSpPr>
         <p:spPr>
           <a:xfrm>
-            <a:off x="521207" y="1377863"/>
-            <a:ext cx="10694126" cy="5909310"/>
+            <a:off x="911766" y="1673616"/>
+            <a:ext cx="6096000" cy="5078313"/>
           </a:xfrm>
           <a:prstGeom prst="rect">
             <a:avLst/>
           </a:prstGeom>
         </p:spPr>
         <p:txBody>
-          <a:bodyPr wrap="square">
+          <a:bodyPr>
             <a:spAutoFit/>
           </a:bodyPr>
           <a:lstStyle/>
           <a:p>
             <a:r>
               <a:rPr lang="en-US" altLang="zh-CN" dirty="0"/>
-              <a:t>MOB Compaction</a:t>
+              <a:t>Default Compaction</a:t>
             </a:r>
             <a:r>
               <a:rPr lang="zh-CN" altLang="en-US" dirty="0"/>
-              <a:t>能否使用</a:t>
+              <a:t>就是默认的</a:t>
+            </a:r>
+            <a:r>
+              <a:rPr lang="en-US" altLang="zh-CN" dirty="0"/>
+              <a:t>Compaction</a:t>
+            </a:r>
+            <a:r>
+              <a:rPr lang="zh-CN" altLang="en-US" dirty="0"/>
+              <a:t>行为，</a:t>
+            </a:r>
+            <a:r>
+              <a:rPr lang="en-US" altLang="zh-CN" dirty="0"/>
+              <a:t>2.0</a:t>
+            </a:r>
+            <a:r>
+              <a:rPr lang="zh-CN" altLang="en-US" dirty="0"/>
+              <a:t>版本和旧版本中的行为没有什么明显变化。所谓的</a:t>
+            </a:r>
+            <a:r>
+              <a:rPr lang="en-US" altLang="zh-CN" dirty="0"/>
+              <a:t>Default Compaction</a:t>
+            </a:r>
+            <a:r>
+              <a:rPr lang="zh-CN" altLang="en-US" dirty="0"/>
+              <a:t>，具有更广泛的适用场景，它在选择待合并的文件时是在整个</a:t>
+            </a:r>
+            <a:r>
+              <a:rPr lang="en-US" altLang="zh-CN" dirty="0"/>
+              <a:t>Region</a:t>
+            </a:r>
+            <a:r>
+              <a:rPr lang="zh-CN" altLang="en-US" dirty="0"/>
+              <a:t>级别进行选择的，所以往往意味着更高的写</a:t>
+            </a:r>
+            <a:r>
+              <a:rPr lang="en-US" altLang="zh-CN" dirty="0"/>
+              <a:t>IO</a:t>
+            </a:r>
+            <a:r>
+              <a:rPr lang="zh-CN" altLang="en-US" dirty="0"/>
+              <a:t>放大。在实际应用中，应该结合自己的应用场景选择合适的</a:t>
+            </a:r>
+            <a:r>
+              <a:rPr lang="en-US" altLang="zh-CN" dirty="0"/>
+              <a:t>Compaction</a:t>
+            </a:r>
+            <a:r>
+              <a:rPr lang="zh-CN" altLang="en-US" dirty="0"/>
+              <a:t>策略，如果前几种策略能够匹配自己的应用场景，那么应该是优选的（这几个策略的质量状态如何尚不好判断，建议结合业务场景进行实测观察），否则应该选择</a:t>
+            </a:r>
+            <a:r>
+              <a:rPr lang="en-US" altLang="zh-CN" dirty="0"/>
+              <a:t>Default Compaction</a:t>
+            </a:r>
+            <a:r>
+              <a:rPr lang="zh-CN" altLang="en-US" dirty="0"/>
+              <a:t>。如果上述几种</a:t>
+            </a:r>
+            <a:r>
+              <a:rPr lang="en-US" altLang="zh-CN" dirty="0"/>
+              <a:t>Compaction</a:t>
+            </a:r>
+            <a:r>
+              <a:rPr lang="zh-CN" altLang="en-US" dirty="0"/>
+              <a:t>策略都无法很好的满足业务需求的话，用户还可以自定义</a:t>
+            </a:r>
+            <a:r>
+              <a:rPr lang="en-US" altLang="zh-CN" dirty="0"/>
+              <a:t>Compaction</a:t>
+            </a:r>
+            <a:r>
+              <a:rPr lang="zh-CN" altLang="en-US" dirty="0"/>
+              <a:t>策略，因为</a:t>
             </a:r>
             <a:r>
               <a:rPr lang="en-US" altLang="zh-CN" dirty="0" err="1"/>
@@ -22578,127 +24954,7 @@
             </a:r>
             <a:r>
               <a:rPr lang="zh-CN" altLang="en-US" dirty="0"/>
-              <a:t>来存储</a:t>
-            </a:r>
-            <a:r>
-              <a:rPr lang="en-US" altLang="zh-CN" dirty="0"/>
-              <a:t>MB</a:t>
-            </a:r>
-            <a:r>
-              <a:rPr lang="zh-CN" altLang="en-US" dirty="0"/>
-              <a:t>级别的</a:t>
-            </a:r>
-            <a:r>
-              <a:rPr lang="en-US" altLang="zh-CN" dirty="0"/>
-              <a:t>Blob(</a:t>
-            </a:r>
-            <a:r>
-              <a:rPr lang="zh-CN" altLang="en-US" dirty="0"/>
-              <a:t>如图片之类的小文件</a:t>
-            </a:r>
-            <a:r>
-              <a:rPr lang="en-US" altLang="zh-CN" dirty="0"/>
-              <a:t>)</a:t>
-            </a:r>
-            <a:r>
-              <a:rPr lang="zh-CN" altLang="en-US" dirty="0"/>
-              <a:t>数据？这是很多应用面临的一个基础问题，因为这些数据相比于普通的存储于</a:t>
-            </a:r>
-            <a:r>
-              <a:rPr lang="en-US" altLang="zh-CN" dirty="0" err="1"/>
-              <a:t>HBase</a:t>
-            </a:r>
-            <a:r>
-              <a:rPr lang="zh-CN" altLang="en-US" dirty="0"/>
-              <a:t>中的结构化</a:t>
-            </a:r>
-            <a:r>
-              <a:rPr lang="en-US" altLang="zh-CN" dirty="0"/>
-              <a:t>/</a:t>
-            </a:r>
-            <a:r>
-              <a:rPr lang="zh-CN" altLang="en-US" dirty="0"/>
-              <a:t>半结构化数据显得过大了，而如果将这些数据直接存储成</a:t>
-            </a:r>
-            <a:r>
-              <a:rPr lang="en-US" altLang="zh-CN" dirty="0"/>
-              <a:t>HDFS</a:t>
-            </a:r>
-            <a:r>
-              <a:rPr lang="zh-CN" altLang="en-US" dirty="0"/>
-              <a:t>中的独立文件，会加重</a:t>
-            </a:r>
-            <a:r>
-              <a:rPr lang="en-US" altLang="zh-CN" dirty="0"/>
-              <a:t>HDFS</a:t>
-            </a:r>
-            <a:r>
-              <a:rPr lang="zh-CN" altLang="en-US" dirty="0"/>
-              <a:t>的</a:t>
-            </a:r>
-            <a:r>
-              <a:rPr lang="en-US" altLang="zh-CN" dirty="0" err="1"/>
-              <a:t>NameNode</a:t>
-            </a:r>
-            <a:r>
-              <a:rPr lang="zh-CN" altLang="en-US" dirty="0"/>
-              <a:t>的负担，再者，如何索引这些小文件也是一个极大的痛点。当然，也有人采用了这样的方式：将多个小文件合并成</a:t>
-            </a:r>
-            <a:r>
-              <a:rPr lang="en-US" altLang="zh-CN" dirty="0"/>
-              <a:t>HDFS</a:t>
-            </a:r>
-            <a:r>
-              <a:rPr lang="zh-CN" altLang="en-US" dirty="0"/>
-              <a:t>上的一个大文件，这样子可以减轻</a:t>
-            </a:r>
-            <a:r>
-              <a:rPr lang="en-US" altLang="zh-CN" dirty="0"/>
-              <a:t>HDFS</a:t>
-            </a:r>
-            <a:r>
-              <a:rPr lang="zh-CN" altLang="en-US" dirty="0"/>
-              <a:t>的</a:t>
-            </a:r>
-            <a:r>
-              <a:rPr lang="en-US" altLang="zh-CN" dirty="0" err="1"/>
-              <a:t>NameNode</a:t>
-            </a:r>
-            <a:r>
-              <a:rPr lang="zh-CN" altLang="en-US" dirty="0"/>
-              <a:t>的负担，但需要维护每一个小文件的索引信息（文件名以及每一个小文件的偏移信息）。如果存这些这些小文件时，像普通的结构化数据</a:t>
-            </a:r>
-            <a:r>
-              <a:rPr lang="en-US" altLang="zh-CN" dirty="0"/>
-              <a:t>/</a:t>
-            </a:r>
-            <a:r>
-              <a:rPr lang="zh-CN" altLang="en-US" dirty="0"/>
-              <a:t>半结构化数据一样，直接写到</a:t>
-            </a:r>
-            <a:r>
-              <a:rPr lang="en-US" altLang="zh-CN" dirty="0" err="1"/>
-              <a:t>HBase</a:t>
-            </a:r>
-            <a:r>
-              <a:rPr lang="zh-CN" altLang="en-US" dirty="0"/>
-              <a:t>中，会有什么问题？这样子多条数据可以被合并在较大的</a:t>
-            </a:r>
-            <a:r>
-              <a:rPr lang="en-US" altLang="zh-CN" dirty="0" err="1"/>
-              <a:t>HFile</a:t>
-            </a:r>
-            <a:r>
-              <a:rPr lang="zh-CN" altLang="en-US" dirty="0"/>
-              <a:t>文件中，减轻了</a:t>
-            </a:r>
-            <a:r>
-              <a:rPr lang="en-US" altLang="zh-CN" dirty="0" err="1"/>
-              <a:t>NameNode</a:t>
-            </a:r>
-            <a:r>
-              <a:rPr lang="zh-CN" altLang="en-US" dirty="0"/>
-              <a:t>的负担，同时解决了快速索引的问题。但基于前面的内容，我们已经清楚知道了</a:t>
+              <a:t>已经具备良好的</a:t>
             </a:r>
             <a:r>
               <a:rPr lang="en-US" altLang="zh-CN" dirty="0"/>
@@ -22706,223 +24962,7 @@
             </a:r>
             <a:r>
               <a:rPr lang="zh-CN" altLang="en-US" dirty="0"/>
-              <a:t>带来的写放大问题。试想一下，数</a:t>
-            </a:r>
-            <a:r>
-              <a:rPr lang="en-US" altLang="zh-CN" dirty="0"/>
-              <a:t>MB</a:t>
-            </a:r>
-            <a:r>
-              <a:rPr lang="zh-CN" altLang="en-US" dirty="0"/>
-              <a:t>级别的</a:t>
-            </a:r>
-            <a:r>
-              <a:rPr lang="en-US" altLang="zh-CN" dirty="0"/>
-              <a:t>Blob</a:t>
-            </a:r>
-            <a:r>
-              <a:rPr lang="zh-CN" altLang="en-US" dirty="0"/>
-              <a:t>数据，被反复多次合并以后，会带来什么样的影响？这对</a:t>
-            </a:r>
-            <a:r>
-              <a:rPr lang="en-US" altLang="zh-CN" dirty="0"/>
-              <a:t>IO</a:t>
-            </a:r>
-            <a:r>
-              <a:rPr lang="zh-CN" altLang="en-US" dirty="0"/>
-              <a:t>资源的抢占将会更加严重。因此，</a:t>
-            </a:r>
-            <a:r>
-              <a:rPr lang="en-US" altLang="zh-CN" dirty="0" err="1"/>
-              <a:t>HBase</a:t>
-            </a:r>
-            <a:r>
-              <a:rPr lang="zh-CN" altLang="en-US" dirty="0"/>
-              <a:t>的</a:t>
-            </a:r>
-            <a:r>
-              <a:rPr lang="en-US" altLang="zh-CN" dirty="0"/>
-              <a:t>MOB</a:t>
-            </a:r>
-            <a:r>
-              <a:rPr lang="zh-CN" altLang="en-US" dirty="0"/>
-              <a:t>特性的设计思想为：将</a:t>
-            </a:r>
-            <a:r>
-              <a:rPr lang="en-US" altLang="zh-CN" dirty="0"/>
-              <a:t>Blob</a:t>
-            </a:r>
-            <a:r>
-              <a:rPr lang="zh-CN" altLang="en-US" dirty="0"/>
-              <a:t>数据与描述</a:t>
-            </a:r>
-            <a:r>
-              <a:rPr lang="en-US" altLang="zh-CN" dirty="0"/>
-              <a:t>Blob</a:t>
-            </a:r>
-            <a:r>
-              <a:rPr lang="zh-CN" altLang="en-US" dirty="0"/>
-              <a:t>的元数据分离存储，</a:t>
-            </a:r>
-            <a:r>
-              <a:rPr lang="en-US" altLang="zh-CN" dirty="0"/>
-              <a:t>Blob</a:t>
-            </a:r>
-            <a:r>
-              <a:rPr lang="zh-CN" altLang="en-US" dirty="0"/>
-              <a:t>元数据采用正常的</a:t>
-            </a:r>
-            <a:r>
-              <a:rPr lang="en-US" altLang="zh-CN" dirty="0" err="1"/>
-              <a:t>HBase</a:t>
-            </a:r>
-            <a:r>
-              <a:rPr lang="zh-CN" altLang="en-US" dirty="0"/>
-              <a:t>的数据存储方式，而</a:t>
-            </a:r>
-            <a:r>
-              <a:rPr lang="en-US" altLang="zh-CN" dirty="0"/>
-              <a:t>Blob</a:t>
-            </a:r>
-            <a:r>
-              <a:rPr lang="zh-CN" altLang="en-US" dirty="0"/>
-              <a:t>数据存储在额外的</a:t>
-            </a:r>
-            <a:r>
-              <a:rPr lang="en-US" altLang="zh-CN" dirty="0"/>
-              <a:t>MOB</a:t>
-            </a:r>
-            <a:r>
-              <a:rPr lang="zh-CN" altLang="en-US" dirty="0"/>
-              <a:t>文件中，但在</a:t>
-            </a:r>
-            <a:r>
-              <a:rPr lang="en-US" altLang="zh-CN" dirty="0"/>
-              <a:t>Blob</a:t>
-            </a:r>
-            <a:r>
-              <a:rPr lang="zh-CN" altLang="en-US" dirty="0"/>
-              <a:t>元数据行中，存储了这个</a:t>
-            </a:r>
-            <a:r>
-              <a:rPr lang="en-US" altLang="zh-CN" dirty="0"/>
-              <a:t>MOB</a:t>
-            </a:r>
-            <a:r>
-              <a:rPr lang="zh-CN" altLang="en-US" dirty="0"/>
-              <a:t>文件的路径信息。</a:t>
-            </a:r>
-            <a:r>
-              <a:rPr lang="en-US" altLang="zh-CN" dirty="0"/>
-              <a:t>MOB</a:t>
-            </a:r>
-            <a:r>
-              <a:rPr lang="zh-CN" altLang="en-US" dirty="0"/>
-              <a:t>文件本质还是一个</a:t>
-            </a:r>
-            <a:r>
-              <a:rPr lang="en-US" altLang="zh-CN" dirty="0" err="1"/>
-              <a:t>HFile</a:t>
-            </a:r>
-            <a:r>
-              <a:rPr lang="zh-CN" altLang="en-US" dirty="0"/>
-              <a:t>文件，但这种</a:t>
-            </a:r>
-            <a:r>
-              <a:rPr lang="en-US" altLang="zh-CN" dirty="0" err="1"/>
-              <a:t>HFile</a:t>
-            </a:r>
-            <a:r>
-              <a:rPr lang="zh-CN" altLang="en-US" dirty="0"/>
-              <a:t>文件不参与</a:t>
-            </a:r>
-            <a:r>
-              <a:rPr lang="en-US" altLang="zh-CN" dirty="0" err="1"/>
-              <a:t>HBase</a:t>
-            </a:r>
-            <a:r>
-              <a:rPr lang="zh-CN" altLang="en-US" dirty="0"/>
-              <a:t>正常的</a:t>
-            </a:r>
-            <a:r>
-              <a:rPr lang="en-US" altLang="zh-CN" dirty="0"/>
-              <a:t>Compaction</a:t>
-            </a:r>
-            <a:r>
-              <a:rPr lang="zh-CN" altLang="en-US" dirty="0"/>
-              <a:t>流程。仅仅合并</a:t>
-            </a:r>
-            <a:r>
-              <a:rPr lang="en-US" altLang="zh-CN" dirty="0"/>
-              <a:t>Blob</a:t>
-            </a:r>
-            <a:r>
-              <a:rPr lang="zh-CN" altLang="en-US" dirty="0"/>
-              <a:t>元数据信息，写</a:t>
-            </a:r>
-            <a:r>
-              <a:rPr lang="en-US" altLang="zh-CN" dirty="0"/>
-              <a:t>IO</a:t>
-            </a:r>
-            <a:r>
-              <a:rPr lang="zh-CN" altLang="en-US" dirty="0"/>
-              <a:t>放大的问题就得到了有效的缓解。</a:t>
-            </a:r>
-            <a:r>
-              <a:rPr lang="en-US" altLang="zh-CN" dirty="0"/>
-              <a:t>MOB Compaction</a:t>
-            </a:r>
-            <a:r>
-              <a:rPr lang="zh-CN" altLang="en-US" dirty="0"/>
-              <a:t>也主要是针对</a:t>
-            </a:r>
-            <a:r>
-              <a:rPr lang="en-US" altLang="zh-CN" dirty="0"/>
-              <a:t>MOB</a:t>
-            </a:r>
-            <a:r>
-              <a:rPr lang="zh-CN" altLang="en-US" dirty="0"/>
-              <a:t>特性而存在的，这里涉及到数据在</a:t>
-            </a:r>
-            <a:r>
-              <a:rPr lang="en-US" altLang="zh-CN" dirty="0"/>
-              <a:t>MOB</a:t>
-            </a:r>
-            <a:r>
-              <a:rPr lang="zh-CN" altLang="en-US" dirty="0"/>
-              <a:t>文件与普通的</a:t>
-            </a:r>
-            <a:r>
-              <a:rPr lang="en-US" altLang="zh-CN" dirty="0" err="1"/>
-              <a:t>HFile</a:t>
-            </a:r>
-            <a:r>
-              <a:rPr lang="zh-CN" altLang="en-US" dirty="0"/>
-              <a:t>文件之间的一些流动，尤其是</a:t>
-            </a:r>
-            <a:r>
-              <a:rPr lang="en-US" altLang="zh-CN" dirty="0"/>
-              <a:t>MOB</a:t>
-            </a:r>
-            <a:r>
-              <a:rPr lang="zh-CN" altLang="en-US" dirty="0"/>
-              <a:t>的阈值大小发生变更的时候</a:t>
-            </a:r>
-            <a:r>
-              <a:rPr lang="en-US" altLang="zh-CN" dirty="0"/>
-              <a:t>(</a:t>
-            </a:r>
-            <a:r>
-              <a:rPr lang="zh-CN" altLang="en-US" dirty="0"/>
-              <a:t>即当一个列超过预设的配置值时，才被认定为</a:t>
-            </a:r>
-            <a:r>
-              <a:rPr lang="en-US" altLang="zh-CN" dirty="0"/>
-              <a:t>MOB)</a:t>
-            </a:r>
-            <a:r>
-              <a:rPr lang="zh-CN" altLang="en-US" dirty="0"/>
-              <a:t>，本文暂不展开过多的细节。</a:t>
+              <a:t>插件化机制。</a:t>
             </a:r>
           </a:p>
           <a:p>
@@ -22976,7 +25016,7 @@
     </p:spTree>
     <p:extLst>
       <p:ext uri="{BB962C8B-B14F-4D97-AF65-F5344CB8AC3E}">
-        <p14:creationId xmlns:p14="http://schemas.microsoft.com/office/powerpoint/2010/main" val="2847969713"/>
+        <p14:creationId xmlns:p14="http://schemas.microsoft.com/office/powerpoint/2010/main" val="500363755"/>
       </p:ext>
     </p:extLst>
   </p:cSld>
@@ -23018,7 +25058,11 @@
           <a:bodyPr/>
           <a:lstStyle/>
           <a:p>
-            <a:endParaRPr lang="zh-CN" altLang="en-US"/>
+            <a:r>
+              <a:rPr lang="en-US" altLang="zh-CN" dirty="0" smtClean="0"/>
+              <a:t>split</a:t>
+            </a:r>
+            <a:endParaRPr lang="zh-CN" altLang="en-US" dirty="0"/>
           </a:p>
         </p:txBody>
       </p:sp>
@@ -23030,160 +25074,51 @@
         </p:nvSpPr>
         <p:spPr>
           <a:xfrm>
-            <a:off x="911766" y="1673616"/>
-            <a:ext cx="6096000" cy="5078313"/>
+            <a:off x="769615" y="1585351"/>
+            <a:ext cx="1430392" cy="369332"/>
           </a:xfrm>
           <a:prstGeom prst="rect">
             <a:avLst/>
           </a:prstGeom>
         </p:spPr>
         <p:txBody>
-          <a:bodyPr>
+          <a:bodyPr wrap="none">
             <a:spAutoFit/>
           </a:bodyPr>
           <a:lstStyle/>
           <a:p>
             <a:r>
               <a:rPr lang="en-US" altLang="zh-CN" dirty="0"/>
-              <a:t>Default Compaction</a:t>
-            </a:r>
+              <a:t>Pre-splitting</a:t>
+            </a:r>
+            <a:endParaRPr lang="zh-CN" altLang="en-US" dirty="0"/>
+          </a:p>
+        </p:txBody>
+      </p:sp>
+      <p:sp>
+        <p:nvSpPr>
+          <p:cNvPr id="5" name="矩形 4"/>
+          <p:cNvSpPr/>
+          <p:nvPr/>
+        </p:nvSpPr>
+        <p:spPr>
+          <a:xfrm>
+            <a:off x="769615" y="2267232"/>
+            <a:ext cx="4552144" cy="369332"/>
+          </a:xfrm>
+          <a:prstGeom prst="rect">
+            <a:avLst/>
+          </a:prstGeom>
+        </p:spPr>
+        <p:txBody>
+          <a:bodyPr wrap="none">
+            <a:spAutoFit/>
+          </a:bodyPr>
+          <a:lstStyle/>
+          <a:p>
             <a:r>
               <a:rPr lang="zh-CN" altLang="en-US" dirty="0"/>
-              <a:t>就是默认的</a:t>
-            </a:r>
-            <a:r>
-              <a:rPr lang="en-US" altLang="zh-CN" dirty="0"/>
-              <a:t>Compaction</a:t>
-            </a:r>
-            <a:r>
-              <a:rPr lang="zh-CN" altLang="en-US" dirty="0"/>
-              <a:t>行为，</a:t>
-            </a:r>
-            <a:r>
-              <a:rPr lang="en-US" altLang="zh-CN" dirty="0"/>
-              <a:t>2.0</a:t>
-            </a:r>
-            <a:r>
-              <a:rPr lang="zh-CN" altLang="en-US" dirty="0"/>
-              <a:t>版本和旧版本中的行为没有什么明显变化。所谓的</a:t>
-            </a:r>
-            <a:r>
-              <a:rPr lang="en-US" altLang="zh-CN" dirty="0"/>
-              <a:t>Default Compaction</a:t>
-            </a:r>
-            <a:r>
-              <a:rPr lang="zh-CN" altLang="en-US" dirty="0"/>
-              <a:t>，具有更广泛的适用场景，它在选择待合并的文件时是在整个</a:t>
-            </a:r>
-            <a:r>
-              <a:rPr lang="en-US" altLang="zh-CN" dirty="0"/>
-              <a:t>Region</a:t>
-            </a:r>
-            <a:r>
-              <a:rPr lang="zh-CN" altLang="en-US" dirty="0"/>
-              <a:t>级别进行选择的，所以往往意味着更高的写</a:t>
-            </a:r>
-            <a:r>
-              <a:rPr lang="en-US" altLang="zh-CN" dirty="0"/>
-              <a:t>IO</a:t>
-            </a:r>
-            <a:r>
-              <a:rPr lang="zh-CN" altLang="en-US" dirty="0"/>
-              <a:t>放大。在实际应用中，应该结合自己的应用场景选择合适的</a:t>
-            </a:r>
-            <a:r>
-              <a:rPr lang="en-US" altLang="zh-CN" dirty="0"/>
-              <a:t>Compaction</a:t>
-            </a:r>
-            <a:r>
-              <a:rPr lang="zh-CN" altLang="en-US" dirty="0"/>
-              <a:t>策略，如果前几种策略能够匹配自己的应用场景，那么应该是优选的（这几个策略的质量状态如何尚不好判断，建议结合业务场景进行实测观察），否则应该选择</a:t>
-            </a:r>
-            <a:r>
-              <a:rPr lang="en-US" altLang="zh-CN" dirty="0"/>
-              <a:t>Default Compaction</a:t>
-            </a:r>
-            <a:r>
-              <a:rPr lang="zh-CN" altLang="en-US" dirty="0"/>
-              <a:t>。如果上述几种</a:t>
-            </a:r>
-            <a:r>
-              <a:rPr lang="en-US" altLang="zh-CN" dirty="0"/>
-              <a:t>Compaction</a:t>
-            </a:r>
-            <a:r>
-              <a:rPr lang="zh-CN" altLang="en-US" dirty="0"/>
-              <a:t>策略都无法很好的满足业务需求的话，用户还可以自定义</a:t>
-            </a:r>
-            <a:r>
-              <a:rPr lang="en-US" altLang="zh-CN" dirty="0"/>
-              <a:t>Compaction</a:t>
-            </a:r>
-            <a:r>
-              <a:rPr lang="zh-CN" altLang="en-US" dirty="0"/>
-              <a:t>策略，因为</a:t>
-            </a:r>
-            <a:r>
-              <a:rPr lang="en-US" altLang="zh-CN" dirty="0" err="1"/>
-              <a:t>HBase</a:t>
-            </a:r>
-            <a:r>
-              <a:rPr lang="zh-CN" altLang="en-US" dirty="0"/>
-              <a:t>已经具备良好的</a:t>
-            </a:r>
-            <a:r>
-              <a:rPr lang="en-US" altLang="zh-CN" dirty="0"/>
-              <a:t>Compaction</a:t>
-            </a:r>
-            <a:r>
-              <a:rPr lang="zh-CN" altLang="en-US" dirty="0"/>
-              <a:t>插件化机制。</a:t>
-            </a:r>
-          </a:p>
-          <a:p>
-            <a:r>
-              <a:rPr lang="en-US" altLang="zh-CN" dirty="0"/>
-              <a:t>--------------------- </a:t>
-            </a:r>
-          </a:p>
-          <a:p>
-            <a:r>
-              <a:rPr lang="zh-CN" altLang="en-US" dirty="0"/>
-              <a:t>作者：</a:t>
-            </a:r>
-            <a:r>
-              <a:rPr lang="en-US" altLang="zh-CN" dirty="0"/>
-              <a:t>NoSQL</a:t>
-            </a:r>
-            <a:r>
-              <a:rPr lang="zh-CN" altLang="en-US" dirty="0"/>
-              <a:t>漫谈 </a:t>
-            </a:r>
-          </a:p>
-          <a:p>
-            <a:r>
-              <a:rPr lang="zh-CN" altLang="en-US" dirty="0"/>
-              <a:t>来源：</a:t>
-            </a:r>
-            <a:r>
-              <a:rPr lang="en-US" altLang="zh-CN" dirty="0"/>
-              <a:t>CSDN </a:t>
-            </a:r>
-          </a:p>
-          <a:p>
-            <a:r>
-              <a:rPr lang="zh-CN" altLang="en-US" dirty="0"/>
-              <a:t>原文：</a:t>
-            </a:r>
-            <a:r>
-              <a:rPr lang="en-US" altLang="zh-CN" dirty="0"/>
-              <a:t>https://blog.csdn.net/nosqlnotes/article/details/80890191 </a:t>
-            </a:r>
-          </a:p>
-          <a:p>
-            <a:r>
-              <a:rPr lang="zh-CN" altLang="en-US" dirty="0"/>
-              <a:t>版权声明：本文为博主原创文章，转载请附上博文链接！</a:t>
+              <a:t>create 'test_table', 'f1', SPLITS=&gt; ['a', 'b', 'c']</a:t>
             </a:r>
           </a:p>
         </p:txBody>
@@ -23191,7 +25126,7 @@
     </p:spTree>
     <p:extLst>
       <p:ext uri="{BB962C8B-B14F-4D97-AF65-F5344CB8AC3E}">
-        <p14:creationId xmlns:p14="http://schemas.microsoft.com/office/powerpoint/2010/main" val="500363755"/>
+        <p14:creationId xmlns:p14="http://schemas.microsoft.com/office/powerpoint/2010/main" val="647299925"/>
       </p:ext>
     </p:extLst>
   </p:cSld>
@@ -23249,116 +25184,6 @@
         </p:nvSpPr>
         <p:spPr>
           <a:xfrm>
-            <a:off x="769615" y="1585351"/>
-            <a:ext cx="1430392" cy="369332"/>
-          </a:xfrm>
-          <a:prstGeom prst="rect">
-            <a:avLst/>
-          </a:prstGeom>
-        </p:spPr>
-        <p:txBody>
-          <a:bodyPr wrap="none">
-            <a:spAutoFit/>
-          </a:bodyPr>
-          <a:lstStyle/>
-          <a:p>
-            <a:r>
-              <a:rPr lang="en-US" altLang="zh-CN" dirty="0"/>
-              <a:t>Pre-splitting</a:t>
-            </a:r>
-            <a:endParaRPr lang="zh-CN" altLang="en-US" dirty="0"/>
-          </a:p>
-        </p:txBody>
-      </p:sp>
-      <p:sp>
-        <p:nvSpPr>
-          <p:cNvPr id="5" name="矩形 4"/>
-          <p:cNvSpPr/>
-          <p:nvPr/>
-        </p:nvSpPr>
-        <p:spPr>
-          <a:xfrm>
-            <a:off x="769615" y="2267232"/>
-            <a:ext cx="4552144" cy="369332"/>
-          </a:xfrm>
-          <a:prstGeom prst="rect">
-            <a:avLst/>
-          </a:prstGeom>
-        </p:spPr>
-        <p:txBody>
-          <a:bodyPr wrap="none">
-            <a:spAutoFit/>
-          </a:bodyPr>
-          <a:lstStyle/>
-          <a:p>
-            <a:r>
-              <a:rPr lang="zh-CN" altLang="en-US" dirty="0"/>
-              <a:t>create 'test_table', 'f1', SPLITS=&gt; ['a', 'b', 'c']</a:t>
-            </a:r>
-          </a:p>
-        </p:txBody>
-      </p:sp>
-    </p:spTree>
-    <p:extLst>
-      <p:ext uri="{BB962C8B-B14F-4D97-AF65-F5344CB8AC3E}">
-        <p14:creationId xmlns:p14="http://schemas.microsoft.com/office/powerpoint/2010/main" val="647299925"/>
-      </p:ext>
-    </p:extLst>
-  </p:cSld>
-  <p:clrMapOvr>
-    <a:masterClrMapping/>
-  </p:clrMapOvr>
-</p:sld>
-</file>
-
-<file path=ppt/slides/slide46.xml><?xml version="1.0" encoding="utf-8"?>
-<p:sld xmlns:a="http://schemas.openxmlformats.org/drawingml/2006/main" xmlns:r="http://schemas.openxmlformats.org/officeDocument/2006/relationships" xmlns:p="http://schemas.openxmlformats.org/presentationml/2006/main">
-  <p:cSld>
-    <p:spTree>
-      <p:nvGrpSpPr>
-        <p:cNvPr id="1" name=""/>
-        <p:cNvGrpSpPr/>
-        <p:nvPr/>
-      </p:nvGrpSpPr>
-      <p:grpSpPr>
-        <a:xfrm>
-          <a:off x="0" y="0"/>
-          <a:ext cx="0" cy="0"/>
-          <a:chOff x="0" y="0"/>
-          <a:chExt cx="0" cy="0"/>
-        </a:xfrm>
-      </p:grpSpPr>
-      <p:sp>
-        <p:nvSpPr>
-          <p:cNvPr id="2" name="标题 1"/>
-          <p:cNvSpPr>
-            <a:spLocks noGrp="1"/>
-          </p:cNvSpPr>
-          <p:nvPr>
-            <p:ph type="title"/>
-          </p:nvPr>
-        </p:nvSpPr>
-        <p:spPr/>
-        <p:txBody>
-          <a:bodyPr/>
-          <a:lstStyle/>
-          <a:p>
-            <a:r>
-              <a:rPr lang="en-US" altLang="zh-CN" dirty="0" smtClean="0"/>
-              <a:t>split</a:t>
-            </a:r>
-            <a:endParaRPr lang="zh-CN" altLang="en-US" dirty="0"/>
-          </a:p>
-        </p:txBody>
-      </p:sp>
-      <p:sp>
-        <p:nvSpPr>
-          <p:cNvPr id="4" name="矩形 3"/>
-          <p:cNvSpPr/>
-          <p:nvPr/>
-        </p:nvSpPr>
-        <p:spPr>
-          <a:xfrm>
             <a:off x="748936" y="1299486"/>
             <a:ext cx="10406744" cy="5355312"/>
           </a:xfrm>
@@ -23513,7 +25338,7 @@
 </p:sld>
 </file>
 
-<file path=ppt/slides/slide47.xml><?xml version="1.0" encoding="utf-8"?>
+<file path=ppt/slides/slide46.xml><?xml version="1.0" encoding="utf-8"?>
 <p:sld xmlns:a="http://schemas.openxmlformats.org/drawingml/2006/main" xmlns:r="http://schemas.openxmlformats.org/officeDocument/2006/relationships" xmlns:p="http://schemas.openxmlformats.org/presentationml/2006/main">
   <p:cSld>
     <p:spTree>
@@ -23596,6 +25421,192 @@
 </p:sld>
 </file>
 
+<file path=ppt/slides/slide47.xml><?xml version="1.0" encoding="utf-8"?>
+<p:sld xmlns:a="http://schemas.openxmlformats.org/drawingml/2006/main" xmlns:r="http://schemas.openxmlformats.org/officeDocument/2006/relationships" xmlns:p="http://schemas.openxmlformats.org/presentationml/2006/main">
+  <p:cSld>
+    <p:spTree>
+      <p:nvGrpSpPr>
+        <p:cNvPr id="1" name=""/>
+        <p:cNvGrpSpPr/>
+        <p:nvPr/>
+      </p:nvGrpSpPr>
+      <p:grpSpPr>
+        <a:xfrm>
+          <a:off x="0" y="0"/>
+          <a:ext cx="0" cy="0"/>
+          <a:chOff x="0" y="0"/>
+          <a:chExt cx="0" cy="0"/>
+        </a:xfrm>
+      </p:grpSpPr>
+      <p:sp>
+        <p:nvSpPr>
+          <p:cNvPr id="2" name="标题 1"/>
+          <p:cNvSpPr>
+            <a:spLocks noGrp="1"/>
+          </p:cNvSpPr>
+          <p:nvPr>
+            <p:ph type="title"/>
+          </p:nvPr>
+        </p:nvSpPr>
+        <p:spPr/>
+        <p:txBody>
+          <a:bodyPr/>
+          <a:lstStyle/>
+          <a:p>
+            <a:r>
+              <a:rPr lang="en-US" altLang="zh-CN" dirty="0" smtClean="0"/>
+              <a:t>split</a:t>
+            </a:r>
+            <a:endParaRPr lang="zh-CN" altLang="en-US" dirty="0"/>
+          </a:p>
+        </p:txBody>
+      </p:sp>
+      <p:sp>
+        <p:nvSpPr>
+          <p:cNvPr id="5" name="矩形 4"/>
+          <p:cNvSpPr/>
+          <p:nvPr/>
+        </p:nvSpPr>
+        <p:spPr>
+          <a:xfrm>
+            <a:off x="1166948" y="1225804"/>
+            <a:ext cx="10080172" cy="5078313"/>
+          </a:xfrm>
+          <a:prstGeom prst="rect">
+            <a:avLst/>
+          </a:prstGeom>
+        </p:spPr>
+        <p:txBody>
+          <a:bodyPr wrap="square">
+            <a:spAutoFit/>
+          </a:bodyPr>
+          <a:lstStyle/>
+          <a:p>
+            <a:r>
+              <a:rPr lang="en-US" altLang="zh-CN" dirty="0"/>
+              <a:t>\1. </a:t>
+            </a:r>
+            <a:r>
+              <a:rPr lang="en-US" altLang="zh-CN" dirty="0" err="1"/>
+              <a:t>RegionServer</a:t>
+            </a:r>
+            <a:r>
+              <a:rPr lang="en-US" altLang="zh-CN" dirty="0"/>
+              <a:t> decides locally to split the region, and prepares the  split. As a first step, it creates a </a:t>
+            </a:r>
+            <a:r>
+              <a:rPr lang="en-US" altLang="zh-CN" dirty="0" err="1"/>
+              <a:t>znode</a:t>
+            </a:r>
+            <a:r>
+              <a:rPr lang="en-US" altLang="zh-CN" dirty="0"/>
+              <a:t> in zookeeper under  /</a:t>
+            </a:r>
+            <a:r>
+              <a:rPr lang="en-US" altLang="zh-CN" dirty="0" err="1"/>
+              <a:t>hbase</a:t>
+            </a:r>
+            <a:r>
+              <a:rPr lang="en-US" altLang="zh-CN" dirty="0"/>
+              <a:t>/region-in-transition/region-name in SPLITTING state. \2. The Master learns about this </a:t>
+            </a:r>
+            <a:r>
+              <a:rPr lang="en-US" altLang="zh-CN" dirty="0" err="1"/>
+              <a:t>znode</a:t>
+            </a:r>
+            <a:r>
+              <a:rPr lang="en-US" altLang="zh-CN" dirty="0"/>
+              <a:t>, since it has a watcher for the parent region-in-transition </a:t>
+            </a:r>
+            <a:r>
+              <a:rPr lang="en-US" altLang="zh-CN" dirty="0" err="1"/>
+              <a:t>znode</a:t>
+            </a:r>
+            <a:r>
+              <a:rPr lang="en-US" altLang="zh-CN" dirty="0"/>
+              <a:t>. \3. </a:t>
+            </a:r>
+            <a:r>
+              <a:rPr lang="en-US" altLang="zh-CN" dirty="0" err="1"/>
+              <a:t>RegionServer</a:t>
+            </a:r>
+            <a:r>
+              <a:rPr lang="en-US" altLang="zh-CN" dirty="0"/>
+              <a:t> creates a sub-directory named “.splits” under the parent’s region directory in HDFS.  \4. </a:t>
+            </a:r>
+            <a:r>
+              <a:rPr lang="en-US" altLang="zh-CN" dirty="0" err="1"/>
+              <a:t>RegionServer</a:t>
+            </a:r>
+            <a:r>
+              <a:rPr lang="en-US" altLang="zh-CN" dirty="0"/>
+              <a:t> closes the parent region, forces a flush of the cache  and marks the region as offline in its local data structures. At this  point, client requests coming to the parent region will throw  </a:t>
+            </a:r>
+            <a:r>
+              <a:rPr lang="en-US" altLang="zh-CN" dirty="0" err="1"/>
+              <a:t>NotServingRegionException</a:t>
+            </a:r>
+            <a:r>
+              <a:rPr lang="en-US" altLang="zh-CN" dirty="0"/>
+              <a:t>. The client will retry with some </a:t>
+            </a:r>
+            <a:r>
+              <a:rPr lang="en-US" altLang="zh-CN" dirty="0" err="1"/>
+              <a:t>backoff</a:t>
+            </a:r>
+            <a:r>
+              <a:rPr lang="en-US" altLang="zh-CN" dirty="0"/>
+              <a:t>.  \5. </a:t>
+            </a:r>
+            <a:r>
+              <a:rPr lang="en-US" altLang="zh-CN" dirty="0" err="1"/>
+              <a:t>RegionServer</a:t>
+            </a:r>
+            <a:r>
+              <a:rPr lang="en-US" altLang="zh-CN" dirty="0"/>
+              <a:t> create the region directories under .splits directory,  for daughter regions A and B, and creates necessary data structures.  Then it splits the store files, in the sense that it creates two Reference files per store file in the parent region. Those reference files will point to the parent regions files. \6. </a:t>
+            </a:r>
+            <a:r>
+              <a:rPr lang="en-US" altLang="zh-CN" dirty="0" err="1"/>
+              <a:t>RegionServer</a:t>
+            </a:r>
+            <a:r>
+              <a:rPr lang="en-US" altLang="zh-CN" dirty="0"/>
+              <a:t> creates the actual region directory in HDFS, and moves the reference files for each daughter.  \7. </a:t>
+            </a:r>
+            <a:r>
+              <a:rPr lang="en-US" altLang="zh-CN" dirty="0" err="1"/>
+              <a:t>RegionServer</a:t>
+            </a:r>
+            <a:r>
+              <a:rPr lang="en-US" altLang="zh-CN" dirty="0"/>
+              <a:t> sends a Put request to the .META. table, and sets the  parent as offline in the .META. table and adds information about  daughter regions. At this point, there won’t be individual entries in  .META. for the daughters. Clients will see the parent region is split if  they scan .META., but won’t know about the daughters until they appear  in .META.. Also, if this Put to .META. succeeds, the parent will be  effectively split. If the </a:t>
+            </a:r>
+            <a:r>
+              <a:rPr lang="en-US" altLang="zh-CN" dirty="0" err="1"/>
+              <a:t>RegionServer</a:t>
+            </a:r>
+            <a:r>
+              <a:rPr lang="en-US" altLang="zh-CN" dirty="0"/>
+              <a:t> fails before this RPC succeeds,  Master and the next region server opening the region will clean dirty  state about the region split. After the .META. update, though, the  region split will be rolled-forward by Master. </a:t>
+            </a:r>
+            <a:endParaRPr lang="zh-CN" altLang="en-US" dirty="0"/>
+          </a:p>
+        </p:txBody>
+      </p:sp>
+    </p:spTree>
+    <p:extLst>
+      <p:ext uri="{BB962C8B-B14F-4D97-AF65-F5344CB8AC3E}">
+        <p14:creationId xmlns:p14="http://schemas.microsoft.com/office/powerpoint/2010/main" val="2628794886"/>
+      </p:ext>
+    </p:extLst>
+  </p:cSld>
+  <p:clrMapOvr>
+    <a:masterClrMapping/>
+  </p:clrMapOvr>
+</p:sld>
+</file>
+
 <file path=ppt/slides/slide48.xml><?xml version="1.0" encoding="utf-8"?>
 <p:sld xmlns:a="http://schemas.openxmlformats.org/drawingml/2006/main" xmlns:r="http://schemas.openxmlformats.org/officeDocument/2006/relationships" xmlns:p="http://schemas.openxmlformats.org/presentationml/2006/main">
   <p:cSld>
@@ -23628,24 +25639,20 @@
           <a:bodyPr/>
           <a:lstStyle/>
           <a:p>
-            <a:r>
-              <a:rPr lang="en-US" altLang="zh-CN" dirty="0" smtClean="0"/>
-              <a:t>split</a:t>
-            </a:r>
-            <a:endParaRPr lang="zh-CN" altLang="en-US" dirty="0"/>
+            <a:endParaRPr lang="zh-CN" altLang="en-US"/>
           </a:p>
         </p:txBody>
       </p:sp>
       <p:sp>
         <p:nvSpPr>
-          <p:cNvPr id="5" name="矩形 4"/>
+          <p:cNvPr id="4" name="矩形 3"/>
           <p:cNvSpPr/>
           <p:nvPr/>
         </p:nvSpPr>
         <p:spPr>
           <a:xfrm>
-            <a:off x="1166948" y="1225804"/>
-            <a:ext cx="10080172" cy="5078313"/>
+            <a:off x="748936" y="1502688"/>
+            <a:ext cx="8826137" cy="3693319"/>
           </a:xfrm>
           <a:prstGeom prst="rect">
             <a:avLst/>
@@ -23659,7 +25666,7 @@
           <a:p>
             <a:r>
               <a:rPr lang="en-US" altLang="zh-CN" dirty="0"/>
-              <a:t>\1. </a:t>
+              <a:t>\8. </a:t>
             </a:r>
             <a:r>
               <a:rPr lang="en-US" altLang="zh-CN" dirty="0" err="1"/>
@@ -23667,7 +25674,23 @@
             </a:r>
             <a:r>
               <a:rPr lang="en-US" altLang="zh-CN" dirty="0"/>
-              <a:t> decides locally to split the region, and prepares the  split. As a first step, it creates a </a:t>
+              <a:t> opens daughters in parallel to accept writes.  \9. </a:t>
+            </a:r>
+            <a:r>
+              <a:rPr lang="en-US" altLang="zh-CN" dirty="0" err="1"/>
+              <a:t>RegionServer</a:t>
+            </a:r>
+            <a:r>
+              <a:rPr lang="en-US" altLang="zh-CN" dirty="0"/>
+              <a:t> adds the daughters A and B to .META. together with  information that it hosts the regions. After this point, clients can  discover the new regions, and issue requests to the new region. Clients  cache the .META. entries locally, but when they make requests to the  region server or .META., their caches will be invalidated, and they will  learn about the new regions from .META.. \10. </a:t>
+            </a:r>
+            <a:r>
+              <a:rPr lang="en-US" altLang="zh-CN" dirty="0" err="1"/>
+              <a:t>RegionServer</a:t>
+            </a:r>
+            <a:r>
+              <a:rPr lang="en-US" altLang="zh-CN" dirty="0"/>
+              <a:t> updates  </a:t>
             </a:r>
             <a:r>
               <a:rPr lang="en-US" altLang="zh-CN" dirty="0" err="1"/>
@@ -23675,7 +25698,7 @@
             </a:r>
             <a:r>
               <a:rPr lang="en-US" altLang="zh-CN" dirty="0"/>
-              <a:t> in zookeeper under  /</a:t>
+              <a:t> /</a:t>
             </a:r>
             <a:r>
               <a:rPr lang="en-US" altLang="zh-CN" dirty="0" err="1"/>
@@ -23683,96 +25706,15 @@
             </a:r>
             <a:r>
               <a:rPr lang="en-US" altLang="zh-CN" dirty="0"/>
-              <a:t>/region-in-transition/region-name in SPLITTING state. \2. The Master learns about this </a:t>
-            </a:r>
-            <a:r>
-              <a:rPr lang="en-US" altLang="zh-CN" dirty="0" err="1"/>
-              <a:t>znode</a:t>
-            </a:r>
-            <a:r>
-              <a:rPr lang="en-US" altLang="zh-CN" dirty="0"/>
-              <a:t>, since it has a watcher for the parent region-in-transition </a:t>
-            </a:r>
-            <a:r>
-              <a:rPr lang="en-US" altLang="zh-CN" dirty="0" err="1"/>
-              <a:t>znode</a:t>
-            </a:r>
-            <a:r>
-              <a:rPr lang="en-US" altLang="zh-CN" dirty="0"/>
-              <a:t>. \3. </a:t>
-            </a:r>
-            <a:r>
-              <a:rPr lang="en-US" altLang="zh-CN" dirty="0" err="1"/>
-              <a:t>RegionServer</a:t>
-            </a:r>
-            <a:r>
-              <a:rPr lang="en-US" altLang="zh-CN" dirty="0"/>
-              <a:t> creates a sub-directory named “.splits” under the parent’s region directory in HDFS.  \4. </a:t>
-            </a:r>
-            <a:r>
-              <a:rPr lang="en-US" altLang="zh-CN" dirty="0" err="1"/>
-              <a:t>RegionServer</a:t>
-            </a:r>
-            <a:r>
-              <a:rPr lang="en-US" altLang="zh-CN" dirty="0"/>
-              <a:t> closes the parent region, forces a flush of the cache  and marks the region as offline in its local data structures. At this  point, client requests coming to the parent region will throw  </a:t>
-            </a:r>
-            <a:r>
-              <a:rPr lang="en-US" altLang="zh-CN" dirty="0" err="1"/>
-              <a:t>NotServingRegionException</a:t>
-            </a:r>
-            <a:r>
-              <a:rPr lang="en-US" altLang="zh-CN" dirty="0"/>
-              <a:t>. The client will retry with some </a:t>
-            </a:r>
-            <a:r>
-              <a:rPr lang="en-US" altLang="zh-CN" dirty="0" err="1"/>
-              <a:t>backoff</a:t>
-            </a:r>
-            <a:r>
-              <a:rPr lang="en-US" altLang="zh-CN" dirty="0"/>
-              <a:t>.  \5. </a:t>
-            </a:r>
-            <a:r>
-              <a:rPr lang="en-US" altLang="zh-CN" dirty="0" err="1"/>
-              <a:t>RegionServer</a:t>
-            </a:r>
-            <a:r>
-              <a:rPr lang="en-US" altLang="zh-CN" dirty="0"/>
-              <a:t> create the region directories under .splits directory,  for daughter regions A and B, and creates necessary data structures.  Then it splits the store files, in the sense that it creates two Reference files per store file in the parent region. Those reference files will point to the parent regions files. \6. </a:t>
-            </a:r>
-            <a:r>
-              <a:rPr lang="en-US" altLang="zh-CN" dirty="0" err="1"/>
-              <a:t>RegionServer</a:t>
-            </a:r>
-            <a:r>
-              <a:rPr lang="en-US" altLang="zh-CN" dirty="0"/>
-              <a:t> creates the actual region directory in HDFS, and moves the reference files for each daughter.  \7. </a:t>
-            </a:r>
-            <a:r>
-              <a:rPr lang="en-US" altLang="zh-CN" dirty="0" err="1"/>
-              <a:t>RegionServer</a:t>
-            </a:r>
-            <a:r>
-              <a:rPr lang="en-US" altLang="zh-CN" dirty="0"/>
-              <a:t> sends a Put request to the .META. table, and sets the  parent as offline in the .META. table and adds information about  daughter regions. At this point, there won’t be individual entries in  .META. for the daughters. Clients will see the parent region is split if  they scan .META., but won’t know about the daughters until they appear  in .META.. Also, if this Put to .META. succeeds, the parent will be  effectively split. If the </a:t>
-            </a:r>
-            <a:r>
-              <a:rPr lang="en-US" altLang="zh-CN" dirty="0" err="1"/>
-              <a:t>RegionServer</a:t>
-            </a:r>
-            <a:r>
-              <a:rPr lang="en-US" altLang="zh-CN" dirty="0"/>
-              <a:t> fails before this RPC succeeds,  Master and the next region server opening the region will clean dirty  state about the region split. After the .META. update, though, the  region split will be rolled-forward by Master. </a:t>
-            </a:r>
-            <a:endParaRPr lang="zh-CN" altLang="en-US" dirty="0"/>
+              <a:t>/region-in-transition/region-name in zookeeper to state  SPLIT, so that the master can learn about it. The balancer can freely  re-assign the daughter regions to other region servers if it chooses so.  \11. After the split, meta and HDFS will still contain references to the  parent region. Those references will be removed when compactions in  daughter regions rewrite the data files. Garbage collection tasks in the  master periodically checks whether the daughter regions still refer to  parents files.  If not, the parent region will be removed.</a:t>
+            </a:r>
           </a:p>
         </p:txBody>
       </p:sp>
     </p:spTree>
     <p:extLst>
       <p:ext uri="{BB962C8B-B14F-4D97-AF65-F5344CB8AC3E}">
-        <p14:creationId xmlns:p14="http://schemas.microsoft.com/office/powerpoint/2010/main" val="2628794886"/>
+        <p14:creationId xmlns:p14="http://schemas.microsoft.com/office/powerpoint/2010/main" val="3661374470"/>
       </p:ext>
     </p:extLst>
   </p:cSld>
@@ -23814,7 +25756,11 @@
           <a:bodyPr/>
           <a:lstStyle/>
           <a:p>
-            <a:endParaRPr lang="zh-CN" altLang="en-US"/>
+            <a:r>
+              <a:rPr lang="en-US" altLang="zh-CN" dirty="0" smtClean="0"/>
+              <a:t>snapshot</a:t>
+            </a:r>
+            <a:endParaRPr lang="zh-CN" altLang="en-US" dirty="0"/>
           </a:p>
         </p:txBody>
       </p:sp>
@@ -23826,8 +25772,8 @@
         </p:nvSpPr>
         <p:spPr>
           <a:xfrm>
-            <a:off x="748936" y="1502688"/>
-            <a:ext cx="8826137" cy="3693319"/>
+            <a:off x="911765" y="1550858"/>
+            <a:ext cx="9590771" cy="3139321"/>
           </a:xfrm>
           <a:prstGeom prst="rect">
             <a:avLst/>
@@ -23840,48 +25786,68 @@
           <a:lstStyle/>
           <a:p>
             <a:r>
+              <a:rPr lang="en-US" altLang="zh-CN" dirty="0" err="1"/>
+              <a:t>napshot</a:t>
+            </a:r>
+            <a:r>
+              <a:rPr lang="zh-CN" altLang="en-US" dirty="0"/>
+              <a:t>是很多存储系统和数据库系统都支持的功能。一个</a:t>
+            </a:r>
+            <a:r>
               <a:rPr lang="en-US" altLang="zh-CN" dirty="0"/>
-              <a:t>\8. </a:t>
+              <a:t>snapshot</a:t>
+            </a:r>
+            <a:r>
+              <a:rPr lang="zh-CN" altLang="en-US" dirty="0"/>
+              <a:t>是一个全部文件系统、或者某个目录在某一时刻的镜像。实现数据文件镜像最简单粗暴的方式是加锁拷贝（之所以需要加锁，是因为镜像得到的数据必须是某一时刻完全一致的数据），拷贝的这段时间不允许对原数据进行任何形式的更新删除，仅提供只读操作，拷贝完成之后再释放锁。这种方式涉及数据的实际拷贝，数据量大的情况下必然会花费大量时间，长时间的加锁拷贝必然导致客户端长时间不能更新删除，这是生产线上不能容忍的。</a:t>
+            </a:r>
+            <a:r>
+              <a:rPr lang="en-US" altLang="zh-CN" dirty="0"/>
+              <a:t>snapshot</a:t>
+            </a:r>
+            <a:r>
+              <a:rPr lang="zh-CN" altLang="en-US" dirty="0"/>
+              <a:t>机制并不会拷贝数据，可以理解为它是原数据的一份指针。在</a:t>
             </a:r>
             <a:r>
               <a:rPr lang="en-US" altLang="zh-CN" dirty="0" err="1"/>
-              <a:t>RegionServer</a:t>
+              <a:t>HBase</a:t>
+            </a:r>
+            <a:r>
+              <a:rPr lang="zh-CN" altLang="en-US" dirty="0"/>
+              <a:t>这种</a:t>
             </a:r>
             <a:r>
               <a:rPr lang="en-US" altLang="zh-CN" dirty="0"/>
-              <a:t> opens daughters in parallel to accept writes.  \9. </a:t>
+              <a:t>LSM</a:t>
+            </a:r>
+            <a:r>
+              <a:rPr lang="zh-CN" altLang="en-US" dirty="0"/>
+              <a:t>类型系统结构下是比较容易理解的，我们知道</a:t>
             </a:r>
             <a:r>
               <a:rPr lang="en-US" altLang="zh-CN" dirty="0" err="1"/>
-              <a:t>RegionServer</a:t>
+              <a:t>HBase</a:t>
+            </a:r>
+            <a:r>
+              <a:rPr lang="zh-CN" altLang="en-US" dirty="0"/>
+              <a:t>数据文件一旦落到磁盘之后就不再允许更新删除等原地修改操作，如果想更新删除的话可以追加写入新文件（</a:t>
+            </a:r>
+            <a:r>
+              <a:rPr lang="en-US" altLang="zh-CN" dirty="0" err="1"/>
+              <a:t>HBase</a:t>
+            </a:r>
+            <a:r>
+              <a:rPr lang="zh-CN" altLang="en-US" dirty="0"/>
+              <a:t>中根本没有更新接口，删除命令也是追加写入）。这种机制下实现某个表的</a:t>
             </a:r>
             <a:r>
               <a:rPr lang="en-US" altLang="zh-CN" dirty="0"/>
-              <a:t> adds the daughters A and B to .META. together with  information that it hosts the regions. After this point, clients can  discover the new regions, and issue requests to the new region. Clients  cache the .META. entries locally, but when they make requests to the  region server or .META., their caches will be invalidated, and they will  learn about the new regions from .META.. \10. </a:t>
-            </a:r>
-            <a:r>
-              <a:rPr lang="en-US" altLang="zh-CN" dirty="0" err="1"/>
-              <a:t>RegionServer</a:t>
-            </a:r>
-            <a:r>
-              <a:rPr lang="en-US" altLang="zh-CN" dirty="0"/>
-              <a:t> updates  </a:t>
-            </a:r>
-            <a:r>
-              <a:rPr lang="en-US" altLang="zh-CN" dirty="0" err="1"/>
-              <a:t>znode</a:t>
-            </a:r>
-            <a:r>
-              <a:rPr lang="en-US" altLang="zh-CN" dirty="0"/>
-              <a:t> /</a:t>
-            </a:r>
-            <a:r>
-              <a:rPr lang="en-US" altLang="zh-CN" dirty="0" err="1"/>
-              <a:t>hbase</a:t>
-            </a:r>
-            <a:r>
-              <a:rPr lang="en-US" altLang="zh-CN" dirty="0"/>
-              <a:t>/region-in-transition/region-name in zookeeper to state  SPLIT, so that the master can learn about it. The balancer can freely  re-assign the daughter regions to other region servers if it chooses so.  \11. After the split, meta and HDFS will still contain references to the  parent region. Those references will be removed when compactions in  daughter regions rewrite the data files. Garbage collection tasks in the  master periodically checks whether the daughter regions still refer to  parents files.  If not, the parent region will be removed.</a:t>
+              <a:t>snapshot</a:t>
+            </a:r>
+            <a:r>
+              <a:rPr lang="zh-CN" altLang="en-US" dirty="0"/>
+              <a:t>只需要给当前表的所有文件分别新建一个引用（指针），其他新写入的数据重新创建一个新文件写入即可。如下图所示：</a:t>
             </a:r>
           </a:p>
         </p:txBody>
@@ -23889,7 +25855,7 @@
     </p:spTree>
     <p:extLst>
       <p:ext uri="{BB962C8B-B14F-4D97-AF65-F5344CB8AC3E}">
-        <p14:creationId xmlns:p14="http://schemas.microsoft.com/office/powerpoint/2010/main" val="3661374470"/>
+        <p14:creationId xmlns:p14="http://schemas.microsoft.com/office/powerpoint/2010/main" val="506803398"/>
       </p:ext>
     </p:extLst>
   </p:cSld>
@@ -24169,7 +26135,7 @@
   <p:timing>
     <p:tnLst>
       <p:par>
-        <p:cTn id="1" dur="indefinite" restart="never" nodeType="tmRoot"/>
+        <p:cTn xmlns:p14="http://schemas.microsoft.com/office/powerpoint/2010/main" id="1" dur="indefinite" restart="never" nodeType="tmRoot"/>
       </p:par>
     </p:tnLst>
   </p:timing>
@@ -24177,147 +26143,6 @@
 </file>
 
 <file path=ppt/slides/slide50.xml><?xml version="1.0" encoding="utf-8"?>
-<p:sld xmlns:a="http://schemas.openxmlformats.org/drawingml/2006/main" xmlns:r="http://schemas.openxmlformats.org/officeDocument/2006/relationships" xmlns:p="http://schemas.openxmlformats.org/presentationml/2006/main">
-  <p:cSld>
-    <p:spTree>
-      <p:nvGrpSpPr>
-        <p:cNvPr id="1" name=""/>
-        <p:cNvGrpSpPr/>
-        <p:nvPr/>
-      </p:nvGrpSpPr>
-      <p:grpSpPr>
-        <a:xfrm>
-          <a:off x="0" y="0"/>
-          <a:ext cx="0" cy="0"/>
-          <a:chOff x="0" y="0"/>
-          <a:chExt cx="0" cy="0"/>
-        </a:xfrm>
-      </p:grpSpPr>
-      <p:sp>
-        <p:nvSpPr>
-          <p:cNvPr id="2" name="标题 1"/>
-          <p:cNvSpPr>
-            <a:spLocks noGrp="1"/>
-          </p:cNvSpPr>
-          <p:nvPr>
-            <p:ph type="title"/>
-          </p:nvPr>
-        </p:nvSpPr>
-        <p:spPr/>
-        <p:txBody>
-          <a:bodyPr/>
-          <a:lstStyle/>
-          <a:p>
-            <a:r>
-              <a:rPr lang="en-US" altLang="zh-CN" dirty="0" smtClean="0"/>
-              <a:t>snapshot</a:t>
-            </a:r>
-            <a:endParaRPr lang="zh-CN" altLang="en-US" dirty="0"/>
-          </a:p>
-        </p:txBody>
-      </p:sp>
-      <p:sp>
-        <p:nvSpPr>
-          <p:cNvPr id="4" name="矩形 3"/>
-          <p:cNvSpPr/>
-          <p:nvPr/>
-        </p:nvSpPr>
-        <p:spPr>
-          <a:xfrm>
-            <a:off x="911765" y="1550858"/>
-            <a:ext cx="9590771" cy="3139321"/>
-          </a:xfrm>
-          <a:prstGeom prst="rect">
-            <a:avLst/>
-          </a:prstGeom>
-        </p:spPr>
-        <p:txBody>
-          <a:bodyPr wrap="square">
-            <a:spAutoFit/>
-          </a:bodyPr>
-          <a:lstStyle/>
-          <a:p>
-            <a:r>
-              <a:rPr lang="en-US" altLang="zh-CN" dirty="0" err="1"/>
-              <a:t>napshot</a:t>
-            </a:r>
-            <a:r>
-              <a:rPr lang="zh-CN" altLang="en-US" dirty="0"/>
-              <a:t>是很多存储系统和数据库系统都支持的功能。一个</a:t>
-            </a:r>
-            <a:r>
-              <a:rPr lang="en-US" altLang="zh-CN" dirty="0"/>
-              <a:t>snapshot</a:t>
-            </a:r>
-            <a:r>
-              <a:rPr lang="zh-CN" altLang="en-US" dirty="0"/>
-              <a:t>是一个全部文件系统、或者某个目录在某一时刻的镜像。实现数据文件镜像最简单粗暴的方式是加锁拷贝（之所以需要加锁，是因为镜像得到的数据必须是某一时刻完全一致的数据），拷贝的这段时间不允许对原数据进行任何形式的更新删除，仅提供只读操作，拷贝完成之后再释放锁。这种方式涉及数据的实际拷贝，数据量大的情况下必然会花费大量时间，长时间的加锁拷贝必然导致客户端长时间不能更新删除，这是生产线上不能容忍的。</a:t>
-            </a:r>
-            <a:r>
-              <a:rPr lang="en-US" altLang="zh-CN" dirty="0"/>
-              <a:t>snapshot</a:t>
-            </a:r>
-            <a:r>
-              <a:rPr lang="zh-CN" altLang="en-US" dirty="0"/>
-              <a:t>机制并不会拷贝数据，可以理解为它是原数据的一份指针。在</a:t>
-            </a:r>
-            <a:r>
-              <a:rPr lang="en-US" altLang="zh-CN" dirty="0" err="1"/>
-              <a:t>HBase</a:t>
-            </a:r>
-            <a:r>
-              <a:rPr lang="zh-CN" altLang="en-US" dirty="0"/>
-              <a:t>这种</a:t>
-            </a:r>
-            <a:r>
-              <a:rPr lang="en-US" altLang="zh-CN" dirty="0"/>
-              <a:t>LSM</a:t>
-            </a:r>
-            <a:r>
-              <a:rPr lang="zh-CN" altLang="en-US" dirty="0"/>
-              <a:t>类型系统结构下是比较容易理解的，我们知道</a:t>
-            </a:r>
-            <a:r>
-              <a:rPr lang="en-US" altLang="zh-CN" dirty="0" err="1"/>
-              <a:t>HBase</a:t>
-            </a:r>
-            <a:r>
-              <a:rPr lang="zh-CN" altLang="en-US" dirty="0"/>
-              <a:t>数据文件一旦落到磁盘之后就不再允许更新删除等原地修改操作，如果想更新删除的话可以追加写入新文件（</a:t>
-            </a:r>
-            <a:r>
-              <a:rPr lang="en-US" altLang="zh-CN" dirty="0" err="1"/>
-              <a:t>HBase</a:t>
-            </a:r>
-            <a:r>
-              <a:rPr lang="zh-CN" altLang="en-US" dirty="0"/>
-              <a:t>中根本没有更新接口，删除命令也是追加写入）。这种机制下实现某个表的</a:t>
-            </a:r>
-            <a:r>
-              <a:rPr lang="en-US" altLang="zh-CN" dirty="0"/>
-              <a:t>snapshot</a:t>
-            </a:r>
-            <a:r>
-              <a:rPr lang="zh-CN" altLang="en-US" dirty="0"/>
-              <a:t>只需要给当前表的所有文件分别新建一个引用（指针），其他新写入的数据重新创建一个新文件写入即可。如下图所示：</a:t>
-            </a:r>
-          </a:p>
-        </p:txBody>
-      </p:sp>
-    </p:spTree>
-    <p:extLst>
-      <p:ext uri="{BB962C8B-B14F-4D97-AF65-F5344CB8AC3E}">
-        <p14:creationId xmlns:p14="http://schemas.microsoft.com/office/powerpoint/2010/main" val="506803398"/>
-      </p:ext>
-    </p:extLst>
-  </p:cSld>
-  <p:clrMapOvr>
-    <a:masterClrMapping/>
-  </p:clrMapOvr>
-</p:sld>
-</file>
-
-<file path=ppt/slides/slide51.xml><?xml version="1.0" encoding="utf-8"?>
 <p:sld xmlns:a="http://schemas.openxmlformats.org/drawingml/2006/main" xmlns:r="http://schemas.openxmlformats.org/officeDocument/2006/relationships" xmlns:p="http://schemas.openxmlformats.org/presentationml/2006/main">
   <p:cSld>
     <p:spTree>
@@ -24489,6 +26314,148 @@
 </p:sld>
 </file>
 
+<file path=ppt/slides/slide51.xml><?xml version="1.0" encoding="utf-8"?>
+<p:sld xmlns:a="http://schemas.openxmlformats.org/drawingml/2006/main" xmlns:r="http://schemas.openxmlformats.org/officeDocument/2006/relationships" xmlns:p="http://schemas.openxmlformats.org/presentationml/2006/main">
+  <p:cSld>
+    <p:spTree>
+      <p:nvGrpSpPr>
+        <p:cNvPr id="1" name=""/>
+        <p:cNvGrpSpPr/>
+        <p:nvPr/>
+      </p:nvGrpSpPr>
+      <p:grpSpPr>
+        <a:xfrm>
+          <a:off x="0" y="0"/>
+          <a:ext cx="0" cy="0"/>
+          <a:chOff x="0" y="0"/>
+          <a:chExt cx="0" cy="0"/>
+        </a:xfrm>
+      </p:grpSpPr>
+      <p:sp>
+        <p:nvSpPr>
+          <p:cNvPr id="2" name="标题 1"/>
+          <p:cNvSpPr>
+            <a:spLocks noGrp="1"/>
+          </p:cNvSpPr>
+          <p:nvPr>
+            <p:ph type="title"/>
+          </p:nvPr>
+        </p:nvSpPr>
+        <p:spPr/>
+        <p:txBody>
+          <a:bodyPr/>
+          <a:lstStyle/>
+          <a:p>
+            <a:endParaRPr lang="zh-CN" altLang="en-US"/>
+          </a:p>
+        </p:txBody>
+      </p:sp>
+      <p:sp>
+        <p:nvSpPr>
+          <p:cNvPr id="4" name="矩形 3"/>
+          <p:cNvSpPr/>
+          <p:nvPr/>
+        </p:nvSpPr>
+        <p:spPr>
+          <a:xfrm>
+            <a:off x="1702526" y="1822996"/>
+            <a:ext cx="6096000" cy="1200329"/>
+          </a:xfrm>
+          <a:prstGeom prst="rect">
+            <a:avLst/>
+          </a:prstGeom>
+        </p:spPr>
+        <p:txBody>
+          <a:bodyPr>
+            <a:spAutoFit/>
+          </a:bodyPr>
+          <a:lstStyle/>
+          <a:p>
+            <a:r>
+              <a:rPr lang="en-US" altLang="zh-CN" dirty="0"/>
+              <a:t>snapshot</a:t>
+            </a:r>
+            <a:r>
+              <a:rPr lang="zh-CN" altLang="en-US" dirty="0"/>
+              <a:t>流程主要涉及</a:t>
+            </a:r>
+            <a:r>
+              <a:rPr lang="en-US" altLang="zh-CN" dirty="0"/>
+              <a:t>3</a:t>
+            </a:r>
+            <a:r>
+              <a:rPr lang="zh-CN" altLang="en-US" dirty="0"/>
+              <a:t>个步骤：</a:t>
+            </a:r>
+            <a:r>
+              <a:rPr lang="en-US" altLang="zh-CN" dirty="0"/>
+              <a:t>\1. </a:t>
+            </a:r>
+            <a:r>
+              <a:rPr lang="zh-CN" altLang="en-US" dirty="0"/>
+              <a:t>加一把全局锁，此时不允许任何的数据写入更新以及删除</a:t>
+            </a:r>
+            <a:r>
+              <a:rPr lang="en-US" altLang="zh-CN" dirty="0"/>
+              <a:t>\2. </a:t>
+            </a:r>
+            <a:r>
+              <a:rPr lang="zh-CN" altLang="en-US" dirty="0"/>
+              <a:t>将</a:t>
+            </a:r>
+            <a:r>
+              <a:rPr lang="en-US" altLang="zh-CN" dirty="0" err="1"/>
+              <a:t>Memstore</a:t>
+            </a:r>
+            <a:r>
+              <a:rPr lang="zh-CN" altLang="en-US" dirty="0"/>
+              <a:t>中的缓存数据</a:t>
+            </a:r>
+            <a:r>
+              <a:rPr lang="en-US" altLang="zh-CN" dirty="0"/>
+              <a:t>flush</a:t>
+            </a:r>
+            <a:r>
+              <a:rPr lang="zh-CN" altLang="en-US" dirty="0"/>
+              <a:t>到文件中（可选）</a:t>
+            </a:r>
+            <a:r>
+              <a:rPr lang="en-US" altLang="zh-CN" dirty="0"/>
+              <a:t>\3. </a:t>
+            </a:r>
+            <a:r>
+              <a:rPr lang="zh-CN" altLang="en-US" dirty="0"/>
+              <a:t>为所有</a:t>
+            </a:r>
+            <a:r>
+              <a:rPr lang="en-US" altLang="zh-CN" dirty="0" err="1"/>
+              <a:t>HFile</a:t>
+            </a:r>
+            <a:r>
+              <a:rPr lang="zh-CN" altLang="en-US" dirty="0"/>
+              <a:t>文件分别新建引用指针，这些指针元数据就是</a:t>
+            </a:r>
+            <a:r>
+              <a:rPr lang="en-US" altLang="zh-CN" dirty="0"/>
+              <a:t>snapshot</a:t>
+            </a:r>
+            <a:endParaRPr lang="zh-CN" altLang="en-US" dirty="0"/>
+          </a:p>
+        </p:txBody>
+      </p:sp>
+    </p:spTree>
+    <p:extLst>
+      <p:ext uri="{BB962C8B-B14F-4D97-AF65-F5344CB8AC3E}">
+        <p14:creationId xmlns:p14="http://schemas.microsoft.com/office/powerpoint/2010/main" val="2469514538"/>
+      </p:ext>
+    </p:extLst>
+  </p:cSld>
+  <p:clrMapOvr>
+    <a:masterClrMapping/>
+  </p:clrMapOvr>
+</p:sld>
+</file>
+
 <file path=ppt/slides/slide52.xml><?xml version="1.0" encoding="utf-8"?>
 <p:sld xmlns:a="http://schemas.openxmlformats.org/drawingml/2006/main" xmlns:r="http://schemas.openxmlformats.org/officeDocument/2006/relationships" xmlns:p="http://schemas.openxmlformats.org/presentationml/2006/main">
   <p:cSld>
@@ -24533,148 +26500,6 @@
         </p:nvSpPr>
         <p:spPr>
           <a:xfrm>
-            <a:off x="1702526" y="1822996"/>
-            <a:ext cx="6096000" cy="1200329"/>
-          </a:xfrm>
-          <a:prstGeom prst="rect">
-            <a:avLst/>
-          </a:prstGeom>
-        </p:spPr>
-        <p:txBody>
-          <a:bodyPr>
-            <a:spAutoFit/>
-          </a:bodyPr>
-          <a:lstStyle/>
-          <a:p>
-            <a:r>
-              <a:rPr lang="en-US" altLang="zh-CN" dirty="0"/>
-              <a:t>snapshot</a:t>
-            </a:r>
-            <a:r>
-              <a:rPr lang="zh-CN" altLang="en-US" dirty="0"/>
-              <a:t>流程主要涉及</a:t>
-            </a:r>
-            <a:r>
-              <a:rPr lang="en-US" altLang="zh-CN" dirty="0"/>
-              <a:t>3</a:t>
-            </a:r>
-            <a:r>
-              <a:rPr lang="zh-CN" altLang="en-US" dirty="0"/>
-              <a:t>个步骤：</a:t>
-            </a:r>
-            <a:r>
-              <a:rPr lang="en-US" altLang="zh-CN" dirty="0"/>
-              <a:t>\1. </a:t>
-            </a:r>
-            <a:r>
-              <a:rPr lang="zh-CN" altLang="en-US" dirty="0"/>
-              <a:t>加一把全局锁，此时不允许任何的数据写入更新以及删除</a:t>
-            </a:r>
-            <a:r>
-              <a:rPr lang="en-US" altLang="zh-CN" dirty="0"/>
-              <a:t>\2. </a:t>
-            </a:r>
-            <a:r>
-              <a:rPr lang="zh-CN" altLang="en-US" dirty="0"/>
-              <a:t>将</a:t>
-            </a:r>
-            <a:r>
-              <a:rPr lang="en-US" altLang="zh-CN" dirty="0" err="1"/>
-              <a:t>Memstore</a:t>
-            </a:r>
-            <a:r>
-              <a:rPr lang="zh-CN" altLang="en-US" dirty="0"/>
-              <a:t>中的缓存数据</a:t>
-            </a:r>
-            <a:r>
-              <a:rPr lang="en-US" altLang="zh-CN" dirty="0"/>
-              <a:t>flush</a:t>
-            </a:r>
-            <a:r>
-              <a:rPr lang="zh-CN" altLang="en-US" dirty="0"/>
-              <a:t>到文件中（可选）</a:t>
-            </a:r>
-            <a:r>
-              <a:rPr lang="en-US" altLang="zh-CN" dirty="0"/>
-              <a:t>\3. </a:t>
-            </a:r>
-            <a:r>
-              <a:rPr lang="zh-CN" altLang="en-US" dirty="0"/>
-              <a:t>为所有</a:t>
-            </a:r>
-            <a:r>
-              <a:rPr lang="en-US" altLang="zh-CN" dirty="0" err="1"/>
-              <a:t>HFile</a:t>
-            </a:r>
-            <a:r>
-              <a:rPr lang="zh-CN" altLang="en-US" dirty="0"/>
-              <a:t>文件分别新建引用指针，这些指针元数据就是</a:t>
-            </a:r>
-            <a:r>
-              <a:rPr lang="en-US" altLang="zh-CN" dirty="0"/>
-              <a:t>snapshot</a:t>
-            </a:r>
-            <a:endParaRPr lang="zh-CN" altLang="en-US" dirty="0"/>
-          </a:p>
-        </p:txBody>
-      </p:sp>
-    </p:spTree>
-    <p:extLst>
-      <p:ext uri="{BB962C8B-B14F-4D97-AF65-F5344CB8AC3E}">
-        <p14:creationId xmlns:p14="http://schemas.microsoft.com/office/powerpoint/2010/main" val="2469514538"/>
-      </p:ext>
-    </p:extLst>
-  </p:cSld>
-  <p:clrMapOvr>
-    <a:masterClrMapping/>
-  </p:clrMapOvr>
-</p:sld>
-</file>
-
-<file path=ppt/slides/slide53.xml><?xml version="1.0" encoding="utf-8"?>
-<p:sld xmlns:a="http://schemas.openxmlformats.org/drawingml/2006/main" xmlns:r="http://schemas.openxmlformats.org/officeDocument/2006/relationships" xmlns:p="http://schemas.openxmlformats.org/presentationml/2006/main">
-  <p:cSld>
-    <p:spTree>
-      <p:nvGrpSpPr>
-        <p:cNvPr id="1" name=""/>
-        <p:cNvGrpSpPr/>
-        <p:nvPr/>
-      </p:nvGrpSpPr>
-      <p:grpSpPr>
-        <a:xfrm>
-          <a:off x="0" y="0"/>
-          <a:ext cx="0" cy="0"/>
-          <a:chOff x="0" y="0"/>
-          <a:chExt cx="0" cy="0"/>
-        </a:xfrm>
-      </p:grpSpPr>
-      <p:sp>
-        <p:nvSpPr>
-          <p:cNvPr id="2" name="标题 1"/>
-          <p:cNvSpPr>
-            <a:spLocks noGrp="1"/>
-          </p:cNvSpPr>
-          <p:nvPr>
-            <p:ph type="title"/>
-          </p:nvPr>
-        </p:nvSpPr>
-        <p:spPr/>
-        <p:txBody>
-          <a:bodyPr/>
-          <a:lstStyle/>
-          <a:p>
-            <a:endParaRPr lang="zh-CN" altLang="en-US"/>
-          </a:p>
-        </p:txBody>
-      </p:sp>
-      <p:sp>
-        <p:nvSpPr>
-          <p:cNvPr id="4" name="矩形 3"/>
-          <p:cNvSpPr/>
-          <p:nvPr/>
-        </p:nvSpPr>
-        <p:spPr>
-          <a:xfrm>
             <a:off x="521207" y="1502688"/>
             <a:ext cx="8577943" cy="5355312"/>
           </a:xfrm>
@@ -24928,7 +26753,7 @@
 </p:sld>
 </file>
 
-<file path=ppt/slides/slide54.xml><?xml version="1.0" encoding="utf-8"?>
+<file path=ppt/slides/slide53.xml><?xml version="1.0" encoding="utf-8"?>
 <p:sld xmlns:a="http://schemas.openxmlformats.org/drawingml/2006/main" xmlns:r="http://schemas.openxmlformats.org/officeDocument/2006/relationships" xmlns:p="http://schemas.openxmlformats.org/presentationml/2006/main">
   <p:cSld>
     <p:spTree>
@@ -25676,7 +27501,7 @@
   <p:timing>
     <p:tnLst>
       <p:par>
-        <p:cTn id="1" dur="indefinite" restart="never" nodeType="tmRoot"/>
+        <p:cTn xmlns:p14="http://schemas.microsoft.com/office/powerpoint/2010/main" id="1" dur="indefinite" restart="never" nodeType="tmRoot"/>
       </p:par>
     </p:tnLst>
   </p:timing>
@@ -26060,7 +27885,7 @@
   <p:timing>
     <p:tnLst>
       <p:par>
-        <p:cTn id="1" dur="indefinite" restart="never" nodeType="tmRoot"/>
+        <p:cTn xmlns:p14="http://schemas.microsoft.com/office/powerpoint/2010/main" id="1" dur="indefinite" restart="never" nodeType="tmRoot"/>
       </p:par>
     </p:tnLst>
   </p:timing>
@@ -26311,7 +28136,7 @@
   <p:timing>
     <p:tnLst>
       <p:par>
-        <p:cTn id="1" dur="indefinite" restart="never" nodeType="tmRoot"/>
+        <p:cTn xmlns:p14="http://schemas.microsoft.com/office/powerpoint/2010/main" id="1" dur="indefinite" restart="never" nodeType="tmRoot"/>
       </p:par>
     </p:tnLst>
   </p:timing>
@@ -26399,7 +28224,7 @@
   <p:timing>
     <p:tnLst>
       <p:par>
-        <p:cTn id="1" dur="indefinite" restart="never" nodeType="tmRoot"/>
+        <p:cTn xmlns:p14="http://schemas.microsoft.com/office/powerpoint/2010/main" id="1" dur="indefinite" restart="never" nodeType="tmRoot"/>
       </p:par>
     </p:tnLst>
   </p:timing>
@@ -26601,7 +28426,7 @@
   <a:extraClrSchemeLst/>
   <a:extLst>
     <a:ext uri="{05A4C25C-085E-4340-85A3-A5531E510DB2}">
-      <thm15:themeFamily xmlns:thm15="http://schemas.microsoft.com/office/thememl/2012/main" name="Office_15684332_TF10001108" id="{21247EBA-36EF-4F8B-BD4D-320415D1000C}" vid="{E7B7BECC-7318-4CD9-B03C-F0859BBEE683}"/>
+      <thm15:themeFamily xmlns:thm15="http://schemas.microsoft.com/office/thememl/2012/main" xmlns="" name="Office_15684332_TF10001108" id="{21247EBA-36EF-4F8B-BD4D-320415D1000C}" vid="{E7B7BECC-7318-4CD9-B03C-F0859BBEE683}"/>
     </a:ext>
   </a:extLst>
 </a:theme>
@@ -26862,7 +28687,7 @@
   <a:extraClrSchemeLst/>
   <a:extLst>
     <a:ext uri="{05A4C25C-085E-4340-85A3-A5531E510DB2}">
-      <thm15:themeFamily xmlns:thm15="http://schemas.microsoft.com/office/thememl/2012/main" name="Office Theme" id="{62F939B6-93AF-4DB8-9C6B-D6C7DFDC589F}" vid="{4A3C46E8-61CC-4603-A589-7422A47A8E4A}"/>
+      <thm15:themeFamily xmlns:thm15="http://schemas.microsoft.com/office/thememl/2012/main" xmlns="" name="Office Theme" id="{62F939B6-93AF-4DB8-9C6B-D6C7DFDC589F}" vid="{4A3C46E8-61CC-4603-A589-7422A47A8E4A}"/>
     </a:ext>
   </a:extLst>
 </a:theme>
@@ -27157,7 +28982,7 @@
   <a:extraClrSchemeLst/>
   <a:extLst>
     <a:ext uri="{05A4C25C-085E-4340-85A3-A5531E510DB2}">
-      <thm15:themeFamily xmlns:thm15="http://schemas.microsoft.com/office/thememl/2012/main" name="Office Theme" id="{62F939B6-93AF-4DB8-9C6B-D6C7DFDC589F}" vid="{4A3C46E8-61CC-4603-A589-7422A47A8E4A}"/>
+      <thm15:themeFamily xmlns:thm15="http://schemas.microsoft.com/office/thememl/2012/main" xmlns="" name="Office Theme" id="{62F939B6-93AF-4DB8-9C6B-D6C7DFDC589F}" vid="{4A3C46E8-61CC-4603-A589-7422A47A8E4A}"/>
     </a:ext>
   </a:extLst>
 </a:theme>

--- a/_posts/Hbase基本原理副本.pptx
+++ b/_posts/Hbase基本原理副本.pptx
@@ -5,10 +5,10 @@
     <p:sldMasterId id="2147483660" r:id="rId1"/>
   </p:sldMasterIdLst>
   <p:notesMasterIdLst>
-    <p:notesMasterId r:id="rId55"/>
+    <p:notesMasterId r:id="rId62"/>
   </p:notesMasterIdLst>
   <p:handoutMasterIdLst>
-    <p:handoutMasterId r:id="rId56"/>
+    <p:handoutMasterId r:id="rId63"/>
   </p:handoutMasterIdLst>
   <p:sldIdLst>
     <p:sldId id="256" r:id="rId2"/>
@@ -50,20 +50,27 @@
     <p:sldId id="313" r:id="rId38"/>
     <p:sldId id="335" r:id="rId39"/>
     <p:sldId id="336" r:id="rId40"/>
-    <p:sldId id="314" r:id="rId41"/>
-    <p:sldId id="315" r:id="rId42"/>
-    <p:sldId id="316" r:id="rId43"/>
-    <p:sldId id="317" r:id="rId44"/>
-    <p:sldId id="311" r:id="rId45"/>
-    <p:sldId id="318" r:id="rId46"/>
-    <p:sldId id="319" r:id="rId47"/>
-    <p:sldId id="320" r:id="rId48"/>
-    <p:sldId id="321" r:id="rId49"/>
-    <p:sldId id="312" r:id="rId50"/>
-    <p:sldId id="322" r:id="rId51"/>
-    <p:sldId id="323" r:id="rId52"/>
-    <p:sldId id="324" r:id="rId53"/>
-    <p:sldId id="325" r:id="rId54"/>
+    <p:sldId id="337" r:id="rId41"/>
+    <p:sldId id="338" r:id="rId42"/>
+    <p:sldId id="339" r:id="rId43"/>
+    <p:sldId id="340" r:id="rId44"/>
+    <p:sldId id="341" r:id="rId45"/>
+    <p:sldId id="342" r:id="rId46"/>
+    <p:sldId id="345" r:id="rId47"/>
+    <p:sldId id="344" r:id="rId48"/>
+    <p:sldId id="343" r:id="rId49"/>
+    <p:sldId id="346" r:id="rId50"/>
+    <p:sldId id="311" r:id="rId51"/>
+    <p:sldId id="318" r:id="rId52"/>
+    <p:sldId id="319" r:id="rId53"/>
+    <p:sldId id="316" r:id="rId54"/>
+    <p:sldId id="320" r:id="rId55"/>
+    <p:sldId id="321" r:id="rId56"/>
+    <p:sldId id="312" r:id="rId57"/>
+    <p:sldId id="322" r:id="rId58"/>
+    <p:sldId id="323" r:id="rId59"/>
+    <p:sldId id="324" r:id="rId60"/>
+    <p:sldId id="325" r:id="rId61"/>
   </p:sldIdLst>
   <p:sldSz cx="12192000" cy="6858000"/>
   <p:notesSz cx="6858000" cy="9144000"/>
@@ -210,13 +217,20 @@
             <p14:sldId id="313"/>
             <p14:sldId id="335"/>
             <p14:sldId id="336"/>
-            <p14:sldId id="314"/>
-            <p14:sldId id="315"/>
-            <p14:sldId id="316"/>
-            <p14:sldId id="317"/>
+            <p14:sldId id="337"/>
+            <p14:sldId id="338"/>
+            <p14:sldId id="339"/>
+            <p14:sldId id="340"/>
+            <p14:sldId id="341"/>
+            <p14:sldId id="342"/>
+            <p14:sldId id="345"/>
+            <p14:sldId id="344"/>
+            <p14:sldId id="343"/>
+            <p14:sldId id="346"/>
             <p14:sldId id="311"/>
             <p14:sldId id="318"/>
             <p14:sldId id="319"/>
+            <p14:sldId id="316"/>
             <p14:sldId id="320"/>
             <p14:sldId id="321"/>
             <p14:sldId id="312"/>
@@ -22536,14 +22550,14 @@
       </p:sp>
       <p:sp>
         <p:nvSpPr>
-          <p:cNvPr id="4" name="矩形 3"/>
+          <p:cNvPr id="3" name="矩形 2"/>
           <p:cNvSpPr/>
           <p:nvPr/>
         </p:nvSpPr>
         <p:spPr>
           <a:xfrm>
-            <a:off x="591287" y="1333534"/>
-            <a:ext cx="9865765" cy="4247317"/>
+            <a:off x="640132" y="1184788"/>
+            <a:ext cx="2994442" cy="369332"/>
           </a:xfrm>
           <a:prstGeom prst="rect">
             <a:avLst/>
@@ -22556,191 +22570,123 @@
           <a:lstStyle/>
           <a:p>
             <a:r>
-              <a:rPr lang="en-US" altLang="zh-CN" dirty="0" err="1" smtClean="0"/>
-              <a:t>RatioBasedCompactionPolicy</a:t>
-            </a:r>
-            <a:r>
-              <a:rPr lang="en-US" altLang="zh-CN" dirty="0" smtClean="0"/>
-              <a:t> </a:t>
-            </a:r>
-            <a:r>
-              <a:rPr lang="zh-CN" altLang="en-US" smtClean="0"/>
-              <a:t>默认</a:t>
-            </a:r>
-            <a:endParaRPr lang="en-US" altLang="zh-CN" smtClean="0"/>
-          </a:p>
-          <a:p>
-            <a:r>
-              <a:rPr lang="zh-CN" altLang="en-US" b="1" dirty="0" smtClean="0"/>
-              <a:t>收集过期的文件（</a:t>
-            </a:r>
-            <a:r>
-              <a:rPr lang="en-US" altLang="zh-CN" dirty="0"/>
-              <a:t>files which have all cells </a:t>
-            </a:r>
-            <a:r>
-              <a:rPr lang="en-US" altLang="zh-CN" dirty="0" smtClean="0"/>
-              <a:t>expired</a:t>
-            </a:r>
-            <a:r>
-              <a:rPr lang="zh-CN" altLang="en-US" dirty="0" smtClean="0"/>
-              <a:t>）</a:t>
-            </a:r>
-            <a:r>
-              <a:rPr lang="zh-CN" altLang="en-US" b="1" dirty="0" smtClean="0"/>
-              <a:t>并且删除，</a:t>
-            </a:r>
-            <a:endParaRPr lang="en-US" altLang="zh-CN" b="1" dirty="0" smtClean="0"/>
-          </a:p>
-          <a:p>
-            <a:r>
-              <a:rPr lang="zh-CN" altLang="en-US" b="1" dirty="0" smtClean="0"/>
-              <a:t>要求</a:t>
-            </a:r>
-            <a:r>
-              <a:rPr lang="en-US" altLang="zh-CN" b="1" dirty="0" smtClean="0"/>
-              <a:t>CF</a:t>
-            </a:r>
-            <a:r>
-              <a:rPr lang="zh-CN" altLang="en-US" b="1" dirty="0" smtClean="0"/>
-              <a:t>一定要有</a:t>
-            </a:r>
-            <a:r>
-              <a:rPr lang="en-US" altLang="zh-CN" b="1" dirty="0" smtClean="0"/>
-              <a:t>TTL</a:t>
-            </a:r>
-          </a:p>
-          <a:p>
-            <a:r>
-              <a:rPr lang="zh-CN" altLang="en-US" b="1" dirty="0" smtClean="0"/>
-              <a:t>应用场景：</a:t>
-            </a:r>
-            <a:endParaRPr lang="en-US" altLang="zh-CN" b="1" dirty="0" smtClean="0"/>
-          </a:p>
-          <a:p>
-            <a:pPr marL="342900" indent="-342900">
-              <a:buAutoNum type="arabicPeriod"/>
-            </a:pPr>
-            <a:r>
-              <a:rPr lang="zh-CN" altLang="en-US" b="1" dirty="0" smtClean="0"/>
-              <a:t>大量短时间存储</a:t>
-            </a:r>
-            <a:r>
-              <a:rPr lang="zh-CN" altLang="en-US" b="1" dirty="0"/>
-              <a:t>的原始数据，比如推荐业务，上层业务只需要最近时间内用户的行为特征</a:t>
-            </a:r>
-            <a:r>
-              <a:rPr lang="zh-CN" altLang="en-US" b="1" dirty="0" smtClean="0"/>
-              <a:t>，</a:t>
-            </a:r>
-            <a:endParaRPr lang="en-US" altLang="zh-CN" b="1" dirty="0" smtClean="0"/>
-          </a:p>
-          <a:p>
-            <a:r>
-              <a:rPr lang="zh-CN" altLang="en-US" b="1" dirty="0" smtClean="0"/>
-              <a:t>利用这些行为特征进行聚合为用户进行推荐。</a:t>
-            </a:r>
-            <a:endParaRPr lang="en-US" altLang="zh-CN" b="1" dirty="0" smtClean="0"/>
-          </a:p>
-          <a:p>
-            <a:r>
-              <a:rPr lang="en-US" altLang="zh-CN" b="1" dirty="0" smtClean="0"/>
-              <a:t>2.</a:t>
-            </a:r>
-            <a:r>
-              <a:rPr lang="en-US" altLang="zh-CN" b="1" dirty="0" smtClean="0"/>
-              <a:t>Nginx</a:t>
-            </a:r>
-            <a:r>
-              <a:rPr lang="zh-CN" altLang="en-US" b="1" dirty="0"/>
-              <a:t>日志，用户只需要存储最近几天的日志，方便查询某个用户最近一段时间的操作行为等等</a:t>
-            </a:r>
-            <a:endParaRPr lang="en-US" altLang="zh-CN" b="1" dirty="0" smtClean="0"/>
-          </a:p>
-          <a:p>
-            <a:r>
-              <a:rPr lang="en-US" altLang="zh-CN" dirty="0" smtClean="0"/>
-              <a:t>3.</a:t>
-            </a:r>
-            <a:r>
-              <a:rPr lang="en-US" altLang="zh-CN" dirty="0" smtClean="0"/>
-              <a:t> </a:t>
-            </a:r>
-            <a:r>
-              <a:rPr lang="en-US" altLang="zh-CN" dirty="0"/>
-              <a:t>The column family MUST have non-default TTL. One of the use cases for this </a:t>
-            </a:r>
-            <a:br>
-              <a:rPr lang="en-US" altLang="zh-CN" dirty="0"/>
-            </a:br>
-            <a:r>
-              <a:rPr lang="en-US" altLang="zh-CN" dirty="0" smtClean="0"/>
-              <a:t> </a:t>
-            </a:r>
-            <a:r>
-              <a:rPr lang="en-US" altLang="zh-CN" dirty="0"/>
-              <a:t>policy is when we need to store raw data which will be post-processed </a:t>
-            </a:r>
-            <a:r>
-              <a:rPr lang="en-US" altLang="zh-CN" dirty="0" smtClean="0"/>
-              <a:t>later</a:t>
-            </a:r>
-          </a:p>
-          <a:p>
-            <a:r>
-              <a:rPr lang="en-US" altLang="zh-CN" dirty="0" smtClean="0"/>
-              <a:t> </a:t>
-            </a:r>
-            <a:r>
-              <a:rPr lang="en-US" altLang="zh-CN" dirty="0"/>
-              <a:t>and discarded completely after quite short period of time. Raw time-series vs. </a:t>
-            </a:r>
-            <a:br>
-              <a:rPr lang="en-US" altLang="zh-CN" dirty="0"/>
-            </a:br>
-            <a:r>
-              <a:rPr lang="en-US" altLang="zh-CN" dirty="0" smtClean="0"/>
-              <a:t> </a:t>
-            </a:r>
-            <a:r>
-              <a:rPr lang="en-US" altLang="zh-CN" dirty="0"/>
-              <a:t>time-based roll up aggregates and compacted time-series. We collect raw time-series</a:t>
-            </a:r>
-            <a:br>
-              <a:rPr lang="en-US" altLang="zh-CN" dirty="0"/>
-            </a:br>
-            <a:r>
-              <a:rPr lang="en-US" altLang="zh-CN" dirty="0" smtClean="0"/>
-              <a:t> </a:t>
-            </a:r>
-            <a:r>
-              <a:rPr lang="en-US" altLang="zh-CN" dirty="0"/>
-              <a:t>and store them into CF with FIFO compaction policy, periodically we run task </a:t>
-            </a:r>
-            <a:br>
-              <a:rPr lang="en-US" altLang="zh-CN" dirty="0"/>
-            </a:br>
-            <a:r>
-              <a:rPr lang="en-US" altLang="zh-CN" dirty="0" smtClean="0"/>
-              <a:t> </a:t>
-            </a:r>
-            <a:r>
-              <a:rPr lang="en-US" altLang="zh-CN" dirty="0"/>
-              <a:t>which creates roll up aggregates and compacts time-series, the original raw data </a:t>
-            </a:r>
-            <a:br>
-              <a:rPr lang="en-US" altLang="zh-CN" dirty="0"/>
-            </a:br>
-            <a:r>
-              <a:rPr lang="en-US" altLang="zh-CN" dirty="0" smtClean="0"/>
-              <a:t> </a:t>
-            </a:r>
-            <a:r>
-              <a:rPr lang="en-US" altLang="zh-CN" dirty="0"/>
-              <a:t>can be discarded after that.</a:t>
-            </a:r>
-          </a:p>
-          <a:p>
+              <a:rPr lang="en-US" altLang="zh-CN" dirty="0" err="1"/>
+              <a:t>ExploringCompactionPolicy</a:t>
+            </a:r>
+            <a:endParaRPr lang="zh-CN" altLang="en-US" dirty="0"/>
+          </a:p>
+        </p:txBody>
+      </p:sp>
+      <p:sp>
+        <p:nvSpPr>
+          <p:cNvPr id="5" name="矩形 4"/>
+          <p:cNvSpPr/>
+          <p:nvPr/>
+        </p:nvSpPr>
+        <p:spPr>
+          <a:xfrm>
+            <a:off x="2613236" y="3233566"/>
+            <a:ext cx="6096000" cy="2862323"/>
+          </a:xfrm>
+          <a:prstGeom prst="rect">
+            <a:avLst/>
+          </a:prstGeom>
+        </p:spPr>
+        <p:txBody>
+          <a:bodyPr>
+            <a:spAutoFit/>
+          </a:bodyPr>
+          <a:lstStyle/>
+          <a:p>
+            <a:r>
+              <a:rPr lang="en-US" altLang="zh-CN" dirty="0"/>
+              <a:t>One situation where the </a:t>
+            </a:r>
+            <a:r>
+              <a:rPr lang="en-US" altLang="zh-CN" dirty="0" err="1"/>
+              <a:t>ExploringCompactionPolicy</a:t>
+            </a:r>
+            <a:r>
+              <a:rPr lang="en-US" altLang="zh-CN" dirty="0"/>
+              <a:t> works especially well is when you are bulk-loading data and the bulk loads create larger </a:t>
+            </a:r>
+            <a:r>
+              <a:rPr lang="en-US" altLang="zh-CN" dirty="0" err="1"/>
+              <a:t>StoreFiles</a:t>
+            </a:r>
+            <a:r>
+              <a:rPr lang="en-US" altLang="zh-CN" dirty="0"/>
+              <a:t> than the </a:t>
+            </a:r>
+            <a:r>
+              <a:rPr lang="en-US" altLang="zh-CN" dirty="0" err="1"/>
+              <a:t>StoreFiles</a:t>
+            </a:r>
+            <a:r>
+              <a:rPr lang="en-US" altLang="zh-CN" dirty="0"/>
+              <a:t> which are holding data older than the bulk-loaded data. This can "trick" </a:t>
+            </a:r>
+            <a:r>
+              <a:rPr lang="en-US" altLang="zh-CN" dirty="0" err="1"/>
+              <a:t>HBase</a:t>
+            </a:r>
+            <a:r>
+              <a:rPr lang="en-US" altLang="zh-CN" dirty="0"/>
+              <a:t> into choosing to perform a major compaction each time a compaction is needed, and cause a lot of extra overhead. With the </a:t>
+            </a:r>
+            <a:r>
+              <a:rPr lang="en-US" altLang="zh-CN" dirty="0" err="1"/>
+              <a:t>ExploringCompactionPolicy</a:t>
+            </a:r>
+            <a:r>
+              <a:rPr lang="en-US" altLang="zh-CN" dirty="0"/>
+              <a:t>, major compactions happen much less frequently because minor compactions are more efficient.</a:t>
+            </a:r>
+            <a:endParaRPr lang="zh-CN" altLang="en-US" dirty="0"/>
+          </a:p>
+        </p:txBody>
+      </p:sp>
+      <p:sp>
+        <p:nvSpPr>
+          <p:cNvPr id="6" name="矩形 5"/>
+          <p:cNvSpPr/>
+          <p:nvPr/>
+        </p:nvSpPr>
+        <p:spPr>
+          <a:xfrm>
+            <a:off x="782648" y="1684645"/>
+            <a:ext cx="6096000" cy="1200329"/>
+          </a:xfrm>
+          <a:prstGeom prst="rect">
+            <a:avLst/>
+          </a:prstGeom>
+        </p:spPr>
+        <p:txBody>
+          <a:bodyPr>
+            <a:spAutoFit/>
+          </a:bodyPr>
+          <a:lstStyle/>
+          <a:p>
+            <a:r>
+              <a:rPr lang="zh-CN" altLang="en-US" dirty="0"/>
+              <a:t>记录下所有合适的文件集合，并在这些文件集合中寻找最优解。最优解可以理解为：待合并文件数最多或者待合并文件数相同的情况下文件大小较小，这样有利于减少</a:t>
+            </a:r>
+            <a:r>
+              <a:rPr lang="en-US" altLang="zh-CN" dirty="0"/>
+              <a:t>compaction</a:t>
+            </a:r>
+            <a:r>
+              <a:rPr lang="zh-CN" altLang="en-US" dirty="0"/>
+              <a:t>带来的</a:t>
+            </a:r>
+            <a:r>
+              <a:rPr lang="en-US" altLang="zh-CN" dirty="0"/>
+              <a:t>IO</a:t>
+            </a:r>
+            <a:r>
+              <a:rPr lang="zh-CN" altLang="en-US" dirty="0"/>
+              <a:t>消耗。</a:t>
+            </a:r>
             <a:endParaRPr lang="zh-CN" altLang="en-US" dirty="0"/>
           </a:p>
         </p:txBody>
@@ -24170,41 +24116,197 @@
         </p:nvSpPr>
         <p:spPr/>
         <p:txBody>
-          <a:bodyPr/>
+          <a:bodyPr>
+            <a:normAutofit/>
+          </a:bodyPr>
           <a:lstStyle/>
           <a:p>
-            <a:endParaRPr lang="zh-CN" altLang="en-US"/>
+            <a:r>
+              <a:rPr lang="en-US" altLang="zh-CN" dirty="0" err="1" smtClean="0"/>
+              <a:t>ExploringCompactionPolicy</a:t>
+            </a:r>
+            <a:endParaRPr kumimoji="1" lang="zh-CN" altLang="en-US" dirty="0"/>
           </a:p>
         </p:txBody>
       </p:sp>
-      <p:pic>
-        <p:nvPicPr>
-          <p:cNvPr id="4" name="图片 3"/>
-          <p:cNvPicPr>
-            <a:picLocks noChangeAspect="1"/>
-          </p:cNvPicPr>
+      <p:sp>
+        <p:nvSpPr>
+          <p:cNvPr id="4" name="矩形 3"/>
+          <p:cNvSpPr/>
           <p:nvPr/>
-        </p:nvPicPr>
-        <p:blipFill>
-          <a:blip r:embed="rId2"/>
-          <a:stretch>
-            <a:fillRect/>
-          </a:stretch>
-        </p:blipFill>
+        </p:nvSpPr>
         <p:spPr>
           <a:xfrm>
-            <a:off x="1518149" y="1595981"/>
-            <a:ext cx="8162925" cy="5076825"/>
+            <a:off x="251704" y="1881490"/>
+            <a:ext cx="11631383" cy="3629198"/>
           </a:xfrm>
           <a:prstGeom prst="rect">
             <a:avLst/>
           </a:prstGeom>
         </p:spPr>
-      </p:pic>
+        <p:txBody>
+          <a:bodyPr wrap="square">
+            <a:spAutoFit/>
+          </a:bodyPr>
+          <a:lstStyle/>
+          <a:p>
+            <a:pPr>
+              <a:lnSpc>
+                <a:spcPct val="150000"/>
+              </a:lnSpc>
+            </a:pPr>
+            <a:r>
+              <a:rPr lang="en-US" altLang="zh-CN" sz="1400" dirty="0" smtClean="0"/>
+              <a:t>1. </a:t>
+            </a:r>
+            <a:r>
+              <a:rPr lang="en-US" altLang="zh-CN" sz="1400" dirty="0" smtClean="0"/>
+              <a:t>Make </a:t>
+            </a:r>
+            <a:r>
+              <a:rPr lang="en-US" altLang="zh-CN" sz="1400" dirty="0"/>
+              <a:t>a list of all existing </a:t>
+            </a:r>
+            <a:r>
+              <a:rPr lang="en-US" altLang="zh-CN" sz="1400" dirty="0" err="1"/>
+              <a:t>StoreFiles</a:t>
+            </a:r>
+            <a:r>
+              <a:rPr lang="en-US" altLang="zh-CN" sz="1400" dirty="0"/>
+              <a:t> in the Store. The rest of the algorithm filters this list to come up with the subset of </a:t>
+            </a:r>
+            <a:r>
+              <a:rPr lang="en-US" altLang="zh-CN" sz="1400" dirty="0" err="1"/>
+              <a:t>HFiles</a:t>
+            </a:r>
+            <a:r>
+              <a:rPr lang="en-US" altLang="zh-CN" sz="1400" dirty="0"/>
+              <a:t> which will be chosen for compaction.</a:t>
+            </a:r>
+          </a:p>
+          <a:p>
+            <a:pPr>
+              <a:lnSpc>
+                <a:spcPct val="150000"/>
+              </a:lnSpc>
+            </a:pPr>
+            <a:r>
+              <a:rPr lang="en-US" altLang="zh-CN" sz="1400" dirty="0" smtClean="0"/>
+              <a:t>2. </a:t>
+            </a:r>
+            <a:r>
+              <a:rPr lang="en-US" altLang="zh-CN" sz="1400" dirty="0" smtClean="0"/>
+              <a:t>If </a:t>
+            </a:r>
+            <a:r>
+              <a:rPr lang="en-US" altLang="zh-CN" sz="1400" dirty="0"/>
+              <a:t>this was a user-requested compaction, attempt to perform the requested compaction type, regardless of what would normally be chosen. Note that even if the user requests a major compaction, it may not be possible to perform a major compaction. This may be because not all </a:t>
+            </a:r>
+            <a:r>
+              <a:rPr lang="en-US" altLang="zh-CN" sz="1400" dirty="0" err="1"/>
+              <a:t>StoreFiles</a:t>
+            </a:r>
+            <a:r>
+              <a:rPr lang="en-US" altLang="zh-CN" sz="1400" dirty="0"/>
+              <a:t> in the Column Family are available to compact or because there are too many Stores in the Column Family.</a:t>
+            </a:r>
+          </a:p>
+          <a:p>
+            <a:pPr>
+              <a:lnSpc>
+                <a:spcPct val="150000"/>
+              </a:lnSpc>
+            </a:pPr>
+            <a:r>
+              <a:rPr lang="en-US" altLang="zh-CN" sz="1400" dirty="0" smtClean="0"/>
+              <a:t>3.</a:t>
+            </a:r>
+            <a:r>
+              <a:rPr lang="zh-CN" altLang="en-US" sz="1400" dirty="0" smtClean="0"/>
+              <a:t> </a:t>
+            </a:r>
+            <a:r>
+              <a:rPr lang="en-US" altLang="zh-CN" sz="1400" dirty="0" smtClean="0"/>
+              <a:t>Some </a:t>
+            </a:r>
+            <a:r>
+              <a:rPr lang="en-US" altLang="zh-CN" sz="1400" dirty="0" err="1"/>
+              <a:t>StoreFiles</a:t>
+            </a:r>
+            <a:r>
+              <a:rPr lang="en-US" altLang="zh-CN" sz="1400" dirty="0"/>
+              <a:t> are automatically excluded from consideration. These include:</a:t>
+            </a:r>
+          </a:p>
+          <a:p>
+            <a:pPr marL="285750" indent="-285750">
+              <a:lnSpc>
+                <a:spcPct val="150000"/>
+              </a:lnSpc>
+              <a:buFont typeface="Wingdings" charset="2"/>
+              <a:buChar char="²"/>
+            </a:pPr>
+            <a:r>
+              <a:rPr lang="en-US" altLang="zh-CN" sz="1400" dirty="0" err="1"/>
+              <a:t>StoreFiles</a:t>
+            </a:r>
+            <a:r>
+              <a:rPr lang="en-US" altLang="zh-CN" sz="1400" dirty="0"/>
+              <a:t> that are larger than </a:t>
+            </a:r>
+            <a:r>
+              <a:rPr lang="en-US" altLang="zh-CN" sz="1400" dirty="0" err="1"/>
+              <a:t>hbase.hstore.compaction.max.size</a:t>
+            </a:r>
+            <a:endParaRPr lang="en-US" altLang="zh-CN" sz="1400" dirty="0"/>
+          </a:p>
+          <a:p>
+            <a:pPr marL="285750" indent="-285750">
+              <a:lnSpc>
+                <a:spcPct val="150000"/>
+              </a:lnSpc>
+              <a:buFont typeface="Wingdings" charset="2"/>
+              <a:buChar char="²"/>
+            </a:pPr>
+            <a:r>
+              <a:rPr lang="en-US" altLang="zh-CN" sz="1400" dirty="0" err="1"/>
+              <a:t>StoreFiles</a:t>
+            </a:r>
+            <a:r>
+              <a:rPr lang="en-US" altLang="zh-CN" sz="1400" dirty="0"/>
+              <a:t> that were created by a bulk-load operation which explicitly excluded compaction. You may decide to exclude </a:t>
+            </a:r>
+            <a:r>
+              <a:rPr lang="en-US" altLang="zh-CN" sz="1400" dirty="0" err="1"/>
+              <a:t>StoreFiles</a:t>
+            </a:r>
+            <a:r>
+              <a:rPr lang="en-US" altLang="zh-CN" sz="1400" dirty="0"/>
+              <a:t> resulting from bulk loads, from compaction. To do this, specify the </a:t>
+            </a:r>
+            <a:r>
+              <a:rPr lang="en-US" altLang="zh-CN" sz="1400" dirty="0" err="1"/>
+              <a:t>hbase.mapreduce.hfileoutputformat.compaction.exclude</a:t>
+            </a:r>
+            <a:r>
+              <a:rPr lang="en-US" altLang="zh-CN" sz="1400" dirty="0"/>
+              <a:t> parameter during the bulk load operation.</a:t>
+            </a:r>
+          </a:p>
+          <a:p>
+            <a:pPr>
+              <a:lnSpc>
+                <a:spcPct val="150000"/>
+              </a:lnSpc>
+            </a:pPr>
+            <a:endParaRPr lang="en-US" altLang="zh-CN" sz="1400" dirty="0"/>
+          </a:p>
+        </p:txBody>
+      </p:sp>
     </p:spTree>
     <p:extLst>
       <p:ext uri="{BB962C8B-B14F-4D97-AF65-F5344CB8AC3E}">
-        <p14:creationId xmlns:p14="http://schemas.microsoft.com/office/powerpoint/2010/main" val="2045367573"/>
+        <p14:creationId xmlns:p14="http://schemas.microsoft.com/office/powerpoint/2010/main" val="1066642457"/>
       </p:ext>
     </p:extLst>
   </p:cSld>
@@ -24241,12 +24343,7 @@
             <p:ph type="title"/>
           </p:nvPr>
         </p:nvSpPr>
-        <p:spPr>
-          <a:xfrm>
-            <a:off x="521207" y="448056"/>
-            <a:ext cx="10216462" cy="518595"/>
-          </a:xfrm>
-        </p:spPr>
+        <p:spPr/>
         <p:txBody>
           <a:bodyPr>
             <a:normAutofit/>
@@ -24254,10 +24351,10 @@
           <a:lstStyle/>
           <a:p>
             <a:r>
-              <a:rPr lang="en-US" altLang="zh-CN" dirty="0"/>
-              <a:t>https://blog.csdn.net/nosqlnotes/article/details/80890191</a:t>
-            </a:r>
-            <a:endParaRPr lang="zh-CN" altLang="en-US" dirty="0"/>
+              <a:rPr lang="en-US" altLang="zh-CN" dirty="0" err="1" smtClean="0"/>
+              <a:t>ExploringCompactionPolicy</a:t>
+            </a:r>
+            <a:endParaRPr kumimoji="1" lang="zh-CN" altLang="en-US" dirty="0"/>
           </a:p>
         </p:txBody>
       </p:sp>
@@ -24269,60 +24366,352 @@
         </p:nvSpPr>
         <p:spPr>
           <a:xfrm>
-            <a:off x="1624149" y="1779687"/>
-            <a:ext cx="6096000" cy="5078313"/>
+            <a:off x="297470" y="1217860"/>
+            <a:ext cx="11631383" cy="5478422"/>
           </a:xfrm>
           <a:prstGeom prst="rect">
             <a:avLst/>
           </a:prstGeom>
         </p:spPr>
         <p:txBody>
-          <a:bodyPr>
+          <a:bodyPr wrap="square">
             <a:spAutoFit/>
           </a:bodyPr>
           <a:lstStyle/>
           <a:p>
-            <a:r>
-              <a:rPr lang="zh-CN" altLang="en-US" dirty="0"/>
-              <a:t>Date Tiered Compaction我们假设有这样一种场景：新数据的产生与时间有关，而且无更新、删除场景读取时通常会指定时间范围，而且通常读取最近的数据在这种情形下，如果将老数据与新数据合并在一起，那么，指定时间范围读取时，就需要扫描一些不必要的老数据：因为合并后，数据按RowKey排序，RowKey排序未必与按照数据产生的时间排序一致，这使得新老数据交叉存放，而扫描时老数据也会被读到。这是Date Tiered Compaction的设计初衷，Date Tiered Compaction在选择文件执行合并的时候，会感知Date信息，使得Compaction时，不需要将新老数据合并在一起。这对于基于Time Range的Scan操作是非常有利的，因为与本次Scan不相关的文件可以直接忽略。</a:t>
-            </a:r>
-          </a:p>
-          <a:p>
-            <a:r>
-              <a:rPr lang="zh-CN" altLang="en-US" dirty="0"/>
-              <a:t>--------------------- </a:t>
-            </a:r>
-          </a:p>
-          <a:p>
-            <a:r>
-              <a:rPr lang="zh-CN" altLang="en-US" dirty="0"/>
-              <a:t>作者：NoSQL漫谈 </a:t>
-            </a:r>
-          </a:p>
-          <a:p>
-            <a:r>
-              <a:rPr lang="zh-CN" altLang="en-US" dirty="0"/>
-              <a:t>来源：CSDN </a:t>
-            </a:r>
-          </a:p>
-          <a:p>
-            <a:r>
-              <a:rPr lang="zh-CN" altLang="en-US" dirty="0"/>
-              <a:t>原文：https://blog.csdn.net/nosqlnotes/article/details/80890191 </a:t>
-            </a:r>
-          </a:p>
-          <a:p>
-            <a:r>
-              <a:rPr lang="zh-CN" altLang="en-US" dirty="0"/>
-              <a:t>版权声明：本文为博主原创文章，转载请附上博文链接！</a:t>
-            </a:r>
+            <a:endParaRPr lang="en-US" altLang="zh-CN" sz="1400" dirty="0"/>
+          </a:p>
+          <a:p>
+            <a:r>
+              <a:rPr lang="en-US" altLang="zh-CN" sz="1400" dirty="0" smtClean="0"/>
+              <a:t>4. </a:t>
+            </a:r>
+            <a:r>
+              <a:rPr lang="en-US" altLang="zh-CN" sz="1400" dirty="0" smtClean="0"/>
+              <a:t>Iterate </a:t>
+            </a:r>
+            <a:r>
+              <a:rPr lang="en-US" altLang="zh-CN" sz="1400" dirty="0"/>
+              <a:t>through the list from step 1, and make a list of all potential sets of </a:t>
+            </a:r>
+            <a:r>
+              <a:rPr lang="en-US" altLang="zh-CN" sz="1400" dirty="0" err="1"/>
+              <a:t>StoreFiles</a:t>
+            </a:r>
+            <a:r>
+              <a:rPr lang="en-US" altLang="zh-CN" sz="1400" dirty="0"/>
+              <a:t> to compact together. A potential set is a grouping of </a:t>
+            </a:r>
+            <a:r>
+              <a:rPr lang="en-US" altLang="zh-CN" sz="1400" dirty="0" err="1"/>
+              <a:t>hbase.hstore.compaction.min</a:t>
+            </a:r>
+            <a:r>
+              <a:rPr lang="en-US" altLang="zh-CN" sz="1400" dirty="0"/>
+              <a:t> contiguous </a:t>
+            </a:r>
+            <a:r>
+              <a:rPr lang="en-US" altLang="zh-CN" sz="1400" dirty="0" err="1"/>
+              <a:t>StoreFiles</a:t>
+            </a:r>
+            <a:r>
+              <a:rPr lang="en-US" altLang="zh-CN" sz="1400" dirty="0"/>
+              <a:t> in the list. For each set, perform some sanity-checking and figure out whether this is the best compaction that could be done:</a:t>
+            </a:r>
+          </a:p>
+          <a:p>
+            <a:pPr marL="285750" indent="-285750">
+              <a:buFont typeface="Wingdings" charset="2"/>
+              <a:buChar char="²"/>
+            </a:pPr>
+            <a:r>
+              <a:rPr lang="en-US" altLang="zh-CN" sz="1400" dirty="0"/>
+              <a:t>If the number of </a:t>
+            </a:r>
+            <a:r>
+              <a:rPr lang="en-US" altLang="zh-CN" sz="1400" dirty="0" err="1"/>
+              <a:t>StoreFiles</a:t>
+            </a:r>
+            <a:r>
+              <a:rPr lang="en-US" altLang="zh-CN" sz="1400" dirty="0"/>
+              <a:t> in this set (not the size of the </a:t>
+            </a:r>
+            <a:r>
+              <a:rPr lang="en-US" altLang="zh-CN" sz="1400" dirty="0" err="1"/>
+              <a:t>StoreFiles</a:t>
+            </a:r>
+            <a:r>
+              <a:rPr lang="en-US" altLang="zh-CN" sz="1400" dirty="0"/>
+              <a:t>) is fewer than </a:t>
+            </a:r>
+            <a:r>
+              <a:rPr lang="en-US" altLang="zh-CN" sz="1400" dirty="0" err="1"/>
+              <a:t>hbase.hstore.compaction.min</a:t>
+            </a:r>
+            <a:r>
+              <a:rPr lang="en-US" altLang="zh-CN" sz="1400" dirty="0"/>
+              <a:t> or more than </a:t>
+            </a:r>
+            <a:r>
+              <a:rPr lang="en-US" altLang="zh-CN" sz="1400" dirty="0" err="1"/>
+              <a:t>hbase.hstore.compaction.max</a:t>
+            </a:r>
+            <a:r>
+              <a:rPr lang="en-US" altLang="zh-CN" sz="1400" dirty="0"/>
+              <a:t>, take it out of consideration.</a:t>
+            </a:r>
+          </a:p>
+          <a:p>
+            <a:pPr marL="285750" indent="-285750">
+              <a:buFont typeface="Wingdings" charset="2"/>
+              <a:buChar char="²"/>
+            </a:pPr>
+            <a:r>
+              <a:rPr lang="en-US" altLang="zh-CN" sz="1400" dirty="0"/>
+              <a:t>Compare the size of this set of </a:t>
+            </a:r>
+            <a:r>
+              <a:rPr lang="en-US" altLang="zh-CN" sz="1400" dirty="0" err="1"/>
+              <a:t>StoreFiles</a:t>
+            </a:r>
+            <a:r>
+              <a:rPr lang="en-US" altLang="zh-CN" sz="1400" dirty="0"/>
+              <a:t> with the size of the smallest possible compaction that has been found in the list so far. If the size of this set of </a:t>
+            </a:r>
+            <a:r>
+              <a:rPr lang="en-US" altLang="zh-CN" sz="1400" dirty="0" err="1"/>
+              <a:t>StoreFiles</a:t>
+            </a:r>
+            <a:r>
+              <a:rPr lang="en-US" altLang="zh-CN" sz="1400" dirty="0"/>
+              <a:t> represents the smallest compaction that could be done, store it to be used as a </a:t>
+            </a:r>
+            <a:r>
+              <a:rPr lang="en-US" altLang="zh-CN" sz="1400" dirty="0" err="1"/>
+              <a:t>fall-back</a:t>
+            </a:r>
+            <a:r>
+              <a:rPr lang="en-US" altLang="zh-CN" sz="1400" dirty="0"/>
+              <a:t> if the algorithm is "stuck" and no </a:t>
+            </a:r>
+            <a:r>
+              <a:rPr lang="en-US" altLang="zh-CN" sz="1400" dirty="0" err="1"/>
+              <a:t>StoreFiles</a:t>
+            </a:r>
+            <a:r>
+              <a:rPr lang="en-US" altLang="zh-CN" sz="1400" dirty="0"/>
+              <a:t> would otherwise be chosen. See </a:t>
+            </a:r>
+            <a:r>
+              <a:rPr lang="en-US" altLang="zh-CN" sz="1400" u="sng" dirty="0"/>
+              <a:t>Being Stuck.</a:t>
+            </a:r>
+          </a:p>
+          <a:p>
+            <a:pPr marL="285750" indent="-285750">
+              <a:buFont typeface="Wingdings" charset="2"/>
+              <a:buChar char="²"/>
+            </a:pPr>
+            <a:r>
+              <a:rPr lang="en-US" altLang="zh-CN" sz="1400" u="sng" dirty="0"/>
+              <a:t>Do size-based sanity checks against each </a:t>
+            </a:r>
+            <a:r>
+              <a:rPr lang="en-US" altLang="zh-CN" sz="1400" u="sng" dirty="0" err="1"/>
+              <a:t>StoreFile</a:t>
+            </a:r>
+            <a:r>
+              <a:rPr lang="en-US" altLang="zh-CN" sz="1400" u="sng" dirty="0"/>
+              <a:t> in this set of </a:t>
+            </a:r>
+            <a:r>
+              <a:rPr lang="en-US" altLang="zh-CN" sz="1400" u="sng" dirty="0" err="1"/>
+              <a:t>StoreFiles</a:t>
+            </a:r>
+            <a:r>
+              <a:rPr lang="en-US" altLang="zh-CN" sz="1400" u="sng" dirty="0"/>
+              <a:t>.</a:t>
+            </a:r>
+          </a:p>
+          <a:p>
+            <a:pPr marL="742950" lvl="1" indent="-285750">
+              <a:buFont typeface="Wingdings" charset="2"/>
+              <a:buChar char="n"/>
+            </a:pPr>
+            <a:r>
+              <a:rPr lang="en-US" altLang="zh-CN" sz="1400" u="sng" dirty="0"/>
+              <a:t>If the size of this </a:t>
+            </a:r>
+            <a:r>
+              <a:rPr lang="en-US" altLang="zh-CN" sz="1400" u="sng" dirty="0" err="1"/>
+              <a:t>StoreFile</a:t>
+            </a:r>
+            <a:r>
+              <a:rPr lang="en-US" altLang="zh-CN" sz="1400" u="sng" dirty="0"/>
+              <a:t> is larger than </a:t>
+            </a:r>
+            <a:r>
+              <a:rPr lang="en-US" altLang="zh-CN" sz="1400" u="sng" dirty="0" err="1"/>
+              <a:t>hbase.hstore.compaction.max.size</a:t>
+            </a:r>
+            <a:r>
+              <a:rPr lang="en-US" altLang="zh-CN" sz="1400" u="sng" dirty="0"/>
+              <a:t>, take it out of consideration.</a:t>
+            </a:r>
+          </a:p>
+          <a:p>
+            <a:pPr marL="742950" lvl="1" indent="-285750">
+              <a:buFont typeface="Wingdings" charset="2"/>
+              <a:buChar char="n"/>
+            </a:pPr>
+            <a:r>
+              <a:rPr lang="en-US" altLang="zh-CN" sz="1400" u="sng" dirty="0"/>
+              <a:t>If the size is greater than or equal to </a:t>
+            </a:r>
+            <a:r>
+              <a:rPr lang="en-US" altLang="zh-CN" sz="1400" u="sng" dirty="0" err="1"/>
+              <a:t>hbase.hstore.compaction.min.size</a:t>
+            </a:r>
+            <a:r>
+              <a:rPr lang="en-US" altLang="zh-CN" sz="1400" u="sng" dirty="0"/>
+              <a:t>, sanity-check it against the file-based ratio to see whether it is too large to be considered. +The sanity-checking is successful if: +</a:t>
+            </a:r>
+          </a:p>
+          <a:p>
+            <a:pPr marL="742950" lvl="1" indent="-285750">
+              <a:buFont typeface="Wingdings" charset="2"/>
+              <a:buChar char="n"/>
+            </a:pPr>
+            <a:r>
+              <a:rPr lang="en-US" altLang="zh-CN" sz="1400" u="sng" dirty="0"/>
+              <a:t>There is only one </a:t>
+            </a:r>
+            <a:r>
+              <a:rPr lang="en-US" altLang="zh-CN" sz="1400" u="sng" dirty="0" err="1"/>
+              <a:t>StoreFile</a:t>
+            </a:r>
+            <a:r>
+              <a:rPr lang="en-US" altLang="zh-CN" sz="1400" u="sng" dirty="0"/>
+              <a:t> in this set, or</a:t>
+            </a:r>
+          </a:p>
+          <a:p>
+            <a:pPr marL="742950" lvl="1" indent="-285750">
+              <a:buFont typeface="Wingdings" charset="2"/>
+              <a:buChar char="n"/>
+            </a:pPr>
+            <a:r>
+              <a:rPr lang="en-US" altLang="zh-CN" sz="1400" u="sng" dirty="0"/>
+              <a:t>For each </a:t>
+            </a:r>
+            <a:r>
+              <a:rPr lang="en-US" altLang="zh-CN" sz="1400" u="sng" dirty="0" err="1"/>
+              <a:t>StoreFile</a:t>
+            </a:r>
+            <a:r>
+              <a:rPr lang="en-US" altLang="zh-CN" sz="1400" u="sng" dirty="0"/>
+              <a:t>, its size multiplied by </a:t>
+            </a:r>
+            <a:r>
+              <a:rPr lang="en-US" altLang="zh-CN" sz="1400" u="sng" dirty="0" err="1"/>
+              <a:t>hbase.hstore.compaction.ratio</a:t>
+            </a:r>
+            <a:r>
+              <a:rPr lang="en-US" altLang="zh-CN" sz="1400" u="sng" dirty="0"/>
+              <a:t> (or </a:t>
+            </a:r>
+            <a:r>
+              <a:rPr lang="en-US" altLang="zh-CN" sz="1400" u="sng" dirty="0" err="1"/>
+              <a:t>hbase.hstore.compaction.ratio.offpeak</a:t>
+            </a:r>
+            <a:r>
+              <a:rPr lang="en-US" altLang="zh-CN" sz="1400" u="sng" dirty="0"/>
+              <a:t> if off-peak hours are configured and it is during off-peak hours) is less than the sum of the sizes of the other </a:t>
+            </a:r>
+            <a:r>
+              <a:rPr lang="en-US" altLang="zh-CN" sz="1400" u="sng" dirty="0" err="1"/>
+              <a:t>HFiles</a:t>
+            </a:r>
+            <a:r>
+              <a:rPr lang="en-US" altLang="zh-CN" sz="1400" u="sng" dirty="0"/>
+              <a:t> in the set.</a:t>
+            </a:r>
+          </a:p>
+          <a:p>
+            <a:endParaRPr lang="en-US" altLang="zh-CN" sz="1400" u="sng" dirty="0"/>
+          </a:p>
+          <a:p>
+            <a:endParaRPr lang="en-US" altLang="zh-CN" sz="1400" u="sng" dirty="0"/>
+          </a:p>
+          <a:p>
+            <a:r>
+              <a:rPr lang="en-US" altLang="zh-CN" sz="1400" u="sng" dirty="0" smtClean="0"/>
+              <a:t>5.</a:t>
+            </a:r>
+            <a:r>
+              <a:rPr lang="zh-CN" altLang="en-US" sz="1400" u="sng" dirty="0" smtClean="0"/>
+              <a:t> </a:t>
+            </a:r>
+            <a:r>
+              <a:rPr lang="en-US" altLang="zh-CN" sz="1400" u="sng" dirty="0" smtClean="0"/>
+              <a:t>If </a:t>
+            </a:r>
+            <a:r>
+              <a:rPr lang="en-US" altLang="zh-CN" sz="1400" u="sng" dirty="0"/>
+              <a:t>this set of </a:t>
+            </a:r>
+            <a:r>
+              <a:rPr lang="en-US" altLang="zh-CN" sz="1400" u="sng" dirty="0" err="1"/>
+              <a:t>StoreFiles</a:t>
+            </a:r>
+            <a:r>
+              <a:rPr lang="en-US" altLang="zh-CN" sz="1400" u="sng" dirty="0"/>
+              <a:t> is still in consideration, compare it to the previously-selected best compaction. If it is better, replace the previously-selected best compaction with this one.</a:t>
+            </a:r>
+          </a:p>
+          <a:p>
+            <a:r>
+              <a:rPr lang="en-US" altLang="zh-CN" sz="1400" u="sng" dirty="0" smtClean="0"/>
+              <a:t>6.</a:t>
+            </a:r>
+            <a:r>
+              <a:rPr lang="zh-CN" altLang="en-US" sz="1400" u="sng" dirty="0" smtClean="0"/>
+              <a:t> </a:t>
+            </a:r>
+            <a:r>
+              <a:rPr lang="en-US" altLang="zh-CN" sz="1400" u="sng" dirty="0" smtClean="0"/>
+              <a:t>When </a:t>
+            </a:r>
+            <a:r>
+              <a:rPr lang="en-US" altLang="zh-CN" sz="1400" u="sng" dirty="0"/>
+              <a:t>the entire list of potential compactions has been processed, perform the best compaction that was found. If no </a:t>
+            </a:r>
+            <a:r>
+              <a:rPr lang="en-US" altLang="zh-CN" sz="1400" u="sng" dirty="0" err="1"/>
+              <a:t>StoreFiles</a:t>
+            </a:r>
+            <a:r>
+              <a:rPr lang="en-US" altLang="zh-CN" sz="1400" u="sng" dirty="0"/>
+              <a:t> were selected for compaction, but there are multiple </a:t>
+            </a:r>
+            <a:r>
+              <a:rPr lang="en-US" altLang="zh-CN" sz="1400" u="sng" dirty="0" err="1"/>
+              <a:t>StoreFiles</a:t>
+            </a:r>
+            <a:r>
+              <a:rPr lang="en-US" altLang="zh-CN" sz="1400" u="sng" dirty="0"/>
+              <a:t>, assume the algorithm is stuck (see Being Stuck) and if so, perform the smallest compaction that was found in step 3.</a:t>
+            </a:r>
+            <a:endParaRPr lang="zh-CN" altLang="en-US" sz="1400" dirty="0"/>
           </a:p>
         </p:txBody>
       </p:sp>
     </p:spTree>
     <p:extLst>
       <p:ext uri="{BB962C8B-B14F-4D97-AF65-F5344CB8AC3E}">
-        <p14:creationId xmlns:p14="http://schemas.microsoft.com/office/powerpoint/2010/main" val="3031849696"/>
+        <p14:creationId xmlns:p14="http://schemas.microsoft.com/office/powerpoint/2010/main" val="2122802630"/>
       </p:ext>
     </p:extLst>
   </p:cSld>
@@ -24361,23 +24750,29 @@
         </p:nvSpPr>
         <p:spPr/>
         <p:txBody>
-          <a:bodyPr/>
+          <a:bodyPr>
+            <a:normAutofit/>
+          </a:bodyPr>
           <a:lstStyle/>
           <a:p>
-            <a:endParaRPr lang="zh-CN" altLang="en-US" dirty="0"/>
+            <a:r>
+              <a:rPr lang="en-US" altLang="zh-CN" dirty="0" err="1" smtClean="0"/>
+              <a:t>RatioBasedCompactionPolicy</a:t>
+            </a:r>
+            <a:endParaRPr kumimoji="1" lang="zh-CN" altLang="en-US" dirty="0"/>
           </a:p>
         </p:txBody>
       </p:sp>
       <p:sp>
         <p:nvSpPr>
-          <p:cNvPr id="4" name="矩形 3"/>
+          <p:cNvPr id="5" name="矩形 4"/>
           <p:cNvSpPr/>
           <p:nvPr/>
         </p:nvSpPr>
         <p:spPr>
           <a:xfrm>
-            <a:off x="521207" y="1377863"/>
-            <a:ext cx="10694126" cy="5909310"/>
+            <a:off x="611028" y="1445038"/>
+            <a:ext cx="11013203" cy="2977739"/>
           </a:xfrm>
           <a:prstGeom prst="rect">
             <a:avLst/>
@@ -24389,419 +24784,184 @@
           </a:bodyPr>
           <a:lstStyle/>
           <a:p>
-            <a:r>
-              <a:rPr lang="en-US" altLang="zh-CN" dirty="0"/>
-              <a:t>MOB Compaction</a:t>
-            </a:r>
+            <a:pPr>
+              <a:lnSpc>
+                <a:spcPct val="150000"/>
+              </a:lnSpc>
+            </a:pPr>
+            <a:r>
+              <a:rPr lang="en-US" altLang="zh-CN" b="1" dirty="0" err="1"/>
+              <a:t>RatioBasedCompactionPolicy</a:t>
+            </a:r>
+            <a:endParaRPr lang="en-US" altLang="zh-CN" dirty="0"/>
+          </a:p>
+          <a:p>
+            <a:pPr>
+              <a:lnSpc>
+                <a:spcPct val="150000"/>
+              </a:lnSpc>
+            </a:pPr>
             <a:r>
               <a:rPr lang="zh-CN" altLang="en-US" dirty="0"/>
-              <a:t>能否使用</a:t>
+              <a:t>从老到新逐一扫描所有候选文件，满足其中条件之一便停止扫描：</a:t>
+            </a:r>
+          </a:p>
+          <a:p>
+            <a:pPr>
+              <a:lnSpc>
+                <a:spcPct val="150000"/>
+              </a:lnSpc>
+            </a:pPr>
+            <a:r>
+              <a:rPr lang="zh-CN" altLang="en-US" dirty="0"/>
+              <a:t>（</a:t>
+            </a:r>
+            <a:r>
+              <a:rPr lang="en-US" altLang="zh-CN" dirty="0"/>
+              <a:t>1</a:t>
+            </a:r>
+            <a:r>
+              <a:rPr lang="zh-CN" altLang="en-US" dirty="0"/>
+              <a:t>）当前文件大小 </a:t>
+            </a:r>
+            <a:r>
+              <a:rPr lang="en-US" altLang="zh-CN" dirty="0"/>
+              <a:t>&lt; </a:t>
+            </a:r>
+            <a:r>
+              <a:rPr lang="zh-CN" altLang="en-US" dirty="0"/>
+              <a:t>比它更新的所有文件大小总和 * </a:t>
+            </a:r>
+            <a:r>
+              <a:rPr lang="en-US" altLang="zh-CN" dirty="0"/>
+              <a:t>ratio</a:t>
+            </a:r>
+            <a:r>
+              <a:rPr lang="zh-CN" altLang="en-US" dirty="0"/>
+              <a:t>，其中</a:t>
+            </a:r>
+            <a:r>
+              <a:rPr lang="en-US" altLang="zh-CN" dirty="0"/>
+              <a:t>ratio</a:t>
+            </a:r>
+            <a:r>
+              <a:rPr lang="zh-CN" altLang="en-US" dirty="0"/>
+              <a:t>是一个可变的比例，在高峰期时</a:t>
+            </a:r>
+            <a:r>
+              <a:rPr lang="en-US" altLang="zh-CN" dirty="0"/>
+              <a:t>ratio</a:t>
+            </a:r>
+            <a:r>
+              <a:rPr lang="zh-CN" altLang="en-US" dirty="0"/>
+              <a:t>为</a:t>
+            </a:r>
+            <a:r>
+              <a:rPr lang="en-US" altLang="zh-CN" dirty="0"/>
+              <a:t>1.2</a:t>
+            </a:r>
+            <a:r>
+              <a:rPr lang="zh-CN" altLang="en-US" dirty="0"/>
+              <a:t>，非高峰期为</a:t>
+            </a:r>
+            <a:r>
+              <a:rPr lang="en-US" altLang="zh-CN" dirty="0"/>
+              <a:t>5</a:t>
+            </a:r>
+            <a:r>
+              <a:rPr lang="zh-CN" altLang="en-US" dirty="0"/>
+              <a:t>，也就是非高峰期允许</a:t>
+            </a:r>
+            <a:r>
+              <a:rPr lang="en-US" altLang="zh-CN" dirty="0"/>
+              <a:t>compact</a:t>
+            </a:r>
+            <a:r>
+              <a:rPr lang="zh-CN" altLang="en-US" dirty="0"/>
+              <a:t>更大的文件。那什么时候是高峰期，什么时候是非高峰期呢？用户可以配置参数</a:t>
             </a:r>
             <a:r>
               <a:rPr lang="en-US" altLang="zh-CN" dirty="0" err="1"/>
-              <a:t>HBase</a:t>
+              <a:t>hbase.offpeak.start.hour</a:t>
             </a:r>
             <a:r>
               <a:rPr lang="zh-CN" altLang="en-US" dirty="0"/>
-              <a:t>来存储</a:t>
-            </a:r>
-            <a:r>
-              <a:rPr lang="en-US" altLang="zh-CN" dirty="0"/>
-              <a:t>MB</a:t>
+              <a:t>和</a:t>
+            </a:r>
+            <a:r>
+              <a:rPr lang="en-US" altLang="zh-CN" dirty="0" err="1"/>
+              <a:t>hbase.offpeak.end.hour</a:t>
             </a:r>
             <a:r>
               <a:rPr lang="zh-CN" altLang="en-US" dirty="0"/>
-              <a:t>级别的</a:t>
-            </a:r>
-            <a:r>
-              <a:rPr lang="en-US" altLang="zh-CN" dirty="0"/>
-              <a:t>Blob(</a:t>
-            </a:r>
-            <a:r>
-              <a:rPr lang="zh-CN" altLang="en-US" dirty="0"/>
-              <a:t>如图片之类的小文件</a:t>
-            </a:r>
-            <a:r>
-              <a:rPr lang="en-US" altLang="zh-CN" dirty="0"/>
-              <a:t>)</a:t>
-            </a:r>
-            <a:r>
-              <a:rPr lang="zh-CN" altLang="en-US" dirty="0"/>
-              <a:t>数据？这是很多应用面临的一个基础问题，因为这些数据相比于普通的存储于</a:t>
-            </a:r>
-            <a:r>
-              <a:rPr lang="en-US" altLang="zh-CN" dirty="0" err="1"/>
-              <a:t>HBase</a:t>
-            </a:r>
-            <a:r>
-              <a:rPr lang="zh-CN" altLang="en-US" dirty="0"/>
-              <a:t>中的结构化</a:t>
-            </a:r>
-            <a:r>
-              <a:rPr lang="en-US" altLang="zh-CN" dirty="0"/>
-              <a:t>/</a:t>
-            </a:r>
-            <a:r>
-              <a:rPr lang="zh-CN" altLang="en-US" dirty="0"/>
-              <a:t>半结构化数据显得过大了，而如果将这些数据直接存储成</a:t>
-            </a:r>
-            <a:r>
-              <a:rPr lang="en-US" altLang="zh-CN" dirty="0"/>
-              <a:t>HDFS</a:t>
-            </a:r>
-            <a:r>
-              <a:rPr lang="zh-CN" altLang="en-US" dirty="0"/>
-              <a:t>中的独立文件，会加重</a:t>
-            </a:r>
-            <a:r>
-              <a:rPr lang="en-US" altLang="zh-CN" dirty="0"/>
-              <a:t>HDFS</a:t>
-            </a:r>
-            <a:r>
-              <a:rPr lang="zh-CN" altLang="en-US" dirty="0"/>
-              <a:t>的</a:t>
-            </a:r>
-            <a:r>
-              <a:rPr lang="en-US" altLang="zh-CN" dirty="0" err="1"/>
-              <a:t>NameNode</a:t>
-            </a:r>
-            <a:r>
-              <a:rPr lang="zh-CN" altLang="en-US" dirty="0"/>
-              <a:t>的负担，再者，如何索引这些小文件也是一个极大的痛点。当然，也有人采用了这样的方式：将多个小文件合并成</a:t>
-            </a:r>
-            <a:r>
-              <a:rPr lang="en-US" altLang="zh-CN" dirty="0"/>
-              <a:t>HDFS</a:t>
-            </a:r>
-            <a:r>
-              <a:rPr lang="zh-CN" altLang="en-US" dirty="0"/>
-              <a:t>上的一个大文件，这样子可以减轻</a:t>
-            </a:r>
-            <a:r>
-              <a:rPr lang="en-US" altLang="zh-CN" dirty="0"/>
-              <a:t>HDFS</a:t>
-            </a:r>
-            <a:r>
-              <a:rPr lang="zh-CN" altLang="en-US" dirty="0"/>
-              <a:t>的</a:t>
-            </a:r>
-            <a:r>
-              <a:rPr lang="en-US" altLang="zh-CN" dirty="0" err="1"/>
-              <a:t>NameNode</a:t>
-            </a:r>
-            <a:r>
-              <a:rPr lang="zh-CN" altLang="en-US" dirty="0"/>
-              <a:t>的负担，但需要维护每一个小文件的索引信息（文件名以及每一个小文件的偏移信息）。如果存这些这些小文件时，像普通的结构化数据</a:t>
-            </a:r>
-            <a:r>
-              <a:rPr lang="en-US" altLang="zh-CN" dirty="0"/>
-              <a:t>/</a:t>
-            </a:r>
-            <a:r>
-              <a:rPr lang="zh-CN" altLang="en-US" dirty="0"/>
-              <a:t>半结构化数据一样，直接写到</a:t>
-            </a:r>
-            <a:r>
-              <a:rPr lang="en-US" altLang="zh-CN" dirty="0" err="1"/>
-              <a:t>HBase</a:t>
-            </a:r>
-            <a:r>
-              <a:rPr lang="zh-CN" altLang="en-US" dirty="0"/>
-              <a:t>中，会有什么问题？这样子多条数据可以被合并在较大的</a:t>
-            </a:r>
-            <a:r>
-              <a:rPr lang="en-US" altLang="zh-CN" dirty="0" err="1"/>
-              <a:t>HFile</a:t>
-            </a:r>
-            <a:r>
-              <a:rPr lang="zh-CN" altLang="en-US" dirty="0"/>
-              <a:t>文件中，减轻了</a:t>
-            </a:r>
-            <a:r>
-              <a:rPr lang="en-US" altLang="zh-CN" dirty="0" err="1"/>
-              <a:t>NameNode</a:t>
-            </a:r>
-            <a:r>
-              <a:rPr lang="zh-CN" altLang="en-US" dirty="0"/>
-              <a:t>的负担，同时解决了快速索引的问题。但基于前面的内容，我们已经清楚知道了</a:t>
-            </a:r>
-            <a:r>
-              <a:rPr lang="en-US" altLang="zh-CN" dirty="0"/>
-              <a:t>Compaction</a:t>
-            </a:r>
-            <a:r>
-              <a:rPr lang="zh-CN" altLang="en-US" dirty="0"/>
-              <a:t>带来的写放大问题。试想一下，数</a:t>
-            </a:r>
-            <a:r>
-              <a:rPr lang="en-US" altLang="zh-CN" dirty="0"/>
-              <a:t>MB</a:t>
-            </a:r>
-            <a:r>
-              <a:rPr lang="zh-CN" altLang="en-US" dirty="0"/>
-              <a:t>级别的</a:t>
-            </a:r>
-            <a:r>
-              <a:rPr lang="en-US" altLang="zh-CN" dirty="0"/>
-              <a:t>Blob</a:t>
-            </a:r>
-            <a:r>
-              <a:rPr lang="zh-CN" altLang="en-US" dirty="0"/>
-              <a:t>数据，被反复多次合并以后，会带来什么样的影响？这对</a:t>
-            </a:r>
-            <a:r>
-              <a:rPr lang="en-US" altLang="zh-CN" dirty="0"/>
-              <a:t>IO</a:t>
-            </a:r>
-            <a:r>
-              <a:rPr lang="zh-CN" altLang="en-US" dirty="0"/>
-              <a:t>资源的抢占将会更加严重。因此，</a:t>
-            </a:r>
-            <a:r>
-              <a:rPr lang="en-US" altLang="zh-CN" dirty="0" err="1"/>
-              <a:t>HBase</a:t>
-            </a:r>
-            <a:r>
-              <a:rPr lang="zh-CN" altLang="en-US" dirty="0"/>
-              <a:t>的</a:t>
-            </a:r>
-            <a:r>
-              <a:rPr lang="en-US" altLang="zh-CN" dirty="0"/>
-              <a:t>MOB</a:t>
-            </a:r>
-            <a:r>
-              <a:rPr lang="zh-CN" altLang="en-US" dirty="0"/>
-              <a:t>特性的设计思想为：将</a:t>
-            </a:r>
-            <a:r>
-              <a:rPr lang="en-US" altLang="zh-CN" dirty="0"/>
-              <a:t>Blob</a:t>
-            </a:r>
-            <a:r>
-              <a:rPr lang="zh-CN" altLang="en-US" dirty="0"/>
-              <a:t>数据与描述</a:t>
-            </a:r>
-            <a:r>
-              <a:rPr lang="en-US" altLang="zh-CN" dirty="0"/>
-              <a:t>Blob</a:t>
-            </a:r>
-            <a:r>
-              <a:rPr lang="zh-CN" altLang="en-US" dirty="0"/>
-              <a:t>的元数据分离存储，</a:t>
-            </a:r>
-            <a:r>
-              <a:rPr lang="en-US" altLang="zh-CN" dirty="0"/>
-              <a:t>Blob</a:t>
-            </a:r>
-            <a:r>
-              <a:rPr lang="zh-CN" altLang="en-US" dirty="0"/>
-              <a:t>元数据采用正常的</a:t>
-            </a:r>
-            <a:r>
-              <a:rPr lang="en-US" altLang="zh-CN" dirty="0" err="1"/>
-              <a:t>HBase</a:t>
-            </a:r>
-            <a:r>
-              <a:rPr lang="zh-CN" altLang="en-US" dirty="0"/>
-              <a:t>的数据存储方式，而</a:t>
-            </a:r>
-            <a:r>
-              <a:rPr lang="en-US" altLang="zh-CN" dirty="0"/>
-              <a:t>Blob</a:t>
-            </a:r>
-            <a:r>
-              <a:rPr lang="zh-CN" altLang="en-US" dirty="0"/>
-              <a:t>数据存储在额外的</a:t>
-            </a:r>
-            <a:r>
-              <a:rPr lang="en-US" altLang="zh-CN" dirty="0"/>
-              <a:t>MOB</a:t>
-            </a:r>
-            <a:r>
-              <a:rPr lang="zh-CN" altLang="en-US" dirty="0"/>
-              <a:t>文件中，但在</a:t>
-            </a:r>
-            <a:r>
-              <a:rPr lang="en-US" altLang="zh-CN" dirty="0"/>
-              <a:t>Blob</a:t>
-            </a:r>
-            <a:r>
-              <a:rPr lang="zh-CN" altLang="en-US" dirty="0"/>
-              <a:t>元数据行中，存储了这个</a:t>
-            </a:r>
-            <a:r>
-              <a:rPr lang="en-US" altLang="zh-CN" dirty="0"/>
-              <a:t>MOB</a:t>
-            </a:r>
-            <a:r>
-              <a:rPr lang="zh-CN" altLang="en-US" dirty="0"/>
-              <a:t>文件的路径信息。</a:t>
-            </a:r>
-            <a:r>
-              <a:rPr lang="en-US" altLang="zh-CN" dirty="0"/>
-              <a:t>MOB</a:t>
-            </a:r>
-            <a:r>
-              <a:rPr lang="zh-CN" altLang="en-US" dirty="0"/>
-              <a:t>文件本质还是一个</a:t>
-            </a:r>
-            <a:r>
-              <a:rPr lang="en-US" altLang="zh-CN" dirty="0" err="1"/>
-              <a:t>HFile</a:t>
-            </a:r>
-            <a:r>
-              <a:rPr lang="zh-CN" altLang="en-US" dirty="0"/>
-              <a:t>文件，但这种</a:t>
-            </a:r>
-            <a:r>
-              <a:rPr lang="en-US" altLang="zh-CN" dirty="0" err="1"/>
-              <a:t>HFile</a:t>
-            </a:r>
-            <a:r>
-              <a:rPr lang="zh-CN" altLang="en-US" dirty="0"/>
-              <a:t>文件不参与</a:t>
-            </a:r>
-            <a:r>
-              <a:rPr lang="en-US" altLang="zh-CN" dirty="0" err="1"/>
-              <a:t>HBase</a:t>
-            </a:r>
-            <a:r>
-              <a:rPr lang="zh-CN" altLang="en-US" dirty="0"/>
-              <a:t>正常的</a:t>
-            </a:r>
-            <a:r>
-              <a:rPr lang="en-US" altLang="zh-CN" dirty="0"/>
-              <a:t>Compaction</a:t>
-            </a:r>
-            <a:r>
-              <a:rPr lang="zh-CN" altLang="en-US" dirty="0"/>
-              <a:t>流程。仅仅合并</a:t>
-            </a:r>
-            <a:r>
-              <a:rPr lang="en-US" altLang="zh-CN" dirty="0"/>
-              <a:t>Blob</a:t>
-            </a:r>
-            <a:r>
-              <a:rPr lang="zh-CN" altLang="en-US" dirty="0"/>
-              <a:t>元数据信息，写</a:t>
-            </a:r>
-            <a:r>
-              <a:rPr lang="en-US" altLang="zh-CN" dirty="0"/>
-              <a:t>IO</a:t>
-            </a:r>
-            <a:r>
-              <a:rPr lang="zh-CN" altLang="en-US" dirty="0"/>
-              <a:t>放大的问题就得到了有效的缓解。</a:t>
-            </a:r>
-            <a:r>
-              <a:rPr lang="en-US" altLang="zh-CN" dirty="0"/>
-              <a:t>MOB Compaction</a:t>
-            </a:r>
-            <a:r>
-              <a:rPr lang="zh-CN" altLang="en-US" dirty="0"/>
-              <a:t>也主要是针对</a:t>
-            </a:r>
-            <a:r>
-              <a:rPr lang="en-US" altLang="zh-CN" dirty="0"/>
-              <a:t>MOB</a:t>
-            </a:r>
-            <a:r>
-              <a:rPr lang="zh-CN" altLang="en-US" dirty="0"/>
-              <a:t>特性而存在的，这里涉及到数据在</a:t>
-            </a:r>
-            <a:r>
-              <a:rPr lang="en-US" altLang="zh-CN" dirty="0"/>
-              <a:t>MOB</a:t>
-            </a:r>
-            <a:r>
-              <a:rPr lang="zh-CN" altLang="en-US" dirty="0"/>
-              <a:t>文件与普通的</a:t>
-            </a:r>
-            <a:r>
-              <a:rPr lang="en-US" altLang="zh-CN" dirty="0" err="1"/>
-              <a:t>HFile</a:t>
-            </a:r>
-            <a:r>
-              <a:rPr lang="zh-CN" altLang="en-US" dirty="0"/>
-              <a:t>文件之间的一些流动，尤其是</a:t>
-            </a:r>
-            <a:r>
-              <a:rPr lang="en-US" altLang="zh-CN" dirty="0"/>
-              <a:t>MOB</a:t>
-            </a:r>
-            <a:r>
-              <a:rPr lang="zh-CN" altLang="en-US" dirty="0"/>
-              <a:t>的阈值大小发生变更的时候</a:t>
-            </a:r>
-            <a:r>
-              <a:rPr lang="en-US" altLang="zh-CN" dirty="0"/>
-              <a:t>(</a:t>
-            </a:r>
-            <a:r>
-              <a:rPr lang="zh-CN" altLang="en-US" dirty="0"/>
-              <a:t>即当一个列超过预设的配置值时，才被认定为</a:t>
-            </a:r>
-            <a:r>
-              <a:rPr lang="en-US" altLang="zh-CN" dirty="0"/>
-              <a:t>MOB)</a:t>
-            </a:r>
-            <a:r>
-              <a:rPr lang="zh-CN" altLang="en-US" dirty="0"/>
-              <a:t>，本文暂不展开过多的细节。</a:t>
-            </a:r>
-          </a:p>
-          <a:p>
-            <a:r>
-              <a:rPr lang="en-US" altLang="zh-CN" dirty="0"/>
-              <a:t>--------------------- </a:t>
-            </a:r>
-          </a:p>
-          <a:p>
-            <a:r>
-              <a:rPr lang="zh-CN" altLang="en-US" dirty="0"/>
-              <a:t>作者：</a:t>
-            </a:r>
-            <a:r>
-              <a:rPr lang="en-US" altLang="zh-CN" dirty="0"/>
-              <a:t>NoSQL</a:t>
-            </a:r>
-            <a:r>
-              <a:rPr lang="zh-CN" altLang="en-US" dirty="0"/>
-              <a:t>漫谈 </a:t>
-            </a:r>
-          </a:p>
-          <a:p>
-            <a:r>
-              <a:rPr lang="zh-CN" altLang="en-US" dirty="0"/>
-              <a:t>来源：</a:t>
-            </a:r>
-            <a:r>
-              <a:rPr lang="en-US" altLang="zh-CN" dirty="0"/>
-              <a:t>CSDN </a:t>
-            </a:r>
-          </a:p>
-          <a:p>
-            <a:r>
-              <a:rPr lang="zh-CN" altLang="en-US" dirty="0"/>
-              <a:t>原文：</a:t>
-            </a:r>
-            <a:r>
-              <a:rPr lang="en-US" altLang="zh-CN" dirty="0"/>
-              <a:t>https://blog.csdn.net/nosqlnotes/article/details/80890191 </a:t>
-            </a:r>
-          </a:p>
-          <a:p>
-            <a:r>
-              <a:rPr lang="zh-CN" altLang="en-US" dirty="0"/>
-              <a:t>版权声明：本文为博主原创文章，转载请附上博文链接！</a:t>
-            </a:r>
+              <a:t>来设置高峰期</a:t>
+            </a:r>
+          </a:p>
+          <a:p>
+            <a:pPr>
+              <a:lnSpc>
+                <a:spcPct val="150000"/>
+              </a:lnSpc>
+            </a:pPr>
+            <a:r>
+              <a:rPr lang="zh-TW" altLang="en-US" dirty="0"/>
+              <a:t>（</a:t>
+            </a:r>
+            <a:r>
+              <a:rPr lang="en-US" altLang="zh-TW" dirty="0"/>
+              <a:t>2</a:t>
+            </a:r>
+            <a:r>
+              <a:rPr lang="zh-TW" altLang="en-US" dirty="0"/>
+              <a:t>）当前所剩候选文件数 </a:t>
+            </a:r>
+            <a:r>
+              <a:rPr lang="en-US" altLang="zh-TW" dirty="0"/>
+              <a:t>&lt;= </a:t>
+            </a:r>
+            <a:r>
+              <a:rPr lang="en-US" altLang="zh-TW" dirty="0" err="1"/>
+              <a:t>hbase.store.compaction.min</a:t>
+            </a:r>
+            <a:r>
+              <a:rPr lang="zh-TW" altLang="en-US" dirty="0"/>
+              <a:t>（默认为</a:t>
+            </a:r>
+            <a:r>
+              <a:rPr lang="en-US" altLang="zh-TW" dirty="0"/>
+              <a:t>3</a:t>
+            </a:r>
+            <a:r>
+              <a:rPr lang="zh-TW" altLang="en-US" dirty="0"/>
+              <a:t>）</a:t>
+            </a:r>
+          </a:p>
+          <a:p>
+            <a:pPr>
+              <a:lnSpc>
+                <a:spcPct val="150000"/>
+              </a:lnSpc>
+            </a:pPr>
+            <a:r>
+              <a:rPr lang="zh-TW" altLang="en-US" dirty="0"/>
+              <a:t>停止扫描后，待合并文件就选择出来了，即为当前扫描文件</a:t>
+            </a:r>
+            <a:r>
+              <a:rPr lang="en-US" altLang="zh-TW" dirty="0"/>
+              <a:t>+</a:t>
+            </a:r>
+            <a:r>
+              <a:rPr lang="zh-TW" altLang="en-US" dirty="0"/>
+              <a:t>比它更新的所有文件</a:t>
+            </a:r>
+            <a:endParaRPr lang="zh-CN" altLang="en-US" dirty="0"/>
           </a:p>
         </p:txBody>
       </p:sp>
     </p:spTree>
     <p:extLst>
       <p:ext uri="{BB962C8B-B14F-4D97-AF65-F5344CB8AC3E}">
-        <p14:creationId xmlns:p14="http://schemas.microsoft.com/office/powerpoint/2010/main" val="2847969713"/>
+        <p14:creationId xmlns:p14="http://schemas.microsoft.com/office/powerpoint/2010/main" val="241005485"/>
       </p:ext>
     </p:extLst>
   </p:cSld>
@@ -24843,7 +25003,11 @@
           <a:bodyPr/>
           <a:lstStyle/>
           <a:p>
-            <a:endParaRPr lang="zh-CN" altLang="en-US"/>
+            <a:r>
+              <a:rPr lang="en-US" altLang="zh-CN" dirty="0" err="1"/>
+              <a:t>RatioBasedCompactionPolicy</a:t>
+            </a:r>
+            <a:endParaRPr kumimoji="1" lang="zh-CN" altLang="en-US" dirty="0"/>
           </a:p>
         </p:txBody>
       </p:sp>
@@ -24855,168 +25019,240 @@
         </p:nvSpPr>
         <p:spPr>
           <a:xfrm>
-            <a:off x="911766" y="1673616"/>
-            <a:ext cx="6096000" cy="5078313"/>
+            <a:off x="480527" y="1599399"/>
+            <a:ext cx="10663173" cy="4598694"/>
           </a:xfrm>
           <a:prstGeom prst="rect">
             <a:avLst/>
           </a:prstGeom>
         </p:spPr>
         <p:txBody>
-          <a:bodyPr>
+          <a:bodyPr wrap="square">
             <a:spAutoFit/>
           </a:bodyPr>
           <a:lstStyle/>
           <a:p>
-            <a:r>
-              <a:rPr lang="en-US" altLang="zh-CN" dirty="0"/>
-              <a:t>Default Compaction</a:t>
-            </a:r>
-            <a:r>
-              <a:rPr lang="zh-CN" altLang="en-US" dirty="0"/>
-              <a:t>就是默认的</a:t>
-            </a:r>
-            <a:r>
-              <a:rPr lang="en-US" altLang="zh-CN" dirty="0"/>
-              <a:t>Compaction</a:t>
-            </a:r>
-            <a:r>
-              <a:rPr lang="zh-CN" altLang="en-US" dirty="0"/>
-              <a:t>行为，</a:t>
-            </a:r>
-            <a:r>
-              <a:rPr lang="en-US" altLang="zh-CN" dirty="0"/>
-              <a:t>2.0</a:t>
-            </a:r>
-            <a:r>
-              <a:rPr lang="zh-CN" altLang="en-US" dirty="0"/>
-              <a:t>版本和旧版本中的行为没有什么明显变化。所谓的</a:t>
-            </a:r>
-            <a:r>
-              <a:rPr lang="en-US" altLang="zh-CN" dirty="0"/>
-              <a:t>Default Compaction</a:t>
-            </a:r>
-            <a:r>
-              <a:rPr lang="zh-CN" altLang="en-US" dirty="0"/>
-              <a:t>，具有更广泛的适用场景，它在选择待合并的文件时是在整个</a:t>
-            </a:r>
-            <a:r>
-              <a:rPr lang="en-US" altLang="zh-CN" dirty="0"/>
-              <a:t>Region</a:t>
-            </a:r>
-            <a:r>
-              <a:rPr lang="zh-CN" altLang="en-US" dirty="0"/>
-              <a:t>级别进行选择的，所以往往意味着更高的写</a:t>
-            </a:r>
-            <a:r>
-              <a:rPr lang="en-US" altLang="zh-CN" dirty="0"/>
-              <a:t>IO</a:t>
-            </a:r>
-            <a:r>
-              <a:rPr lang="zh-CN" altLang="en-US" dirty="0"/>
-              <a:t>放大。在实际应用中，应该结合自己的应用场景选择合适的</a:t>
-            </a:r>
-            <a:r>
-              <a:rPr lang="en-US" altLang="zh-CN" dirty="0"/>
-              <a:t>Compaction</a:t>
-            </a:r>
-            <a:r>
-              <a:rPr lang="zh-CN" altLang="en-US" dirty="0"/>
-              <a:t>策略，如果前几种策略能够匹配自己的应用场景，那么应该是优选的（这几个策略的质量状态如何尚不好判断，建议结合业务场景进行实测观察），否则应该选择</a:t>
-            </a:r>
-            <a:r>
-              <a:rPr lang="en-US" altLang="zh-CN" dirty="0"/>
-              <a:t>Default Compaction</a:t>
-            </a:r>
-            <a:r>
-              <a:rPr lang="zh-CN" altLang="en-US" dirty="0"/>
-              <a:t>。如果上述几种</a:t>
-            </a:r>
-            <a:r>
-              <a:rPr lang="en-US" altLang="zh-CN" dirty="0"/>
-              <a:t>Compaction</a:t>
-            </a:r>
-            <a:r>
-              <a:rPr lang="zh-CN" altLang="en-US" dirty="0"/>
-              <a:t>策略都无法很好的满足业务需求的话，用户还可以自定义</a:t>
-            </a:r>
-            <a:r>
-              <a:rPr lang="en-US" altLang="zh-CN" dirty="0"/>
-              <a:t>Compaction</a:t>
-            </a:r>
-            <a:r>
-              <a:rPr lang="zh-CN" altLang="en-US" dirty="0"/>
-              <a:t>策略，因为</a:t>
-            </a:r>
-            <a:r>
-              <a:rPr lang="en-US" altLang="zh-CN" dirty="0" err="1"/>
-              <a:t>HBase</a:t>
-            </a:r>
-            <a:r>
-              <a:rPr lang="zh-CN" altLang="en-US" dirty="0"/>
-              <a:t>已经具备良好的</a:t>
-            </a:r>
-            <a:r>
-              <a:rPr lang="en-US" altLang="zh-CN" dirty="0"/>
-              <a:t>Compaction</a:t>
-            </a:r>
-            <a:r>
-              <a:rPr lang="zh-CN" altLang="en-US" dirty="0"/>
-              <a:t>插件化机制。</a:t>
-            </a:r>
-          </a:p>
-          <a:p>
-            <a:r>
-              <a:rPr lang="en-US" altLang="zh-CN" dirty="0"/>
-              <a:t>--------------------- </a:t>
-            </a:r>
-          </a:p>
-          <a:p>
-            <a:r>
-              <a:rPr lang="zh-CN" altLang="en-US" dirty="0"/>
-              <a:t>作者：</a:t>
-            </a:r>
-            <a:r>
-              <a:rPr lang="en-US" altLang="zh-CN" dirty="0"/>
-              <a:t>NoSQL</a:t>
-            </a:r>
-            <a:r>
-              <a:rPr lang="zh-CN" altLang="en-US" dirty="0"/>
-              <a:t>漫谈 </a:t>
-            </a:r>
-          </a:p>
-          <a:p>
-            <a:r>
-              <a:rPr lang="zh-CN" altLang="en-US" dirty="0"/>
-              <a:t>来源：</a:t>
-            </a:r>
-            <a:r>
-              <a:rPr lang="en-US" altLang="zh-CN" dirty="0"/>
-              <a:t>CSDN </a:t>
-            </a:r>
-          </a:p>
-          <a:p>
-            <a:r>
-              <a:rPr lang="zh-CN" altLang="en-US" dirty="0"/>
-              <a:t>原文：</a:t>
-            </a:r>
-            <a:r>
-              <a:rPr lang="en-US" altLang="zh-CN" dirty="0"/>
-              <a:t>https://blog.csdn.net/nosqlnotes/article/details/80890191 </a:t>
-            </a:r>
-          </a:p>
-          <a:p>
-            <a:r>
-              <a:rPr lang="zh-CN" altLang="en-US" dirty="0"/>
-              <a:t>版权声明：本文为博主原创文章，转载请附上博文链接！</a:t>
-            </a:r>
+            <a:pPr>
+              <a:lnSpc>
+                <a:spcPct val="150000"/>
+              </a:lnSpc>
+            </a:pPr>
+            <a:r>
+              <a:rPr lang="en-US" altLang="zh-CN" sz="1400" dirty="0" smtClean="0"/>
+              <a:t>1.</a:t>
+            </a:r>
+            <a:r>
+              <a:rPr lang="en-US" altLang="zh-CN" sz="1400" dirty="0" smtClean="0"/>
+              <a:t>The </a:t>
+            </a:r>
+            <a:r>
+              <a:rPr lang="en-US" altLang="zh-CN" sz="1400" dirty="0"/>
+              <a:t>first phase is to create a list of all candidates for compaction. A list is created of all </a:t>
+            </a:r>
+            <a:r>
+              <a:rPr lang="en-US" altLang="zh-CN" sz="1400" dirty="0" err="1"/>
+              <a:t>StoreFiles</a:t>
+            </a:r>
+            <a:r>
+              <a:rPr lang="en-US" altLang="zh-CN" sz="1400" dirty="0"/>
+              <a:t> not already in the compaction queue, and all </a:t>
+            </a:r>
+            <a:r>
+              <a:rPr lang="en-US" altLang="zh-CN" sz="1400" dirty="0" err="1"/>
+              <a:t>StoreFiles</a:t>
+            </a:r>
+            <a:r>
+              <a:rPr lang="en-US" altLang="zh-CN" sz="1400" dirty="0"/>
+              <a:t> newer than the newest file that is currently being compacted. This list of </a:t>
+            </a:r>
+            <a:r>
+              <a:rPr lang="en-US" altLang="zh-CN" sz="1400" dirty="0" err="1"/>
+              <a:t>StoreFiles</a:t>
+            </a:r>
+            <a:r>
+              <a:rPr lang="en-US" altLang="zh-CN" sz="1400" dirty="0"/>
+              <a:t> is ordered by the sequence ID. The sequence ID is generated when a Put is appended to the write-ahead log (WAL), and is stored in the metadata of the </a:t>
+            </a:r>
+            <a:r>
+              <a:rPr lang="en-US" altLang="zh-CN" sz="1400" dirty="0" err="1"/>
+              <a:t>HFile</a:t>
+            </a:r>
+            <a:r>
+              <a:rPr lang="en-US" altLang="zh-CN" sz="1400" dirty="0"/>
+              <a:t>.</a:t>
+            </a:r>
+          </a:p>
+          <a:p>
+            <a:pPr>
+              <a:lnSpc>
+                <a:spcPct val="150000"/>
+              </a:lnSpc>
+            </a:pPr>
+            <a:r>
+              <a:rPr lang="en-US" altLang="zh-CN" sz="1400" dirty="0" smtClean="0"/>
+              <a:t>2.</a:t>
+            </a:r>
+            <a:r>
+              <a:rPr lang="en-US" altLang="zh-CN" sz="1400" dirty="0" smtClean="0"/>
+              <a:t>Check </a:t>
+            </a:r>
+            <a:r>
+              <a:rPr lang="en-US" altLang="zh-CN" sz="1400" dirty="0"/>
+              <a:t>to see if the algorithm is stuck (see </a:t>
+            </a:r>
+            <a:r>
+              <a:rPr lang="en-US" altLang="zh-CN" sz="1400" u="sng" dirty="0"/>
+              <a:t>Being Stuck, and if so, a major compaction is forced. This is a key area where The </a:t>
+            </a:r>
+            <a:r>
+              <a:rPr lang="en-US" altLang="zh-CN" sz="1400" u="sng" dirty="0" err="1"/>
+              <a:t>ExploringCompactionPolicy</a:t>
+            </a:r>
+            <a:r>
+              <a:rPr lang="en-US" altLang="zh-CN" sz="1400" u="sng" dirty="0"/>
+              <a:t> Algorithm is often a better choice than the </a:t>
+            </a:r>
+            <a:r>
+              <a:rPr lang="en-US" altLang="zh-CN" sz="1400" u="sng" dirty="0" err="1"/>
+              <a:t>RatioBasedCompactionPolicy</a:t>
+            </a:r>
+            <a:r>
+              <a:rPr lang="en-US" altLang="zh-CN" sz="1400" u="sng" dirty="0"/>
+              <a:t>.</a:t>
+            </a:r>
+          </a:p>
+          <a:p>
+            <a:pPr>
+              <a:lnSpc>
+                <a:spcPct val="150000"/>
+              </a:lnSpc>
+            </a:pPr>
+            <a:r>
+              <a:rPr lang="en-US" altLang="zh-CN" sz="1400" u="sng" dirty="0" smtClean="0"/>
+              <a:t>3.</a:t>
+            </a:r>
+            <a:r>
+              <a:rPr lang="en-US" altLang="zh-CN" sz="1400" u="sng" dirty="0" smtClean="0"/>
+              <a:t>If </a:t>
+            </a:r>
+            <a:r>
+              <a:rPr lang="en-US" altLang="zh-CN" sz="1400" u="sng" dirty="0"/>
+              <a:t>the compaction was user-requested, try to perform the type of compaction that was requested. Note that a major compaction may not be possible if all </a:t>
+            </a:r>
+            <a:r>
+              <a:rPr lang="en-US" altLang="zh-CN" sz="1400" u="sng" dirty="0" err="1"/>
+              <a:t>HFiles</a:t>
+            </a:r>
+            <a:r>
+              <a:rPr lang="en-US" altLang="zh-CN" sz="1400" u="sng" dirty="0"/>
+              <a:t> are not available for compaction or if too many </a:t>
+            </a:r>
+            <a:r>
+              <a:rPr lang="en-US" altLang="zh-CN" sz="1400" u="sng" dirty="0" err="1"/>
+              <a:t>StoreFiles</a:t>
+            </a:r>
+            <a:r>
+              <a:rPr lang="en-US" altLang="zh-CN" sz="1400" u="sng" dirty="0"/>
+              <a:t> exist (more than </a:t>
+            </a:r>
+            <a:r>
+              <a:rPr lang="en-US" altLang="zh-CN" sz="1400" u="sng" dirty="0" err="1"/>
+              <a:t>hbase.hstore.compaction.max</a:t>
+            </a:r>
+            <a:r>
+              <a:rPr lang="en-US" altLang="zh-CN" sz="1400" u="sng" dirty="0"/>
+              <a:t>).</a:t>
+            </a:r>
+          </a:p>
+          <a:p>
+            <a:pPr>
+              <a:lnSpc>
+                <a:spcPct val="150000"/>
+              </a:lnSpc>
+            </a:pPr>
+            <a:r>
+              <a:rPr lang="en-US" altLang="zh-CN" sz="1400" u="sng" dirty="0" smtClean="0"/>
+              <a:t>4.</a:t>
+            </a:r>
+            <a:r>
+              <a:rPr lang="en-US" altLang="zh-CN" sz="1400" u="sng" dirty="0" smtClean="0"/>
+              <a:t>Some </a:t>
+            </a:r>
+            <a:r>
+              <a:rPr lang="en-US" altLang="zh-CN" sz="1400" u="sng" dirty="0" err="1"/>
+              <a:t>StoreFiles</a:t>
+            </a:r>
+            <a:r>
+              <a:rPr lang="en-US" altLang="zh-CN" sz="1400" u="sng" dirty="0"/>
+              <a:t> are automatically excluded from consideration. These include:</a:t>
+            </a:r>
+          </a:p>
+          <a:p>
+            <a:pPr marL="285750" indent="-285750">
+              <a:lnSpc>
+                <a:spcPct val="150000"/>
+              </a:lnSpc>
+              <a:buFont typeface="Wingdings" charset="2"/>
+              <a:buChar char="u"/>
+            </a:pPr>
+            <a:r>
+              <a:rPr lang="en-US" altLang="zh-CN" sz="1400" u="sng" dirty="0" err="1"/>
+              <a:t>StoreFiles</a:t>
+            </a:r>
+            <a:r>
+              <a:rPr lang="en-US" altLang="zh-CN" sz="1400" u="sng" dirty="0"/>
+              <a:t> that are larger than </a:t>
+            </a:r>
+            <a:r>
+              <a:rPr lang="en-US" altLang="zh-CN" sz="1400" u="sng" dirty="0" err="1"/>
+              <a:t>hbase.hstore.compaction.max.size</a:t>
+            </a:r>
+            <a:endParaRPr lang="en-US" altLang="zh-CN" sz="1400" u="sng" dirty="0"/>
+          </a:p>
+          <a:p>
+            <a:pPr marL="285750" indent="-285750">
+              <a:lnSpc>
+                <a:spcPct val="150000"/>
+              </a:lnSpc>
+              <a:buFont typeface="Wingdings" charset="2"/>
+              <a:buChar char="u"/>
+            </a:pPr>
+            <a:r>
+              <a:rPr lang="en-US" altLang="zh-CN" sz="1400" u="sng" dirty="0" err="1"/>
+              <a:t>StoreFiles</a:t>
+            </a:r>
+            <a:r>
+              <a:rPr lang="en-US" altLang="zh-CN" sz="1400" u="sng" dirty="0"/>
+              <a:t> that were created by a bulk-load operation which explicitly excluded compaction. You may decide to exclude </a:t>
+            </a:r>
+            <a:r>
+              <a:rPr lang="en-US" altLang="zh-CN" sz="1400" u="sng" dirty="0" err="1"/>
+              <a:t>StoreFiles</a:t>
+            </a:r>
+            <a:r>
+              <a:rPr lang="en-US" altLang="zh-CN" sz="1400" u="sng" dirty="0"/>
+              <a:t> resulting from bulk loads, from compaction. To do this, specify the </a:t>
+            </a:r>
+            <a:r>
+              <a:rPr lang="en-US" altLang="zh-CN" sz="1400" u="sng" dirty="0" err="1"/>
+              <a:t>hbase.mapreduce.hfileoutputformat.compaction.exclude</a:t>
+            </a:r>
+            <a:r>
+              <a:rPr lang="en-US" altLang="zh-CN" sz="1400" u="sng" dirty="0"/>
+              <a:t> parameter during the bulk load operation</a:t>
+            </a:r>
+            <a:r>
+              <a:rPr lang="en-US" altLang="zh-CN" sz="1400" u="sng" dirty="0" smtClean="0"/>
+              <a:t>.</a:t>
+            </a:r>
+            <a:endParaRPr lang="en-US" altLang="zh-CN" sz="1400" u="sng" dirty="0"/>
           </a:p>
         </p:txBody>
       </p:sp>
     </p:spTree>
     <p:extLst>
       <p:ext uri="{BB962C8B-B14F-4D97-AF65-F5344CB8AC3E}">
-        <p14:creationId xmlns:p14="http://schemas.microsoft.com/office/powerpoint/2010/main" val="500363755"/>
+        <p14:creationId xmlns:p14="http://schemas.microsoft.com/office/powerpoint/2010/main" val="2407450816"/>
       </p:ext>
     </p:extLst>
   </p:cSld>
@@ -25059,10 +25295,10 @@
           <a:lstStyle/>
           <a:p>
             <a:r>
-              <a:rPr lang="en-US" altLang="zh-CN" dirty="0" smtClean="0"/>
-              <a:t>split</a:t>
-            </a:r>
-            <a:endParaRPr lang="zh-CN" altLang="en-US" dirty="0"/>
+              <a:rPr lang="en-US" altLang="zh-CN" dirty="0" err="1"/>
+              <a:t>RatioBasedCompactionPolicy</a:t>
+            </a:r>
+            <a:endParaRPr kumimoji="1" lang="zh-CN" altLang="en-US" dirty="0"/>
           </a:p>
         </p:txBody>
       </p:sp>
@@ -25074,59 +25310,286 @@
         </p:nvSpPr>
         <p:spPr>
           <a:xfrm>
-            <a:off x="769615" y="1585351"/>
-            <a:ext cx="1430392" cy="369332"/>
+            <a:off x="503412" y="1606053"/>
+            <a:ext cx="10823350" cy="4616648"/>
           </a:xfrm>
           <a:prstGeom prst="rect">
             <a:avLst/>
           </a:prstGeom>
         </p:spPr>
         <p:txBody>
-          <a:bodyPr wrap="none">
+          <a:bodyPr wrap="square">
             <a:spAutoFit/>
           </a:bodyPr>
           <a:lstStyle/>
           <a:p>
             <a:r>
-              <a:rPr lang="en-US" altLang="zh-CN" dirty="0"/>
-              <a:t>Pre-splitting</a:t>
-            </a:r>
-            <a:endParaRPr lang="zh-CN" altLang="en-US" dirty="0"/>
-          </a:p>
-        </p:txBody>
-      </p:sp>
-      <p:sp>
-        <p:nvSpPr>
-          <p:cNvPr id="5" name="矩形 4"/>
-          <p:cNvSpPr/>
-          <p:nvPr/>
-        </p:nvSpPr>
-        <p:spPr>
-          <a:xfrm>
-            <a:off x="769615" y="2267232"/>
-            <a:ext cx="4552144" cy="369332"/>
-          </a:xfrm>
-          <a:prstGeom prst="rect">
-            <a:avLst/>
-          </a:prstGeom>
-        </p:spPr>
-        <p:txBody>
-          <a:bodyPr wrap="none">
-            <a:spAutoFit/>
-          </a:bodyPr>
-          <a:lstStyle/>
-          <a:p>
-            <a:r>
-              <a:rPr lang="zh-CN" altLang="en-US" dirty="0"/>
-              <a:t>create 'test_table', 'f1', SPLITS=&gt; ['a', 'b', 'c']</a:t>
-            </a:r>
+              <a:rPr lang="en-US" altLang="zh-CN" sz="1400" dirty="0" smtClean="0"/>
+              <a:t>5.</a:t>
+            </a:r>
+            <a:r>
+              <a:rPr lang="en-US" altLang="zh-CN" sz="1400" dirty="0" smtClean="0"/>
+              <a:t>The </a:t>
+            </a:r>
+            <a:r>
+              <a:rPr lang="en-US" altLang="zh-CN" sz="1400" dirty="0"/>
+              <a:t>maximum number of </a:t>
+            </a:r>
+            <a:r>
+              <a:rPr lang="en-US" altLang="zh-CN" sz="1400" dirty="0" err="1"/>
+              <a:t>StoreFiles</a:t>
+            </a:r>
+            <a:r>
+              <a:rPr lang="en-US" altLang="zh-CN" sz="1400" dirty="0"/>
+              <a:t> allowed in a major compaction is controlled by the </a:t>
+            </a:r>
+            <a:r>
+              <a:rPr lang="en-US" altLang="zh-CN" sz="1400" dirty="0" err="1"/>
+              <a:t>hbase.hstore.compaction.max</a:t>
+            </a:r>
+            <a:r>
+              <a:rPr lang="en-US" altLang="zh-CN" sz="1400" dirty="0"/>
+              <a:t> parameter. If the list contains more than this number of </a:t>
+            </a:r>
+            <a:r>
+              <a:rPr lang="en-US" altLang="zh-CN" sz="1400" dirty="0" err="1"/>
+              <a:t>StoreFiles</a:t>
+            </a:r>
+            <a:r>
+              <a:rPr lang="en-US" altLang="zh-CN" sz="1400" dirty="0"/>
+              <a:t>, a minor compaction is performed even if a major compaction would otherwise have been done. However, a user-requested major compaction still occurs even if there are more than </a:t>
+            </a:r>
+            <a:r>
+              <a:rPr lang="en-US" altLang="zh-CN" sz="1400" dirty="0" err="1"/>
+              <a:t>hbase.hstore.compaction.max</a:t>
+            </a:r>
+            <a:r>
+              <a:rPr lang="en-US" altLang="zh-CN" sz="1400" dirty="0"/>
+              <a:t> </a:t>
+            </a:r>
+            <a:r>
+              <a:rPr lang="en-US" altLang="zh-CN" sz="1400" dirty="0" err="1"/>
+              <a:t>StoreFiles</a:t>
+            </a:r>
+            <a:r>
+              <a:rPr lang="en-US" altLang="zh-CN" sz="1400" dirty="0"/>
+              <a:t> to compact.</a:t>
+            </a:r>
+          </a:p>
+          <a:p>
+            <a:r>
+              <a:rPr lang="en-US" altLang="zh-CN" sz="1400" dirty="0" smtClean="0"/>
+              <a:t>6.</a:t>
+            </a:r>
+            <a:r>
+              <a:rPr lang="en-US" altLang="zh-CN" sz="1400" dirty="0" smtClean="0"/>
+              <a:t>If </a:t>
+            </a:r>
+            <a:r>
+              <a:rPr lang="en-US" altLang="zh-CN" sz="1400" dirty="0"/>
+              <a:t>the list contains fewer than </a:t>
+            </a:r>
+            <a:r>
+              <a:rPr lang="en-US" altLang="zh-CN" sz="1400" dirty="0" err="1"/>
+              <a:t>hbase.hstore.compaction.min</a:t>
+            </a:r>
+            <a:r>
+              <a:rPr lang="en-US" altLang="zh-CN" sz="1400" dirty="0"/>
+              <a:t> </a:t>
+            </a:r>
+            <a:r>
+              <a:rPr lang="en-US" altLang="zh-CN" sz="1400" dirty="0" err="1"/>
+              <a:t>StoreFiles</a:t>
+            </a:r>
+            <a:r>
+              <a:rPr lang="en-US" altLang="zh-CN" sz="1400" dirty="0"/>
+              <a:t> to compact, a minor compaction is aborted. Note that a major compaction can be performed on a single </a:t>
+            </a:r>
+            <a:r>
+              <a:rPr lang="en-US" altLang="zh-CN" sz="1400" dirty="0" err="1"/>
+              <a:t>HFile</a:t>
+            </a:r>
+            <a:r>
+              <a:rPr lang="en-US" altLang="zh-CN" sz="1400" dirty="0"/>
+              <a:t>. Its function is to remove deletes and expired versions, and reset locality on the </a:t>
+            </a:r>
+            <a:r>
+              <a:rPr lang="en-US" altLang="zh-CN" sz="1400" dirty="0" err="1"/>
+              <a:t>StoreFile</a:t>
+            </a:r>
+            <a:r>
+              <a:rPr lang="en-US" altLang="zh-CN" sz="1400" dirty="0"/>
+              <a:t>.</a:t>
+            </a:r>
+          </a:p>
+          <a:p>
+            <a:r>
+              <a:rPr lang="en-US" altLang="zh-CN" sz="1400" dirty="0" smtClean="0"/>
+              <a:t>6.</a:t>
+            </a:r>
+            <a:r>
+              <a:rPr lang="en-US" altLang="zh-CN" sz="1400" dirty="0" smtClean="0"/>
+              <a:t>The </a:t>
+            </a:r>
+            <a:r>
+              <a:rPr lang="en-US" altLang="zh-CN" sz="1400" dirty="0"/>
+              <a:t>value of the </a:t>
+            </a:r>
+            <a:r>
+              <a:rPr lang="en-US" altLang="zh-CN" sz="1400" dirty="0" err="1"/>
+              <a:t>hbase.hstore.compaction.ratio</a:t>
+            </a:r>
+            <a:r>
+              <a:rPr lang="en-US" altLang="zh-CN" sz="1400" dirty="0"/>
+              <a:t> parameter is multiplied by the sum of </a:t>
+            </a:r>
+            <a:r>
+              <a:rPr lang="en-US" altLang="zh-CN" sz="1400" dirty="0" err="1"/>
+              <a:t>StoreFiles</a:t>
+            </a:r>
+            <a:r>
+              <a:rPr lang="en-US" altLang="zh-CN" sz="1400" dirty="0"/>
+              <a:t> smaller than a given file, to determine whether that </a:t>
+            </a:r>
+            <a:r>
+              <a:rPr lang="en-US" altLang="zh-CN" sz="1400" dirty="0" err="1"/>
+              <a:t>StoreFile</a:t>
+            </a:r>
+            <a:r>
+              <a:rPr lang="en-US" altLang="zh-CN" sz="1400" dirty="0"/>
+              <a:t> is selected for compaction during a minor compaction. For instance, if </a:t>
+            </a:r>
+            <a:r>
+              <a:rPr lang="en-US" altLang="zh-CN" sz="1400" dirty="0" err="1"/>
+              <a:t>hbase.hstore.compaction.ratio</a:t>
+            </a:r>
+            <a:r>
+              <a:rPr lang="en-US" altLang="zh-CN" sz="1400" dirty="0"/>
+              <a:t> is 1.2, </a:t>
+            </a:r>
+            <a:r>
+              <a:rPr lang="en-US" altLang="zh-CN" sz="1400" dirty="0" err="1"/>
+              <a:t>FileX</a:t>
+            </a:r>
+            <a:r>
+              <a:rPr lang="en-US" altLang="zh-CN" sz="1400" dirty="0"/>
+              <a:t> is 5MB, </a:t>
+            </a:r>
+            <a:r>
+              <a:rPr lang="en-US" altLang="zh-CN" sz="1400" dirty="0" err="1"/>
+              <a:t>FileY</a:t>
+            </a:r>
+            <a:r>
+              <a:rPr lang="en-US" altLang="zh-CN" sz="1400" dirty="0"/>
+              <a:t> is 2MB, and </a:t>
+            </a:r>
+            <a:r>
+              <a:rPr lang="en-US" altLang="zh-CN" sz="1400" dirty="0" err="1"/>
+              <a:t>FileZ</a:t>
+            </a:r>
+            <a:r>
+              <a:rPr lang="en-US" altLang="zh-CN" sz="1400" dirty="0"/>
+              <a:t> is 3MB: +5 &lt;= 1.2 x (2 + 3)            or            5 &lt;= 6 + + +In this scenario, </a:t>
+            </a:r>
+            <a:r>
+              <a:rPr lang="en-US" altLang="zh-CN" sz="1400" dirty="0" err="1"/>
+              <a:t>FileX</a:t>
+            </a:r>
+            <a:r>
+              <a:rPr lang="en-US" altLang="zh-CN" sz="1400" dirty="0"/>
+              <a:t> is eligible for minor compaction. If </a:t>
+            </a:r>
+            <a:r>
+              <a:rPr lang="en-US" altLang="zh-CN" sz="1400" dirty="0" err="1"/>
+              <a:t>FileX</a:t>
+            </a:r>
+            <a:r>
+              <a:rPr lang="en-US" altLang="zh-CN" sz="1400" dirty="0"/>
+              <a:t> were 7MB, it would not be eligible for minor compaction. This ratio favors smaller </a:t>
+            </a:r>
+            <a:r>
+              <a:rPr lang="en-US" altLang="zh-CN" sz="1400" dirty="0" err="1"/>
+              <a:t>StoreFile</a:t>
+            </a:r>
+            <a:r>
+              <a:rPr lang="en-US" altLang="zh-CN" sz="1400" dirty="0"/>
+              <a:t>. You can configure a different ratio for use in off-peak hours, using the parameter </a:t>
+            </a:r>
+            <a:r>
+              <a:rPr lang="en-US" altLang="zh-CN" sz="1400" dirty="0" err="1"/>
+              <a:t>hbase.hstore.compaction.ratio.offpeak</a:t>
+            </a:r>
+            <a:r>
+              <a:rPr lang="en-US" altLang="zh-CN" sz="1400" dirty="0"/>
+              <a:t>, if you also configure </a:t>
+            </a:r>
+            <a:r>
+              <a:rPr lang="en-US" altLang="zh-CN" sz="1400" dirty="0" err="1"/>
+              <a:t>hbase.offpeak.start.hour</a:t>
+            </a:r>
+            <a:r>
+              <a:rPr lang="en-US" altLang="zh-CN" sz="1400" dirty="0"/>
+              <a:t> and </a:t>
+            </a:r>
+            <a:r>
+              <a:rPr lang="en-US" altLang="zh-CN" sz="1400" dirty="0" err="1"/>
+              <a:t>hbase.offpeak.end.hour</a:t>
+            </a:r>
+            <a:r>
+              <a:rPr lang="en-US" altLang="zh-CN" sz="1400" dirty="0"/>
+              <a:t>. +</a:t>
+            </a:r>
+          </a:p>
+          <a:p>
+            <a:r>
+              <a:rPr lang="en-US" altLang="zh-CN" sz="1400" dirty="0" smtClean="0"/>
+              <a:t>8.</a:t>
+            </a:r>
+            <a:r>
+              <a:rPr lang="en-US" altLang="zh-CN" sz="1400" dirty="0" smtClean="0"/>
+              <a:t>If </a:t>
+            </a:r>
+            <a:r>
+              <a:rPr lang="en-US" altLang="zh-CN" sz="1400" dirty="0"/>
+              <a:t>the last major compaction was too long ago and there is more than one </a:t>
+            </a:r>
+            <a:r>
+              <a:rPr lang="en-US" altLang="zh-CN" sz="1400" dirty="0" err="1"/>
+              <a:t>StoreFile</a:t>
+            </a:r>
+            <a:r>
+              <a:rPr lang="en-US" altLang="zh-CN" sz="1400" dirty="0"/>
+              <a:t> to be compacted, a major compaction is run, even if it would otherwise have been minor. By default, the maximum time between major compactions is 7 days, plus or minus a 4.8 hour period, and determined randomly within those parameters. Prior to </a:t>
+            </a:r>
+            <a:r>
+              <a:rPr lang="en-US" altLang="zh-CN" sz="1400" dirty="0" err="1"/>
+              <a:t>HBase</a:t>
+            </a:r>
+            <a:r>
+              <a:rPr lang="en-US" altLang="zh-CN" sz="1400" dirty="0"/>
+              <a:t> 0.96, the major compaction period was 24 hours. See </a:t>
+            </a:r>
+            <a:r>
+              <a:rPr lang="en-US" altLang="zh-CN" sz="1400" dirty="0" err="1"/>
+              <a:t>hbase.hregion.majorcompaction</a:t>
+            </a:r>
+            <a:r>
+              <a:rPr lang="en-US" altLang="zh-CN" sz="1400" dirty="0"/>
+              <a:t> in the table below to tune or disable time-based major compactions.</a:t>
+            </a:r>
+            <a:endParaRPr lang="zh-CN" altLang="en-US" sz="1400" dirty="0"/>
           </a:p>
         </p:txBody>
       </p:sp>
     </p:spTree>
     <p:extLst>
       <p:ext uri="{BB962C8B-B14F-4D97-AF65-F5344CB8AC3E}">
-        <p14:creationId xmlns:p14="http://schemas.microsoft.com/office/powerpoint/2010/main" val="647299925"/>
+        <p14:creationId xmlns:p14="http://schemas.microsoft.com/office/powerpoint/2010/main" val="1003820974"/>
       </p:ext>
     </p:extLst>
   </p:cSld>
@@ -25165,27 +25628,33 @@
         </p:nvSpPr>
         <p:spPr/>
         <p:txBody>
-          <a:bodyPr/>
+          <a:bodyPr>
+            <a:normAutofit/>
+          </a:bodyPr>
           <a:lstStyle/>
           <a:p>
             <a:r>
+              <a:rPr lang="en-US" altLang="zh-CN" dirty="0"/>
+              <a:t>Date Tiered </a:t>
+            </a:r>
+            <a:r>
               <a:rPr lang="en-US" altLang="zh-CN" dirty="0" smtClean="0"/>
-              <a:t>split</a:t>
-            </a:r>
-            <a:endParaRPr lang="zh-CN" altLang="en-US" dirty="0"/>
+              <a:t>Compaction</a:t>
+            </a:r>
+            <a:endParaRPr kumimoji="1" lang="zh-CN" altLang="en-US" dirty="0"/>
           </a:p>
         </p:txBody>
       </p:sp>
       <p:sp>
         <p:nvSpPr>
-          <p:cNvPr id="4" name="矩形 3"/>
+          <p:cNvPr id="6" name="矩形 5"/>
           <p:cNvSpPr/>
           <p:nvPr/>
         </p:nvSpPr>
         <p:spPr>
           <a:xfrm>
-            <a:off x="748936" y="1299486"/>
-            <a:ext cx="10406744" cy="5355312"/>
+            <a:off x="320353" y="1217396"/>
+            <a:ext cx="12015734" cy="5909311"/>
           </a:xfrm>
           <a:prstGeom prst="rect">
             <a:avLst/>
@@ -25198,129 +25667,116 @@
           <a:lstStyle/>
           <a:p>
             <a:r>
-              <a:rPr lang="en-US" altLang="zh-CN" dirty="0"/>
-              <a:t>How Region Splits are </a:t>
-            </a:r>
-            <a:r>
-              <a:rPr lang="en-US" altLang="zh-CN" dirty="0" err="1"/>
-              <a:t>implementedAs</a:t>
-            </a:r>
-            <a:r>
-              <a:rPr lang="en-US" altLang="zh-CN" dirty="0"/>
-              <a:t> write requests are handled by the region server, they accumulate  in an in-memory storage system called the “</a:t>
-            </a:r>
-            <a:r>
-              <a:rPr lang="en-US" altLang="zh-CN" dirty="0" err="1"/>
-              <a:t>memstore</a:t>
-            </a:r>
-            <a:r>
-              <a:rPr lang="en-US" altLang="zh-CN" dirty="0"/>
-              <a:t>”. Once the </a:t>
-            </a:r>
-            <a:r>
-              <a:rPr lang="en-US" altLang="zh-CN" dirty="0" err="1"/>
-              <a:t>memstore</a:t>
-            </a:r>
-            <a:r>
-              <a:rPr lang="en-US" altLang="zh-CN" dirty="0"/>
-              <a:t>  fills, its content are written to disk as additional store files. This  event is called a “</a:t>
-            </a:r>
-            <a:r>
-              <a:rPr lang="en-US" altLang="zh-CN" dirty="0" err="1"/>
-              <a:t>memstore</a:t>
-            </a:r>
-            <a:r>
-              <a:rPr lang="en-US" altLang="zh-CN" dirty="0"/>
-              <a:t> flush”. As store files accumulate, the  </a:t>
-            </a:r>
-            <a:r>
-              <a:rPr lang="en-US" altLang="zh-CN" dirty="0" err="1"/>
-              <a:t>RegionServer</a:t>
-            </a:r>
-            <a:r>
-              <a:rPr lang="en-US" altLang="zh-CN" dirty="0"/>
-              <a:t> will “compact” them into combined, larger files. After each  flush or compaction finishes, a region split request is </a:t>
-            </a:r>
-            <a:r>
-              <a:rPr lang="en-US" altLang="zh-CN" dirty="0" err="1"/>
-              <a:t>enqueued</a:t>
-            </a:r>
-            <a:r>
-              <a:rPr lang="en-US" altLang="zh-CN" dirty="0"/>
-              <a:t> if the  </a:t>
-            </a:r>
-            <a:r>
-              <a:rPr lang="en-US" altLang="zh-CN" dirty="0" err="1"/>
-              <a:t>RegionSplitPolicy</a:t>
-            </a:r>
-            <a:r>
-              <a:rPr lang="en-US" altLang="zh-CN" dirty="0"/>
-              <a:t> decides that the region should be split into two.  Since all data files in </a:t>
-            </a:r>
-            <a:r>
-              <a:rPr lang="en-US" altLang="zh-CN" dirty="0" err="1"/>
-              <a:t>HBase</a:t>
-            </a:r>
-            <a:r>
-              <a:rPr lang="en-US" altLang="zh-CN" dirty="0"/>
-              <a:t> are immutable, when a split happens, the  newly created daughter regions will not rewrite all the data into new  files. Instead, they will create  small </a:t>
-            </a:r>
-            <a:r>
-              <a:rPr lang="en-US" altLang="zh-CN" dirty="0" err="1"/>
-              <a:t>sym</a:t>
-            </a:r>
-            <a:r>
-              <a:rPr lang="en-US" altLang="zh-CN" dirty="0"/>
-              <a:t>-link like files, named Reference files,  which point to either top or bottom part of the parent store file  according to the split point. The reference file will be used just like a  regular data file, but only half of the records. The region can only be  split if there are no more references to the immutable data files of  the parent region. Those reference files are cleaned gradually by  compactions, so that the region will stop referring to its parents  files, and can be split </a:t>
-            </a:r>
-            <a:r>
-              <a:rPr lang="en-US" altLang="zh-CN" dirty="0" err="1"/>
-              <a:t>further.Although</a:t>
-            </a:r>
-            <a:r>
-              <a:rPr lang="en-US" altLang="zh-CN" dirty="0"/>
-              <a:t> splitting the region is a local decision made at the  </a:t>
-            </a:r>
-            <a:r>
-              <a:rPr lang="en-US" altLang="zh-CN" dirty="0" err="1"/>
-              <a:t>RegionServer</a:t>
-            </a:r>
-            <a:r>
-              <a:rPr lang="en-US" altLang="zh-CN" dirty="0"/>
-              <a:t>, the split process itself must coordinate with many actors.  The </a:t>
-            </a:r>
-            <a:r>
-              <a:rPr lang="en-US" altLang="zh-CN" dirty="0" err="1"/>
-              <a:t>RegionServer</a:t>
-            </a:r>
-            <a:r>
-              <a:rPr lang="en-US" altLang="zh-CN" dirty="0"/>
-              <a:t> notifies the Master before and after the split,  updates the .META. table so that clients can discover the new daughter  regions, and rearranges the directory structure and data files in HDFS.  Split is a multi task process. To enable rollback in case of an error,  the </a:t>
-            </a:r>
-            <a:r>
-              <a:rPr lang="en-US" altLang="zh-CN" dirty="0" err="1"/>
-              <a:t>RegionServer</a:t>
-            </a:r>
-            <a:r>
-              <a:rPr lang="en-US" altLang="zh-CN" dirty="0"/>
-              <a:t> keeps an in-memory journal about the execution state.  The steps taken by the </a:t>
-            </a:r>
-            <a:r>
-              <a:rPr lang="en-US" altLang="zh-CN" dirty="0" err="1"/>
-              <a:t>RegionServer</a:t>
-            </a:r>
-            <a:r>
-              <a:rPr lang="en-US" altLang="zh-CN" dirty="0"/>
-              <a:t> to execute the split are illustrated  by Figure 1. Each step is labeled with its step number. Actions from  </a:t>
-            </a:r>
-            <a:r>
-              <a:rPr lang="en-US" altLang="zh-CN" dirty="0" err="1"/>
-              <a:t>RegionServers</a:t>
-            </a:r>
-            <a:r>
-              <a:rPr lang="en-US" altLang="zh-CN" dirty="0"/>
-              <a:t> or Master are shown in red, while actions from the clients  are show in green.</a:t>
-            </a:r>
+              <a:rPr lang="zh-CN" altLang="en-US" dirty="0"/>
+              <a:t>Date Tiered Compaction我们假设有这样一种场景：新数据的产生与时间有关，而且无更新、删除场景读取时通常会指定时间范围，而且通常读取最近的数据在这种情形下，如果将老数据与新数据合并在一起，那么，指定时间范围读取时，就需要扫描一些不必要的老数据：因为合并后，数据按RowKey排序，RowKey排序未必与按照数据产生的时间排序一致，这使得新老数据交叉存放，而扫描时老数据也会被读到。这是Date Tiered Compaction的设计初衷，Date Tiered Compaction在选择文件执行合并的时候，会感知Date信息，使得Compaction时，不需要将新老数据合并在一起。这对于基于Time Range的Scan操作是非常有利的，因为与本次Scan不相关的文件可以直接忽略</a:t>
+            </a:r>
+            <a:r>
+              <a:rPr lang="zh-CN" altLang="en-US" dirty="0" smtClean="0"/>
+              <a:t>。</a:t>
+            </a:r>
+            <a:endParaRPr lang="en-US" altLang="zh-CN" dirty="0" smtClean="0"/>
+          </a:p>
+          <a:p>
+            <a:endParaRPr lang="en-US" altLang="zh-CN" dirty="0"/>
+          </a:p>
+          <a:p>
+            <a:r>
+              <a:rPr lang="en-US" altLang="zh-CN" dirty="0"/>
+              <a:t>When To Use Date Tiered Compactions</a:t>
+            </a:r>
+          </a:p>
+          <a:p>
+            <a:r>
+              <a:rPr lang="en-US" altLang="zh-CN" dirty="0"/>
+              <a:t>Consider using Date Tiered Compaction for reads for limited time ranges, especially scans of recent data</a:t>
+            </a:r>
+          </a:p>
+          <a:p>
+            <a:endParaRPr lang="en-US" altLang="zh-CN" dirty="0"/>
+          </a:p>
+          <a:p>
+            <a:r>
+              <a:rPr lang="en-US" altLang="zh-CN" dirty="0"/>
+              <a:t>Improve date-range-based scan by structuring store files in date-based tiered layout</a:t>
+            </a:r>
+          </a:p>
+          <a:p>
+            <a:endParaRPr lang="en-US" altLang="zh-CN" dirty="0"/>
+          </a:p>
+          <a:p>
+            <a:r>
+              <a:rPr lang="en-US" altLang="zh-CN" dirty="0"/>
+              <a:t>Don’t use it for</a:t>
+            </a:r>
+          </a:p>
+          <a:p>
+            <a:r>
+              <a:rPr lang="en-US" altLang="zh-CN" dirty="0"/>
+              <a:t>random gets without a limited time range</a:t>
+            </a:r>
+          </a:p>
+          <a:p>
+            <a:r>
+              <a:rPr lang="en-US" altLang="zh-CN" dirty="0"/>
+              <a:t>frequent deletes and updates</a:t>
+            </a:r>
+          </a:p>
+          <a:p>
+            <a:r>
+              <a:rPr lang="en-US" altLang="zh-CN" dirty="0"/>
+              <a:t>Frequent out of order data writes creating long tails, especially writes with future timestamps</a:t>
+            </a:r>
+          </a:p>
+          <a:p>
+            <a:r>
+              <a:rPr lang="en-US" altLang="zh-CN" dirty="0"/>
+              <a:t>frequent bulk loads with heavily overlapping time ranges</a:t>
+            </a:r>
+          </a:p>
+          <a:p>
+            <a:endParaRPr lang="en-US" altLang="zh-CN" dirty="0"/>
+          </a:p>
+          <a:p>
+            <a:r>
+              <a:rPr lang="zh-CN" altLang="en-US" dirty="0"/>
+              <a:t>根据</a:t>
+            </a:r>
+            <a:r>
+              <a:rPr lang="en-US" altLang="zh-CN" dirty="0"/>
+              <a:t>Cell</a:t>
+            </a:r>
+            <a:r>
+              <a:rPr lang="zh-CN" altLang="en-US" dirty="0"/>
+              <a:t>的时间和配置判断是否需要</a:t>
+            </a:r>
+            <a:r>
+              <a:rPr lang="en-US" altLang="zh-CN" dirty="0"/>
+              <a:t>compact</a:t>
+            </a:r>
+          </a:p>
+          <a:p>
+            <a:r>
+              <a:rPr lang="zh-CN" altLang="en-US" dirty="0"/>
+              <a:t>根据</a:t>
+            </a:r>
+            <a:r>
+              <a:rPr lang="en-US" altLang="zh-CN" dirty="0"/>
+              <a:t>Cell</a:t>
+            </a:r>
+            <a:r>
+              <a:rPr lang="zh-CN" altLang="en-US" dirty="0"/>
+              <a:t>的时间戳来生成</a:t>
+            </a:r>
+            <a:r>
+              <a:rPr lang="en-US" altLang="zh-CN" dirty="0"/>
+              <a:t>Writer</a:t>
+            </a:r>
+            <a:r>
+              <a:rPr lang="zh-CN" altLang="en-US" dirty="0"/>
+              <a:t>，从而根据时间来进行分层</a:t>
+            </a:r>
+          </a:p>
+          <a:p>
             <a:endParaRPr lang="zh-CN" altLang="en-US" dirty="0"/>
           </a:p>
         </p:txBody>
@@ -25328,7 +25784,7 @@
     </p:spTree>
     <p:extLst>
       <p:ext uri="{BB962C8B-B14F-4D97-AF65-F5344CB8AC3E}">
-        <p14:creationId xmlns:p14="http://schemas.microsoft.com/office/powerpoint/2010/main" val="1738043708"/>
+        <p14:creationId xmlns:p14="http://schemas.microsoft.com/office/powerpoint/2010/main" val="591830004"/>
       </p:ext>
     </p:extLst>
   </p:cSld>
@@ -25371,10 +25827,10 @@
           <a:lstStyle/>
           <a:p>
             <a:r>
-              <a:rPr lang="en-US" altLang="zh-CN" dirty="0" smtClean="0"/>
-              <a:t>split</a:t>
-            </a:r>
-            <a:endParaRPr lang="zh-CN" altLang="en-US" dirty="0"/>
+              <a:rPr lang="en-US" altLang="zh-CN" u="sng"/>
+              <a:t>Stripe Compactions</a:t>
+            </a:r>
+            <a:endParaRPr kumimoji="1" lang="zh-CN" altLang="en-US"/>
           </a:p>
         </p:txBody>
       </p:sp>
@@ -25387,31 +25843,299 @@
           <p:nvPr/>
         </p:nvPicPr>
         <p:blipFill>
-          <a:blip r:embed="rId2">
-            <a:extLst>
-              <a:ext uri="{28A0092B-C50C-407E-A947-70E740481C1C}">
-                <a14:useLocalDpi xmlns:a14="http://schemas.microsoft.com/office/drawing/2010/main" val="0"/>
-              </a:ext>
-            </a:extLst>
-          </a:blip>
+          <a:blip r:embed="rId2"/>
           <a:stretch>
             <a:fillRect/>
           </a:stretch>
         </p:blipFill>
         <p:spPr>
           <a:xfrm>
-            <a:off x="1778725" y="1484267"/>
-            <a:ext cx="6858000" cy="5143500"/>
+            <a:off x="6807499" y="1347219"/>
+            <a:ext cx="4992365" cy="3683000"/>
           </a:xfrm>
           <a:prstGeom prst="rect">
             <a:avLst/>
           </a:prstGeom>
         </p:spPr>
       </p:pic>
+      <p:sp>
+        <p:nvSpPr>
+          <p:cNvPr id="5" name="矩形 4"/>
+          <p:cNvSpPr/>
+          <p:nvPr/>
+        </p:nvSpPr>
+        <p:spPr>
+          <a:xfrm>
+            <a:off x="514854" y="1696761"/>
+            <a:ext cx="6109585" cy="3306033"/>
+          </a:xfrm>
+          <a:prstGeom prst="rect">
+            <a:avLst/>
+          </a:prstGeom>
+        </p:spPr>
+        <p:txBody>
+          <a:bodyPr wrap="square">
+            <a:spAutoFit/>
+          </a:bodyPr>
+          <a:lstStyle/>
+          <a:p>
+            <a:pPr>
+              <a:lnSpc>
+                <a:spcPct val="150000"/>
+              </a:lnSpc>
+            </a:pPr>
+            <a:r>
+              <a:rPr lang="zh-CN" altLang="en-US" sz="1400" dirty="0"/>
+              <a:t>随着数据写入，</a:t>
+            </a:r>
+            <a:r>
+              <a:rPr lang="en-US" altLang="zh-CN" sz="1400" dirty="0" err="1"/>
+              <a:t>memstore</a:t>
+            </a:r>
+            <a:r>
+              <a:rPr lang="zh-CN" altLang="en-US" sz="1400" dirty="0"/>
+              <a:t>执行</a:t>
+            </a:r>
+            <a:r>
+              <a:rPr lang="en-US" altLang="zh-CN" sz="1400" dirty="0"/>
+              <a:t>flush</a:t>
+            </a:r>
+            <a:r>
+              <a:rPr lang="zh-CN" altLang="en-US" sz="1400" dirty="0"/>
+              <a:t>之后形成</a:t>
+            </a:r>
+            <a:r>
+              <a:rPr lang="en-US" altLang="zh-CN" sz="1400" dirty="0" err="1"/>
+              <a:t>hfile</a:t>
+            </a:r>
+            <a:r>
+              <a:rPr lang="zh-CN" altLang="en-US" sz="1400" dirty="0"/>
+              <a:t>，这些</a:t>
+            </a:r>
+            <a:r>
+              <a:rPr lang="en-US" altLang="zh-CN" sz="1400" dirty="0" err="1"/>
+              <a:t>hfile</a:t>
+            </a:r>
+            <a:r>
+              <a:rPr lang="zh-CN" altLang="en-US" sz="1400" dirty="0"/>
+              <a:t>并不会马上写入对应的</a:t>
+            </a:r>
+            <a:r>
+              <a:rPr lang="en-US" altLang="zh-CN" sz="1400" dirty="0"/>
+              <a:t>stripe</a:t>
+            </a:r>
+            <a:r>
+              <a:rPr lang="zh-CN" altLang="en-US" sz="1400" dirty="0"/>
+              <a:t>，而是放到一个称为</a:t>
+            </a:r>
+            <a:r>
+              <a:rPr lang="en-US" altLang="zh-CN" sz="1400" dirty="0"/>
+              <a:t>L0</a:t>
+            </a:r>
+            <a:r>
+              <a:rPr lang="zh-CN" altLang="en-US" sz="1400" dirty="0"/>
+              <a:t>的地方，用户可以配置</a:t>
+            </a:r>
+            <a:r>
+              <a:rPr lang="en-US" altLang="zh-CN" sz="1400" dirty="0"/>
+              <a:t>L0</a:t>
+            </a:r>
+            <a:r>
+              <a:rPr lang="zh-CN" altLang="en-US" sz="1400" dirty="0"/>
+              <a:t>可以放置</a:t>
+            </a:r>
+            <a:r>
+              <a:rPr lang="en-US" altLang="zh-CN" sz="1400" dirty="0" err="1"/>
+              <a:t>hfile</a:t>
+            </a:r>
+            <a:r>
+              <a:rPr lang="zh-CN" altLang="en-US" sz="1400" dirty="0"/>
+              <a:t>的数量。一旦</a:t>
+            </a:r>
+            <a:r>
+              <a:rPr lang="en-US" altLang="zh-CN" sz="1400" dirty="0"/>
+              <a:t>L0</a:t>
+            </a:r>
+            <a:r>
+              <a:rPr lang="zh-CN" altLang="en-US" sz="1400" dirty="0"/>
+              <a:t>放置的文件数超过设定值，系统就会将这些</a:t>
+            </a:r>
+            <a:r>
+              <a:rPr lang="en-US" altLang="zh-CN" sz="1400" dirty="0" err="1"/>
+              <a:t>hfile</a:t>
+            </a:r>
+            <a:r>
+              <a:rPr lang="zh-CN" altLang="en-US" sz="1400" dirty="0"/>
+              <a:t>写入对应的</a:t>
+            </a:r>
+            <a:r>
+              <a:rPr lang="en-US" altLang="zh-CN" sz="1400" dirty="0"/>
+              <a:t>stripe</a:t>
+            </a:r>
+            <a:r>
+              <a:rPr lang="zh-CN" altLang="en-US" sz="1400" dirty="0"/>
+              <a:t>：首先读出</a:t>
+            </a:r>
+            <a:r>
+              <a:rPr lang="en-US" altLang="zh-CN" sz="1400" dirty="0" err="1"/>
+              <a:t>hfile</a:t>
+            </a:r>
+            <a:r>
+              <a:rPr lang="zh-CN" altLang="en-US" sz="1400" dirty="0"/>
+              <a:t>的</a:t>
+            </a:r>
+            <a:r>
+              <a:rPr lang="en-US" altLang="zh-CN" sz="1400" dirty="0"/>
+              <a:t>KVs</a:t>
+            </a:r>
+            <a:r>
+              <a:rPr lang="zh-CN" altLang="en-US" sz="1400" dirty="0"/>
+              <a:t>，再根据</a:t>
+            </a:r>
+            <a:r>
+              <a:rPr lang="en-US" altLang="zh-CN" sz="1400" dirty="0"/>
+              <a:t>KV</a:t>
+            </a:r>
+            <a:r>
+              <a:rPr lang="zh-CN" altLang="en-US" sz="1400" dirty="0"/>
+              <a:t>的</a:t>
+            </a:r>
+            <a:r>
+              <a:rPr lang="en-US" altLang="zh-CN" sz="1400" dirty="0"/>
+              <a:t>key</a:t>
+            </a:r>
+            <a:r>
+              <a:rPr lang="zh-CN" altLang="en-US" sz="1400" dirty="0"/>
+              <a:t>定位到具体的</a:t>
+            </a:r>
+            <a:r>
+              <a:rPr lang="en-US" altLang="zh-CN" sz="1400" dirty="0"/>
+              <a:t>stripe</a:t>
+            </a:r>
+            <a:r>
+              <a:rPr lang="zh-CN" altLang="en-US" sz="1400" dirty="0"/>
+              <a:t>，将该</a:t>
+            </a:r>
+            <a:r>
+              <a:rPr lang="en-US" altLang="zh-CN" sz="1400" dirty="0"/>
+              <a:t>KV</a:t>
+            </a:r>
+            <a:r>
+              <a:rPr lang="zh-CN" altLang="en-US" sz="1400" dirty="0"/>
+              <a:t>插入对应</a:t>
+            </a:r>
+            <a:r>
+              <a:rPr lang="en-US" altLang="zh-CN" sz="1400" dirty="0"/>
+              <a:t>stripe</a:t>
+            </a:r>
+            <a:r>
+              <a:rPr lang="zh-CN" altLang="en-US" sz="1400" dirty="0"/>
+              <a:t>的文件中即可，如下图所示。之前说过</a:t>
+            </a:r>
+            <a:r>
+              <a:rPr lang="en-US" altLang="zh-CN" sz="1400" dirty="0"/>
+              <a:t>stripe</a:t>
+            </a:r>
+            <a:r>
+              <a:rPr lang="zh-CN" altLang="en-US" sz="1400" dirty="0"/>
+              <a:t>就是一个个小的</a:t>
+            </a:r>
+            <a:r>
+              <a:rPr lang="en-US" altLang="zh-CN" sz="1400" dirty="0"/>
+              <a:t>region</a:t>
+            </a:r>
+            <a:r>
+              <a:rPr lang="zh-CN" altLang="en-US" sz="1400" dirty="0"/>
+              <a:t>，所以在</a:t>
+            </a:r>
+            <a:r>
+              <a:rPr lang="en-US" altLang="zh-CN" sz="1400" dirty="0"/>
+              <a:t>stripe</a:t>
+            </a:r>
+            <a:r>
+              <a:rPr lang="zh-CN" altLang="en-US" sz="1400" dirty="0"/>
+              <a:t>内部，依然会像正常</a:t>
+            </a:r>
+            <a:r>
+              <a:rPr lang="en-US" altLang="zh-CN" sz="1400" dirty="0"/>
+              <a:t>region</a:t>
+            </a:r>
+            <a:r>
+              <a:rPr lang="zh-CN" altLang="en-US" sz="1400" dirty="0"/>
+              <a:t>一样执行</a:t>
+            </a:r>
+            <a:r>
+              <a:rPr lang="en-US" altLang="zh-CN" sz="1400" dirty="0"/>
+              <a:t>minor compaction</a:t>
+            </a:r>
+            <a:r>
+              <a:rPr lang="zh-CN" altLang="en-US" sz="1400" dirty="0"/>
+              <a:t>和</a:t>
+            </a:r>
+            <a:r>
+              <a:rPr lang="en-US" altLang="zh-CN" sz="1400" dirty="0"/>
+              <a:t>major compaction</a:t>
+            </a:r>
+            <a:r>
+              <a:rPr lang="zh-CN" altLang="en-US" sz="1400" dirty="0"/>
+              <a:t>，可以预想到，</a:t>
+            </a:r>
+            <a:r>
+              <a:rPr lang="en-US" altLang="zh-CN" sz="1400" dirty="0"/>
+              <a:t>stripe</a:t>
+            </a:r>
+            <a:r>
+              <a:rPr lang="zh-CN" altLang="en-US" sz="1400" dirty="0"/>
+              <a:t>内部的</a:t>
+            </a:r>
+            <a:r>
+              <a:rPr lang="en-US" altLang="zh-CN" sz="1400" dirty="0"/>
+              <a:t>major compaction</a:t>
+            </a:r>
+            <a:r>
+              <a:rPr lang="zh-CN" altLang="en-US" sz="1400" dirty="0"/>
+              <a:t>并不会太多消耗系统资源。另外，数据读取也很简单，系统可以根据对应的</a:t>
+            </a:r>
+            <a:r>
+              <a:rPr lang="en-US" altLang="zh-CN" sz="1400" dirty="0"/>
+              <a:t>Key</a:t>
+            </a:r>
+            <a:r>
+              <a:rPr lang="zh-CN" altLang="en-US" sz="1400" dirty="0"/>
+              <a:t>查找到对应的</a:t>
+            </a:r>
+            <a:r>
+              <a:rPr lang="en-US" altLang="zh-CN" sz="1400" dirty="0"/>
+              <a:t>stripe</a:t>
+            </a:r>
+            <a:r>
+              <a:rPr lang="zh-CN" altLang="en-US" sz="1400" dirty="0"/>
+              <a:t>，然后在</a:t>
+            </a:r>
+            <a:r>
+              <a:rPr lang="en-US" altLang="zh-CN" sz="1400" dirty="0"/>
+              <a:t>stripe</a:t>
+            </a:r>
+            <a:r>
+              <a:rPr lang="zh-CN" altLang="en-US" sz="1400" dirty="0"/>
+              <a:t>内部执行查找，因为</a:t>
+            </a:r>
+            <a:r>
+              <a:rPr lang="en-US" altLang="zh-CN" sz="1400" dirty="0"/>
+              <a:t>stripe</a:t>
+            </a:r>
+            <a:r>
+              <a:rPr lang="zh-CN" altLang="en-US" sz="1400" dirty="0"/>
+              <a:t>内数据量相对很小，所以也会一定程度上提升数据查找性能。</a:t>
+            </a:r>
+            <a:endParaRPr lang="zh-CN" altLang="en-US" sz="1400" dirty="0"/>
+          </a:p>
+        </p:txBody>
+      </p:sp>
     </p:spTree>
     <p:extLst>
       <p:ext uri="{BB962C8B-B14F-4D97-AF65-F5344CB8AC3E}">
-        <p14:creationId xmlns:p14="http://schemas.microsoft.com/office/powerpoint/2010/main" val="4201092798"/>
+        <p14:creationId xmlns:p14="http://schemas.microsoft.com/office/powerpoint/2010/main" val="373503346"/>
       </p:ext>
     </p:extLst>
   </p:cSld>
@@ -25454,23 +26178,23 @@
           <a:lstStyle/>
           <a:p>
             <a:r>
-              <a:rPr lang="en-US" altLang="zh-CN" dirty="0" smtClean="0"/>
-              <a:t>split</a:t>
-            </a:r>
-            <a:endParaRPr lang="zh-CN" altLang="en-US" dirty="0"/>
+              <a:rPr lang="en-US" altLang="zh-CN" u="sng" dirty="0"/>
+              <a:t>Stripe Compactions</a:t>
+            </a:r>
+            <a:endParaRPr lang="en-US" altLang="zh-CN" u="sng" dirty="0"/>
           </a:p>
         </p:txBody>
       </p:sp>
       <p:sp>
         <p:nvSpPr>
-          <p:cNvPr id="5" name="矩形 4"/>
+          <p:cNvPr id="4" name="矩形 3"/>
           <p:cNvSpPr/>
           <p:nvPr/>
         </p:nvSpPr>
         <p:spPr>
           <a:xfrm>
-            <a:off x="1166948" y="1225804"/>
-            <a:ext cx="10080172" cy="5078313"/>
+            <a:off x="732234" y="1225688"/>
+            <a:ext cx="9473291" cy="4801315"/>
           </a:xfrm>
           <a:prstGeom prst="rect">
             <a:avLst/>
@@ -25484,111 +26208,98 @@
           <a:p>
             <a:r>
               <a:rPr lang="en-US" altLang="zh-CN" dirty="0"/>
-              <a:t>\1. </a:t>
+              <a:t>Stripe Compactions</a:t>
+            </a:r>
+          </a:p>
+          <a:p>
+            <a:r>
+              <a:rPr lang="en-US" altLang="zh-CN" dirty="0"/>
+              <a:t>Stripe compactions is an experimental feature added in </a:t>
             </a:r>
             <a:r>
               <a:rPr lang="en-US" altLang="zh-CN" dirty="0" err="1"/>
-              <a:t>RegionServer</a:t>
-            </a:r>
-            <a:r>
-              <a:rPr lang="en-US" altLang="zh-CN" dirty="0"/>
-              <a:t> decides locally to split the region, and prepares the  split. As a first step, it creates a </a:t>
+              <a:t>HBase</a:t>
+            </a:r>
+            <a:r>
+              <a:rPr lang="en-US" altLang="zh-CN" dirty="0"/>
+              <a:t> 0.98 which aims to improve compactions for large regions or non-uniformly distributed row keys. In order to achieve smaller and/or more granular compactions, the </a:t>
             </a:r>
             <a:r>
               <a:rPr lang="en-US" altLang="zh-CN" dirty="0" err="1"/>
-              <a:t>znode</a:t>
-            </a:r>
-            <a:r>
-              <a:rPr lang="en-US" altLang="zh-CN" dirty="0"/>
-              <a:t> in zookeeper under  /</a:t>
+              <a:t>StoreFiles</a:t>
+            </a:r>
+            <a:r>
+              <a:rPr lang="en-US" altLang="zh-CN" dirty="0"/>
+              <a:t> within a region are maintained separately for several row-key sub-ranges, or "stripes", of the region. The stripes are transparent to the rest of </a:t>
             </a:r>
             <a:r>
               <a:rPr lang="en-US" altLang="zh-CN" dirty="0" err="1"/>
-              <a:t>hbase</a:t>
-            </a:r>
-            <a:r>
-              <a:rPr lang="en-US" altLang="zh-CN" dirty="0"/>
-              <a:t>/region-in-transition/region-name in SPLITTING state. \2. The Master learns about this </a:t>
+              <a:t>HBase</a:t>
+            </a:r>
+            <a:r>
+              <a:rPr lang="en-US" altLang="zh-CN" dirty="0"/>
+              <a:t>, so other operations on the </a:t>
             </a:r>
             <a:r>
               <a:rPr lang="en-US" altLang="zh-CN" dirty="0" err="1"/>
-              <a:t>znode</a:t>
-            </a:r>
-            <a:r>
-              <a:rPr lang="en-US" altLang="zh-CN" dirty="0"/>
-              <a:t>, since it has a watcher for the parent region-in-transition </a:t>
+              <a:t>HFiles</a:t>
+            </a:r>
+            <a:r>
+              <a:rPr lang="en-US" altLang="zh-CN" dirty="0"/>
+              <a:t> or data work without modification.</a:t>
+            </a:r>
+          </a:p>
+          <a:p>
+            <a:r>
+              <a:rPr lang="en-US" altLang="zh-CN" dirty="0"/>
+              <a:t>Stripe compactions change the </a:t>
             </a:r>
             <a:r>
               <a:rPr lang="en-US" altLang="zh-CN" dirty="0" err="1"/>
-              <a:t>znode</a:t>
-            </a:r>
-            <a:r>
-              <a:rPr lang="en-US" altLang="zh-CN" dirty="0"/>
-              <a:t>. \3. </a:t>
-            </a:r>
-            <a:r>
-              <a:rPr lang="en-US" altLang="zh-CN" dirty="0" err="1"/>
-              <a:t>RegionServer</a:t>
-            </a:r>
-            <a:r>
-              <a:rPr lang="en-US" altLang="zh-CN" dirty="0"/>
-              <a:t> creates a sub-directory named “.splits” under the parent’s region directory in HDFS.  \4. </a:t>
-            </a:r>
-            <a:r>
-              <a:rPr lang="en-US" altLang="zh-CN" dirty="0" err="1"/>
-              <a:t>RegionServer</a:t>
-            </a:r>
-            <a:r>
-              <a:rPr lang="en-US" altLang="zh-CN" dirty="0"/>
-              <a:t> closes the parent region, forces a flush of the cache  and marks the region as offline in its local data structures. At this  point, client requests coming to the parent region will throw  </a:t>
-            </a:r>
-            <a:r>
-              <a:rPr lang="en-US" altLang="zh-CN" dirty="0" err="1"/>
-              <a:t>NotServingRegionException</a:t>
-            </a:r>
-            <a:r>
-              <a:rPr lang="en-US" altLang="zh-CN" dirty="0"/>
-              <a:t>. The client will retry with some </a:t>
-            </a:r>
-            <a:r>
-              <a:rPr lang="en-US" altLang="zh-CN" dirty="0" err="1"/>
-              <a:t>backoff</a:t>
-            </a:r>
-            <a:r>
-              <a:rPr lang="en-US" altLang="zh-CN" dirty="0"/>
-              <a:t>.  \5. </a:t>
-            </a:r>
-            <a:r>
-              <a:rPr lang="en-US" altLang="zh-CN" dirty="0" err="1"/>
-              <a:t>RegionServer</a:t>
-            </a:r>
-            <a:r>
-              <a:rPr lang="en-US" altLang="zh-CN" dirty="0"/>
-              <a:t> create the region directories under .splits directory,  for daughter regions A and B, and creates necessary data structures.  Then it splits the store files, in the sense that it creates two Reference files per store file in the parent region. Those reference files will point to the parent regions files. \6. </a:t>
-            </a:r>
-            <a:r>
-              <a:rPr lang="en-US" altLang="zh-CN" dirty="0" err="1"/>
-              <a:t>RegionServer</a:t>
-            </a:r>
-            <a:r>
-              <a:rPr lang="en-US" altLang="zh-CN" dirty="0"/>
-              <a:t> creates the actual region directory in HDFS, and moves the reference files for each daughter.  \7. </a:t>
-            </a:r>
-            <a:r>
-              <a:rPr lang="en-US" altLang="zh-CN" dirty="0" err="1"/>
-              <a:t>RegionServer</a:t>
-            </a:r>
-            <a:r>
-              <a:rPr lang="en-US" altLang="zh-CN" dirty="0"/>
-              <a:t> sends a Put request to the .META. table, and sets the  parent as offline in the .META. table and adds information about  daughter regions. At this point, there won’t be individual entries in  .META. for the daughters. Clients will see the parent region is split if  they scan .META., but won’t know about the daughters until they appear  in .META.. Also, if this Put to .META. succeeds, the parent will be  effectively split. If the </a:t>
-            </a:r>
-            <a:r>
-              <a:rPr lang="en-US" altLang="zh-CN" dirty="0" err="1"/>
-              <a:t>RegionServer</a:t>
-            </a:r>
-            <a:r>
-              <a:rPr lang="en-US" altLang="zh-CN" dirty="0"/>
-              <a:t> fails before this RPC succeeds,  Master and the next region server opening the region will clean dirty  state about the region split. After the .META. update, though, the  region split will be rolled-forward by Master. </a:t>
+              <a:t>HFile</a:t>
+            </a:r>
+            <a:r>
+              <a:rPr lang="en-US" altLang="zh-CN" dirty="0"/>
+              <a:t> layout, creating sub-regions within regions. These sub-regions are easier to compact, and should result in fewer major compactions. This approach alleviates some of the challenges of larger regions.</a:t>
+            </a:r>
+          </a:p>
+          <a:p>
+            <a:endParaRPr lang="en-US" altLang="zh-CN" u="sng" dirty="0" smtClean="0"/>
+          </a:p>
+          <a:p>
+            <a:r>
+              <a:rPr lang="en-US" altLang="zh-CN" u="sng" dirty="0" smtClean="0"/>
+              <a:t>When </a:t>
+            </a:r>
+            <a:r>
+              <a:rPr lang="en-US" altLang="zh-CN" u="sng" dirty="0"/>
+              <a:t>To Use Stripe Compactions</a:t>
+            </a:r>
+          </a:p>
+          <a:p>
+            <a:r>
+              <a:rPr lang="en-US" altLang="zh-CN" u="sng" dirty="0"/>
+              <a:t>Consider using stripe compaction if you have either of the following:</a:t>
+            </a:r>
+          </a:p>
+          <a:p>
+            <a:r>
+              <a:rPr lang="en-US" altLang="zh-CN" u="sng" dirty="0"/>
+              <a:t>Large regions. You can get the positive effects of smaller regions without additional overhead for </a:t>
+            </a:r>
+            <a:r>
+              <a:rPr lang="en-US" altLang="zh-CN" u="sng" dirty="0" err="1"/>
+              <a:t>MemStore</a:t>
+            </a:r>
+            <a:r>
+              <a:rPr lang="en-US" altLang="zh-CN" u="sng" dirty="0"/>
+              <a:t> and region management overhead.</a:t>
+            </a:r>
+          </a:p>
+          <a:p>
+            <a:r>
+              <a:rPr lang="en-US" altLang="zh-CN" u="sng" dirty="0"/>
+              <a:t>Non-uniform keys, such as time dimension in a key. Only the stripes receiving the new keys will need to compact. Old data will not compact as often, if at all</a:t>
             </a:r>
             <a:endParaRPr lang="zh-CN" altLang="en-US" dirty="0"/>
           </a:p>
@@ -25597,7 +26308,7 @@
     </p:spTree>
     <p:extLst>
       <p:ext uri="{BB962C8B-B14F-4D97-AF65-F5344CB8AC3E}">
-        <p14:creationId xmlns:p14="http://schemas.microsoft.com/office/powerpoint/2010/main" val="2628794886"/>
+        <p14:creationId xmlns:p14="http://schemas.microsoft.com/office/powerpoint/2010/main" val="3893444984"/>
       </p:ext>
     </p:extLst>
   </p:cSld>
@@ -25636,10 +26347,24 @@
         </p:nvSpPr>
         <p:spPr/>
         <p:txBody>
-          <a:bodyPr/>
+          <a:bodyPr>
+            <a:normAutofit/>
+          </a:bodyPr>
           <a:lstStyle/>
           <a:p>
-            <a:endParaRPr lang="zh-CN" altLang="en-US"/>
+            <a:r>
+              <a:rPr lang="zh-CN" altLang="en-US" b="1" dirty="0"/>
+              <a:t>执行</a:t>
+            </a:r>
+            <a:r>
+              <a:rPr lang="en-US" altLang="zh-CN" b="1" dirty="0" err="1"/>
+              <a:t>HFile</a:t>
+            </a:r>
+            <a:r>
+              <a:rPr lang="zh-CN" altLang="en-US" b="1" dirty="0" smtClean="0"/>
+              <a:t>文件合并</a:t>
+            </a:r>
+            <a:endParaRPr kumimoji="1" lang="zh-CN" altLang="en-US" dirty="0"/>
           </a:p>
         </p:txBody>
       </p:sp>
@@ -25651,8 +26376,8 @@
         </p:nvSpPr>
         <p:spPr>
           <a:xfrm>
-            <a:off x="748936" y="1502688"/>
-            <a:ext cx="8826137" cy="3693319"/>
+            <a:off x="789442" y="1489085"/>
+            <a:ext cx="8308794" cy="4247317"/>
           </a:xfrm>
           <a:prstGeom prst="rect">
             <a:avLst/>
@@ -25665,56 +26390,324 @@
           <a:lstStyle/>
           <a:p>
             <a:r>
-              <a:rPr lang="en-US" altLang="zh-CN" dirty="0"/>
-              <a:t>\8. </a:t>
+              <a:rPr lang="zh-CN" altLang="en-US" dirty="0" smtClean="0"/>
+              <a:t>合并流程说起来也简单</a:t>
+            </a:r>
+            <a:r>
+              <a:rPr lang="zh-CN" altLang="en-US" dirty="0"/>
+              <a:t>，主要分为如下几步：</a:t>
+            </a:r>
+          </a:p>
+          <a:p>
+            <a:r>
+              <a:rPr lang="en-US" altLang="zh-CN" dirty="0"/>
+              <a:t>1. </a:t>
+            </a:r>
+            <a:r>
+              <a:rPr lang="zh-CN" altLang="en-US" dirty="0"/>
+              <a:t>分别读出待合并</a:t>
             </a:r>
             <a:r>
               <a:rPr lang="en-US" altLang="zh-CN" dirty="0" err="1"/>
-              <a:t>RegionServer</a:t>
-            </a:r>
-            <a:r>
-              <a:rPr lang="en-US" altLang="zh-CN" dirty="0"/>
-              <a:t> opens daughters in parallel to accept writes.  \9. </a:t>
+              <a:t>hfile</a:t>
+            </a:r>
+            <a:r>
+              <a:rPr lang="zh-CN" altLang="en-US" dirty="0"/>
+              <a:t>文件的</a:t>
+            </a:r>
+            <a:r>
+              <a:rPr lang="en-US" altLang="zh-CN" dirty="0"/>
+              <a:t>KV</a:t>
+            </a:r>
+            <a:r>
+              <a:rPr lang="zh-CN" altLang="en-US" dirty="0"/>
+              <a:t>，并顺序写到位于</a:t>
+            </a:r>
+            <a:r>
+              <a:rPr lang="en-US" altLang="zh-CN" dirty="0"/>
+              <a:t>./</a:t>
             </a:r>
             <a:r>
               <a:rPr lang="en-US" altLang="zh-CN" dirty="0" err="1"/>
-              <a:t>RegionServer</a:t>
-            </a:r>
-            <a:r>
-              <a:rPr lang="en-US" altLang="zh-CN" dirty="0"/>
-              <a:t> adds the daughters A and B to .META. together with  information that it hosts the regions. After this point, clients can  discover the new regions, and issue requests to the new region. Clients  cache the .META. entries locally, but when they make requests to the  region server or .META., their caches will be invalidated, and they will  learn about the new regions from .META.. \10. </a:t>
-            </a:r>
-            <a:r>
-              <a:rPr lang="en-US" altLang="zh-CN" dirty="0" err="1"/>
-              <a:t>RegionServer</a:t>
-            </a:r>
-            <a:r>
-              <a:rPr lang="en-US" altLang="zh-CN" dirty="0"/>
-              <a:t> updates  </a:t>
-            </a:r>
-            <a:r>
-              <a:rPr lang="en-US" altLang="zh-CN" dirty="0" err="1"/>
-              <a:t>znode</a:t>
-            </a:r>
-            <a:r>
-              <a:rPr lang="en-US" altLang="zh-CN" dirty="0"/>
-              <a:t> /</a:t>
-            </a:r>
-            <a:r>
-              <a:rPr lang="en-US" altLang="zh-CN" dirty="0" err="1"/>
-              <a:t>hbase</a:t>
-            </a:r>
-            <a:r>
-              <a:rPr lang="en-US" altLang="zh-CN" dirty="0"/>
-              <a:t>/region-in-transition/region-name in zookeeper to state  SPLIT, so that the master can learn about it. The balancer can freely  re-assign the daughter regions to other region servers if it chooses so.  \11. After the split, meta and HDFS will still contain references to the  parent region. Those references will be removed when compactions in  daughter regions rewrite the data files. Garbage collection tasks in the  master periodically checks whether the daughter regions still refer to  parents files.  If not, the parent region will be removed.</a:t>
-            </a:r>
+              <a:t>tmp</a:t>
+            </a:r>
+            <a:r>
+              <a:rPr lang="zh-CN" altLang="en-US" dirty="0"/>
+              <a:t>目录下的临时文件中</a:t>
+            </a:r>
+          </a:p>
+          <a:p>
+            <a:r>
+              <a:rPr lang="en-US" altLang="zh-CN" dirty="0"/>
+              <a:t>2. </a:t>
+            </a:r>
+            <a:r>
+              <a:rPr lang="zh-CN" altLang="en-US" dirty="0"/>
+              <a:t>将临时文件移动到对应</a:t>
+            </a:r>
+            <a:r>
+              <a:rPr lang="en-US" altLang="zh-CN" dirty="0"/>
+              <a:t>region</a:t>
+            </a:r>
+            <a:r>
+              <a:rPr lang="zh-CN" altLang="en-US" dirty="0"/>
+              <a:t>的数据目录</a:t>
+            </a:r>
+          </a:p>
+          <a:p>
+            <a:r>
+              <a:rPr lang="en-US" altLang="zh-CN" dirty="0"/>
+              <a:t>3. </a:t>
+            </a:r>
+            <a:r>
+              <a:rPr lang="zh-CN" altLang="en-US" dirty="0"/>
+              <a:t>将</a:t>
+            </a:r>
+            <a:r>
+              <a:rPr lang="en-US" altLang="zh-CN" dirty="0"/>
+              <a:t>compaction</a:t>
+            </a:r>
+            <a:r>
+              <a:rPr lang="zh-CN" altLang="en-US" dirty="0"/>
+              <a:t>的输入文件路径和输出文件路径封装为</a:t>
+            </a:r>
+            <a:r>
+              <a:rPr lang="en-US" altLang="zh-CN" dirty="0"/>
+              <a:t>KV</a:t>
+            </a:r>
+            <a:r>
+              <a:rPr lang="zh-CN" altLang="en-US" dirty="0"/>
+              <a:t>写入</a:t>
+            </a:r>
+            <a:r>
+              <a:rPr lang="en-US" altLang="zh-CN" dirty="0"/>
+              <a:t>WAL</a:t>
+            </a:r>
+            <a:r>
+              <a:rPr lang="zh-CN" altLang="en-US" dirty="0"/>
+              <a:t>日志，并打上</a:t>
+            </a:r>
+            <a:r>
+              <a:rPr lang="en-US" altLang="zh-CN" dirty="0"/>
+              <a:t>compaction</a:t>
+            </a:r>
+            <a:r>
+              <a:rPr lang="zh-CN" altLang="en-US" dirty="0"/>
+              <a:t>标记，最后强制执行</a:t>
+            </a:r>
+            <a:r>
+              <a:rPr lang="en-US" altLang="zh-CN" dirty="0"/>
+              <a:t>sync</a:t>
+            </a:r>
+          </a:p>
+          <a:p>
+            <a:r>
+              <a:rPr lang="en-US" altLang="zh-CN" dirty="0"/>
+              <a:t>4. </a:t>
+            </a:r>
+            <a:r>
+              <a:rPr lang="zh-CN" altLang="en-US" dirty="0"/>
+              <a:t>将对应</a:t>
+            </a:r>
+            <a:r>
+              <a:rPr lang="en-US" altLang="zh-CN" dirty="0"/>
+              <a:t>region</a:t>
+            </a:r>
+            <a:r>
+              <a:rPr lang="zh-CN" altLang="en-US" dirty="0"/>
+              <a:t>数据目录下的</a:t>
+            </a:r>
+            <a:r>
+              <a:rPr lang="en-US" altLang="zh-CN" dirty="0"/>
+              <a:t>compaction</a:t>
+            </a:r>
+            <a:r>
+              <a:rPr lang="zh-CN" altLang="en-US" dirty="0"/>
+              <a:t>输入文件全部删除</a:t>
+            </a:r>
+          </a:p>
+          <a:p>
+            <a:endParaRPr lang="zh-CN" altLang="en-US" dirty="0"/>
+          </a:p>
+          <a:p>
+            <a:r>
+              <a:rPr lang="zh-CN" altLang="en-US" dirty="0"/>
+              <a:t>上述四个步骤看起来简单，但实际是很严谨的，具有很强的容错性和完美的幂等性：</a:t>
+            </a:r>
+          </a:p>
+          <a:p>
+            <a:r>
+              <a:rPr lang="en-US" altLang="zh-CN" dirty="0"/>
+              <a:t>1. </a:t>
+            </a:r>
+            <a:r>
+              <a:rPr lang="zh-CN" altLang="en-US" dirty="0"/>
+              <a:t>如果</a:t>
+            </a:r>
+            <a:r>
+              <a:rPr lang="en-US" altLang="zh-CN" dirty="0"/>
+              <a:t>RS</a:t>
+            </a:r>
+            <a:r>
+              <a:rPr lang="zh-CN" altLang="en-US" dirty="0"/>
+              <a:t>在步骤</a:t>
+            </a:r>
+            <a:r>
+              <a:rPr lang="en-US" altLang="zh-CN" dirty="0"/>
+              <a:t>2</a:t>
+            </a:r>
+            <a:r>
+              <a:rPr lang="zh-CN" altLang="en-US" dirty="0"/>
+              <a:t>之前发生异常，本次</a:t>
+            </a:r>
+            <a:r>
+              <a:rPr lang="en-US" altLang="zh-CN" dirty="0"/>
+              <a:t>compaction</a:t>
+            </a:r>
+            <a:r>
+              <a:rPr lang="zh-CN" altLang="en-US" dirty="0"/>
+              <a:t>会被认为失败，如果继续进行同样的</a:t>
+            </a:r>
+            <a:r>
+              <a:rPr lang="en-US" altLang="zh-CN" dirty="0"/>
+              <a:t>compaction</a:t>
+            </a:r>
+            <a:r>
+              <a:rPr lang="zh-CN" altLang="en-US" dirty="0"/>
+              <a:t>，上次异常对接下来的</a:t>
+            </a:r>
+            <a:r>
+              <a:rPr lang="en-US" altLang="zh-CN" dirty="0"/>
+              <a:t>compaction</a:t>
+            </a:r>
+            <a:r>
+              <a:rPr lang="zh-CN" altLang="en-US" dirty="0"/>
+              <a:t>不会有任何影响，也不会对读写有任何影响。唯一的影响就是多了一份多余的数据。</a:t>
+            </a:r>
+          </a:p>
+          <a:p>
+            <a:r>
+              <a:rPr lang="en-US" altLang="zh-CN" dirty="0"/>
+              <a:t>2. </a:t>
+            </a:r>
+            <a:r>
+              <a:rPr lang="zh-CN" altLang="en-US" dirty="0"/>
+              <a:t>如果</a:t>
+            </a:r>
+            <a:r>
+              <a:rPr lang="en-US" altLang="zh-CN" dirty="0"/>
+              <a:t>RS</a:t>
+            </a:r>
+            <a:r>
+              <a:rPr lang="zh-CN" altLang="en-US" dirty="0"/>
+              <a:t>在步骤</a:t>
+            </a:r>
+            <a:r>
+              <a:rPr lang="en-US" altLang="zh-CN" dirty="0"/>
+              <a:t>2</a:t>
+            </a:r>
+            <a:r>
+              <a:rPr lang="zh-CN" altLang="en-US" dirty="0"/>
+              <a:t>之后、步骤</a:t>
+            </a:r>
+            <a:r>
+              <a:rPr lang="en-US" altLang="zh-CN" dirty="0"/>
+              <a:t>3</a:t>
+            </a:r>
+            <a:r>
+              <a:rPr lang="zh-CN" altLang="en-US" dirty="0"/>
+              <a:t>之前发生异常，同样的，仅仅会多一份冗余数据。</a:t>
+            </a:r>
+          </a:p>
+          <a:p>
+            <a:r>
+              <a:rPr lang="en-US" altLang="zh-CN" dirty="0"/>
+              <a:t>3. </a:t>
+            </a:r>
+            <a:r>
+              <a:rPr lang="zh-CN" altLang="en-US" dirty="0"/>
+              <a:t>如果在步骤</a:t>
+            </a:r>
+            <a:r>
+              <a:rPr lang="en-US" altLang="zh-CN" dirty="0"/>
+              <a:t>3</a:t>
+            </a:r>
+            <a:r>
+              <a:rPr lang="zh-CN" altLang="en-US" dirty="0"/>
+              <a:t>之后、步骤</a:t>
+            </a:r>
+            <a:r>
+              <a:rPr lang="en-US" altLang="zh-CN" dirty="0"/>
+              <a:t>4</a:t>
+            </a:r>
+            <a:r>
+              <a:rPr lang="zh-CN" altLang="en-US" dirty="0"/>
+              <a:t>之前发生异常，</a:t>
+            </a:r>
+            <a:r>
+              <a:rPr lang="en-US" altLang="zh-CN" dirty="0"/>
+              <a:t>RS</a:t>
+            </a:r>
+            <a:r>
+              <a:rPr lang="zh-CN" altLang="en-US" dirty="0"/>
+              <a:t>在重新打开</a:t>
+            </a:r>
+            <a:r>
+              <a:rPr lang="en-US" altLang="zh-CN" dirty="0"/>
+              <a:t>region</a:t>
+            </a:r>
+            <a:r>
+              <a:rPr lang="zh-CN" altLang="en-US" dirty="0"/>
+              <a:t>之后首先会从</a:t>
+            </a:r>
+            <a:r>
+              <a:rPr lang="en-US" altLang="zh-CN" dirty="0"/>
+              <a:t>WAL</a:t>
+            </a:r>
+            <a:r>
+              <a:rPr lang="zh-CN" altLang="en-US" dirty="0"/>
+              <a:t>中看到标有</a:t>
+            </a:r>
+            <a:r>
+              <a:rPr lang="en-US" altLang="zh-CN" dirty="0"/>
+              <a:t>compaction</a:t>
+            </a:r>
+            <a:r>
+              <a:rPr lang="zh-CN" altLang="en-US" dirty="0"/>
+              <a:t>的日志，因为此时输入文件和输出文件已经持久化到</a:t>
+            </a:r>
+            <a:r>
+              <a:rPr lang="en-US" altLang="zh-CN" dirty="0"/>
+              <a:t>HDFS</a:t>
+            </a:r>
+            <a:r>
+              <a:rPr lang="zh-CN" altLang="en-US" dirty="0"/>
+              <a:t>，因此只需要根据</a:t>
+            </a:r>
+            <a:r>
+              <a:rPr lang="en-US" altLang="zh-CN" dirty="0"/>
+              <a:t>WAL</a:t>
+            </a:r>
+            <a:r>
+              <a:rPr lang="zh-CN" altLang="en-US" dirty="0"/>
+              <a:t>移除掉</a:t>
+            </a:r>
+            <a:r>
+              <a:rPr lang="en-US" altLang="zh-CN" dirty="0"/>
+              <a:t>compaction</a:t>
+            </a:r>
+            <a:r>
+              <a:rPr lang="zh-CN" altLang="en-US" dirty="0"/>
+              <a:t>输入文件即可</a:t>
+            </a:r>
+            <a:endParaRPr lang="zh-CN" altLang="en-US" dirty="0"/>
           </a:p>
         </p:txBody>
       </p:sp>
     </p:spTree>
     <p:extLst>
       <p:ext uri="{BB962C8B-B14F-4D97-AF65-F5344CB8AC3E}">
-        <p14:creationId xmlns:p14="http://schemas.microsoft.com/office/powerpoint/2010/main" val="3661374470"/>
+        <p14:creationId xmlns:p14="http://schemas.microsoft.com/office/powerpoint/2010/main" val="4137635973"/>
       </p:ext>
     </p:extLst>
   </p:cSld>
@@ -25753,14 +26746,20 @@
         </p:nvSpPr>
         <p:spPr/>
         <p:txBody>
-          <a:bodyPr/>
+          <a:bodyPr>
+            <a:normAutofit/>
+          </a:bodyPr>
           <a:lstStyle/>
           <a:p>
             <a:r>
+              <a:rPr lang="en-US" altLang="zh-CN" dirty="0"/>
+              <a:t>MOB Compaction </a:t>
+            </a:r>
+            <a:r>
               <a:rPr lang="en-US" altLang="zh-CN" dirty="0" smtClean="0"/>
-              <a:t>snapshot</a:t>
-            </a:r>
-            <a:endParaRPr lang="zh-CN" altLang="en-US" dirty="0"/>
+              <a:t>Policy</a:t>
+            </a:r>
+            <a:endParaRPr kumimoji="1" lang="zh-CN" altLang="en-US" dirty="0"/>
           </a:p>
         </p:txBody>
       </p:sp>
@@ -25772,90 +26771,51 @@
         </p:nvSpPr>
         <p:spPr>
           <a:xfrm>
-            <a:off x="911765" y="1550858"/>
-            <a:ext cx="9590771" cy="3139321"/>
+            <a:off x="736883" y="1598569"/>
+            <a:ext cx="6096000" cy="2585323"/>
           </a:xfrm>
           <a:prstGeom prst="rect">
             <a:avLst/>
           </a:prstGeom>
         </p:spPr>
         <p:txBody>
-          <a:bodyPr wrap="square">
+          <a:bodyPr>
             <a:spAutoFit/>
           </a:bodyPr>
           <a:lstStyle/>
           <a:p>
             <a:r>
+              <a:rPr lang="en-US" altLang="zh-CN" dirty="0"/>
+              <a:t>MOB Compaction Policy</a:t>
+            </a:r>
+          </a:p>
+          <a:p>
+            <a:r>
+              <a:rPr lang="en-US" altLang="zh-CN" dirty="0"/>
+              <a:t>By default, MOB files for one specific day are compacted into one large MOB file. To reduce MOB file count more, there are other MOB Compaction policies supported.</a:t>
+            </a:r>
+          </a:p>
+          <a:p>
+            <a:r>
+              <a:rPr lang="en-US" altLang="zh-CN" dirty="0"/>
+              <a:t>daily policy - compact MOB Files for one day into one large MOB file (default policy) weekly policy - compact MOB Files for one week into one large MOB file </a:t>
+            </a:r>
+            <a:r>
               <a:rPr lang="en-US" altLang="zh-CN" dirty="0" err="1"/>
-              <a:t>napshot</a:t>
-            </a:r>
-            <a:r>
-              <a:rPr lang="zh-CN" altLang="en-US" dirty="0"/>
-              <a:t>是很多存储系统和数据库系统都支持的功能。一个</a:t>
-            </a:r>
-            <a:r>
-              <a:rPr lang="en-US" altLang="zh-CN" dirty="0"/>
-              <a:t>snapshot</a:t>
-            </a:r>
-            <a:r>
-              <a:rPr lang="zh-CN" altLang="en-US" dirty="0"/>
-              <a:t>是一个全部文件系统、或者某个目录在某一时刻的镜像。实现数据文件镜像最简单粗暴的方式是加锁拷贝（之所以需要加锁，是因为镜像得到的数据必须是某一时刻完全一致的数据），拷贝的这段时间不允许对原数据进行任何形式的更新删除，仅提供只读操作，拷贝完成之后再释放锁。这种方式涉及数据的实际拷贝，数据量大的情况下必然会花费大量时间，长时间的加锁拷贝必然导致客户端长时间不能更新删除，这是生产线上不能容忍的。</a:t>
-            </a:r>
-            <a:r>
-              <a:rPr lang="en-US" altLang="zh-CN" dirty="0"/>
-              <a:t>snapshot</a:t>
-            </a:r>
-            <a:r>
-              <a:rPr lang="zh-CN" altLang="en-US" dirty="0"/>
-              <a:t>机制并不会拷贝数据，可以理解为它是原数据的一份指针。在</a:t>
-            </a:r>
-            <a:r>
-              <a:rPr lang="en-US" altLang="zh-CN" dirty="0" err="1"/>
-              <a:t>HBase</a:t>
-            </a:r>
-            <a:r>
-              <a:rPr lang="zh-CN" altLang="en-US" dirty="0"/>
-              <a:t>这种</a:t>
-            </a:r>
-            <a:r>
-              <a:rPr lang="en-US" altLang="zh-CN" dirty="0"/>
-              <a:t>LSM</a:t>
-            </a:r>
-            <a:r>
-              <a:rPr lang="zh-CN" altLang="en-US" dirty="0"/>
-              <a:t>类型系统结构下是比较容易理解的，我们知道</a:t>
-            </a:r>
-            <a:r>
-              <a:rPr lang="en-US" altLang="zh-CN" dirty="0" err="1"/>
-              <a:t>HBase</a:t>
-            </a:r>
-            <a:r>
-              <a:rPr lang="zh-CN" altLang="en-US" dirty="0"/>
-              <a:t>数据文件一旦落到磁盘之后就不再允许更新删除等原地修改操作，如果想更新删除的话可以追加写入新文件（</a:t>
-            </a:r>
-            <a:r>
-              <a:rPr lang="en-US" altLang="zh-CN" dirty="0" err="1"/>
-              <a:t>HBase</a:t>
-            </a:r>
-            <a:r>
-              <a:rPr lang="zh-CN" altLang="en-US" dirty="0"/>
-              <a:t>中根本没有更新接口，删除命令也是追加写入）。这种机制下实现某个表的</a:t>
-            </a:r>
-            <a:r>
-              <a:rPr lang="en-US" altLang="zh-CN" dirty="0"/>
-              <a:t>snapshot</a:t>
-            </a:r>
-            <a:r>
-              <a:rPr lang="zh-CN" altLang="en-US" dirty="0"/>
-              <a:t>只需要给当前表的所有文件分别新建一个引用（指针），其他新写入的数据重新创建一个新文件写入即可。如下图所示：</a:t>
-            </a:r>
+              <a:t>montly</a:t>
+            </a:r>
+            <a:r>
+              <a:rPr lang="en-US" altLang="zh-CN" dirty="0"/>
+              <a:t> policy - compact MOB Files for one month into one large MOB File</a:t>
+            </a:r>
+            <a:endParaRPr lang="zh-CN" altLang="en-US" dirty="0"/>
           </a:p>
         </p:txBody>
       </p:sp>
     </p:spTree>
     <p:extLst>
       <p:ext uri="{BB962C8B-B14F-4D97-AF65-F5344CB8AC3E}">
-        <p14:creationId xmlns:p14="http://schemas.microsoft.com/office/powerpoint/2010/main" val="506803398"/>
+        <p14:creationId xmlns:p14="http://schemas.microsoft.com/office/powerpoint/2010/main" val="2649239484"/>
       </p:ext>
     </p:extLst>
   </p:cSld>
@@ -26174,6 +27134,1295 @@
           <a:bodyPr/>
           <a:lstStyle/>
           <a:p>
+            <a:r>
+              <a:rPr lang="en-US" altLang="zh-CN" dirty="0" smtClean="0"/>
+              <a:t>split</a:t>
+            </a:r>
+            <a:endParaRPr lang="zh-CN" altLang="en-US" dirty="0"/>
+          </a:p>
+        </p:txBody>
+      </p:sp>
+      <p:sp>
+        <p:nvSpPr>
+          <p:cNvPr id="4" name="矩形 3"/>
+          <p:cNvSpPr/>
+          <p:nvPr/>
+        </p:nvSpPr>
+        <p:spPr>
+          <a:xfrm>
+            <a:off x="769615" y="1585351"/>
+            <a:ext cx="1430392" cy="369332"/>
+          </a:xfrm>
+          <a:prstGeom prst="rect">
+            <a:avLst/>
+          </a:prstGeom>
+        </p:spPr>
+        <p:txBody>
+          <a:bodyPr wrap="none">
+            <a:spAutoFit/>
+          </a:bodyPr>
+          <a:lstStyle/>
+          <a:p>
+            <a:r>
+              <a:rPr lang="en-US" altLang="zh-CN" dirty="0"/>
+              <a:t>Pre-splitting</a:t>
+            </a:r>
+            <a:endParaRPr lang="zh-CN" altLang="en-US" dirty="0"/>
+          </a:p>
+        </p:txBody>
+      </p:sp>
+      <p:sp>
+        <p:nvSpPr>
+          <p:cNvPr id="5" name="矩形 4"/>
+          <p:cNvSpPr/>
+          <p:nvPr/>
+        </p:nvSpPr>
+        <p:spPr>
+          <a:xfrm>
+            <a:off x="769615" y="2267232"/>
+            <a:ext cx="4552144" cy="369332"/>
+          </a:xfrm>
+          <a:prstGeom prst="rect">
+            <a:avLst/>
+          </a:prstGeom>
+        </p:spPr>
+        <p:txBody>
+          <a:bodyPr wrap="none">
+            <a:spAutoFit/>
+          </a:bodyPr>
+          <a:lstStyle/>
+          <a:p>
+            <a:r>
+              <a:rPr lang="zh-CN" altLang="en-US" dirty="0"/>
+              <a:t>create 'test_table', 'f1', SPLITS=&gt; ['a', 'b', 'c']</a:t>
+            </a:r>
+          </a:p>
+        </p:txBody>
+      </p:sp>
+    </p:spTree>
+    <p:extLst>
+      <p:ext uri="{BB962C8B-B14F-4D97-AF65-F5344CB8AC3E}">
+        <p14:creationId xmlns:p14="http://schemas.microsoft.com/office/powerpoint/2010/main" val="647299925"/>
+      </p:ext>
+    </p:extLst>
+  </p:cSld>
+  <p:clrMapOvr>
+    <a:masterClrMapping/>
+  </p:clrMapOvr>
+</p:sld>
+</file>
+
+<file path=ppt/slides/slide51.xml><?xml version="1.0" encoding="utf-8"?>
+<p:sld xmlns:a="http://schemas.openxmlformats.org/drawingml/2006/main" xmlns:r="http://schemas.openxmlformats.org/officeDocument/2006/relationships" xmlns:p="http://schemas.openxmlformats.org/presentationml/2006/main">
+  <p:cSld>
+    <p:spTree>
+      <p:nvGrpSpPr>
+        <p:cNvPr id="1" name=""/>
+        <p:cNvGrpSpPr/>
+        <p:nvPr/>
+      </p:nvGrpSpPr>
+      <p:grpSpPr>
+        <a:xfrm>
+          <a:off x="0" y="0"/>
+          <a:ext cx="0" cy="0"/>
+          <a:chOff x="0" y="0"/>
+          <a:chExt cx="0" cy="0"/>
+        </a:xfrm>
+      </p:grpSpPr>
+      <p:sp>
+        <p:nvSpPr>
+          <p:cNvPr id="2" name="标题 1"/>
+          <p:cNvSpPr>
+            <a:spLocks noGrp="1"/>
+          </p:cNvSpPr>
+          <p:nvPr>
+            <p:ph type="title"/>
+          </p:nvPr>
+        </p:nvSpPr>
+        <p:spPr/>
+        <p:txBody>
+          <a:bodyPr/>
+          <a:lstStyle/>
+          <a:p>
+            <a:r>
+              <a:rPr lang="en-US" altLang="zh-CN" dirty="0" smtClean="0"/>
+              <a:t>split</a:t>
+            </a:r>
+            <a:endParaRPr lang="zh-CN" altLang="en-US" dirty="0"/>
+          </a:p>
+        </p:txBody>
+      </p:sp>
+      <p:sp>
+        <p:nvSpPr>
+          <p:cNvPr id="4" name="矩形 3"/>
+          <p:cNvSpPr/>
+          <p:nvPr/>
+        </p:nvSpPr>
+        <p:spPr>
+          <a:xfrm>
+            <a:off x="748936" y="1299486"/>
+            <a:ext cx="10406744" cy="5355312"/>
+          </a:xfrm>
+          <a:prstGeom prst="rect">
+            <a:avLst/>
+          </a:prstGeom>
+        </p:spPr>
+        <p:txBody>
+          <a:bodyPr wrap="square">
+            <a:spAutoFit/>
+          </a:bodyPr>
+          <a:lstStyle/>
+          <a:p>
+            <a:r>
+              <a:rPr lang="en-US" altLang="zh-CN" dirty="0"/>
+              <a:t>How Region Splits are </a:t>
+            </a:r>
+            <a:r>
+              <a:rPr lang="en-US" altLang="zh-CN" dirty="0" err="1"/>
+              <a:t>implementedAs</a:t>
+            </a:r>
+            <a:r>
+              <a:rPr lang="en-US" altLang="zh-CN" dirty="0"/>
+              <a:t> write requests are handled by the region server, they accumulate  in an in-memory storage system called the “</a:t>
+            </a:r>
+            <a:r>
+              <a:rPr lang="en-US" altLang="zh-CN" dirty="0" err="1"/>
+              <a:t>memstore</a:t>
+            </a:r>
+            <a:r>
+              <a:rPr lang="en-US" altLang="zh-CN" dirty="0"/>
+              <a:t>”. Once the </a:t>
+            </a:r>
+            <a:r>
+              <a:rPr lang="en-US" altLang="zh-CN" dirty="0" err="1"/>
+              <a:t>memstore</a:t>
+            </a:r>
+            <a:r>
+              <a:rPr lang="en-US" altLang="zh-CN" dirty="0"/>
+              <a:t>  fills, its content are written to disk as additional store files. This  event is called a “</a:t>
+            </a:r>
+            <a:r>
+              <a:rPr lang="en-US" altLang="zh-CN" dirty="0" err="1"/>
+              <a:t>memstore</a:t>
+            </a:r>
+            <a:r>
+              <a:rPr lang="en-US" altLang="zh-CN" dirty="0"/>
+              <a:t> flush”. As store files accumulate, the  </a:t>
+            </a:r>
+            <a:r>
+              <a:rPr lang="en-US" altLang="zh-CN" dirty="0" err="1"/>
+              <a:t>RegionServer</a:t>
+            </a:r>
+            <a:r>
+              <a:rPr lang="en-US" altLang="zh-CN" dirty="0"/>
+              <a:t> will “compact” them into combined, larger files. After each  flush or compaction finishes, a region split request is </a:t>
+            </a:r>
+            <a:r>
+              <a:rPr lang="en-US" altLang="zh-CN" dirty="0" err="1"/>
+              <a:t>enqueued</a:t>
+            </a:r>
+            <a:r>
+              <a:rPr lang="en-US" altLang="zh-CN" dirty="0"/>
+              <a:t> if the  </a:t>
+            </a:r>
+            <a:r>
+              <a:rPr lang="en-US" altLang="zh-CN" dirty="0" err="1"/>
+              <a:t>RegionSplitPolicy</a:t>
+            </a:r>
+            <a:r>
+              <a:rPr lang="en-US" altLang="zh-CN" dirty="0"/>
+              <a:t> decides that the region should be split into two.  Since all data files in </a:t>
+            </a:r>
+            <a:r>
+              <a:rPr lang="en-US" altLang="zh-CN" dirty="0" err="1"/>
+              <a:t>HBase</a:t>
+            </a:r>
+            <a:r>
+              <a:rPr lang="en-US" altLang="zh-CN" dirty="0"/>
+              <a:t> are immutable, when a split happens, the  newly created daughter regions will not rewrite all the data into new  files. Instead, they will create  small </a:t>
+            </a:r>
+            <a:r>
+              <a:rPr lang="en-US" altLang="zh-CN" dirty="0" err="1"/>
+              <a:t>sym</a:t>
+            </a:r>
+            <a:r>
+              <a:rPr lang="en-US" altLang="zh-CN" dirty="0"/>
+              <a:t>-link like files, named Reference files,  which point to either top or bottom part of the parent store file  according to the split point. The reference file will be used just like a  regular data file, but only half of the records. The region can only be  split if there are no more references to the immutable data files of  the parent region. Those reference files are cleaned gradually by  compactions, so that the region will stop referring to its parents  files, and can be split </a:t>
+            </a:r>
+            <a:r>
+              <a:rPr lang="en-US" altLang="zh-CN" dirty="0" err="1"/>
+              <a:t>further.Although</a:t>
+            </a:r>
+            <a:r>
+              <a:rPr lang="en-US" altLang="zh-CN" dirty="0"/>
+              <a:t> splitting the region is a local decision made at the  </a:t>
+            </a:r>
+            <a:r>
+              <a:rPr lang="en-US" altLang="zh-CN" dirty="0" err="1"/>
+              <a:t>RegionServer</a:t>
+            </a:r>
+            <a:r>
+              <a:rPr lang="en-US" altLang="zh-CN" dirty="0"/>
+              <a:t>, the split process itself must coordinate with many actors.  The </a:t>
+            </a:r>
+            <a:r>
+              <a:rPr lang="en-US" altLang="zh-CN" dirty="0" err="1"/>
+              <a:t>RegionServer</a:t>
+            </a:r>
+            <a:r>
+              <a:rPr lang="en-US" altLang="zh-CN" dirty="0"/>
+              <a:t> notifies the Master before and after the split,  updates the .META. table so that clients can discover the new daughter  regions, and rearranges the directory structure and data files in HDFS.  Split is a multi task process. To enable rollback in case of an error,  the </a:t>
+            </a:r>
+            <a:r>
+              <a:rPr lang="en-US" altLang="zh-CN" dirty="0" err="1"/>
+              <a:t>RegionServer</a:t>
+            </a:r>
+            <a:r>
+              <a:rPr lang="en-US" altLang="zh-CN" dirty="0"/>
+              <a:t> keeps an in-memory journal about the execution state.  The steps taken by the </a:t>
+            </a:r>
+            <a:r>
+              <a:rPr lang="en-US" altLang="zh-CN" dirty="0" err="1"/>
+              <a:t>RegionServer</a:t>
+            </a:r>
+            <a:r>
+              <a:rPr lang="en-US" altLang="zh-CN" dirty="0"/>
+              <a:t> to execute the split are illustrated  by Figure 1. Each step is labeled with its step number. Actions from  </a:t>
+            </a:r>
+            <a:r>
+              <a:rPr lang="en-US" altLang="zh-CN" dirty="0" err="1"/>
+              <a:t>RegionServers</a:t>
+            </a:r>
+            <a:r>
+              <a:rPr lang="en-US" altLang="zh-CN" dirty="0"/>
+              <a:t> or Master are shown in red, while actions from the clients  are show in green.</a:t>
+            </a:r>
+            <a:endParaRPr lang="zh-CN" altLang="en-US" dirty="0"/>
+          </a:p>
+        </p:txBody>
+      </p:sp>
+    </p:spTree>
+    <p:extLst>
+      <p:ext uri="{BB962C8B-B14F-4D97-AF65-F5344CB8AC3E}">
+        <p14:creationId xmlns:p14="http://schemas.microsoft.com/office/powerpoint/2010/main" val="1738043708"/>
+      </p:ext>
+    </p:extLst>
+  </p:cSld>
+  <p:clrMapOvr>
+    <a:masterClrMapping/>
+  </p:clrMapOvr>
+</p:sld>
+</file>
+
+<file path=ppt/slides/slide52.xml><?xml version="1.0" encoding="utf-8"?>
+<p:sld xmlns:a="http://schemas.openxmlformats.org/drawingml/2006/main" xmlns:r="http://schemas.openxmlformats.org/officeDocument/2006/relationships" xmlns:p="http://schemas.openxmlformats.org/presentationml/2006/main">
+  <p:cSld>
+    <p:spTree>
+      <p:nvGrpSpPr>
+        <p:cNvPr id="1" name=""/>
+        <p:cNvGrpSpPr/>
+        <p:nvPr/>
+      </p:nvGrpSpPr>
+      <p:grpSpPr>
+        <a:xfrm>
+          <a:off x="0" y="0"/>
+          <a:ext cx="0" cy="0"/>
+          <a:chOff x="0" y="0"/>
+          <a:chExt cx="0" cy="0"/>
+        </a:xfrm>
+      </p:grpSpPr>
+      <p:sp>
+        <p:nvSpPr>
+          <p:cNvPr id="2" name="标题 1"/>
+          <p:cNvSpPr>
+            <a:spLocks noGrp="1"/>
+          </p:cNvSpPr>
+          <p:nvPr>
+            <p:ph type="title"/>
+          </p:nvPr>
+        </p:nvSpPr>
+        <p:spPr/>
+        <p:txBody>
+          <a:bodyPr/>
+          <a:lstStyle/>
+          <a:p>
+            <a:r>
+              <a:rPr lang="en-US" altLang="zh-CN" dirty="0" smtClean="0"/>
+              <a:t>split</a:t>
+            </a:r>
+            <a:endParaRPr lang="zh-CN" altLang="en-US" dirty="0"/>
+          </a:p>
+        </p:txBody>
+      </p:sp>
+      <p:pic>
+        <p:nvPicPr>
+          <p:cNvPr id="4" name="图片 3"/>
+          <p:cNvPicPr>
+            <a:picLocks noChangeAspect="1"/>
+          </p:cNvPicPr>
+          <p:nvPr/>
+        </p:nvPicPr>
+        <p:blipFill>
+          <a:blip r:embed="rId2">
+            <a:extLst>
+              <a:ext uri="{28A0092B-C50C-407E-A947-70E740481C1C}">
+                <a14:useLocalDpi xmlns:a14="http://schemas.microsoft.com/office/drawing/2010/main" val="0"/>
+              </a:ext>
+            </a:extLst>
+          </a:blip>
+          <a:stretch>
+            <a:fillRect/>
+          </a:stretch>
+        </p:blipFill>
+        <p:spPr>
+          <a:xfrm>
+            <a:off x="1778725" y="1484267"/>
+            <a:ext cx="6858000" cy="5143500"/>
+          </a:xfrm>
+          <a:prstGeom prst="rect">
+            <a:avLst/>
+          </a:prstGeom>
+        </p:spPr>
+      </p:pic>
+    </p:spTree>
+    <p:extLst>
+      <p:ext uri="{BB962C8B-B14F-4D97-AF65-F5344CB8AC3E}">
+        <p14:creationId xmlns:p14="http://schemas.microsoft.com/office/powerpoint/2010/main" val="4201092798"/>
+      </p:ext>
+    </p:extLst>
+  </p:cSld>
+  <p:clrMapOvr>
+    <a:masterClrMapping/>
+  </p:clrMapOvr>
+</p:sld>
+</file>
+
+<file path=ppt/slides/slide53.xml><?xml version="1.0" encoding="utf-8"?>
+<p:sld xmlns:a="http://schemas.openxmlformats.org/drawingml/2006/main" xmlns:r="http://schemas.openxmlformats.org/officeDocument/2006/relationships" xmlns:p="http://schemas.openxmlformats.org/presentationml/2006/main">
+  <p:cSld>
+    <p:spTree>
+      <p:nvGrpSpPr>
+        <p:cNvPr id="1" name=""/>
+        <p:cNvGrpSpPr/>
+        <p:nvPr/>
+      </p:nvGrpSpPr>
+      <p:grpSpPr>
+        <a:xfrm>
+          <a:off x="0" y="0"/>
+          <a:ext cx="0" cy="0"/>
+          <a:chOff x="0" y="0"/>
+          <a:chExt cx="0" cy="0"/>
+        </a:xfrm>
+      </p:grpSpPr>
+      <p:sp>
+        <p:nvSpPr>
+          <p:cNvPr id="2" name="标题 1"/>
+          <p:cNvSpPr>
+            <a:spLocks noGrp="1"/>
+          </p:cNvSpPr>
+          <p:nvPr>
+            <p:ph type="title"/>
+          </p:nvPr>
+        </p:nvSpPr>
+        <p:spPr/>
+        <p:txBody>
+          <a:bodyPr/>
+          <a:lstStyle/>
+          <a:p>
+            <a:r>
+              <a:rPr lang="en-US" altLang="zh-CN" dirty="0" smtClean="0"/>
+              <a:t>MOB</a:t>
+            </a:r>
+            <a:endParaRPr lang="zh-CN" altLang="en-US" dirty="0"/>
+          </a:p>
+        </p:txBody>
+      </p:sp>
+      <p:sp>
+        <p:nvSpPr>
+          <p:cNvPr id="4" name="矩形 3"/>
+          <p:cNvSpPr/>
+          <p:nvPr/>
+        </p:nvSpPr>
+        <p:spPr>
+          <a:xfrm>
+            <a:off x="521207" y="1377863"/>
+            <a:ext cx="10694126" cy="4247317"/>
+          </a:xfrm>
+          <a:prstGeom prst="rect">
+            <a:avLst/>
+          </a:prstGeom>
+        </p:spPr>
+        <p:txBody>
+          <a:bodyPr wrap="square">
+            <a:spAutoFit/>
+          </a:bodyPr>
+          <a:lstStyle/>
+          <a:p>
+            <a:r>
+              <a:rPr lang="en-US" altLang="zh-CN" dirty="0"/>
+              <a:t>MOB Compaction</a:t>
+            </a:r>
+            <a:r>
+              <a:rPr lang="zh-CN" altLang="en-US" dirty="0"/>
+              <a:t>能否使用</a:t>
+            </a:r>
+            <a:r>
+              <a:rPr lang="en-US" altLang="zh-CN" dirty="0" err="1"/>
+              <a:t>HBase</a:t>
+            </a:r>
+            <a:r>
+              <a:rPr lang="zh-CN" altLang="en-US" dirty="0"/>
+              <a:t>来存储</a:t>
+            </a:r>
+            <a:r>
+              <a:rPr lang="en-US" altLang="zh-CN" dirty="0"/>
+              <a:t>MB</a:t>
+            </a:r>
+            <a:r>
+              <a:rPr lang="zh-CN" altLang="en-US" dirty="0"/>
+              <a:t>级别的</a:t>
+            </a:r>
+            <a:r>
+              <a:rPr lang="en-US" altLang="zh-CN" dirty="0"/>
+              <a:t>Blob(</a:t>
+            </a:r>
+            <a:r>
+              <a:rPr lang="zh-CN" altLang="en-US" dirty="0"/>
+              <a:t>如图片之类的小文件</a:t>
+            </a:r>
+            <a:r>
+              <a:rPr lang="en-US" altLang="zh-CN" dirty="0"/>
+              <a:t>)</a:t>
+            </a:r>
+            <a:r>
+              <a:rPr lang="zh-CN" altLang="en-US" dirty="0"/>
+              <a:t>数据？这是很多应用面临的一个基础问题，因为这些数据相比于普通的存储于</a:t>
+            </a:r>
+            <a:r>
+              <a:rPr lang="en-US" altLang="zh-CN" dirty="0" err="1"/>
+              <a:t>HBase</a:t>
+            </a:r>
+            <a:r>
+              <a:rPr lang="zh-CN" altLang="en-US" dirty="0"/>
+              <a:t>中的结构化</a:t>
+            </a:r>
+            <a:r>
+              <a:rPr lang="en-US" altLang="zh-CN" dirty="0"/>
+              <a:t>/</a:t>
+            </a:r>
+            <a:r>
+              <a:rPr lang="zh-CN" altLang="en-US" dirty="0"/>
+              <a:t>半结构化数据显得过大了，而如果将这些数据直接存储成</a:t>
+            </a:r>
+            <a:r>
+              <a:rPr lang="en-US" altLang="zh-CN" dirty="0"/>
+              <a:t>HDFS</a:t>
+            </a:r>
+            <a:r>
+              <a:rPr lang="zh-CN" altLang="en-US" dirty="0"/>
+              <a:t>中的独立文件，会加重</a:t>
+            </a:r>
+            <a:r>
+              <a:rPr lang="en-US" altLang="zh-CN" dirty="0"/>
+              <a:t>HDFS</a:t>
+            </a:r>
+            <a:r>
+              <a:rPr lang="zh-CN" altLang="en-US" dirty="0"/>
+              <a:t>的</a:t>
+            </a:r>
+            <a:r>
+              <a:rPr lang="en-US" altLang="zh-CN" dirty="0" err="1"/>
+              <a:t>NameNode</a:t>
+            </a:r>
+            <a:r>
+              <a:rPr lang="zh-CN" altLang="en-US" dirty="0"/>
+              <a:t>的负担，再者，</a:t>
+            </a:r>
+            <a:r>
+              <a:rPr lang="zh-CN" altLang="en-US" dirty="0" smtClean="0"/>
+              <a:t>如何索引这些小文件也是一个极大的</a:t>
+            </a:r>
+            <a:r>
+              <a:rPr lang="zh-CN" altLang="en-US" dirty="0"/>
+              <a:t>痛点。当然，也有人采用了这样的方式：将多个小文件合并成</a:t>
+            </a:r>
+            <a:r>
+              <a:rPr lang="en-US" altLang="zh-CN" dirty="0"/>
+              <a:t>HDFS</a:t>
+            </a:r>
+            <a:r>
+              <a:rPr lang="zh-CN" altLang="en-US" dirty="0"/>
+              <a:t>上的一个大文件，这样子可以减轻</a:t>
+            </a:r>
+            <a:r>
+              <a:rPr lang="en-US" altLang="zh-CN" dirty="0"/>
+              <a:t>HDFS</a:t>
+            </a:r>
+            <a:r>
+              <a:rPr lang="zh-CN" altLang="en-US" dirty="0"/>
+              <a:t>的</a:t>
+            </a:r>
+            <a:r>
+              <a:rPr lang="en-US" altLang="zh-CN" dirty="0" err="1"/>
+              <a:t>NameNode</a:t>
+            </a:r>
+            <a:r>
+              <a:rPr lang="zh-CN" altLang="en-US" dirty="0"/>
+              <a:t>的负担，但需要维护每一个小文件的索引信息（文件名以及每一个小文件的偏移信息）。如果存这些这些小文件时，像普通的结构化数据</a:t>
+            </a:r>
+            <a:r>
+              <a:rPr lang="en-US" altLang="zh-CN" dirty="0"/>
+              <a:t>/</a:t>
+            </a:r>
+            <a:r>
+              <a:rPr lang="zh-CN" altLang="en-US" dirty="0"/>
+              <a:t>半结构化数据一样，直接写到</a:t>
+            </a:r>
+            <a:r>
+              <a:rPr lang="en-US" altLang="zh-CN" dirty="0" err="1"/>
+              <a:t>HBase</a:t>
+            </a:r>
+            <a:r>
+              <a:rPr lang="zh-CN" altLang="en-US" dirty="0"/>
+              <a:t>中，会有什么问题？这样子多条数据可以被合并在较大的</a:t>
+            </a:r>
+            <a:r>
+              <a:rPr lang="en-US" altLang="zh-CN" dirty="0" err="1"/>
+              <a:t>HFile</a:t>
+            </a:r>
+            <a:r>
+              <a:rPr lang="zh-CN" altLang="en-US" dirty="0"/>
+              <a:t>文件中，减轻了</a:t>
+            </a:r>
+            <a:r>
+              <a:rPr lang="en-US" altLang="zh-CN" dirty="0" err="1"/>
+              <a:t>NameNode</a:t>
+            </a:r>
+            <a:r>
+              <a:rPr lang="zh-CN" altLang="en-US" dirty="0"/>
+              <a:t>的负担，同时解决了快速索引的问题。但基于前面的内容，我们已经清楚知道了</a:t>
+            </a:r>
+            <a:r>
+              <a:rPr lang="en-US" altLang="zh-CN" dirty="0"/>
+              <a:t>Compaction</a:t>
+            </a:r>
+            <a:r>
+              <a:rPr lang="zh-CN" altLang="en-US" dirty="0"/>
+              <a:t>带来的写放大问题。试想一下，数</a:t>
+            </a:r>
+            <a:r>
+              <a:rPr lang="en-US" altLang="zh-CN" dirty="0"/>
+              <a:t>MB</a:t>
+            </a:r>
+            <a:r>
+              <a:rPr lang="zh-CN" altLang="en-US" dirty="0"/>
+              <a:t>级别的</a:t>
+            </a:r>
+            <a:r>
+              <a:rPr lang="en-US" altLang="zh-CN" dirty="0"/>
+              <a:t>Blob</a:t>
+            </a:r>
+            <a:r>
+              <a:rPr lang="zh-CN" altLang="en-US" dirty="0"/>
+              <a:t>数据，被反复多次合并以后，会带来什么样的影响？这对</a:t>
+            </a:r>
+            <a:r>
+              <a:rPr lang="en-US" altLang="zh-CN" dirty="0"/>
+              <a:t>IO</a:t>
+            </a:r>
+            <a:r>
+              <a:rPr lang="zh-CN" altLang="en-US" dirty="0"/>
+              <a:t>资源的抢占将会更加严重。因此，</a:t>
+            </a:r>
+            <a:r>
+              <a:rPr lang="en-US" altLang="zh-CN" dirty="0" err="1"/>
+              <a:t>HBase</a:t>
+            </a:r>
+            <a:r>
+              <a:rPr lang="zh-CN" altLang="en-US" dirty="0"/>
+              <a:t>的</a:t>
+            </a:r>
+            <a:r>
+              <a:rPr lang="en-US" altLang="zh-CN" dirty="0"/>
+              <a:t>MOB</a:t>
+            </a:r>
+            <a:r>
+              <a:rPr lang="zh-CN" altLang="en-US" dirty="0"/>
+              <a:t>特性的设计思想为：将</a:t>
+            </a:r>
+            <a:r>
+              <a:rPr lang="en-US" altLang="zh-CN" dirty="0"/>
+              <a:t>Blob</a:t>
+            </a:r>
+            <a:r>
+              <a:rPr lang="zh-CN" altLang="en-US" dirty="0"/>
+              <a:t>数据与描述</a:t>
+            </a:r>
+            <a:r>
+              <a:rPr lang="en-US" altLang="zh-CN" dirty="0"/>
+              <a:t>Blob</a:t>
+            </a:r>
+            <a:r>
+              <a:rPr lang="zh-CN" altLang="en-US" dirty="0"/>
+              <a:t>的元数据分离存储，</a:t>
+            </a:r>
+            <a:r>
+              <a:rPr lang="en-US" altLang="zh-CN" dirty="0"/>
+              <a:t>Blob</a:t>
+            </a:r>
+            <a:r>
+              <a:rPr lang="zh-CN" altLang="en-US" dirty="0"/>
+              <a:t>元数据采用正常的</a:t>
+            </a:r>
+            <a:r>
+              <a:rPr lang="en-US" altLang="zh-CN" dirty="0" err="1"/>
+              <a:t>HBase</a:t>
+            </a:r>
+            <a:r>
+              <a:rPr lang="zh-CN" altLang="en-US" dirty="0"/>
+              <a:t>的数据存储方式，而</a:t>
+            </a:r>
+            <a:r>
+              <a:rPr lang="en-US" altLang="zh-CN" dirty="0"/>
+              <a:t>Blob</a:t>
+            </a:r>
+            <a:r>
+              <a:rPr lang="zh-CN" altLang="en-US" dirty="0"/>
+              <a:t>数据存储在额外的</a:t>
+            </a:r>
+            <a:r>
+              <a:rPr lang="en-US" altLang="zh-CN" dirty="0"/>
+              <a:t>MOB</a:t>
+            </a:r>
+            <a:r>
+              <a:rPr lang="zh-CN" altLang="en-US" dirty="0"/>
+              <a:t>文件中，但在</a:t>
+            </a:r>
+            <a:r>
+              <a:rPr lang="en-US" altLang="zh-CN" dirty="0"/>
+              <a:t>Blob</a:t>
+            </a:r>
+            <a:r>
+              <a:rPr lang="zh-CN" altLang="en-US" dirty="0"/>
+              <a:t>元数据行中，存储了这个</a:t>
+            </a:r>
+            <a:r>
+              <a:rPr lang="en-US" altLang="zh-CN" dirty="0"/>
+              <a:t>MOB</a:t>
+            </a:r>
+            <a:r>
+              <a:rPr lang="zh-CN" altLang="en-US" dirty="0"/>
+              <a:t>文件的路径信息。</a:t>
+            </a:r>
+            <a:r>
+              <a:rPr lang="en-US" altLang="zh-CN" dirty="0"/>
+              <a:t>MOB</a:t>
+            </a:r>
+            <a:r>
+              <a:rPr lang="zh-CN" altLang="en-US" dirty="0"/>
+              <a:t>文件本质还是一个</a:t>
+            </a:r>
+            <a:r>
+              <a:rPr lang="en-US" altLang="zh-CN" dirty="0" err="1"/>
+              <a:t>HFile</a:t>
+            </a:r>
+            <a:r>
+              <a:rPr lang="zh-CN" altLang="en-US" dirty="0"/>
+              <a:t>文件，但这种</a:t>
+            </a:r>
+            <a:r>
+              <a:rPr lang="en-US" altLang="zh-CN" dirty="0" err="1"/>
+              <a:t>HFile</a:t>
+            </a:r>
+            <a:r>
+              <a:rPr lang="zh-CN" altLang="en-US" dirty="0"/>
+              <a:t>文件不参与</a:t>
+            </a:r>
+            <a:r>
+              <a:rPr lang="en-US" altLang="zh-CN" dirty="0" err="1"/>
+              <a:t>HBase</a:t>
+            </a:r>
+            <a:r>
+              <a:rPr lang="zh-CN" altLang="en-US" dirty="0"/>
+              <a:t>正常的</a:t>
+            </a:r>
+            <a:r>
+              <a:rPr lang="en-US" altLang="zh-CN" dirty="0"/>
+              <a:t>Compaction</a:t>
+            </a:r>
+            <a:r>
+              <a:rPr lang="zh-CN" altLang="en-US" dirty="0"/>
+              <a:t>流程。仅仅合并</a:t>
+            </a:r>
+            <a:r>
+              <a:rPr lang="en-US" altLang="zh-CN" dirty="0"/>
+              <a:t>Blob</a:t>
+            </a:r>
+            <a:r>
+              <a:rPr lang="zh-CN" altLang="en-US" dirty="0"/>
+              <a:t>元数据信息，写</a:t>
+            </a:r>
+            <a:r>
+              <a:rPr lang="en-US" altLang="zh-CN" dirty="0"/>
+              <a:t>IO</a:t>
+            </a:r>
+            <a:r>
+              <a:rPr lang="zh-CN" altLang="en-US" dirty="0"/>
+              <a:t>放大的问题就得到了有效的缓解。</a:t>
+            </a:r>
+            <a:r>
+              <a:rPr lang="en-US" altLang="zh-CN" dirty="0"/>
+              <a:t>MOB Compaction</a:t>
+            </a:r>
+            <a:r>
+              <a:rPr lang="zh-CN" altLang="en-US" dirty="0"/>
+              <a:t>也主要是针对</a:t>
+            </a:r>
+            <a:r>
+              <a:rPr lang="en-US" altLang="zh-CN" dirty="0"/>
+              <a:t>MOB</a:t>
+            </a:r>
+            <a:r>
+              <a:rPr lang="zh-CN" altLang="en-US" dirty="0"/>
+              <a:t>特性而存在的，这里涉及到数据在</a:t>
+            </a:r>
+            <a:r>
+              <a:rPr lang="en-US" altLang="zh-CN" dirty="0"/>
+              <a:t>MOB</a:t>
+            </a:r>
+            <a:r>
+              <a:rPr lang="zh-CN" altLang="en-US" dirty="0"/>
+              <a:t>文件与普通的</a:t>
+            </a:r>
+            <a:r>
+              <a:rPr lang="en-US" altLang="zh-CN" dirty="0" err="1"/>
+              <a:t>HFile</a:t>
+            </a:r>
+            <a:r>
+              <a:rPr lang="zh-CN" altLang="en-US" dirty="0"/>
+              <a:t>文件之间的一些流动，尤其是</a:t>
+            </a:r>
+            <a:r>
+              <a:rPr lang="en-US" altLang="zh-CN" dirty="0"/>
+              <a:t>MOB</a:t>
+            </a:r>
+            <a:r>
+              <a:rPr lang="zh-CN" altLang="en-US" dirty="0"/>
+              <a:t>的阈值大小发生变更的时候</a:t>
+            </a:r>
+            <a:r>
+              <a:rPr lang="en-US" altLang="zh-CN" dirty="0"/>
+              <a:t>(</a:t>
+            </a:r>
+            <a:r>
+              <a:rPr lang="zh-CN" altLang="en-US" dirty="0"/>
+              <a:t>即当一个列超过预设的配置值时，才被认定为</a:t>
+            </a:r>
+            <a:r>
+              <a:rPr lang="en-US" altLang="zh-CN" dirty="0"/>
+              <a:t>MOB)</a:t>
+            </a:r>
+            <a:r>
+              <a:rPr lang="zh-CN" altLang="en-US" dirty="0"/>
+              <a:t>，本文暂不展开过多的细节</a:t>
+            </a:r>
+            <a:r>
+              <a:rPr lang="zh-CN" altLang="en-US" dirty="0" smtClean="0"/>
+              <a:t>。</a:t>
+            </a:r>
+            <a:endParaRPr lang="zh-CN" altLang="en-US" dirty="0"/>
+          </a:p>
+        </p:txBody>
+      </p:sp>
+    </p:spTree>
+    <p:extLst>
+      <p:ext uri="{BB962C8B-B14F-4D97-AF65-F5344CB8AC3E}">
+        <p14:creationId xmlns:p14="http://schemas.microsoft.com/office/powerpoint/2010/main" val="2847969713"/>
+      </p:ext>
+    </p:extLst>
+  </p:cSld>
+  <p:clrMapOvr>
+    <a:masterClrMapping/>
+  </p:clrMapOvr>
+</p:sld>
+</file>
+
+<file path=ppt/slides/slide54.xml><?xml version="1.0" encoding="utf-8"?>
+<p:sld xmlns:a="http://schemas.openxmlformats.org/drawingml/2006/main" xmlns:r="http://schemas.openxmlformats.org/officeDocument/2006/relationships" xmlns:p="http://schemas.openxmlformats.org/presentationml/2006/main">
+  <p:cSld>
+    <p:spTree>
+      <p:nvGrpSpPr>
+        <p:cNvPr id="1" name=""/>
+        <p:cNvGrpSpPr/>
+        <p:nvPr/>
+      </p:nvGrpSpPr>
+      <p:grpSpPr>
+        <a:xfrm>
+          <a:off x="0" y="0"/>
+          <a:ext cx="0" cy="0"/>
+          <a:chOff x="0" y="0"/>
+          <a:chExt cx="0" cy="0"/>
+        </a:xfrm>
+      </p:grpSpPr>
+      <p:sp>
+        <p:nvSpPr>
+          <p:cNvPr id="2" name="标题 1"/>
+          <p:cNvSpPr>
+            <a:spLocks noGrp="1"/>
+          </p:cNvSpPr>
+          <p:nvPr>
+            <p:ph type="title"/>
+          </p:nvPr>
+        </p:nvSpPr>
+        <p:spPr/>
+        <p:txBody>
+          <a:bodyPr/>
+          <a:lstStyle/>
+          <a:p>
+            <a:r>
+              <a:rPr lang="en-US" altLang="zh-CN" dirty="0" smtClean="0"/>
+              <a:t>split</a:t>
+            </a:r>
+            <a:endParaRPr lang="zh-CN" altLang="en-US" dirty="0"/>
+          </a:p>
+        </p:txBody>
+      </p:sp>
+      <p:sp>
+        <p:nvSpPr>
+          <p:cNvPr id="5" name="矩形 4"/>
+          <p:cNvSpPr/>
+          <p:nvPr/>
+        </p:nvSpPr>
+        <p:spPr>
+          <a:xfrm>
+            <a:off x="1166948" y="1225804"/>
+            <a:ext cx="10080172" cy="5078313"/>
+          </a:xfrm>
+          <a:prstGeom prst="rect">
+            <a:avLst/>
+          </a:prstGeom>
+        </p:spPr>
+        <p:txBody>
+          <a:bodyPr wrap="square">
+            <a:spAutoFit/>
+          </a:bodyPr>
+          <a:lstStyle/>
+          <a:p>
+            <a:r>
+              <a:rPr lang="en-US" altLang="zh-CN" dirty="0"/>
+              <a:t>\1. </a:t>
+            </a:r>
+            <a:r>
+              <a:rPr lang="en-US" altLang="zh-CN" dirty="0" err="1"/>
+              <a:t>RegionServer</a:t>
+            </a:r>
+            <a:r>
+              <a:rPr lang="en-US" altLang="zh-CN" dirty="0"/>
+              <a:t> decides locally to split the region, and prepares the  split. As a first step, it creates a </a:t>
+            </a:r>
+            <a:r>
+              <a:rPr lang="en-US" altLang="zh-CN" dirty="0" err="1"/>
+              <a:t>znode</a:t>
+            </a:r>
+            <a:r>
+              <a:rPr lang="en-US" altLang="zh-CN" dirty="0"/>
+              <a:t> in zookeeper under  /</a:t>
+            </a:r>
+            <a:r>
+              <a:rPr lang="en-US" altLang="zh-CN" dirty="0" err="1"/>
+              <a:t>hbase</a:t>
+            </a:r>
+            <a:r>
+              <a:rPr lang="en-US" altLang="zh-CN" dirty="0"/>
+              <a:t>/region-in-transition/region-name in SPLITTING state. \2. The Master learns about this </a:t>
+            </a:r>
+            <a:r>
+              <a:rPr lang="en-US" altLang="zh-CN" dirty="0" err="1"/>
+              <a:t>znode</a:t>
+            </a:r>
+            <a:r>
+              <a:rPr lang="en-US" altLang="zh-CN" dirty="0"/>
+              <a:t>, since it has a watcher for the parent region-in-transition </a:t>
+            </a:r>
+            <a:r>
+              <a:rPr lang="en-US" altLang="zh-CN" dirty="0" err="1"/>
+              <a:t>znode</a:t>
+            </a:r>
+            <a:r>
+              <a:rPr lang="en-US" altLang="zh-CN" dirty="0"/>
+              <a:t>. \3. </a:t>
+            </a:r>
+            <a:r>
+              <a:rPr lang="en-US" altLang="zh-CN" dirty="0" err="1"/>
+              <a:t>RegionServer</a:t>
+            </a:r>
+            <a:r>
+              <a:rPr lang="en-US" altLang="zh-CN" dirty="0"/>
+              <a:t> creates a sub-directory named “.splits” under the parent’s region directory in HDFS.  \4. </a:t>
+            </a:r>
+            <a:r>
+              <a:rPr lang="en-US" altLang="zh-CN" dirty="0" err="1"/>
+              <a:t>RegionServer</a:t>
+            </a:r>
+            <a:r>
+              <a:rPr lang="en-US" altLang="zh-CN" dirty="0"/>
+              <a:t> closes the parent region, forces a flush of the cache  and marks the region as offline in its local data structures. At this  point, client requests coming to the parent region will throw  </a:t>
+            </a:r>
+            <a:r>
+              <a:rPr lang="en-US" altLang="zh-CN" dirty="0" err="1"/>
+              <a:t>NotServingRegionException</a:t>
+            </a:r>
+            <a:r>
+              <a:rPr lang="en-US" altLang="zh-CN" dirty="0"/>
+              <a:t>. The client will retry with some </a:t>
+            </a:r>
+            <a:r>
+              <a:rPr lang="en-US" altLang="zh-CN" dirty="0" err="1"/>
+              <a:t>backoff</a:t>
+            </a:r>
+            <a:r>
+              <a:rPr lang="en-US" altLang="zh-CN" dirty="0"/>
+              <a:t>.  \5. </a:t>
+            </a:r>
+            <a:r>
+              <a:rPr lang="en-US" altLang="zh-CN" dirty="0" err="1"/>
+              <a:t>RegionServer</a:t>
+            </a:r>
+            <a:r>
+              <a:rPr lang="en-US" altLang="zh-CN" dirty="0"/>
+              <a:t> create the region directories under .splits directory,  for daughter regions A and B, and creates necessary data structures.  Then it splits the store files, in the sense that it creates two Reference files per store file in the parent region. Those reference files will point to the parent regions files. \6. </a:t>
+            </a:r>
+            <a:r>
+              <a:rPr lang="en-US" altLang="zh-CN" dirty="0" err="1"/>
+              <a:t>RegionServer</a:t>
+            </a:r>
+            <a:r>
+              <a:rPr lang="en-US" altLang="zh-CN" dirty="0"/>
+              <a:t> creates the actual region directory in HDFS, and moves the reference files for each daughter.  \7. </a:t>
+            </a:r>
+            <a:r>
+              <a:rPr lang="en-US" altLang="zh-CN" dirty="0" err="1"/>
+              <a:t>RegionServer</a:t>
+            </a:r>
+            <a:r>
+              <a:rPr lang="en-US" altLang="zh-CN" dirty="0"/>
+              <a:t> sends a Put request to the .META. table, and sets the  parent as offline in the .META. table and adds information about  daughter regions. At this point, there won’t be individual entries in  .META. for the daughters. Clients will see the parent region is split if  they scan .META., but won’t know about the daughters until they appear  in .META.. Also, if this Put to .META. succeeds, the parent will be  effectively split. If the </a:t>
+            </a:r>
+            <a:r>
+              <a:rPr lang="en-US" altLang="zh-CN" dirty="0" err="1"/>
+              <a:t>RegionServer</a:t>
+            </a:r>
+            <a:r>
+              <a:rPr lang="en-US" altLang="zh-CN" dirty="0"/>
+              <a:t> fails before this RPC succeeds,  Master and the next region server opening the region will clean dirty  state about the region split. After the .META. update, though, the  region split will be rolled-forward by Master. </a:t>
+            </a:r>
+            <a:endParaRPr lang="zh-CN" altLang="en-US" dirty="0"/>
+          </a:p>
+        </p:txBody>
+      </p:sp>
+    </p:spTree>
+    <p:extLst>
+      <p:ext uri="{BB962C8B-B14F-4D97-AF65-F5344CB8AC3E}">
+        <p14:creationId xmlns:p14="http://schemas.microsoft.com/office/powerpoint/2010/main" val="2628794886"/>
+      </p:ext>
+    </p:extLst>
+  </p:cSld>
+  <p:clrMapOvr>
+    <a:masterClrMapping/>
+  </p:clrMapOvr>
+</p:sld>
+</file>
+
+<file path=ppt/slides/slide55.xml><?xml version="1.0" encoding="utf-8"?>
+<p:sld xmlns:a="http://schemas.openxmlformats.org/drawingml/2006/main" xmlns:r="http://schemas.openxmlformats.org/officeDocument/2006/relationships" xmlns:p="http://schemas.openxmlformats.org/presentationml/2006/main">
+  <p:cSld>
+    <p:spTree>
+      <p:nvGrpSpPr>
+        <p:cNvPr id="1" name=""/>
+        <p:cNvGrpSpPr/>
+        <p:nvPr/>
+      </p:nvGrpSpPr>
+      <p:grpSpPr>
+        <a:xfrm>
+          <a:off x="0" y="0"/>
+          <a:ext cx="0" cy="0"/>
+          <a:chOff x="0" y="0"/>
+          <a:chExt cx="0" cy="0"/>
+        </a:xfrm>
+      </p:grpSpPr>
+      <p:sp>
+        <p:nvSpPr>
+          <p:cNvPr id="2" name="标题 1"/>
+          <p:cNvSpPr>
+            <a:spLocks noGrp="1"/>
+          </p:cNvSpPr>
+          <p:nvPr>
+            <p:ph type="title"/>
+          </p:nvPr>
+        </p:nvSpPr>
+        <p:spPr/>
+        <p:txBody>
+          <a:bodyPr/>
+          <a:lstStyle/>
+          <a:p>
+            <a:endParaRPr lang="zh-CN" altLang="en-US"/>
+          </a:p>
+        </p:txBody>
+      </p:sp>
+      <p:sp>
+        <p:nvSpPr>
+          <p:cNvPr id="4" name="矩形 3"/>
+          <p:cNvSpPr/>
+          <p:nvPr/>
+        </p:nvSpPr>
+        <p:spPr>
+          <a:xfrm>
+            <a:off x="748936" y="1502688"/>
+            <a:ext cx="8826137" cy="3693319"/>
+          </a:xfrm>
+          <a:prstGeom prst="rect">
+            <a:avLst/>
+          </a:prstGeom>
+        </p:spPr>
+        <p:txBody>
+          <a:bodyPr wrap="square">
+            <a:spAutoFit/>
+          </a:bodyPr>
+          <a:lstStyle/>
+          <a:p>
+            <a:r>
+              <a:rPr lang="en-US" altLang="zh-CN" dirty="0"/>
+              <a:t>\8. </a:t>
+            </a:r>
+            <a:r>
+              <a:rPr lang="en-US" altLang="zh-CN" dirty="0" err="1"/>
+              <a:t>RegionServer</a:t>
+            </a:r>
+            <a:r>
+              <a:rPr lang="en-US" altLang="zh-CN" dirty="0"/>
+              <a:t> opens daughters in parallel to accept writes.  \9. </a:t>
+            </a:r>
+            <a:r>
+              <a:rPr lang="en-US" altLang="zh-CN" dirty="0" err="1"/>
+              <a:t>RegionServer</a:t>
+            </a:r>
+            <a:r>
+              <a:rPr lang="en-US" altLang="zh-CN" dirty="0"/>
+              <a:t> adds the daughters A and B to .META. together with  information that it hosts the regions. After this point, clients can  discover the new regions, and issue requests to the new region. Clients  cache the .META. entries locally, but when they make requests to the  region server or .META., their caches will be invalidated, and they will  learn about the new regions from .META.. \10. </a:t>
+            </a:r>
+            <a:r>
+              <a:rPr lang="en-US" altLang="zh-CN" dirty="0" err="1"/>
+              <a:t>RegionServer</a:t>
+            </a:r>
+            <a:r>
+              <a:rPr lang="en-US" altLang="zh-CN" dirty="0"/>
+              <a:t> updates  </a:t>
+            </a:r>
+            <a:r>
+              <a:rPr lang="en-US" altLang="zh-CN" dirty="0" err="1"/>
+              <a:t>znode</a:t>
+            </a:r>
+            <a:r>
+              <a:rPr lang="en-US" altLang="zh-CN" dirty="0"/>
+              <a:t> /</a:t>
+            </a:r>
+            <a:r>
+              <a:rPr lang="en-US" altLang="zh-CN" dirty="0" err="1"/>
+              <a:t>hbase</a:t>
+            </a:r>
+            <a:r>
+              <a:rPr lang="en-US" altLang="zh-CN" dirty="0"/>
+              <a:t>/region-in-transition/region-name in zookeeper to state  SPLIT, so that the master can learn about it. The balancer can freely  re-assign the daughter regions to other region servers if it chooses so.  \11. After the split, meta and HDFS will still contain references to the  parent region. Those references will be removed when compactions in  daughter regions rewrite the data files. Garbage collection tasks in the  master periodically checks whether the daughter regions still refer to  parents files.  If not, the parent region will be removed.</a:t>
+            </a:r>
+          </a:p>
+        </p:txBody>
+      </p:sp>
+    </p:spTree>
+    <p:extLst>
+      <p:ext uri="{BB962C8B-B14F-4D97-AF65-F5344CB8AC3E}">
+        <p14:creationId xmlns:p14="http://schemas.microsoft.com/office/powerpoint/2010/main" val="3661374470"/>
+      </p:ext>
+    </p:extLst>
+  </p:cSld>
+  <p:clrMapOvr>
+    <a:masterClrMapping/>
+  </p:clrMapOvr>
+</p:sld>
+</file>
+
+<file path=ppt/slides/slide56.xml><?xml version="1.0" encoding="utf-8"?>
+<p:sld xmlns:a="http://schemas.openxmlformats.org/drawingml/2006/main" xmlns:r="http://schemas.openxmlformats.org/officeDocument/2006/relationships" xmlns:p="http://schemas.openxmlformats.org/presentationml/2006/main">
+  <p:cSld>
+    <p:spTree>
+      <p:nvGrpSpPr>
+        <p:cNvPr id="1" name=""/>
+        <p:cNvGrpSpPr/>
+        <p:nvPr/>
+      </p:nvGrpSpPr>
+      <p:grpSpPr>
+        <a:xfrm>
+          <a:off x="0" y="0"/>
+          <a:ext cx="0" cy="0"/>
+          <a:chOff x="0" y="0"/>
+          <a:chExt cx="0" cy="0"/>
+        </a:xfrm>
+      </p:grpSpPr>
+      <p:sp>
+        <p:nvSpPr>
+          <p:cNvPr id="2" name="标题 1"/>
+          <p:cNvSpPr>
+            <a:spLocks noGrp="1"/>
+          </p:cNvSpPr>
+          <p:nvPr>
+            <p:ph type="title"/>
+          </p:nvPr>
+        </p:nvSpPr>
+        <p:spPr/>
+        <p:txBody>
+          <a:bodyPr/>
+          <a:lstStyle/>
+          <a:p>
+            <a:r>
+              <a:rPr lang="en-US" altLang="zh-CN" dirty="0" smtClean="0"/>
+              <a:t>snapshot</a:t>
+            </a:r>
+            <a:endParaRPr lang="zh-CN" altLang="en-US" dirty="0"/>
+          </a:p>
+        </p:txBody>
+      </p:sp>
+      <p:sp>
+        <p:nvSpPr>
+          <p:cNvPr id="4" name="矩形 3"/>
+          <p:cNvSpPr/>
+          <p:nvPr/>
+        </p:nvSpPr>
+        <p:spPr>
+          <a:xfrm>
+            <a:off x="911765" y="1550858"/>
+            <a:ext cx="9590771" cy="3139321"/>
+          </a:xfrm>
+          <a:prstGeom prst="rect">
+            <a:avLst/>
+          </a:prstGeom>
+        </p:spPr>
+        <p:txBody>
+          <a:bodyPr wrap="square">
+            <a:spAutoFit/>
+          </a:bodyPr>
+          <a:lstStyle/>
+          <a:p>
+            <a:r>
+              <a:rPr lang="en-US" altLang="zh-CN" dirty="0" err="1"/>
+              <a:t>napshot</a:t>
+            </a:r>
+            <a:r>
+              <a:rPr lang="zh-CN" altLang="en-US" dirty="0"/>
+              <a:t>是很多存储系统和数据库系统都支持的功能。一个</a:t>
+            </a:r>
+            <a:r>
+              <a:rPr lang="en-US" altLang="zh-CN" dirty="0"/>
+              <a:t>snapshot</a:t>
+            </a:r>
+            <a:r>
+              <a:rPr lang="zh-CN" altLang="en-US" dirty="0"/>
+              <a:t>是一个全部文件系统、或者某个目录在某一时刻的镜像。实现数据文件镜像最简单粗暴的方式是加锁拷贝（之所以需要加锁，是因为镜像得到的数据必须是某一时刻完全一致的数据），拷贝的这段时间不允许对原数据进行任何形式的更新删除，仅提供只读操作，拷贝完成之后再释放锁。这种方式涉及数据的实际拷贝，数据量大的情况下必然会花费大量时间，长时间的加锁拷贝必然导致客户端长时间不能更新删除，这是生产线上不能容忍的。</a:t>
+            </a:r>
+            <a:r>
+              <a:rPr lang="en-US" altLang="zh-CN" dirty="0"/>
+              <a:t>snapshot</a:t>
+            </a:r>
+            <a:r>
+              <a:rPr lang="zh-CN" altLang="en-US" dirty="0"/>
+              <a:t>机制并不会拷贝数据，可以理解为它是原数据的一份指针。在</a:t>
+            </a:r>
+            <a:r>
+              <a:rPr lang="en-US" altLang="zh-CN" dirty="0" err="1"/>
+              <a:t>HBase</a:t>
+            </a:r>
+            <a:r>
+              <a:rPr lang="zh-CN" altLang="en-US" dirty="0"/>
+              <a:t>这种</a:t>
+            </a:r>
+            <a:r>
+              <a:rPr lang="en-US" altLang="zh-CN" dirty="0"/>
+              <a:t>LSM</a:t>
+            </a:r>
+            <a:r>
+              <a:rPr lang="zh-CN" altLang="en-US" dirty="0"/>
+              <a:t>类型系统结构下是比较容易理解的，我们知道</a:t>
+            </a:r>
+            <a:r>
+              <a:rPr lang="en-US" altLang="zh-CN" dirty="0" err="1"/>
+              <a:t>HBase</a:t>
+            </a:r>
+            <a:r>
+              <a:rPr lang="zh-CN" altLang="en-US" dirty="0"/>
+              <a:t>数据文件一旦落到磁盘之后就不再允许更新删除等原地修改操作，如果想更新删除的话可以追加写入新文件（</a:t>
+            </a:r>
+            <a:r>
+              <a:rPr lang="en-US" altLang="zh-CN" dirty="0" err="1"/>
+              <a:t>HBase</a:t>
+            </a:r>
+            <a:r>
+              <a:rPr lang="zh-CN" altLang="en-US" dirty="0"/>
+              <a:t>中根本没有更新接口，删除命令也是追加写入）。这种机制下实现某个表的</a:t>
+            </a:r>
+            <a:r>
+              <a:rPr lang="en-US" altLang="zh-CN" dirty="0"/>
+              <a:t>snapshot</a:t>
+            </a:r>
+            <a:r>
+              <a:rPr lang="zh-CN" altLang="en-US" dirty="0"/>
+              <a:t>只需要给当前表的所有文件分别新建一个引用（指针），其他新写入的数据重新创建一个新文件写入即可。如下图所示：</a:t>
+            </a:r>
+          </a:p>
+        </p:txBody>
+      </p:sp>
+    </p:spTree>
+    <p:extLst>
+      <p:ext uri="{BB962C8B-B14F-4D97-AF65-F5344CB8AC3E}">
+        <p14:creationId xmlns:p14="http://schemas.microsoft.com/office/powerpoint/2010/main" val="506803398"/>
+      </p:ext>
+    </p:extLst>
+  </p:cSld>
+  <p:clrMapOvr>
+    <a:masterClrMapping/>
+  </p:clrMapOvr>
+</p:sld>
+</file>
+
+<file path=ppt/slides/slide57.xml><?xml version="1.0" encoding="utf-8"?>
+<p:sld xmlns:a="http://schemas.openxmlformats.org/drawingml/2006/main" xmlns:r="http://schemas.openxmlformats.org/officeDocument/2006/relationships" xmlns:p="http://schemas.openxmlformats.org/presentationml/2006/main">
+  <p:cSld>
+    <p:spTree>
+      <p:nvGrpSpPr>
+        <p:cNvPr id="1" name=""/>
+        <p:cNvGrpSpPr/>
+        <p:nvPr/>
+      </p:nvGrpSpPr>
+      <p:grpSpPr>
+        <a:xfrm>
+          <a:off x="0" y="0"/>
+          <a:ext cx="0" cy="0"/>
+          <a:chOff x="0" y="0"/>
+          <a:chExt cx="0" cy="0"/>
+        </a:xfrm>
+      </p:grpSpPr>
+      <p:sp>
+        <p:nvSpPr>
+          <p:cNvPr id="2" name="标题 1"/>
+          <p:cNvSpPr>
+            <a:spLocks noGrp="1"/>
+          </p:cNvSpPr>
+          <p:nvPr>
+            <p:ph type="title"/>
+          </p:nvPr>
+        </p:nvSpPr>
+        <p:spPr/>
+        <p:txBody>
+          <a:bodyPr/>
+          <a:lstStyle/>
+          <a:p>
             <a:endParaRPr lang="zh-CN" altLang="en-US"/>
           </a:p>
         </p:txBody>
@@ -26314,7 +28563,7 @@
 </p:sld>
 </file>
 
-<file path=ppt/slides/slide51.xml><?xml version="1.0" encoding="utf-8"?>
+<file path=ppt/slides/slide58.xml><?xml version="1.0" encoding="utf-8"?>
 <p:sld xmlns:a="http://schemas.openxmlformats.org/drawingml/2006/main" xmlns:r="http://schemas.openxmlformats.org/officeDocument/2006/relationships" xmlns:p="http://schemas.openxmlformats.org/presentationml/2006/main">
   <p:cSld>
     <p:spTree>
@@ -26456,7 +28705,7 @@
 </p:sld>
 </file>
 
-<file path=ppt/slides/slide52.xml><?xml version="1.0" encoding="utf-8"?>
+<file path=ppt/slides/slide59.xml><?xml version="1.0" encoding="utf-8"?>
 <p:sld xmlns:a="http://schemas.openxmlformats.org/drawingml/2006/main" xmlns:r="http://schemas.openxmlformats.org/officeDocument/2006/relationships" xmlns:p="http://schemas.openxmlformats.org/presentationml/2006/main">
   <p:cSld>
     <p:spTree>
@@ -26744,408 +28993,6 @@
     <p:extLst>
       <p:ext uri="{BB962C8B-B14F-4D97-AF65-F5344CB8AC3E}">
         <p14:creationId xmlns:p14="http://schemas.microsoft.com/office/powerpoint/2010/main" val="346614126"/>
-      </p:ext>
-    </p:extLst>
-  </p:cSld>
-  <p:clrMapOvr>
-    <a:masterClrMapping/>
-  </p:clrMapOvr>
-</p:sld>
-</file>
-
-<file path=ppt/slides/slide53.xml><?xml version="1.0" encoding="utf-8"?>
-<p:sld xmlns:a="http://schemas.openxmlformats.org/drawingml/2006/main" xmlns:r="http://schemas.openxmlformats.org/officeDocument/2006/relationships" xmlns:p="http://schemas.openxmlformats.org/presentationml/2006/main">
-  <p:cSld>
-    <p:spTree>
-      <p:nvGrpSpPr>
-        <p:cNvPr id="1" name=""/>
-        <p:cNvGrpSpPr/>
-        <p:nvPr/>
-      </p:nvGrpSpPr>
-      <p:grpSpPr>
-        <a:xfrm>
-          <a:off x="0" y="0"/>
-          <a:ext cx="0" cy="0"/>
-          <a:chOff x="0" y="0"/>
-          <a:chExt cx="0" cy="0"/>
-        </a:xfrm>
-      </p:grpSpPr>
-      <p:sp>
-        <p:nvSpPr>
-          <p:cNvPr id="2" name="标题 1"/>
-          <p:cNvSpPr>
-            <a:spLocks noGrp="1"/>
-          </p:cNvSpPr>
-          <p:nvPr>
-            <p:ph type="title"/>
-          </p:nvPr>
-        </p:nvSpPr>
-        <p:spPr/>
-        <p:txBody>
-          <a:bodyPr/>
-          <a:lstStyle/>
-          <a:p>
-            <a:endParaRPr lang="zh-CN" altLang="en-US"/>
-          </a:p>
-        </p:txBody>
-      </p:sp>
-      <p:sp>
-        <p:nvSpPr>
-          <p:cNvPr id="4" name="矩形 3"/>
-          <p:cNvSpPr/>
-          <p:nvPr/>
-        </p:nvSpPr>
-        <p:spPr>
-          <a:xfrm>
-            <a:off x="911766" y="1490569"/>
-            <a:ext cx="9303388" cy="4247317"/>
-          </a:xfrm>
-          <a:prstGeom prst="rect">
-            <a:avLst/>
-          </a:prstGeom>
-        </p:spPr>
-        <p:txBody>
-          <a:bodyPr wrap="square">
-            <a:spAutoFit/>
-          </a:bodyPr>
-          <a:lstStyle/>
-          <a:p>
-            <a:r>
-              <a:rPr lang="en-US" altLang="zh-CN" dirty="0" err="1"/>
-              <a:t>hbase</a:t>
-            </a:r>
-            <a:r>
-              <a:rPr lang="en-US" altLang="zh-CN" dirty="0"/>
-              <a:t> snapshot</a:t>
-            </a:r>
-            <a:r>
-              <a:rPr lang="zh-CN" altLang="en-US" dirty="0"/>
-              <a:t>用法大全</a:t>
-            </a:r>
-            <a:r>
-              <a:rPr lang="en-US" altLang="zh-CN" dirty="0"/>
-              <a:t>snapshot</a:t>
-            </a:r>
-            <a:r>
-              <a:rPr lang="zh-CN" altLang="en-US" dirty="0"/>
-              <a:t>最常用的命令有</a:t>
-            </a:r>
-            <a:r>
-              <a:rPr lang="en-US" altLang="zh-CN" dirty="0"/>
-              <a:t>snapshot</a:t>
-            </a:r>
-            <a:r>
-              <a:rPr lang="zh-CN" altLang="en-US" dirty="0"/>
-              <a:t>、</a:t>
-            </a:r>
-            <a:r>
-              <a:rPr lang="en-US" altLang="zh-CN" dirty="0" err="1"/>
-              <a:t>restore_snapshot</a:t>
-            </a:r>
-            <a:r>
-              <a:rPr lang="zh-CN" altLang="en-US" dirty="0"/>
-              <a:t>、</a:t>
-            </a:r>
-            <a:r>
-              <a:rPr lang="en-US" altLang="zh-CN" dirty="0" err="1"/>
-              <a:t>clone_snapshot</a:t>
-            </a:r>
-            <a:r>
-              <a:rPr lang="zh-CN" altLang="en-US" dirty="0"/>
-              <a:t>以及</a:t>
-            </a:r>
-            <a:r>
-              <a:rPr lang="en-US" altLang="zh-CN" dirty="0" err="1"/>
-              <a:t>ExportSnapshot</a:t>
-            </a:r>
-            <a:r>
-              <a:rPr lang="zh-CN" altLang="en-US" dirty="0"/>
-              <a:t>这个工具，具体使用方法如下：</a:t>
-            </a:r>
-            <a:r>
-              <a:rPr lang="en-US" altLang="zh-CN" dirty="0"/>
-              <a:t>- </a:t>
-            </a:r>
-            <a:r>
-              <a:rPr lang="zh-CN" altLang="en-US" dirty="0"/>
-              <a:t>为表’</a:t>
-            </a:r>
-            <a:r>
-              <a:rPr lang="en-US" altLang="zh-CN" dirty="0" err="1"/>
-              <a:t>sourceTable</a:t>
-            </a:r>
-            <a:r>
-              <a:rPr lang="en-US" altLang="zh-CN" dirty="0"/>
-              <a:t>’</a:t>
-            </a:r>
-            <a:r>
-              <a:rPr lang="zh-CN" altLang="en-US" dirty="0"/>
-              <a:t>打一个快照’</a:t>
-            </a:r>
-            <a:r>
-              <a:rPr lang="en-US" altLang="zh-CN" dirty="0" err="1"/>
-              <a:t>snapshotName</a:t>
-            </a:r>
-            <a:r>
-              <a:rPr lang="en-US" altLang="zh-CN" dirty="0"/>
-              <a:t>’</a:t>
-            </a:r>
-            <a:r>
-              <a:rPr lang="zh-CN" altLang="en-US" dirty="0"/>
-              <a:t>，快照并不涉及数据移动，可以在线完成。    </a:t>
-            </a:r>
-            <a:r>
-              <a:rPr lang="en-US" altLang="zh-CN" dirty="0" err="1"/>
-              <a:t>hbase</a:t>
-            </a:r>
-            <a:r>
-              <a:rPr lang="en-US" altLang="zh-CN" dirty="0"/>
-              <a:t>&gt; snapshot '</a:t>
-            </a:r>
-            <a:r>
-              <a:rPr lang="en-US" altLang="zh-CN" dirty="0" err="1"/>
-              <a:t>sourceTable</a:t>
-            </a:r>
-            <a:r>
-              <a:rPr lang="en-US" altLang="zh-CN" dirty="0"/>
-              <a:t>', ‘</a:t>
-            </a:r>
-            <a:r>
-              <a:rPr lang="en-US" altLang="zh-CN" dirty="0" err="1"/>
-              <a:t>snapshotName</a:t>
-            </a:r>
-            <a:r>
-              <a:rPr lang="en-US" altLang="zh-CN" dirty="0"/>
-              <a:t>'- </a:t>
-            </a:r>
-            <a:r>
-              <a:rPr lang="zh-CN" altLang="en-US" dirty="0"/>
-              <a:t>恢复指定快照，恢复过程会替代原有数据，将表还原到快照点，快照点之后的所有更新将会丢失。需要注意的是原表需要先</a:t>
-            </a:r>
-            <a:r>
-              <a:rPr lang="en-US" altLang="zh-CN" dirty="0"/>
-              <a:t>disable</a:t>
-            </a:r>
-            <a:r>
-              <a:rPr lang="zh-CN" altLang="en-US" dirty="0"/>
-              <a:t>掉，才能执行</a:t>
-            </a:r>
-            <a:r>
-              <a:rPr lang="en-US" altLang="zh-CN" dirty="0" err="1"/>
-              <a:t>restore_snapshot</a:t>
-            </a:r>
-            <a:r>
-              <a:rPr lang="zh-CN" altLang="en-US" dirty="0"/>
-              <a:t>操作。    </a:t>
-            </a:r>
-            <a:r>
-              <a:rPr lang="en-US" altLang="zh-CN" dirty="0" err="1"/>
-              <a:t>hbase</a:t>
-            </a:r>
-            <a:r>
-              <a:rPr lang="en-US" altLang="zh-CN" dirty="0"/>
-              <a:t>&gt; </a:t>
-            </a:r>
-            <a:r>
-              <a:rPr lang="en-US" altLang="zh-CN" dirty="0" err="1"/>
-              <a:t>restore_snapshot</a:t>
-            </a:r>
-            <a:r>
-              <a:rPr lang="en-US" altLang="zh-CN" dirty="0"/>
-              <a:t> ‘</a:t>
-            </a:r>
-            <a:r>
-              <a:rPr lang="en-US" altLang="zh-CN" dirty="0" err="1"/>
-              <a:t>snapshotName</a:t>
-            </a:r>
-            <a:r>
-              <a:rPr lang="en-US" altLang="zh-CN" dirty="0"/>
-              <a:t>'- </a:t>
-            </a:r>
-            <a:r>
-              <a:rPr lang="zh-CN" altLang="en-US" dirty="0"/>
-              <a:t>根据快照恢复出一个新表，恢复过程不涉及数据移动，可以在秒级完成。很好奇是怎么做的吧，且听下文分解。    </a:t>
-            </a:r>
-            <a:r>
-              <a:rPr lang="en-US" altLang="zh-CN" dirty="0" err="1"/>
-              <a:t>hbase</a:t>
-            </a:r>
-            <a:r>
-              <a:rPr lang="en-US" altLang="zh-CN" dirty="0"/>
-              <a:t>&gt; </a:t>
-            </a:r>
-            <a:r>
-              <a:rPr lang="en-US" altLang="zh-CN" dirty="0" err="1"/>
-              <a:t>clone_snapshot</a:t>
-            </a:r>
-            <a:r>
-              <a:rPr lang="en-US" altLang="zh-CN" dirty="0"/>
-              <a:t> '</a:t>
-            </a:r>
-            <a:r>
-              <a:rPr lang="en-US" altLang="zh-CN" dirty="0" err="1"/>
-              <a:t>snapshotName</a:t>
-            </a:r>
-            <a:r>
-              <a:rPr lang="en-US" altLang="zh-CN" dirty="0"/>
-              <a:t>', ‘</a:t>
-            </a:r>
-            <a:r>
-              <a:rPr lang="en-US" altLang="zh-CN" dirty="0" err="1"/>
-              <a:t>tableName</a:t>
-            </a:r>
-            <a:r>
-              <a:rPr lang="en-US" altLang="zh-CN" dirty="0"/>
-              <a:t>'- </a:t>
-            </a:r>
-            <a:r>
-              <a:rPr lang="zh-CN" altLang="en-US" dirty="0"/>
-              <a:t>使用</a:t>
-            </a:r>
-            <a:r>
-              <a:rPr lang="en-US" altLang="zh-CN" dirty="0" err="1"/>
-              <a:t>ExportSnapshot</a:t>
-            </a:r>
-            <a:r>
-              <a:rPr lang="zh-CN" altLang="en-US" dirty="0"/>
-              <a:t>命令可以将</a:t>
-            </a:r>
-            <a:r>
-              <a:rPr lang="en-US" altLang="zh-CN" dirty="0"/>
-              <a:t>A</a:t>
-            </a:r>
-            <a:r>
-              <a:rPr lang="zh-CN" altLang="en-US" dirty="0"/>
-              <a:t>集群的快照数据迁移到</a:t>
-            </a:r>
-            <a:r>
-              <a:rPr lang="en-US" altLang="zh-CN" dirty="0"/>
-              <a:t>B</a:t>
-            </a:r>
-            <a:r>
-              <a:rPr lang="zh-CN" altLang="en-US" dirty="0"/>
-              <a:t>集群，</a:t>
-            </a:r>
-            <a:r>
-              <a:rPr lang="en-US" altLang="zh-CN" dirty="0" err="1"/>
-              <a:t>ExportSnapshot</a:t>
-            </a:r>
-            <a:r>
-              <a:rPr lang="zh-CN" altLang="en-US" dirty="0"/>
-              <a:t>是</a:t>
-            </a:r>
-            <a:r>
-              <a:rPr lang="en-US" altLang="zh-CN" dirty="0"/>
-              <a:t>HDFS</a:t>
-            </a:r>
-            <a:r>
-              <a:rPr lang="zh-CN" altLang="en-US" dirty="0"/>
-              <a:t>层面的操作，会使用</a:t>
-            </a:r>
-            <a:r>
-              <a:rPr lang="en-US" altLang="zh-CN" dirty="0"/>
-              <a:t>MR</a:t>
-            </a:r>
-            <a:r>
-              <a:rPr lang="zh-CN" altLang="en-US" dirty="0"/>
-              <a:t>进行数据的并行迁移，因此需要在开启</a:t>
-            </a:r>
-            <a:r>
-              <a:rPr lang="en-US" altLang="zh-CN" dirty="0"/>
-              <a:t>MR</a:t>
-            </a:r>
-            <a:r>
-              <a:rPr lang="zh-CN" altLang="en-US" dirty="0"/>
-              <a:t>的机器上进行迁移。</a:t>
-            </a:r>
-            <a:r>
-              <a:rPr lang="en-US" altLang="zh-CN" dirty="0" err="1"/>
-              <a:t>HMaster</a:t>
-            </a:r>
-            <a:r>
-              <a:rPr lang="zh-CN" altLang="en-US" dirty="0"/>
-              <a:t>和</a:t>
-            </a:r>
-            <a:r>
-              <a:rPr lang="en-US" altLang="zh-CN" dirty="0" err="1"/>
-              <a:t>HRegionServer</a:t>
-            </a:r>
-            <a:r>
-              <a:rPr lang="zh-CN" altLang="en-US" dirty="0"/>
-              <a:t>并不参与这个过程，因此不会带来额外的内存开销以及</a:t>
-            </a:r>
-            <a:r>
-              <a:rPr lang="en-US" altLang="zh-CN" dirty="0"/>
-              <a:t>GC</a:t>
-            </a:r>
-            <a:r>
-              <a:rPr lang="zh-CN" altLang="en-US" dirty="0"/>
-              <a:t>开销。唯一的影响是</a:t>
-            </a:r>
-            <a:r>
-              <a:rPr lang="en-US" altLang="zh-CN" dirty="0"/>
-              <a:t>DN</a:t>
-            </a:r>
-            <a:r>
-              <a:rPr lang="zh-CN" altLang="en-US" dirty="0"/>
-              <a:t>在拷贝数据的时候需要额外的带宽以及</a:t>
-            </a:r>
-            <a:r>
-              <a:rPr lang="en-US" altLang="zh-CN" dirty="0"/>
-              <a:t>IO</a:t>
-            </a:r>
-            <a:r>
-              <a:rPr lang="zh-CN" altLang="en-US" dirty="0"/>
-              <a:t>负载，</a:t>
-            </a:r>
-            <a:r>
-              <a:rPr lang="en-US" altLang="zh-CN" dirty="0" err="1"/>
-              <a:t>ExportSnapshot</a:t>
-            </a:r>
-            <a:r>
-              <a:rPr lang="zh-CN" altLang="en-US" dirty="0"/>
-              <a:t>也针对这个问题设置了参数</a:t>
-            </a:r>
-            <a:r>
-              <a:rPr lang="en-US" altLang="zh-CN" dirty="0"/>
-              <a:t>-bandwidth</a:t>
-            </a:r>
-            <a:r>
-              <a:rPr lang="zh-CN" altLang="en-US" dirty="0"/>
-              <a:t>来限制带宽的使用。    </a:t>
-            </a:r>
-            <a:r>
-              <a:rPr lang="en-US" altLang="zh-CN" dirty="0" err="1"/>
-              <a:t>hbase</a:t>
-            </a:r>
-            <a:r>
-              <a:rPr lang="en-US" altLang="zh-CN" dirty="0"/>
-              <a:t> </a:t>
-            </a:r>
-            <a:r>
-              <a:rPr lang="en-US" altLang="zh-CN" dirty="0" err="1"/>
-              <a:t>org.apache.hadoop.hbase.snapshot.ExportSnapshot</a:t>
-            </a:r>
-            <a:r>
-              <a:rPr lang="en-US" altLang="zh-CN" dirty="0"/>
-              <a:t> \        -snapshot </a:t>
-            </a:r>
-            <a:r>
-              <a:rPr lang="en-US" altLang="zh-CN" dirty="0" err="1"/>
-              <a:t>MySnapshot</a:t>
-            </a:r>
-            <a:r>
-              <a:rPr lang="en-US" altLang="zh-CN" dirty="0"/>
-              <a:t> -copy-from hdfs://srv2:8082/hbase \        -copy-to hdfs://srv1:50070/hbase -mappers 16 -bandwidth  1024\</a:t>
-            </a:r>
-            <a:endParaRPr lang="zh-CN" altLang="en-US" dirty="0"/>
-          </a:p>
-        </p:txBody>
-      </p:sp>
-    </p:spTree>
-    <p:extLst>
-      <p:ext uri="{BB962C8B-B14F-4D97-AF65-F5344CB8AC3E}">
-        <p14:creationId xmlns:p14="http://schemas.microsoft.com/office/powerpoint/2010/main" val="764204804"/>
       </p:ext>
     </p:extLst>
   </p:cSld>
@@ -27505,6 +29352,408 @@
       </p:par>
     </p:tnLst>
   </p:timing>
+</p:sld>
+</file>
+
+<file path=ppt/slides/slide60.xml><?xml version="1.0" encoding="utf-8"?>
+<p:sld xmlns:a="http://schemas.openxmlformats.org/drawingml/2006/main" xmlns:r="http://schemas.openxmlformats.org/officeDocument/2006/relationships" xmlns:p="http://schemas.openxmlformats.org/presentationml/2006/main">
+  <p:cSld>
+    <p:spTree>
+      <p:nvGrpSpPr>
+        <p:cNvPr id="1" name=""/>
+        <p:cNvGrpSpPr/>
+        <p:nvPr/>
+      </p:nvGrpSpPr>
+      <p:grpSpPr>
+        <a:xfrm>
+          <a:off x="0" y="0"/>
+          <a:ext cx="0" cy="0"/>
+          <a:chOff x="0" y="0"/>
+          <a:chExt cx="0" cy="0"/>
+        </a:xfrm>
+      </p:grpSpPr>
+      <p:sp>
+        <p:nvSpPr>
+          <p:cNvPr id="2" name="标题 1"/>
+          <p:cNvSpPr>
+            <a:spLocks noGrp="1"/>
+          </p:cNvSpPr>
+          <p:nvPr>
+            <p:ph type="title"/>
+          </p:nvPr>
+        </p:nvSpPr>
+        <p:spPr/>
+        <p:txBody>
+          <a:bodyPr/>
+          <a:lstStyle/>
+          <a:p>
+            <a:endParaRPr lang="zh-CN" altLang="en-US"/>
+          </a:p>
+        </p:txBody>
+      </p:sp>
+      <p:sp>
+        <p:nvSpPr>
+          <p:cNvPr id="4" name="矩形 3"/>
+          <p:cNvSpPr/>
+          <p:nvPr/>
+        </p:nvSpPr>
+        <p:spPr>
+          <a:xfrm>
+            <a:off x="911766" y="1490569"/>
+            <a:ext cx="9303388" cy="4247317"/>
+          </a:xfrm>
+          <a:prstGeom prst="rect">
+            <a:avLst/>
+          </a:prstGeom>
+        </p:spPr>
+        <p:txBody>
+          <a:bodyPr wrap="square">
+            <a:spAutoFit/>
+          </a:bodyPr>
+          <a:lstStyle/>
+          <a:p>
+            <a:r>
+              <a:rPr lang="en-US" altLang="zh-CN" dirty="0" err="1"/>
+              <a:t>hbase</a:t>
+            </a:r>
+            <a:r>
+              <a:rPr lang="en-US" altLang="zh-CN" dirty="0"/>
+              <a:t> snapshot</a:t>
+            </a:r>
+            <a:r>
+              <a:rPr lang="zh-CN" altLang="en-US" dirty="0"/>
+              <a:t>用法大全</a:t>
+            </a:r>
+            <a:r>
+              <a:rPr lang="en-US" altLang="zh-CN" dirty="0"/>
+              <a:t>snapshot</a:t>
+            </a:r>
+            <a:r>
+              <a:rPr lang="zh-CN" altLang="en-US" dirty="0"/>
+              <a:t>最常用的命令有</a:t>
+            </a:r>
+            <a:r>
+              <a:rPr lang="en-US" altLang="zh-CN" dirty="0"/>
+              <a:t>snapshot</a:t>
+            </a:r>
+            <a:r>
+              <a:rPr lang="zh-CN" altLang="en-US" dirty="0"/>
+              <a:t>、</a:t>
+            </a:r>
+            <a:r>
+              <a:rPr lang="en-US" altLang="zh-CN" dirty="0" err="1"/>
+              <a:t>restore_snapshot</a:t>
+            </a:r>
+            <a:r>
+              <a:rPr lang="zh-CN" altLang="en-US" dirty="0"/>
+              <a:t>、</a:t>
+            </a:r>
+            <a:r>
+              <a:rPr lang="en-US" altLang="zh-CN" dirty="0" err="1"/>
+              <a:t>clone_snapshot</a:t>
+            </a:r>
+            <a:r>
+              <a:rPr lang="zh-CN" altLang="en-US" dirty="0"/>
+              <a:t>以及</a:t>
+            </a:r>
+            <a:r>
+              <a:rPr lang="en-US" altLang="zh-CN" dirty="0" err="1"/>
+              <a:t>ExportSnapshot</a:t>
+            </a:r>
+            <a:r>
+              <a:rPr lang="zh-CN" altLang="en-US" dirty="0"/>
+              <a:t>这个工具，具体使用方法如下：</a:t>
+            </a:r>
+            <a:r>
+              <a:rPr lang="en-US" altLang="zh-CN" dirty="0"/>
+              <a:t>- </a:t>
+            </a:r>
+            <a:r>
+              <a:rPr lang="zh-CN" altLang="en-US" dirty="0"/>
+              <a:t>为表’</a:t>
+            </a:r>
+            <a:r>
+              <a:rPr lang="en-US" altLang="zh-CN" dirty="0" err="1"/>
+              <a:t>sourceTable</a:t>
+            </a:r>
+            <a:r>
+              <a:rPr lang="en-US" altLang="zh-CN" dirty="0"/>
+              <a:t>’</a:t>
+            </a:r>
+            <a:r>
+              <a:rPr lang="zh-CN" altLang="en-US" dirty="0"/>
+              <a:t>打一个快照’</a:t>
+            </a:r>
+            <a:r>
+              <a:rPr lang="en-US" altLang="zh-CN" dirty="0" err="1"/>
+              <a:t>snapshotName</a:t>
+            </a:r>
+            <a:r>
+              <a:rPr lang="en-US" altLang="zh-CN" dirty="0"/>
+              <a:t>’</a:t>
+            </a:r>
+            <a:r>
+              <a:rPr lang="zh-CN" altLang="en-US" dirty="0"/>
+              <a:t>，快照并不涉及数据移动，可以在线完成。    </a:t>
+            </a:r>
+            <a:r>
+              <a:rPr lang="en-US" altLang="zh-CN" dirty="0" err="1"/>
+              <a:t>hbase</a:t>
+            </a:r>
+            <a:r>
+              <a:rPr lang="en-US" altLang="zh-CN" dirty="0"/>
+              <a:t>&gt; snapshot '</a:t>
+            </a:r>
+            <a:r>
+              <a:rPr lang="en-US" altLang="zh-CN" dirty="0" err="1"/>
+              <a:t>sourceTable</a:t>
+            </a:r>
+            <a:r>
+              <a:rPr lang="en-US" altLang="zh-CN" dirty="0"/>
+              <a:t>', ‘</a:t>
+            </a:r>
+            <a:r>
+              <a:rPr lang="en-US" altLang="zh-CN" dirty="0" err="1"/>
+              <a:t>snapshotName</a:t>
+            </a:r>
+            <a:r>
+              <a:rPr lang="en-US" altLang="zh-CN" dirty="0"/>
+              <a:t>'- </a:t>
+            </a:r>
+            <a:r>
+              <a:rPr lang="zh-CN" altLang="en-US" dirty="0"/>
+              <a:t>恢复指定快照，恢复过程会替代原有数据，将表还原到快照点，快照点之后的所有更新将会丢失。需要注意的是原表需要先</a:t>
+            </a:r>
+            <a:r>
+              <a:rPr lang="en-US" altLang="zh-CN" dirty="0"/>
+              <a:t>disable</a:t>
+            </a:r>
+            <a:r>
+              <a:rPr lang="zh-CN" altLang="en-US" dirty="0"/>
+              <a:t>掉，才能执行</a:t>
+            </a:r>
+            <a:r>
+              <a:rPr lang="en-US" altLang="zh-CN" dirty="0" err="1"/>
+              <a:t>restore_snapshot</a:t>
+            </a:r>
+            <a:r>
+              <a:rPr lang="zh-CN" altLang="en-US" dirty="0"/>
+              <a:t>操作。    </a:t>
+            </a:r>
+            <a:r>
+              <a:rPr lang="en-US" altLang="zh-CN" dirty="0" err="1"/>
+              <a:t>hbase</a:t>
+            </a:r>
+            <a:r>
+              <a:rPr lang="en-US" altLang="zh-CN" dirty="0"/>
+              <a:t>&gt; </a:t>
+            </a:r>
+            <a:r>
+              <a:rPr lang="en-US" altLang="zh-CN" dirty="0" err="1"/>
+              <a:t>restore_snapshot</a:t>
+            </a:r>
+            <a:r>
+              <a:rPr lang="en-US" altLang="zh-CN" dirty="0"/>
+              <a:t> ‘</a:t>
+            </a:r>
+            <a:r>
+              <a:rPr lang="en-US" altLang="zh-CN" dirty="0" err="1"/>
+              <a:t>snapshotName</a:t>
+            </a:r>
+            <a:r>
+              <a:rPr lang="en-US" altLang="zh-CN" dirty="0"/>
+              <a:t>'- </a:t>
+            </a:r>
+            <a:r>
+              <a:rPr lang="zh-CN" altLang="en-US" dirty="0"/>
+              <a:t>根据快照恢复出一个新表，恢复过程不涉及数据移动，可以在秒级完成。很好奇是怎么做的吧，且听下文分解。    </a:t>
+            </a:r>
+            <a:r>
+              <a:rPr lang="en-US" altLang="zh-CN" dirty="0" err="1"/>
+              <a:t>hbase</a:t>
+            </a:r>
+            <a:r>
+              <a:rPr lang="en-US" altLang="zh-CN" dirty="0"/>
+              <a:t>&gt; </a:t>
+            </a:r>
+            <a:r>
+              <a:rPr lang="en-US" altLang="zh-CN" dirty="0" err="1"/>
+              <a:t>clone_snapshot</a:t>
+            </a:r>
+            <a:r>
+              <a:rPr lang="en-US" altLang="zh-CN" dirty="0"/>
+              <a:t> '</a:t>
+            </a:r>
+            <a:r>
+              <a:rPr lang="en-US" altLang="zh-CN" dirty="0" err="1"/>
+              <a:t>snapshotName</a:t>
+            </a:r>
+            <a:r>
+              <a:rPr lang="en-US" altLang="zh-CN" dirty="0"/>
+              <a:t>', ‘</a:t>
+            </a:r>
+            <a:r>
+              <a:rPr lang="en-US" altLang="zh-CN" dirty="0" err="1"/>
+              <a:t>tableName</a:t>
+            </a:r>
+            <a:r>
+              <a:rPr lang="en-US" altLang="zh-CN" dirty="0"/>
+              <a:t>'- </a:t>
+            </a:r>
+            <a:r>
+              <a:rPr lang="zh-CN" altLang="en-US" dirty="0"/>
+              <a:t>使用</a:t>
+            </a:r>
+            <a:r>
+              <a:rPr lang="en-US" altLang="zh-CN" dirty="0" err="1"/>
+              <a:t>ExportSnapshot</a:t>
+            </a:r>
+            <a:r>
+              <a:rPr lang="zh-CN" altLang="en-US" dirty="0"/>
+              <a:t>命令可以将</a:t>
+            </a:r>
+            <a:r>
+              <a:rPr lang="en-US" altLang="zh-CN" dirty="0"/>
+              <a:t>A</a:t>
+            </a:r>
+            <a:r>
+              <a:rPr lang="zh-CN" altLang="en-US" dirty="0"/>
+              <a:t>集群的快照数据迁移到</a:t>
+            </a:r>
+            <a:r>
+              <a:rPr lang="en-US" altLang="zh-CN" dirty="0"/>
+              <a:t>B</a:t>
+            </a:r>
+            <a:r>
+              <a:rPr lang="zh-CN" altLang="en-US" dirty="0"/>
+              <a:t>集群，</a:t>
+            </a:r>
+            <a:r>
+              <a:rPr lang="en-US" altLang="zh-CN" dirty="0" err="1"/>
+              <a:t>ExportSnapshot</a:t>
+            </a:r>
+            <a:r>
+              <a:rPr lang="zh-CN" altLang="en-US" dirty="0"/>
+              <a:t>是</a:t>
+            </a:r>
+            <a:r>
+              <a:rPr lang="en-US" altLang="zh-CN" dirty="0"/>
+              <a:t>HDFS</a:t>
+            </a:r>
+            <a:r>
+              <a:rPr lang="zh-CN" altLang="en-US" dirty="0"/>
+              <a:t>层面的操作，会使用</a:t>
+            </a:r>
+            <a:r>
+              <a:rPr lang="en-US" altLang="zh-CN" dirty="0"/>
+              <a:t>MR</a:t>
+            </a:r>
+            <a:r>
+              <a:rPr lang="zh-CN" altLang="en-US" dirty="0"/>
+              <a:t>进行数据的并行迁移，因此需要在开启</a:t>
+            </a:r>
+            <a:r>
+              <a:rPr lang="en-US" altLang="zh-CN" dirty="0"/>
+              <a:t>MR</a:t>
+            </a:r>
+            <a:r>
+              <a:rPr lang="zh-CN" altLang="en-US" dirty="0"/>
+              <a:t>的机器上进行迁移。</a:t>
+            </a:r>
+            <a:r>
+              <a:rPr lang="en-US" altLang="zh-CN" dirty="0" err="1"/>
+              <a:t>HMaster</a:t>
+            </a:r>
+            <a:r>
+              <a:rPr lang="zh-CN" altLang="en-US" dirty="0"/>
+              <a:t>和</a:t>
+            </a:r>
+            <a:r>
+              <a:rPr lang="en-US" altLang="zh-CN" dirty="0" err="1"/>
+              <a:t>HRegionServer</a:t>
+            </a:r>
+            <a:r>
+              <a:rPr lang="zh-CN" altLang="en-US" dirty="0"/>
+              <a:t>并不参与这个过程，因此不会带来额外的内存开销以及</a:t>
+            </a:r>
+            <a:r>
+              <a:rPr lang="en-US" altLang="zh-CN" dirty="0"/>
+              <a:t>GC</a:t>
+            </a:r>
+            <a:r>
+              <a:rPr lang="zh-CN" altLang="en-US" dirty="0"/>
+              <a:t>开销。唯一的影响是</a:t>
+            </a:r>
+            <a:r>
+              <a:rPr lang="en-US" altLang="zh-CN" dirty="0"/>
+              <a:t>DN</a:t>
+            </a:r>
+            <a:r>
+              <a:rPr lang="zh-CN" altLang="en-US" dirty="0"/>
+              <a:t>在拷贝数据的时候需要额外的带宽以及</a:t>
+            </a:r>
+            <a:r>
+              <a:rPr lang="en-US" altLang="zh-CN" dirty="0"/>
+              <a:t>IO</a:t>
+            </a:r>
+            <a:r>
+              <a:rPr lang="zh-CN" altLang="en-US" dirty="0"/>
+              <a:t>负载，</a:t>
+            </a:r>
+            <a:r>
+              <a:rPr lang="en-US" altLang="zh-CN" dirty="0" err="1"/>
+              <a:t>ExportSnapshot</a:t>
+            </a:r>
+            <a:r>
+              <a:rPr lang="zh-CN" altLang="en-US" dirty="0"/>
+              <a:t>也针对这个问题设置了参数</a:t>
+            </a:r>
+            <a:r>
+              <a:rPr lang="en-US" altLang="zh-CN" dirty="0"/>
+              <a:t>-bandwidth</a:t>
+            </a:r>
+            <a:r>
+              <a:rPr lang="zh-CN" altLang="en-US" dirty="0"/>
+              <a:t>来限制带宽的使用。    </a:t>
+            </a:r>
+            <a:r>
+              <a:rPr lang="en-US" altLang="zh-CN" dirty="0" err="1"/>
+              <a:t>hbase</a:t>
+            </a:r>
+            <a:r>
+              <a:rPr lang="en-US" altLang="zh-CN" dirty="0"/>
+              <a:t> </a:t>
+            </a:r>
+            <a:r>
+              <a:rPr lang="en-US" altLang="zh-CN" dirty="0" err="1"/>
+              <a:t>org.apache.hadoop.hbase.snapshot.ExportSnapshot</a:t>
+            </a:r>
+            <a:r>
+              <a:rPr lang="en-US" altLang="zh-CN" dirty="0"/>
+              <a:t> \        -snapshot </a:t>
+            </a:r>
+            <a:r>
+              <a:rPr lang="en-US" altLang="zh-CN" dirty="0" err="1"/>
+              <a:t>MySnapshot</a:t>
+            </a:r>
+            <a:r>
+              <a:rPr lang="en-US" altLang="zh-CN" dirty="0"/>
+              <a:t> -copy-from hdfs://srv2:8082/hbase \        -copy-to hdfs://srv1:50070/hbase -mappers 16 -bandwidth  1024\</a:t>
+            </a:r>
+            <a:endParaRPr lang="zh-CN" altLang="en-US" dirty="0"/>
+          </a:p>
+        </p:txBody>
+      </p:sp>
+    </p:spTree>
+    <p:extLst>
+      <p:ext uri="{BB962C8B-B14F-4D97-AF65-F5344CB8AC3E}">
+        <p14:creationId xmlns:p14="http://schemas.microsoft.com/office/powerpoint/2010/main" val="764204804"/>
+      </p:ext>
+    </p:extLst>
+  </p:cSld>
+  <p:clrMapOvr>
+    <a:masterClrMapping/>
+  </p:clrMapOvr>
 </p:sld>
 </file>
 

--- a/_posts/Hbase基本原理副本.pptx
+++ b/_posts/Hbase基本原理副本.pptx
@@ -5,10 +5,10 @@
     <p:sldMasterId id="2147483660" r:id="rId1"/>
   </p:sldMasterIdLst>
   <p:notesMasterIdLst>
-    <p:notesMasterId r:id="rId62"/>
+    <p:notesMasterId r:id="rId59"/>
   </p:notesMasterIdLst>
   <p:handoutMasterIdLst>
-    <p:handoutMasterId r:id="rId63"/>
+    <p:handoutMasterId r:id="rId60"/>
   </p:handoutMasterIdLst>
   <p:sldIdLst>
     <p:sldId id="256" r:id="rId2"/>
@@ -56,21 +56,18 @@
     <p:sldId id="340" r:id="rId44"/>
     <p:sldId id="341" r:id="rId45"/>
     <p:sldId id="342" r:id="rId46"/>
-    <p:sldId id="345" r:id="rId47"/>
-    <p:sldId id="344" r:id="rId48"/>
-    <p:sldId id="343" r:id="rId49"/>
-    <p:sldId id="346" r:id="rId50"/>
-    <p:sldId id="311" r:id="rId51"/>
-    <p:sldId id="318" r:id="rId52"/>
-    <p:sldId id="319" r:id="rId53"/>
-    <p:sldId id="316" r:id="rId54"/>
-    <p:sldId id="320" r:id="rId55"/>
-    <p:sldId id="321" r:id="rId56"/>
-    <p:sldId id="312" r:id="rId57"/>
-    <p:sldId id="322" r:id="rId58"/>
-    <p:sldId id="323" r:id="rId59"/>
-    <p:sldId id="324" r:id="rId60"/>
-    <p:sldId id="325" r:id="rId61"/>
+    <p:sldId id="344" r:id="rId47"/>
+    <p:sldId id="345" r:id="rId48"/>
+    <p:sldId id="346" r:id="rId49"/>
+    <p:sldId id="343" r:id="rId50"/>
+    <p:sldId id="318" r:id="rId51"/>
+    <p:sldId id="319" r:id="rId52"/>
+    <p:sldId id="320" r:id="rId53"/>
+    <p:sldId id="321" r:id="rId54"/>
+    <p:sldId id="312" r:id="rId55"/>
+    <p:sldId id="322" r:id="rId56"/>
+    <p:sldId id="324" r:id="rId57"/>
+    <p:sldId id="325" r:id="rId58"/>
   </p:sldIdLst>
   <p:sldSz cx="12192000" cy="6858000"/>
   <p:notesSz cx="6858000" cy="9144000"/>
@@ -223,19 +220,16 @@
             <p14:sldId id="340"/>
             <p14:sldId id="341"/>
             <p14:sldId id="342"/>
+            <p14:sldId id="344"/>
             <p14:sldId id="345"/>
-            <p14:sldId id="344"/>
+            <p14:sldId id="346"/>
             <p14:sldId id="343"/>
-            <p14:sldId id="346"/>
-            <p14:sldId id="311"/>
             <p14:sldId id="318"/>
             <p14:sldId id="319"/>
-            <p14:sldId id="316"/>
             <p14:sldId id="320"/>
             <p14:sldId id="321"/>
             <p14:sldId id="312"/>
             <p14:sldId id="322"/>
-            <p14:sldId id="323"/>
             <p14:sldId id="324"/>
             <p14:sldId id="325"/>
           </p14:sldIdLst>
@@ -5762,6 +5756,13 @@
   <p:clrMapOvr>
     <a:masterClrMapping/>
   </p:clrMapOvr>
+  <p:timing>
+    <p:tnLst>
+      <p:par>
+        <p:cTn xmlns:p14="http://schemas.microsoft.com/office/powerpoint/2010/main" id="1" dur="indefinite" restart="never" nodeType="tmRoot"/>
+      </p:par>
+    </p:tnLst>
+  </p:timing>
 </p:sld>
 </file>
 
@@ -6971,6 +6972,13 @@
   <p:clrMapOvr>
     <a:masterClrMapping/>
   </p:clrMapOvr>
+  <p:timing>
+    <p:tnLst>
+      <p:par>
+        <p:cTn xmlns:p14="http://schemas.microsoft.com/office/powerpoint/2010/main" id="1" dur="indefinite" restart="never" nodeType="tmRoot"/>
+      </p:par>
+    </p:tnLst>
+  </p:timing>
 </p:sld>
 </file>
 
@@ -7760,6 +7768,13 @@
   <p:clrMapOvr>
     <a:masterClrMapping/>
   </p:clrMapOvr>
+  <p:timing>
+    <p:tnLst>
+      <p:par>
+        <p:cTn xmlns:p14="http://schemas.microsoft.com/office/powerpoint/2010/main" id="1" dur="indefinite" restart="never" nodeType="tmRoot"/>
+      </p:par>
+    </p:tnLst>
+  </p:timing>
 </p:sld>
 </file>
 
@@ -8595,6 +8610,13 @@
   <p:clrMapOvr>
     <a:masterClrMapping/>
   </p:clrMapOvr>
+  <p:timing>
+    <p:tnLst>
+      <p:par>
+        <p:cTn xmlns:p14="http://schemas.microsoft.com/office/powerpoint/2010/main" id="1" dur="indefinite" restart="never" nodeType="tmRoot"/>
+      </p:par>
+    </p:tnLst>
+  </p:timing>
 </p:sld>
 </file>
 
@@ -9427,6 +9449,13 @@
   <p:clrMapOvr>
     <a:masterClrMapping/>
   </p:clrMapOvr>
+  <p:timing>
+    <p:tnLst>
+      <p:par>
+        <p:cTn xmlns:p14="http://schemas.microsoft.com/office/powerpoint/2010/main" id="1" dur="indefinite" restart="never" nodeType="tmRoot"/>
+      </p:par>
+    </p:tnLst>
+  </p:timing>
 </p:sld>
 </file>
 
@@ -10158,6 +10187,13 @@
   <p:clrMapOvr>
     <a:masterClrMapping/>
   </p:clrMapOvr>
+  <p:timing>
+    <p:tnLst>
+      <p:par>
+        <p:cTn xmlns:p14="http://schemas.microsoft.com/office/powerpoint/2010/main" id="1" dur="indefinite" restart="never" nodeType="tmRoot"/>
+      </p:par>
+    </p:tnLst>
+  </p:timing>
 </p:sld>
 </file>
 
@@ -10874,6 +10910,13 @@
   <p:clrMapOvr>
     <a:masterClrMapping/>
   </p:clrMapOvr>
+  <p:timing>
+    <p:tnLst>
+      <p:par>
+        <p:cTn xmlns:p14="http://schemas.microsoft.com/office/powerpoint/2010/main" id="1" dur="indefinite" restart="never" nodeType="tmRoot"/>
+      </p:par>
+    </p:tnLst>
+  </p:timing>
 </p:sld>
 </file>
 
@@ -11140,6 +11183,13 @@
   <p:clrMapOvr>
     <a:masterClrMapping/>
   </p:clrMapOvr>
+  <p:timing>
+    <p:tnLst>
+      <p:par>
+        <p:cTn xmlns:p14="http://schemas.microsoft.com/office/powerpoint/2010/main" id="1" dur="indefinite" restart="never" nodeType="tmRoot"/>
+      </p:par>
+    </p:tnLst>
+  </p:timing>
 </p:sld>
 </file>
 
@@ -12198,6 +12248,13 @@
   <p:clrMapOvr>
     <a:masterClrMapping/>
   </p:clrMapOvr>
+  <p:timing>
+    <p:tnLst>
+      <p:par>
+        <p:cTn xmlns:p14="http://schemas.microsoft.com/office/powerpoint/2010/main" id="1" dur="indefinite" restart="never" nodeType="tmRoot"/>
+      </p:par>
+    </p:tnLst>
+  </p:timing>
 </p:sld>
 </file>
 
@@ -12282,6 +12339,13 @@
   <p:clrMapOvr>
     <a:masterClrMapping/>
   </p:clrMapOvr>
+  <p:timing>
+    <p:tnLst>
+      <p:par>
+        <p:cTn xmlns:p14="http://schemas.microsoft.com/office/powerpoint/2010/main" id="1" dur="indefinite" restart="never" nodeType="tmRoot"/>
+      </p:par>
+    </p:tnLst>
+  </p:timing>
 </p:sld>
 </file>
 
@@ -13701,6 +13765,13 @@
   <p:clrMapOvr>
     <a:masterClrMapping/>
   </p:clrMapOvr>
+  <p:timing>
+    <p:tnLst>
+      <p:par>
+        <p:cTn xmlns:p14="http://schemas.microsoft.com/office/powerpoint/2010/main" id="1" dur="indefinite" restart="never" nodeType="tmRoot"/>
+      </p:par>
+    </p:tnLst>
+  </p:timing>
 </p:sld>
 </file>
 
@@ -14224,6 +14295,13 @@
   <p:clrMapOvr>
     <a:masterClrMapping/>
   </p:clrMapOvr>
+  <p:timing>
+    <p:tnLst>
+      <p:par>
+        <p:cTn xmlns:p14="http://schemas.microsoft.com/office/powerpoint/2010/main" id="1" dur="indefinite" restart="never" nodeType="tmRoot"/>
+      </p:par>
+    </p:tnLst>
+  </p:timing>
 </p:sld>
 </file>
 
@@ -14501,6 +14579,13 @@
   <p:clrMapOvr>
     <a:masterClrMapping/>
   </p:clrMapOvr>
+  <p:timing>
+    <p:tnLst>
+      <p:par>
+        <p:cTn xmlns:p14="http://schemas.microsoft.com/office/powerpoint/2010/main" id="1" dur="indefinite" restart="never" nodeType="tmRoot"/>
+      </p:par>
+    </p:tnLst>
+  </p:timing>
 </p:sld>
 </file>
 
@@ -15220,6 +15305,13 @@
   <p:clrMapOvr>
     <a:masterClrMapping/>
   </p:clrMapOvr>
+  <p:timing>
+    <p:tnLst>
+      <p:par>
+        <p:cTn xmlns:p14="http://schemas.microsoft.com/office/powerpoint/2010/main" id="1" dur="indefinite" restart="never" nodeType="tmRoot"/>
+      </p:par>
+    </p:tnLst>
+  </p:timing>
 </p:sld>
 </file>
 
@@ -15693,6 +15785,13 @@
   <p:clrMapOvr>
     <a:masterClrMapping/>
   </p:clrMapOvr>
+  <p:timing>
+    <p:tnLst>
+      <p:par>
+        <p:cTn xmlns:p14="http://schemas.microsoft.com/office/powerpoint/2010/main" id="1" dur="indefinite" restart="never" nodeType="tmRoot"/>
+      </p:par>
+    </p:tnLst>
+  </p:timing>
 </p:sld>
 </file>
 
@@ -17384,22 +17483,38 @@
                 <a:ea typeface="仿宋"/>
                 <a:cs typeface="仿宋"/>
               </a:rPr>
-              <a:t>do the actual work:</a:t>
-            </a:r>
-            <a:br>
-              <a:rPr lang="en-US" altLang="zh-CN" sz="1400" dirty="0">
-                <a:latin typeface="仿宋"/>
-                <a:ea typeface="仿宋"/>
-                <a:cs typeface="仿宋"/>
-              </a:rPr>
-            </a:br>
-            <a:r>
-              <a:rPr lang="en-US" altLang="zh-CN" sz="1400" dirty="0">
-                <a:latin typeface="仿宋"/>
-                <a:ea typeface="仿宋"/>
-                <a:cs typeface="仿宋"/>
-              </a:rPr>
-              <a:t>▪ Get the </a:t>
+              <a:t>do the actual work</a:t>
+            </a:r>
+            <a:r>
+              <a:rPr lang="en-US" altLang="zh-CN" sz="1400" dirty="0" smtClean="0">
+                <a:latin typeface="仿宋"/>
+                <a:ea typeface="仿宋"/>
+                <a:cs typeface="仿宋"/>
+              </a:rPr>
+              <a:t>:</a:t>
+            </a:r>
+          </a:p>
+          <a:p>
+            <a:pPr lvl="1">
+              <a:lnSpc>
+                <a:spcPct val="150000"/>
+              </a:lnSpc>
+            </a:pPr>
+            <a:r>
+              <a:rPr lang="en-US" altLang="zh-CN" sz="1400" dirty="0" smtClean="0">
+                <a:latin typeface="仿宋"/>
+                <a:ea typeface="仿宋"/>
+                <a:cs typeface="仿宋"/>
+              </a:rPr>
+              <a:t>▪ </a:t>
+            </a:r>
+            <a:r>
+              <a:rPr lang="en-US" altLang="zh-CN" sz="1400" dirty="0">
+                <a:latin typeface="仿宋"/>
+                <a:ea typeface="仿宋"/>
+                <a:cs typeface="仿宋"/>
+              </a:rPr>
+              <a:t>Get the </a:t>
             </a:r>
             <a:r>
               <a:rPr lang="en-US" altLang="zh-CN" sz="1400" dirty="0" err="1">
@@ -17561,6 +17676,13 @@
   <p:clrMapOvr>
     <a:masterClrMapping/>
   </p:clrMapOvr>
+  <p:timing>
+    <p:tnLst>
+      <p:par>
+        <p:cTn xmlns:p14="http://schemas.microsoft.com/office/powerpoint/2010/main" id="1" dur="indefinite" restart="never" nodeType="tmRoot"/>
+      </p:par>
+    </p:tnLst>
+  </p:timing>
 </p:sld>
 </file>
 
@@ -17757,6 +17879,13 @@
   <p:clrMapOvr>
     <a:masterClrMapping/>
   </p:clrMapOvr>
+  <p:timing>
+    <p:tnLst>
+      <p:par>
+        <p:cTn xmlns:p14="http://schemas.microsoft.com/office/powerpoint/2010/main" id="1" dur="indefinite" restart="never" nodeType="tmRoot"/>
+      </p:par>
+    </p:tnLst>
+  </p:timing>
 </p:sld>
 </file>
 
@@ -18099,6 +18228,13 @@
   <p:clrMapOvr>
     <a:masterClrMapping/>
   </p:clrMapOvr>
+  <p:timing>
+    <p:tnLst>
+      <p:par>
+        <p:cTn xmlns:p14="http://schemas.microsoft.com/office/powerpoint/2010/main" id="1" dur="indefinite" restart="never" nodeType="tmRoot"/>
+      </p:par>
+    </p:tnLst>
+  </p:timing>
 </p:sld>
 </file>
 
@@ -22294,200 +22430,426 @@
         <p:spPr>
           <a:xfrm>
             <a:off x="591287" y="1333534"/>
-            <a:ext cx="9865765" cy="4247317"/>
+            <a:ext cx="10598180" cy="4275528"/>
           </a:xfrm>
           <a:prstGeom prst="rect">
             <a:avLst/>
           </a:prstGeom>
         </p:spPr>
         <p:txBody>
-          <a:bodyPr wrap="none">
+          <a:bodyPr wrap="square">
             <a:spAutoFit/>
           </a:bodyPr>
           <a:lstStyle/>
           <a:p>
-            <a:r>
-              <a:rPr lang="en-US" altLang="zh-CN" b="1" dirty="0"/>
+            <a:pPr>
+              <a:lnSpc>
+                <a:spcPct val="150000"/>
+              </a:lnSpc>
+            </a:pPr>
+            <a:r>
+              <a:rPr lang="en-US" altLang="zh-CN" sz="1400" b="1" dirty="0">
+                <a:latin typeface="仿宋"/>
+                <a:ea typeface="仿宋"/>
+                <a:cs typeface="仿宋"/>
+              </a:rPr>
               <a:t>FIFO </a:t>
             </a:r>
             <a:r>
-              <a:rPr lang="en-US" altLang="zh-CN" b="1" dirty="0" smtClean="0"/>
+              <a:rPr lang="en-US" altLang="zh-CN" sz="1400" b="1" dirty="0" smtClean="0">
+                <a:latin typeface="仿宋"/>
+                <a:ea typeface="仿宋"/>
+                <a:cs typeface="仿宋"/>
+              </a:rPr>
               <a:t>Compaction</a:t>
             </a:r>
           </a:p>
           <a:p>
-            <a:r>
-              <a:rPr lang="zh-CN" altLang="en-US" b="1" dirty="0" smtClean="0"/>
+            <a:pPr marL="285750" indent="-285750">
+              <a:lnSpc>
+                <a:spcPct val="150000"/>
+              </a:lnSpc>
+              <a:buFont typeface="Wingdings" charset="2"/>
+              <a:buChar char="l"/>
+            </a:pPr>
+            <a:r>
+              <a:rPr lang="zh-CN" altLang="en-US" sz="1400" b="1" dirty="0" smtClean="0">
+                <a:latin typeface="仿宋"/>
+                <a:ea typeface="仿宋"/>
+                <a:cs typeface="仿宋"/>
+              </a:rPr>
               <a:t>收集过期的文件（</a:t>
             </a:r>
             <a:r>
-              <a:rPr lang="en-US" altLang="zh-CN" dirty="0"/>
+              <a:rPr lang="en-US" altLang="zh-CN" sz="1400" dirty="0">
+                <a:latin typeface="仿宋"/>
+                <a:ea typeface="仿宋"/>
+                <a:cs typeface="仿宋"/>
+              </a:rPr>
               <a:t>files which have all cells </a:t>
             </a:r>
             <a:r>
-              <a:rPr lang="en-US" altLang="zh-CN" dirty="0" smtClean="0"/>
+              <a:rPr lang="en-US" altLang="zh-CN" sz="1400" dirty="0" smtClean="0">
+                <a:latin typeface="仿宋"/>
+                <a:ea typeface="仿宋"/>
+                <a:cs typeface="仿宋"/>
+              </a:rPr>
               <a:t>expired</a:t>
             </a:r>
             <a:r>
-              <a:rPr lang="zh-CN" altLang="en-US" dirty="0" smtClean="0"/>
+              <a:rPr lang="zh-CN" altLang="en-US" sz="1400" dirty="0" smtClean="0">
+                <a:latin typeface="仿宋"/>
+                <a:ea typeface="仿宋"/>
+                <a:cs typeface="仿宋"/>
+              </a:rPr>
               <a:t>）</a:t>
             </a:r>
             <a:r>
-              <a:rPr lang="zh-CN" altLang="en-US" b="1" dirty="0" smtClean="0"/>
+              <a:rPr lang="zh-CN" altLang="en-US" sz="1400" b="1" dirty="0" smtClean="0">
+                <a:latin typeface="仿宋"/>
+                <a:ea typeface="仿宋"/>
+                <a:cs typeface="仿宋"/>
+              </a:rPr>
               <a:t>并且删除，</a:t>
             </a:r>
-            <a:endParaRPr lang="en-US" altLang="zh-CN" b="1" dirty="0" smtClean="0"/>
-          </a:p>
-          <a:p>
-            <a:r>
-              <a:rPr lang="zh-CN" altLang="en-US" b="1" dirty="0" smtClean="0"/>
+            <a:endParaRPr lang="en-US" altLang="zh-CN" sz="1400" b="1" dirty="0" smtClean="0">
+              <a:latin typeface="仿宋"/>
+              <a:ea typeface="仿宋"/>
+              <a:cs typeface="仿宋"/>
+            </a:endParaRPr>
+          </a:p>
+          <a:p>
+            <a:pPr marL="285750" indent="-285750">
+              <a:lnSpc>
+                <a:spcPct val="150000"/>
+              </a:lnSpc>
+              <a:buFont typeface="Wingdings" charset="2"/>
+              <a:buChar char="l"/>
+            </a:pPr>
+            <a:r>
+              <a:rPr lang="zh-CN" altLang="en-US" sz="1400" b="1" dirty="0" smtClean="0">
+                <a:latin typeface="仿宋"/>
+                <a:ea typeface="仿宋"/>
+                <a:cs typeface="仿宋"/>
+              </a:rPr>
               <a:t>要求</a:t>
             </a:r>
             <a:r>
-              <a:rPr lang="en-US" altLang="zh-CN" b="1" dirty="0" smtClean="0"/>
+              <a:rPr lang="en-US" altLang="zh-CN" sz="1400" b="1" dirty="0" smtClean="0">
+                <a:latin typeface="仿宋"/>
+                <a:ea typeface="仿宋"/>
+                <a:cs typeface="仿宋"/>
+              </a:rPr>
               <a:t>CF</a:t>
             </a:r>
             <a:r>
-              <a:rPr lang="zh-CN" altLang="en-US" b="1" dirty="0" smtClean="0"/>
+              <a:rPr lang="zh-CN" altLang="en-US" sz="1400" b="1" dirty="0" smtClean="0">
+                <a:latin typeface="仿宋"/>
+                <a:ea typeface="仿宋"/>
+                <a:cs typeface="仿宋"/>
+              </a:rPr>
               <a:t>一定要有</a:t>
             </a:r>
             <a:r>
-              <a:rPr lang="en-US" altLang="zh-CN" b="1" dirty="0" smtClean="0"/>
+              <a:rPr lang="en-US" altLang="zh-CN" sz="1400" b="1" dirty="0" smtClean="0">
+                <a:latin typeface="仿宋"/>
+                <a:ea typeface="仿宋"/>
+                <a:cs typeface="仿宋"/>
+              </a:rPr>
               <a:t>TTL</a:t>
             </a:r>
           </a:p>
           <a:p>
-            <a:r>
-              <a:rPr lang="zh-CN" altLang="en-US" b="1" dirty="0" smtClean="0"/>
+            <a:pPr>
+              <a:lnSpc>
+                <a:spcPct val="150000"/>
+              </a:lnSpc>
+            </a:pPr>
+            <a:r>
+              <a:rPr lang="zh-CN" altLang="en-US" sz="1400" b="1" dirty="0" smtClean="0">
+                <a:latin typeface="仿宋"/>
+                <a:ea typeface="仿宋"/>
+                <a:cs typeface="仿宋"/>
+              </a:rPr>
               <a:t>应用场景：</a:t>
             </a:r>
-            <a:endParaRPr lang="en-US" altLang="zh-CN" b="1" dirty="0" smtClean="0"/>
+            <a:endParaRPr lang="en-US" altLang="zh-CN" sz="1400" b="1" dirty="0" smtClean="0">
+              <a:latin typeface="仿宋"/>
+              <a:ea typeface="仿宋"/>
+              <a:cs typeface="仿宋"/>
+            </a:endParaRPr>
           </a:p>
           <a:p>
             <a:pPr marL="342900" indent="-342900">
+              <a:lnSpc>
+                <a:spcPct val="150000"/>
+              </a:lnSpc>
               <a:buAutoNum type="arabicPeriod"/>
             </a:pPr>
             <a:r>
-              <a:rPr lang="zh-CN" altLang="en-US" b="1" dirty="0" smtClean="0"/>
+              <a:rPr lang="zh-CN" altLang="en-US" sz="1400" b="1" dirty="0" smtClean="0">
+                <a:latin typeface="仿宋"/>
+                <a:ea typeface="仿宋"/>
+                <a:cs typeface="仿宋"/>
+              </a:rPr>
               <a:t>大量短时间存储</a:t>
             </a:r>
             <a:r>
-              <a:rPr lang="zh-CN" altLang="en-US" b="1" dirty="0"/>
+              <a:rPr lang="zh-CN" altLang="en-US" sz="1400" b="1" dirty="0">
+                <a:latin typeface="仿宋"/>
+                <a:ea typeface="仿宋"/>
+                <a:cs typeface="仿宋"/>
+              </a:rPr>
               <a:t>的原始数据，比如推荐业务，上层业务只需要最近时间内用户的行为特征</a:t>
             </a:r>
             <a:r>
-              <a:rPr lang="zh-CN" altLang="en-US" b="1" dirty="0" smtClean="0"/>
+              <a:rPr lang="zh-CN" altLang="en-US" sz="1400" b="1" dirty="0" smtClean="0">
+                <a:latin typeface="仿宋"/>
+                <a:ea typeface="仿宋"/>
+                <a:cs typeface="仿宋"/>
+              </a:rPr>
               <a:t>，</a:t>
             </a:r>
-            <a:endParaRPr lang="en-US" altLang="zh-CN" b="1" dirty="0" smtClean="0"/>
-          </a:p>
-          <a:p>
-            <a:r>
-              <a:rPr lang="zh-CN" altLang="en-US" b="1" dirty="0" smtClean="0"/>
+            <a:endParaRPr lang="en-US" altLang="zh-CN" sz="1400" b="1" dirty="0" smtClean="0">
+              <a:latin typeface="仿宋"/>
+              <a:ea typeface="仿宋"/>
+              <a:cs typeface="仿宋"/>
+            </a:endParaRPr>
+          </a:p>
+          <a:p>
+            <a:pPr>
+              <a:lnSpc>
+                <a:spcPct val="150000"/>
+              </a:lnSpc>
+            </a:pPr>
+            <a:r>
+              <a:rPr lang="zh-CN" altLang="en-US" sz="1400" b="1" dirty="0" smtClean="0">
+                <a:latin typeface="仿宋"/>
+                <a:ea typeface="仿宋"/>
+                <a:cs typeface="仿宋"/>
+              </a:rPr>
               <a:t>利用这些行为特征进行聚合为用户进行推荐。</a:t>
             </a:r>
-            <a:endParaRPr lang="en-US" altLang="zh-CN" b="1" dirty="0" smtClean="0"/>
-          </a:p>
-          <a:p>
-            <a:r>
-              <a:rPr lang="en-US" altLang="zh-CN" b="1" dirty="0" smtClean="0"/>
+            <a:endParaRPr lang="en-US" altLang="zh-CN" sz="1400" b="1" dirty="0" smtClean="0">
+              <a:latin typeface="仿宋"/>
+              <a:ea typeface="仿宋"/>
+              <a:cs typeface="仿宋"/>
+            </a:endParaRPr>
+          </a:p>
+          <a:p>
+            <a:pPr>
+              <a:lnSpc>
+                <a:spcPct val="150000"/>
+              </a:lnSpc>
+            </a:pPr>
+            <a:r>
+              <a:rPr lang="en-US" altLang="zh-CN" sz="1400" b="1" dirty="0" smtClean="0">
+                <a:latin typeface="仿宋"/>
+                <a:ea typeface="仿宋"/>
+                <a:cs typeface="仿宋"/>
+              </a:rPr>
               <a:t>2.</a:t>
             </a:r>
             <a:r>
-              <a:rPr lang="en-US" altLang="zh-CN" b="1" dirty="0" smtClean="0"/>
+              <a:rPr lang="zh-CN" altLang="en-US" sz="1400" b="1" dirty="0" smtClean="0">
+                <a:latin typeface="仿宋"/>
+                <a:ea typeface="仿宋"/>
+                <a:cs typeface="仿宋"/>
+              </a:rPr>
+              <a:t>  </a:t>
+            </a:r>
+            <a:r>
+              <a:rPr lang="en-US" altLang="zh-CN" sz="1400" b="1" dirty="0" err="1" smtClean="0">
+                <a:latin typeface="仿宋"/>
+                <a:ea typeface="仿宋"/>
+                <a:cs typeface="仿宋"/>
+              </a:rPr>
               <a:t>Nginx</a:t>
             </a:r>
             <a:r>
-              <a:rPr lang="zh-CN" altLang="en-US" b="1" dirty="0"/>
+              <a:rPr lang="zh-CN" altLang="en-US" sz="1400" b="1" dirty="0">
+                <a:latin typeface="仿宋"/>
+                <a:ea typeface="仿宋"/>
+                <a:cs typeface="仿宋"/>
+              </a:rPr>
               <a:t>日志，用户只需要存储最近几天的日志，方便查询某个用户最近一段时间的操作行为等等</a:t>
             </a:r>
-            <a:endParaRPr lang="en-US" altLang="zh-CN" b="1" dirty="0" smtClean="0"/>
-          </a:p>
-          <a:p>
-            <a:r>
-              <a:rPr lang="en-US" altLang="zh-CN" dirty="0" smtClean="0"/>
+            <a:endParaRPr lang="en-US" altLang="zh-CN" sz="1400" b="1" dirty="0" smtClean="0">
+              <a:latin typeface="仿宋"/>
+              <a:ea typeface="仿宋"/>
+              <a:cs typeface="仿宋"/>
+            </a:endParaRPr>
+          </a:p>
+          <a:p>
+            <a:pPr>
+              <a:lnSpc>
+                <a:spcPct val="150000"/>
+              </a:lnSpc>
+            </a:pPr>
+            <a:r>
+              <a:rPr lang="en-US" altLang="zh-CN" sz="1400" dirty="0" smtClean="0">
+                <a:latin typeface="仿宋"/>
+                <a:ea typeface="仿宋"/>
+                <a:cs typeface="仿宋"/>
+              </a:rPr>
               <a:t>3.</a:t>
             </a:r>
             <a:r>
-              <a:rPr lang="en-US" altLang="zh-CN" dirty="0" smtClean="0"/>
+              <a:rPr lang="en-US" altLang="zh-CN" sz="1400" dirty="0" smtClean="0">
+                <a:latin typeface="仿宋"/>
+                <a:ea typeface="仿宋"/>
+                <a:cs typeface="仿宋"/>
+              </a:rPr>
               <a:t> </a:t>
             </a:r>
             <a:r>
-              <a:rPr lang="en-US" altLang="zh-CN" dirty="0"/>
+              <a:rPr lang="en-US" altLang="zh-CN" sz="1400" dirty="0">
+                <a:latin typeface="仿宋"/>
+                <a:ea typeface="仿宋"/>
+                <a:cs typeface="仿宋"/>
+              </a:rPr>
               <a:t>The column family MUST have non-default TTL. One of the use cases for this </a:t>
             </a:r>
-            <a:br>
-              <a:rPr lang="en-US" altLang="zh-CN" dirty="0"/>
-            </a:br>
-            <a:r>
-              <a:rPr lang="en-US" altLang="zh-CN" dirty="0" smtClean="0"/>
+            <a:r>
+              <a:rPr lang="en-US" altLang="zh-CN" sz="1400" dirty="0" smtClean="0">
+                <a:latin typeface="仿宋"/>
+                <a:ea typeface="仿宋"/>
+                <a:cs typeface="仿宋"/>
+              </a:rPr>
+              <a:t>policy </a:t>
+            </a:r>
+            <a:r>
+              <a:rPr lang="en-US" altLang="zh-CN" sz="1400" dirty="0">
+                <a:latin typeface="仿宋"/>
+                <a:ea typeface="仿宋"/>
+                <a:cs typeface="仿宋"/>
+              </a:rPr>
+              <a:t>is when we need to store raw data which will be post-processed </a:t>
+            </a:r>
+            <a:r>
+              <a:rPr lang="en-US" altLang="zh-CN" sz="1400" dirty="0" smtClean="0">
+                <a:latin typeface="仿宋"/>
+                <a:ea typeface="仿宋"/>
+                <a:cs typeface="仿宋"/>
+              </a:rPr>
+              <a:t>later</a:t>
+            </a:r>
+            <a:r>
+              <a:rPr lang="zh-CN" altLang="en-US" sz="1400" dirty="0" smtClean="0">
+                <a:latin typeface="仿宋"/>
+                <a:ea typeface="仿宋"/>
+                <a:cs typeface="仿宋"/>
+              </a:rPr>
               <a:t> </a:t>
             </a:r>
             <a:r>
-              <a:rPr lang="en-US" altLang="zh-CN" dirty="0"/>
-              <a:t>policy is when we need to store raw data which will be post-processed </a:t>
-            </a:r>
-            <a:r>
-              <a:rPr lang="en-US" altLang="zh-CN" dirty="0" smtClean="0"/>
-              <a:t>later</a:t>
-            </a:r>
-          </a:p>
-          <a:p>
-            <a:r>
-              <a:rPr lang="en-US" altLang="zh-CN" dirty="0" smtClean="0"/>
+              <a:rPr lang="en-US" altLang="zh-CN" sz="1400" dirty="0" smtClean="0">
+                <a:latin typeface="仿宋"/>
+                <a:ea typeface="仿宋"/>
+                <a:cs typeface="仿宋"/>
+              </a:rPr>
+              <a:t>and </a:t>
+            </a:r>
+            <a:r>
+              <a:rPr lang="en-US" altLang="zh-CN" sz="1400" dirty="0">
+                <a:latin typeface="仿宋"/>
+                <a:ea typeface="仿宋"/>
+                <a:cs typeface="仿宋"/>
+              </a:rPr>
+              <a:t>discarded completely after quite short period of time. Raw time-series vs. </a:t>
+            </a:r>
+            <a:r>
+              <a:rPr lang="en-US" altLang="zh-CN" sz="1400" dirty="0" smtClean="0">
+                <a:latin typeface="仿宋"/>
+                <a:ea typeface="仿宋"/>
+                <a:cs typeface="仿宋"/>
+              </a:rPr>
+              <a:t>time</a:t>
+            </a:r>
+            <a:r>
+              <a:rPr lang="en-US" altLang="zh-CN" sz="1400" dirty="0">
+                <a:latin typeface="仿宋"/>
+                <a:ea typeface="仿宋"/>
+                <a:cs typeface="仿宋"/>
+              </a:rPr>
+              <a:t>-based roll up aggregates and compacted time-series. We collect raw time-</a:t>
+            </a:r>
+            <a:r>
+              <a:rPr lang="en-US" altLang="zh-CN" sz="1400" dirty="0" smtClean="0">
+                <a:latin typeface="仿宋"/>
+                <a:ea typeface="仿宋"/>
+                <a:cs typeface="仿宋"/>
+              </a:rPr>
+              <a:t>series</a:t>
+            </a:r>
+            <a:r>
+              <a:rPr lang="zh-CN" altLang="zh-CN" sz="1400" dirty="0" smtClean="0">
+                <a:latin typeface="仿宋"/>
+                <a:ea typeface="仿宋"/>
+                <a:cs typeface="仿宋"/>
+              </a:rPr>
               <a:t> </a:t>
             </a:r>
             <a:r>
-              <a:rPr lang="en-US" altLang="zh-CN" dirty="0"/>
-              <a:t>and discarded completely after quite short period of time. Raw time-series vs. </a:t>
-            </a:r>
-            <a:br>
-              <a:rPr lang="en-US" altLang="zh-CN" dirty="0"/>
-            </a:br>
-            <a:r>
-              <a:rPr lang="en-US" altLang="zh-CN" dirty="0" smtClean="0"/>
-              <a:t> </a:t>
-            </a:r>
-            <a:r>
-              <a:rPr lang="en-US" altLang="zh-CN" dirty="0"/>
-              <a:t>time-based roll up aggregates and compacted time-series. We collect raw time-series</a:t>
-            </a:r>
-            <a:br>
-              <a:rPr lang="en-US" altLang="zh-CN" dirty="0"/>
-            </a:br>
-            <a:r>
-              <a:rPr lang="en-US" altLang="zh-CN" dirty="0" smtClean="0"/>
-              <a:t> </a:t>
-            </a:r>
-            <a:r>
-              <a:rPr lang="en-US" altLang="zh-CN" dirty="0"/>
-              <a:t>and store them into CF with FIFO compaction policy, periodically we run task </a:t>
-            </a:r>
-            <a:br>
-              <a:rPr lang="en-US" altLang="zh-CN" dirty="0"/>
-            </a:br>
-            <a:r>
-              <a:rPr lang="en-US" altLang="zh-CN" dirty="0" smtClean="0"/>
-              <a:t> </a:t>
-            </a:r>
-            <a:r>
-              <a:rPr lang="en-US" altLang="zh-CN" dirty="0"/>
-              <a:t>which creates roll up aggregates and compacts time-series, the original raw data </a:t>
-            </a:r>
-            <a:br>
-              <a:rPr lang="en-US" altLang="zh-CN" dirty="0"/>
-            </a:br>
-            <a:r>
-              <a:rPr lang="en-US" altLang="zh-CN" dirty="0" smtClean="0"/>
-              <a:t> </a:t>
-            </a:r>
-            <a:r>
-              <a:rPr lang="en-US" altLang="zh-CN" dirty="0"/>
-              <a:t>can be discarded after that.</a:t>
-            </a:r>
-          </a:p>
-          <a:p>
-            <a:endParaRPr lang="zh-CN" altLang="en-US" dirty="0"/>
+              <a:rPr lang="en-US" altLang="zh-CN" sz="1400" dirty="0" smtClean="0">
+                <a:latin typeface="仿宋"/>
+                <a:ea typeface="仿宋"/>
+                <a:cs typeface="仿宋"/>
+              </a:rPr>
+              <a:t>and </a:t>
+            </a:r>
+            <a:r>
+              <a:rPr lang="en-US" altLang="zh-CN" sz="1400" dirty="0">
+                <a:latin typeface="仿宋"/>
+                <a:ea typeface="仿宋"/>
+                <a:cs typeface="仿宋"/>
+              </a:rPr>
+              <a:t>store them into CF with FIFO compaction policy, periodically we run task </a:t>
+            </a:r>
+            <a:r>
+              <a:rPr lang="en-US" altLang="zh-CN" sz="1400" dirty="0" smtClean="0">
+                <a:latin typeface="仿宋"/>
+                <a:ea typeface="仿宋"/>
+                <a:cs typeface="仿宋"/>
+              </a:rPr>
+              <a:t>which </a:t>
+            </a:r>
+            <a:r>
+              <a:rPr lang="en-US" altLang="zh-CN" sz="1400" dirty="0">
+                <a:latin typeface="仿宋"/>
+                <a:ea typeface="仿宋"/>
+                <a:cs typeface="仿宋"/>
+              </a:rPr>
+              <a:t>creates roll up aggregates and compacts time-series, the original raw data </a:t>
+            </a:r>
+            <a:r>
+              <a:rPr lang="en-US" altLang="zh-CN" sz="1400" dirty="0" smtClean="0">
+                <a:latin typeface="仿宋"/>
+                <a:ea typeface="仿宋"/>
+                <a:cs typeface="仿宋"/>
+              </a:rPr>
+              <a:t>can </a:t>
+            </a:r>
+            <a:r>
+              <a:rPr lang="en-US" altLang="zh-CN" sz="1400" dirty="0">
+                <a:latin typeface="仿宋"/>
+                <a:ea typeface="仿宋"/>
+                <a:cs typeface="仿宋"/>
+              </a:rPr>
+              <a:t>be discarded after that.</a:t>
+            </a:r>
+          </a:p>
+          <a:p>
+            <a:pPr>
+              <a:lnSpc>
+                <a:spcPct val="150000"/>
+              </a:lnSpc>
+            </a:pPr>
+            <a:endParaRPr lang="zh-CN" altLang="en-US" sz="1400" dirty="0">
+              <a:latin typeface="仿宋"/>
+              <a:ea typeface="仿宋"/>
+              <a:cs typeface="仿宋"/>
+            </a:endParaRPr>
           </a:p>
         </p:txBody>
       </p:sp>
@@ -22550,21 +22912,21 @@
       </p:sp>
       <p:sp>
         <p:nvSpPr>
-          <p:cNvPr id="3" name="矩形 2"/>
+          <p:cNvPr id="6" name="矩形 5"/>
           <p:cNvSpPr/>
           <p:nvPr/>
         </p:nvSpPr>
         <p:spPr>
           <a:xfrm>
-            <a:off x="640132" y="1184788"/>
-            <a:ext cx="2994442" cy="369332"/>
+            <a:off x="588147" y="1593110"/>
+            <a:ext cx="11024643" cy="3416320"/>
           </a:xfrm>
           <a:prstGeom prst="rect">
             <a:avLst/>
           </a:prstGeom>
         </p:spPr>
         <p:txBody>
-          <a:bodyPr wrap="none">
+          <a:bodyPr wrap="square">
             <a:spAutoFit/>
           </a:bodyPr>
           <a:lstStyle/>
@@ -22575,28 +22937,50 @@
             </a:r>
             <a:endParaRPr lang="zh-CN" altLang="en-US" dirty="0"/>
           </a:p>
-        </p:txBody>
-      </p:sp>
-      <p:sp>
-        <p:nvSpPr>
-          <p:cNvPr id="5" name="矩形 4"/>
-          <p:cNvSpPr/>
-          <p:nvPr/>
-        </p:nvSpPr>
-        <p:spPr>
-          <a:xfrm>
-            <a:off x="2613236" y="3233566"/>
-            <a:ext cx="6096000" cy="2862323"/>
-          </a:xfrm>
-          <a:prstGeom prst="rect">
-            <a:avLst/>
-          </a:prstGeom>
-        </p:spPr>
-        <p:txBody>
-          <a:bodyPr>
-            <a:spAutoFit/>
-          </a:bodyPr>
-          <a:lstStyle/>
+          <a:p>
+            <a:endParaRPr lang="en-US" altLang="zh-CN" dirty="0" smtClean="0"/>
+          </a:p>
+          <a:p>
+            <a:r>
+              <a:rPr lang="zh-CN" altLang="en-US" dirty="0" smtClean="0"/>
+              <a:t>记录下</a:t>
+            </a:r>
+            <a:r>
+              <a:rPr lang="zh-CN" altLang="en-US" dirty="0"/>
+              <a:t>所有合适的文件集合，并在这些文件集合中寻找最优解。最优解可以理解为：待合并文件数最多或者待合并文件数相同的情况下文件大小较小，这样有利于减少</a:t>
+            </a:r>
+            <a:r>
+              <a:rPr lang="en-US" altLang="zh-CN" dirty="0"/>
+              <a:t>compaction</a:t>
+            </a:r>
+            <a:r>
+              <a:rPr lang="zh-CN" altLang="en-US" dirty="0"/>
+              <a:t>带来的</a:t>
+            </a:r>
+            <a:r>
+              <a:rPr lang="en-US" altLang="zh-CN" dirty="0"/>
+              <a:t>IO</a:t>
+            </a:r>
+            <a:r>
+              <a:rPr lang="zh-CN" altLang="en-US" dirty="0"/>
+              <a:t>消耗</a:t>
+            </a:r>
+            <a:r>
+              <a:rPr lang="zh-CN" altLang="en-US" dirty="0" smtClean="0"/>
+              <a:t>。</a:t>
+            </a:r>
+            <a:endParaRPr lang="en-US" altLang="zh-CN" dirty="0" smtClean="0"/>
+          </a:p>
+          <a:p>
+            <a:endParaRPr lang="en-US" altLang="zh-CN" dirty="0" smtClean="0"/>
+          </a:p>
+          <a:p>
+            <a:r>
+              <a:rPr lang="zh-CN" altLang="en-US" dirty="0" smtClean="0"/>
+              <a:t>场景：</a:t>
+            </a:r>
+            <a:endParaRPr lang="en-US" altLang="zh-CN" dirty="0"/>
+          </a:p>
           <a:p>
             <a:r>
               <a:rPr lang="en-US" altLang="zh-CN" dirty="0"/>
@@ -22644,49 +23028,7 @@
             </a:r>
             <a:endParaRPr lang="zh-CN" altLang="en-US" dirty="0"/>
           </a:p>
-        </p:txBody>
-      </p:sp>
-      <p:sp>
-        <p:nvSpPr>
-          <p:cNvPr id="6" name="矩形 5"/>
-          <p:cNvSpPr/>
-          <p:nvPr/>
-        </p:nvSpPr>
-        <p:spPr>
-          <a:xfrm>
-            <a:off x="782648" y="1684645"/>
-            <a:ext cx="6096000" cy="1200329"/>
-          </a:xfrm>
-          <a:prstGeom prst="rect">
-            <a:avLst/>
-          </a:prstGeom>
-        </p:spPr>
-        <p:txBody>
-          <a:bodyPr>
-            <a:spAutoFit/>
-          </a:bodyPr>
-          <a:lstStyle/>
-          <a:p>
-            <a:r>
-              <a:rPr lang="zh-CN" altLang="en-US" dirty="0"/>
-              <a:t>记录下所有合适的文件集合，并在这些文件集合中寻找最优解。最优解可以理解为：待合并文件数最多或者待合并文件数相同的情况下文件大小较小，这样有利于减少</a:t>
-            </a:r>
-            <a:r>
-              <a:rPr lang="en-US" altLang="zh-CN" dirty="0"/>
-              <a:t>compaction</a:t>
-            </a:r>
-            <a:r>
-              <a:rPr lang="zh-CN" altLang="en-US" dirty="0"/>
-              <a:t>带来的</a:t>
-            </a:r>
-            <a:r>
-              <a:rPr lang="en-US" altLang="zh-CN" dirty="0"/>
-              <a:t>IO</a:t>
-            </a:r>
-            <a:r>
-              <a:rPr lang="zh-CN" altLang="en-US" dirty="0"/>
-              <a:t>消耗。</a:t>
-            </a:r>
+          <a:p>
             <a:endParaRPr lang="zh-CN" altLang="en-US" dirty="0"/>
           </a:p>
         </p:txBody>
@@ -24137,8 +24479,8 @@
         </p:nvSpPr>
         <p:spPr>
           <a:xfrm>
-            <a:off x="251704" y="1881490"/>
-            <a:ext cx="11631383" cy="3629198"/>
+            <a:off x="560618" y="1492464"/>
+            <a:ext cx="10491556" cy="3952363"/>
           </a:xfrm>
           <a:prstGeom prst="rect">
             <a:avLst/>
@@ -24150,14 +24492,16 @@
           </a:bodyPr>
           <a:lstStyle/>
           <a:p>
-            <a:pPr>
+            <a:pPr marL="342900" indent="-342900">
               <a:lnSpc>
                 <a:spcPct val="150000"/>
               </a:lnSpc>
+              <a:buFont typeface="+mj-lt"/>
+              <a:buAutoNum type="arabicPeriod"/>
             </a:pPr>
             <a:r>
               <a:rPr lang="en-US" altLang="zh-CN" sz="1400" dirty="0" smtClean="0"/>
-              <a:t>1. </a:t>
+              <a:t> </a:t>
             </a:r>
             <a:r>
               <a:rPr lang="en-US" altLang="zh-CN" sz="1400" dirty="0" smtClean="0"/>
@@ -24185,15 +24529,13 @@
             </a:r>
           </a:p>
           <a:p>
-            <a:pPr>
+            <a:pPr marL="342900" indent="-342900">
               <a:lnSpc>
                 <a:spcPct val="150000"/>
               </a:lnSpc>
+              <a:buFont typeface="+mj-lt"/>
+              <a:buAutoNum type="arabicPeriod"/>
             </a:pPr>
-            <a:r>
-              <a:rPr lang="en-US" altLang="zh-CN" sz="1400" dirty="0" smtClean="0"/>
-              <a:t>2. </a:t>
-            </a:r>
             <a:r>
               <a:rPr lang="en-US" altLang="zh-CN" sz="1400" dirty="0" smtClean="0"/>
               <a:t>If </a:t>
@@ -24212,19 +24554,13 @@
             </a:r>
           </a:p>
           <a:p>
-            <a:pPr>
+            <a:pPr marL="342900" indent="-342900">
               <a:lnSpc>
                 <a:spcPct val="150000"/>
               </a:lnSpc>
+              <a:buFont typeface="+mj-lt"/>
+              <a:buAutoNum type="arabicPeriod"/>
             </a:pPr>
-            <a:r>
-              <a:rPr lang="en-US" altLang="zh-CN" sz="1400" dirty="0" smtClean="0"/>
-              <a:t>3.</a:t>
-            </a:r>
-            <a:r>
-              <a:rPr lang="zh-CN" altLang="en-US" sz="1400" dirty="0" smtClean="0"/>
-              <a:t> </a:t>
-            </a:r>
             <a:r>
               <a:rPr lang="en-US" altLang="zh-CN" sz="1400" dirty="0" smtClean="0"/>
               <a:t>Some </a:t>
@@ -24239,7 +24575,7 @@
             </a:r>
           </a:p>
           <a:p>
-            <a:pPr marL="285750" indent="-285750">
+            <a:pPr marL="742950" lvl="1" indent="-285750">
               <a:lnSpc>
                 <a:spcPct val="150000"/>
               </a:lnSpc>
@@ -24261,7 +24597,7 @@
             <a:endParaRPr lang="en-US" altLang="zh-CN" sz="1400" dirty="0"/>
           </a:p>
           <a:p>
-            <a:pPr marL="285750" indent="-285750">
+            <a:pPr marL="742950" lvl="1" indent="-285750">
               <a:lnSpc>
                 <a:spcPct val="150000"/>
               </a:lnSpc>
@@ -24367,7 +24703,7 @@
         <p:spPr>
           <a:xfrm>
             <a:off x="297470" y="1217860"/>
-            <a:ext cx="11631383" cy="5478422"/>
+            <a:ext cx="11631383" cy="5262978"/>
           </a:xfrm>
           <a:prstGeom prst="rect">
             <a:avLst/>
@@ -24382,10 +24718,10 @@
             <a:endParaRPr lang="en-US" altLang="zh-CN" sz="1400" dirty="0"/>
           </a:p>
           <a:p>
-            <a:r>
-              <a:rPr lang="en-US" altLang="zh-CN" sz="1400" dirty="0" smtClean="0"/>
-              <a:t>4. </a:t>
-            </a:r>
+            <a:pPr marL="342900" indent="-342900">
+              <a:buFont typeface="+mj-lt"/>
+              <a:buAutoNum type="arabicPeriod" startAt="4"/>
+            </a:pPr>
             <a:r>
               <a:rPr lang="en-US" altLang="zh-CN" sz="1400" dirty="0" smtClean="0"/>
               <a:t>Iterate </a:t>
@@ -24636,50 +24972,39 @@
             </a:r>
             <a:r>
               <a:rPr lang="en-US" altLang="zh-CN" sz="1400" u="sng" dirty="0"/>
-              <a:t> in the set.</a:t>
-            </a:r>
-          </a:p>
-          <a:p>
-            <a:endParaRPr lang="en-US" altLang="zh-CN" sz="1400" u="sng" dirty="0"/>
-          </a:p>
-          <a:p>
-            <a:endParaRPr lang="en-US" altLang="zh-CN" sz="1400" u="sng" dirty="0"/>
-          </a:p>
-          <a:p>
+              <a:t> in the </a:t>
+            </a:r>
             <a:r>
               <a:rPr lang="en-US" altLang="zh-CN" sz="1400" u="sng" dirty="0" smtClean="0"/>
-              <a:t>5.</a:t>
-            </a:r>
-            <a:r>
-              <a:rPr lang="zh-CN" altLang="en-US" sz="1400" u="sng" dirty="0" smtClean="0"/>
-              <a:t> </a:t>
-            </a:r>
+              <a:t>set.</a:t>
+            </a:r>
+          </a:p>
+          <a:p>
+            <a:endParaRPr lang="en-US" altLang="zh-CN" sz="1400" u="sng" dirty="0" smtClean="0"/>
+          </a:p>
+          <a:p>
+            <a:pPr marL="342900" indent="-342900">
+              <a:buFont typeface="+mj-lt"/>
+              <a:buAutoNum type="arabicPeriod" startAt="5"/>
+            </a:pPr>
             <a:r>
               <a:rPr lang="en-US" altLang="zh-CN" sz="1400" u="sng" dirty="0" smtClean="0"/>
-              <a:t>If </a:t>
-            </a:r>
-            <a:r>
-              <a:rPr lang="en-US" altLang="zh-CN" sz="1400" u="sng" dirty="0"/>
-              <a:t>this set of </a:t>
-            </a:r>
-            <a:r>
-              <a:rPr lang="en-US" altLang="zh-CN" sz="1400" u="sng" dirty="0" err="1"/>
+              <a:t>If this set of </a:t>
+            </a:r>
+            <a:r>
+              <a:rPr lang="en-US" altLang="zh-CN" sz="1400" u="sng" dirty="0" err="1" smtClean="0"/>
               <a:t>StoreFiles</a:t>
             </a:r>
             <a:r>
-              <a:rPr lang="en-US" altLang="zh-CN" sz="1400" u="sng" dirty="0"/>
+              <a:rPr lang="en-US" altLang="zh-CN" sz="1400" u="sng" dirty="0" smtClean="0"/>
               <a:t> is still in consideration, compare it to the previously-selected best compaction. If it is better, replace the previously-selected best compaction with this one.</a:t>
             </a:r>
           </a:p>
           <a:p>
-            <a:r>
-              <a:rPr lang="en-US" altLang="zh-CN" sz="1400" u="sng" dirty="0" smtClean="0"/>
-              <a:t>6.</a:t>
-            </a:r>
-            <a:r>
-              <a:rPr lang="zh-CN" altLang="en-US" sz="1400" u="sng" dirty="0" smtClean="0"/>
-              <a:t> </a:t>
-            </a:r>
+            <a:pPr marL="342900" indent="-342900">
+              <a:buFont typeface="+mj-lt"/>
+              <a:buAutoNum type="arabicPeriod" startAt="5"/>
+            </a:pPr>
             <a:r>
               <a:rPr lang="en-US" altLang="zh-CN" sz="1400" u="sng" dirty="0" smtClean="0"/>
               <a:t>When </a:t>
@@ -25032,15 +25357,13 @@
           </a:bodyPr>
           <a:lstStyle/>
           <a:p>
-            <a:pPr>
+            <a:pPr marL="342900" indent="-342900">
               <a:lnSpc>
                 <a:spcPct val="150000"/>
               </a:lnSpc>
+              <a:buFont typeface="+mj-lt"/>
+              <a:buAutoNum type="arabicPeriod"/>
             </a:pPr>
-            <a:r>
-              <a:rPr lang="en-US" altLang="zh-CN" sz="1400" dirty="0" smtClean="0"/>
-              <a:t>1.</a:t>
-            </a:r>
             <a:r>
               <a:rPr lang="en-US" altLang="zh-CN" sz="1400" dirty="0" smtClean="0"/>
               <a:t>The </a:t>
@@ -25083,15 +25406,13 @@
             </a:r>
           </a:p>
           <a:p>
-            <a:pPr>
+            <a:pPr marL="342900" indent="-342900">
               <a:lnSpc>
                 <a:spcPct val="150000"/>
               </a:lnSpc>
+              <a:buFont typeface="+mj-lt"/>
+              <a:buAutoNum type="arabicPeriod"/>
             </a:pPr>
-            <a:r>
-              <a:rPr lang="en-US" altLang="zh-CN" sz="1400" dirty="0" smtClean="0"/>
-              <a:t>2.</a:t>
-            </a:r>
             <a:r>
               <a:rPr lang="en-US" altLang="zh-CN" sz="1400" dirty="0" smtClean="0"/>
               <a:t>Check </a:t>
@@ -25122,15 +25443,13 @@
             </a:r>
           </a:p>
           <a:p>
-            <a:pPr>
+            <a:pPr marL="342900" indent="-342900">
               <a:lnSpc>
                 <a:spcPct val="150000"/>
               </a:lnSpc>
+              <a:buFont typeface="+mj-lt"/>
+              <a:buAutoNum type="arabicPeriod"/>
             </a:pPr>
-            <a:r>
-              <a:rPr lang="en-US" altLang="zh-CN" sz="1400" u="sng" dirty="0" smtClean="0"/>
-              <a:t>3.</a:t>
-            </a:r>
             <a:r>
               <a:rPr lang="en-US" altLang="zh-CN" sz="1400" u="sng" dirty="0" smtClean="0"/>
               <a:t>If </a:t>
@@ -25165,15 +25484,13 @@
             </a:r>
           </a:p>
           <a:p>
-            <a:pPr>
+            <a:pPr marL="342900" indent="-342900">
               <a:lnSpc>
                 <a:spcPct val="150000"/>
               </a:lnSpc>
+              <a:buFont typeface="+mj-lt"/>
+              <a:buAutoNum type="arabicPeriod"/>
             </a:pPr>
-            <a:r>
-              <a:rPr lang="en-US" altLang="zh-CN" sz="1400" u="sng" dirty="0" smtClean="0"/>
-              <a:t>4.</a:t>
-            </a:r>
             <a:r>
               <a:rPr lang="en-US" altLang="zh-CN" sz="1400" u="sng" dirty="0" smtClean="0"/>
               <a:t>Some </a:t>
@@ -25188,7 +25505,7 @@
             </a:r>
           </a:p>
           <a:p>
-            <a:pPr marL="285750" indent="-285750">
+            <a:pPr marL="742950" lvl="1" indent="-285750">
               <a:lnSpc>
                 <a:spcPct val="150000"/>
               </a:lnSpc>
@@ -25210,7 +25527,7 @@
             <a:endParaRPr lang="en-US" altLang="zh-CN" sz="1400" u="sng" dirty="0"/>
           </a:p>
           <a:p>
-            <a:pPr marL="285750" indent="-285750">
+            <a:pPr marL="742950" lvl="1" indent="-285750">
               <a:lnSpc>
                 <a:spcPct val="150000"/>
               </a:lnSpc>
@@ -25310,7 +25627,7 @@
         </p:nvSpPr>
         <p:spPr>
           <a:xfrm>
-            <a:off x="503412" y="1606053"/>
+            <a:off x="572059" y="1388657"/>
             <a:ext cx="10823350" cy="4616648"/>
           </a:xfrm>
           <a:prstGeom prst="rect">
@@ -25323,10 +25640,10 @@
           </a:bodyPr>
           <a:lstStyle/>
           <a:p>
-            <a:r>
-              <a:rPr lang="en-US" altLang="zh-CN" sz="1400" dirty="0" smtClean="0"/>
-              <a:t>5.</a:t>
-            </a:r>
+            <a:pPr marL="342900" indent="-342900">
+              <a:buFont typeface="+mj-lt"/>
+              <a:buAutoNum type="arabicPeriod" startAt="5"/>
+            </a:pPr>
             <a:r>
               <a:rPr lang="en-US" altLang="zh-CN" sz="1400" dirty="0" smtClean="0"/>
               <a:t>The </a:t>
@@ -25373,14 +25690,18 @@
             </a:r>
             <a:r>
               <a:rPr lang="en-US" altLang="zh-CN" sz="1400" dirty="0"/>
-              <a:t> to compact.</a:t>
-            </a:r>
-          </a:p>
-          <a:p>
+              <a:t> to </a:t>
+            </a:r>
             <a:r>
               <a:rPr lang="en-US" altLang="zh-CN" sz="1400" dirty="0" smtClean="0"/>
-              <a:t>6.</a:t>
-            </a:r>
+              <a:t>compact.</a:t>
+            </a:r>
+          </a:p>
+          <a:p>
+            <a:pPr marL="342900" indent="-342900">
+              <a:buFont typeface="+mj-lt"/>
+              <a:buAutoNum type="arabicPeriod" startAt="5"/>
+            </a:pPr>
             <a:r>
               <a:rPr lang="en-US" altLang="zh-CN" sz="1400" dirty="0" smtClean="0"/>
               <a:t>If </a:t>
@@ -25418,15 +25739,15 @@
               <a:t>StoreFile</a:t>
             </a:r>
             <a:r>
-              <a:rPr lang="en-US" altLang="zh-CN" sz="1400" dirty="0"/>
+              <a:rPr lang="en-US" altLang="zh-CN" sz="1400" dirty="0" smtClean="0"/>
               <a:t>.</a:t>
             </a:r>
           </a:p>
           <a:p>
-            <a:r>
-              <a:rPr lang="en-US" altLang="zh-CN" sz="1400" dirty="0" smtClean="0"/>
-              <a:t>6.</a:t>
-            </a:r>
+            <a:pPr marL="342900" indent="-342900">
+              <a:buFont typeface="+mj-lt"/>
+              <a:buAutoNum type="arabicPeriod" startAt="5"/>
+            </a:pPr>
             <a:r>
               <a:rPr lang="en-US" altLang="zh-CN" sz="1400" dirty="0" smtClean="0"/>
               <a:t>The </a:t>
@@ -25541,15 +25862,19 @@
             </a:r>
             <a:r>
               <a:rPr lang="en-US" altLang="zh-CN" sz="1400" dirty="0"/>
-              <a:t>. +              <a:t>.</a:t>
+            </a:r>
+            <a:r>
+              <a:rPr lang="en-US" altLang="zh-CN" sz="1400" dirty="0" smtClean="0"/>
+              <a:t>  </a:t>
             </a:r>
           </a:p>
           <a:p>
-            <a:r>
-              <a:rPr lang="en-US" altLang="zh-CN" sz="1400" dirty="0" smtClean="0"/>
-              <a:t>8.</a:t>
-            </a:r>
+            <a:pPr marL="342900" indent="-342900">
+              <a:buFont typeface="+mj-lt"/>
+              <a:buAutoNum type="arabicPeriod" startAt="5"/>
+            </a:pPr>
             <a:r>
               <a:rPr lang="en-US" altLang="zh-CN" sz="1400" dirty="0" smtClean="0"/>
               <a:t>If </a:t>
@@ -25653,8 +25978,8 @@
         </p:nvSpPr>
         <p:spPr>
           <a:xfrm>
-            <a:off x="320353" y="1217396"/>
-            <a:ext cx="12015734" cy="5909311"/>
+            <a:off x="503412" y="1183070"/>
+            <a:ext cx="11166585" cy="5568189"/>
           </a:xfrm>
           <a:prstGeom prst="rect">
             <a:avLst/>
@@ -25666,118 +25991,288 @@
           </a:bodyPr>
           <a:lstStyle/>
           <a:p>
-            <a:r>
-              <a:rPr lang="zh-CN" altLang="en-US" dirty="0"/>
+            <a:pPr>
+              <a:lnSpc>
+                <a:spcPct val="150000"/>
+              </a:lnSpc>
+            </a:pPr>
+            <a:r>
+              <a:rPr lang="zh-CN" altLang="en-US" sz="1400" dirty="0">
+                <a:latin typeface="仿宋"/>
+                <a:ea typeface="仿宋"/>
+                <a:cs typeface="仿宋"/>
+              </a:rPr>
               <a:t>Date Tiered Compaction我们假设有这样一种场景：新数据的产生与时间有关，而且无更新、删除场景读取时通常会指定时间范围，而且通常读取最近的数据在这种情形下，如果将老数据与新数据合并在一起，那么，指定时间范围读取时，就需要扫描一些不必要的老数据：因为合并后，数据按RowKey排序，RowKey排序未必与按照数据产生的时间排序一致，这使得新老数据交叉存放，而扫描时老数据也会被读到。这是Date Tiered Compaction的设计初衷，Date Tiered Compaction在选择文件执行合并的时候，会感知Date信息，使得Compaction时，不需要将新老数据合并在一起。这对于基于Time Range的Scan操作是非常有利的，因为与本次Scan不相关的文件可以直接忽略</a:t>
             </a:r>
             <a:r>
-              <a:rPr lang="zh-CN" altLang="en-US" dirty="0" smtClean="0"/>
+              <a:rPr lang="zh-CN" altLang="en-US" sz="1400" dirty="0" smtClean="0">
+                <a:latin typeface="仿宋"/>
+                <a:ea typeface="仿宋"/>
+                <a:cs typeface="仿宋"/>
+              </a:rPr>
               <a:t>。</a:t>
             </a:r>
-            <a:endParaRPr lang="en-US" altLang="zh-CN" dirty="0" smtClean="0"/>
-          </a:p>
-          <a:p>
-            <a:endParaRPr lang="en-US" altLang="zh-CN" dirty="0"/>
-          </a:p>
-          <a:p>
-            <a:r>
-              <a:rPr lang="en-US" altLang="zh-CN" dirty="0"/>
-              <a:t>When To Use Date Tiered Compactions</a:t>
-            </a:r>
-          </a:p>
-          <a:p>
-            <a:r>
-              <a:rPr lang="en-US" altLang="zh-CN" dirty="0"/>
-              <a:t>Consider using Date Tiered Compaction for reads for limited time ranges, especially scans of recent data</a:t>
-            </a:r>
-          </a:p>
-          <a:p>
-            <a:endParaRPr lang="en-US" altLang="zh-CN" dirty="0"/>
-          </a:p>
-          <a:p>
-            <a:r>
-              <a:rPr lang="en-US" altLang="zh-CN" dirty="0"/>
-              <a:t>Improve date-range-based scan by structuring store files in date-based tiered layout</a:t>
-            </a:r>
-          </a:p>
-          <a:p>
-            <a:endParaRPr lang="en-US" altLang="zh-CN" dirty="0"/>
-          </a:p>
-          <a:p>
-            <a:r>
-              <a:rPr lang="en-US" altLang="zh-CN" dirty="0"/>
+            <a:endParaRPr lang="en-US" altLang="zh-CN" sz="1400" dirty="0" smtClean="0">
+              <a:latin typeface="仿宋"/>
+              <a:ea typeface="仿宋"/>
+              <a:cs typeface="仿宋"/>
+            </a:endParaRPr>
+          </a:p>
+          <a:p>
+            <a:pPr>
+              <a:lnSpc>
+                <a:spcPct val="150000"/>
+              </a:lnSpc>
+            </a:pPr>
+            <a:endParaRPr lang="en-US" altLang="zh-CN" sz="1400" dirty="0" smtClean="0">
+              <a:latin typeface="仿宋"/>
+              <a:ea typeface="仿宋"/>
+              <a:cs typeface="仿宋"/>
+            </a:endParaRPr>
+          </a:p>
+          <a:p>
+            <a:pPr>
+              <a:lnSpc>
+                <a:spcPct val="150000"/>
+              </a:lnSpc>
+            </a:pPr>
+            <a:r>
+              <a:rPr lang="zh-CN" altLang="en-US" sz="1400" dirty="0" smtClean="0">
+                <a:latin typeface="仿宋"/>
+                <a:ea typeface="仿宋"/>
+                <a:cs typeface="仿宋"/>
+              </a:rPr>
+              <a:t>场景：</a:t>
+            </a:r>
+            <a:endParaRPr lang="en-US" altLang="zh-CN" sz="1400" dirty="0">
+              <a:latin typeface="仿宋"/>
+              <a:ea typeface="仿宋"/>
+              <a:cs typeface="仿宋"/>
+            </a:endParaRPr>
+          </a:p>
+          <a:p>
+            <a:pPr marL="742950" lvl="1" indent="-285750">
+              <a:lnSpc>
+                <a:spcPct val="150000"/>
+              </a:lnSpc>
+              <a:buFont typeface="Wingdings" charset="2"/>
+              <a:buChar char="l"/>
+            </a:pPr>
+            <a:r>
+              <a:rPr lang="en-US" altLang="zh-CN" sz="1400" dirty="0" smtClean="0">
+                <a:latin typeface="仿宋"/>
+                <a:ea typeface="仿宋"/>
+                <a:cs typeface="仿宋"/>
+              </a:rPr>
+              <a:t>Consider </a:t>
+            </a:r>
+            <a:r>
+              <a:rPr lang="en-US" altLang="zh-CN" sz="1400" dirty="0">
+                <a:latin typeface="仿宋"/>
+                <a:ea typeface="仿宋"/>
+                <a:cs typeface="仿宋"/>
+              </a:rPr>
+              <a:t>using Date Tiered Compaction for reads for limited time ranges, especially scans of recent data</a:t>
+            </a:r>
+          </a:p>
+          <a:p>
+            <a:pPr>
+              <a:lnSpc>
+                <a:spcPct val="150000"/>
+              </a:lnSpc>
+            </a:pPr>
+            <a:endParaRPr lang="en-US" altLang="zh-CN" sz="1400" dirty="0">
+              <a:latin typeface="仿宋"/>
+              <a:ea typeface="仿宋"/>
+              <a:cs typeface="仿宋"/>
+            </a:endParaRPr>
+          </a:p>
+          <a:p>
+            <a:pPr marL="742950" lvl="1" indent="-285750">
+              <a:lnSpc>
+                <a:spcPct val="150000"/>
+              </a:lnSpc>
+              <a:buFont typeface="Wingdings" charset="2"/>
+              <a:buChar char="l"/>
+            </a:pPr>
+            <a:r>
+              <a:rPr lang="en-US" altLang="zh-CN" sz="1400" dirty="0">
+                <a:latin typeface="仿宋"/>
+                <a:ea typeface="仿宋"/>
+                <a:cs typeface="仿宋"/>
+              </a:rPr>
               <a:t>Don’t use it for</a:t>
             </a:r>
           </a:p>
           <a:p>
-            <a:r>
-              <a:rPr lang="en-US" altLang="zh-CN" dirty="0"/>
+            <a:pPr marL="1200150" lvl="2" indent="-285750">
+              <a:lnSpc>
+                <a:spcPct val="150000"/>
+              </a:lnSpc>
+              <a:buFont typeface="Wingdings" charset="2"/>
+              <a:buChar char="²"/>
+            </a:pPr>
+            <a:r>
+              <a:rPr lang="en-US" altLang="zh-CN" sz="1400" dirty="0">
+                <a:latin typeface="仿宋"/>
+                <a:ea typeface="仿宋"/>
+                <a:cs typeface="仿宋"/>
+              </a:rPr>
               <a:t>random gets without a limited time range</a:t>
             </a:r>
           </a:p>
           <a:p>
-            <a:r>
-              <a:rPr lang="en-US" altLang="zh-CN" dirty="0"/>
+            <a:pPr marL="1200150" lvl="2" indent="-285750">
+              <a:lnSpc>
+                <a:spcPct val="150000"/>
+              </a:lnSpc>
+              <a:buFont typeface="Wingdings" charset="2"/>
+              <a:buChar char="²"/>
+            </a:pPr>
+            <a:r>
+              <a:rPr lang="en-US" altLang="zh-CN" sz="1400" dirty="0">
+                <a:latin typeface="仿宋"/>
+                <a:ea typeface="仿宋"/>
+                <a:cs typeface="仿宋"/>
+              </a:rPr>
               <a:t>frequent deletes and updates</a:t>
             </a:r>
           </a:p>
           <a:p>
-            <a:r>
-              <a:rPr lang="en-US" altLang="zh-CN" dirty="0"/>
+            <a:pPr marL="1200150" lvl="2" indent="-285750">
+              <a:lnSpc>
+                <a:spcPct val="150000"/>
+              </a:lnSpc>
+              <a:buFont typeface="Wingdings" charset="2"/>
+              <a:buChar char="²"/>
+            </a:pPr>
+            <a:r>
+              <a:rPr lang="en-US" altLang="zh-CN" sz="1400" dirty="0">
+                <a:latin typeface="仿宋"/>
+                <a:ea typeface="仿宋"/>
+                <a:cs typeface="仿宋"/>
+              </a:rPr>
               <a:t>Frequent out of order data writes creating long tails, especially writes with future timestamps</a:t>
             </a:r>
           </a:p>
           <a:p>
-            <a:r>
-              <a:rPr lang="en-US" altLang="zh-CN" dirty="0"/>
+            <a:pPr marL="1200150" lvl="2" indent="-285750">
+              <a:lnSpc>
+                <a:spcPct val="150000"/>
+              </a:lnSpc>
+              <a:buFont typeface="Wingdings" charset="2"/>
+              <a:buChar char="²"/>
+            </a:pPr>
+            <a:r>
+              <a:rPr lang="en-US" altLang="zh-CN" sz="1400" dirty="0">
+                <a:latin typeface="仿宋"/>
+                <a:ea typeface="仿宋"/>
+                <a:cs typeface="仿宋"/>
+              </a:rPr>
               <a:t>frequent bulk loads with heavily overlapping time ranges</a:t>
             </a:r>
           </a:p>
           <a:p>
-            <a:endParaRPr lang="en-US" altLang="zh-CN" dirty="0"/>
-          </a:p>
-          <a:p>
-            <a:r>
-              <a:rPr lang="zh-CN" altLang="en-US" dirty="0"/>
+            <a:pPr marL="285750" indent="-285750">
+              <a:lnSpc>
+                <a:spcPct val="150000"/>
+              </a:lnSpc>
+              <a:buFont typeface="Wingdings" charset="2"/>
+              <a:buChar char="ü"/>
+            </a:pPr>
+            <a:r>
+              <a:rPr lang="zh-CN" altLang="en-US" sz="1400" dirty="0" smtClean="0">
+                <a:latin typeface="仿宋"/>
+                <a:ea typeface="仿宋"/>
+                <a:cs typeface="仿宋"/>
+              </a:rPr>
               <a:t>根据</a:t>
             </a:r>
             <a:r>
-              <a:rPr lang="en-US" altLang="zh-CN" dirty="0"/>
+              <a:rPr lang="en-US" altLang="zh-CN" sz="1400" dirty="0">
+                <a:latin typeface="仿宋"/>
+                <a:ea typeface="仿宋"/>
+                <a:cs typeface="仿宋"/>
+              </a:rPr>
               <a:t>Cell</a:t>
             </a:r>
             <a:r>
-              <a:rPr lang="zh-CN" altLang="en-US" dirty="0"/>
+              <a:rPr lang="zh-CN" altLang="en-US" sz="1400" dirty="0">
+                <a:latin typeface="仿宋"/>
+                <a:ea typeface="仿宋"/>
+                <a:cs typeface="仿宋"/>
+              </a:rPr>
               <a:t>的时间和配置判断是否需要</a:t>
             </a:r>
             <a:r>
-              <a:rPr lang="en-US" altLang="zh-CN" dirty="0"/>
+              <a:rPr lang="en-US" altLang="zh-CN" sz="1400" dirty="0">
+                <a:latin typeface="仿宋"/>
+                <a:ea typeface="仿宋"/>
+                <a:cs typeface="仿宋"/>
+              </a:rPr>
               <a:t>compact</a:t>
             </a:r>
           </a:p>
           <a:p>
-            <a:r>
-              <a:rPr lang="zh-CN" altLang="en-US" dirty="0"/>
+            <a:pPr marL="285750" indent="-285750">
+              <a:lnSpc>
+                <a:spcPct val="150000"/>
+              </a:lnSpc>
+              <a:buFont typeface="Wingdings" charset="2"/>
+              <a:buChar char="ü"/>
+            </a:pPr>
+            <a:r>
+              <a:rPr lang="zh-CN" altLang="en-US" sz="1400" dirty="0">
+                <a:latin typeface="仿宋"/>
+                <a:ea typeface="仿宋"/>
+                <a:cs typeface="仿宋"/>
+              </a:rPr>
               <a:t>根据</a:t>
             </a:r>
             <a:r>
-              <a:rPr lang="en-US" altLang="zh-CN" dirty="0"/>
+              <a:rPr lang="en-US" altLang="zh-CN" sz="1400" dirty="0">
+                <a:latin typeface="仿宋"/>
+                <a:ea typeface="仿宋"/>
+                <a:cs typeface="仿宋"/>
+              </a:rPr>
               <a:t>Cell</a:t>
             </a:r>
             <a:r>
-              <a:rPr lang="zh-CN" altLang="en-US" dirty="0"/>
+              <a:rPr lang="zh-CN" altLang="en-US" sz="1400" dirty="0">
+                <a:latin typeface="仿宋"/>
+                <a:ea typeface="仿宋"/>
+                <a:cs typeface="仿宋"/>
+              </a:rPr>
               <a:t>的时间戳来生成</a:t>
             </a:r>
             <a:r>
-              <a:rPr lang="en-US" altLang="zh-CN" dirty="0"/>
+              <a:rPr lang="en-US" altLang="zh-CN" sz="1400" dirty="0">
+                <a:latin typeface="仿宋"/>
+                <a:ea typeface="仿宋"/>
+                <a:cs typeface="仿宋"/>
+              </a:rPr>
               <a:t>Writer</a:t>
             </a:r>
             <a:r>
-              <a:rPr lang="zh-CN" altLang="en-US" dirty="0"/>
+              <a:rPr lang="zh-CN" altLang="en-US" sz="1400" dirty="0">
+                <a:latin typeface="仿宋"/>
+                <a:ea typeface="仿宋"/>
+                <a:cs typeface="仿宋"/>
+              </a:rPr>
               <a:t>，从而根据时间来进行分层</a:t>
             </a:r>
           </a:p>
           <a:p>
-            <a:endParaRPr lang="zh-CN" altLang="en-US" dirty="0"/>
+            <a:pPr>
+              <a:lnSpc>
+                <a:spcPct val="150000"/>
+              </a:lnSpc>
+            </a:pPr>
+            <a:endParaRPr lang="zh-CN" altLang="en-US" sz="1400" dirty="0">
+              <a:latin typeface="仿宋"/>
+              <a:ea typeface="仿宋"/>
+              <a:cs typeface="仿宋"/>
+            </a:endParaRPr>
           </a:p>
         </p:txBody>
       </p:sp>
@@ -25827,10 +26322,192 @@
           <a:lstStyle/>
           <a:p>
             <a:r>
-              <a:rPr lang="en-US" altLang="zh-CN" u="sng"/>
+              <a:rPr lang="en-US" altLang="zh-CN" u="sng" dirty="0"/>
               <a:t>Stripe Compactions</a:t>
             </a:r>
-            <a:endParaRPr kumimoji="1" lang="zh-CN" altLang="en-US"/>
+            <a:endParaRPr lang="en-US" altLang="zh-CN" u="sng" dirty="0"/>
+          </a:p>
+        </p:txBody>
+      </p:sp>
+      <p:sp>
+        <p:nvSpPr>
+          <p:cNvPr id="4" name="矩形 3"/>
+          <p:cNvSpPr/>
+          <p:nvPr/>
+        </p:nvSpPr>
+        <p:spPr>
+          <a:xfrm>
+            <a:off x="732234" y="1225688"/>
+            <a:ext cx="10823351" cy="4524316"/>
+          </a:xfrm>
+          <a:prstGeom prst="rect">
+            <a:avLst/>
+          </a:prstGeom>
+        </p:spPr>
+        <p:txBody>
+          <a:bodyPr wrap="square">
+            <a:spAutoFit/>
+          </a:bodyPr>
+          <a:lstStyle/>
+          <a:p>
+            <a:r>
+              <a:rPr lang="en-US" altLang="zh-CN" dirty="0"/>
+              <a:t>Stripe Compactions</a:t>
+            </a:r>
+          </a:p>
+          <a:p>
+            <a:r>
+              <a:rPr lang="en-US" altLang="zh-CN" dirty="0"/>
+              <a:t>Stripe compactions is an experimental feature added in </a:t>
+            </a:r>
+            <a:r>
+              <a:rPr lang="en-US" altLang="zh-CN" dirty="0" err="1"/>
+              <a:t>HBase</a:t>
+            </a:r>
+            <a:r>
+              <a:rPr lang="en-US" altLang="zh-CN" dirty="0"/>
+              <a:t> 0.98 which aims to improve compactions for large regions or non-uniformly distributed row keys. In order to achieve smaller and/or more granular compactions, the </a:t>
+            </a:r>
+            <a:r>
+              <a:rPr lang="en-US" altLang="zh-CN" dirty="0" err="1"/>
+              <a:t>StoreFiles</a:t>
+            </a:r>
+            <a:r>
+              <a:rPr lang="en-US" altLang="zh-CN" dirty="0"/>
+              <a:t> within a region are maintained separately for several row-key sub-ranges, or "stripes", of the region. The stripes are transparent to the rest of </a:t>
+            </a:r>
+            <a:r>
+              <a:rPr lang="en-US" altLang="zh-CN" dirty="0" err="1"/>
+              <a:t>HBase</a:t>
+            </a:r>
+            <a:r>
+              <a:rPr lang="en-US" altLang="zh-CN" dirty="0"/>
+              <a:t>, so other operations on the </a:t>
+            </a:r>
+            <a:r>
+              <a:rPr lang="en-US" altLang="zh-CN" dirty="0" err="1"/>
+              <a:t>HFiles</a:t>
+            </a:r>
+            <a:r>
+              <a:rPr lang="en-US" altLang="zh-CN" dirty="0"/>
+              <a:t> or data work without modification.</a:t>
+            </a:r>
+          </a:p>
+          <a:p>
+            <a:r>
+              <a:rPr lang="en-US" altLang="zh-CN" dirty="0"/>
+              <a:t>Stripe compactions change the </a:t>
+            </a:r>
+            <a:r>
+              <a:rPr lang="en-US" altLang="zh-CN" dirty="0" err="1"/>
+              <a:t>HFile</a:t>
+            </a:r>
+            <a:r>
+              <a:rPr lang="en-US" altLang="zh-CN" dirty="0"/>
+              <a:t> layout, creating sub-regions within regions. These sub-regions are easier to compact, and should result in fewer major compactions. This approach alleviates some of the challenges of larger regions.</a:t>
+            </a:r>
+          </a:p>
+          <a:p>
+            <a:endParaRPr lang="en-US" altLang="zh-CN" u="sng" dirty="0" smtClean="0"/>
+          </a:p>
+          <a:p>
+            <a:r>
+              <a:rPr lang="zh-CN" altLang="en-US" u="sng" dirty="0" smtClean="0"/>
+              <a:t>场景</a:t>
+            </a:r>
+            <a:endParaRPr lang="en-US" altLang="zh-CN" u="sng" dirty="0" smtClean="0"/>
+          </a:p>
+          <a:p>
+            <a:r>
+              <a:rPr lang="en-US" altLang="zh-CN" u="sng" dirty="0" smtClean="0"/>
+              <a:t>Consider </a:t>
+            </a:r>
+            <a:r>
+              <a:rPr lang="en-US" altLang="zh-CN" u="sng" dirty="0"/>
+              <a:t>using stripe compaction if you have either of the following:</a:t>
+            </a:r>
+          </a:p>
+          <a:p>
+            <a:pPr marL="285750" indent="-285750">
+              <a:buFont typeface="Wingdings" charset="2"/>
+              <a:buChar char="l"/>
+            </a:pPr>
+            <a:r>
+              <a:rPr lang="en-US" altLang="zh-CN" u="sng" dirty="0"/>
+              <a:t>Large regions. You can get the positive effects of smaller regions without additional overhead for </a:t>
+            </a:r>
+            <a:r>
+              <a:rPr lang="en-US" altLang="zh-CN" u="sng" dirty="0" err="1"/>
+              <a:t>MemStore</a:t>
+            </a:r>
+            <a:r>
+              <a:rPr lang="en-US" altLang="zh-CN" u="sng" dirty="0"/>
+              <a:t> and region management overhead.</a:t>
+            </a:r>
+          </a:p>
+          <a:p>
+            <a:pPr marL="285750" indent="-285750">
+              <a:buFont typeface="Wingdings" charset="2"/>
+              <a:buChar char="l"/>
+            </a:pPr>
+            <a:r>
+              <a:rPr lang="en-US" altLang="zh-CN" u="sng" dirty="0"/>
+              <a:t>Non-uniform keys, such as time dimension in a key. Only the stripes receiving the new keys will need to compact. Old data will not compact as often, if at all</a:t>
+            </a:r>
+            <a:endParaRPr lang="zh-CN" altLang="en-US" dirty="0"/>
+          </a:p>
+        </p:txBody>
+      </p:sp>
+    </p:spTree>
+    <p:extLst>
+      <p:ext uri="{BB962C8B-B14F-4D97-AF65-F5344CB8AC3E}">
+        <p14:creationId xmlns:p14="http://schemas.microsoft.com/office/powerpoint/2010/main" val="3893444984"/>
+      </p:ext>
+    </p:extLst>
+  </p:cSld>
+  <p:clrMapOvr>
+    <a:masterClrMapping/>
+  </p:clrMapOvr>
+</p:sld>
+</file>
+
+<file path=ppt/slides/slide47.xml><?xml version="1.0" encoding="utf-8"?>
+<p:sld xmlns:a="http://schemas.openxmlformats.org/drawingml/2006/main" xmlns:r="http://schemas.openxmlformats.org/officeDocument/2006/relationships" xmlns:p="http://schemas.openxmlformats.org/presentationml/2006/main">
+  <p:cSld>
+    <p:spTree>
+      <p:nvGrpSpPr>
+        <p:cNvPr id="1" name=""/>
+        <p:cNvGrpSpPr/>
+        <p:nvPr/>
+      </p:nvGrpSpPr>
+      <p:grpSpPr>
+        <a:xfrm>
+          <a:off x="0" y="0"/>
+          <a:ext cx="0" cy="0"/>
+          <a:chOff x="0" y="0"/>
+          <a:chExt cx="0" cy="0"/>
+        </a:xfrm>
+      </p:grpSpPr>
+      <p:sp>
+        <p:nvSpPr>
+          <p:cNvPr id="2" name="标题 1"/>
+          <p:cNvSpPr>
+            <a:spLocks noGrp="1"/>
+          </p:cNvSpPr>
+          <p:nvPr>
+            <p:ph type="title"/>
+          </p:nvPr>
+        </p:nvSpPr>
+        <p:spPr/>
+        <p:txBody>
+          <a:bodyPr/>
+          <a:lstStyle/>
+          <a:p>
+            <a:r>
+              <a:rPr lang="en-US" altLang="zh-CN" u="sng" dirty="0"/>
+              <a:t>Stripe Compactions</a:t>
+            </a:r>
+            <a:endParaRPr kumimoji="1" lang="zh-CN" altLang="en-US" dirty="0"/>
           </a:p>
         </p:txBody>
       </p:sp>
@@ -26145,179 +26822,6 @@
 </p:sld>
 </file>
 
-<file path=ppt/slides/slide47.xml><?xml version="1.0" encoding="utf-8"?>
-<p:sld xmlns:a="http://schemas.openxmlformats.org/drawingml/2006/main" xmlns:r="http://schemas.openxmlformats.org/officeDocument/2006/relationships" xmlns:p="http://schemas.openxmlformats.org/presentationml/2006/main">
-  <p:cSld>
-    <p:spTree>
-      <p:nvGrpSpPr>
-        <p:cNvPr id="1" name=""/>
-        <p:cNvGrpSpPr/>
-        <p:nvPr/>
-      </p:nvGrpSpPr>
-      <p:grpSpPr>
-        <a:xfrm>
-          <a:off x="0" y="0"/>
-          <a:ext cx="0" cy="0"/>
-          <a:chOff x="0" y="0"/>
-          <a:chExt cx="0" cy="0"/>
-        </a:xfrm>
-      </p:grpSpPr>
-      <p:sp>
-        <p:nvSpPr>
-          <p:cNvPr id="2" name="标题 1"/>
-          <p:cNvSpPr>
-            <a:spLocks noGrp="1"/>
-          </p:cNvSpPr>
-          <p:nvPr>
-            <p:ph type="title"/>
-          </p:nvPr>
-        </p:nvSpPr>
-        <p:spPr/>
-        <p:txBody>
-          <a:bodyPr/>
-          <a:lstStyle/>
-          <a:p>
-            <a:r>
-              <a:rPr lang="en-US" altLang="zh-CN" u="sng" dirty="0"/>
-              <a:t>Stripe Compactions</a:t>
-            </a:r>
-            <a:endParaRPr lang="en-US" altLang="zh-CN" u="sng" dirty="0"/>
-          </a:p>
-        </p:txBody>
-      </p:sp>
-      <p:sp>
-        <p:nvSpPr>
-          <p:cNvPr id="4" name="矩形 3"/>
-          <p:cNvSpPr/>
-          <p:nvPr/>
-        </p:nvSpPr>
-        <p:spPr>
-          <a:xfrm>
-            <a:off x="732234" y="1225688"/>
-            <a:ext cx="9473291" cy="4801315"/>
-          </a:xfrm>
-          <a:prstGeom prst="rect">
-            <a:avLst/>
-          </a:prstGeom>
-        </p:spPr>
-        <p:txBody>
-          <a:bodyPr wrap="square">
-            <a:spAutoFit/>
-          </a:bodyPr>
-          <a:lstStyle/>
-          <a:p>
-            <a:r>
-              <a:rPr lang="en-US" altLang="zh-CN" dirty="0"/>
-              <a:t>Stripe Compactions</a:t>
-            </a:r>
-          </a:p>
-          <a:p>
-            <a:r>
-              <a:rPr lang="en-US" altLang="zh-CN" dirty="0"/>
-              <a:t>Stripe compactions is an experimental feature added in </a:t>
-            </a:r>
-            <a:r>
-              <a:rPr lang="en-US" altLang="zh-CN" dirty="0" err="1"/>
-              <a:t>HBase</a:t>
-            </a:r>
-            <a:r>
-              <a:rPr lang="en-US" altLang="zh-CN" dirty="0"/>
-              <a:t> 0.98 which aims to improve compactions for large regions or non-uniformly distributed row keys. In order to achieve smaller and/or more granular compactions, the </a:t>
-            </a:r>
-            <a:r>
-              <a:rPr lang="en-US" altLang="zh-CN" dirty="0" err="1"/>
-              <a:t>StoreFiles</a:t>
-            </a:r>
-            <a:r>
-              <a:rPr lang="en-US" altLang="zh-CN" dirty="0"/>
-              <a:t> within a region are maintained separately for several row-key sub-ranges, or "stripes", of the region. The stripes are transparent to the rest of </a:t>
-            </a:r>
-            <a:r>
-              <a:rPr lang="en-US" altLang="zh-CN" dirty="0" err="1"/>
-              <a:t>HBase</a:t>
-            </a:r>
-            <a:r>
-              <a:rPr lang="en-US" altLang="zh-CN" dirty="0"/>
-              <a:t>, so other operations on the </a:t>
-            </a:r>
-            <a:r>
-              <a:rPr lang="en-US" altLang="zh-CN" dirty="0" err="1"/>
-              <a:t>HFiles</a:t>
-            </a:r>
-            <a:r>
-              <a:rPr lang="en-US" altLang="zh-CN" dirty="0"/>
-              <a:t> or data work without modification.</a:t>
-            </a:r>
-          </a:p>
-          <a:p>
-            <a:r>
-              <a:rPr lang="en-US" altLang="zh-CN" dirty="0"/>
-              <a:t>Stripe compactions change the </a:t>
-            </a:r>
-            <a:r>
-              <a:rPr lang="en-US" altLang="zh-CN" dirty="0" err="1"/>
-              <a:t>HFile</a:t>
-            </a:r>
-            <a:r>
-              <a:rPr lang="en-US" altLang="zh-CN" dirty="0"/>
-              <a:t> layout, creating sub-regions within regions. These sub-regions are easier to compact, and should result in fewer major compactions. This approach alleviates some of the challenges of larger regions.</a:t>
-            </a:r>
-          </a:p>
-          <a:p>
-            <a:endParaRPr lang="en-US" altLang="zh-CN" u="sng" dirty="0" smtClean="0"/>
-          </a:p>
-          <a:p>
-            <a:r>
-              <a:rPr lang="en-US" altLang="zh-CN" u="sng" dirty="0" smtClean="0"/>
-              <a:t>When </a:t>
-            </a:r>
-            <a:r>
-              <a:rPr lang="en-US" altLang="zh-CN" u="sng" dirty="0"/>
-              <a:t>To Use Stripe Compactions</a:t>
-            </a:r>
-          </a:p>
-          <a:p>
-            <a:r>
-              <a:rPr lang="en-US" altLang="zh-CN" u="sng" dirty="0"/>
-              <a:t>Consider using stripe compaction if you have either of the following:</a:t>
-            </a:r>
-          </a:p>
-          <a:p>
-            <a:r>
-              <a:rPr lang="en-US" altLang="zh-CN" u="sng" dirty="0"/>
-              <a:t>Large regions. You can get the positive effects of smaller regions without additional overhead for </a:t>
-            </a:r>
-            <a:r>
-              <a:rPr lang="en-US" altLang="zh-CN" u="sng" dirty="0" err="1"/>
-              <a:t>MemStore</a:t>
-            </a:r>
-            <a:r>
-              <a:rPr lang="en-US" altLang="zh-CN" u="sng" dirty="0"/>
-              <a:t> and region management overhead.</a:t>
-            </a:r>
-          </a:p>
-          <a:p>
-            <a:r>
-              <a:rPr lang="en-US" altLang="zh-CN" u="sng" dirty="0"/>
-              <a:t>Non-uniform keys, such as time dimension in a key. Only the stripes receiving the new keys will need to compact. Old data will not compact as often, if at all</a:t>
-            </a:r>
-            <a:endParaRPr lang="zh-CN" altLang="en-US" dirty="0"/>
-          </a:p>
-        </p:txBody>
-      </p:sp>
-    </p:spTree>
-    <p:extLst>
-      <p:ext uri="{BB962C8B-B14F-4D97-AF65-F5344CB8AC3E}">
-        <p14:creationId xmlns:p14="http://schemas.microsoft.com/office/powerpoint/2010/main" val="3893444984"/>
-      </p:ext>
-    </p:extLst>
-  </p:cSld>
-  <p:clrMapOvr>
-    <a:masterClrMapping/>
-  </p:clrMapOvr>
-</p:sld>
-</file>
-
 <file path=ppt/slides/slide48.xml><?xml version="1.0" encoding="utf-8"?>
 <p:sld xmlns:a="http://schemas.openxmlformats.org/drawingml/2006/main" xmlns:r="http://schemas.openxmlformats.org/officeDocument/2006/relationships" xmlns:p="http://schemas.openxmlformats.org/presentationml/2006/main">
   <p:cSld>
@@ -26353,16 +26857,12 @@
           <a:lstStyle/>
           <a:p>
             <a:r>
-              <a:rPr lang="zh-CN" altLang="en-US" b="1" dirty="0"/>
-              <a:t>执行</a:t>
-            </a:r>
-            <a:r>
-              <a:rPr lang="en-US" altLang="zh-CN" b="1" dirty="0" err="1"/>
-              <a:t>HFile</a:t>
-            </a:r>
-            <a:r>
-              <a:rPr lang="zh-CN" altLang="en-US" b="1" dirty="0" smtClean="0"/>
-              <a:t>文件合并</a:t>
+              <a:rPr lang="en-US" altLang="zh-CN" dirty="0"/>
+              <a:t>MOB Compaction </a:t>
+            </a:r>
+            <a:r>
+              <a:rPr lang="en-US" altLang="zh-CN" dirty="0" smtClean="0"/>
+              <a:t>Policy</a:t>
             </a:r>
             <a:endParaRPr kumimoji="1" lang="zh-CN" altLang="en-US" dirty="0"/>
           </a:p>
@@ -26376,8 +26876,8 @@
         </p:nvSpPr>
         <p:spPr>
           <a:xfrm>
-            <a:off x="789442" y="1489085"/>
-            <a:ext cx="8308794" cy="4247317"/>
+            <a:off x="736882" y="1598569"/>
+            <a:ext cx="10464025" cy="2562240"/>
           </a:xfrm>
           <a:prstGeom prst="rect">
             <a:avLst/>
@@ -26389,316 +26889,78 @@
           </a:bodyPr>
           <a:lstStyle/>
           <a:p>
-            <a:r>
-              <a:rPr lang="zh-CN" altLang="en-US" dirty="0" smtClean="0"/>
-              <a:t>合并流程说起来也简单</a:t>
-            </a:r>
-            <a:r>
-              <a:rPr lang="zh-CN" altLang="en-US" dirty="0"/>
-              <a:t>，主要分为如下几步：</a:t>
-            </a:r>
-          </a:p>
-          <a:p>
+            <a:pPr>
+              <a:lnSpc>
+                <a:spcPct val="150000"/>
+              </a:lnSpc>
+            </a:pPr>
             <a:r>
               <a:rPr lang="en-US" altLang="zh-CN" dirty="0"/>
-              <a:t>1. </a:t>
-            </a:r>
-            <a:r>
-              <a:rPr lang="zh-CN" altLang="en-US" dirty="0"/>
-              <a:t>分别读出待合并</a:t>
-            </a:r>
-            <a:r>
-              <a:rPr lang="en-US" altLang="zh-CN" dirty="0" err="1"/>
-              <a:t>hfile</a:t>
-            </a:r>
-            <a:r>
-              <a:rPr lang="zh-CN" altLang="en-US" dirty="0"/>
-              <a:t>文件的</a:t>
-            </a:r>
+              <a:t>MOB Compaction Policy</a:t>
+            </a:r>
+          </a:p>
+          <a:p>
+            <a:pPr>
+              <a:lnSpc>
+                <a:spcPct val="150000"/>
+              </a:lnSpc>
+            </a:pPr>
             <a:r>
               <a:rPr lang="en-US" altLang="zh-CN" dirty="0"/>
-              <a:t>KV</a:t>
-            </a:r>
-            <a:r>
-              <a:rPr lang="zh-CN" altLang="en-US" dirty="0"/>
-              <a:t>，并顺序写到位于</a:t>
-            </a:r>
+              <a:t>By default, MOB files for one specific day are compacted into one large MOB file. To reduce MOB file count more, there are other MOB Compaction policies supported.</a:t>
+            </a:r>
+          </a:p>
+          <a:p>
+            <a:pPr marL="285750" indent="-285750">
+              <a:lnSpc>
+                <a:spcPct val="150000"/>
+              </a:lnSpc>
+              <a:buFont typeface="Wingdings" charset="2"/>
+              <a:buChar char="l"/>
+            </a:pPr>
             <a:r>
               <a:rPr lang="en-US" altLang="zh-CN" dirty="0"/>
-              <a:t>./</a:t>
-            </a:r>
-            <a:r>
-              <a:rPr lang="en-US" altLang="zh-CN" dirty="0" err="1"/>
-              <a:t>tmp</a:t>
-            </a:r>
-            <a:r>
-              <a:rPr lang="zh-CN" altLang="en-US" dirty="0"/>
-              <a:t>目录下的临时文件中</a:t>
-            </a:r>
-          </a:p>
-          <a:p>
+              <a:t>daily policy - compact MOB Files for one day into one large MOB file (default policy) </a:t>
+            </a:r>
+            <a:endParaRPr lang="en-US" altLang="zh-CN" dirty="0" smtClean="0"/>
+          </a:p>
+          <a:p>
+            <a:pPr marL="285750" indent="-285750">
+              <a:lnSpc>
+                <a:spcPct val="150000"/>
+              </a:lnSpc>
+              <a:buFont typeface="Wingdings" charset="2"/>
+              <a:buChar char="l"/>
+            </a:pPr>
+            <a:r>
+              <a:rPr lang="en-US" altLang="zh-CN" dirty="0" smtClean="0"/>
+              <a:t>weekly </a:t>
+            </a:r>
             <a:r>
               <a:rPr lang="en-US" altLang="zh-CN" dirty="0"/>
-              <a:t>2. </a:t>
-            </a:r>
-            <a:r>
-              <a:rPr lang="zh-CN" altLang="en-US" dirty="0"/>
-              <a:t>将临时文件移动到对应</a:t>
+              <a:t>policy - compact MOB Files for one week into one large MOB file </a:t>
+            </a:r>
+            <a:endParaRPr lang="en-US" altLang="zh-CN" dirty="0" smtClean="0"/>
+          </a:p>
+          <a:p>
+            <a:pPr marL="285750" indent="-285750">
+              <a:lnSpc>
+                <a:spcPct val="150000"/>
+              </a:lnSpc>
+              <a:buFont typeface="Wingdings" charset="2"/>
+              <a:buChar char="l"/>
+            </a:pPr>
+            <a:r>
+              <a:rPr lang="en-US" altLang="zh-CN" dirty="0" err="1" smtClean="0"/>
+              <a:t>montly</a:t>
+            </a:r>
+            <a:r>
+              <a:rPr lang="en-US" altLang="zh-CN" dirty="0" smtClean="0"/>
+              <a:t> </a:t>
             </a:r>
             <a:r>
               <a:rPr lang="en-US" altLang="zh-CN" dirty="0"/>
-              <a:t>region</a:t>
-            </a:r>
-            <a:r>
-              <a:rPr lang="zh-CN" altLang="en-US" dirty="0"/>
-              <a:t>的数据目录</a:t>
-            </a:r>
-          </a:p>
-          <a:p>
-            <a:r>
-              <a:rPr lang="en-US" altLang="zh-CN" dirty="0"/>
-              <a:t>3. </a:t>
-            </a:r>
-            <a:r>
-              <a:rPr lang="zh-CN" altLang="en-US" dirty="0"/>
-              <a:t>将</a:t>
-            </a:r>
-            <a:r>
-              <a:rPr lang="en-US" altLang="zh-CN" dirty="0"/>
-              <a:t>compaction</a:t>
-            </a:r>
-            <a:r>
-              <a:rPr lang="zh-CN" altLang="en-US" dirty="0"/>
-              <a:t>的输入文件路径和输出文件路径封装为</a:t>
-            </a:r>
-            <a:r>
-              <a:rPr lang="en-US" altLang="zh-CN" dirty="0"/>
-              <a:t>KV</a:t>
-            </a:r>
-            <a:r>
-              <a:rPr lang="zh-CN" altLang="en-US" dirty="0"/>
-              <a:t>写入</a:t>
-            </a:r>
-            <a:r>
-              <a:rPr lang="en-US" altLang="zh-CN" dirty="0"/>
-              <a:t>WAL</a:t>
-            </a:r>
-            <a:r>
-              <a:rPr lang="zh-CN" altLang="en-US" dirty="0"/>
-              <a:t>日志，并打上</a:t>
-            </a:r>
-            <a:r>
-              <a:rPr lang="en-US" altLang="zh-CN" dirty="0"/>
-              <a:t>compaction</a:t>
-            </a:r>
-            <a:r>
-              <a:rPr lang="zh-CN" altLang="en-US" dirty="0"/>
-              <a:t>标记，最后强制执行</a:t>
-            </a:r>
-            <a:r>
-              <a:rPr lang="en-US" altLang="zh-CN" dirty="0"/>
-              <a:t>sync</a:t>
-            </a:r>
-          </a:p>
-          <a:p>
-            <a:r>
-              <a:rPr lang="en-US" altLang="zh-CN" dirty="0"/>
-              <a:t>4. </a:t>
-            </a:r>
-            <a:r>
-              <a:rPr lang="zh-CN" altLang="en-US" dirty="0"/>
-              <a:t>将对应</a:t>
-            </a:r>
-            <a:r>
-              <a:rPr lang="en-US" altLang="zh-CN" dirty="0"/>
-              <a:t>region</a:t>
-            </a:r>
-            <a:r>
-              <a:rPr lang="zh-CN" altLang="en-US" dirty="0"/>
-              <a:t>数据目录下的</a:t>
-            </a:r>
-            <a:r>
-              <a:rPr lang="en-US" altLang="zh-CN" dirty="0"/>
-              <a:t>compaction</a:t>
-            </a:r>
-            <a:r>
-              <a:rPr lang="zh-CN" altLang="en-US" dirty="0"/>
-              <a:t>输入文件全部删除</a:t>
-            </a:r>
-          </a:p>
-          <a:p>
-            <a:endParaRPr lang="zh-CN" altLang="en-US" dirty="0"/>
-          </a:p>
-          <a:p>
-            <a:r>
-              <a:rPr lang="zh-CN" altLang="en-US" dirty="0"/>
-              <a:t>上述四个步骤看起来简单，但实际是很严谨的，具有很强的容错性和完美的幂等性：</a:t>
-            </a:r>
-          </a:p>
-          <a:p>
-            <a:r>
-              <a:rPr lang="en-US" altLang="zh-CN" dirty="0"/>
-              <a:t>1. </a:t>
-            </a:r>
-            <a:r>
-              <a:rPr lang="zh-CN" altLang="en-US" dirty="0"/>
-              <a:t>如果</a:t>
-            </a:r>
-            <a:r>
-              <a:rPr lang="en-US" altLang="zh-CN" dirty="0"/>
-              <a:t>RS</a:t>
-            </a:r>
-            <a:r>
-              <a:rPr lang="zh-CN" altLang="en-US" dirty="0"/>
-              <a:t>在步骤</a:t>
-            </a:r>
-            <a:r>
-              <a:rPr lang="en-US" altLang="zh-CN" dirty="0"/>
-              <a:t>2</a:t>
-            </a:r>
-            <a:r>
-              <a:rPr lang="zh-CN" altLang="en-US" dirty="0"/>
-              <a:t>之前发生异常，本次</a:t>
-            </a:r>
-            <a:r>
-              <a:rPr lang="en-US" altLang="zh-CN" dirty="0"/>
-              <a:t>compaction</a:t>
-            </a:r>
-            <a:r>
-              <a:rPr lang="zh-CN" altLang="en-US" dirty="0"/>
-              <a:t>会被认为失败，如果继续进行同样的</a:t>
-            </a:r>
-            <a:r>
-              <a:rPr lang="en-US" altLang="zh-CN" dirty="0"/>
-              <a:t>compaction</a:t>
-            </a:r>
-            <a:r>
-              <a:rPr lang="zh-CN" altLang="en-US" dirty="0"/>
-              <a:t>，上次异常对接下来的</a:t>
-            </a:r>
-            <a:r>
-              <a:rPr lang="en-US" altLang="zh-CN" dirty="0"/>
-              <a:t>compaction</a:t>
-            </a:r>
-            <a:r>
-              <a:rPr lang="zh-CN" altLang="en-US" dirty="0"/>
-              <a:t>不会有任何影响，也不会对读写有任何影响。唯一的影响就是多了一份多余的数据。</a:t>
-            </a:r>
-          </a:p>
-          <a:p>
-            <a:r>
-              <a:rPr lang="en-US" altLang="zh-CN" dirty="0"/>
-              <a:t>2. </a:t>
-            </a:r>
-            <a:r>
-              <a:rPr lang="zh-CN" altLang="en-US" dirty="0"/>
-              <a:t>如果</a:t>
-            </a:r>
-            <a:r>
-              <a:rPr lang="en-US" altLang="zh-CN" dirty="0"/>
-              <a:t>RS</a:t>
-            </a:r>
-            <a:r>
-              <a:rPr lang="zh-CN" altLang="en-US" dirty="0"/>
-              <a:t>在步骤</a:t>
-            </a:r>
-            <a:r>
-              <a:rPr lang="en-US" altLang="zh-CN" dirty="0"/>
-              <a:t>2</a:t>
-            </a:r>
-            <a:r>
-              <a:rPr lang="zh-CN" altLang="en-US" dirty="0"/>
-              <a:t>之后、步骤</a:t>
-            </a:r>
-            <a:r>
-              <a:rPr lang="en-US" altLang="zh-CN" dirty="0"/>
-              <a:t>3</a:t>
-            </a:r>
-            <a:r>
-              <a:rPr lang="zh-CN" altLang="en-US" dirty="0"/>
-              <a:t>之前发生异常，同样的，仅仅会多一份冗余数据。</a:t>
-            </a:r>
-          </a:p>
-          <a:p>
-            <a:r>
-              <a:rPr lang="en-US" altLang="zh-CN" dirty="0"/>
-              <a:t>3. </a:t>
-            </a:r>
-            <a:r>
-              <a:rPr lang="zh-CN" altLang="en-US" dirty="0"/>
-              <a:t>如果在步骤</a:t>
-            </a:r>
-            <a:r>
-              <a:rPr lang="en-US" altLang="zh-CN" dirty="0"/>
-              <a:t>3</a:t>
-            </a:r>
-            <a:r>
-              <a:rPr lang="zh-CN" altLang="en-US" dirty="0"/>
-              <a:t>之后、步骤</a:t>
-            </a:r>
-            <a:r>
-              <a:rPr lang="en-US" altLang="zh-CN" dirty="0"/>
-              <a:t>4</a:t>
-            </a:r>
-            <a:r>
-              <a:rPr lang="zh-CN" altLang="en-US" dirty="0"/>
-              <a:t>之前发生异常，</a:t>
-            </a:r>
-            <a:r>
-              <a:rPr lang="en-US" altLang="zh-CN" dirty="0"/>
-              <a:t>RS</a:t>
-            </a:r>
-            <a:r>
-              <a:rPr lang="zh-CN" altLang="en-US" dirty="0"/>
-              <a:t>在重新打开</a:t>
-            </a:r>
-            <a:r>
-              <a:rPr lang="en-US" altLang="zh-CN" dirty="0"/>
-              <a:t>region</a:t>
-            </a:r>
-            <a:r>
-              <a:rPr lang="zh-CN" altLang="en-US" dirty="0"/>
-              <a:t>之后首先会从</a:t>
-            </a:r>
-            <a:r>
-              <a:rPr lang="en-US" altLang="zh-CN" dirty="0"/>
-              <a:t>WAL</a:t>
-            </a:r>
-            <a:r>
-              <a:rPr lang="zh-CN" altLang="en-US" dirty="0"/>
-              <a:t>中看到标有</a:t>
-            </a:r>
-            <a:r>
-              <a:rPr lang="en-US" altLang="zh-CN" dirty="0"/>
-              <a:t>compaction</a:t>
-            </a:r>
-            <a:r>
-              <a:rPr lang="zh-CN" altLang="en-US" dirty="0"/>
-              <a:t>的日志，因为此时输入文件和输出文件已经持久化到</a:t>
-            </a:r>
-            <a:r>
-              <a:rPr lang="en-US" altLang="zh-CN" dirty="0"/>
-              <a:t>HDFS</a:t>
-            </a:r>
-            <a:r>
-              <a:rPr lang="zh-CN" altLang="en-US" dirty="0"/>
-              <a:t>，因此只需要根据</a:t>
-            </a:r>
-            <a:r>
-              <a:rPr lang="en-US" altLang="zh-CN" dirty="0"/>
-              <a:t>WAL</a:t>
-            </a:r>
-            <a:r>
-              <a:rPr lang="zh-CN" altLang="en-US" dirty="0"/>
-              <a:t>移除掉</a:t>
-            </a:r>
-            <a:r>
-              <a:rPr lang="en-US" altLang="zh-CN" dirty="0"/>
-              <a:t>compaction</a:t>
-            </a:r>
-            <a:r>
-              <a:rPr lang="zh-CN" altLang="en-US" dirty="0"/>
-              <a:t>输入文件即可</a:t>
+              <a:t>policy - compact MOB Files for one month into one large MOB File</a:t>
             </a:r>
             <a:endParaRPr lang="zh-CN" altLang="en-US" dirty="0"/>
           </a:p>
@@ -26707,7 +26969,7 @@
     </p:spTree>
     <p:extLst>
       <p:ext uri="{BB962C8B-B14F-4D97-AF65-F5344CB8AC3E}">
-        <p14:creationId xmlns:p14="http://schemas.microsoft.com/office/powerpoint/2010/main" val="4137635973"/>
+        <p14:creationId xmlns:p14="http://schemas.microsoft.com/office/powerpoint/2010/main" val="2649239484"/>
       </p:ext>
     </p:extLst>
   </p:cSld>
@@ -26752,12 +27014,16 @@
           <a:lstStyle/>
           <a:p>
             <a:r>
-              <a:rPr lang="en-US" altLang="zh-CN" dirty="0"/>
-              <a:t>MOB Compaction </a:t>
-            </a:r>
-            <a:r>
-              <a:rPr lang="en-US" altLang="zh-CN" dirty="0" smtClean="0"/>
-              <a:t>Policy</a:t>
+              <a:rPr lang="zh-CN" altLang="en-US" b="1" dirty="0"/>
+              <a:t>执行</a:t>
+            </a:r>
+            <a:r>
+              <a:rPr lang="en-US" altLang="zh-CN" b="1" dirty="0" err="1"/>
+              <a:t>HFile</a:t>
+            </a:r>
+            <a:r>
+              <a:rPr lang="zh-CN" altLang="en-US" b="1" dirty="0" smtClean="0"/>
+              <a:t>文件合并</a:t>
             </a:r>
             <a:endParaRPr kumimoji="1" lang="zh-CN" altLang="en-US" dirty="0"/>
           </a:p>
@@ -26771,51 +27037,688 @@
         </p:nvSpPr>
         <p:spPr>
           <a:xfrm>
-            <a:off x="736883" y="1598569"/>
-            <a:ext cx="6096000" cy="2585323"/>
+            <a:off x="720795" y="1317457"/>
+            <a:ext cx="8308794" cy="4921859"/>
           </a:xfrm>
           <a:prstGeom prst="rect">
             <a:avLst/>
           </a:prstGeom>
         </p:spPr>
         <p:txBody>
-          <a:bodyPr>
+          <a:bodyPr wrap="square">
             <a:spAutoFit/>
           </a:bodyPr>
           <a:lstStyle/>
           <a:p>
-            <a:r>
-              <a:rPr lang="en-US" altLang="zh-CN" dirty="0"/>
-              <a:t>MOB Compaction Policy</a:t>
-            </a:r>
-          </a:p>
-          <a:p>
-            <a:r>
-              <a:rPr lang="en-US" altLang="zh-CN" dirty="0"/>
-              <a:t>By default, MOB files for one specific day are compacted into one large MOB file. To reduce MOB file count more, there are other MOB Compaction policies supported.</a:t>
-            </a:r>
-          </a:p>
-          <a:p>
-            <a:r>
-              <a:rPr lang="en-US" altLang="zh-CN" dirty="0"/>
-              <a:t>daily policy - compact MOB Files for one day into one large MOB file (default policy) weekly policy - compact MOB Files for one week into one large MOB file </a:t>
-            </a:r>
-            <a:r>
-              <a:rPr lang="en-US" altLang="zh-CN" dirty="0" err="1"/>
-              <a:t>montly</a:t>
-            </a:r>
-            <a:r>
-              <a:rPr lang="en-US" altLang="zh-CN" dirty="0"/>
-              <a:t> policy - compact MOB Files for one month into one large MOB File</a:t>
-            </a:r>
-            <a:endParaRPr lang="zh-CN" altLang="en-US" dirty="0"/>
+            <a:pPr>
+              <a:lnSpc>
+                <a:spcPct val="150000"/>
+              </a:lnSpc>
+            </a:pPr>
+            <a:r>
+              <a:rPr lang="zh-CN" altLang="en-US" sz="1400" dirty="0" smtClean="0">
+                <a:latin typeface="仿宋"/>
+                <a:ea typeface="仿宋"/>
+                <a:cs typeface="仿宋"/>
+              </a:rPr>
+              <a:t>合并流程说起来也简单</a:t>
+            </a:r>
+            <a:r>
+              <a:rPr lang="zh-CN" altLang="en-US" sz="1400" dirty="0">
+                <a:latin typeface="仿宋"/>
+                <a:ea typeface="仿宋"/>
+                <a:cs typeface="仿宋"/>
+              </a:rPr>
+              <a:t>，主要分为如下几步：</a:t>
+            </a:r>
+          </a:p>
+          <a:p>
+            <a:pPr>
+              <a:lnSpc>
+                <a:spcPct val="150000"/>
+              </a:lnSpc>
+            </a:pPr>
+            <a:r>
+              <a:rPr lang="en-US" altLang="zh-CN" sz="1400" dirty="0">
+                <a:latin typeface="仿宋"/>
+                <a:ea typeface="仿宋"/>
+                <a:cs typeface="仿宋"/>
+              </a:rPr>
+              <a:t>1. </a:t>
+            </a:r>
+            <a:r>
+              <a:rPr lang="zh-CN" altLang="en-US" sz="1400" dirty="0">
+                <a:latin typeface="仿宋"/>
+                <a:ea typeface="仿宋"/>
+                <a:cs typeface="仿宋"/>
+              </a:rPr>
+              <a:t>分别读出待合并</a:t>
+            </a:r>
+            <a:r>
+              <a:rPr lang="en-US" altLang="zh-CN" sz="1400" dirty="0" err="1">
+                <a:latin typeface="仿宋"/>
+                <a:ea typeface="仿宋"/>
+                <a:cs typeface="仿宋"/>
+              </a:rPr>
+              <a:t>hfile</a:t>
+            </a:r>
+            <a:r>
+              <a:rPr lang="zh-CN" altLang="en-US" sz="1400" dirty="0">
+                <a:latin typeface="仿宋"/>
+                <a:ea typeface="仿宋"/>
+                <a:cs typeface="仿宋"/>
+              </a:rPr>
+              <a:t>文件的</a:t>
+            </a:r>
+            <a:r>
+              <a:rPr lang="en-US" altLang="zh-CN" sz="1400" dirty="0">
+                <a:latin typeface="仿宋"/>
+                <a:ea typeface="仿宋"/>
+                <a:cs typeface="仿宋"/>
+              </a:rPr>
+              <a:t>KV</a:t>
+            </a:r>
+            <a:r>
+              <a:rPr lang="zh-CN" altLang="en-US" sz="1400" dirty="0">
+                <a:latin typeface="仿宋"/>
+                <a:ea typeface="仿宋"/>
+                <a:cs typeface="仿宋"/>
+              </a:rPr>
+              <a:t>，并顺序写到位于</a:t>
+            </a:r>
+            <a:r>
+              <a:rPr lang="en-US" altLang="zh-CN" sz="1400" dirty="0">
+                <a:latin typeface="仿宋"/>
+                <a:ea typeface="仿宋"/>
+                <a:cs typeface="仿宋"/>
+              </a:rPr>
+              <a:t>./</a:t>
+            </a:r>
+            <a:r>
+              <a:rPr lang="en-US" altLang="zh-CN" sz="1400" dirty="0" err="1">
+                <a:latin typeface="仿宋"/>
+                <a:ea typeface="仿宋"/>
+                <a:cs typeface="仿宋"/>
+              </a:rPr>
+              <a:t>tmp</a:t>
+            </a:r>
+            <a:r>
+              <a:rPr lang="zh-CN" altLang="en-US" sz="1400" dirty="0">
+                <a:latin typeface="仿宋"/>
+                <a:ea typeface="仿宋"/>
+                <a:cs typeface="仿宋"/>
+              </a:rPr>
+              <a:t>目录下的临时文件中</a:t>
+            </a:r>
+          </a:p>
+          <a:p>
+            <a:pPr>
+              <a:lnSpc>
+                <a:spcPct val="150000"/>
+              </a:lnSpc>
+            </a:pPr>
+            <a:r>
+              <a:rPr lang="en-US" altLang="zh-CN" sz="1400" dirty="0">
+                <a:latin typeface="仿宋"/>
+                <a:ea typeface="仿宋"/>
+                <a:cs typeface="仿宋"/>
+              </a:rPr>
+              <a:t>2. </a:t>
+            </a:r>
+            <a:r>
+              <a:rPr lang="zh-CN" altLang="en-US" sz="1400" dirty="0">
+                <a:latin typeface="仿宋"/>
+                <a:ea typeface="仿宋"/>
+                <a:cs typeface="仿宋"/>
+              </a:rPr>
+              <a:t>将临时文件移动到对应</a:t>
+            </a:r>
+            <a:r>
+              <a:rPr lang="en-US" altLang="zh-CN" sz="1400" dirty="0">
+                <a:latin typeface="仿宋"/>
+                <a:ea typeface="仿宋"/>
+                <a:cs typeface="仿宋"/>
+              </a:rPr>
+              <a:t>region</a:t>
+            </a:r>
+            <a:r>
+              <a:rPr lang="zh-CN" altLang="en-US" sz="1400" dirty="0">
+                <a:latin typeface="仿宋"/>
+                <a:ea typeface="仿宋"/>
+                <a:cs typeface="仿宋"/>
+              </a:rPr>
+              <a:t>的数据目录</a:t>
+            </a:r>
+          </a:p>
+          <a:p>
+            <a:pPr>
+              <a:lnSpc>
+                <a:spcPct val="150000"/>
+              </a:lnSpc>
+            </a:pPr>
+            <a:r>
+              <a:rPr lang="en-US" altLang="zh-CN" sz="1400" dirty="0">
+                <a:latin typeface="仿宋"/>
+                <a:ea typeface="仿宋"/>
+                <a:cs typeface="仿宋"/>
+              </a:rPr>
+              <a:t>3. </a:t>
+            </a:r>
+            <a:r>
+              <a:rPr lang="zh-CN" altLang="en-US" sz="1400" dirty="0">
+                <a:latin typeface="仿宋"/>
+                <a:ea typeface="仿宋"/>
+                <a:cs typeface="仿宋"/>
+              </a:rPr>
+              <a:t>将</a:t>
+            </a:r>
+            <a:r>
+              <a:rPr lang="en-US" altLang="zh-CN" sz="1400" dirty="0">
+                <a:latin typeface="仿宋"/>
+                <a:ea typeface="仿宋"/>
+                <a:cs typeface="仿宋"/>
+              </a:rPr>
+              <a:t>compaction</a:t>
+            </a:r>
+            <a:r>
+              <a:rPr lang="zh-CN" altLang="en-US" sz="1400" dirty="0">
+                <a:latin typeface="仿宋"/>
+                <a:ea typeface="仿宋"/>
+                <a:cs typeface="仿宋"/>
+              </a:rPr>
+              <a:t>的输入文件路径和输出文件路径封装为</a:t>
+            </a:r>
+            <a:r>
+              <a:rPr lang="en-US" altLang="zh-CN" sz="1400" dirty="0">
+                <a:latin typeface="仿宋"/>
+                <a:ea typeface="仿宋"/>
+                <a:cs typeface="仿宋"/>
+              </a:rPr>
+              <a:t>KV</a:t>
+            </a:r>
+            <a:r>
+              <a:rPr lang="zh-CN" altLang="en-US" sz="1400" dirty="0">
+                <a:latin typeface="仿宋"/>
+                <a:ea typeface="仿宋"/>
+                <a:cs typeface="仿宋"/>
+              </a:rPr>
+              <a:t>写入</a:t>
+            </a:r>
+            <a:r>
+              <a:rPr lang="en-US" altLang="zh-CN" sz="1400" dirty="0">
+                <a:latin typeface="仿宋"/>
+                <a:ea typeface="仿宋"/>
+                <a:cs typeface="仿宋"/>
+              </a:rPr>
+              <a:t>WAL</a:t>
+            </a:r>
+            <a:r>
+              <a:rPr lang="zh-CN" altLang="en-US" sz="1400" dirty="0">
+                <a:latin typeface="仿宋"/>
+                <a:ea typeface="仿宋"/>
+                <a:cs typeface="仿宋"/>
+              </a:rPr>
+              <a:t>日志，并打上</a:t>
+            </a:r>
+            <a:r>
+              <a:rPr lang="en-US" altLang="zh-CN" sz="1400" dirty="0">
+                <a:latin typeface="仿宋"/>
+                <a:ea typeface="仿宋"/>
+                <a:cs typeface="仿宋"/>
+              </a:rPr>
+              <a:t>compaction</a:t>
+            </a:r>
+            <a:r>
+              <a:rPr lang="zh-CN" altLang="en-US" sz="1400" dirty="0">
+                <a:latin typeface="仿宋"/>
+                <a:ea typeface="仿宋"/>
+                <a:cs typeface="仿宋"/>
+              </a:rPr>
+              <a:t>标记，最后强制执行</a:t>
+            </a:r>
+            <a:r>
+              <a:rPr lang="en-US" altLang="zh-CN" sz="1400" dirty="0">
+                <a:latin typeface="仿宋"/>
+                <a:ea typeface="仿宋"/>
+                <a:cs typeface="仿宋"/>
+              </a:rPr>
+              <a:t>sync</a:t>
+            </a:r>
+          </a:p>
+          <a:p>
+            <a:pPr>
+              <a:lnSpc>
+                <a:spcPct val="150000"/>
+              </a:lnSpc>
+            </a:pPr>
+            <a:r>
+              <a:rPr lang="en-US" altLang="zh-CN" sz="1400" dirty="0">
+                <a:latin typeface="仿宋"/>
+                <a:ea typeface="仿宋"/>
+                <a:cs typeface="仿宋"/>
+              </a:rPr>
+              <a:t>4. </a:t>
+            </a:r>
+            <a:r>
+              <a:rPr lang="zh-CN" altLang="en-US" sz="1400" dirty="0">
+                <a:latin typeface="仿宋"/>
+                <a:ea typeface="仿宋"/>
+                <a:cs typeface="仿宋"/>
+              </a:rPr>
+              <a:t>将对应</a:t>
+            </a:r>
+            <a:r>
+              <a:rPr lang="en-US" altLang="zh-CN" sz="1400" dirty="0">
+                <a:latin typeface="仿宋"/>
+                <a:ea typeface="仿宋"/>
+                <a:cs typeface="仿宋"/>
+              </a:rPr>
+              <a:t>region</a:t>
+            </a:r>
+            <a:r>
+              <a:rPr lang="zh-CN" altLang="en-US" sz="1400" dirty="0">
+                <a:latin typeface="仿宋"/>
+                <a:ea typeface="仿宋"/>
+                <a:cs typeface="仿宋"/>
+              </a:rPr>
+              <a:t>数据目录下的</a:t>
+            </a:r>
+            <a:r>
+              <a:rPr lang="en-US" altLang="zh-CN" sz="1400" dirty="0">
+                <a:latin typeface="仿宋"/>
+                <a:ea typeface="仿宋"/>
+                <a:cs typeface="仿宋"/>
+              </a:rPr>
+              <a:t>compaction</a:t>
+            </a:r>
+            <a:r>
+              <a:rPr lang="zh-CN" altLang="en-US" sz="1400" dirty="0">
+                <a:latin typeface="仿宋"/>
+                <a:ea typeface="仿宋"/>
+                <a:cs typeface="仿宋"/>
+              </a:rPr>
+              <a:t>输入文件全部删除</a:t>
+            </a:r>
+          </a:p>
+          <a:p>
+            <a:pPr>
+              <a:lnSpc>
+                <a:spcPct val="150000"/>
+              </a:lnSpc>
+            </a:pPr>
+            <a:endParaRPr lang="zh-CN" altLang="en-US" sz="1400" dirty="0">
+              <a:latin typeface="仿宋"/>
+              <a:ea typeface="仿宋"/>
+              <a:cs typeface="仿宋"/>
+            </a:endParaRPr>
+          </a:p>
+          <a:p>
+            <a:pPr>
+              <a:lnSpc>
+                <a:spcPct val="150000"/>
+              </a:lnSpc>
+            </a:pPr>
+            <a:r>
+              <a:rPr lang="zh-CN" altLang="en-US" sz="1400" dirty="0">
+                <a:latin typeface="仿宋"/>
+                <a:ea typeface="仿宋"/>
+                <a:cs typeface="仿宋"/>
+              </a:rPr>
+              <a:t>上述四个步骤看起来简单，但实际是很严谨的，具有很强的容错性和完美的幂等性：</a:t>
+            </a:r>
+          </a:p>
+          <a:p>
+            <a:pPr>
+              <a:lnSpc>
+                <a:spcPct val="150000"/>
+              </a:lnSpc>
+            </a:pPr>
+            <a:r>
+              <a:rPr lang="en-US" altLang="zh-CN" sz="1400" dirty="0">
+                <a:latin typeface="仿宋"/>
+                <a:ea typeface="仿宋"/>
+                <a:cs typeface="仿宋"/>
+              </a:rPr>
+              <a:t>1. </a:t>
+            </a:r>
+            <a:r>
+              <a:rPr lang="zh-CN" altLang="en-US" sz="1400" dirty="0">
+                <a:latin typeface="仿宋"/>
+                <a:ea typeface="仿宋"/>
+                <a:cs typeface="仿宋"/>
+              </a:rPr>
+              <a:t>如果</a:t>
+            </a:r>
+            <a:r>
+              <a:rPr lang="en-US" altLang="zh-CN" sz="1400" dirty="0">
+                <a:latin typeface="仿宋"/>
+                <a:ea typeface="仿宋"/>
+                <a:cs typeface="仿宋"/>
+              </a:rPr>
+              <a:t>RS</a:t>
+            </a:r>
+            <a:r>
+              <a:rPr lang="zh-CN" altLang="en-US" sz="1400" dirty="0">
+                <a:latin typeface="仿宋"/>
+                <a:ea typeface="仿宋"/>
+                <a:cs typeface="仿宋"/>
+              </a:rPr>
+              <a:t>在步骤</a:t>
+            </a:r>
+            <a:r>
+              <a:rPr lang="en-US" altLang="zh-CN" sz="1400" dirty="0">
+                <a:latin typeface="仿宋"/>
+                <a:ea typeface="仿宋"/>
+                <a:cs typeface="仿宋"/>
+              </a:rPr>
+              <a:t>2</a:t>
+            </a:r>
+            <a:r>
+              <a:rPr lang="zh-CN" altLang="en-US" sz="1400" dirty="0">
+                <a:latin typeface="仿宋"/>
+                <a:ea typeface="仿宋"/>
+                <a:cs typeface="仿宋"/>
+              </a:rPr>
+              <a:t>之前发生异常，本次</a:t>
+            </a:r>
+            <a:r>
+              <a:rPr lang="en-US" altLang="zh-CN" sz="1400" dirty="0">
+                <a:latin typeface="仿宋"/>
+                <a:ea typeface="仿宋"/>
+                <a:cs typeface="仿宋"/>
+              </a:rPr>
+              <a:t>compaction</a:t>
+            </a:r>
+            <a:r>
+              <a:rPr lang="zh-CN" altLang="en-US" sz="1400" dirty="0">
+                <a:latin typeface="仿宋"/>
+                <a:ea typeface="仿宋"/>
+                <a:cs typeface="仿宋"/>
+              </a:rPr>
+              <a:t>会被认为失败，如果继续进行同样的</a:t>
+            </a:r>
+            <a:r>
+              <a:rPr lang="en-US" altLang="zh-CN" sz="1400" dirty="0">
+                <a:latin typeface="仿宋"/>
+                <a:ea typeface="仿宋"/>
+                <a:cs typeface="仿宋"/>
+              </a:rPr>
+              <a:t>compaction</a:t>
+            </a:r>
+            <a:r>
+              <a:rPr lang="zh-CN" altLang="en-US" sz="1400" dirty="0">
+                <a:latin typeface="仿宋"/>
+                <a:ea typeface="仿宋"/>
+                <a:cs typeface="仿宋"/>
+              </a:rPr>
+              <a:t>，上次异常对接下来的</a:t>
+            </a:r>
+            <a:r>
+              <a:rPr lang="en-US" altLang="zh-CN" sz="1400" dirty="0">
+                <a:latin typeface="仿宋"/>
+                <a:ea typeface="仿宋"/>
+                <a:cs typeface="仿宋"/>
+              </a:rPr>
+              <a:t>compaction</a:t>
+            </a:r>
+            <a:r>
+              <a:rPr lang="zh-CN" altLang="en-US" sz="1400" dirty="0">
+                <a:latin typeface="仿宋"/>
+                <a:ea typeface="仿宋"/>
+                <a:cs typeface="仿宋"/>
+              </a:rPr>
+              <a:t>不会有任何影响，也不会对读写有任何影响。唯一的影响就是多了一份多余的数据。</a:t>
+            </a:r>
+          </a:p>
+          <a:p>
+            <a:pPr>
+              <a:lnSpc>
+                <a:spcPct val="150000"/>
+              </a:lnSpc>
+            </a:pPr>
+            <a:r>
+              <a:rPr lang="en-US" altLang="zh-CN" sz="1400" dirty="0">
+                <a:latin typeface="仿宋"/>
+                <a:ea typeface="仿宋"/>
+                <a:cs typeface="仿宋"/>
+              </a:rPr>
+              <a:t>2. </a:t>
+            </a:r>
+            <a:r>
+              <a:rPr lang="zh-CN" altLang="en-US" sz="1400" dirty="0">
+                <a:latin typeface="仿宋"/>
+                <a:ea typeface="仿宋"/>
+                <a:cs typeface="仿宋"/>
+              </a:rPr>
+              <a:t>如果</a:t>
+            </a:r>
+            <a:r>
+              <a:rPr lang="en-US" altLang="zh-CN" sz="1400" dirty="0">
+                <a:latin typeface="仿宋"/>
+                <a:ea typeface="仿宋"/>
+                <a:cs typeface="仿宋"/>
+              </a:rPr>
+              <a:t>RS</a:t>
+            </a:r>
+            <a:r>
+              <a:rPr lang="zh-CN" altLang="en-US" sz="1400" dirty="0">
+                <a:latin typeface="仿宋"/>
+                <a:ea typeface="仿宋"/>
+                <a:cs typeface="仿宋"/>
+              </a:rPr>
+              <a:t>在步骤</a:t>
+            </a:r>
+            <a:r>
+              <a:rPr lang="en-US" altLang="zh-CN" sz="1400" dirty="0">
+                <a:latin typeface="仿宋"/>
+                <a:ea typeface="仿宋"/>
+                <a:cs typeface="仿宋"/>
+              </a:rPr>
+              <a:t>2</a:t>
+            </a:r>
+            <a:r>
+              <a:rPr lang="zh-CN" altLang="en-US" sz="1400" dirty="0">
+                <a:latin typeface="仿宋"/>
+                <a:ea typeface="仿宋"/>
+                <a:cs typeface="仿宋"/>
+              </a:rPr>
+              <a:t>之后、步骤</a:t>
+            </a:r>
+            <a:r>
+              <a:rPr lang="en-US" altLang="zh-CN" sz="1400" dirty="0">
+                <a:latin typeface="仿宋"/>
+                <a:ea typeface="仿宋"/>
+                <a:cs typeface="仿宋"/>
+              </a:rPr>
+              <a:t>3</a:t>
+            </a:r>
+            <a:r>
+              <a:rPr lang="zh-CN" altLang="en-US" sz="1400" dirty="0">
+                <a:latin typeface="仿宋"/>
+                <a:ea typeface="仿宋"/>
+                <a:cs typeface="仿宋"/>
+              </a:rPr>
+              <a:t>之前发生异常，同样的，仅仅会多一份冗余数据。</a:t>
+            </a:r>
+          </a:p>
+          <a:p>
+            <a:pPr>
+              <a:lnSpc>
+                <a:spcPct val="150000"/>
+              </a:lnSpc>
+            </a:pPr>
+            <a:r>
+              <a:rPr lang="en-US" altLang="zh-CN" sz="1400" dirty="0">
+                <a:latin typeface="仿宋"/>
+                <a:ea typeface="仿宋"/>
+                <a:cs typeface="仿宋"/>
+              </a:rPr>
+              <a:t>3. </a:t>
+            </a:r>
+            <a:r>
+              <a:rPr lang="zh-CN" altLang="en-US" sz="1400" dirty="0">
+                <a:latin typeface="仿宋"/>
+                <a:ea typeface="仿宋"/>
+                <a:cs typeface="仿宋"/>
+              </a:rPr>
+              <a:t>如果在步骤</a:t>
+            </a:r>
+            <a:r>
+              <a:rPr lang="en-US" altLang="zh-CN" sz="1400" dirty="0">
+                <a:latin typeface="仿宋"/>
+                <a:ea typeface="仿宋"/>
+                <a:cs typeface="仿宋"/>
+              </a:rPr>
+              <a:t>3</a:t>
+            </a:r>
+            <a:r>
+              <a:rPr lang="zh-CN" altLang="en-US" sz="1400" dirty="0">
+                <a:latin typeface="仿宋"/>
+                <a:ea typeface="仿宋"/>
+                <a:cs typeface="仿宋"/>
+              </a:rPr>
+              <a:t>之后、步骤</a:t>
+            </a:r>
+            <a:r>
+              <a:rPr lang="en-US" altLang="zh-CN" sz="1400" dirty="0">
+                <a:latin typeface="仿宋"/>
+                <a:ea typeface="仿宋"/>
+                <a:cs typeface="仿宋"/>
+              </a:rPr>
+              <a:t>4</a:t>
+            </a:r>
+            <a:r>
+              <a:rPr lang="zh-CN" altLang="en-US" sz="1400" dirty="0">
+                <a:latin typeface="仿宋"/>
+                <a:ea typeface="仿宋"/>
+                <a:cs typeface="仿宋"/>
+              </a:rPr>
+              <a:t>之前发生异常，</a:t>
+            </a:r>
+            <a:r>
+              <a:rPr lang="en-US" altLang="zh-CN" sz="1400" dirty="0">
+                <a:latin typeface="仿宋"/>
+                <a:ea typeface="仿宋"/>
+                <a:cs typeface="仿宋"/>
+              </a:rPr>
+              <a:t>RS</a:t>
+            </a:r>
+            <a:r>
+              <a:rPr lang="zh-CN" altLang="en-US" sz="1400" dirty="0">
+                <a:latin typeface="仿宋"/>
+                <a:ea typeface="仿宋"/>
+                <a:cs typeface="仿宋"/>
+              </a:rPr>
+              <a:t>在重新打开</a:t>
+            </a:r>
+            <a:r>
+              <a:rPr lang="en-US" altLang="zh-CN" sz="1400" dirty="0">
+                <a:latin typeface="仿宋"/>
+                <a:ea typeface="仿宋"/>
+                <a:cs typeface="仿宋"/>
+              </a:rPr>
+              <a:t>region</a:t>
+            </a:r>
+            <a:r>
+              <a:rPr lang="zh-CN" altLang="en-US" sz="1400" dirty="0">
+                <a:latin typeface="仿宋"/>
+                <a:ea typeface="仿宋"/>
+                <a:cs typeface="仿宋"/>
+              </a:rPr>
+              <a:t>之后首先会从</a:t>
+            </a:r>
+            <a:r>
+              <a:rPr lang="en-US" altLang="zh-CN" sz="1400" dirty="0">
+                <a:latin typeface="仿宋"/>
+                <a:ea typeface="仿宋"/>
+                <a:cs typeface="仿宋"/>
+              </a:rPr>
+              <a:t>WAL</a:t>
+            </a:r>
+            <a:r>
+              <a:rPr lang="zh-CN" altLang="en-US" sz="1400" dirty="0">
+                <a:latin typeface="仿宋"/>
+                <a:ea typeface="仿宋"/>
+                <a:cs typeface="仿宋"/>
+              </a:rPr>
+              <a:t>中看到标有</a:t>
+            </a:r>
+            <a:r>
+              <a:rPr lang="en-US" altLang="zh-CN" sz="1400" dirty="0">
+                <a:latin typeface="仿宋"/>
+                <a:ea typeface="仿宋"/>
+                <a:cs typeface="仿宋"/>
+              </a:rPr>
+              <a:t>compaction</a:t>
+            </a:r>
+            <a:r>
+              <a:rPr lang="zh-CN" altLang="en-US" sz="1400" dirty="0">
+                <a:latin typeface="仿宋"/>
+                <a:ea typeface="仿宋"/>
+                <a:cs typeface="仿宋"/>
+              </a:rPr>
+              <a:t>的日志，因为此时输入文件和输出文件已经持久化到</a:t>
+            </a:r>
+            <a:r>
+              <a:rPr lang="en-US" altLang="zh-CN" sz="1400" dirty="0">
+                <a:latin typeface="仿宋"/>
+                <a:ea typeface="仿宋"/>
+                <a:cs typeface="仿宋"/>
+              </a:rPr>
+              <a:t>HDFS</a:t>
+            </a:r>
+            <a:r>
+              <a:rPr lang="zh-CN" altLang="en-US" sz="1400" dirty="0">
+                <a:latin typeface="仿宋"/>
+                <a:ea typeface="仿宋"/>
+                <a:cs typeface="仿宋"/>
+              </a:rPr>
+              <a:t>，因此只需要根据</a:t>
+            </a:r>
+            <a:r>
+              <a:rPr lang="en-US" altLang="zh-CN" sz="1400" dirty="0">
+                <a:latin typeface="仿宋"/>
+                <a:ea typeface="仿宋"/>
+                <a:cs typeface="仿宋"/>
+              </a:rPr>
+              <a:t>WAL</a:t>
+            </a:r>
+            <a:r>
+              <a:rPr lang="zh-CN" altLang="en-US" sz="1400" dirty="0">
+                <a:latin typeface="仿宋"/>
+                <a:ea typeface="仿宋"/>
+                <a:cs typeface="仿宋"/>
+              </a:rPr>
+              <a:t>移除掉</a:t>
+            </a:r>
+            <a:r>
+              <a:rPr lang="en-US" altLang="zh-CN" sz="1400" dirty="0">
+                <a:latin typeface="仿宋"/>
+                <a:ea typeface="仿宋"/>
+                <a:cs typeface="仿宋"/>
+              </a:rPr>
+              <a:t>compaction</a:t>
+            </a:r>
+            <a:r>
+              <a:rPr lang="zh-CN" altLang="en-US" sz="1400" dirty="0">
+                <a:latin typeface="仿宋"/>
+                <a:ea typeface="仿宋"/>
+                <a:cs typeface="仿宋"/>
+              </a:rPr>
+              <a:t>输入文件即可</a:t>
+            </a:r>
+            <a:endParaRPr lang="zh-CN" altLang="en-US" sz="1400" dirty="0">
+              <a:latin typeface="仿宋"/>
+              <a:ea typeface="仿宋"/>
+              <a:cs typeface="仿宋"/>
+            </a:endParaRPr>
           </a:p>
         </p:txBody>
       </p:sp>
     </p:spTree>
     <p:extLst>
       <p:ext uri="{BB962C8B-B14F-4D97-AF65-F5344CB8AC3E}">
-        <p14:creationId xmlns:p14="http://schemas.microsoft.com/office/powerpoint/2010/main" val="2649239484"/>
+        <p14:creationId xmlns:p14="http://schemas.microsoft.com/office/powerpoint/2010/main" val="4137635973"/>
       </p:ext>
     </p:extLst>
   </p:cSld>
@@ -27136,6 +28039,14 @@
           <a:p>
             <a:r>
               <a:rPr lang="en-US" altLang="zh-CN" dirty="0" smtClean="0"/>
+              <a:t>Region</a:t>
+            </a:r>
+            <a:r>
+              <a:rPr lang="zh-CN" altLang="en-US" dirty="0" smtClean="0"/>
+              <a:t> </a:t>
+            </a:r>
+            <a:r>
+              <a:rPr lang="en-US" altLang="zh-CN" dirty="0" smtClean="0"/>
               <a:t>split</a:t>
             </a:r>
             <a:endParaRPr lang="zh-CN" altLang="en-US" dirty="0"/>
@@ -27150,59 +28061,174 @@
         </p:nvSpPr>
         <p:spPr>
           <a:xfrm>
-            <a:off x="769615" y="1585351"/>
-            <a:ext cx="1430392" cy="369332"/>
+            <a:off x="748936" y="1299486"/>
+            <a:ext cx="10406744" cy="3970318"/>
           </a:xfrm>
           <a:prstGeom prst="rect">
             <a:avLst/>
           </a:prstGeom>
         </p:spPr>
         <p:txBody>
-          <a:bodyPr wrap="none">
+          <a:bodyPr wrap="square">
             <a:spAutoFit/>
           </a:bodyPr>
           <a:lstStyle/>
           <a:p>
             <a:r>
-              <a:rPr lang="en-US" altLang="zh-CN" dirty="0"/>
-              <a:t>Pre-splitting</a:t>
-            </a:r>
-            <a:endParaRPr lang="zh-CN" altLang="en-US" dirty="0"/>
-          </a:p>
-        </p:txBody>
-      </p:sp>
-      <p:sp>
-        <p:nvSpPr>
-          <p:cNvPr id="5" name="矩形 4"/>
-          <p:cNvSpPr/>
-          <p:nvPr/>
-        </p:nvSpPr>
-        <p:spPr>
-          <a:xfrm>
-            <a:off x="769615" y="2267232"/>
-            <a:ext cx="4552144" cy="369332"/>
-          </a:xfrm>
-          <a:prstGeom prst="rect">
-            <a:avLst/>
-          </a:prstGeom>
-        </p:spPr>
-        <p:txBody>
-          <a:bodyPr wrap="none">
-            <a:spAutoFit/>
-          </a:bodyPr>
-          <a:lstStyle/>
-          <a:p>
-            <a:r>
-              <a:rPr lang="zh-CN" altLang="en-US" dirty="0"/>
-              <a:t>create 'test_table', 'f1', SPLITS=&gt; ['a', 'b', 'c']</a:t>
-            </a:r>
+              <a:rPr lang="en-US" altLang="zh-CN" sz="1400" dirty="0"/>
+              <a:t>How Region Splits are </a:t>
+            </a:r>
+            <a:r>
+              <a:rPr lang="en-US" altLang="zh-CN" sz="1400" dirty="0" err="1"/>
+              <a:t>implementedAs</a:t>
+            </a:r>
+            <a:r>
+              <a:rPr lang="en-US" altLang="zh-CN" sz="1400" dirty="0"/>
+              <a:t> write requests are handled by the region server, they accumulate  in an in-memory storage system called the “</a:t>
+            </a:r>
+            <a:r>
+              <a:rPr lang="en-US" altLang="zh-CN" sz="1400" dirty="0" err="1"/>
+              <a:t>memstore</a:t>
+            </a:r>
+            <a:r>
+              <a:rPr lang="en-US" altLang="zh-CN" sz="1400" dirty="0"/>
+              <a:t>”. Once the </a:t>
+            </a:r>
+            <a:r>
+              <a:rPr lang="en-US" altLang="zh-CN" sz="1400" dirty="0" err="1"/>
+              <a:t>memstore</a:t>
+            </a:r>
+            <a:r>
+              <a:rPr lang="en-US" altLang="zh-CN" sz="1400" dirty="0"/>
+              <a:t>  fills, its content are written to disk as additional store files. This  event is called a “</a:t>
+            </a:r>
+            <a:r>
+              <a:rPr lang="en-US" altLang="zh-CN" sz="1400" dirty="0" err="1"/>
+              <a:t>memstore</a:t>
+            </a:r>
+            <a:r>
+              <a:rPr lang="en-US" altLang="zh-CN" sz="1400" dirty="0"/>
+              <a:t> flush”. As store files accumulate, the  </a:t>
+            </a:r>
+            <a:r>
+              <a:rPr lang="en-US" altLang="zh-CN" sz="1400" dirty="0" err="1"/>
+              <a:t>RegionServer</a:t>
+            </a:r>
+            <a:r>
+              <a:rPr lang="en-US" altLang="zh-CN" sz="1400" dirty="0"/>
+              <a:t> will “compact” them into combined, larger files. After each  flush or compaction finishes, a region split request is </a:t>
+            </a:r>
+            <a:r>
+              <a:rPr lang="en-US" altLang="zh-CN" sz="1400" dirty="0" err="1"/>
+              <a:t>enqueued</a:t>
+            </a:r>
+            <a:r>
+              <a:rPr lang="en-US" altLang="zh-CN" sz="1400" dirty="0"/>
+              <a:t> if the  </a:t>
+            </a:r>
+            <a:r>
+              <a:rPr lang="en-US" altLang="zh-CN" sz="1400" dirty="0" err="1"/>
+              <a:t>RegionSplitPolicy</a:t>
+            </a:r>
+            <a:r>
+              <a:rPr lang="en-US" altLang="zh-CN" sz="1400" dirty="0"/>
+              <a:t> decides that the region should be split into two.  </a:t>
+            </a:r>
+            <a:endParaRPr lang="en-US" altLang="zh-CN" sz="1400" dirty="0" smtClean="0"/>
+          </a:p>
+          <a:p>
+            <a:endParaRPr lang="en-US" altLang="zh-CN" sz="1400" dirty="0"/>
+          </a:p>
+          <a:p>
+            <a:r>
+              <a:rPr lang="en-US" altLang="zh-CN" sz="1400" dirty="0" smtClean="0"/>
+              <a:t>Since </a:t>
+            </a:r>
+            <a:r>
+              <a:rPr lang="en-US" altLang="zh-CN" sz="1400" dirty="0"/>
+              <a:t>all data files in </a:t>
+            </a:r>
+            <a:r>
+              <a:rPr lang="en-US" altLang="zh-CN" sz="1400" dirty="0" err="1"/>
+              <a:t>HBase</a:t>
+            </a:r>
+            <a:r>
+              <a:rPr lang="en-US" altLang="zh-CN" sz="1400" dirty="0"/>
+              <a:t> are immutable, when a split happens, the  newly created daughter regions will not rewrite all the data into new  files. Instead, they will create  small </a:t>
+            </a:r>
+            <a:r>
+              <a:rPr lang="en-US" altLang="zh-CN" sz="1400" dirty="0" err="1"/>
+              <a:t>sym</a:t>
+            </a:r>
+            <a:r>
+              <a:rPr lang="en-US" altLang="zh-CN" sz="1400" dirty="0"/>
+              <a:t>-link like files, named Reference files,  which point to either top or bottom part of the parent store file  according to the split point. The reference file will be used just like a  regular data file, but only half of the records. The region can only be  split if there are no more references to the immutable data files of  the parent region. Those reference files are cleaned gradually by  compactions, so that the region will stop referring to its parents  files, and can be split further</a:t>
+            </a:r>
+            <a:r>
+              <a:rPr lang="en-US" altLang="zh-CN" sz="1400" dirty="0" smtClean="0"/>
+              <a:t>.</a:t>
+            </a:r>
+          </a:p>
+          <a:p>
+            <a:endParaRPr lang="en-US" altLang="zh-CN" sz="1400" dirty="0"/>
+          </a:p>
+          <a:p>
+            <a:r>
+              <a:rPr lang="en-US" altLang="zh-CN" sz="1400" dirty="0" smtClean="0"/>
+              <a:t>Although </a:t>
+            </a:r>
+            <a:r>
+              <a:rPr lang="en-US" altLang="zh-CN" sz="1400" dirty="0"/>
+              <a:t>splitting the region is a local decision made at the  </a:t>
+            </a:r>
+            <a:r>
+              <a:rPr lang="en-US" altLang="zh-CN" sz="1400" dirty="0" err="1"/>
+              <a:t>RegionServer</a:t>
+            </a:r>
+            <a:r>
+              <a:rPr lang="en-US" altLang="zh-CN" sz="1400" dirty="0"/>
+              <a:t>, the split process itself must coordinate with many actors.  The </a:t>
+            </a:r>
+            <a:r>
+              <a:rPr lang="en-US" altLang="zh-CN" sz="1400" dirty="0" err="1"/>
+              <a:t>RegionServer</a:t>
+            </a:r>
+            <a:r>
+              <a:rPr lang="en-US" altLang="zh-CN" sz="1400" dirty="0"/>
+              <a:t> notifies the Master before and after the split,  updates the .META. table so that clients can discover the new daughter  regions, and rearranges the directory structure and data files in HDFS.  Split is a multi task process. To enable rollback in case of an error,  the </a:t>
+            </a:r>
+            <a:r>
+              <a:rPr lang="en-US" altLang="zh-CN" sz="1400" dirty="0" err="1"/>
+              <a:t>RegionServer</a:t>
+            </a:r>
+            <a:r>
+              <a:rPr lang="en-US" altLang="zh-CN" sz="1400" dirty="0"/>
+              <a:t> keeps an in-memory journal about the execution state.  The steps taken by the </a:t>
+            </a:r>
+            <a:r>
+              <a:rPr lang="en-US" altLang="zh-CN" sz="1400" dirty="0" err="1"/>
+              <a:t>RegionServer</a:t>
+            </a:r>
+            <a:r>
+              <a:rPr lang="en-US" altLang="zh-CN" sz="1400" dirty="0"/>
+              <a:t> to execute the split are illustrated  by Figure 1. Each step is labeled with its step number. Actions from  </a:t>
+            </a:r>
+            <a:r>
+              <a:rPr lang="en-US" altLang="zh-CN" sz="1400" dirty="0" err="1"/>
+              <a:t>RegionServers</a:t>
+            </a:r>
+            <a:r>
+              <a:rPr lang="en-US" altLang="zh-CN" sz="1400" dirty="0"/>
+              <a:t> or Master are shown in red, while actions from the clients  are show in green.</a:t>
+            </a:r>
+            <a:endParaRPr lang="zh-CN" altLang="en-US" sz="1400" dirty="0"/>
           </a:p>
         </p:txBody>
       </p:sp>
     </p:spTree>
     <p:extLst>
       <p:ext uri="{BB962C8B-B14F-4D97-AF65-F5344CB8AC3E}">
-        <p14:creationId xmlns:p14="http://schemas.microsoft.com/office/powerpoint/2010/main" val="647299925"/>
+        <p14:creationId xmlns:p14="http://schemas.microsoft.com/office/powerpoint/2010/main" val="1738043708"/>
       </p:ext>
     </p:extLst>
   </p:cSld>
@@ -27245,207 +28271,13 @@
           <a:lstStyle/>
           <a:p>
             <a:r>
-              <a:rPr lang="en-US" altLang="zh-CN" dirty="0" smtClean="0"/>
-              <a:t>split</a:t>
-            </a:r>
-            <a:endParaRPr lang="zh-CN" altLang="en-US" dirty="0"/>
-          </a:p>
-        </p:txBody>
-      </p:sp>
-      <p:sp>
-        <p:nvSpPr>
-          <p:cNvPr id="4" name="矩形 3"/>
-          <p:cNvSpPr/>
-          <p:nvPr/>
-        </p:nvSpPr>
-        <p:spPr>
-          <a:xfrm>
-            <a:off x="748936" y="1299486"/>
-            <a:ext cx="10406744" cy="5355312"/>
-          </a:xfrm>
-          <a:prstGeom prst="rect">
-            <a:avLst/>
-          </a:prstGeom>
-        </p:spPr>
-        <p:txBody>
-          <a:bodyPr wrap="square">
-            <a:spAutoFit/>
-          </a:bodyPr>
-          <a:lstStyle/>
-          <a:p>
-            <a:r>
               <a:rPr lang="en-US" altLang="zh-CN" dirty="0"/>
-              <a:t>How Region Splits are </a:t>
-            </a:r>
-            <a:r>
-              <a:rPr lang="en-US" altLang="zh-CN" dirty="0" err="1"/>
-              <a:t>implementedAs</a:t>
-            </a:r>
-            <a:r>
-              <a:rPr lang="en-US" altLang="zh-CN" dirty="0"/>
-              <a:t> write requests are handled by the region server, they accumulate  in an in-memory storage system called the “</a:t>
-            </a:r>
-            <a:r>
-              <a:rPr lang="en-US" altLang="zh-CN" dirty="0" err="1"/>
-              <a:t>memstore</a:t>
-            </a:r>
-            <a:r>
-              <a:rPr lang="en-US" altLang="zh-CN" dirty="0"/>
-              <a:t>”. Once the </a:t>
-            </a:r>
-            <a:r>
-              <a:rPr lang="en-US" altLang="zh-CN" dirty="0" err="1"/>
-              <a:t>memstore</a:t>
-            </a:r>
-            <a:r>
-              <a:rPr lang="en-US" altLang="zh-CN" dirty="0"/>
-              <a:t>  fills, its content are written to disk as additional store files. This  event is called a “</a:t>
-            </a:r>
-            <a:r>
-              <a:rPr lang="en-US" altLang="zh-CN" dirty="0" err="1"/>
-              <a:t>memstore</a:t>
-            </a:r>
-            <a:r>
-              <a:rPr lang="en-US" altLang="zh-CN" dirty="0"/>
-              <a:t> flush”. As store files accumulate, the  </a:t>
-            </a:r>
-            <a:r>
-              <a:rPr lang="en-US" altLang="zh-CN" dirty="0" err="1"/>
-              <a:t>RegionServer</a:t>
-            </a:r>
-            <a:r>
-              <a:rPr lang="en-US" altLang="zh-CN" dirty="0"/>
-              <a:t> will “compact” them into combined, larger files. After each  flush or compaction finishes, a region split request is </a:t>
-            </a:r>
-            <a:r>
-              <a:rPr lang="en-US" altLang="zh-CN" dirty="0" err="1"/>
-              <a:t>enqueued</a:t>
-            </a:r>
-            <a:r>
-              <a:rPr lang="en-US" altLang="zh-CN" dirty="0"/>
-              <a:t> if the  </a:t>
-            </a:r>
-            <a:r>
-              <a:rPr lang="en-US" altLang="zh-CN" dirty="0" err="1"/>
-              <a:t>RegionSplitPolicy</a:t>
-            </a:r>
-            <a:r>
-              <a:rPr lang="en-US" altLang="zh-CN" dirty="0"/>
-              <a:t> decides that the region should be split into two.  Since all data files in </a:t>
-            </a:r>
-            <a:r>
-              <a:rPr lang="en-US" altLang="zh-CN" dirty="0" err="1"/>
-              <a:t>HBase</a:t>
-            </a:r>
-            <a:r>
-              <a:rPr lang="en-US" altLang="zh-CN" dirty="0"/>
-              <a:t> are immutable, when a split happens, the  newly created daughter regions will not rewrite all the data into new  files. Instead, they will create  small </a:t>
-            </a:r>
-            <a:r>
-              <a:rPr lang="en-US" altLang="zh-CN" dirty="0" err="1"/>
-              <a:t>sym</a:t>
-            </a:r>
-            <a:r>
-              <a:rPr lang="en-US" altLang="zh-CN" dirty="0"/>
-              <a:t>-link like files, named Reference files,  which point to either top or bottom part of the parent store file  according to the split point. The reference file will be used just like a  regular data file, but only half of the records. The region can only be  split if there are no more references to the immutable data files of  the parent region. Those reference files are cleaned gradually by  compactions, so that the region will stop referring to its parents  files, and can be split </a:t>
-            </a:r>
-            <a:r>
-              <a:rPr lang="en-US" altLang="zh-CN" dirty="0" err="1"/>
-              <a:t>further.Although</a:t>
-            </a:r>
-            <a:r>
-              <a:rPr lang="en-US" altLang="zh-CN" dirty="0"/>
-              <a:t> splitting the region is a local decision made at the  </a:t>
-            </a:r>
-            <a:r>
-              <a:rPr lang="en-US" altLang="zh-CN" dirty="0" err="1"/>
-              <a:t>RegionServer</a:t>
-            </a:r>
-            <a:r>
-              <a:rPr lang="en-US" altLang="zh-CN" dirty="0"/>
-              <a:t>, the split process itself must coordinate with many actors.  The </a:t>
-            </a:r>
-            <a:r>
-              <a:rPr lang="en-US" altLang="zh-CN" dirty="0" err="1"/>
-              <a:t>RegionServer</a:t>
-            </a:r>
-            <a:r>
-              <a:rPr lang="en-US" altLang="zh-CN" dirty="0"/>
-              <a:t> notifies the Master before and after the split,  updates the .META. table so that clients can discover the new daughter  regions, and rearranges the directory structure and data files in HDFS.  Split is a multi task process. To enable rollback in case of an error,  the </a:t>
-            </a:r>
-            <a:r>
-              <a:rPr lang="en-US" altLang="zh-CN" dirty="0" err="1"/>
-              <a:t>RegionServer</a:t>
-            </a:r>
-            <a:r>
-              <a:rPr lang="en-US" altLang="zh-CN" dirty="0"/>
-              <a:t> keeps an in-memory journal about the execution state.  The steps taken by the </a:t>
-            </a:r>
-            <a:r>
-              <a:rPr lang="en-US" altLang="zh-CN" dirty="0" err="1"/>
-              <a:t>RegionServer</a:t>
-            </a:r>
-            <a:r>
-              <a:rPr lang="en-US" altLang="zh-CN" dirty="0"/>
-              <a:t> to execute the split are illustrated  by Figure 1. Each step is labeled with its step number. Actions from  </a:t>
-            </a:r>
-            <a:r>
-              <a:rPr lang="en-US" altLang="zh-CN" dirty="0" err="1"/>
-              <a:t>RegionServers</a:t>
-            </a:r>
-            <a:r>
-              <a:rPr lang="en-US" altLang="zh-CN" dirty="0"/>
-              <a:t> or Master are shown in red, while actions from the clients  are show in green.</a:t>
-            </a:r>
-            <a:endParaRPr lang="zh-CN" altLang="en-US" dirty="0"/>
-          </a:p>
-        </p:txBody>
-      </p:sp>
-    </p:spTree>
-    <p:extLst>
-      <p:ext uri="{BB962C8B-B14F-4D97-AF65-F5344CB8AC3E}">
-        <p14:creationId xmlns:p14="http://schemas.microsoft.com/office/powerpoint/2010/main" val="1738043708"/>
-      </p:ext>
-    </p:extLst>
-  </p:cSld>
-  <p:clrMapOvr>
-    <a:masterClrMapping/>
-  </p:clrMapOvr>
-</p:sld>
-</file>
-
-<file path=ppt/slides/slide52.xml><?xml version="1.0" encoding="utf-8"?>
-<p:sld xmlns:a="http://schemas.openxmlformats.org/drawingml/2006/main" xmlns:r="http://schemas.openxmlformats.org/officeDocument/2006/relationships" xmlns:p="http://schemas.openxmlformats.org/presentationml/2006/main">
-  <p:cSld>
-    <p:spTree>
-      <p:nvGrpSpPr>
-        <p:cNvPr id="1" name=""/>
-        <p:cNvGrpSpPr/>
-        <p:nvPr/>
-      </p:nvGrpSpPr>
-      <p:grpSpPr>
-        <a:xfrm>
-          <a:off x="0" y="0"/>
-          <a:ext cx="0" cy="0"/>
-          <a:chOff x="0" y="0"/>
-          <a:chExt cx="0" cy="0"/>
-        </a:xfrm>
-      </p:grpSpPr>
-      <p:sp>
-        <p:nvSpPr>
-          <p:cNvPr id="2" name="标题 1"/>
-          <p:cNvSpPr>
-            <a:spLocks noGrp="1"/>
-          </p:cNvSpPr>
-          <p:nvPr>
-            <p:ph type="title"/>
-          </p:nvPr>
-        </p:nvSpPr>
-        <p:spPr/>
-        <p:txBody>
-          <a:bodyPr/>
-          <a:lstStyle/>
-          <a:p>
+              <a:t>Region</a:t>
+            </a:r>
+            <a:r>
+              <a:rPr lang="zh-CN" altLang="en-US" dirty="0"/>
+              <a:t> </a:t>
+            </a:r>
             <a:r>
               <a:rPr lang="en-US" altLang="zh-CN" dirty="0" smtClean="0"/>
               <a:t>split</a:t>
@@ -27497,6 +28329,459 @@
 </p:sld>
 </file>
 
+<file path=ppt/slides/slide52.xml><?xml version="1.0" encoding="utf-8"?>
+<p:sld xmlns:a="http://schemas.openxmlformats.org/drawingml/2006/main" xmlns:r="http://schemas.openxmlformats.org/officeDocument/2006/relationships" xmlns:p="http://schemas.openxmlformats.org/presentationml/2006/main">
+  <p:cSld>
+    <p:spTree>
+      <p:nvGrpSpPr>
+        <p:cNvPr id="1" name=""/>
+        <p:cNvGrpSpPr/>
+        <p:nvPr/>
+      </p:nvGrpSpPr>
+      <p:grpSpPr>
+        <a:xfrm>
+          <a:off x="0" y="0"/>
+          <a:ext cx="0" cy="0"/>
+          <a:chOff x="0" y="0"/>
+          <a:chExt cx="0" cy="0"/>
+        </a:xfrm>
+      </p:grpSpPr>
+      <p:sp>
+        <p:nvSpPr>
+          <p:cNvPr id="2" name="标题 1"/>
+          <p:cNvSpPr>
+            <a:spLocks noGrp="1"/>
+          </p:cNvSpPr>
+          <p:nvPr>
+            <p:ph type="title"/>
+          </p:nvPr>
+        </p:nvSpPr>
+        <p:spPr/>
+        <p:txBody>
+          <a:bodyPr/>
+          <a:lstStyle/>
+          <a:p>
+            <a:r>
+              <a:rPr lang="en-US" altLang="zh-CN" dirty="0"/>
+              <a:t>Region</a:t>
+            </a:r>
+            <a:r>
+              <a:rPr lang="zh-CN" altLang="en-US" dirty="0"/>
+              <a:t> </a:t>
+            </a:r>
+            <a:r>
+              <a:rPr lang="en-US" altLang="zh-CN" dirty="0" smtClean="0"/>
+              <a:t>split</a:t>
+            </a:r>
+            <a:endParaRPr lang="zh-CN" altLang="en-US" dirty="0"/>
+          </a:p>
+        </p:txBody>
+      </p:sp>
+      <p:sp>
+        <p:nvSpPr>
+          <p:cNvPr id="5" name="矩形 4"/>
+          <p:cNvSpPr/>
+          <p:nvPr/>
+        </p:nvSpPr>
+        <p:spPr>
+          <a:xfrm>
+            <a:off x="617770" y="1157153"/>
+            <a:ext cx="11075107" cy="5568189"/>
+          </a:xfrm>
+          <a:prstGeom prst="rect">
+            <a:avLst/>
+          </a:prstGeom>
+        </p:spPr>
+        <p:txBody>
+          <a:bodyPr wrap="square">
+            <a:spAutoFit/>
+          </a:bodyPr>
+          <a:lstStyle/>
+          <a:p>
+            <a:pPr marL="342900" indent="-342900">
+              <a:lnSpc>
+                <a:spcPct val="150000"/>
+              </a:lnSpc>
+              <a:buFont typeface="+mj-lt"/>
+              <a:buAutoNum type="arabicPeriod"/>
+            </a:pPr>
+            <a:r>
+              <a:rPr lang="en-US" altLang="zh-CN" sz="1400" dirty="0" err="1" smtClean="0">
+                <a:latin typeface="仿宋"/>
+                <a:ea typeface="仿宋"/>
+                <a:cs typeface="仿宋"/>
+              </a:rPr>
+              <a:t>RegionServer</a:t>
+            </a:r>
+            <a:r>
+              <a:rPr lang="en-US" altLang="zh-CN" sz="1400" dirty="0" smtClean="0">
+                <a:latin typeface="仿宋"/>
+                <a:ea typeface="仿宋"/>
+                <a:cs typeface="仿宋"/>
+              </a:rPr>
+              <a:t> </a:t>
+            </a:r>
+            <a:r>
+              <a:rPr lang="en-US" altLang="zh-CN" sz="1400" dirty="0">
+                <a:latin typeface="仿宋"/>
+                <a:ea typeface="仿宋"/>
+                <a:cs typeface="仿宋"/>
+              </a:rPr>
+              <a:t>decides locally to split the region, and prepares the  split. As a first step, it creates a </a:t>
+            </a:r>
+            <a:r>
+              <a:rPr lang="en-US" altLang="zh-CN" sz="1400" dirty="0" err="1">
+                <a:latin typeface="仿宋"/>
+                <a:ea typeface="仿宋"/>
+                <a:cs typeface="仿宋"/>
+              </a:rPr>
+              <a:t>znode</a:t>
+            </a:r>
+            <a:r>
+              <a:rPr lang="en-US" altLang="zh-CN" sz="1400" dirty="0">
+                <a:latin typeface="仿宋"/>
+                <a:ea typeface="仿宋"/>
+                <a:cs typeface="仿宋"/>
+              </a:rPr>
+              <a:t> in zookeeper under  /</a:t>
+            </a:r>
+            <a:r>
+              <a:rPr lang="en-US" altLang="zh-CN" sz="1400" dirty="0" err="1">
+                <a:latin typeface="仿宋"/>
+                <a:ea typeface="仿宋"/>
+                <a:cs typeface="仿宋"/>
+              </a:rPr>
+              <a:t>hbase</a:t>
+            </a:r>
+            <a:r>
+              <a:rPr lang="en-US" altLang="zh-CN" sz="1400" dirty="0">
+                <a:latin typeface="仿宋"/>
+                <a:ea typeface="仿宋"/>
+                <a:cs typeface="仿宋"/>
+              </a:rPr>
+              <a:t>/region-in-transition/region-name in SPLITTING state. </a:t>
+            </a:r>
+            <a:endParaRPr lang="en-US" altLang="zh-CN" sz="1400" dirty="0" smtClean="0">
+              <a:latin typeface="仿宋"/>
+              <a:ea typeface="仿宋"/>
+              <a:cs typeface="仿宋"/>
+            </a:endParaRPr>
+          </a:p>
+          <a:p>
+            <a:pPr marL="342900" indent="-342900">
+              <a:lnSpc>
+                <a:spcPct val="150000"/>
+              </a:lnSpc>
+              <a:buFont typeface="+mj-lt"/>
+              <a:buAutoNum type="arabicPeriod"/>
+            </a:pPr>
+            <a:r>
+              <a:rPr lang="en-US" altLang="zh-CN" sz="1400" dirty="0" smtClean="0">
+                <a:latin typeface="仿宋"/>
+                <a:ea typeface="仿宋"/>
+                <a:cs typeface="仿宋"/>
+              </a:rPr>
+              <a:t>The </a:t>
+            </a:r>
+            <a:r>
+              <a:rPr lang="en-US" altLang="zh-CN" sz="1400" dirty="0">
+                <a:latin typeface="仿宋"/>
+                <a:ea typeface="仿宋"/>
+                <a:cs typeface="仿宋"/>
+              </a:rPr>
+              <a:t>Master learns about this </a:t>
+            </a:r>
+            <a:r>
+              <a:rPr lang="en-US" altLang="zh-CN" sz="1400" dirty="0" err="1">
+                <a:latin typeface="仿宋"/>
+                <a:ea typeface="仿宋"/>
+                <a:cs typeface="仿宋"/>
+              </a:rPr>
+              <a:t>znode</a:t>
+            </a:r>
+            <a:r>
+              <a:rPr lang="en-US" altLang="zh-CN" sz="1400" dirty="0">
+                <a:latin typeface="仿宋"/>
+                <a:ea typeface="仿宋"/>
+                <a:cs typeface="仿宋"/>
+              </a:rPr>
+              <a:t>, since it has a watcher for the parent region-in-transition </a:t>
+            </a:r>
+            <a:r>
+              <a:rPr lang="en-US" altLang="zh-CN" sz="1400" dirty="0" err="1">
+                <a:latin typeface="仿宋"/>
+                <a:ea typeface="仿宋"/>
+                <a:cs typeface="仿宋"/>
+              </a:rPr>
+              <a:t>znode</a:t>
+            </a:r>
+            <a:r>
+              <a:rPr lang="en-US" altLang="zh-CN" sz="1400" dirty="0">
+                <a:latin typeface="仿宋"/>
+                <a:ea typeface="仿宋"/>
+                <a:cs typeface="仿宋"/>
+              </a:rPr>
+              <a:t>. </a:t>
+            </a:r>
+            <a:endParaRPr lang="en-US" altLang="zh-CN" sz="1400" dirty="0">
+              <a:latin typeface="仿宋"/>
+              <a:ea typeface="仿宋"/>
+              <a:cs typeface="仿宋"/>
+            </a:endParaRPr>
+          </a:p>
+          <a:p>
+            <a:pPr marL="342900" indent="-342900">
+              <a:lnSpc>
+                <a:spcPct val="150000"/>
+              </a:lnSpc>
+              <a:buFont typeface="+mj-lt"/>
+              <a:buAutoNum type="arabicPeriod"/>
+            </a:pPr>
+            <a:r>
+              <a:rPr lang="en-US" altLang="zh-CN" sz="1400" dirty="0" err="1" smtClean="0">
+                <a:latin typeface="仿宋"/>
+                <a:ea typeface="仿宋"/>
+                <a:cs typeface="仿宋"/>
+              </a:rPr>
+              <a:t>RegionServer</a:t>
+            </a:r>
+            <a:r>
+              <a:rPr lang="en-US" altLang="zh-CN" sz="1400" dirty="0" smtClean="0">
+                <a:latin typeface="仿宋"/>
+                <a:ea typeface="仿宋"/>
+                <a:cs typeface="仿宋"/>
+              </a:rPr>
+              <a:t> </a:t>
+            </a:r>
+            <a:r>
+              <a:rPr lang="en-US" altLang="zh-CN" sz="1400" dirty="0">
+                <a:latin typeface="仿宋"/>
+                <a:ea typeface="仿宋"/>
+                <a:cs typeface="仿宋"/>
+              </a:rPr>
+              <a:t>creates a sub-directory named “.splits” under the parent’s region directory in HDFS.  </a:t>
+            </a:r>
+            <a:endParaRPr lang="en-US" altLang="zh-CN" sz="1400" dirty="0">
+              <a:latin typeface="仿宋"/>
+              <a:ea typeface="仿宋"/>
+              <a:cs typeface="仿宋"/>
+            </a:endParaRPr>
+          </a:p>
+          <a:p>
+            <a:pPr marL="342900" indent="-342900">
+              <a:lnSpc>
+                <a:spcPct val="150000"/>
+              </a:lnSpc>
+              <a:buFont typeface="+mj-lt"/>
+              <a:buAutoNum type="arabicPeriod"/>
+            </a:pPr>
+            <a:r>
+              <a:rPr lang="en-US" altLang="zh-CN" sz="1400" dirty="0" err="1" smtClean="0">
+                <a:latin typeface="仿宋"/>
+                <a:ea typeface="仿宋"/>
+                <a:cs typeface="仿宋"/>
+              </a:rPr>
+              <a:t>RegionServer</a:t>
+            </a:r>
+            <a:r>
+              <a:rPr lang="en-US" altLang="zh-CN" sz="1400" dirty="0" smtClean="0">
+                <a:latin typeface="仿宋"/>
+                <a:ea typeface="仿宋"/>
+                <a:cs typeface="仿宋"/>
+              </a:rPr>
+              <a:t> </a:t>
+            </a:r>
+            <a:r>
+              <a:rPr lang="en-US" altLang="zh-CN" sz="1400" dirty="0">
+                <a:latin typeface="仿宋"/>
+                <a:ea typeface="仿宋"/>
+                <a:cs typeface="仿宋"/>
+              </a:rPr>
+              <a:t>closes the parent region, forces a flush of the cache  and marks the region as offline in its local data structures. At this  point, client requests coming to the parent region will throw  </a:t>
+            </a:r>
+            <a:r>
+              <a:rPr lang="en-US" altLang="zh-CN" sz="1400" dirty="0" err="1">
+                <a:latin typeface="仿宋"/>
+                <a:ea typeface="仿宋"/>
+                <a:cs typeface="仿宋"/>
+              </a:rPr>
+              <a:t>NotServingRegionException</a:t>
+            </a:r>
+            <a:r>
+              <a:rPr lang="en-US" altLang="zh-CN" sz="1400" dirty="0">
+                <a:latin typeface="仿宋"/>
+                <a:ea typeface="仿宋"/>
+                <a:cs typeface="仿宋"/>
+              </a:rPr>
+              <a:t>. The client will retry with some </a:t>
+            </a:r>
+            <a:r>
+              <a:rPr lang="en-US" altLang="zh-CN" sz="1400" dirty="0" err="1">
+                <a:latin typeface="仿宋"/>
+                <a:ea typeface="仿宋"/>
+                <a:cs typeface="仿宋"/>
+              </a:rPr>
+              <a:t>backoff</a:t>
+            </a:r>
+            <a:r>
+              <a:rPr lang="en-US" altLang="zh-CN" sz="1400" dirty="0">
+                <a:latin typeface="仿宋"/>
+                <a:ea typeface="仿宋"/>
+                <a:cs typeface="仿宋"/>
+              </a:rPr>
+              <a:t>.  </a:t>
+            </a:r>
+            <a:endParaRPr lang="en-US" altLang="zh-CN" sz="1400" dirty="0">
+              <a:latin typeface="仿宋"/>
+              <a:ea typeface="仿宋"/>
+              <a:cs typeface="仿宋"/>
+            </a:endParaRPr>
+          </a:p>
+          <a:p>
+            <a:pPr marL="342900" indent="-342900">
+              <a:lnSpc>
+                <a:spcPct val="150000"/>
+              </a:lnSpc>
+              <a:buFont typeface="+mj-lt"/>
+              <a:buAutoNum type="arabicPeriod"/>
+            </a:pPr>
+            <a:r>
+              <a:rPr lang="en-US" altLang="zh-CN" sz="1400" dirty="0" err="1" smtClean="0">
+                <a:latin typeface="仿宋"/>
+                <a:ea typeface="仿宋"/>
+                <a:cs typeface="仿宋"/>
+              </a:rPr>
+              <a:t>RegionServer</a:t>
+            </a:r>
+            <a:r>
+              <a:rPr lang="en-US" altLang="zh-CN" sz="1400" dirty="0" smtClean="0">
+                <a:latin typeface="仿宋"/>
+                <a:ea typeface="仿宋"/>
+                <a:cs typeface="仿宋"/>
+              </a:rPr>
+              <a:t> </a:t>
+            </a:r>
+            <a:r>
+              <a:rPr lang="en-US" altLang="zh-CN" sz="1400" dirty="0">
+                <a:latin typeface="仿宋"/>
+                <a:ea typeface="仿宋"/>
+                <a:cs typeface="仿宋"/>
+              </a:rPr>
+              <a:t>create the region directories under .splits directory,  for daughter regions A and B, and creates necessary data structures.  Then it splits the store files, in the sense that it creates two Reference files per store file in the parent region. Those reference files will point to the parent regions files. </a:t>
+            </a:r>
+            <a:endParaRPr lang="en-US" altLang="zh-CN" sz="1400" dirty="0">
+              <a:latin typeface="仿宋"/>
+              <a:ea typeface="仿宋"/>
+              <a:cs typeface="仿宋"/>
+            </a:endParaRPr>
+          </a:p>
+          <a:p>
+            <a:pPr marL="342900" indent="-342900">
+              <a:lnSpc>
+                <a:spcPct val="150000"/>
+              </a:lnSpc>
+              <a:buFont typeface="+mj-lt"/>
+              <a:buAutoNum type="arabicPeriod"/>
+            </a:pPr>
+            <a:r>
+              <a:rPr lang="en-US" altLang="zh-CN" sz="1400" dirty="0" err="1" smtClean="0">
+                <a:latin typeface="仿宋"/>
+                <a:ea typeface="仿宋"/>
+                <a:cs typeface="仿宋"/>
+              </a:rPr>
+              <a:t>RegionServer</a:t>
+            </a:r>
+            <a:r>
+              <a:rPr lang="en-US" altLang="zh-CN" sz="1400" dirty="0" smtClean="0">
+                <a:latin typeface="仿宋"/>
+                <a:ea typeface="仿宋"/>
+                <a:cs typeface="仿宋"/>
+              </a:rPr>
+              <a:t> </a:t>
+            </a:r>
+            <a:r>
+              <a:rPr lang="en-US" altLang="zh-CN" sz="1400" dirty="0">
+                <a:latin typeface="仿宋"/>
+                <a:ea typeface="仿宋"/>
+                <a:cs typeface="仿宋"/>
+              </a:rPr>
+              <a:t>creates the actual region directory in HDFS, and moves the reference files for each daughter.  </a:t>
+            </a:r>
+            <a:endParaRPr lang="en-US" altLang="zh-CN" sz="1400" dirty="0">
+              <a:latin typeface="仿宋"/>
+              <a:ea typeface="仿宋"/>
+              <a:cs typeface="仿宋"/>
+            </a:endParaRPr>
+          </a:p>
+          <a:p>
+            <a:pPr marL="342900" indent="-342900">
+              <a:lnSpc>
+                <a:spcPct val="150000"/>
+              </a:lnSpc>
+              <a:buFont typeface="+mj-lt"/>
+              <a:buAutoNum type="arabicPeriod"/>
+            </a:pPr>
+            <a:r>
+              <a:rPr lang="en-US" altLang="zh-CN" sz="1400" dirty="0" err="1" smtClean="0">
+                <a:latin typeface="仿宋"/>
+                <a:ea typeface="仿宋"/>
+                <a:cs typeface="仿宋"/>
+              </a:rPr>
+              <a:t>RegionServer</a:t>
+            </a:r>
+            <a:r>
+              <a:rPr lang="en-US" altLang="zh-CN" sz="1400" dirty="0" smtClean="0">
+                <a:latin typeface="仿宋"/>
+                <a:ea typeface="仿宋"/>
+                <a:cs typeface="仿宋"/>
+              </a:rPr>
+              <a:t> </a:t>
+            </a:r>
+            <a:r>
+              <a:rPr lang="en-US" altLang="zh-CN" sz="1400" dirty="0">
+                <a:latin typeface="仿宋"/>
+                <a:ea typeface="仿宋"/>
+                <a:cs typeface="仿宋"/>
+              </a:rPr>
+              <a:t>sends a Put request to the .META. table, and sets the  parent as offline in the .META. table and adds information about  daughter regions. At this point, there won’t be individual entries in  .META. for the daughters. Clients will see the parent region is split if  they scan .META., but won’t know about the daughters until they appear  in .META.. Also, if this Put to .META. succeeds, the parent will be  effectively split. If the </a:t>
+            </a:r>
+            <a:r>
+              <a:rPr lang="en-US" altLang="zh-CN" sz="1400" dirty="0" err="1">
+                <a:latin typeface="仿宋"/>
+                <a:ea typeface="仿宋"/>
+                <a:cs typeface="仿宋"/>
+              </a:rPr>
+              <a:t>RegionServer</a:t>
+            </a:r>
+            <a:r>
+              <a:rPr lang="en-US" altLang="zh-CN" sz="1400" dirty="0">
+                <a:latin typeface="仿宋"/>
+                <a:ea typeface="仿宋"/>
+                <a:cs typeface="仿宋"/>
+              </a:rPr>
+              <a:t> fails before this RPC succeeds,  Master and the next region server opening the region will clean dirty  state about the region split. After the .META. update, though, the  region split will be rolled-forward by Master. </a:t>
+            </a:r>
+            <a:endParaRPr lang="zh-CN" altLang="en-US" sz="1400" dirty="0">
+              <a:latin typeface="仿宋"/>
+              <a:ea typeface="仿宋"/>
+              <a:cs typeface="仿宋"/>
+            </a:endParaRPr>
+          </a:p>
+        </p:txBody>
+      </p:sp>
+    </p:spTree>
+    <p:extLst>
+      <p:ext uri="{BB962C8B-B14F-4D97-AF65-F5344CB8AC3E}">
+        <p14:creationId xmlns:p14="http://schemas.microsoft.com/office/powerpoint/2010/main" val="2628794886"/>
+      </p:ext>
+    </p:extLst>
+  </p:cSld>
+  <p:clrMapOvr>
+    <a:masterClrMapping/>
+  </p:clrMapOvr>
+</p:sld>
+</file>
+
 <file path=ppt/slides/slide53.xml><?xml version="1.0" encoding="utf-8"?>
 <p:sld xmlns:a="http://schemas.openxmlformats.org/drawingml/2006/main" xmlns:r="http://schemas.openxmlformats.org/officeDocument/2006/relationships" xmlns:p="http://schemas.openxmlformats.org/presentationml/2006/main">
   <p:cSld>
@@ -27529,11 +28814,7 @@
           <a:bodyPr/>
           <a:lstStyle/>
           <a:p>
-            <a:r>
-              <a:rPr lang="en-US" altLang="zh-CN" dirty="0" smtClean="0"/>
-              <a:t>MOB</a:t>
-            </a:r>
-            <a:endParaRPr lang="zh-CN" altLang="en-US" dirty="0"/>
+            <a:endParaRPr lang="zh-CN" altLang="en-US"/>
           </a:p>
         </p:txBody>
       </p:sp>
@@ -27545,8 +28826,8 @@
         </p:nvSpPr>
         <p:spPr>
           <a:xfrm>
-            <a:off x="521207" y="1377863"/>
-            <a:ext cx="10694126" cy="4247317"/>
+            <a:off x="748936" y="1502688"/>
+            <a:ext cx="8826137" cy="4275528"/>
           </a:xfrm>
           <a:prstGeom prst="rect">
             <a:avLst/>
@@ -27558,386 +28839,185 @@
           </a:bodyPr>
           <a:lstStyle/>
           <a:p>
-            <a:r>
-              <a:rPr lang="en-US" altLang="zh-CN" dirty="0"/>
-              <a:t>MOB Compaction</a:t>
-            </a:r>
-            <a:r>
-              <a:rPr lang="zh-CN" altLang="en-US" dirty="0"/>
-              <a:t>能否使用</a:t>
-            </a:r>
-            <a:r>
-              <a:rPr lang="en-US" altLang="zh-CN" dirty="0" err="1"/>
-              <a:t>HBase</a:t>
-            </a:r>
-            <a:r>
-              <a:rPr lang="zh-CN" altLang="en-US" dirty="0"/>
-              <a:t>来存储</a:t>
-            </a:r>
-            <a:r>
-              <a:rPr lang="en-US" altLang="zh-CN" dirty="0"/>
-              <a:t>MB</a:t>
-            </a:r>
-            <a:r>
-              <a:rPr lang="zh-CN" altLang="en-US" dirty="0"/>
-              <a:t>级别的</a:t>
-            </a:r>
-            <a:r>
-              <a:rPr lang="en-US" altLang="zh-CN" dirty="0"/>
-              <a:t>Blob(</a:t>
-            </a:r>
-            <a:r>
-              <a:rPr lang="zh-CN" altLang="en-US" dirty="0"/>
-              <a:t>如图片之类的小文件</a:t>
-            </a:r>
-            <a:r>
-              <a:rPr lang="en-US" altLang="zh-CN" dirty="0"/>
-              <a:t>)</a:t>
-            </a:r>
-            <a:r>
-              <a:rPr lang="zh-CN" altLang="en-US" dirty="0"/>
-              <a:t>数据？这是很多应用面临的一个基础问题，因为这些数据相比于普通的存储于</a:t>
-            </a:r>
-            <a:r>
-              <a:rPr lang="en-US" altLang="zh-CN" dirty="0" err="1"/>
-              <a:t>HBase</a:t>
-            </a:r>
-            <a:r>
-              <a:rPr lang="zh-CN" altLang="en-US" dirty="0"/>
-              <a:t>中的结构化</a:t>
-            </a:r>
-            <a:r>
-              <a:rPr lang="en-US" altLang="zh-CN" dirty="0"/>
-              <a:t>/</a:t>
-            </a:r>
-            <a:r>
-              <a:rPr lang="zh-CN" altLang="en-US" dirty="0"/>
-              <a:t>半结构化数据显得过大了，而如果将这些数据直接存储成</a:t>
-            </a:r>
-            <a:r>
-              <a:rPr lang="en-US" altLang="zh-CN" dirty="0"/>
-              <a:t>HDFS</a:t>
-            </a:r>
-            <a:r>
-              <a:rPr lang="zh-CN" altLang="en-US" dirty="0"/>
-              <a:t>中的独立文件，会加重</a:t>
-            </a:r>
-            <a:r>
-              <a:rPr lang="en-US" altLang="zh-CN" dirty="0"/>
-              <a:t>HDFS</a:t>
-            </a:r>
-            <a:r>
-              <a:rPr lang="zh-CN" altLang="en-US" dirty="0"/>
-              <a:t>的</a:t>
-            </a:r>
-            <a:r>
-              <a:rPr lang="en-US" altLang="zh-CN" dirty="0" err="1"/>
-              <a:t>NameNode</a:t>
-            </a:r>
-            <a:r>
-              <a:rPr lang="zh-CN" altLang="en-US" dirty="0"/>
-              <a:t>的负担，再者，</a:t>
-            </a:r>
-            <a:r>
-              <a:rPr lang="zh-CN" altLang="en-US" dirty="0" smtClean="0"/>
-              <a:t>如何索引这些小文件也是一个极大的</a:t>
-            </a:r>
-            <a:r>
-              <a:rPr lang="zh-CN" altLang="en-US" dirty="0"/>
-              <a:t>痛点。当然，也有人采用了这样的方式：将多个小文件合并成</a:t>
-            </a:r>
-            <a:r>
-              <a:rPr lang="en-US" altLang="zh-CN" dirty="0"/>
-              <a:t>HDFS</a:t>
-            </a:r>
-            <a:r>
-              <a:rPr lang="zh-CN" altLang="en-US" dirty="0"/>
-              <a:t>上的一个大文件，这样子可以减轻</a:t>
-            </a:r>
-            <a:r>
-              <a:rPr lang="en-US" altLang="zh-CN" dirty="0"/>
-              <a:t>HDFS</a:t>
-            </a:r>
-            <a:r>
-              <a:rPr lang="zh-CN" altLang="en-US" dirty="0"/>
-              <a:t>的</a:t>
-            </a:r>
-            <a:r>
-              <a:rPr lang="en-US" altLang="zh-CN" dirty="0" err="1"/>
-              <a:t>NameNode</a:t>
-            </a:r>
-            <a:r>
-              <a:rPr lang="zh-CN" altLang="en-US" dirty="0"/>
-              <a:t>的负担，但需要维护每一个小文件的索引信息（文件名以及每一个小文件的偏移信息）。如果存这些这些小文件时，像普通的结构化数据</a:t>
-            </a:r>
-            <a:r>
-              <a:rPr lang="en-US" altLang="zh-CN" dirty="0"/>
-              <a:t>/</a:t>
-            </a:r>
-            <a:r>
-              <a:rPr lang="zh-CN" altLang="en-US" dirty="0"/>
-              <a:t>半结构化数据一样，直接写到</a:t>
-            </a:r>
-            <a:r>
-              <a:rPr lang="en-US" altLang="zh-CN" dirty="0" err="1"/>
-              <a:t>HBase</a:t>
-            </a:r>
-            <a:r>
-              <a:rPr lang="zh-CN" altLang="en-US" dirty="0"/>
-              <a:t>中，会有什么问题？这样子多条数据可以被合并在较大的</a:t>
-            </a:r>
-            <a:r>
-              <a:rPr lang="en-US" altLang="zh-CN" dirty="0" err="1"/>
-              <a:t>HFile</a:t>
-            </a:r>
-            <a:r>
-              <a:rPr lang="zh-CN" altLang="en-US" dirty="0"/>
-              <a:t>文件中，减轻了</a:t>
-            </a:r>
-            <a:r>
-              <a:rPr lang="en-US" altLang="zh-CN" dirty="0" err="1"/>
-              <a:t>NameNode</a:t>
-            </a:r>
-            <a:r>
-              <a:rPr lang="zh-CN" altLang="en-US" dirty="0"/>
-              <a:t>的负担，同时解决了快速索引的问题。但基于前面的内容，我们已经清楚知道了</a:t>
-            </a:r>
-            <a:r>
-              <a:rPr lang="en-US" altLang="zh-CN" dirty="0"/>
-              <a:t>Compaction</a:t>
-            </a:r>
-            <a:r>
-              <a:rPr lang="zh-CN" altLang="en-US" dirty="0"/>
-              <a:t>带来的写放大问题。试想一下，数</a:t>
-            </a:r>
-            <a:r>
-              <a:rPr lang="en-US" altLang="zh-CN" dirty="0"/>
-              <a:t>MB</a:t>
-            </a:r>
-            <a:r>
-              <a:rPr lang="zh-CN" altLang="en-US" dirty="0"/>
-              <a:t>级别的</a:t>
-            </a:r>
-            <a:r>
-              <a:rPr lang="en-US" altLang="zh-CN" dirty="0"/>
-              <a:t>Blob</a:t>
-            </a:r>
-            <a:r>
-              <a:rPr lang="zh-CN" altLang="en-US" dirty="0"/>
-              <a:t>数据，被反复多次合并以后，会带来什么样的影响？这对</a:t>
-            </a:r>
-            <a:r>
-              <a:rPr lang="en-US" altLang="zh-CN" dirty="0"/>
-              <a:t>IO</a:t>
-            </a:r>
-            <a:r>
-              <a:rPr lang="zh-CN" altLang="en-US" dirty="0"/>
-              <a:t>资源的抢占将会更加严重。因此，</a:t>
-            </a:r>
-            <a:r>
-              <a:rPr lang="en-US" altLang="zh-CN" dirty="0" err="1"/>
-              <a:t>HBase</a:t>
-            </a:r>
-            <a:r>
-              <a:rPr lang="zh-CN" altLang="en-US" dirty="0"/>
-              <a:t>的</a:t>
-            </a:r>
-            <a:r>
-              <a:rPr lang="en-US" altLang="zh-CN" dirty="0"/>
-              <a:t>MOB</a:t>
-            </a:r>
-            <a:r>
-              <a:rPr lang="zh-CN" altLang="en-US" dirty="0"/>
-              <a:t>特性的设计思想为：将</a:t>
-            </a:r>
-            <a:r>
-              <a:rPr lang="en-US" altLang="zh-CN" dirty="0"/>
-              <a:t>Blob</a:t>
-            </a:r>
-            <a:r>
-              <a:rPr lang="zh-CN" altLang="en-US" dirty="0"/>
-              <a:t>数据与描述</a:t>
-            </a:r>
-            <a:r>
-              <a:rPr lang="en-US" altLang="zh-CN" dirty="0"/>
-              <a:t>Blob</a:t>
-            </a:r>
-            <a:r>
-              <a:rPr lang="zh-CN" altLang="en-US" dirty="0"/>
-              <a:t>的元数据分离存储，</a:t>
-            </a:r>
-            <a:r>
-              <a:rPr lang="en-US" altLang="zh-CN" dirty="0"/>
-              <a:t>Blob</a:t>
-            </a:r>
-            <a:r>
-              <a:rPr lang="zh-CN" altLang="en-US" dirty="0"/>
-              <a:t>元数据采用正常的</a:t>
-            </a:r>
-            <a:r>
-              <a:rPr lang="en-US" altLang="zh-CN" dirty="0" err="1"/>
-              <a:t>HBase</a:t>
-            </a:r>
-            <a:r>
-              <a:rPr lang="zh-CN" altLang="en-US" dirty="0"/>
-              <a:t>的数据存储方式，而</a:t>
-            </a:r>
-            <a:r>
-              <a:rPr lang="en-US" altLang="zh-CN" dirty="0"/>
-              <a:t>Blob</a:t>
-            </a:r>
-            <a:r>
-              <a:rPr lang="zh-CN" altLang="en-US" dirty="0"/>
-              <a:t>数据存储在额外的</a:t>
-            </a:r>
-            <a:r>
-              <a:rPr lang="en-US" altLang="zh-CN" dirty="0"/>
-              <a:t>MOB</a:t>
-            </a:r>
-            <a:r>
-              <a:rPr lang="zh-CN" altLang="en-US" dirty="0"/>
-              <a:t>文件中，但在</a:t>
-            </a:r>
-            <a:r>
-              <a:rPr lang="en-US" altLang="zh-CN" dirty="0"/>
-              <a:t>Blob</a:t>
-            </a:r>
-            <a:r>
-              <a:rPr lang="zh-CN" altLang="en-US" dirty="0"/>
-              <a:t>元数据行中，存储了这个</a:t>
-            </a:r>
-            <a:r>
-              <a:rPr lang="en-US" altLang="zh-CN" dirty="0"/>
-              <a:t>MOB</a:t>
-            </a:r>
-            <a:r>
-              <a:rPr lang="zh-CN" altLang="en-US" dirty="0"/>
-              <a:t>文件的路径信息。</a:t>
-            </a:r>
-            <a:r>
-              <a:rPr lang="en-US" altLang="zh-CN" dirty="0"/>
-              <a:t>MOB</a:t>
-            </a:r>
-            <a:r>
-              <a:rPr lang="zh-CN" altLang="en-US" dirty="0"/>
-              <a:t>文件本质还是一个</a:t>
-            </a:r>
-            <a:r>
-              <a:rPr lang="en-US" altLang="zh-CN" dirty="0" err="1"/>
-              <a:t>HFile</a:t>
-            </a:r>
-            <a:r>
-              <a:rPr lang="zh-CN" altLang="en-US" dirty="0"/>
-              <a:t>文件，但这种</a:t>
-            </a:r>
-            <a:r>
-              <a:rPr lang="en-US" altLang="zh-CN" dirty="0" err="1"/>
-              <a:t>HFile</a:t>
-            </a:r>
-            <a:r>
-              <a:rPr lang="zh-CN" altLang="en-US" dirty="0"/>
-              <a:t>文件不参与</a:t>
-            </a:r>
-            <a:r>
-              <a:rPr lang="en-US" altLang="zh-CN" dirty="0" err="1"/>
-              <a:t>HBase</a:t>
-            </a:r>
-            <a:r>
-              <a:rPr lang="zh-CN" altLang="en-US" dirty="0"/>
-              <a:t>正常的</a:t>
-            </a:r>
-            <a:r>
-              <a:rPr lang="en-US" altLang="zh-CN" dirty="0"/>
-              <a:t>Compaction</a:t>
-            </a:r>
-            <a:r>
-              <a:rPr lang="zh-CN" altLang="en-US" dirty="0"/>
-              <a:t>流程。仅仅合并</a:t>
-            </a:r>
-            <a:r>
-              <a:rPr lang="en-US" altLang="zh-CN" dirty="0"/>
-              <a:t>Blob</a:t>
-            </a:r>
-            <a:r>
-              <a:rPr lang="zh-CN" altLang="en-US" dirty="0"/>
-              <a:t>元数据信息，写</a:t>
-            </a:r>
-            <a:r>
-              <a:rPr lang="en-US" altLang="zh-CN" dirty="0"/>
-              <a:t>IO</a:t>
-            </a:r>
-            <a:r>
-              <a:rPr lang="zh-CN" altLang="en-US" dirty="0"/>
-              <a:t>放大的问题就得到了有效的缓解。</a:t>
-            </a:r>
-            <a:r>
-              <a:rPr lang="en-US" altLang="zh-CN" dirty="0"/>
-              <a:t>MOB Compaction</a:t>
-            </a:r>
-            <a:r>
-              <a:rPr lang="zh-CN" altLang="en-US" dirty="0"/>
-              <a:t>也主要是针对</a:t>
-            </a:r>
-            <a:r>
-              <a:rPr lang="en-US" altLang="zh-CN" dirty="0"/>
-              <a:t>MOB</a:t>
-            </a:r>
-            <a:r>
-              <a:rPr lang="zh-CN" altLang="en-US" dirty="0"/>
-              <a:t>特性而存在的，这里涉及到数据在</a:t>
-            </a:r>
-            <a:r>
-              <a:rPr lang="en-US" altLang="zh-CN" dirty="0"/>
-              <a:t>MOB</a:t>
-            </a:r>
-            <a:r>
-              <a:rPr lang="zh-CN" altLang="en-US" dirty="0"/>
-              <a:t>文件与普通的</a:t>
-            </a:r>
-            <a:r>
-              <a:rPr lang="en-US" altLang="zh-CN" dirty="0" err="1"/>
-              <a:t>HFile</a:t>
-            </a:r>
-            <a:r>
-              <a:rPr lang="zh-CN" altLang="en-US" dirty="0"/>
-              <a:t>文件之间的一些流动，尤其是</a:t>
-            </a:r>
-            <a:r>
-              <a:rPr lang="en-US" altLang="zh-CN" dirty="0"/>
-              <a:t>MOB</a:t>
-            </a:r>
-            <a:r>
-              <a:rPr lang="zh-CN" altLang="en-US" dirty="0"/>
-              <a:t>的阈值大小发生变更的时候</a:t>
-            </a:r>
-            <a:r>
-              <a:rPr lang="en-US" altLang="zh-CN" dirty="0"/>
-              <a:t>(</a:t>
-            </a:r>
-            <a:r>
-              <a:rPr lang="zh-CN" altLang="en-US" dirty="0"/>
-              <a:t>即当一个列超过预设的配置值时，才被认定为</a:t>
-            </a:r>
-            <a:r>
-              <a:rPr lang="en-US" altLang="zh-CN" dirty="0"/>
-              <a:t>MOB)</a:t>
-            </a:r>
-            <a:r>
-              <a:rPr lang="zh-CN" altLang="en-US" dirty="0"/>
-              <a:t>，本文暂不展开过多的细节</a:t>
-            </a:r>
-            <a:r>
-              <a:rPr lang="zh-CN" altLang="en-US" dirty="0" smtClean="0"/>
-              <a:t>。</a:t>
-            </a:r>
-            <a:endParaRPr lang="zh-CN" altLang="en-US" dirty="0"/>
+            <a:pPr marL="342900" indent="-342900">
+              <a:lnSpc>
+                <a:spcPct val="150000"/>
+              </a:lnSpc>
+              <a:buFont typeface="+mj-lt"/>
+              <a:buAutoNum type="arabicPeriod" startAt="8"/>
+            </a:pPr>
+            <a:r>
+              <a:rPr lang="en-US" altLang="zh-CN" sz="1400" dirty="0" err="1" smtClean="0">
+                <a:latin typeface="仿宋"/>
+                <a:ea typeface="仿宋"/>
+                <a:cs typeface="仿宋"/>
+              </a:rPr>
+              <a:t>RegionServer</a:t>
+            </a:r>
+            <a:r>
+              <a:rPr lang="en-US" altLang="zh-CN" sz="1400" dirty="0" smtClean="0">
+                <a:latin typeface="仿宋"/>
+                <a:ea typeface="仿宋"/>
+                <a:cs typeface="仿宋"/>
+              </a:rPr>
+              <a:t> </a:t>
+            </a:r>
+            <a:r>
+              <a:rPr lang="en-US" altLang="zh-CN" sz="1400" dirty="0">
+                <a:latin typeface="仿宋"/>
+                <a:ea typeface="仿宋"/>
+                <a:cs typeface="仿宋"/>
+              </a:rPr>
+              <a:t>opens daughters in parallel to accept writes</a:t>
+            </a:r>
+            <a:r>
+              <a:rPr lang="en-US" altLang="zh-CN" sz="1400" dirty="0" smtClean="0">
+                <a:latin typeface="仿宋"/>
+                <a:ea typeface="仿宋"/>
+                <a:cs typeface="仿宋"/>
+              </a:rPr>
+              <a:t>.</a:t>
+            </a:r>
+          </a:p>
+          <a:p>
+            <a:pPr marL="342900" indent="-342900">
+              <a:lnSpc>
+                <a:spcPct val="150000"/>
+              </a:lnSpc>
+              <a:buFont typeface="+mj-lt"/>
+              <a:buAutoNum type="arabicPeriod" startAt="8"/>
+            </a:pPr>
+            <a:r>
+              <a:rPr lang="en-US" altLang="zh-CN" sz="1400" dirty="0" smtClean="0">
+                <a:latin typeface="仿宋"/>
+                <a:ea typeface="仿宋"/>
+                <a:cs typeface="仿宋"/>
+              </a:rPr>
+              <a:t> </a:t>
+            </a:r>
+            <a:r>
+              <a:rPr lang="en-US" altLang="zh-CN" sz="1400" dirty="0" err="1">
+                <a:latin typeface="仿宋"/>
+                <a:ea typeface="仿宋"/>
+                <a:cs typeface="仿宋"/>
+              </a:rPr>
+              <a:t>RegionServer</a:t>
+            </a:r>
+            <a:r>
+              <a:rPr lang="en-US" altLang="zh-CN" sz="1400" dirty="0">
+                <a:latin typeface="仿宋"/>
+                <a:ea typeface="仿宋"/>
+                <a:cs typeface="仿宋"/>
+              </a:rPr>
+              <a:t> adds the daughters A and B to .META. together with  information that it hosts the regions. After this point, clients can  discover the new regions, and issue requests to the new region. Clients  cache the .META. entries locally, but when they make requests to the  region server or .META., their caches will be invalidated, and they will  learn about the new regions from .META.. </a:t>
+            </a:r>
+            <a:endParaRPr lang="en-US" altLang="zh-CN" sz="1400" dirty="0">
+              <a:latin typeface="仿宋"/>
+              <a:ea typeface="仿宋"/>
+              <a:cs typeface="仿宋"/>
+            </a:endParaRPr>
+          </a:p>
+          <a:p>
+            <a:pPr marL="342900" indent="-342900">
+              <a:lnSpc>
+                <a:spcPct val="150000"/>
+              </a:lnSpc>
+              <a:buFont typeface="+mj-lt"/>
+              <a:buAutoNum type="arabicPeriod" startAt="8"/>
+            </a:pPr>
+            <a:r>
+              <a:rPr lang="en-US" altLang="zh-CN" sz="1400" dirty="0" smtClean="0">
+                <a:latin typeface="仿宋"/>
+                <a:ea typeface="仿宋"/>
+                <a:cs typeface="仿宋"/>
+              </a:rPr>
+              <a:t> </a:t>
+            </a:r>
+            <a:r>
+              <a:rPr lang="en-US" altLang="zh-CN" sz="1400" dirty="0" err="1">
+                <a:latin typeface="仿宋"/>
+                <a:ea typeface="仿宋"/>
+                <a:cs typeface="仿宋"/>
+              </a:rPr>
+              <a:t>RegionServer</a:t>
+            </a:r>
+            <a:r>
+              <a:rPr lang="en-US" altLang="zh-CN" sz="1400" dirty="0">
+                <a:latin typeface="仿宋"/>
+                <a:ea typeface="仿宋"/>
+                <a:cs typeface="仿宋"/>
+              </a:rPr>
+              <a:t> updates  </a:t>
+            </a:r>
+            <a:r>
+              <a:rPr lang="en-US" altLang="zh-CN" sz="1400" dirty="0" err="1">
+                <a:latin typeface="仿宋"/>
+                <a:ea typeface="仿宋"/>
+                <a:cs typeface="仿宋"/>
+              </a:rPr>
+              <a:t>znode</a:t>
+            </a:r>
+            <a:r>
+              <a:rPr lang="en-US" altLang="zh-CN" sz="1400" dirty="0">
+                <a:latin typeface="仿宋"/>
+                <a:ea typeface="仿宋"/>
+                <a:cs typeface="仿宋"/>
+              </a:rPr>
+              <a:t> /</a:t>
+            </a:r>
+            <a:r>
+              <a:rPr lang="en-US" altLang="zh-CN" sz="1400" dirty="0" err="1">
+                <a:latin typeface="仿宋"/>
+                <a:ea typeface="仿宋"/>
+                <a:cs typeface="仿宋"/>
+              </a:rPr>
+              <a:t>hbase</a:t>
+            </a:r>
+            <a:r>
+              <a:rPr lang="en-US" altLang="zh-CN" sz="1400" dirty="0">
+                <a:latin typeface="仿宋"/>
+                <a:ea typeface="仿宋"/>
+                <a:cs typeface="仿宋"/>
+              </a:rPr>
+              <a:t>/region-in-transition/region-name in zookeeper to state  SPLIT, so that the master can learn about it. The balancer can freely  re-assign the daughter regions to other region servers if it chooses so. </a:t>
+            </a:r>
+            <a:endParaRPr lang="en-US" altLang="zh-CN" sz="1400" dirty="0" smtClean="0">
+              <a:latin typeface="仿宋"/>
+              <a:ea typeface="仿宋"/>
+              <a:cs typeface="仿宋"/>
+            </a:endParaRPr>
+          </a:p>
+          <a:p>
+            <a:pPr marL="342900" indent="-342900">
+              <a:lnSpc>
+                <a:spcPct val="150000"/>
+              </a:lnSpc>
+              <a:buFont typeface="+mj-lt"/>
+              <a:buAutoNum type="arabicPeriod" startAt="8"/>
+            </a:pPr>
+            <a:r>
+              <a:rPr lang="en-US" altLang="zh-CN" sz="1400" dirty="0" smtClean="0">
+                <a:latin typeface="仿宋"/>
+                <a:ea typeface="仿宋"/>
+                <a:cs typeface="仿宋"/>
+              </a:rPr>
+              <a:t> </a:t>
+            </a:r>
+            <a:r>
+              <a:rPr lang="en-US" altLang="zh-CN" sz="1400" dirty="0">
+                <a:latin typeface="仿宋"/>
+                <a:ea typeface="仿宋"/>
+                <a:cs typeface="仿宋"/>
+              </a:rPr>
+              <a:t>After the split, meta and HDFS will still contain references to the  parent region. Those references will be removed when compactions in  daughter regions rewrite the data files. Garbage collection tasks in the  master periodically checks whether the daughter regions still refer to  parents files.  If not, the parent region will be removed.</a:t>
+            </a:r>
           </a:p>
         </p:txBody>
       </p:sp>
     </p:spTree>
     <p:extLst>
       <p:ext uri="{BB962C8B-B14F-4D97-AF65-F5344CB8AC3E}">
-        <p14:creationId xmlns:p14="http://schemas.microsoft.com/office/powerpoint/2010/main" val="2847969713"/>
+        <p14:creationId xmlns:p14="http://schemas.microsoft.com/office/powerpoint/2010/main" val="3661374470"/>
       </p:ext>
     </p:extLst>
   </p:cSld>
@@ -27981,7 +29061,7 @@
           <a:p>
             <a:r>
               <a:rPr lang="en-US" altLang="zh-CN" dirty="0" smtClean="0"/>
-              <a:t>split</a:t>
+              <a:t>Snapshot</a:t>
             </a:r>
             <a:endParaRPr lang="zh-CN" altLang="en-US" dirty="0"/>
           </a:p>
@@ -27989,14 +29069,14 @@
       </p:sp>
       <p:sp>
         <p:nvSpPr>
-          <p:cNvPr id="5" name="矩形 4"/>
+          <p:cNvPr id="4" name="矩形 3"/>
           <p:cNvSpPr/>
           <p:nvPr/>
         </p:nvSpPr>
         <p:spPr>
           <a:xfrm>
-            <a:off x="1166948" y="1225804"/>
-            <a:ext cx="10080172" cy="5078313"/>
+            <a:off x="911765" y="1550858"/>
+            <a:ext cx="9590771" cy="3629198"/>
           </a:xfrm>
           <a:prstGeom prst="rect">
             <a:avLst/>
@@ -28008,122 +29088,204 @@
           </a:bodyPr>
           <a:lstStyle/>
           <a:p>
-            <a:r>
-              <a:rPr lang="en-US" altLang="zh-CN" dirty="0"/>
-              <a:t>\1. </a:t>
-            </a:r>
-            <a:r>
-              <a:rPr lang="en-US" altLang="zh-CN" dirty="0" err="1"/>
-              <a:t>RegionServer</a:t>
-            </a:r>
-            <a:r>
-              <a:rPr lang="en-US" altLang="zh-CN" dirty="0"/>
-              <a:t> decides locally to split the region, and prepares the  split. As a first step, it creates a </a:t>
-            </a:r>
-            <a:r>
-              <a:rPr lang="en-US" altLang="zh-CN" dirty="0" err="1"/>
-              <a:t>znode</a:t>
-            </a:r>
-            <a:r>
-              <a:rPr lang="en-US" altLang="zh-CN" dirty="0"/>
-              <a:t> in zookeeper under  /</a:t>
-            </a:r>
-            <a:r>
-              <a:rPr lang="en-US" altLang="zh-CN" dirty="0" err="1"/>
-              <a:t>hbase</a:t>
-            </a:r>
-            <a:r>
-              <a:rPr lang="en-US" altLang="zh-CN" dirty="0"/>
-              <a:t>/region-in-transition/region-name in SPLITTING state. \2. The Master learns about this </a:t>
-            </a:r>
-            <a:r>
-              <a:rPr lang="en-US" altLang="zh-CN" dirty="0" err="1"/>
-              <a:t>znode</a:t>
-            </a:r>
-            <a:r>
-              <a:rPr lang="en-US" altLang="zh-CN" dirty="0"/>
-              <a:t>, since it has a watcher for the parent region-in-transition </a:t>
-            </a:r>
-            <a:r>
-              <a:rPr lang="en-US" altLang="zh-CN" dirty="0" err="1"/>
-              <a:t>znode</a:t>
-            </a:r>
-            <a:r>
-              <a:rPr lang="en-US" altLang="zh-CN" dirty="0"/>
-              <a:t>. \3. </a:t>
-            </a:r>
-            <a:r>
-              <a:rPr lang="en-US" altLang="zh-CN" dirty="0" err="1"/>
-              <a:t>RegionServer</a:t>
-            </a:r>
-            <a:r>
-              <a:rPr lang="en-US" altLang="zh-CN" dirty="0"/>
-              <a:t> creates a sub-directory named “.splits” under the parent’s region directory in HDFS.  \4. </a:t>
-            </a:r>
-            <a:r>
-              <a:rPr lang="en-US" altLang="zh-CN" dirty="0" err="1"/>
-              <a:t>RegionServer</a:t>
-            </a:r>
-            <a:r>
-              <a:rPr lang="en-US" altLang="zh-CN" dirty="0"/>
-              <a:t> closes the parent region, forces a flush of the cache  and marks the region as offline in its local data structures. At this  point, client requests coming to the parent region will throw  </a:t>
-            </a:r>
-            <a:r>
-              <a:rPr lang="en-US" altLang="zh-CN" dirty="0" err="1"/>
-              <a:t>NotServingRegionException</a:t>
-            </a:r>
-            <a:r>
-              <a:rPr lang="en-US" altLang="zh-CN" dirty="0"/>
-              <a:t>. The client will retry with some </a:t>
-            </a:r>
-            <a:r>
-              <a:rPr lang="en-US" altLang="zh-CN" dirty="0" err="1"/>
-              <a:t>backoff</a:t>
-            </a:r>
-            <a:r>
-              <a:rPr lang="en-US" altLang="zh-CN" dirty="0"/>
-              <a:t>.  \5. </a:t>
-            </a:r>
-            <a:r>
-              <a:rPr lang="en-US" altLang="zh-CN" dirty="0" err="1"/>
-              <a:t>RegionServer</a:t>
-            </a:r>
-            <a:r>
-              <a:rPr lang="en-US" altLang="zh-CN" dirty="0"/>
-              <a:t> create the region directories under .splits directory,  for daughter regions A and B, and creates necessary data structures.  Then it splits the store files, in the sense that it creates two Reference files per store file in the parent region. Those reference files will point to the parent regions files. \6. </a:t>
-            </a:r>
-            <a:r>
-              <a:rPr lang="en-US" altLang="zh-CN" dirty="0" err="1"/>
-              <a:t>RegionServer</a:t>
-            </a:r>
-            <a:r>
-              <a:rPr lang="en-US" altLang="zh-CN" dirty="0"/>
-              <a:t> creates the actual region directory in HDFS, and moves the reference files for each daughter.  \7. </a:t>
-            </a:r>
-            <a:r>
-              <a:rPr lang="en-US" altLang="zh-CN" dirty="0" err="1"/>
-              <a:t>RegionServer</a:t>
-            </a:r>
-            <a:r>
-              <a:rPr lang="en-US" altLang="zh-CN" dirty="0"/>
-              <a:t> sends a Put request to the .META. table, and sets the  parent as offline in the .META. table and adds information about  daughter regions. At this point, there won’t be individual entries in  .META. for the daughters. Clients will see the parent region is split if  they scan .META., but won’t know about the daughters until they appear  in .META.. Also, if this Put to .META. succeeds, the parent will be  effectively split. If the </a:t>
-            </a:r>
-            <a:r>
-              <a:rPr lang="en-US" altLang="zh-CN" dirty="0" err="1"/>
-              <a:t>RegionServer</a:t>
-            </a:r>
-            <a:r>
-              <a:rPr lang="en-US" altLang="zh-CN" dirty="0"/>
-              <a:t> fails before this RPC succeeds,  Master and the next region server opening the region will clean dirty  state about the region split. After the .META. update, though, the  region split will be rolled-forward by Master. </a:t>
-            </a:r>
-            <a:endParaRPr lang="zh-CN" altLang="en-US" dirty="0"/>
+            <a:pPr marL="285750" indent="-285750">
+              <a:lnSpc>
+                <a:spcPct val="150000"/>
+              </a:lnSpc>
+              <a:buFont typeface="Wingdings" charset="2"/>
+              <a:buChar char="l"/>
+            </a:pPr>
+            <a:r>
+              <a:rPr lang="zh-CN" altLang="en-US" sz="1400" dirty="0" smtClean="0">
+                <a:latin typeface="仿宋"/>
+                <a:ea typeface="仿宋"/>
+                <a:cs typeface="仿宋"/>
+              </a:rPr>
+              <a:t>一个</a:t>
+            </a:r>
+            <a:r>
+              <a:rPr lang="en-US" altLang="zh-CN" sz="1400" dirty="0">
+                <a:latin typeface="仿宋"/>
+                <a:ea typeface="仿宋"/>
+                <a:cs typeface="仿宋"/>
+              </a:rPr>
+              <a:t>snapshot</a:t>
+            </a:r>
+            <a:r>
+              <a:rPr lang="zh-CN" altLang="en-US" sz="1400" dirty="0">
+                <a:latin typeface="仿宋"/>
+                <a:ea typeface="仿宋"/>
+                <a:cs typeface="仿宋"/>
+              </a:rPr>
+              <a:t>是一个全部文件系统、或者某个目录在某一时刻的镜像</a:t>
+            </a:r>
+            <a:r>
+              <a:rPr lang="zh-CN" altLang="en-US" sz="1400" dirty="0" smtClean="0">
+                <a:latin typeface="仿宋"/>
+                <a:ea typeface="仿宋"/>
+                <a:cs typeface="仿宋"/>
+              </a:rPr>
+              <a:t>。</a:t>
+            </a:r>
+            <a:endParaRPr lang="en-US" altLang="zh-CN" sz="1400" dirty="0" smtClean="0">
+              <a:latin typeface="仿宋"/>
+              <a:ea typeface="仿宋"/>
+              <a:cs typeface="仿宋"/>
+            </a:endParaRPr>
+          </a:p>
+          <a:p>
+            <a:pPr marL="285750" indent="-285750">
+              <a:lnSpc>
+                <a:spcPct val="150000"/>
+              </a:lnSpc>
+              <a:buFont typeface="Wingdings" charset="2"/>
+              <a:buChar char="l"/>
+            </a:pPr>
+            <a:endParaRPr lang="en-US" altLang="zh-CN" sz="1400" dirty="0">
+              <a:latin typeface="仿宋"/>
+              <a:ea typeface="仿宋"/>
+              <a:cs typeface="仿宋"/>
+            </a:endParaRPr>
+          </a:p>
+          <a:p>
+            <a:pPr marL="285750" indent="-285750">
+              <a:lnSpc>
+                <a:spcPct val="150000"/>
+              </a:lnSpc>
+              <a:buFont typeface="Wingdings" charset="2"/>
+              <a:buChar char="l"/>
+            </a:pPr>
+            <a:r>
+              <a:rPr lang="zh-CN" altLang="en-US" sz="1400" dirty="0" smtClean="0">
+                <a:latin typeface="仿宋"/>
+                <a:ea typeface="仿宋"/>
+                <a:cs typeface="仿宋"/>
+              </a:rPr>
+              <a:t>实现数据文件镜</a:t>
+            </a:r>
+            <a:r>
+              <a:rPr lang="zh-CN" altLang="en-US" sz="1400" dirty="0">
+                <a:latin typeface="仿宋"/>
+                <a:ea typeface="仿宋"/>
+                <a:cs typeface="仿宋"/>
+              </a:rPr>
+              <a:t>像最简单粗暴的方式是加锁拷贝（之所以需要加锁，是因为镜像得到的数据必须是某一时刻完全一致的数据），拷贝的这段时间不允许对原数据进行任何形式的更新删除，仅提供只读操作，拷贝完成之后再释放锁。这种方式涉及数据的实际拷贝，数据量大的情况下必然会花费大量时间，长时间的加锁拷贝必然导致客户端长时间不能更新删除，这是生产线上不能容忍的</a:t>
+            </a:r>
+            <a:r>
+              <a:rPr lang="zh-CN" altLang="en-US" sz="1400" dirty="0" smtClean="0">
+                <a:latin typeface="仿宋"/>
+                <a:ea typeface="仿宋"/>
+                <a:cs typeface="仿宋"/>
+              </a:rPr>
+              <a:t>。</a:t>
+            </a:r>
+            <a:endParaRPr lang="en-US" altLang="zh-CN" sz="1400" dirty="0" smtClean="0">
+              <a:latin typeface="仿宋"/>
+              <a:ea typeface="仿宋"/>
+              <a:cs typeface="仿宋"/>
+            </a:endParaRPr>
+          </a:p>
+          <a:p>
+            <a:pPr marL="285750" indent="-285750">
+              <a:lnSpc>
+                <a:spcPct val="150000"/>
+              </a:lnSpc>
+              <a:buFont typeface="Wingdings" charset="2"/>
+              <a:buChar char="l"/>
+            </a:pPr>
+            <a:endParaRPr lang="en-US" altLang="zh-CN" sz="1400" dirty="0">
+              <a:latin typeface="仿宋"/>
+              <a:ea typeface="仿宋"/>
+              <a:cs typeface="仿宋"/>
+            </a:endParaRPr>
+          </a:p>
+          <a:p>
+            <a:pPr marL="285750" indent="-285750">
+              <a:lnSpc>
+                <a:spcPct val="150000"/>
+              </a:lnSpc>
+              <a:buFont typeface="Wingdings" charset="2"/>
+              <a:buChar char="l"/>
+            </a:pPr>
+            <a:r>
+              <a:rPr lang="en-US" altLang="zh-CN" sz="1400" dirty="0" smtClean="0">
+                <a:latin typeface="仿宋"/>
+                <a:ea typeface="仿宋"/>
+                <a:cs typeface="仿宋"/>
+              </a:rPr>
+              <a:t>snapshot</a:t>
+            </a:r>
+            <a:r>
+              <a:rPr lang="zh-CN" altLang="en-US" sz="1400" dirty="0">
+                <a:latin typeface="仿宋"/>
+                <a:ea typeface="仿宋"/>
+                <a:cs typeface="仿宋"/>
+              </a:rPr>
+              <a:t>机制并不会拷贝数据，可以理解为它是原数据的一份指针</a:t>
+            </a:r>
+            <a:r>
+              <a:rPr lang="zh-CN" altLang="en-US" sz="1400" dirty="0" smtClean="0">
+                <a:latin typeface="仿宋"/>
+                <a:ea typeface="仿宋"/>
+                <a:cs typeface="仿宋"/>
+              </a:rPr>
+              <a:t>。</a:t>
+            </a:r>
+            <a:r>
+              <a:rPr lang="en-US" altLang="zh-CN" sz="1400" dirty="0" err="1" smtClean="0">
+                <a:latin typeface="仿宋"/>
+                <a:ea typeface="仿宋"/>
+                <a:cs typeface="仿宋"/>
+              </a:rPr>
+              <a:t>HBase</a:t>
+            </a:r>
+            <a:r>
+              <a:rPr lang="zh-CN" altLang="en-US" sz="1400" dirty="0">
+                <a:latin typeface="仿宋"/>
+                <a:ea typeface="仿宋"/>
+                <a:cs typeface="仿宋"/>
+              </a:rPr>
+              <a:t>数据文件一旦落到磁盘之后就不再允许更新删除等原地修改操作，如果想更新删除的话可以追加写入新文件（</a:t>
+            </a:r>
+            <a:r>
+              <a:rPr lang="en-US" altLang="zh-CN" sz="1400" dirty="0" err="1">
+                <a:latin typeface="仿宋"/>
+                <a:ea typeface="仿宋"/>
+                <a:cs typeface="仿宋"/>
+              </a:rPr>
+              <a:t>HBase</a:t>
+            </a:r>
+            <a:r>
+              <a:rPr lang="zh-CN" altLang="en-US" sz="1400" dirty="0">
+                <a:latin typeface="仿宋"/>
+                <a:ea typeface="仿宋"/>
+                <a:cs typeface="仿宋"/>
+              </a:rPr>
+              <a:t>中根本没有更新接口，删除命令也是追加写入）。这种机制下实现某个表的</a:t>
+            </a:r>
+            <a:r>
+              <a:rPr lang="en-US" altLang="zh-CN" sz="1400" dirty="0">
+                <a:latin typeface="仿宋"/>
+                <a:ea typeface="仿宋"/>
+                <a:cs typeface="仿宋"/>
+              </a:rPr>
+              <a:t>snapshot</a:t>
+            </a:r>
+            <a:r>
+              <a:rPr lang="zh-CN" altLang="en-US" sz="1400" dirty="0">
+                <a:latin typeface="仿宋"/>
+                <a:ea typeface="仿宋"/>
+                <a:cs typeface="仿宋"/>
+              </a:rPr>
+              <a:t>只需要给当前表的所有文件分别新建一个引用（指针），其他新写入的数据重新创建一个新文件写入即可。如下图所示：</a:t>
+            </a:r>
           </a:p>
         </p:txBody>
       </p:sp>
     </p:spTree>
     <p:extLst>
       <p:ext uri="{BB962C8B-B14F-4D97-AF65-F5344CB8AC3E}">
-        <p14:creationId xmlns:p14="http://schemas.microsoft.com/office/powerpoint/2010/main" val="2628794886"/>
+        <p14:creationId xmlns:p14="http://schemas.microsoft.com/office/powerpoint/2010/main" val="506803398"/>
       </p:ext>
     </p:extLst>
   </p:cSld>
@@ -28165,20 +29327,54 @@
           <a:bodyPr/>
           <a:lstStyle/>
           <a:p>
-            <a:endParaRPr lang="zh-CN" altLang="en-US"/>
+            <a:r>
+              <a:rPr lang="en-US" altLang="zh-CN" dirty="0"/>
+              <a:t>Snapshot</a:t>
+            </a:r>
+            <a:endParaRPr lang="zh-CN" altLang="en-US" dirty="0"/>
           </a:p>
         </p:txBody>
       </p:sp>
+      <p:pic>
+        <p:nvPicPr>
+          <p:cNvPr id="4" name="图片 3"/>
+          <p:cNvPicPr>
+            <a:picLocks noChangeAspect="1"/>
+          </p:cNvPicPr>
+          <p:nvPr/>
+        </p:nvPicPr>
+        <p:blipFill>
+          <a:blip r:embed="rId2">
+            <a:extLst>
+              <a:ext uri="{28A0092B-C50C-407E-A947-70E740481C1C}">
+                <a14:useLocalDpi xmlns:a14="http://schemas.microsoft.com/office/drawing/2010/main" val="0"/>
+              </a:ext>
+            </a:extLst>
+          </a:blip>
+          <a:stretch>
+            <a:fillRect/>
+          </a:stretch>
+        </p:blipFill>
+        <p:spPr>
+          <a:xfrm>
+            <a:off x="649119" y="1290480"/>
+            <a:ext cx="10058400" cy="3519975"/>
+          </a:xfrm>
+          <a:prstGeom prst="rect">
+            <a:avLst/>
+          </a:prstGeom>
+        </p:spPr>
+      </p:pic>
       <p:sp>
         <p:nvSpPr>
-          <p:cNvPr id="4" name="矩形 3"/>
+          <p:cNvPr id="5" name="矩形 4"/>
           <p:cNvSpPr/>
           <p:nvPr/>
         </p:nvSpPr>
         <p:spPr>
           <a:xfrm>
-            <a:off x="748936" y="1502688"/>
-            <a:ext cx="8826137" cy="3693319"/>
+            <a:off x="717266" y="5032740"/>
+            <a:ext cx="9842937" cy="1200329"/>
           </a:xfrm>
           <a:prstGeom prst="rect">
             <a:avLst/>
@@ -28192,55 +29388,109 @@
           <a:p>
             <a:r>
               <a:rPr lang="en-US" altLang="zh-CN" dirty="0"/>
-              <a:t>\8. </a:t>
+              <a:t>snapshot</a:t>
+            </a:r>
+            <a:r>
+              <a:rPr lang="zh-CN" altLang="en-US" dirty="0"/>
+              <a:t>流程主要涉及</a:t>
+            </a:r>
+            <a:r>
+              <a:rPr lang="en-US" altLang="zh-CN" dirty="0"/>
+              <a:t>3</a:t>
+            </a:r>
+            <a:r>
+              <a:rPr lang="zh-CN" altLang="en-US" dirty="0"/>
+              <a:t>个步骤</a:t>
+            </a:r>
+            <a:r>
+              <a:rPr lang="zh-CN" altLang="en-US" dirty="0" smtClean="0"/>
+              <a:t>：</a:t>
+            </a:r>
+            <a:endParaRPr lang="en-US" altLang="zh-CN" dirty="0" smtClean="0"/>
+          </a:p>
+          <a:p>
+            <a:pPr marL="342900" indent="-342900">
+              <a:buFont typeface="+mj-lt"/>
+              <a:buAutoNum type="arabicPeriod"/>
+            </a:pPr>
+            <a:r>
+              <a:rPr lang="en-US" altLang="zh-CN" dirty="0" smtClean="0"/>
+              <a:t>. </a:t>
+            </a:r>
+            <a:r>
+              <a:rPr lang="zh-CN" altLang="en-US" dirty="0"/>
+              <a:t>加一把全局锁，此时不允许任何的数据写入</a:t>
+            </a:r>
+            <a:r>
+              <a:rPr lang="zh-CN" altLang="en-US" dirty="0" smtClean="0"/>
+              <a:t>更新以及删除</a:t>
+            </a:r>
+            <a:endParaRPr lang="en-US" altLang="zh-CN" dirty="0" smtClean="0"/>
+          </a:p>
+          <a:p>
+            <a:pPr marL="342900" indent="-342900">
+              <a:buFont typeface="+mj-lt"/>
+              <a:buAutoNum type="arabicPeriod"/>
+            </a:pPr>
+            <a:r>
+              <a:rPr lang="zh-CN" altLang="en-US" dirty="0" smtClean="0"/>
+              <a:t>将</a:t>
             </a:r>
             <a:r>
               <a:rPr lang="en-US" altLang="zh-CN" dirty="0" err="1"/>
-              <a:t>RegionServer</a:t>
+              <a:t>Memstore</a:t>
+            </a:r>
+            <a:r>
+              <a:rPr lang="zh-CN" altLang="en-US" dirty="0"/>
+              <a:t>中的缓存数据</a:t>
             </a:r>
             <a:r>
               <a:rPr lang="en-US" altLang="zh-CN" dirty="0"/>
-              <a:t> opens daughters in parallel to accept writes.  \9. </a:t>
+              <a:t>flush</a:t>
+            </a:r>
+            <a:r>
+              <a:rPr lang="zh-CN" altLang="en-US" dirty="0"/>
+              <a:t>到文件中（可选</a:t>
+            </a:r>
+            <a:r>
+              <a:rPr lang="zh-CN" altLang="en-US" dirty="0" smtClean="0"/>
+              <a:t>）</a:t>
+            </a:r>
+            <a:endParaRPr lang="en-US" altLang="zh-CN" dirty="0" smtClean="0"/>
+          </a:p>
+          <a:p>
+            <a:pPr marL="342900" indent="-342900">
+              <a:buFont typeface="+mj-lt"/>
+              <a:buAutoNum type="arabicPeriod"/>
+            </a:pPr>
+            <a:r>
+              <a:rPr lang="zh-CN" altLang="en-US" dirty="0" smtClean="0"/>
+              <a:t>为</a:t>
+            </a:r>
+            <a:r>
+              <a:rPr lang="zh-CN" altLang="en-US" dirty="0"/>
+              <a:t>所有</a:t>
             </a:r>
             <a:r>
               <a:rPr lang="en-US" altLang="zh-CN" dirty="0" err="1"/>
-              <a:t>RegionServer</a:t>
+              <a:t>HFile</a:t>
+            </a:r>
+            <a:r>
+              <a:rPr lang="zh-CN" altLang="en-US" dirty="0"/>
+              <a:t>文件分别新建引用指针，这些指针元数据就是</a:t>
             </a:r>
             <a:r>
               <a:rPr lang="en-US" altLang="zh-CN" dirty="0"/>
-              <a:t> adds the daughters A and B to .META. together with  information that it hosts the regions. After this point, clients can  discover the new regions, and issue requests to the new region. Clients  cache the .META. entries locally, but when they make requests to the  region server or .META., their caches will be invalidated, and they will  learn about the new regions from .META.. \10. </a:t>
-            </a:r>
-            <a:r>
-              <a:rPr lang="en-US" altLang="zh-CN" dirty="0" err="1"/>
-              <a:t>RegionServer</a:t>
-            </a:r>
-            <a:r>
-              <a:rPr lang="en-US" altLang="zh-CN" dirty="0"/>
-              <a:t> updates  </a:t>
-            </a:r>
-            <a:r>
-              <a:rPr lang="en-US" altLang="zh-CN" dirty="0" err="1"/>
-              <a:t>znode</a:t>
-            </a:r>
-            <a:r>
-              <a:rPr lang="en-US" altLang="zh-CN" dirty="0"/>
-              <a:t> /</a:t>
-            </a:r>
-            <a:r>
-              <a:rPr lang="en-US" altLang="zh-CN" dirty="0" err="1"/>
-              <a:t>hbase</a:t>
-            </a:r>
-            <a:r>
-              <a:rPr lang="en-US" altLang="zh-CN" dirty="0"/>
-              <a:t>/region-in-transition/region-name in zookeeper to state  SPLIT, so that the master can learn about it. The balancer can freely  re-assign the daughter regions to other region servers if it chooses so.  \11. After the split, meta and HDFS will still contain references to the  parent region. Those references will be removed when compactions in  daughter regions rewrite the data files. Garbage collection tasks in the  master periodically checks whether the daughter regions still refer to  parents files.  If not, the parent region will be removed.</a:t>
-            </a:r>
+              <a:t>snapshot</a:t>
+            </a:r>
+            <a:endParaRPr lang="zh-CN" altLang="en-US" dirty="0"/>
           </a:p>
         </p:txBody>
       </p:sp>
     </p:spTree>
     <p:extLst>
       <p:ext uri="{BB962C8B-B14F-4D97-AF65-F5344CB8AC3E}">
-        <p14:creationId xmlns:p14="http://schemas.microsoft.com/office/powerpoint/2010/main" val="3661374470"/>
+        <p14:creationId xmlns:p14="http://schemas.microsoft.com/office/powerpoint/2010/main" val="2614198521"/>
       </p:ext>
     </p:extLst>
   </p:cSld>
@@ -28283,8 +29533,8 @@
           <a:lstStyle/>
           <a:p>
             <a:r>
-              <a:rPr lang="en-US" altLang="zh-CN" dirty="0" smtClean="0"/>
-              <a:t>snapshot</a:t>
+              <a:rPr lang="en-US" altLang="zh-CN" dirty="0"/>
+              <a:t>Snapshot</a:t>
             </a:r>
             <a:endParaRPr lang="zh-CN" altLang="en-US" dirty="0"/>
           </a:p>
@@ -28298,8 +29548,8 @@
         </p:nvSpPr>
         <p:spPr>
           <a:xfrm>
-            <a:off x="911765" y="1550858"/>
-            <a:ext cx="9590771" cy="3139321"/>
+            <a:off x="521207" y="1502688"/>
+            <a:ext cx="10954290" cy="3952363"/>
           </a:xfrm>
           <a:prstGeom prst="rect">
             <a:avLst/>
@@ -28311,77 +29561,469 @@
           </a:bodyPr>
           <a:lstStyle/>
           <a:p>
-            <a:r>
-              <a:rPr lang="en-US" altLang="zh-CN" dirty="0" err="1"/>
-              <a:t>napshot</a:t>
-            </a:r>
-            <a:r>
-              <a:rPr lang="zh-CN" altLang="en-US" dirty="0"/>
-              <a:t>是很多存储系统和数据库系统都支持的功能。一个</a:t>
-            </a:r>
-            <a:r>
-              <a:rPr lang="en-US" altLang="zh-CN" dirty="0"/>
+            <a:pPr>
+              <a:lnSpc>
+                <a:spcPct val="150000"/>
+              </a:lnSpc>
+            </a:pPr>
+            <a:r>
+              <a:rPr lang="en-US" altLang="zh-CN" sz="1400" dirty="0">
+                <a:latin typeface="仿宋"/>
+                <a:ea typeface="仿宋"/>
+                <a:cs typeface="仿宋"/>
+              </a:rPr>
               <a:t>snapshot</a:t>
             </a:r>
             <a:r>
-              <a:rPr lang="zh-CN" altLang="en-US" dirty="0"/>
-              <a:t>是一个全部文件系统、或者某个目录在某一时刻的镜像。实现数据文件镜像最简单粗暴的方式是加锁拷贝（之所以需要加锁，是因为镜像得到的数据必须是某一时刻完全一致的数据），拷贝的这段时间不允许对原数据进行任何形式的更新删除，仅提供只读操作，拷贝完成之后再释放锁。这种方式涉及数据的实际拷贝，数据量大的情况下必然会花费大量时间，长时间的加锁拷贝必然导致客户端长时间不能更新删除，这是生产线上不能容忍的。</a:t>
-            </a:r>
-            <a:r>
-              <a:rPr lang="en-US" altLang="zh-CN" dirty="0"/>
+              <a:rPr lang="zh-CN" altLang="en-US" sz="1400" dirty="0">
+                <a:latin typeface="仿宋"/>
+                <a:ea typeface="仿宋"/>
+                <a:cs typeface="仿宋"/>
+              </a:rPr>
+              <a:t>能实现什么功能？</a:t>
+            </a:r>
+            <a:r>
+              <a:rPr lang="en-US" altLang="zh-CN" sz="1400" dirty="0">
+                <a:latin typeface="仿宋"/>
+                <a:ea typeface="仿宋"/>
+                <a:cs typeface="仿宋"/>
+              </a:rPr>
               <a:t>snapshot</a:t>
             </a:r>
             <a:r>
-              <a:rPr lang="zh-CN" altLang="en-US" dirty="0"/>
-              <a:t>机制并不会拷贝数据，可以理解为它是原数据的一份指针。在</a:t>
-            </a:r>
-            <a:r>
-              <a:rPr lang="en-US" altLang="zh-CN" dirty="0" err="1"/>
+              <a:rPr lang="zh-CN" altLang="en-US" sz="1400" dirty="0">
+                <a:latin typeface="仿宋"/>
+                <a:ea typeface="仿宋"/>
+                <a:cs typeface="仿宋"/>
+              </a:rPr>
+              <a:t>是</a:t>
+            </a:r>
+            <a:r>
+              <a:rPr lang="en-US" altLang="zh-CN" sz="1400" dirty="0" err="1">
+                <a:latin typeface="仿宋"/>
+                <a:ea typeface="仿宋"/>
+                <a:cs typeface="仿宋"/>
+              </a:rPr>
               <a:t>HBase</a:t>
             </a:r>
             <a:r>
-              <a:rPr lang="zh-CN" altLang="en-US" dirty="0"/>
-              <a:t>这种</a:t>
-            </a:r>
-            <a:r>
-              <a:rPr lang="en-US" altLang="zh-CN" dirty="0"/>
-              <a:t>LSM</a:t>
-            </a:r>
-            <a:r>
-              <a:rPr lang="zh-CN" altLang="en-US" dirty="0"/>
-              <a:t>类型系统结构下是比较容易理解的，我们知道</a:t>
-            </a:r>
-            <a:r>
-              <a:rPr lang="en-US" altLang="zh-CN" dirty="0" err="1"/>
-              <a:t>HBase</a:t>
-            </a:r>
-            <a:r>
-              <a:rPr lang="zh-CN" altLang="en-US" dirty="0"/>
-              <a:t>数据文件一旦落到磁盘之后就不再允许更新删除等原地修改操作，如果想更新删除的话可以追加写入新文件（</a:t>
-            </a:r>
-            <a:r>
-              <a:rPr lang="en-US" altLang="zh-CN" dirty="0" err="1"/>
-              <a:t>HBase</a:t>
-            </a:r>
-            <a:r>
-              <a:rPr lang="zh-CN" altLang="en-US" dirty="0"/>
-              <a:t>中根本没有更新接口，删除命令也是追加写入）。这种机制下实现某个表的</a:t>
-            </a:r>
-            <a:r>
-              <a:rPr lang="en-US" altLang="zh-CN" dirty="0"/>
+              <a:rPr lang="zh-CN" altLang="en-US" sz="1400" dirty="0">
+                <a:latin typeface="仿宋"/>
+                <a:ea typeface="仿宋"/>
+                <a:cs typeface="仿宋"/>
+              </a:rPr>
+              <a:t>非常核心的一个功能，使用</a:t>
+            </a:r>
+            <a:r>
+              <a:rPr lang="en-US" altLang="zh-CN" sz="1400" dirty="0">
+                <a:latin typeface="仿宋"/>
+                <a:ea typeface="仿宋"/>
+                <a:cs typeface="仿宋"/>
+              </a:rPr>
               <a:t>snapshot</a:t>
             </a:r>
             <a:r>
-              <a:rPr lang="zh-CN" altLang="en-US" dirty="0"/>
-              <a:t>只需要给当前表的所有文件分别新建一个引用（指针），其他新写入的数据重新创建一个新文件写入即可。如下图所示：</a:t>
-            </a:r>
+              <a:rPr lang="zh-CN" altLang="en-US" sz="1400" dirty="0">
+                <a:latin typeface="仿宋"/>
+                <a:ea typeface="仿宋"/>
+                <a:cs typeface="仿宋"/>
+              </a:rPr>
+              <a:t>的不同用法可以实现很多功能，比如</a:t>
+            </a:r>
+            <a:r>
+              <a:rPr lang="zh-CN" altLang="en-US" sz="1400" dirty="0" smtClean="0">
+                <a:latin typeface="仿宋"/>
+                <a:ea typeface="仿宋"/>
+                <a:cs typeface="仿宋"/>
+              </a:rPr>
+              <a:t>：</a:t>
+            </a:r>
+            <a:endParaRPr lang="en-US" altLang="zh-CN" sz="1400" dirty="0" smtClean="0">
+              <a:latin typeface="仿宋"/>
+              <a:ea typeface="仿宋"/>
+              <a:cs typeface="仿宋"/>
+            </a:endParaRPr>
+          </a:p>
+          <a:p>
+            <a:pPr marL="342900" indent="-342900">
+              <a:lnSpc>
+                <a:spcPct val="150000"/>
+              </a:lnSpc>
+              <a:buAutoNum type="arabicPeriod"/>
+            </a:pPr>
+            <a:r>
+              <a:rPr lang="zh-CN" altLang="en-US" sz="1400" dirty="0" smtClean="0">
+                <a:latin typeface="仿宋"/>
+                <a:ea typeface="仿宋"/>
+                <a:cs typeface="仿宋"/>
+              </a:rPr>
+              <a:t>全量</a:t>
+            </a:r>
+            <a:r>
+              <a:rPr lang="en-US" altLang="zh-CN" sz="1400" dirty="0">
+                <a:latin typeface="仿宋"/>
+                <a:ea typeface="仿宋"/>
+                <a:cs typeface="仿宋"/>
+              </a:rPr>
+              <a:t>/</a:t>
+            </a:r>
+            <a:r>
+              <a:rPr lang="zh-CN" altLang="en-US" sz="1400" dirty="0">
+                <a:latin typeface="仿宋"/>
+                <a:ea typeface="仿宋"/>
+                <a:cs typeface="仿宋"/>
+              </a:rPr>
+              <a:t>增量备份：任何数据库都需要有备份的功能来实现数据的高可靠性，</a:t>
+            </a:r>
+            <a:r>
+              <a:rPr lang="en-US" altLang="zh-CN" sz="1400" dirty="0">
+                <a:latin typeface="仿宋"/>
+                <a:ea typeface="仿宋"/>
+                <a:cs typeface="仿宋"/>
+              </a:rPr>
+              <a:t>snapshot</a:t>
+            </a:r>
+            <a:r>
+              <a:rPr lang="zh-CN" altLang="en-US" sz="1400" dirty="0">
+                <a:latin typeface="仿宋"/>
+                <a:ea typeface="仿宋"/>
+                <a:cs typeface="仿宋"/>
+              </a:rPr>
+              <a:t>可以非常方便的实现表的在线备份功能，并且对在线业务请求影响非常小。使用备份数据，用户可以在异常发生的情况下快速回滚到指定快照点。增量备份会在全量备份的基础上使用</a:t>
+            </a:r>
+            <a:r>
+              <a:rPr lang="en-US" altLang="zh-CN" sz="1400" dirty="0" err="1">
+                <a:latin typeface="仿宋"/>
+                <a:ea typeface="仿宋"/>
+                <a:cs typeface="仿宋"/>
+              </a:rPr>
+              <a:t>binlog</a:t>
+            </a:r>
+            <a:r>
+              <a:rPr lang="zh-CN" altLang="en-US" sz="1400" dirty="0">
+                <a:latin typeface="仿宋"/>
+                <a:ea typeface="仿宋"/>
+                <a:cs typeface="仿宋"/>
+              </a:rPr>
+              <a:t>进行周期性的增量备份</a:t>
+            </a:r>
+            <a:r>
+              <a:rPr lang="zh-CN" altLang="en-US" sz="1400" dirty="0" smtClean="0">
+                <a:latin typeface="仿宋"/>
+                <a:ea typeface="仿宋"/>
+                <a:cs typeface="仿宋"/>
+              </a:rPr>
+              <a:t>。</a:t>
+            </a:r>
+            <a:endParaRPr lang="en-US" altLang="zh-CN" sz="1400" dirty="0" smtClean="0">
+              <a:latin typeface="仿宋"/>
+              <a:ea typeface="仿宋"/>
+              <a:cs typeface="仿宋"/>
+            </a:endParaRPr>
+          </a:p>
+          <a:p>
+            <a:pPr marL="742950" lvl="1" indent="-285750">
+              <a:lnSpc>
+                <a:spcPct val="150000"/>
+              </a:lnSpc>
+              <a:buFontTx/>
+              <a:buChar char="-"/>
+            </a:pPr>
+            <a:r>
+              <a:rPr lang="zh-CN" altLang="en-US" sz="1400" dirty="0" smtClean="0">
+                <a:latin typeface="仿宋"/>
+                <a:ea typeface="仿宋"/>
+                <a:cs typeface="仿宋"/>
+              </a:rPr>
+              <a:t>使用场</a:t>
+            </a:r>
+            <a:r>
+              <a:rPr lang="zh-CN" altLang="en-US" sz="1400" dirty="0">
+                <a:latin typeface="仿宋"/>
+                <a:ea typeface="仿宋"/>
+                <a:cs typeface="仿宋"/>
+              </a:rPr>
+              <a:t>景一：通常情况下，对重要的业务数据，建议至少每天执行一次</a:t>
+            </a:r>
+            <a:r>
+              <a:rPr lang="en-US" altLang="zh-CN" sz="1400" dirty="0">
+                <a:latin typeface="仿宋"/>
+                <a:ea typeface="仿宋"/>
+                <a:cs typeface="仿宋"/>
+              </a:rPr>
+              <a:t>snapshot</a:t>
+            </a:r>
+            <a:r>
+              <a:rPr lang="zh-CN" altLang="en-US" sz="1400" dirty="0">
+                <a:latin typeface="仿宋"/>
+                <a:ea typeface="仿宋"/>
+                <a:cs typeface="仿宋"/>
+              </a:rPr>
+              <a:t>来保存数据的快照记录，并且定期清理过期快照，这样如果业务发生重要错误需要回滚的话是可以回滚到之前的一个快照点的</a:t>
+            </a:r>
+            <a:r>
+              <a:rPr lang="zh-CN" altLang="en-US" sz="1400" dirty="0" smtClean="0">
+                <a:latin typeface="仿宋"/>
+                <a:ea typeface="仿宋"/>
+                <a:cs typeface="仿宋"/>
+              </a:rPr>
+              <a:t>。</a:t>
+            </a:r>
+            <a:endParaRPr lang="en-US" altLang="zh-CN" sz="1400" dirty="0" smtClean="0">
+              <a:latin typeface="仿宋"/>
+              <a:ea typeface="仿宋"/>
+              <a:cs typeface="仿宋"/>
+            </a:endParaRPr>
+          </a:p>
+          <a:p>
+            <a:pPr marL="742950" lvl="1" indent="-285750">
+              <a:lnSpc>
+                <a:spcPct val="150000"/>
+              </a:lnSpc>
+              <a:buFontTx/>
+              <a:buChar char="-"/>
+            </a:pPr>
+            <a:r>
+              <a:rPr lang="zh-CN" altLang="en-US" sz="1400" dirty="0" smtClean="0">
+                <a:latin typeface="仿宋"/>
+                <a:ea typeface="仿宋"/>
+                <a:cs typeface="仿宋"/>
+              </a:rPr>
+              <a:t>使用场景二</a:t>
+            </a:r>
+            <a:r>
+              <a:rPr lang="zh-CN" altLang="en-US" sz="1400" dirty="0">
+                <a:latin typeface="仿宋"/>
+                <a:ea typeface="仿宋"/>
+                <a:cs typeface="仿宋"/>
+              </a:rPr>
+              <a:t>：如果要对集群做重大的升级的话，建议升级前对重要的表执行一次</a:t>
+            </a:r>
+            <a:r>
+              <a:rPr lang="en-US" altLang="zh-CN" sz="1400" dirty="0">
+                <a:latin typeface="仿宋"/>
+                <a:ea typeface="仿宋"/>
+                <a:cs typeface="仿宋"/>
+              </a:rPr>
+              <a:t>snapshot</a:t>
+            </a:r>
+            <a:r>
+              <a:rPr lang="zh-CN" altLang="en-US" sz="1400" dirty="0">
+                <a:latin typeface="仿宋"/>
+                <a:ea typeface="仿宋"/>
+                <a:cs typeface="仿宋"/>
+              </a:rPr>
+              <a:t>，一旦升级有任何异常可以快速回滚到升级前。       </a:t>
+            </a:r>
+            <a:endParaRPr lang="en-US" altLang="zh-CN" sz="1400" dirty="0" smtClean="0">
+              <a:latin typeface="仿宋"/>
+              <a:ea typeface="仿宋"/>
+              <a:cs typeface="仿宋"/>
+            </a:endParaRPr>
+          </a:p>
+          <a:p>
+            <a:pPr marL="342900" indent="-342900">
+              <a:lnSpc>
+                <a:spcPct val="150000"/>
+              </a:lnSpc>
+              <a:buAutoNum type="arabicPeriod"/>
+            </a:pPr>
+            <a:r>
+              <a:rPr lang="zh-CN" altLang="en-US" sz="1400" dirty="0" smtClean="0">
+                <a:latin typeface="仿宋"/>
+                <a:ea typeface="仿宋"/>
+                <a:cs typeface="仿宋"/>
+              </a:rPr>
+              <a:t>数据迁</a:t>
+            </a:r>
+            <a:r>
+              <a:rPr lang="zh-CN" altLang="en-US" sz="1400" dirty="0">
+                <a:latin typeface="仿宋"/>
+                <a:ea typeface="仿宋"/>
+                <a:cs typeface="仿宋"/>
+              </a:rPr>
+              <a:t>移：可以使用</a:t>
+            </a:r>
+            <a:r>
+              <a:rPr lang="en-US" altLang="zh-CN" sz="1400" dirty="0" err="1">
+                <a:latin typeface="仿宋"/>
+                <a:ea typeface="仿宋"/>
+                <a:cs typeface="仿宋"/>
+              </a:rPr>
+              <a:t>ExportSnapshot</a:t>
+            </a:r>
+            <a:r>
+              <a:rPr lang="zh-CN" altLang="en-US" sz="1400" dirty="0">
+                <a:latin typeface="仿宋"/>
+                <a:ea typeface="仿宋"/>
+                <a:cs typeface="仿宋"/>
+              </a:rPr>
+              <a:t>功能将快照导出到另一个集群，实现数据的迁移</a:t>
+            </a:r>
+            <a:r>
+              <a:rPr lang="en-US" altLang="zh-CN" sz="1400" dirty="0">
+                <a:latin typeface="仿宋"/>
+                <a:ea typeface="仿宋"/>
+                <a:cs typeface="仿宋"/>
+              </a:rPr>
+              <a:t>- </a:t>
+            </a:r>
+            <a:r>
+              <a:rPr lang="zh-CN" altLang="en-US" sz="1400" dirty="0">
+                <a:latin typeface="仿宋"/>
+                <a:ea typeface="仿宋"/>
+                <a:cs typeface="仿宋"/>
+              </a:rPr>
+              <a:t>使用场景一：机房在线迁移，通常情况是数据在</a:t>
+            </a:r>
+            <a:r>
+              <a:rPr lang="en-US" altLang="zh-CN" sz="1400" dirty="0">
+                <a:latin typeface="仿宋"/>
+                <a:ea typeface="仿宋"/>
+                <a:cs typeface="仿宋"/>
+              </a:rPr>
+              <a:t>A</a:t>
+            </a:r>
+            <a:r>
+              <a:rPr lang="zh-CN" altLang="en-US" sz="1400" dirty="0">
+                <a:latin typeface="仿宋"/>
+                <a:ea typeface="仿宋"/>
+                <a:cs typeface="仿宋"/>
+              </a:rPr>
+              <a:t>机房，因为</a:t>
+            </a:r>
+            <a:r>
+              <a:rPr lang="en-US" altLang="zh-CN" sz="1400" dirty="0">
+                <a:latin typeface="仿宋"/>
+                <a:ea typeface="仿宋"/>
+                <a:cs typeface="仿宋"/>
+              </a:rPr>
+              <a:t>A</a:t>
+            </a:r>
+            <a:r>
+              <a:rPr lang="zh-CN" altLang="en-US" sz="1400" dirty="0">
+                <a:latin typeface="仿宋"/>
+                <a:ea typeface="仿宋"/>
+                <a:cs typeface="仿宋"/>
+              </a:rPr>
+              <a:t>机房机位不够或者机架不够需要将整个集群迁移到另一个容量更大的</a:t>
+            </a:r>
+            <a:r>
+              <a:rPr lang="en-US" altLang="zh-CN" sz="1400" dirty="0">
+                <a:latin typeface="仿宋"/>
+                <a:ea typeface="仿宋"/>
+                <a:cs typeface="仿宋"/>
+              </a:rPr>
+              <a:t>B</a:t>
+            </a:r>
+            <a:r>
+              <a:rPr lang="zh-CN" altLang="en-US" sz="1400" dirty="0">
+                <a:latin typeface="仿宋"/>
+                <a:ea typeface="仿宋"/>
+                <a:cs typeface="仿宋"/>
+              </a:rPr>
+              <a:t>集群，而且在迁移过程中不能停服。基本迁移思路是先使用</a:t>
+            </a:r>
+            <a:r>
+              <a:rPr lang="en-US" altLang="zh-CN" sz="1400" dirty="0">
+                <a:latin typeface="仿宋"/>
+                <a:ea typeface="仿宋"/>
+                <a:cs typeface="仿宋"/>
+              </a:rPr>
+              <a:t>snapshot</a:t>
+            </a:r>
+            <a:r>
+              <a:rPr lang="zh-CN" altLang="en-US" sz="1400" dirty="0">
+                <a:latin typeface="仿宋"/>
+                <a:ea typeface="仿宋"/>
+                <a:cs typeface="仿宋"/>
+              </a:rPr>
+              <a:t>在</a:t>
+            </a:r>
+            <a:r>
+              <a:rPr lang="en-US" altLang="zh-CN" sz="1400" dirty="0">
+                <a:latin typeface="仿宋"/>
+                <a:ea typeface="仿宋"/>
+                <a:cs typeface="仿宋"/>
+              </a:rPr>
+              <a:t>B</a:t>
+            </a:r>
+            <a:r>
+              <a:rPr lang="zh-CN" altLang="en-US" sz="1400" dirty="0">
+                <a:latin typeface="仿宋"/>
+                <a:ea typeface="仿宋"/>
+                <a:cs typeface="仿宋"/>
+              </a:rPr>
+              <a:t>集群恢复出一个全量数据，再使用</a:t>
+            </a:r>
+            <a:r>
+              <a:rPr lang="en-US" altLang="zh-CN" sz="1400" dirty="0">
+                <a:latin typeface="仿宋"/>
+                <a:ea typeface="仿宋"/>
+                <a:cs typeface="仿宋"/>
+              </a:rPr>
+              <a:t>replication</a:t>
+            </a:r>
+            <a:r>
+              <a:rPr lang="zh-CN" altLang="en-US" sz="1400" dirty="0">
+                <a:latin typeface="仿宋"/>
+                <a:ea typeface="仿宋"/>
+                <a:cs typeface="仿宋"/>
+              </a:rPr>
+              <a:t>技术增量复制</a:t>
+            </a:r>
+            <a:r>
+              <a:rPr lang="en-US" altLang="zh-CN" sz="1400" dirty="0">
+                <a:latin typeface="仿宋"/>
+                <a:ea typeface="仿宋"/>
+                <a:cs typeface="仿宋"/>
+              </a:rPr>
+              <a:t>A</a:t>
+            </a:r>
+            <a:r>
+              <a:rPr lang="zh-CN" altLang="en-US" sz="1400" dirty="0">
+                <a:latin typeface="仿宋"/>
+                <a:ea typeface="仿宋"/>
+                <a:cs typeface="仿宋"/>
+              </a:rPr>
+              <a:t>集群的更新数据，等待两个集群数据一致之后将客户端请求重定向到</a:t>
+            </a:r>
+            <a:r>
+              <a:rPr lang="en-US" altLang="zh-CN" sz="1400" dirty="0">
+                <a:latin typeface="仿宋"/>
+                <a:ea typeface="仿宋"/>
+                <a:cs typeface="仿宋"/>
+              </a:rPr>
+              <a:t>B</a:t>
+            </a:r>
+            <a:r>
+              <a:rPr lang="zh-CN" altLang="en-US" sz="1400" dirty="0">
+                <a:latin typeface="仿宋"/>
+                <a:ea typeface="仿宋"/>
+                <a:cs typeface="仿宋"/>
+              </a:rPr>
+              <a:t>机房</a:t>
+            </a:r>
+            <a:r>
+              <a:rPr lang="zh-CN" altLang="en-US" sz="1400" dirty="0" smtClean="0">
+                <a:latin typeface="仿宋"/>
+                <a:ea typeface="仿宋"/>
+                <a:cs typeface="仿宋"/>
+              </a:rPr>
+              <a:t>。</a:t>
+            </a:r>
+            <a:endParaRPr lang="zh-CN" altLang="en-US" sz="1400" dirty="0">
+              <a:latin typeface="仿宋"/>
+              <a:ea typeface="仿宋"/>
+              <a:cs typeface="仿宋"/>
+            </a:endParaRPr>
           </a:p>
         </p:txBody>
       </p:sp>
     </p:spTree>
     <p:extLst>
       <p:ext uri="{BB962C8B-B14F-4D97-AF65-F5344CB8AC3E}">
-        <p14:creationId xmlns:p14="http://schemas.microsoft.com/office/powerpoint/2010/main" val="506803398"/>
+        <p14:creationId xmlns:p14="http://schemas.microsoft.com/office/powerpoint/2010/main" val="346614126"/>
       </p:ext>
     </p:extLst>
   </p:cSld>
@@ -28418,184 +30060,34 @@
             <p:ph type="title"/>
           </p:nvPr>
         </p:nvSpPr>
-        <p:spPr/>
+        <p:spPr>
+          <a:xfrm>
+            <a:off x="521207" y="448056"/>
+            <a:ext cx="7707283" cy="640080"/>
+          </a:xfrm>
+        </p:spPr>
         <p:txBody>
           <a:bodyPr/>
           <a:lstStyle/>
           <a:p>
-            <a:endParaRPr lang="zh-CN" altLang="en-US"/>
-          </a:p>
-        </p:txBody>
-      </p:sp>
-      <p:pic>
-        <p:nvPicPr>
-          <p:cNvPr id="4" name="图片 3"/>
-          <p:cNvPicPr>
-            <a:picLocks noChangeAspect="1"/>
-          </p:cNvPicPr>
-          <p:nvPr/>
-        </p:nvPicPr>
-        <p:blipFill>
-          <a:blip r:embed="rId2">
-            <a:extLst>
-              <a:ext uri="{28A0092B-C50C-407E-A947-70E740481C1C}">
-                <a14:useLocalDpi xmlns:a14="http://schemas.microsoft.com/office/drawing/2010/main" val="0"/>
-              </a:ext>
-            </a:extLst>
-          </a:blip>
-          <a:stretch>
-            <a:fillRect/>
-          </a:stretch>
-        </p:blipFill>
-        <p:spPr>
-          <a:xfrm>
-            <a:off x="729207" y="1702389"/>
-            <a:ext cx="10058400" cy="3519975"/>
-          </a:xfrm>
-          <a:prstGeom prst="rect">
-            <a:avLst/>
-          </a:prstGeom>
-        </p:spPr>
-      </p:pic>
-      <p:sp>
-        <p:nvSpPr>
-          <p:cNvPr id="5" name="矩形 4"/>
-          <p:cNvSpPr/>
-          <p:nvPr/>
-        </p:nvSpPr>
-        <p:spPr>
-          <a:xfrm>
-            <a:off x="911766" y="5467533"/>
-            <a:ext cx="6096000" cy="1200329"/>
-          </a:xfrm>
-          <a:prstGeom prst="rect">
-            <a:avLst/>
-          </a:prstGeom>
-        </p:spPr>
-        <p:txBody>
-          <a:bodyPr>
-            <a:spAutoFit/>
-          </a:bodyPr>
-          <a:lstStyle/>
-          <a:p>
-            <a:r>
-              <a:rPr lang="en-US" altLang="zh-CN" dirty="0"/>
-              <a:t>snapshot</a:t>
-            </a:r>
-            <a:r>
-              <a:rPr lang="zh-CN" altLang="en-US" dirty="0"/>
-              <a:t>流程主要涉及</a:t>
-            </a:r>
-            <a:r>
-              <a:rPr lang="en-US" altLang="zh-CN" dirty="0"/>
-              <a:t>3</a:t>
-            </a:r>
-            <a:r>
-              <a:rPr lang="zh-CN" altLang="en-US" dirty="0"/>
-              <a:t>个步骤：</a:t>
-            </a:r>
-            <a:r>
-              <a:rPr lang="en-US" altLang="zh-CN" dirty="0"/>
-              <a:t>\1. </a:t>
-            </a:r>
-            <a:r>
-              <a:rPr lang="zh-CN" altLang="en-US" dirty="0"/>
-              <a:t>加一把全局锁，此时不允许任何的数据写入更新以及删除</a:t>
-            </a:r>
-            <a:r>
-              <a:rPr lang="en-US" altLang="zh-CN" dirty="0"/>
-              <a:t>\2. </a:t>
-            </a:r>
-            <a:r>
-              <a:rPr lang="zh-CN" altLang="en-US" dirty="0"/>
-              <a:t>将</a:t>
-            </a:r>
-            <a:r>
-              <a:rPr lang="en-US" altLang="zh-CN" dirty="0" err="1"/>
-              <a:t>Memstore</a:t>
-            </a:r>
-            <a:r>
-              <a:rPr lang="zh-CN" altLang="en-US" dirty="0"/>
-              <a:t>中的缓存数据</a:t>
-            </a:r>
-            <a:r>
-              <a:rPr lang="en-US" altLang="zh-CN" dirty="0"/>
-              <a:t>flush</a:t>
-            </a:r>
-            <a:r>
-              <a:rPr lang="zh-CN" altLang="en-US" dirty="0"/>
-              <a:t>到文件中（可选）</a:t>
-            </a:r>
-            <a:r>
-              <a:rPr lang="en-US" altLang="zh-CN" dirty="0"/>
-              <a:t>\3. </a:t>
-            </a:r>
-            <a:r>
-              <a:rPr lang="zh-CN" altLang="en-US" dirty="0"/>
-              <a:t>为所有</a:t>
-            </a:r>
-            <a:r>
-              <a:rPr lang="en-US" altLang="zh-CN" dirty="0" err="1"/>
-              <a:t>HFile</a:t>
-            </a:r>
-            <a:r>
-              <a:rPr lang="zh-CN" altLang="en-US" dirty="0"/>
-              <a:t>文件分别新建引用指针，这些指针元数据就是</a:t>
-            </a:r>
-            <a:r>
-              <a:rPr lang="en-US" altLang="zh-CN" dirty="0"/>
-              <a:t>snapshot</a:t>
-            </a:r>
-            <a:endParaRPr lang="zh-CN" altLang="en-US" dirty="0"/>
-          </a:p>
-        </p:txBody>
-      </p:sp>
-    </p:spTree>
-    <p:extLst>
-      <p:ext uri="{BB962C8B-B14F-4D97-AF65-F5344CB8AC3E}">
-        <p14:creationId xmlns:p14="http://schemas.microsoft.com/office/powerpoint/2010/main" val="2614198521"/>
-      </p:ext>
-    </p:extLst>
-  </p:cSld>
-  <p:clrMapOvr>
-    <a:masterClrMapping/>
-  </p:clrMapOvr>
-</p:sld>
-</file>
-
-<file path=ppt/slides/slide58.xml><?xml version="1.0" encoding="utf-8"?>
-<p:sld xmlns:a="http://schemas.openxmlformats.org/drawingml/2006/main" xmlns:r="http://schemas.openxmlformats.org/officeDocument/2006/relationships" xmlns:p="http://schemas.openxmlformats.org/presentationml/2006/main">
-  <p:cSld>
-    <p:spTree>
-      <p:nvGrpSpPr>
-        <p:cNvPr id="1" name=""/>
-        <p:cNvGrpSpPr/>
-        <p:nvPr/>
-      </p:nvGrpSpPr>
-      <p:grpSpPr>
-        <a:xfrm>
-          <a:off x="0" y="0"/>
-          <a:ext cx="0" cy="0"/>
-          <a:chOff x="0" y="0"/>
-          <a:chExt cx="0" cy="0"/>
-        </a:xfrm>
-      </p:grpSpPr>
-      <p:sp>
-        <p:nvSpPr>
-          <p:cNvPr id="2" name="标题 1"/>
-          <p:cNvSpPr>
-            <a:spLocks noGrp="1"/>
-          </p:cNvSpPr>
-          <p:nvPr>
-            <p:ph type="title"/>
-          </p:nvPr>
-        </p:nvSpPr>
-        <p:spPr/>
-        <p:txBody>
-          <a:bodyPr/>
-          <a:lstStyle/>
-          <a:p>
-            <a:endParaRPr lang="zh-CN" altLang="en-US"/>
+            <a:pPr>
+              <a:lnSpc>
+                <a:spcPct val="150000"/>
+              </a:lnSpc>
+            </a:pPr>
+            <a:r>
+              <a:rPr lang="en-US" altLang="zh-CN" sz="1400" dirty="0">
+                <a:latin typeface="仿宋"/>
+                <a:ea typeface="仿宋"/>
+                <a:cs typeface="仿宋"/>
+              </a:rPr>
+              <a:t>Snapshot</a:t>
+            </a:r>
+            <a:endParaRPr lang="zh-CN" altLang="en-US" sz="1400" dirty="0">
+              <a:latin typeface="仿宋"/>
+              <a:ea typeface="仿宋"/>
+              <a:cs typeface="仿宋"/>
+            </a:endParaRPr>
           </a:p>
         </p:txBody>
       </p:sp>
@@ -28607,150 +30099,8 @@
         </p:nvSpPr>
         <p:spPr>
           <a:xfrm>
-            <a:off x="1702526" y="1822996"/>
-            <a:ext cx="6096000" cy="1200329"/>
-          </a:xfrm>
-          <a:prstGeom prst="rect">
-            <a:avLst/>
-          </a:prstGeom>
-        </p:spPr>
-        <p:txBody>
-          <a:bodyPr>
-            <a:spAutoFit/>
-          </a:bodyPr>
-          <a:lstStyle/>
-          <a:p>
-            <a:r>
-              <a:rPr lang="en-US" altLang="zh-CN" dirty="0"/>
-              <a:t>snapshot</a:t>
-            </a:r>
-            <a:r>
-              <a:rPr lang="zh-CN" altLang="en-US" dirty="0"/>
-              <a:t>流程主要涉及</a:t>
-            </a:r>
-            <a:r>
-              <a:rPr lang="en-US" altLang="zh-CN" dirty="0"/>
-              <a:t>3</a:t>
-            </a:r>
-            <a:r>
-              <a:rPr lang="zh-CN" altLang="en-US" dirty="0"/>
-              <a:t>个步骤：</a:t>
-            </a:r>
-            <a:r>
-              <a:rPr lang="en-US" altLang="zh-CN" dirty="0"/>
-              <a:t>\1. </a:t>
-            </a:r>
-            <a:r>
-              <a:rPr lang="zh-CN" altLang="en-US" dirty="0"/>
-              <a:t>加一把全局锁，此时不允许任何的数据写入更新以及删除</a:t>
-            </a:r>
-            <a:r>
-              <a:rPr lang="en-US" altLang="zh-CN" dirty="0"/>
-              <a:t>\2. </a:t>
-            </a:r>
-            <a:r>
-              <a:rPr lang="zh-CN" altLang="en-US" dirty="0"/>
-              <a:t>将</a:t>
-            </a:r>
-            <a:r>
-              <a:rPr lang="en-US" altLang="zh-CN" dirty="0" err="1"/>
-              <a:t>Memstore</a:t>
-            </a:r>
-            <a:r>
-              <a:rPr lang="zh-CN" altLang="en-US" dirty="0"/>
-              <a:t>中的缓存数据</a:t>
-            </a:r>
-            <a:r>
-              <a:rPr lang="en-US" altLang="zh-CN" dirty="0"/>
-              <a:t>flush</a:t>
-            </a:r>
-            <a:r>
-              <a:rPr lang="zh-CN" altLang="en-US" dirty="0"/>
-              <a:t>到文件中（可选）</a:t>
-            </a:r>
-            <a:r>
-              <a:rPr lang="en-US" altLang="zh-CN" dirty="0"/>
-              <a:t>\3. </a:t>
-            </a:r>
-            <a:r>
-              <a:rPr lang="zh-CN" altLang="en-US" dirty="0"/>
-              <a:t>为所有</a:t>
-            </a:r>
-            <a:r>
-              <a:rPr lang="en-US" altLang="zh-CN" dirty="0" err="1"/>
-              <a:t>HFile</a:t>
-            </a:r>
-            <a:r>
-              <a:rPr lang="zh-CN" altLang="en-US" dirty="0"/>
-              <a:t>文件分别新建引用指针，这些指针元数据就是</a:t>
-            </a:r>
-            <a:r>
-              <a:rPr lang="en-US" altLang="zh-CN" dirty="0"/>
-              <a:t>snapshot</a:t>
-            </a:r>
-            <a:endParaRPr lang="zh-CN" altLang="en-US" dirty="0"/>
-          </a:p>
-        </p:txBody>
-      </p:sp>
-    </p:spTree>
-    <p:extLst>
-      <p:ext uri="{BB962C8B-B14F-4D97-AF65-F5344CB8AC3E}">
-        <p14:creationId xmlns:p14="http://schemas.microsoft.com/office/powerpoint/2010/main" val="2469514538"/>
-      </p:ext>
-    </p:extLst>
-  </p:cSld>
-  <p:clrMapOvr>
-    <a:masterClrMapping/>
-  </p:clrMapOvr>
-</p:sld>
-</file>
-
-<file path=ppt/slides/slide59.xml><?xml version="1.0" encoding="utf-8"?>
-<p:sld xmlns:a="http://schemas.openxmlformats.org/drawingml/2006/main" xmlns:r="http://schemas.openxmlformats.org/officeDocument/2006/relationships" xmlns:p="http://schemas.openxmlformats.org/presentationml/2006/main">
-  <p:cSld>
-    <p:spTree>
-      <p:nvGrpSpPr>
-        <p:cNvPr id="1" name=""/>
-        <p:cNvGrpSpPr/>
-        <p:nvPr/>
-      </p:nvGrpSpPr>
-      <p:grpSpPr>
-        <a:xfrm>
-          <a:off x="0" y="0"/>
-          <a:ext cx="0" cy="0"/>
-          <a:chOff x="0" y="0"/>
-          <a:chExt cx="0" cy="0"/>
-        </a:xfrm>
-      </p:grpSpPr>
-      <p:sp>
-        <p:nvSpPr>
-          <p:cNvPr id="2" name="标题 1"/>
-          <p:cNvSpPr>
-            <a:spLocks noGrp="1"/>
-          </p:cNvSpPr>
-          <p:nvPr>
-            <p:ph type="title"/>
-          </p:nvPr>
-        </p:nvSpPr>
-        <p:spPr/>
-        <p:txBody>
-          <a:bodyPr/>
-          <a:lstStyle/>
-          <a:p>
-            <a:endParaRPr lang="zh-CN" altLang="en-US"/>
-          </a:p>
-        </p:txBody>
-      </p:sp>
-      <p:sp>
-        <p:nvSpPr>
-          <p:cNvPr id="4" name="矩形 3"/>
-          <p:cNvSpPr/>
-          <p:nvPr/>
-        </p:nvSpPr>
-        <p:spPr>
-          <a:xfrm>
-            <a:off x="521207" y="1502688"/>
-            <a:ext cx="8577943" cy="5355312"/>
+            <a:off x="820237" y="1410475"/>
+            <a:ext cx="10426436" cy="4598694"/>
           </a:xfrm>
           <a:prstGeom prst="rect">
             <a:avLst/>
@@ -28762,237 +30112,820 @@
           </a:bodyPr>
           <a:lstStyle/>
           <a:p>
-            <a:r>
-              <a:rPr lang="en-US" altLang="zh-CN" dirty="0"/>
+            <a:pPr>
+              <a:lnSpc>
+                <a:spcPct val="150000"/>
+              </a:lnSpc>
+            </a:pPr>
+            <a:r>
+              <a:rPr lang="en-US" altLang="zh-CN" sz="1400" dirty="0" smtClean="0">
+                <a:latin typeface="仿宋"/>
+                <a:ea typeface="仿宋"/>
+                <a:cs typeface="仿宋"/>
+              </a:rPr>
               <a:t>snapshot</a:t>
             </a:r>
             <a:r>
-              <a:rPr lang="zh-CN" altLang="en-US" dirty="0"/>
-              <a:t>能实现什么功能？</a:t>
-            </a:r>
-            <a:r>
-              <a:rPr lang="en-US" altLang="zh-CN" dirty="0"/>
+              <a:rPr lang="zh-CN" altLang="en-US" sz="1400" dirty="0">
+                <a:latin typeface="仿宋"/>
+                <a:ea typeface="仿宋"/>
+                <a:cs typeface="仿宋"/>
+              </a:rPr>
+              <a:t>最常用的命令有</a:t>
+            </a:r>
+            <a:r>
+              <a:rPr lang="en-US" altLang="zh-CN" sz="1400" dirty="0">
+                <a:latin typeface="仿宋"/>
+                <a:ea typeface="仿宋"/>
+                <a:cs typeface="仿宋"/>
+              </a:rPr>
               <a:t>snapshot</a:t>
             </a:r>
             <a:r>
-              <a:rPr lang="zh-CN" altLang="en-US" dirty="0"/>
+              <a:rPr lang="zh-CN" altLang="en-US" sz="1400" dirty="0">
+                <a:latin typeface="仿宋"/>
+                <a:ea typeface="仿宋"/>
+                <a:cs typeface="仿宋"/>
+              </a:rPr>
+              <a:t>、</a:t>
+            </a:r>
+            <a:r>
+              <a:rPr lang="en-US" altLang="zh-CN" sz="1400" dirty="0" err="1">
+                <a:latin typeface="仿宋"/>
+                <a:ea typeface="仿宋"/>
+                <a:cs typeface="仿宋"/>
+              </a:rPr>
+              <a:t>restore_snapshot</a:t>
+            </a:r>
+            <a:r>
+              <a:rPr lang="zh-CN" altLang="en-US" sz="1400" dirty="0">
+                <a:latin typeface="仿宋"/>
+                <a:ea typeface="仿宋"/>
+                <a:cs typeface="仿宋"/>
+              </a:rPr>
+              <a:t>、</a:t>
+            </a:r>
+            <a:r>
+              <a:rPr lang="en-US" altLang="zh-CN" sz="1400" dirty="0" err="1">
+                <a:latin typeface="仿宋"/>
+                <a:ea typeface="仿宋"/>
+                <a:cs typeface="仿宋"/>
+              </a:rPr>
+              <a:t>clone_snapshot</a:t>
+            </a:r>
+            <a:r>
+              <a:rPr lang="zh-CN" altLang="en-US" sz="1400" dirty="0">
+                <a:latin typeface="仿宋"/>
+                <a:ea typeface="仿宋"/>
+                <a:cs typeface="仿宋"/>
+              </a:rPr>
+              <a:t>以及</a:t>
+            </a:r>
+            <a:r>
+              <a:rPr lang="en-US" altLang="zh-CN" sz="1400" dirty="0" err="1">
+                <a:latin typeface="仿宋"/>
+                <a:ea typeface="仿宋"/>
+                <a:cs typeface="仿宋"/>
+              </a:rPr>
+              <a:t>ExportSnapshot</a:t>
+            </a:r>
+            <a:r>
+              <a:rPr lang="zh-CN" altLang="en-US" sz="1400" dirty="0">
+                <a:latin typeface="仿宋"/>
+                <a:ea typeface="仿宋"/>
+                <a:cs typeface="仿宋"/>
+              </a:rPr>
+              <a:t>这个工具，具体使用方法如下</a:t>
+            </a:r>
+            <a:r>
+              <a:rPr lang="zh-CN" altLang="en-US" sz="1400" dirty="0" smtClean="0">
+                <a:latin typeface="仿宋"/>
+                <a:ea typeface="仿宋"/>
+                <a:cs typeface="仿宋"/>
+              </a:rPr>
+              <a:t>：</a:t>
+            </a:r>
+            <a:endParaRPr lang="en-US" altLang="zh-CN" sz="1400" dirty="0" smtClean="0">
+              <a:latin typeface="仿宋"/>
+              <a:ea typeface="仿宋"/>
+              <a:cs typeface="仿宋"/>
+            </a:endParaRPr>
+          </a:p>
+          <a:p>
+            <a:pPr marL="285750" indent="-285750">
+              <a:lnSpc>
+                <a:spcPct val="150000"/>
+              </a:lnSpc>
+              <a:buFontTx/>
+              <a:buChar char="-"/>
+            </a:pPr>
+            <a:r>
+              <a:rPr lang="zh-CN" altLang="en-US" sz="1400" dirty="0" smtClean="0">
+                <a:latin typeface="仿宋"/>
+                <a:ea typeface="仿宋"/>
+                <a:cs typeface="仿宋"/>
+              </a:rPr>
+              <a:t>为表</a:t>
+            </a:r>
+            <a:r>
+              <a:rPr lang="zh-CN" altLang="en-US" sz="1400" dirty="0">
+                <a:latin typeface="仿宋"/>
+                <a:ea typeface="仿宋"/>
+                <a:cs typeface="仿宋"/>
+              </a:rPr>
+              <a:t>’</a:t>
+            </a:r>
+            <a:r>
+              <a:rPr lang="en-US" altLang="zh-CN" sz="1400" dirty="0" err="1">
+                <a:latin typeface="仿宋"/>
+                <a:ea typeface="仿宋"/>
+                <a:cs typeface="仿宋"/>
+              </a:rPr>
+              <a:t>sourceTable</a:t>
+            </a:r>
+            <a:r>
+              <a:rPr lang="en-US" altLang="zh-CN" sz="1400" dirty="0">
+                <a:latin typeface="仿宋"/>
+                <a:ea typeface="仿宋"/>
+                <a:cs typeface="仿宋"/>
+              </a:rPr>
+              <a:t>’</a:t>
+            </a:r>
+            <a:r>
+              <a:rPr lang="zh-CN" altLang="en-US" sz="1400" dirty="0">
+                <a:latin typeface="仿宋"/>
+                <a:ea typeface="仿宋"/>
+                <a:cs typeface="仿宋"/>
+              </a:rPr>
+              <a:t>打一个快照’</a:t>
+            </a:r>
+            <a:r>
+              <a:rPr lang="en-US" altLang="zh-CN" sz="1400" dirty="0" err="1">
+                <a:latin typeface="仿宋"/>
+                <a:ea typeface="仿宋"/>
+                <a:cs typeface="仿宋"/>
+              </a:rPr>
+              <a:t>snapshotName</a:t>
+            </a:r>
+            <a:r>
+              <a:rPr lang="en-US" altLang="zh-CN" sz="1400" dirty="0">
+                <a:latin typeface="仿宋"/>
+                <a:ea typeface="仿宋"/>
+                <a:cs typeface="仿宋"/>
+              </a:rPr>
+              <a:t>’</a:t>
+            </a:r>
+            <a:r>
+              <a:rPr lang="zh-CN" altLang="en-US" sz="1400" dirty="0">
+                <a:latin typeface="仿宋"/>
+                <a:ea typeface="仿宋"/>
+                <a:cs typeface="仿宋"/>
+              </a:rPr>
+              <a:t>，快照并不涉及数据移动，可以在线完成。    </a:t>
+            </a:r>
+            <a:r>
+              <a:rPr lang="en-US" altLang="zh-CN" sz="1400" dirty="0" err="1">
+                <a:latin typeface="仿宋"/>
+                <a:ea typeface="仿宋"/>
+                <a:cs typeface="仿宋"/>
+              </a:rPr>
+              <a:t>hbase</a:t>
+            </a:r>
+            <a:r>
+              <a:rPr lang="en-US" altLang="zh-CN" sz="1400" dirty="0">
+                <a:latin typeface="仿宋"/>
+                <a:ea typeface="仿宋"/>
+                <a:cs typeface="仿宋"/>
+              </a:rPr>
+              <a:t>&gt; snapshot '</a:t>
+            </a:r>
+            <a:r>
+              <a:rPr lang="en-US" altLang="zh-CN" sz="1400" dirty="0" err="1">
+                <a:latin typeface="仿宋"/>
+                <a:ea typeface="仿宋"/>
+                <a:cs typeface="仿宋"/>
+              </a:rPr>
+              <a:t>sourceTable</a:t>
+            </a:r>
+            <a:r>
+              <a:rPr lang="en-US" altLang="zh-CN" sz="1400" dirty="0">
+                <a:latin typeface="仿宋"/>
+                <a:ea typeface="仿宋"/>
+                <a:cs typeface="仿宋"/>
+              </a:rPr>
+              <a:t>', ‘</a:t>
+            </a:r>
+            <a:r>
+              <a:rPr lang="en-US" altLang="zh-CN" sz="1400" dirty="0" err="1" smtClean="0">
+                <a:latin typeface="仿宋"/>
+                <a:ea typeface="仿宋"/>
+                <a:cs typeface="仿宋"/>
+              </a:rPr>
+              <a:t>snapshotName</a:t>
+            </a:r>
+            <a:r>
+              <a:rPr lang="en-US" altLang="zh-CN" sz="1400" dirty="0" smtClean="0">
+                <a:latin typeface="仿宋"/>
+                <a:ea typeface="仿宋"/>
+                <a:cs typeface="仿宋"/>
+              </a:rPr>
+              <a:t>’</a:t>
+            </a:r>
+          </a:p>
+          <a:p>
+            <a:pPr marL="285750" indent="-285750">
+              <a:lnSpc>
+                <a:spcPct val="150000"/>
+              </a:lnSpc>
+              <a:buFontTx/>
+              <a:buChar char="-"/>
+            </a:pPr>
+            <a:r>
+              <a:rPr lang="zh-CN" altLang="en-US" sz="1400" dirty="0" smtClean="0">
+                <a:latin typeface="仿宋"/>
+                <a:ea typeface="仿宋"/>
+                <a:cs typeface="仿宋"/>
+              </a:rPr>
+              <a:t>恢复</a:t>
+            </a:r>
+            <a:r>
+              <a:rPr lang="zh-CN" altLang="en-US" sz="1400" dirty="0">
+                <a:latin typeface="仿宋"/>
+                <a:ea typeface="仿宋"/>
+                <a:cs typeface="仿宋"/>
+              </a:rPr>
+              <a:t>指定快照，恢复过程会替代原有数据，将表还原到快照点，快照点之后的所有更新将会丢失。需要注意的是原表需要先</a:t>
+            </a:r>
+            <a:r>
+              <a:rPr lang="en-US" altLang="zh-CN" sz="1400" dirty="0">
+                <a:latin typeface="仿宋"/>
+                <a:ea typeface="仿宋"/>
+                <a:cs typeface="仿宋"/>
+              </a:rPr>
+              <a:t>disable</a:t>
+            </a:r>
+            <a:r>
+              <a:rPr lang="zh-CN" altLang="en-US" sz="1400" dirty="0">
+                <a:latin typeface="仿宋"/>
+                <a:ea typeface="仿宋"/>
+                <a:cs typeface="仿宋"/>
+              </a:rPr>
+              <a:t>掉，才能执行</a:t>
+            </a:r>
+            <a:r>
+              <a:rPr lang="en-US" altLang="zh-CN" sz="1400" dirty="0" err="1">
+                <a:latin typeface="仿宋"/>
+                <a:ea typeface="仿宋"/>
+                <a:cs typeface="仿宋"/>
+              </a:rPr>
+              <a:t>restore_snapshot</a:t>
+            </a:r>
+            <a:r>
+              <a:rPr lang="zh-CN" altLang="en-US" sz="1400" dirty="0">
+                <a:latin typeface="仿宋"/>
+                <a:ea typeface="仿宋"/>
+                <a:cs typeface="仿宋"/>
+              </a:rPr>
+              <a:t>操作。    </a:t>
+            </a:r>
+            <a:endParaRPr lang="en-US" altLang="zh-CN" sz="1400" dirty="0" smtClean="0">
+              <a:latin typeface="仿宋"/>
+              <a:ea typeface="仿宋"/>
+              <a:cs typeface="仿宋"/>
+            </a:endParaRPr>
+          </a:p>
+          <a:p>
+            <a:pPr lvl="1">
+              <a:lnSpc>
+                <a:spcPct val="150000"/>
+              </a:lnSpc>
+            </a:pPr>
+            <a:r>
+              <a:rPr lang="en-US" altLang="zh-CN" sz="1400" dirty="0" err="1" smtClean="0">
+                <a:latin typeface="仿宋"/>
+                <a:ea typeface="仿宋"/>
+                <a:cs typeface="仿宋"/>
+              </a:rPr>
+              <a:t>hbase</a:t>
+            </a:r>
+            <a:r>
+              <a:rPr lang="en-US" altLang="zh-CN" sz="1400" dirty="0">
+                <a:latin typeface="仿宋"/>
+                <a:ea typeface="仿宋"/>
+                <a:cs typeface="仿宋"/>
+              </a:rPr>
+              <a:t>&gt; </a:t>
+            </a:r>
+            <a:r>
+              <a:rPr lang="en-US" altLang="zh-CN" sz="1400" dirty="0" err="1">
+                <a:latin typeface="仿宋"/>
+                <a:ea typeface="仿宋"/>
+                <a:cs typeface="仿宋"/>
+              </a:rPr>
+              <a:t>restore_snapshot</a:t>
+            </a:r>
+            <a:r>
+              <a:rPr lang="en-US" altLang="zh-CN" sz="1400" dirty="0">
+                <a:latin typeface="仿宋"/>
+                <a:ea typeface="仿宋"/>
+                <a:cs typeface="仿宋"/>
+              </a:rPr>
+              <a:t> ‘</a:t>
+            </a:r>
+            <a:r>
+              <a:rPr lang="en-US" altLang="zh-CN" sz="1400" dirty="0" err="1" smtClean="0">
+                <a:latin typeface="仿宋"/>
+                <a:ea typeface="仿宋"/>
+                <a:cs typeface="仿宋"/>
+              </a:rPr>
+              <a:t>snapshotName</a:t>
+            </a:r>
+            <a:r>
+              <a:rPr lang="en-US" altLang="zh-CN" sz="1400" dirty="0" smtClean="0">
+                <a:latin typeface="仿宋"/>
+                <a:ea typeface="仿宋"/>
+                <a:cs typeface="仿宋"/>
+              </a:rPr>
+              <a:t>’</a:t>
+            </a:r>
+          </a:p>
+          <a:p>
+            <a:pPr marL="285750" indent="-285750">
+              <a:lnSpc>
+                <a:spcPct val="150000"/>
+              </a:lnSpc>
+              <a:buFontTx/>
+              <a:buChar char="-"/>
+            </a:pPr>
+            <a:r>
+              <a:rPr lang="zh-CN" altLang="en-US" sz="1400" dirty="0" smtClean="0">
+                <a:latin typeface="仿宋"/>
+                <a:ea typeface="仿宋"/>
+                <a:cs typeface="仿宋"/>
+              </a:rPr>
+              <a:t>根据快照恢复出一个</a:t>
+            </a:r>
+            <a:r>
+              <a:rPr lang="zh-CN" altLang="en-US" sz="1400" dirty="0">
+                <a:latin typeface="仿宋"/>
+                <a:ea typeface="仿宋"/>
+                <a:cs typeface="仿宋"/>
+              </a:rPr>
+              <a:t>新表，恢复过程不涉及数据移动，可以在秒级完成</a:t>
+            </a:r>
+            <a:r>
+              <a:rPr lang="zh-CN" altLang="en-US" sz="1400" dirty="0" smtClean="0">
+                <a:latin typeface="仿宋"/>
+                <a:ea typeface="仿宋"/>
+                <a:cs typeface="仿宋"/>
+              </a:rPr>
+              <a:t>。</a:t>
+            </a:r>
+            <a:endParaRPr lang="en-US" altLang="zh-CN" sz="1400" dirty="0" smtClean="0">
+              <a:latin typeface="仿宋"/>
+              <a:ea typeface="仿宋"/>
+              <a:cs typeface="仿宋"/>
+            </a:endParaRPr>
+          </a:p>
+          <a:p>
+            <a:pPr lvl="1">
+              <a:lnSpc>
+                <a:spcPct val="150000"/>
+              </a:lnSpc>
+            </a:pPr>
+            <a:r>
+              <a:rPr lang="en-US" altLang="zh-CN" sz="1400" dirty="0" err="1" smtClean="0">
+                <a:latin typeface="仿宋"/>
+                <a:ea typeface="仿宋"/>
+                <a:cs typeface="仿宋"/>
+              </a:rPr>
+              <a:t>hbase</a:t>
+            </a:r>
+            <a:r>
+              <a:rPr lang="en-US" altLang="zh-CN" sz="1400" dirty="0">
+                <a:latin typeface="仿宋"/>
+                <a:ea typeface="仿宋"/>
+                <a:cs typeface="仿宋"/>
+              </a:rPr>
+              <a:t>&gt; </a:t>
+            </a:r>
+            <a:r>
+              <a:rPr lang="en-US" altLang="zh-CN" sz="1400" dirty="0" err="1">
+                <a:latin typeface="仿宋"/>
+                <a:ea typeface="仿宋"/>
+                <a:cs typeface="仿宋"/>
+              </a:rPr>
+              <a:t>clone_snapshot</a:t>
+            </a:r>
+            <a:r>
+              <a:rPr lang="en-US" altLang="zh-CN" sz="1400" dirty="0">
+                <a:latin typeface="仿宋"/>
+                <a:ea typeface="仿宋"/>
+                <a:cs typeface="仿宋"/>
+              </a:rPr>
+              <a:t> '</a:t>
+            </a:r>
+            <a:r>
+              <a:rPr lang="en-US" altLang="zh-CN" sz="1400" dirty="0" err="1">
+                <a:latin typeface="仿宋"/>
+                <a:ea typeface="仿宋"/>
+                <a:cs typeface="仿宋"/>
+              </a:rPr>
+              <a:t>snapshotName</a:t>
+            </a:r>
+            <a:r>
+              <a:rPr lang="en-US" altLang="zh-CN" sz="1400" dirty="0">
+                <a:latin typeface="仿宋"/>
+                <a:ea typeface="仿宋"/>
+                <a:cs typeface="仿宋"/>
+              </a:rPr>
+              <a:t>', ‘</a:t>
+            </a:r>
+            <a:r>
+              <a:rPr lang="en-US" altLang="zh-CN" sz="1400" dirty="0" err="1" smtClean="0">
+                <a:latin typeface="仿宋"/>
+                <a:ea typeface="仿宋"/>
+                <a:cs typeface="仿宋"/>
+              </a:rPr>
+              <a:t>tableName</a:t>
+            </a:r>
+            <a:r>
+              <a:rPr lang="en-US" altLang="zh-CN" sz="1400" dirty="0" smtClean="0">
+                <a:latin typeface="仿宋"/>
+                <a:ea typeface="仿宋"/>
+                <a:cs typeface="仿宋"/>
+              </a:rPr>
+              <a:t>’</a:t>
+            </a:r>
+          </a:p>
+          <a:p>
+            <a:pPr marL="285750" indent="-285750">
+              <a:lnSpc>
+                <a:spcPct val="150000"/>
+              </a:lnSpc>
+              <a:buFontTx/>
+              <a:buChar char="-"/>
+            </a:pPr>
+            <a:r>
+              <a:rPr lang="zh-CN" altLang="en-US" sz="1400" dirty="0" smtClean="0">
+                <a:latin typeface="仿宋"/>
+                <a:ea typeface="仿宋"/>
+                <a:cs typeface="仿宋"/>
+              </a:rPr>
+              <a:t>使用</a:t>
+            </a:r>
+            <a:r>
+              <a:rPr lang="en-US" altLang="zh-CN" sz="1400" dirty="0" err="1">
+                <a:latin typeface="仿宋"/>
+                <a:ea typeface="仿宋"/>
+                <a:cs typeface="仿宋"/>
+              </a:rPr>
+              <a:t>ExportSnapshot</a:t>
+            </a:r>
+            <a:r>
+              <a:rPr lang="zh-CN" altLang="en-US" sz="1400" dirty="0">
+                <a:latin typeface="仿宋"/>
+                <a:ea typeface="仿宋"/>
+                <a:cs typeface="仿宋"/>
+              </a:rPr>
+              <a:t>命令可以将</a:t>
+            </a:r>
+            <a:r>
+              <a:rPr lang="en-US" altLang="zh-CN" sz="1400" dirty="0">
+                <a:latin typeface="仿宋"/>
+                <a:ea typeface="仿宋"/>
+                <a:cs typeface="仿宋"/>
+              </a:rPr>
+              <a:t>A</a:t>
+            </a:r>
+            <a:r>
+              <a:rPr lang="zh-CN" altLang="en-US" sz="1400" dirty="0">
+                <a:latin typeface="仿宋"/>
+                <a:ea typeface="仿宋"/>
+                <a:cs typeface="仿宋"/>
+              </a:rPr>
+              <a:t>集群的快照数据迁移到</a:t>
+            </a:r>
+            <a:r>
+              <a:rPr lang="en-US" altLang="zh-CN" sz="1400" dirty="0">
+                <a:latin typeface="仿宋"/>
+                <a:ea typeface="仿宋"/>
+                <a:cs typeface="仿宋"/>
+              </a:rPr>
+              <a:t>B</a:t>
+            </a:r>
+            <a:r>
+              <a:rPr lang="zh-CN" altLang="en-US" sz="1400" dirty="0">
+                <a:latin typeface="仿宋"/>
+                <a:ea typeface="仿宋"/>
+                <a:cs typeface="仿宋"/>
+              </a:rPr>
+              <a:t>集群，</a:t>
+            </a:r>
+            <a:r>
+              <a:rPr lang="en-US" altLang="zh-CN" sz="1400" dirty="0" err="1">
+                <a:latin typeface="仿宋"/>
+                <a:ea typeface="仿宋"/>
+                <a:cs typeface="仿宋"/>
+              </a:rPr>
+              <a:t>ExportSnapshot</a:t>
+            </a:r>
+            <a:r>
+              <a:rPr lang="zh-CN" altLang="en-US" sz="1400" dirty="0">
+                <a:latin typeface="仿宋"/>
+                <a:ea typeface="仿宋"/>
+                <a:cs typeface="仿宋"/>
+              </a:rPr>
               <a:t>是</a:t>
             </a:r>
             <a:r>
-              <a:rPr lang="en-US" altLang="zh-CN" dirty="0" err="1"/>
-              <a:t>HBase</a:t>
-            </a:r>
-            <a:r>
-              <a:rPr lang="zh-CN" altLang="en-US" dirty="0"/>
-              <a:t>非常核心的一个功能，使用</a:t>
-            </a:r>
-            <a:r>
-              <a:rPr lang="en-US" altLang="zh-CN" dirty="0"/>
-              <a:t>snapshot</a:t>
-            </a:r>
-            <a:r>
-              <a:rPr lang="zh-CN" altLang="en-US" dirty="0"/>
-              <a:t>的不同用法可以实现很多功能，比如：</a:t>
-            </a:r>
-            <a:r>
-              <a:rPr lang="en-US" altLang="zh-CN" dirty="0"/>
-              <a:t>1. </a:t>
-            </a:r>
-            <a:r>
-              <a:rPr lang="zh-CN" altLang="en-US" dirty="0"/>
-              <a:t>全量</a:t>
-            </a:r>
-            <a:r>
-              <a:rPr lang="en-US" altLang="zh-CN" dirty="0"/>
-              <a:t>/</a:t>
-            </a:r>
-            <a:r>
-              <a:rPr lang="zh-CN" altLang="en-US" dirty="0"/>
-              <a:t>增量备份：任何数据库都需要有备份的功能来实现数据的高可靠性，</a:t>
-            </a:r>
-            <a:r>
-              <a:rPr lang="en-US" altLang="zh-CN" dirty="0"/>
-              <a:t>snapshot</a:t>
-            </a:r>
-            <a:r>
-              <a:rPr lang="zh-CN" altLang="en-US" dirty="0"/>
-              <a:t>可以非常方便的实现表的在线备份功能，并且对在线业务请求影响非常小。使用备份数据，用户可以在异常发生的情况下快速回滚到指定快照点。增量备份会在全量备份的基础上使用</a:t>
-            </a:r>
-            <a:r>
-              <a:rPr lang="en-US" altLang="zh-CN" dirty="0" err="1"/>
-              <a:t>binlog</a:t>
-            </a:r>
-            <a:r>
-              <a:rPr lang="zh-CN" altLang="en-US" dirty="0"/>
-              <a:t>进行周期性的增量备份。</a:t>
-            </a:r>
-            <a:r>
-              <a:rPr lang="en-US" altLang="zh-CN" dirty="0"/>
-              <a:t>- </a:t>
-            </a:r>
-            <a:r>
-              <a:rPr lang="zh-CN" altLang="en-US" dirty="0"/>
-              <a:t>使用场景一：通常情况下，对重要的业务数据，建议至少每天执行一次</a:t>
-            </a:r>
-            <a:r>
-              <a:rPr lang="en-US" altLang="zh-CN" dirty="0"/>
-              <a:t>snapshot</a:t>
-            </a:r>
-            <a:r>
-              <a:rPr lang="zh-CN" altLang="en-US" dirty="0"/>
-              <a:t>来保存数据的快照记录，并且定期清理过期快照，这样如果业务发生重要错误需要回滚的话是可以回滚到之前的一个快照点的。</a:t>
-            </a:r>
-            <a:r>
-              <a:rPr lang="en-US" altLang="zh-CN" dirty="0"/>
-              <a:t>- </a:t>
-            </a:r>
-            <a:r>
-              <a:rPr lang="zh-CN" altLang="en-US" dirty="0"/>
-              <a:t>使用场景二：如果要对集群做重大的升级的话，建议升级前对重要的表执行一次</a:t>
-            </a:r>
-            <a:r>
-              <a:rPr lang="en-US" altLang="zh-CN" dirty="0"/>
-              <a:t>snapshot</a:t>
-            </a:r>
-            <a:r>
-              <a:rPr lang="zh-CN" altLang="en-US" dirty="0"/>
-              <a:t>，一旦升级有任何异常可以快速回滚到升级前。       </a:t>
-            </a:r>
-            <a:r>
-              <a:rPr lang="en-US" altLang="zh-CN" dirty="0"/>
-              <a:t>2. </a:t>
-            </a:r>
-            <a:r>
-              <a:rPr lang="zh-CN" altLang="en-US" dirty="0"/>
-              <a:t>数据迁移：可以使用</a:t>
-            </a:r>
-            <a:r>
-              <a:rPr lang="en-US" altLang="zh-CN" dirty="0" err="1"/>
+              <a:rPr lang="en-US" altLang="zh-CN" sz="1400" dirty="0">
+                <a:latin typeface="仿宋"/>
+                <a:ea typeface="仿宋"/>
+                <a:cs typeface="仿宋"/>
+              </a:rPr>
+              <a:t>HDFS</a:t>
+            </a:r>
+            <a:r>
+              <a:rPr lang="zh-CN" altLang="en-US" sz="1400" dirty="0">
+                <a:latin typeface="仿宋"/>
+                <a:ea typeface="仿宋"/>
+                <a:cs typeface="仿宋"/>
+              </a:rPr>
+              <a:t>层面的操作，会使用</a:t>
+            </a:r>
+            <a:r>
+              <a:rPr lang="en-US" altLang="zh-CN" sz="1400" dirty="0">
+                <a:latin typeface="仿宋"/>
+                <a:ea typeface="仿宋"/>
+                <a:cs typeface="仿宋"/>
+              </a:rPr>
+              <a:t>MR</a:t>
+            </a:r>
+            <a:r>
+              <a:rPr lang="zh-CN" altLang="en-US" sz="1400" dirty="0">
+                <a:latin typeface="仿宋"/>
+                <a:ea typeface="仿宋"/>
+                <a:cs typeface="仿宋"/>
+              </a:rPr>
+              <a:t>进行数据的并行迁移，因此需要在开启</a:t>
+            </a:r>
+            <a:r>
+              <a:rPr lang="en-US" altLang="zh-CN" sz="1400" dirty="0">
+                <a:latin typeface="仿宋"/>
+                <a:ea typeface="仿宋"/>
+                <a:cs typeface="仿宋"/>
+              </a:rPr>
+              <a:t>MR</a:t>
+            </a:r>
+            <a:r>
+              <a:rPr lang="zh-CN" altLang="en-US" sz="1400" dirty="0">
+                <a:latin typeface="仿宋"/>
+                <a:ea typeface="仿宋"/>
+                <a:cs typeface="仿宋"/>
+              </a:rPr>
+              <a:t>的机器上进行迁移。</a:t>
+            </a:r>
+            <a:r>
+              <a:rPr lang="en-US" altLang="zh-CN" sz="1400" dirty="0" err="1">
+                <a:latin typeface="仿宋"/>
+                <a:ea typeface="仿宋"/>
+                <a:cs typeface="仿宋"/>
+              </a:rPr>
+              <a:t>HMaster</a:t>
+            </a:r>
+            <a:r>
+              <a:rPr lang="zh-CN" altLang="en-US" sz="1400" dirty="0">
+                <a:latin typeface="仿宋"/>
+                <a:ea typeface="仿宋"/>
+                <a:cs typeface="仿宋"/>
+              </a:rPr>
+              <a:t>和</a:t>
+            </a:r>
+            <a:r>
+              <a:rPr lang="en-US" altLang="zh-CN" sz="1400" dirty="0" err="1">
+                <a:latin typeface="仿宋"/>
+                <a:ea typeface="仿宋"/>
+                <a:cs typeface="仿宋"/>
+              </a:rPr>
+              <a:t>HRegionServer</a:t>
+            </a:r>
+            <a:r>
+              <a:rPr lang="zh-CN" altLang="en-US" sz="1400" dirty="0">
+                <a:latin typeface="仿宋"/>
+                <a:ea typeface="仿宋"/>
+                <a:cs typeface="仿宋"/>
+              </a:rPr>
+              <a:t>并不参与这个过程，因此不会带来额外的内存开销以及</a:t>
+            </a:r>
+            <a:r>
+              <a:rPr lang="en-US" altLang="zh-CN" sz="1400" dirty="0">
+                <a:latin typeface="仿宋"/>
+                <a:ea typeface="仿宋"/>
+                <a:cs typeface="仿宋"/>
+              </a:rPr>
+              <a:t>GC</a:t>
+            </a:r>
+            <a:r>
+              <a:rPr lang="zh-CN" altLang="en-US" sz="1400" dirty="0">
+                <a:latin typeface="仿宋"/>
+                <a:ea typeface="仿宋"/>
+                <a:cs typeface="仿宋"/>
+              </a:rPr>
+              <a:t>开销。唯一的影响是</a:t>
+            </a:r>
+            <a:r>
+              <a:rPr lang="en-US" altLang="zh-CN" sz="1400" dirty="0">
+                <a:latin typeface="仿宋"/>
+                <a:ea typeface="仿宋"/>
+                <a:cs typeface="仿宋"/>
+              </a:rPr>
+              <a:t>DN</a:t>
+            </a:r>
+            <a:r>
+              <a:rPr lang="zh-CN" altLang="en-US" sz="1400" dirty="0">
+                <a:latin typeface="仿宋"/>
+                <a:ea typeface="仿宋"/>
+                <a:cs typeface="仿宋"/>
+              </a:rPr>
+              <a:t>在拷贝数据的时候需要额外的带宽以及</a:t>
+            </a:r>
+            <a:r>
+              <a:rPr lang="en-US" altLang="zh-CN" sz="1400" dirty="0">
+                <a:latin typeface="仿宋"/>
+                <a:ea typeface="仿宋"/>
+                <a:cs typeface="仿宋"/>
+              </a:rPr>
+              <a:t>IO</a:t>
+            </a:r>
+            <a:r>
+              <a:rPr lang="zh-CN" altLang="en-US" sz="1400" dirty="0">
+                <a:latin typeface="仿宋"/>
+                <a:ea typeface="仿宋"/>
+                <a:cs typeface="仿宋"/>
+              </a:rPr>
+              <a:t>负载，</a:t>
+            </a:r>
+            <a:r>
+              <a:rPr lang="en-US" altLang="zh-CN" sz="1400" dirty="0" err="1">
+                <a:latin typeface="仿宋"/>
+                <a:ea typeface="仿宋"/>
+                <a:cs typeface="仿宋"/>
+              </a:rPr>
               <a:t>ExportSnapshot</a:t>
             </a:r>
             <a:r>
-              <a:rPr lang="zh-CN" altLang="en-US" dirty="0"/>
-              <a:t>功能将快照导出到另一个集群，实现数据的迁移</a:t>
-            </a:r>
-            <a:r>
-              <a:rPr lang="en-US" altLang="zh-CN" dirty="0"/>
-              <a:t>- </a:t>
-            </a:r>
-            <a:r>
-              <a:rPr lang="zh-CN" altLang="en-US" dirty="0"/>
-              <a:t>使用场景一：机房在线迁移，通常情况是数据在</a:t>
-            </a:r>
-            <a:r>
-              <a:rPr lang="en-US" altLang="zh-CN" dirty="0"/>
-              <a:t>A</a:t>
-            </a:r>
-            <a:r>
-              <a:rPr lang="zh-CN" altLang="en-US" dirty="0"/>
-              <a:t>机房，因为</a:t>
-            </a:r>
-            <a:r>
-              <a:rPr lang="en-US" altLang="zh-CN" dirty="0"/>
-              <a:t>A</a:t>
-            </a:r>
-            <a:r>
-              <a:rPr lang="zh-CN" altLang="en-US" dirty="0"/>
-              <a:t>机房机位不够或者机架不够需要将整个集群迁移到另一个容量更大的</a:t>
-            </a:r>
-            <a:r>
-              <a:rPr lang="en-US" altLang="zh-CN" dirty="0"/>
-              <a:t>B</a:t>
-            </a:r>
-            <a:r>
-              <a:rPr lang="zh-CN" altLang="en-US" dirty="0"/>
-              <a:t>集群，而且在迁移过程中不能停服。基本迁移思路是先使用</a:t>
-            </a:r>
-            <a:r>
-              <a:rPr lang="en-US" altLang="zh-CN" dirty="0"/>
-              <a:t>snapshot</a:t>
-            </a:r>
-            <a:r>
-              <a:rPr lang="zh-CN" altLang="en-US" dirty="0"/>
-              <a:t>在</a:t>
-            </a:r>
-            <a:r>
-              <a:rPr lang="en-US" altLang="zh-CN" dirty="0"/>
-              <a:t>B</a:t>
-            </a:r>
-            <a:r>
-              <a:rPr lang="zh-CN" altLang="en-US" dirty="0"/>
-              <a:t>集群恢复出一个全量数据，再使用</a:t>
-            </a:r>
-            <a:r>
-              <a:rPr lang="en-US" altLang="zh-CN" dirty="0"/>
-              <a:t>replication</a:t>
-            </a:r>
-            <a:r>
-              <a:rPr lang="zh-CN" altLang="en-US" dirty="0"/>
-              <a:t>技术增量复制</a:t>
-            </a:r>
-            <a:r>
-              <a:rPr lang="en-US" altLang="zh-CN" dirty="0"/>
-              <a:t>A</a:t>
-            </a:r>
-            <a:r>
-              <a:rPr lang="zh-CN" altLang="en-US" dirty="0"/>
-              <a:t>集群的更新数据，等待两个集群数据一致之后将客户端请求重定向到</a:t>
-            </a:r>
-            <a:r>
-              <a:rPr lang="en-US" altLang="zh-CN" dirty="0"/>
-              <a:t>B</a:t>
-            </a:r>
-            <a:r>
-              <a:rPr lang="zh-CN" altLang="en-US" dirty="0"/>
-              <a:t>机房。具体步骤可以参考：</a:t>
-            </a:r>
-            <a:r>
-              <a:rPr lang="en-US" altLang="zh-CN" dirty="0"/>
-              <a:t>https://www.cloudera.com/documentation/enterprise/5-5-x/topics/cdh_bdr_hbase_replication.html#topic_20_11_7- </a:t>
-            </a:r>
-            <a:r>
-              <a:rPr lang="zh-CN" altLang="en-US" dirty="0"/>
-              <a:t>使用场景二：使用</a:t>
-            </a:r>
-            <a:r>
-              <a:rPr lang="en-US" altLang="zh-CN" dirty="0"/>
-              <a:t>snapshot</a:t>
-            </a:r>
-            <a:r>
-              <a:rPr lang="zh-CN" altLang="en-US" dirty="0"/>
-              <a:t>将表数据导出到</a:t>
-            </a:r>
-            <a:r>
-              <a:rPr lang="en-US" altLang="zh-CN" dirty="0"/>
-              <a:t>HDFS</a:t>
-            </a:r>
-            <a:r>
-              <a:rPr lang="zh-CN" altLang="en-US" dirty="0"/>
-              <a:t>，再使用</a:t>
-            </a:r>
-            <a:r>
-              <a:rPr lang="en-US" altLang="zh-CN" dirty="0"/>
-              <a:t>Hive\Spark</a:t>
-            </a:r>
-            <a:r>
-              <a:rPr lang="zh-CN" altLang="en-US" dirty="0"/>
-              <a:t>等进行离线</a:t>
-            </a:r>
-            <a:r>
-              <a:rPr lang="en-US" altLang="zh-CN" dirty="0"/>
-              <a:t>OLAP</a:t>
-            </a:r>
-            <a:r>
-              <a:rPr lang="zh-CN" altLang="en-US" dirty="0"/>
-              <a:t>分析，比如审计报表、月度报表等</a:t>
-            </a:r>
+              <a:rPr lang="zh-CN" altLang="en-US" sz="1400" dirty="0">
+                <a:latin typeface="仿宋"/>
+                <a:ea typeface="仿宋"/>
+                <a:cs typeface="仿宋"/>
+              </a:rPr>
+              <a:t>也针对这个问题设置了参数</a:t>
+            </a:r>
+            <a:r>
+              <a:rPr lang="en-US" altLang="zh-CN" sz="1400" dirty="0">
+                <a:latin typeface="仿宋"/>
+                <a:ea typeface="仿宋"/>
+                <a:cs typeface="仿宋"/>
+              </a:rPr>
+              <a:t>-bandwidth</a:t>
+            </a:r>
+            <a:r>
+              <a:rPr lang="zh-CN" altLang="en-US" sz="1400" dirty="0">
+                <a:latin typeface="仿宋"/>
+                <a:ea typeface="仿宋"/>
+                <a:cs typeface="仿宋"/>
+              </a:rPr>
+              <a:t>来限制带宽的使用。    </a:t>
+            </a:r>
+            <a:endParaRPr lang="en-US" altLang="zh-CN" sz="1400" dirty="0" smtClean="0">
+              <a:latin typeface="仿宋"/>
+              <a:ea typeface="仿宋"/>
+              <a:cs typeface="仿宋"/>
+            </a:endParaRPr>
+          </a:p>
+          <a:p>
+            <a:pPr lvl="1">
+              <a:lnSpc>
+                <a:spcPct val="150000"/>
+              </a:lnSpc>
+            </a:pPr>
+            <a:r>
+              <a:rPr lang="en-US" altLang="zh-CN" sz="1400" dirty="0" err="1" smtClean="0">
+                <a:latin typeface="仿宋"/>
+                <a:ea typeface="仿宋"/>
+                <a:cs typeface="仿宋"/>
+              </a:rPr>
+              <a:t>hbase</a:t>
+            </a:r>
+            <a:r>
+              <a:rPr lang="en-US" altLang="zh-CN" sz="1400" dirty="0" smtClean="0">
+                <a:latin typeface="仿宋"/>
+                <a:ea typeface="仿宋"/>
+                <a:cs typeface="仿宋"/>
+              </a:rPr>
+              <a:t> </a:t>
+            </a:r>
+            <a:r>
+              <a:rPr lang="en-US" altLang="zh-CN" sz="1400" dirty="0" err="1">
+                <a:latin typeface="仿宋"/>
+                <a:ea typeface="仿宋"/>
+                <a:cs typeface="仿宋"/>
+              </a:rPr>
+              <a:t>org.apache.hadoop.hbase.snapshot.ExportSnapshot</a:t>
+            </a:r>
+            <a:r>
+              <a:rPr lang="en-US" altLang="zh-CN" sz="1400" dirty="0">
+                <a:latin typeface="仿宋"/>
+                <a:ea typeface="仿宋"/>
+                <a:cs typeface="仿宋"/>
+              </a:rPr>
+              <a:t> </a:t>
+            </a:r>
+            <a:r>
+              <a:rPr lang="en-US" altLang="zh-CN" sz="1400" dirty="0" smtClean="0">
+                <a:latin typeface="仿宋"/>
+                <a:ea typeface="仿宋"/>
+                <a:cs typeface="仿宋"/>
+              </a:rPr>
+              <a:t>        </a:t>
+            </a:r>
+            <a:r>
+              <a:rPr lang="en-US" altLang="zh-CN" sz="1400" dirty="0">
+                <a:latin typeface="仿宋"/>
+                <a:ea typeface="仿宋"/>
+                <a:cs typeface="仿宋"/>
+              </a:rPr>
+              <a:t>-snapshot </a:t>
+            </a:r>
+            <a:r>
+              <a:rPr lang="en-US" altLang="zh-CN" sz="1400" dirty="0" err="1">
+                <a:latin typeface="仿宋"/>
+                <a:ea typeface="仿宋"/>
+                <a:cs typeface="仿宋"/>
+              </a:rPr>
+              <a:t>MySnapshot</a:t>
+            </a:r>
+            <a:r>
+              <a:rPr lang="en-US" altLang="zh-CN" sz="1400" dirty="0">
+                <a:latin typeface="仿宋"/>
+                <a:ea typeface="仿宋"/>
+                <a:cs typeface="仿宋"/>
+              </a:rPr>
+              <a:t> -copy-from hdfs://srv2:8082/</a:t>
+            </a:r>
+            <a:r>
+              <a:rPr lang="en-US" altLang="zh-CN" sz="1400" dirty="0" err="1">
+                <a:latin typeface="仿宋"/>
+                <a:ea typeface="仿宋"/>
+                <a:cs typeface="仿宋"/>
+              </a:rPr>
+              <a:t>hbase</a:t>
+            </a:r>
+            <a:r>
+              <a:rPr lang="en-US" altLang="zh-CN" sz="1400" dirty="0">
+                <a:latin typeface="仿宋"/>
+                <a:ea typeface="仿宋"/>
+                <a:cs typeface="仿宋"/>
+              </a:rPr>
+              <a:t> </a:t>
+            </a:r>
+            <a:r>
+              <a:rPr lang="en-US" altLang="zh-CN" sz="1400" dirty="0" smtClean="0">
+                <a:latin typeface="仿宋"/>
+                <a:ea typeface="仿宋"/>
+                <a:cs typeface="仿宋"/>
+              </a:rPr>
+              <a:t>        </a:t>
+            </a:r>
+            <a:r>
+              <a:rPr lang="en-US" altLang="zh-CN" sz="1400" dirty="0">
+                <a:latin typeface="仿宋"/>
+                <a:ea typeface="仿宋"/>
+                <a:cs typeface="仿宋"/>
+              </a:rPr>
+              <a:t>-copy-to hdfs://srv1:50070/hbase -mappers 16 -bandwidth  </a:t>
+            </a:r>
+            <a:r>
+              <a:rPr lang="en-US" altLang="zh-CN" sz="1400" dirty="0" smtClean="0">
+                <a:latin typeface="仿宋"/>
+                <a:ea typeface="仿宋"/>
+                <a:cs typeface="仿宋"/>
+              </a:rPr>
+              <a:t>1024</a:t>
+            </a:r>
+            <a:endParaRPr lang="zh-CN" altLang="en-US" sz="1400" dirty="0">
+              <a:latin typeface="仿宋"/>
+              <a:ea typeface="仿宋"/>
+              <a:cs typeface="仿宋"/>
+            </a:endParaRPr>
           </a:p>
         </p:txBody>
       </p:sp>
     </p:spTree>
     <p:extLst>
       <p:ext uri="{BB962C8B-B14F-4D97-AF65-F5344CB8AC3E}">
-        <p14:creationId xmlns:p14="http://schemas.microsoft.com/office/powerpoint/2010/main" val="346614126"/>
+        <p14:creationId xmlns:p14="http://schemas.microsoft.com/office/powerpoint/2010/main" val="764204804"/>
       </p:ext>
     </p:extLst>
   </p:cSld>
@@ -29352,408 +31285,6 @@
       </p:par>
     </p:tnLst>
   </p:timing>
-</p:sld>
-</file>
-
-<file path=ppt/slides/slide60.xml><?xml version="1.0" encoding="utf-8"?>
-<p:sld xmlns:a="http://schemas.openxmlformats.org/drawingml/2006/main" xmlns:r="http://schemas.openxmlformats.org/officeDocument/2006/relationships" xmlns:p="http://schemas.openxmlformats.org/presentationml/2006/main">
-  <p:cSld>
-    <p:spTree>
-      <p:nvGrpSpPr>
-        <p:cNvPr id="1" name=""/>
-        <p:cNvGrpSpPr/>
-        <p:nvPr/>
-      </p:nvGrpSpPr>
-      <p:grpSpPr>
-        <a:xfrm>
-          <a:off x="0" y="0"/>
-          <a:ext cx="0" cy="0"/>
-          <a:chOff x="0" y="0"/>
-          <a:chExt cx="0" cy="0"/>
-        </a:xfrm>
-      </p:grpSpPr>
-      <p:sp>
-        <p:nvSpPr>
-          <p:cNvPr id="2" name="标题 1"/>
-          <p:cNvSpPr>
-            <a:spLocks noGrp="1"/>
-          </p:cNvSpPr>
-          <p:nvPr>
-            <p:ph type="title"/>
-          </p:nvPr>
-        </p:nvSpPr>
-        <p:spPr/>
-        <p:txBody>
-          <a:bodyPr/>
-          <a:lstStyle/>
-          <a:p>
-            <a:endParaRPr lang="zh-CN" altLang="en-US"/>
-          </a:p>
-        </p:txBody>
-      </p:sp>
-      <p:sp>
-        <p:nvSpPr>
-          <p:cNvPr id="4" name="矩形 3"/>
-          <p:cNvSpPr/>
-          <p:nvPr/>
-        </p:nvSpPr>
-        <p:spPr>
-          <a:xfrm>
-            <a:off x="911766" y="1490569"/>
-            <a:ext cx="9303388" cy="4247317"/>
-          </a:xfrm>
-          <a:prstGeom prst="rect">
-            <a:avLst/>
-          </a:prstGeom>
-        </p:spPr>
-        <p:txBody>
-          <a:bodyPr wrap="square">
-            <a:spAutoFit/>
-          </a:bodyPr>
-          <a:lstStyle/>
-          <a:p>
-            <a:r>
-              <a:rPr lang="en-US" altLang="zh-CN" dirty="0" err="1"/>
-              <a:t>hbase</a:t>
-            </a:r>
-            <a:r>
-              <a:rPr lang="en-US" altLang="zh-CN" dirty="0"/>
-              <a:t> snapshot</a:t>
-            </a:r>
-            <a:r>
-              <a:rPr lang="zh-CN" altLang="en-US" dirty="0"/>
-              <a:t>用法大全</a:t>
-            </a:r>
-            <a:r>
-              <a:rPr lang="en-US" altLang="zh-CN" dirty="0"/>
-              <a:t>snapshot</a:t>
-            </a:r>
-            <a:r>
-              <a:rPr lang="zh-CN" altLang="en-US" dirty="0"/>
-              <a:t>最常用的命令有</a:t>
-            </a:r>
-            <a:r>
-              <a:rPr lang="en-US" altLang="zh-CN" dirty="0"/>
-              <a:t>snapshot</a:t>
-            </a:r>
-            <a:r>
-              <a:rPr lang="zh-CN" altLang="en-US" dirty="0"/>
-              <a:t>、</a:t>
-            </a:r>
-            <a:r>
-              <a:rPr lang="en-US" altLang="zh-CN" dirty="0" err="1"/>
-              <a:t>restore_snapshot</a:t>
-            </a:r>
-            <a:r>
-              <a:rPr lang="zh-CN" altLang="en-US" dirty="0"/>
-              <a:t>、</a:t>
-            </a:r>
-            <a:r>
-              <a:rPr lang="en-US" altLang="zh-CN" dirty="0" err="1"/>
-              <a:t>clone_snapshot</a:t>
-            </a:r>
-            <a:r>
-              <a:rPr lang="zh-CN" altLang="en-US" dirty="0"/>
-              <a:t>以及</a:t>
-            </a:r>
-            <a:r>
-              <a:rPr lang="en-US" altLang="zh-CN" dirty="0" err="1"/>
-              <a:t>ExportSnapshot</a:t>
-            </a:r>
-            <a:r>
-              <a:rPr lang="zh-CN" altLang="en-US" dirty="0"/>
-              <a:t>这个工具，具体使用方法如下：</a:t>
-            </a:r>
-            <a:r>
-              <a:rPr lang="en-US" altLang="zh-CN" dirty="0"/>
-              <a:t>- </a:t>
-            </a:r>
-            <a:r>
-              <a:rPr lang="zh-CN" altLang="en-US" dirty="0"/>
-              <a:t>为表’</a:t>
-            </a:r>
-            <a:r>
-              <a:rPr lang="en-US" altLang="zh-CN" dirty="0" err="1"/>
-              <a:t>sourceTable</a:t>
-            </a:r>
-            <a:r>
-              <a:rPr lang="en-US" altLang="zh-CN" dirty="0"/>
-              <a:t>’</a:t>
-            </a:r>
-            <a:r>
-              <a:rPr lang="zh-CN" altLang="en-US" dirty="0"/>
-              <a:t>打一个快照’</a:t>
-            </a:r>
-            <a:r>
-              <a:rPr lang="en-US" altLang="zh-CN" dirty="0" err="1"/>
-              <a:t>snapshotName</a:t>
-            </a:r>
-            <a:r>
-              <a:rPr lang="en-US" altLang="zh-CN" dirty="0"/>
-              <a:t>’</a:t>
-            </a:r>
-            <a:r>
-              <a:rPr lang="zh-CN" altLang="en-US" dirty="0"/>
-              <a:t>，快照并不涉及数据移动，可以在线完成。    </a:t>
-            </a:r>
-            <a:r>
-              <a:rPr lang="en-US" altLang="zh-CN" dirty="0" err="1"/>
-              <a:t>hbase</a:t>
-            </a:r>
-            <a:r>
-              <a:rPr lang="en-US" altLang="zh-CN" dirty="0"/>
-              <a:t>&gt; snapshot '</a:t>
-            </a:r>
-            <a:r>
-              <a:rPr lang="en-US" altLang="zh-CN" dirty="0" err="1"/>
-              <a:t>sourceTable</a:t>
-            </a:r>
-            <a:r>
-              <a:rPr lang="en-US" altLang="zh-CN" dirty="0"/>
-              <a:t>', ‘</a:t>
-            </a:r>
-            <a:r>
-              <a:rPr lang="en-US" altLang="zh-CN" dirty="0" err="1"/>
-              <a:t>snapshotName</a:t>
-            </a:r>
-            <a:r>
-              <a:rPr lang="en-US" altLang="zh-CN" dirty="0"/>
-              <a:t>'- </a:t>
-            </a:r>
-            <a:r>
-              <a:rPr lang="zh-CN" altLang="en-US" dirty="0"/>
-              <a:t>恢复指定快照，恢复过程会替代原有数据，将表还原到快照点，快照点之后的所有更新将会丢失。需要注意的是原表需要先</a:t>
-            </a:r>
-            <a:r>
-              <a:rPr lang="en-US" altLang="zh-CN" dirty="0"/>
-              <a:t>disable</a:t>
-            </a:r>
-            <a:r>
-              <a:rPr lang="zh-CN" altLang="en-US" dirty="0"/>
-              <a:t>掉，才能执行</a:t>
-            </a:r>
-            <a:r>
-              <a:rPr lang="en-US" altLang="zh-CN" dirty="0" err="1"/>
-              <a:t>restore_snapshot</a:t>
-            </a:r>
-            <a:r>
-              <a:rPr lang="zh-CN" altLang="en-US" dirty="0"/>
-              <a:t>操作。    </a:t>
-            </a:r>
-            <a:r>
-              <a:rPr lang="en-US" altLang="zh-CN" dirty="0" err="1"/>
-              <a:t>hbase</a:t>
-            </a:r>
-            <a:r>
-              <a:rPr lang="en-US" altLang="zh-CN" dirty="0"/>
-              <a:t>&gt; </a:t>
-            </a:r>
-            <a:r>
-              <a:rPr lang="en-US" altLang="zh-CN" dirty="0" err="1"/>
-              <a:t>restore_snapshot</a:t>
-            </a:r>
-            <a:r>
-              <a:rPr lang="en-US" altLang="zh-CN" dirty="0"/>
-              <a:t> ‘</a:t>
-            </a:r>
-            <a:r>
-              <a:rPr lang="en-US" altLang="zh-CN" dirty="0" err="1"/>
-              <a:t>snapshotName</a:t>
-            </a:r>
-            <a:r>
-              <a:rPr lang="en-US" altLang="zh-CN" dirty="0"/>
-              <a:t>'- </a:t>
-            </a:r>
-            <a:r>
-              <a:rPr lang="zh-CN" altLang="en-US" dirty="0"/>
-              <a:t>根据快照恢复出一个新表，恢复过程不涉及数据移动，可以在秒级完成。很好奇是怎么做的吧，且听下文分解。    </a:t>
-            </a:r>
-            <a:r>
-              <a:rPr lang="en-US" altLang="zh-CN" dirty="0" err="1"/>
-              <a:t>hbase</a:t>
-            </a:r>
-            <a:r>
-              <a:rPr lang="en-US" altLang="zh-CN" dirty="0"/>
-              <a:t>&gt; </a:t>
-            </a:r>
-            <a:r>
-              <a:rPr lang="en-US" altLang="zh-CN" dirty="0" err="1"/>
-              <a:t>clone_snapshot</a:t>
-            </a:r>
-            <a:r>
-              <a:rPr lang="en-US" altLang="zh-CN" dirty="0"/>
-              <a:t> '</a:t>
-            </a:r>
-            <a:r>
-              <a:rPr lang="en-US" altLang="zh-CN" dirty="0" err="1"/>
-              <a:t>snapshotName</a:t>
-            </a:r>
-            <a:r>
-              <a:rPr lang="en-US" altLang="zh-CN" dirty="0"/>
-              <a:t>', ‘</a:t>
-            </a:r>
-            <a:r>
-              <a:rPr lang="en-US" altLang="zh-CN" dirty="0" err="1"/>
-              <a:t>tableName</a:t>
-            </a:r>
-            <a:r>
-              <a:rPr lang="en-US" altLang="zh-CN" dirty="0"/>
-              <a:t>'- </a:t>
-            </a:r>
-            <a:r>
-              <a:rPr lang="zh-CN" altLang="en-US" dirty="0"/>
-              <a:t>使用</a:t>
-            </a:r>
-            <a:r>
-              <a:rPr lang="en-US" altLang="zh-CN" dirty="0" err="1"/>
-              <a:t>ExportSnapshot</a:t>
-            </a:r>
-            <a:r>
-              <a:rPr lang="zh-CN" altLang="en-US" dirty="0"/>
-              <a:t>命令可以将</a:t>
-            </a:r>
-            <a:r>
-              <a:rPr lang="en-US" altLang="zh-CN" dirty="0"/>
-              <a:t>A</a:t>
-            </a:r>
-            <a:r>
-              <a:rPr lang="zh-CN" altLang="en-US" dirty="0"/>
-              <a:t>集群的快照数据迁移到</a:t>
-            </a:r>
-            <a:r>
-              <a:rPr lang="en-US" altLang="zh-CN" dirty="0"/>
-              <a:t>B</a:t>
-            </a:r>
-            <a:r>
-              <a:rPr lang="zh-CN" altLang="en-US" dirty="0"/>
-              <a:t>集群，</a:t>
-            </a:r>
-            <a:r>
-              <a:rPr lang="en-US" altLang="zh-CN" dirty="0" err="1"/>
-              <a:t>ExportSnapshot</a:t>
-            </a:r>
-            <a:r>
-              <a:rPr lang="zh-CN" altLang="en-US" dirty="0"/>
-              <a:t>是</a:t>
-            </a:r>
-            <a:r>
-              <a:rPr lang="en-US" altLang="zh-CN" dirty="0"/>
-              <a:t>HDFS</a:t>
-            </a:r>
-            <a:r>
-              <a:rPr lang="zh-CN" altLang="en-US" dirty="0"/>
-              <a:t>层面的操作，会使用</a:t>
-            </a:r>
-            <a:r>
-              <a:rPr lang="en-US" altLang="zh-CN" dirty="0"/>
-              <a:t>MR</a:t>
-            </a:r>
-            <a:r>
-              <a:rPr lang="zh-CN" altLang="en-US" dirty="0"/>
-              <a:t>进行数据的并行迁移，因此需要在开启</a:t>
-            </a:r>
-            <a:r>
-              <a:rPr lang="en-US" altLang="zh-CN" dirty="0"/>
-              <a:t>MR</a:t>
-            </a:r>
-            <a:r>
-              <a:rPr lang="zh-CN" altLang="en-US" dirty="0"/>
-              <a:t>的机器上进行迁移。</a:t>
-            </a:r>
-            <a:r>
-              <a:rPr lang="en-US" altLang="zh-CN" dirty="0" err="1"/>
-              <a:t>HMaster</a:t>
-            </a:r>
-            <a:r>
-              <a:rPr lang="zh-CN" altLang="en-US" dirty="0"/>
-              <a:t>和</a:t>
-            </a:r>
-            <a:r>
-              <a:rPr lang="en-US" altLang="zh-CN" dirty="0" err="1"/>
-              <a:t>HRegionServer</a:t>
-            </a:r>
-            <a:r>
-              <a:rPr lang="zh-CN" altLang="en-US" dirty="0"/>
-              <a:t>并不参与这个过程，因此不会带来额外的内存开销以及</a:t>
-            </a:r>
-            <a:r>
-              <a:rPr lang="en-US" altLang="zh-CN" dirty="0"/>
-              <a:t>GC</a:t>
-            </a:r>
-            <a:r>
-              <a:rPr lang="zh-CN" altLang="en-US" dirty="0"/>
-              <a:t>开销。唯一的影响是</a:t>
-            </a:r>
-            <a:r>
-              <a:rPr lang="en-US" altLang="zh-CN" dirty="0"/>
-              <a:t>DN</a:t>
-            </a:r>
-            <a:r>
-              <a:rPr lang="zh-CN" altLang="en-US" dirty="0"/>
-              <a:t>在拷贝数据的时候需要额外的带宽以及</a:t>
-            </a:r>
-            <a:r>
-              <a:rPr lang="en-US" altLang="zh-CN" dirty="0"/>
-              <a:t>IO</a:t>
-            </a:r>
-            <a:r>
-              <a:rPr lang="zh-CN" altLang="en-US" dirty="0"/>
-              <a:t>负载，</a:t>
-            </a:r>
-            <a:r>
-              <a:rPr lang="en-US" altLang="zh-CN" dirty="0" err="1"/>
-              <a:t>ExportSnapshot</a:t>
-            </a:r>
-            <a:r>
-              <a:rPr lang="zh-CN" altLang="en-US" dirty="0"/>
-              <a:t>也针对这个问题设置了参数</a:t>
-            </a:r>
-            <a:r>
-              <a:rPr lang="en-US" altLang="zh-CN" dirty="0"/>
-              <a:t>-bandwidth</a:t>
-            </a:r>
-            <a:r>
-              <a:rPr lang="zh-CN" altLang="en-US" dirty="0"/>
-              <a:t>来限制带宽的使用。    </a:t>
-            </a:r>
-            <a:r>
-              <a:rPr lang="en-US" altLang="zh-CN" dirty="0" err="1"/>
-              <a:t>hbase</a:t>
-            </a:r>
-            <a:r>
-              <a:rPr lang="en-US" altLang="zh-CN" dirty="0"/>
-              <a:t> </a:t>
-            </a:r>
-            <a:r>
-              <a:rPr lang="en-US" altLang="zh-CN" dirty="0" err="1"/>
-              <a:t>org.apache.hadoop.hbase.snapshot.ExportSnapshot</a:t>
-            </a:r>
-            <a:r>
-              <a:rPr lang="en-US" altLang="zh-CN" dirty="0"/>
-              <a:t> \        -snapshot </a:t>
-            </a:r>
-            <a:r>
-              <a:rPr lang="en-US" altLang="zh-CN" dirty="0" err="1"/>
-              <a:t>MySnapshot</a:t>
-            </a:r>
-            <a:r>
-              <a:rPr lang="en-US" altLang="zh-CN" dirty="0"/>
-              <a:t> -copy-from hdfs://srv2:8082/hbase \        -copy-to hdfs://srv1:50070/hbase -mappers 16 -bandwidth  1024\</a:t>
-            </a:r>
-            <a:endParaRPr lang="zh-CN" altLang="en-US" dirty="0"/>
-          </a:p>
-        </p:txBody>
-      </p:sp>
-    </p:spTree>
-    <p:extLst>
-      <p:ext uri="{BB962C8B-B14F-4D97-AF65-F5344CB8AC3E}">
-        <p14:creationId xmlns:p14="http://schemas.microsoft.com/office/powerpoint/2010/main" val="764204804"/>
-      </p:ext>
-    </p:extLst>
-  </p:cSld>
-  <p:clrMapOvr>
-    <a:masterClrMapping/>
-  </p:clrMapOvr>
 </p:sld>
 </file>
 

--- a/_posts/Hbase基本原理副本.pptx
+++ b/_posts/Hbase基本原理副本.pptx
@@ -240,7 +240,7 @@
       </p14:sectionLst>
     </p:ext>
     <p:ext uri="{EFAFB233-063F-42B5-8137-9DF3F51BA10A}">
-      <p15:sldGuideLst xmlns:p15="http://schemas.microsoft.com/office/powerpoint/2012/main" xmlns="">
+      <p15:sldGuideLst xmlns:p15="http://schemas.microsoft.com/office/powerpoint/2012/main">
         <p15:guide id="1" orient="horz" pos="2160" userDrawn="1">
           <p15:clr>
             <a:srgbClr val="A4A3A4"/>
@@ -254,7 +254,7 @@
       </p15:sldGuideLst>
     </p:ext>
     <p:ext uri="{2D200454-40CA-4A62-9FC3-DE9A4176ACB9}">
-      <p15:notesGuideLst xmlns:p15="http://schemas.microsoft.com/office/powerpoint/2012/main" xmlns=""/>
+      <p15:notesGuideLst xmlns:p15="http://schemas.microsoft.com/office/powerpoint/2012/main"/>
     </p:ext>
   </p:extLst>
 </p:presentation>
@@ -360,7 +360,7 @@
                 <a:latin typeface="微软雅黑" panose="020B0503020204020204" pitchFamily="34" charset="-122"/>
                 <a:ea typeface="微软雅黑" panose="020B0503020204020204" pitchFamily="34" charset="-122"/>
               </a:rPr>
-              <a:t>2018年11月13日星期二</a:t>
+              <a:t>2018年11月14日</a:t>
             </a:fld>
             <a:endParaRPr lang="en-US" dirty="0">
               <a:latin typeface="微软雅黑" panose="020B0503020204020204" pitchFamily="34" charset="-122"/>
@@ -547,7 +547,7 @@
             <a:fld id="{10717CCD-7153-4CFA-8FE4-043AE2A91A48}" type="datetime2">
               <a:rPr lang="zh-CN" altLang="en-US" smtClean="0"/>
               <a:pPr/>
-              <a:t>2018年11月13日星期二</a:t>
+              <a:t>2018年11月14日</a:t>
             </a:fld>
             <a:endParaRPr lang="en-US" dirty="0"/>
           </a:p>
@@ -2393,7 +2393,7 @@
           <a:p>
             <a:fld id="{B6646B47-A73D-4F6F-AD82-C99F4E62F746}" type="datetime2">
               <a:rPr lang="zh-CN" altLang="en-US" smtClean="0"/>
-              <a:t>2018年11月13日星期二</a:t>
+              <a:t>2018年11月14日</a:t>
             </a:fld>
             <a:endParaRPr lang="en-US" dirty="0"/>
           </a:p>
@@ -3077,7 +3077,7 @@
           <a:p>
             <a:fld id="{9A0CFC2C-DA54-4396-A846-1816F2961B91}" type="datetime2">
               <a:rPr lang="zh-CN" altLang="en-US" smtClean="0"/>
-              <a:t>2018年11月13日星期二</a:t>
+              <a:t>2018年11月14日</a:t>
             </a:fld>
             <a:endParaRPr lang="en-US" dirty="0"/>
           </a:p>
@@ -3560,6 +3560,7 @@
           </a:bodyPr>
           <a:lstStyle/>
           <a:p>
+            <a:pPr algn="ctr"/>
             <a:r>
               <a:rPr lang="en-US" altLang="zh-CN" sz="4800" dirty="0" err="1" smtClean="0">
                 <a:solidFill>
@@ -3567,22 +3568,6 @@
                 </a:solidFill>
               </a:rPr>
               <a:t>Hbase</a:t>
-            </a:r>
-            <a:r>
-              <a:rPr lang="en-US" altLang="zh-CN" sz="4800" dirty="0">
-                <a:solidFill>
-                  <a:schemeClr val="bg1"/>
-                </a:solidFill>
-              </a:rPr>
-              <a:t>/ </a:t>
-            </a:r>
-            <a:r>
-              <a:rPr lang="en-US" altLang="zh-CN" sz="4800" dirty="0" err="1">
-                <a:solidFill>
-                  <a:schemeClr val="bg1"/>
-                </a:solidFill>
-              </a:rPr>
-              <a:t>Opentsdb</a:t>
             </a:r>
             <a:r>
               <a:rPr lang="zh-CN" altLang="en-US" sz="4800" dirty="0" smtClean="0">
@@ -3654,7 +3639,7 @@
   <p:timing>
     <p:tnLst>
       <p:par>
-        <p:cTn xmlns:p14="http://schemas.microsoft.com/office/powerpoint/2010/main" id="1" dur="indefinite" restart="never" nodeType="tmRoot"/>
+        <p:cTn id="1" dur="indefinite" restart="never" nodeType="tmRoot"/>
       </p:par>
     </p:tnLst>
   </p:timing>
@@ -3978,7 +3963,7 @@
   <p:timing>
     <p:tnLst>
       <p:par>
-        <p:cTn xmlns:p14="http://schemas.microsoft.com/office/powerpoint/2010/main" id="1" dur="indefinite" restart="never" nodeType="tmRoot"/>
+        <p:cTn id="1" dur="indefinite" restart="never" nodeType="tmRoot"/>
       </p:par>
     </p:tnLst>
   </p:timing>
@@ -4211,7 +4196,7 @@
   <p:timing>
     <p:tnLst>
       <p:par>
-        <p:cTn xmlns:p14="http://schemas.microsoft.com/office/powerpoint/2010/main" id="1" dur="indefinite" restart="never" nodeType="tmRoot"/>
+        <p:cTn id="1" dur="indefinite" restart="never" nodeType="tmRoot"/>
       </p:par>
     </p:tnLst>
   </p:timing>
@@ -4529,7 +4514,7 @@
   <p:timing>
     <p:tnLst>
       <p:par>
-        <p:cTn xmlns:p14="http://schemas.microsoft.com/office/powerpoint/2010/main" id="1" dur="indefinite" restart="never" nodeType="tmRoot"/>
+        <p:cTn id="1" dur="indefinite" restart="never" nodeType="tmRoot"/>
       </p:par>
     </p:tnLst>
   </p:timing>
@@ -4839,7 +4824,7 @@
   <p:timing>
     <p:tnLst>
       <p:par>
-        <p:cTn xmlns:p14="http://schemas.microsoft.com/office/powerpoint/2010/main" id="1" dur="indefinite" restart="never" nodeType="tmRoot"/>
+        <p:cTn id="1" dur="indefinite" restart="never" nodeType="tmRoot"/>
       </p:par>
     </p:tnLst>
   </p:timing>
@@ -4947,7 +4932,7 @@
   <p:timing>
     <p:tnLst>
       <p:par>
-        <p:cTn xmlns:p14="http://schemas.microsoft.com/office/powerpoint/2010/main" id="1" dur="indefinite" restart="never" nodeType="tmRoot"/>
+        <p:cTn id="1" dur="indefinite" restart="never" nodeType="tmRoot"/>
       </p:par>
     </p:tnLst>
   </p:timing>
@@ -5759,7 +5744,7 @@
   <p:timing>
     <p:tnLst>
       <p:par>
-        <p:cTn xmlns:p14="http://schemas.microsoft.com/office/powerpoint/2010/main" id="1" dur="indefinite" restart="never" nodeType="tmRoot"/>
+        <p:cTn id="1" dur="indefinite" restart="never" nodeType="tmRoot"/>
       </p:par>
     </p:tnLst>
   </p:timing>
@@ -6975,7 +6960,7 @@
   <p:timing>
     <p:tnLst>
       <p:par>
-        <p:cTn xmlns:p14="http://schemas.microsoft.com/office/powerpoint/2010/main" id="1" dur="indefinite" restart="never" nodeType="tmRoot"/>
+        <p:cTn id="1" dur="indefinite" restart="never" nodeType="tmRoot"/>
       </p:par>
     </p:tnLst>
   </p:timing>
@@ -7771,7 +7756,7 @@
   <p:timing>
     <p:tnLst>
       <p:par>
-        <p:cTn xmlns:p14="http://schemas.microsoft.com/office/powerpoint/2010/main" id="1" dur="indefinite" restart="never" nodeType="tmRoot"/>
+        <p:cTn id="1" dur="indefinite" restart="never" nodeType="tmRoot"/>
       </p:par>
     </p:tnLst>
   </p:timing>
@@ -8613,7 +8598,7 @@
   <p:timing>
     <p:tnLst>
       <p:par>
-        <p:cTn xmlns:p14="http://schemas.microsoft.com/office/powerpoint/2010/main" id="1" dur="indefinite" restart="never" nodeType="tmRoot"/>
+        <p:cTn id="1" dur="indefinite" restart="never" nodeType="tmRoot"/>
       </p:par>
     </p:tnLst>
   </p:timing>
@@ -9452,7 +9437,7 @@
   <p:timing>
     <p:tnLst>
       <p:par>
-        <p:cTn xmlns:p14="http://schemas.microsoft.com/office/powerpoint/2010/main" id="1" dur="indefinite" restart="never" nodeType="tmRoot"/>
+        <p:cTn id="1" dur="indefinite" restart="never" nodeType="tmRoot"/>
       </p:par>
     </p:tnLst>
   </p:timing>
@@ -9946,7 +9931,7 @@
   <p:timing>
     <p:tnLst>
       <p:par>
-        <p:cTn xmlns:p14="http://schemas.microsoft.com/office/powerpoint/2010/main" id="1" dur="indefinite" restart="never" nodeType="tmRoot"/>
+        <p:cTn id="1" dur="indefinite" restart="never" nodeType="tmRoot"/>
       </p:par>
     </p:tnLst>
   </p:timing>
@@ -10190,7 +10175,7 @@
   <p:timing>
     <p:tnLst>
       <p:par>
-        <p:cTn xmlns:p14="http://schemas.microsoft.com/office/powerpoint/2010/main" id="1" dur="indefinite" restart="never" nodeType="tmRoot"/>
+        <p:cTn id="1" dur="indefinite" restart="never" nodeType="tmRoot"/>
       </p:par>
     </p:tnLst>
   </p:timing>
@@ -10913,7 +10898,7 @@
   <p:timing>
     <p:tnLst>
       <p:par>
-        <p:cTn xmlns:p14="http://schemas.microsoft.com/office/powerpoint/2010/main" id="1" dur="indefinite" restart="never" nodeType="tmRoot"/>
+        <p:cTn id="1" dur="indefinite" restart="never" nodeType="tmRoot"/>
       </p:par>
     </p:tnLst>
   </p:timing>
@@ -11186,7 +11171,7 @@
   <p:timing>
     <p:tnLst>
       <p:par>
-        <p:cTn xmlns:p14="http://schemas.microsoft.com/office/powerpoint/2010/main" id="1" dur="indefinite" restart="never" nodeType="tmRoot"/>
+        <p:cTn id="1" dur="indefinite" restart="never" nodeType="tmRoot"/>
       </p:par>
     </p:tnLst>
   </p:timing>
@@ -12251,7 +12236,7 @@
   <p:timing>
     <p:tnLst>
       <p:par>
-        <p:cTn xmlns:p14="http://schemas.microsoft.com/office/powerpoint/2010/main" id="1" dur="indefinite" restart="never" nodeType="tmRoot"/>
+        <p:cTn id="1" dur="indefinite" restart="never" nodeType="tmRoot"/>
       </p:par>
     </p:tnLst>
   </p:timing>
@@ -12342,7 +12327,7 @@
   <p:timing>
     <p:tnLst>
       <p:par>
-        <p:cTn xmlns:p14="http://schemas.microsoft.com/office/powerpoint/2010/main" id="1" dur="indefinite" restart="never" nodeType="tmRoot"/>
+        <p:cTn id="1" dur="indefinite" restart="never" nodeType="tmRoot"/>
       </p:par>
     </p:tnLst>
   </p:timing>
@@ -13768,7 +13753,7 @@
   <p:timing>
     <p:tnLst>
       <p:par>
-        <p:cTn xmlns:p14="http://schemas.microsoft.com/office/powerpoint/2010/main" id="1" dur="indefinite" restart="never" nodeType="tmRoot"/>
+        <p:cTn id="1" dur="indefinite" restart="never" nodeType="tmRoot"/>
       </p:par>
     </p:tnLst>
   </p:timing>
@@ -14298,7 +14283,7 @@
   <p:timing>
     <p:tnLst>
       <p:par>
-        <p:cTn xmlns:p14="http://schemas.microsoft.com/office/powerpoint/2010/main" id="1" dur="indefinite" restart="never" nodeType="tmRoot"/>
+        <p:cTn id="1" dur="indefinite" restart="never" nodeType="tmRoot"/>
       </p:par>
     </p:tnLst>
   </p:timing>
@@ -14582,7 +14567,7 @@
   <p:timing>
     <p:tnLst>
       <p:par>
-        <p:cTn xmlns:p14="http://schemas.microsoft.com/office/powerpoint/2010/main" id="1" dur="indefinite" restart="never" nodeType="tmRoot"/>
+        <p:cTn id="1" dur="indefinite" restart="never" nodeType="tmRoot"/>
       </p:par>
     </p:tnLst>
   </p:timing>
@@ -15308,7 +15293,7 @@
   <p:timing>
     <p:tnLst>
       <p:par>
-        <p:cTn xmlns:p14="http://schemas.microsoft.com/office/powerpoint/2010/main" id="1" dur="indefinite" restart="never" nodeType="tmRoot"/>
+        <p:cTn id="1" dur="indefinite" restart="never" nodeType="tmRoot"/>
       </p:par>
     </p:tnLst>
   </p:timing>
@@ -15788,7 +15773,7 @@
   <p:timing>
     <p:tnLst>
       <p:par>
-        <p:cTn xmlns:p14="http://schemas.microsoft.com/office/powerpoint/2010/main" id="1" dur="indefinite" restart="never" nodeType="tmRoot"/>
+        <p:cTn id="1" dur="indefinite" restart="never" nodeType="tmRoot"/>
       </p:par>
     </p:tnLst>
   </p:timing>
@@ -17291,7 +17276,7 @@
   <p:timing>
     <p:tnLst>
       <p:par>
-        <p:cTn xmlns:p14="http://schemas.microsoft.com/office/powerpoint/2010/main" id="1" dur="indefinite" restart="never" nodeType="tmRoot"/>
+        <p:cTn id="1" dur="indefinite" restart="never" nodeType="tmRoot"/>
       </p:par>
     </p:tnLst>
   </p:timing>
@@ -17679,7 +17664,7 @@
   <p:timing>
     <p:tnLst>
       <p:par>
-        <p:cTn xmlns:p14="http://schemas.microsoft.com/office/powerpoint/2010/main" id="1" dur="indefinite" restart="never" nodeType="tmRoot"/>
+        <p:cTn id="1" dur="indefinite" restart="never" nodeType="tmRoot"/>
       </p:par>
     </p:tnLst>
   </p:timing>
@@ -17882,7 +17867,7 @@
   <p:timing>
     <p:tnLst>
       <p:par>
-        <p:cTn xmlns:p14="http://schemas.microsoft.com/office/powerpoint/2010/main" id="1" dur="indefinite" restart="never" nodeType="tmRoot"/>
+        <p:cTn id="1" dur="indefinite" restart="never" nodeType="tmRoot"/>
       </p:par>
     </p:tnLst>
   </p:timing>
@@ -18231,7 +18216,7 @@
   <p:timing>
     <p:tnLst>
       <p:par>
-        <p:cTn xmlns:p14="http://schemas.microsoft.com/office/powerpoint/2010/main" id="1" dur="indefinite" restart="never" nodeType="tmRoot"/>
+        <p:cTn id="1" dur="indefinite" restart="never" nodeType="tmRoot"/>
       </p:par>
     </p:tnLst>
   </p:timing>
@@ -19732,7 +19717,7 @@
           <a:noFill/>
           <a:extLst>
             <a:ext uri="{909E8E84-426E-40dd-AFC4-6F175D3DCCD1}">
-              <a14:hiddenFill xmlns:a14="http://schemas.microsoft.com/office/drawing/2010/main">
+              <a14:hiddenFill xmlns="" xmlns:a14="http://schemas.microsoft.com/office/drawing/2010/main">
                 <a:solidFill>
                   <a:srgbClr val="FFFFFF"/>
                 </a:solidFill>
@@ -20196,15 +20181,7 @@
                 <a:ea typeface="仿宋"/>
                 <a:cs typeface="仿宋"/>
               </a:rPr>
-              <a:t>着不断对这些文件进行</a:t>
-            </a:r>
-            <a:r>
-              <a:rPr lang="zh-CN" altLang="en-US" sz="1400" dirty="0" smtClean="0">
-                <a:latin typeface="仿宋"/>
-                <a:ea typeface="仿宋"/>
-                <a:cs typeface="仿宋"/>
-              </a:rPr>
-              <a:t>合并，这个合并过程称为</a:t>
+              <a:t>着不断对这些文件进行合并，这个合并过程称为</a:t>
             </a:r>
             <a:r>
               <a:rPr lang="en-US" altLang="zh-CN" sz="1400" dirty="0" smtClean="0">
@@ -20212,15 +20189,7 @@
                 <a:ea typeface="仿宋"/>
                 <a:cs typeface="仿宋"/>
               </a:rPr>
-              <a:t>c</a:t>
-            </a:r>
-            <a:r>
-              <a:rPr lang="en-US" altLang="zh-CN" sz="1400" dirty="0" smtClean="0">
-                <a:latin typeface="仿宋"/>
-                <a:ea typeface="仿宋"/>
-                <a:cs typeface="仿宋"/>
-              </a:rPr>
-              <a:t>ompaction</a:t>
+              <a:t>compaction</a:t>
             </a:r>
             <a:r>
               <a:rPr lang="zh-CN" altLang="en-US" sz="1400" dirty="0" smtClean="0">
@@ -20706,7 +20675,7 @@
   <p:timing>
     <p:tnLst>
       <p:par>
-        <p:cTn xmlns:p14="http://schemas.microsoft.com/office/powerpoint/2010/main" id="1" dur="indefinite" restart="never" nodeType="tmRoot"/>
+        <p:cTn id="1" dur="indefinite" restart="never" nodeType="tmRoot"/>
       </p:par>
     </p:tnLst>
   </p:timing>
@@ -22068,7 +22037,7 @@
   <p:timing>
     <p:tnLst>
       <p:par>
-        <p:cTn xmlns:p14="http://schemas.microsoft.com/office/powerpoint/2010/main" id="1" dur="indefinite" restart="never" nodeType="tmRoot"/>
+        <p:cTn id="1" dur="indefinite" restart="never" nodeType="tmRoot"/>
       </p:par>
     </p:tnLst>
   </p:timing>
@@ -22692,15 +22661,7 @@
                 <a:ea typeface="仿宋"/>
                 <a:cs typeface="仿宋"/>
               </a:rPr>
-              <a:t>3.</a:t>
-            </a:r>
-            <a:r>
-              <a:rPr lang="en-US" altLang="zh-CN" sz="1400" dirty="0" smtClean="0">
-                <a:latin typeface="仿宋"/>
-                <a:ea typeface="仿宋"/>
-                <a:cs typeface="仿宋"/>
-              </a:rPr>
-              <a:t> </a:t>
+              <a:t>3. </a:t>
             </a:r>
             <a:r>
               <a:rPr lang="en-US" altLang="zh-CN" sz="1400" dirty="0">
@@ -24422,7 +24383,7 @@
   <p:timing>
     <p:tnLst>
       <p:par>
-        <p:cTn xmlns:p14="http://schemas.microsoft.com/office/powerpoint/2010/main" id="1" dur="indefinite" restart="never" nodeType="tmRoot"/>
+        <p:cTn id="1" dur="indefinite" restart="never" nodeType="tmRoot"/>
       </p:par>
     </p:tnLst>
   </p:timing>
@@ -24501,11 +24462,7 @@
             </a:pPr>
             <a:r>
               <a:rPr lang="en-US" altLang="zh-CN" sz="1400" dirty="0" smtClean="0"/>
-              <a:t> </a:t>
-            </a:r>
-            <a:r>
-              <a:rPr lang="en-US" altLang="zh-CN" sz="1400" dirty="0" smtClean="0"/>
-              <a:t>Make </a:t>
+              <a:t> Make </a:t>
             </a:r>
             <a:r>
               <a:rPr lang="en-US" altLang="zh-CN" sz="1400" dirty="0"/>
@@ -26325,7 +26282,6 @@
               <a:rPr lang="en-US" altLang="zh-CN" u="sng" dirty="0"/>
               <a:t>Stripe Compactions</a:t>
             </a:r>
-            <a:endParaRPr lang="en-US" altLang="zh-CN" u="sng" dirty="0"/>
           </a:p>
         </p:txBody>
       </p:sp>
@@ -26805,7 +26761,6 @@
               <a:rPr lang="zh-CN" altLang="en-US" sz="1400" dirty="0"/>
               <a:t>内数据量相对很小，所以也会一定程度上提升数据查找性能。</a:t>
             </a:r>
-            <a:endParaRPr lang="zh-CN" altLang="en-US" sz="1400" dirty="0"/>
           </a:p>
         </p:txBody>
       </p:sp>
@@ -27707,11 +27662,6 @@
               </a:rPr>
               <a:t>输入文件即可</a:t>
             </a:r>
-            <a:endParaRPr lang="zh-CN" altLang="en-US" sz="1400" dirty="0">
-              <a:latin typeface="仿宋"/>
-              <a:ea typeface="仿宋"/>
-              <a:cs typeface="仿宋"/>
-            </a:endParaRPr>
           </a:p>
         </p:txBody>
       </p:sp>
@@ -27998,7 +27948,7 @@
   <p:timing>
     <p:tnLst>
       <p:par>
-        <p:cTn xmlns:p14="http://schemas.microsoft.com/office/powerpoint/2010/main" id="1" dur="indefinite" restart="never" nodeType="tmRoot"/>
+        <p:cTn id="1" dur="indefinite" restart="never" nodeType="tmRoot"/>
       </p:par>
     </p:tnLst>
   </p:timing>
@@ -28523,11 +28473,6 @@
               </a:rPr>
               <a:t>. </a:t>
             </a:r>
-            <a:endParaRPr lang="en-US" altLang="zh-CN" sz="1400" dirty="0">
-              <a:latin typeface="仿宋"/>
-              <a:ea typeface="仿宋"/>
-              <a:cs typeface="仿宋"/>
-            </a:endParaRPr>
           </a:p>
           <a:p>
             <a:pPr marL="342900" indent="-342900">
@@ -28561,11 +28506,6 @@
               </a:rPr>
               <a:t>creates a sub-directory named “.splits” under the parent’s region directory in HDFS.  </a:t>
             </a:r>
-            <a:endParaRPr lang="en-US" altLang="zh-CN" sz="1400" dirty="0">
-              <a:latin typeface="仿宋"/>
-              <a:ea typeface="仿宋"/>
-              <a:cs typeface="仿宋"/>
-            </a:endParaRPr>
           </a:p>
           <a:p>
             <a:pPr marL="342900" indent="-342900">
@@ -28631,11 +28571,6 @@
               </a:rPr>
               <a:t>.  </a:t>
             </a:r>
-            <a:endParaRPr lang="en-US" altLang="zh-CN" sz="1400" dirty="0">
-              <a:latin typeface="仿宋"/>
-              <a:ea typeface="仿宋"/>
-              <a:cs typeface="仿宋"/>
-            </a:endParaRPr>
           </a:p>
           <a:p>
             <a:pPr marL="342900" indent="-342900">
@@ -28669,11 +28604,6 @@
               </a:rPr>
               <a:t>create the region directories under .splits directory,  for daughter regions A and B, and creates necessary data structures.  Then it splits the store files, in the sense that it creates two Reference files per store file in the parent region. Those reference files will point to the parent regions files. </a:t>
             </a:r>
-            <a:endParaRPr lang="en-US" altLang="zh-CN" sz="1400" dirty="0">
-              <a:latin typeface="仿宋"/>
-              <a:ea typeface="仿宋"/>
-              <a:cs typeface="仿宋"/>
-            </a:endParaRPr>
           </a:p>
           <a:p>
             <a:pPr marL="342900" indent="-342900">
@@ -28707,11 +28637,6 @@
               </a:rPr>
               <a:t>creates the actual region directory in HDFS, and moves the reference files for each daughter.  </a:t>
             </a:r>
-            <a:endParaRPr lang="en-US" altLang="zh-CN" sz="1400" dirty="0">
-              <a:latin typeface="仿宋"/>
-              <a:ea typeface="仿宋"/>
-              <a:cs typeface="仿宋"/>
-            </a:endParaRPr>
           </a:p>
           <a:p>
             <a:pPr marL="342900" indent="-342900">
@@ -28814,7 +28739,19 @@
           <a:bodyPr/>
           <a:lstStyle/>
           <a:p>
-            <a:endParaRPr lang="zh-CN" altLang="en-US"/>
+            <a:r>
+              <a:rPr lang="en-US" altLang="zh-CN" dirty="0"/>
+              <a:t>Region</a:t>
+            </a:r>
+            <a:r>
+              <a:rPr lang="zh-CN" altLang="en-US" dirty="0"/>
+              <a:t> </a:t>
+            </a:r>
+            <a:r>
+              <a:rPr lang="en-US" altLang="zh-CN" dirty="0"/>
+              <a:t>split</a:t>
+            </a:r>
+            <a:endParaRPr lang="zh-CN" altLang="en-US" dirty="0"/>
           </a:p>
         </p:txBody>
       </p:sp>
@@ -28911,11 +28848,6 @@
               </a:rPr>
               <a:t> adds the daughters A and B to .META. together with  information that it hosts the regions. After this point, clients can  discover the new regions, and issue requests to the new region. Clients  cache the .META. entries locally, but when they make requests to the  region server or .META., their caches will be invalidated, and they will  learn about the new regions from .META.. </a:t>
             </a:r>
-            <a:endParaRPr lang="en-US" altLang="zh-CN" sz="1400" dirty="0">
-              <a:latin typeface="仿宋"/>
-              <a:ea typeface="仿宋"/>
-              <a:cs typeface="仿宋"/>
-            </a:endParaRPr>
           </a:p>
           <a:p>
             <a:pPr marL="342900" indent="-342900">
@@ -31281,7 +31213,7 @@
   <p:timing>
     <p:tnLst>
       <p:par>
-        <p:cTn xmlns:p14="http://schemas.microsoft.com/office/powerpoint/2010/main" id="1" dur="indefinite" restart="never" nodeType="tmRoot"/>
+        <p:cTn id="1" dur="indefinite" restart="never" nodeType="tmRoot"/>
       </p:par>
     </p:tnLst>
   </p:timing>
@@ -31665,7 +31597,7 @@
   <p:timing>
     <p:tnLst>
       <p:par>
-        <p:cTn xmlns:p14="http://schemas.microsoft.com/office/powerpoint/2010/main" id="1" dur="indefinite" restart="never" nodeType="tmRoot"/>
+        <p:cTn id="1" dur="indefinite" restart="never" nodeType="tmRoot"/>
       </p:par>
     </p:tnLst>
   </p:timing>
@@ -31916,7 +31848,7 @@
   <p:timing>
     <p:tnLst>
       <p:par>
-        <p:cTn xmlns:p14="http://schemas.microsoft.com/office/powerpoint/2010/main" id="1" dur="indefinite" restart="never" nodeType="tmRoot"/>
+        <p:cTn id="1" dur="indefinite" restart="never" nodeType="tmRoot"/>
       </p:par>
     </p:tnLst>
   </p:timing>
@@ -32004,7 +31936,7 @@
   <p:timing>
     <p:tnLst>
       <p:par>
-        <p:cTn xmlns:p14="http://schemas.microsoft.com/office/powerpoint/2010/main" id="1" dur="indefinite" restart="never" nodeType="tmRoot"/>
+        <p:cTn id="1" dur="indefinite" restart="never" nodeType="tmRoot"/>
       </p:par>
     </p:tnLst>
   </p:timing>
@@ -32206,7 +32138,7 @@
   <a:extraClrSchemeLst/>
   <a:extLst>
     <a:ext uri="{05A4C25C-085E-4340-85A3-A5531E510DB2}">
-      <thm15:themeFamily xmlns:thm15="http://schemas.microsoft.com/office/thememl/2012/main" xmlns="" name="Office_15684332_TF10001108" id="{21247EBA-36EF-4F8B-BD4D-320415D1000C}" vid="{E7B7BECC-7318-4CD9-B03C-F0859BBEE683}"/>
+      <thm15:themeFamily xmlns:thm15="http://schemas.microsoft.com/office/thememl/2012/main" name="Office_15684332_TF10001108" id="{21247EBA-36EF-4F8B-BD4D-320415D1000C}" vid="{E7B7BECC-7318-4CD9-B03C-F0859BBEE683}"/>
     </a:ext>
   </a:extLst>
 </a:theme>
@@ -32467,7 +32399,7 @@
   <a:extraClrSchemeLst/>
   <a:extLst>
     <a:ext uri="{05A4C25C-085E-4340-85A3-A5531E510DB2}">
-      <thm15:themeFamily xmlns:thm15="http://schemas.microsoft.com/office/thememl/2012/main" xmlns="" name="Office Theme" id="{62F939B6-93AF-4DB8-9C6B-D6C7DFDC589F}" vid="{4A3C46E8-61CC-4603-A589-7422A47A8E4A}"/>
+      <thm15:themeFamily xmlns:thm15="http://schemas.microsoft.com/office/thememl/2012/main" name="Office Theme" id="{62F939B6-93AF-4DB8-9C6B-D6C7DFDC589F}" vid="{4A3C46E8-61CC-4603-A589-7422A47A8E4A}"/>
     </a:ext>
   </a:extLst>
 </a:theme>
@@ -32762,7 +32694,7 @@
   <a:extraClrSchemeLst/>
   <a:extLst>
     <a:ext uri="{05A4C25C-085E-4340-85A3-A5531E510DB2}">
-      <thm15:themeFamily xmlns:thm15="http://schemas.microsoft.com/office/thememl/2012/main" xmlns="" name="Office Theme" id="{62F939B6-93AF-4DB8-9C6B-D6C7DFDC589F}" vid="{4A3C46E8-61CC-4603-A589-7422A47A8E4A}"/>
+      <thm15:themeFamily xmlns:thm15="http://schemas.microsoft.com/office/thememl/2012/main" name="Office Theme" id="{62F939B6-93AF-4DB8-9C6B-D6C7DFDC589F}" vid="{4A3C46E8-61CC-4603-A589-7422A47A8E4A}"/>
     </a:ext>
   </a:extLst>
 </a:theme>

--- a/_posts/Hbase基本原理副本.pptx
+++ b/_posts/Hbase基本原理副本.pptx
@@ -360,7 +360,7 @@
                 <a:latin typeface="微软雅黑" panose="020B0503020204020204" pitchFamily="34" charset="-122"/>
                 <a:ea typeface="微软雅黑" panose="020B0503020204020204" pitchFamily="34" charset="-122"/>
               </a:rPr>
-              <a:t>2018年11月14日</a:t>
+              <a:t>2018年11月16日</a:t>
             </a:fld>
             <a:endParaRPr lang="en-US" dirty="0">
               <a:latin typeface="微软雅黑" panose="020B0503020204020204" pitchFamily="34" charset="-122"/>
@@ -547,7 +547,7 @@
             <a:fld id="{10717CCD-7153-4CFA-8FE4-043AE2A91A48}" type="datetime2">
               <a:rPr lang="zh-CN" altLang="en-US" smtClean="0"/>
               <a:pPr/>
-              <a:t>2018年11月14日</a:t>
+              <a:t>2018年11月16日</a:t>
             </a:fld>
             <a:endParaRPr lang="en-US" dirty="0"/>
           </a:p>
@@ -2393,7 +2393,7 @@
           <a:p>
             <a:fld id="{B6646B47-A73D-4F6F-AD82-C99F4E62F746}" type="datetime2">
               <a:rPr lang="zh-CN" altLang="en-US" smtClean="0"/>
-              <a:t>2018年11月14日</a:t>
+              <a:t>2018年11月16日</a:t>
             </a:fld>
             <a:endParaRPr lang="en-US" dirty="0"/>
           </a:p>
@@ -3077,7 +3077,7 @@
           <a:p>
             <a:fld id="{9A0CFC2C-DA54-4396-A846-1816F2961B91}" type="datetime2">
               <a:rPr lang="zh-CN" altLang="en-US" smtClean="0"/>
-              <a:t>2018年11月14日</a:t>
+              <a:t>2018年11月16日</a:t>
             </a:fld>
             <a:endParaRPr lang="en-US" dirty="0"/>
           </a:p>
@@ -4278,7 +4278,7 @@
         <p:spPr>
           <a:xfrm>
             <a:off x="541610" y="1431010"/>
-            <a:ext cx="3418156" cy="4790886"/>
+            <a:ext cx="3594292" cy="4790886"/>
           </a:xfrm>
         </p:spPr>
         <p:txBody>
@@ -4298,47 +4298,15 @@
               <a:buChar char="l"/>
             </a:pPr>
             <a:r>
-              <a:rPr lang="en-US" altLang="zh-CN" dirty="0" smtClean="0"/>
-              <a:t>Region </a:t>
-            </a:r>
-            <a:r>
-              <a:rPr lang="en-US" altLang="zh-CN" dirty="0"/>
-              <a:t>assignment, DDL (create, delete tables) operations are handled by the </a:t>
-            </a:r>
-            <a:r>
-              <a:rPr lang="en-US" altLang="zh-CN" dirty="0" err="1"/>
-              <a:t>HBase</a:t>
-            </a:r>
-            <a:r>
-              <a:rPr lang="en-US" altLang="zh-CN" dirty="0"/>
-              <a:t> Master</a:t>
-            </a:r>
-            <a:r>
-              <a:rPr lang="en-US" altLang="zh-CN" dirty="0" smtClean="0"/>
-              <a:t>.</a:t>
-            </a:r>
-          </a:p>
-          <a:p>
-            <a:pPr marL="171450" indent="-171450">
-              <a:lnSpc>
-                <a:spcPts val="1800"/>
-              </a:lnSpc>
-              <a:spcAft>
-                <a:spcPts val="600"/>
-              </a:spcAft>
-              <a:buFont typeface="Wingdings" panose="05000000000000000000" pitchFamily="2" charset="2"/>
-              <a:buChar char="l"/>
-            </a:pPr>
-            <a:r>
-              <a:rPr lang="en-US" altLang="zh-CN" dirty="0" smtClean="0"/>
+              <a:rPr lang="en-US" altLang="zh-CN" sz="1400" dirty="0" smtClean="0"/>
               <a:t>A </a:t>
             </a:r>
             <a:r>
-              <a:rPr lang="en-US" altLang="zh-CN" dirty="0"/>
+              <a:rPr lang="en-US" altLang="zh-CN" sz="1400" dirty="0"/>
               <a:t>master is responsible for</a:t>
             </a:r>
             <a:r>
-              <a:rPr lang="en-US" altLang="zh-CN" dirty="0" smtClean="0"/>
+              <a:rPr lang="en-US" altLang="zh-CN" sz="1400" dirty="0" smtClean="0"/>
               <a:t>:</a:t>
             </a:r>
           </a:p>
@@ -4353,105 +4321,205 @@
               <a:buNone/>
             </a:pPr>
             <a:r>
-              <a:rPr lang="en-US" altLang="zh-CN" dirty="0" smtClean="0"/>
+              <a:rPr lang="en-US" altLang="zh-CN" sz="1400" dirty="0" smtClean="0"/>
               <a:t>- </a:t>
             </a:r>
             <a:r>
-              <a:rPr lang="en-US" altLang="zh-CN" dirty="0"/>
-              <a:t>Coordinating the region servers  </a:t>
-            </a:r>
-            <a:endParaRPr lang="en-US" altLang="zh-CN" dirty="0" smtClean="0"/>
-          </a:p>
-          <a:p>
-            <a:pPr lvl="1" indent="0">
+              <a:rPr lang="en-US" altLang="zh-CN" sz="1400" dirty="0" err="1" smtClean="0"/>
+              <a:t>RegionServer</a:t>
+            </a:r>
+            <a:r>
+              <a:rPr lang="zh-CN" altLang="en-US" sz="1400" dirty="0" smtClean="0"/>
+              <a:t>管理：</a:t>
+            </a:r>
+            <a:r>
+              <a:rPr lang="en-US" altLang="zh-CN" sz="1400" dirty="0" smtClean="0"/>
+              <a:t>RS</a:t>
+            </a:r>
+            <a:r>
+              <a:rPr lang="zh-CN" altLang="en-US" sz="1400" dirty="0" smtClean="0"/>
+              <a:t>的上下线</a:t>
+            </a:r>
+            <a:endParaRPr lang="en-US" altLang="zh-CN" sz="1400" dirty="0" smtClean="0"/>
+          </a:p>
+          <a:p>
+            <a:pPr marL="400050" lvl="1" indent="-171450">
               <a:lnSpc>
                 <a:spcPts val="1800"/>
               </a:lnSpc>
               <a:spcAft>
                 <a:spcPts val="600"/>
               </a:spcAft>
-              <a:buNone/>
+              <a:buFontTx/>
+              <a:buChar char="-"/>
             </a:pPr>
             <a:r>
-              <a:rPr lang="en-US" altLang="zh-CN" dirty="0" smtClean="0"/>
-              <a:t>- </a:t>
-            </a:r>
-            <a:r>
-              <a:rPr lang="en-US" altLang="zh-CN" dirty="0"/>
-              <a:t>Assigning regions on startup , re-assigning regions for recovery or load balancing  </a:t>
-            </a:r>
-            <a:endParaRPr lang="en-US" altLang="zh-CN" dirty="0" smtClean="0"/>
-          </a:p>
-          <a:p>
-            <a:pPr lvl="1" indent="0">
+              <a:rPr lang="zh-CN" altLang="en-US" sz="1400" dirty="0" smtClean="0"/>
+              <a:t>管理功能</a:t>
+            </a:r>
+            <a:r>
+              <a:rPr lang="zh-CN" altLang="en-US" sz="1400" dirty="0" smtClean="0"/>
+              <a:t>：启动，停止，</a:t>
+            </a:r>
+            <a:r>
+              <a:rPr lang="en-US" altLang="zh-CN" sz="1400" dirty="0" smtClean="0"/>
+              <a:t>Balance</a:t>
+            </a:r>
+            <a:endParaRPr lang="en-US" altLang="zh-CN" sz="1400" dirty="0" smtClean="0"/>
+          </a:p>
+          <a:p>
+            <a:pPr marL="400050" lvl="1" indent="-171450">
               <a:lnSpc>
                 <a:spcPts val="1800"/>
               </a:lnSpc>
               <a:spcAft>
                 <a:spcPts val="600"/>
               </a:spcAft>
-              <a:buNone/>
+              <a:buFontTx/>
+              <a:buChar char="-"/>
             </a:pPr>
             <a:r>
-              <a:rPr lang="en-US" altLang="zh-CN" dirty="0" smtClean="0"/>
-              <a:t>- </a:t>
-            </a:r>
-            <a:r>
-              <a:rPr lang="en-US" altLang="zh-CN" dirty="0"/>
-              <a:t>Monitoring all </a:t>
-            </a:r>
-            <a:r>
-              <a:rPr lang="en-US" altLang="zh-CN" dirty="0" err="1"/>
-              <a:t>RegionServer</a:t>
-            </a:r>
-            <a:r>
-              <a:rPr lang="en-US" altLang="zh-CN" dirty="0"/>
-              <a:t> instances in the cluster (listens for notifications from zookeeper</a:t>
-            </a:r>
-            <a:r>
-              <a:rPr lang="en-US" altLang="zh-CN" dirty="0" smtClean="0"/>
-              <a:t>)</a:t>
-            </a:r>
-          </a:p>
-          <a:p>
-            <a:pPr lvl="1" indent="0">
+              <a:rPr lang="en-US" altLang="zh-CN" sz="1400" dirty="0" smtClean="0"/>
+              <a:t>Region</a:t>
+            </a:r>
+            <a:r>
+              <a:rPr lang="zh-CN" altLang="en-US" sz="1400" dirty="0" smtClean="0"/>
+              <a:t>的分配，合并，分裂，下线，移动，</a:t>
+            </a:r>
+            <a:r>
+              <a:rPr lang="en-US" altLang="zh-CN" sz="1400" dirty="0" smtClean="0"/>
+              <a:t>Balance</a:t>
+            </a:r>
+            <a:r>
+              <a:rPr lang="zh-CN" altLang="en-US" sz="1400" dirty="0" smtClean="0"/>
+              <a:t>等</a:t>
+            </a:r>
+            <a:endParaRPr lang="en-US" altLang="zh-CN" sz="1400" dirty="0" smtClean="0"/>
+          </a:p>
+          <a:p>
+            <a:pPr marL="400050" lvl="1" indent="-171450">
               <a:lnSpc>
                 <a:spcPts val="1800"/>
               </a:lnSpc>
               <a:spcAft>
                 <a:spcPts val="600"/>
               </a:spcAft>
-              <a:buNone/>
+              <a:buFontTx/>
+              <a:buChar char="-"/>
             </a:pPr>
             <a:r>
-              <a:rPr lang="en-US" altLang="zh-CN" dirty="0" smtClean="0"/>
-              <a:t>- </a:t>
-            </a:r>
-            <a:r>
-              <a:rPr lang="en-US" altLang="zh-CN" dirty="0"/>
-              <a:t>Admin functions  </a:t>
-            </a:r>
-            <a:endParaRPr lang="en-US" altLang="zh-CN" dirty="0" smtClean="0"/>
-          </a:p>
-          <a:p>
-            <a:pPr lvl="1" indent="0">
+              <a:rPr lang="en-US" altLang="zh-CN" sz="1400" dirty="0" err="1" smtClean="0"/>
+              <a:t>NameSpace</a:t>
+            </a:r>
+            <a:r>
+              <a:rPr lang="zh-CN" altLang="en-US" sz="1400" dirty="0" smtClean="0"/>
+              <a:t>以及表的</a:t>
+            </a:r>
+            <a:r>
+              <a:rPr lang="en-US" altLang="zh-CN" sz="1400" dirty="0" smtClean="0"/>
+              <a:t>DDL </a:t>
+            </a:r>
+            <a:r>
+              <a:rPr lang="en-US" altLang="zh-CN" sz="1400" dirty="0"/>
+              <a:t>(create, </a:t>
+            </a:r>
+            <a:r>
+              <a:rPr lang="en-US" altLang="zh-CN" sz="1400" dirty="0" err="1" smtClean="0"/>
+              <a:t>delete,enable,disable,modify</a:t>
+            </a:r>
+            <a:r>
+              <a:rPr lang="en-US" altLang="zh-CN" sz="1400" dirty="0" smtClean="0"/>
+              <a:t>).</a:t>
+            </a:r>
+          </a:p>
+          <a:p>
+            <a:pPr marL="400050" lvl="1" indent="-171450">
               <a:lnSpc>
                 <a:spcPts val="1800"/>
               </a:lnSpc>
               <a:spcAft>
                 <a:spcPts val="600"/>
               </a:spcAft>
-              <a:buNone/>
+              <a:buFontTx/>
+              <a:buChar char="-"/>
             </a:pPr>
             <a:r>
-              <a:rPr lang="en-US" altLang="zh-CN" dirty="0" smtClean="0"/>
-              <a:t>- </a:t>
-            </a:r>
-            <a:r>
-              <a:rPr lang="en-US" altLang="zh-CN" dirty="0"/>
-              <a:t>Interface for creating, deleting, updating tables</a:t>
-            </a:r>
-            <a:endParaRPr lang="zh-CN" altLang="en-US" dirty="0">
+              <a:rPr lang="zh-CN" altLang="en-US" sz="1400" dirty="0" smtClean="0"/>
+              <a:t>元数据管理：表信息，</a:t>
+            </a:r>
+            <a:r>
+              <a:rPr lang="en-US" altLang="zh-CN" sz="1400" dirty="0" smtClean="0"/>
+              <a:t>Region</a:t>
+            </a:r>
+            <a:r>
+              <a:rPr lang="zh-CN" altLang="en-US" sz="1400" dirty="0" smtClean="0"/>
+              <a:t>信息等</a:t>
+            </a:r>
+            <a:endParaRPr lang="en-US" altLang="zh-CN" sz="1400" dirty="0" smtClean="0"/>
+          </a:p>
+          <a:p>
+            <a:pPr marL="400050" lvl="1" indent="-171450">
+              <a:lnSpc>
+                <a:spcPts val="1800"/>
+              </a:lnSpc>
+              <a:spcAft>
+                <a:spcPts val="600"/>
+              </a:spcAft>
+              <a:buFontTx/>
+              <a:buChar char="-"/>
+            </a:pPr>
+            <a:r>
+              <a:rPr lang="zh-CN" altLang="en-US" sz="1400" dirty="0" smtClean="0"/>
+              <a:t>快照管理</a:t>
+            </a:r>
+            <a:endParaRPr lang="en-US" altLang="zh-CN" sz="1400" dirty="0" smtClean="0"/>
+          </a:p>
+          <a:p>
+            <a:pPr marL="400050" lvl="1" indent="-171450">
+              <a:lnSpc>
+                <a:spcPts val="1800"/>
+              </a:lnSpc>
+              <a:spcAft>
+                <a:spcPts val="600"/>
+              </a:spcAft>
+              <a:buFontTx/>
+              <a:buChar char="-"/>
+            </a:pPr>
+            <a:r>
+              <a:rPr lang="zh-CN" altLang="en-US" sz="1400" dirty="0" smtClean="0"/>
+              <a:t>实现类：</a:t>
+            </a:r>
+            <a:r>
+              <a:rPr lang="en-US" altLang="zh-CN" sz="1400" dirty="0" err="1" smtClean="0"/>
+              <a:t>org.apache.hadoop.hbase.master.MasterRpcServices</a:t>
+            </a:r>
+            <a:endParaRPr lang="en-US" altLang="zh-CN" sz="1400" dirty="0" smtClean="0"/>
+          </a:p>
+          <a:p>
+            <a:pPr marL="400050" lvl="1" indent="-171450">
+              <a:lnSpc>
+                <a:spcPts val="1800"/>
+              </a:lnSpc>
+              <a:spcAft>
+                <a:spcPts val="600"/>
+              </a:spcAft>
+              <a:buFontTx/>
+              <a:buChar char="-"/>
+            </a:pPr>
+            <a:endParaRPr lang="en-US" altLang="zh-CN" sz="1400" dirty="0"/>
+          </a:p>
+          <a:p>
+            <a:pPr marL="400050" lvl="1" indent="-171450">
+              <a:lnSpc>
+                <a:spcPts val="1800"/>
+              </a:lnSpc>
+              <a:spcAft>
+                <a:spcPts val="600"/>
+              </a:spcAft>
+              <a:buFontTx/>
+              <a:buChar char="-"/>
+            </a:pPr>
+            <a:endParaRPr lang="zh-CN" altLang="en-US" sz="1400" dirty="0">
               <a:solidFill>
                 <a:prstClr val="black">
                   <a:lumMod val="75000"/>
@@ -9772,7 +9840,15 @@
             </a:pPr>
             <a:r>
               <a:rPr lang="zh-CN" altLang="en-US" sz="3200" dirty="0" smtClean="0"/>
-              <a:t>面向列的数据管理系统</a:t>
+              <a:t>面向列</a:t>
+            </a:r>
+            <a:r>
+              <a:rPr lang="zh-CN" altLang="en-US" sz="3200" dirty="0" smtClean="0"/>
+              <a:t>的海量数据管理</a:t>
+            </a:r>
+            <a:r>
+              <a:rPr lang="zh-CN" altLang="en-US" sz="3200" dirty="0" smtClean="0"/>
+              <a:t>系统</a:t>
             </a:r>
             <a:endParaRPr lang="en-US" altLang="zh-CN" sz="3200" dirty="0" smtClean="0"/>
           </a:p>
@@ -9815,12 +9891,16 @@
               <a:defRPr/>
             </a:pPr>
             <a:r>
-              <a:rPr lang="zh-CN" altLang="en-US" sz="3200" dirty="0" smtClean="0"/>
-              <a:t>本身不支持</a:t>
-            </a:r>
-            <a:r>
               <a:rPr lang="en-US" altLang="zh-CN" sz="3200" dirty="0" smtClean="0"/>
-              <a:t>SQL</a:t>
+              <a:t>Strongly </a:t>
+            </a:r>
+            <a:r>
+              <a:rPr lang="en-US" altLang="zh-CN" sz="3200" dirty="0"/>
+              <a:t>consistent </a:t>
+            </a:r>
+            <a:r>
+              <a:rPr lang="en-US" altLang="zh-CN" sz="3200" dirty="0" smtClean="0"/>
+              <a:t>reads/writes</a:t>
             </a:r>
           </a:p>
           <a:p>
@@ -9834,16 +9914,20 @@
               <a:defRPr/>
             </a:pPr>
             <a:r>
+              <a:rPr lang="zh-CN" altLang="en-US" sz="3200" dirty="0" smtClean="0"/>
+              <a:t>数据自动分片</a:t>
+            </a:r>
+            <a:r>
               <a:rPr lang="en-US" altLang="zh-CN" sz="3200" dirty="0" smtClean="0"/>
-              <a:t>Strongly </a:t>
-            </a:r>
-            <a:r>
-              <a:rPr lang="en-US" altLang="zh-CN" sz="3200" dirty="0"/>
-              <a:t>consistent </a:t>
+              <a:t>(Automatic </a:t>
+            </a:r>
+            <a:r>
+              <a:rPr lang="en-US" altLang="zh-CN" sz="3200" dirty="0" err="1" smtClean="0"/>
+              <a:t>sharding</a:t>
             </a:r>
             <a:r>
               <a:rPr lang="en-US" altLang="zh-CN" sz="3200" dirty="0" smtClean="0"/>
-              <a:t>reads/writes</a:t>
+              <a:t>)</a:t>
             </a:r>
           </a:p>
           <a:p>
@@ -9857,26 +9941,14 @@
               <a:defRPr/>
             </a:pPr>
             <a:r>
-              <a:rPr lang="zh-CN" altLang="en-US" sz="3200" dirty="0" smtClean="0"/>
-              <a:t>数据自动分片</a:t>
-            </a:r>
-            <a:r>
-              <a:rPr lang="en-US" altLang="zh-CN" sz="3200" dirty="0" smtClean="0"/>
-              <a:t>(Automatic </a:t>
-            </a:r>
-            <a:r>
-              <a:rPr lang="en-US" altLang="zh-CN" sz="3200" dirty="0" err="1" smtClean="0"/>
-              <a:t>sharding</a:t>
-            </a:r>
-            <a:r>
-              <a:rPr lang="en-US" altLang="zh-CN" sz="3200" dirty="0" smtClean="0"/>
-              <a:t>)</a:t>
-            </a:r>
-            <a:endParaRPr lang="x-none" sz="3200" dirty="0" smtClean="0">
-              <a:latin typeface="微软雅黑" panose="020B0503020204020204" pitchFamily="34" charset="-122"/>
-              <a:ea typeface="微软雅黑" panose="020B0503020204020204" pitchFamily="34" charset="-122"/>
-              <a:cs typeface="Segoe UI" panose="020B0502040204020203" pitchFamily="34" charset="0"/>
-            </a:endParaRPr>
+              <a:rPr lang="zh-CN" altLang="en-US" sz="3200" dirty="0"/>
+              <a:t>本身不支持</a:t>
+            </a:r>
+            <a:r>
+              <a:rPr lang="en-US" altLang="zh-CN" sz="3200" smtClean="0"/>
+              <a:t>SQL</a:t>
+            </a:r>
+            <a:endParaRPr lang="en-US" altLang="zh-CN" sz="3200" dirty="0"/>
           </a:p>
         </p:txBody>
       </p:sp>
@@ -16422,6 +16494,76 @@
               <a:t>(Table): </a:t>
             </a:r>
             <a:r>
+              <a:rPr lang="en-US" altLang="zh-CN" sz="1800" dirty="0" err="1" smtClean="0">
+                <a:solidFill>
+                  <a:prstClr val="black">
+                    <a:lumMod val="75000"/>
+                    <a:lumOff val="25000"/>
+                  </a:prstClr>
+                </a:solidFill>
+                <a:latin typeface="微软雅黑" panose="020B0503020204020204" pitchFamily="34" charset="-122"/>
+                <a:ea typeface="微软雅黑" panose="020B0503020204020204" pitchFamily="34" charset="-122"/>
+                <a:cs typeface="Segoe UI" panose="020B0502040204020203" pitchFamily="34" charset="0"/>
+              </a:rPr>
+              <a:t>HBase</a:t>
+            </a:r>
+            <a:r>
+              <a:rPr lang="zh-CN" altLang="en-US" sz="1800" dirty="0" smtClean="0">
+                <a:solidFill>
+                  <a:prstClr val="black">
+                    <a:lumMod val="75000"/>
+                    <a:lumOff val="25000"/>
+                  </a:prstClr>
+                </a:solidFill>
+                <a:latin typeface="微软雅黑" panose="020B0503020204020204" pitchFamily="34" charset="-122"/>
+                <a:ea typeface="微软雅黑" panose="020B0503020204020204" pitchFamily="34" charset="-122"/>
+                <a:cs typeface="Segoe UI" panose="020B0502040204020203" pitchFamily="34" charset="0"/>
+              </a:rPr>
+              <a:t>将</a:t>
+            </a:r>
+            <a:r>
+              <a:rPr lang="zh-CN" altLang="en-US" sz="1800" dirty="0">
+                <a:solidFill>
+                  <a:prstClr val="black">
+                    <a:lumMod val="75000"/>
+                    <a:lumOff val="25000"/>
+                  </a:prstClr>
+                </a:solidFill>
+                <a:latin typeface="微软雅黑" panose="020B0503020204020204" pitchFamily="34" charset="-122"/>
+                <a:ea typeface="微软雅黑" panose="020B0503020204020204" pitchFamily="34" charset="-122"/>
+                <a:cs typeface="Segoe UI" panose="020B0502040204020203" pitchFamily="34" charset="0"/>
+              </a:rPr>
+              <a:t>数据组织进一张张的表里面</a:t>
+            </a:r>
+            <a:r>
+              <a:rPr lang="zh-CN" altLang="en-US" sz="1800" dirty="0" smtClean="0">
+                <a:solidFill>
+                  <a:prstClr val="black">
+                    <a:lumMod val="75000"/>
+                    <a:lumOff val="25000"/>
+                  </a:prstClr>
+                </a:solidFill>
+                <a:latin typeface="微软雅黑" panose="020B0503020204020204" pitchFamily="34" charset="-122"/>
+                <a:ea typeface="微软雅黑" panose="020B0503020204020204" pitchFamily="34" charset="-122"/>
+                <a:cs typeface="Segoe UI" panose="020B0502040204020203" pitchFamily="34" charset="0"/>
+              </a:rPr>
+              <a:t>，表</a:t>
+            </a:r>
+            <a:r>
+              <a:rPr lang="zh-CN" altLang="en-US" sz="1800" dirty="0">
+                <a:solidFill>
+                  <a:prstClr val="black">
+                    <a:lumMod val="75000"/>
+                    <a:lumOff val="25000"/>
+                  </a:prstClr>
+                </a:solidFill>
+                <a:latin typeface="微软雅黑" panose="020B0503020204020204" pitchFamily="34" charset="-122"/>
+                <a:ea typeface="微软雅黑" panose="020B0503020204020204" pitchFamily="34" charset="-122"/>
+                <a:cs typeface="Segoe UI" panose="020B0502040204020203" pitchFamily="34" charset="0"/>
+              </a:rPr>
+              <a:t>名必须是能用在文件路径里的合法名字，因为</a:t>
+            </a:r>
+            <a:r>
               <a:rPr lang="en-US" altLang="zh-CN" sz="1800" dirty="0" err="1">
                 <a:solidFill>
                   <a:prstClr val="black">
@@ -16447,7 +16589,7 @@
                 <a:ea typeface="微软雅黑" panose="020B0503020204020204" pitchFamily="34" charset="-122"/>
                 <a:cs typeface="Segoe UI" panose="020B0502040204020203" pitchFamily="34" charset="0"/>
               </a:rPr>
-              <a:t>会将数据组织进一张张的表里面，但是需要注意的是表名必须是能用在文件路径里的合法名字，因为</a:t>
+              <a:t>的表是映射成</a:t>
             </a:r>
             <a:r>
               <a:rPr lang="en-US" altLang="zh-CN" sz="1800" dirty="0" err="1">
@@ -16461,7 +16603,7 @@
                 <a:ea typeface="微软雅黑" panose="020B0503020204020204" pitchFamily="34" charset="-122"/>
                 <a:cs typeface="Segoe UI" panose="020B0502040204020203" pitchFamily="34" charset="0"/>
               </a:rPr>
-              <a:t>HBase</a:t>
+              <a:t>hdfs</a:t>
             </a:r>
             <a:r>
               <a:rPr lang="zh-CN" altLang="en-US" sz="1800" dirty="0">
@@ -16475,10 +16617,10 @@
                 <a:ea typeface="微软雅黑" panose="020B0503020204020204" pitchFamily="34" charset="-122"/>
                 <a:cs typeface="Segoe UI" panose="020B0502040204020203" pitchFamily="34" charset="0"/>
               </a:rPr>
-              <a:t>的表是映射成</a:t>
-            </a:r>
-            <a:r>
-              <a:rPr lang="en-US" altLang="zh-CN" sz="1800" dirty="0" err="1">
+              <a:t>上面的文件</a:t>
+            </a:r>
+            <a:r>
+              <a:rPr lang="zh-CN" altLang="en-US" sz="1800" dirty="0" smtClean="0">
                 <a:solidFill>
                   <a:prstClr val="black">
                     <a:lumMod val="75000"/>
@@ -16488,34 +16630,6 @@
                 <a:latin typeface="微软雅黑" panose="020B0503020204020204" pitchFamily="34" charset="-122"/>
                 <a:ea typeface="微软雅黑" panose="020B0503020204020204" pitchFamily="34" charset="-122"/>
                 <a:cs typeface="Segoe UI" panose="020B0502040204020203" pitchFamily="34" charset="0"/>
-              </a:rPr>
-              <a:t>hdfs</a:t>
-            </a:r>
-            <a:r>
-              <a:rPr lang="zh-CN" altLang="en-US" sz="1800" dirty="0">
-                <a:solidFill>
-                  <a:prstClr val="black">
-                    <a:lumMod val="75000"/>
-                    <a:lumOff val="25000"/>
-                  </a:prstClr>
-                </a:solidFill>
-                <a:latin typeface="微软雅黑" panose="020B0503020204020204" pitchFamily="34" charset="-122"/>
-                <a:ea typeface="微软雅黑" panose="020B0503020204020204" pitchFamily="34" charset="-122"/>
-                <a:cs typeface="Segoe UI" panose="020B0502040204020203" pitchFamily="34" charset="0"/>
-              </a:rPr>
-              <a:t>上面的文件。</a:t>
-            </a:r>
-            <a:r>
-              <a:rPr lang="zh-CN" altLang="en-US" sz="1800" dirty="0" smtClean="0">
-                <a:solidFill>
-                  <a:prstClr val="black">
-                    <a:lumMod val="75000"/>
-                    <a:lumOff val="25000"/>
-                  </a:prstClr>
-                </a:solidFill>
-                <a:latin typeface="微软雅黑" panose="020B0503020204020204" pitchFamily="34" charset="-122"/>
-                <a:ea typeface="微软雅黑" panose="020B0503020204020204" pitchFamily="34" charset="-122"/>
-                <a:cs typeface="Segoe UI"/>
               </a:rPr>
               <a:t>。</a:t>
             </a:r>
@@ -19717,7 +19831,7 @@
           <a:noFill/>
           <a:extLst>
             <a:ext uri="{909E8E84-426E-40dd-AFC4-6F175D3DCCD1}">
-              <a14:hiddenFill xmlns="" xmlns:a14="http://schemas.microsoft.com/office/drawing/2010/main">
+              <a14:hiddenFill xmlns:a14="http://schemas.microsoft.com/office/drawing/2010/main" xmlns="">
                 <a:solidFill>
                   <a:srgbClr val="FFFFFF"/>
                 </a:solidFill>
@@ -27768,7 +27882,7 @@
         <p:spPr>
           <a:xfrm>
             <a:off x="521207" y="1930178"/>
-            <a:ext cx="1914422" cy="3223713"/>
+            <a:ext cx="2156678" cy="3654696"/>
           </a:xfrm>
           <a:prstGeom prst="rect">
             <a:avLst/>
@@ -27785,47 +27899,40 @@
               <a:buChar char="•"/>
             </a:pPr>
             <a:r>
-              <a:rPr lang="zh-CN" altLang="en-US" sz="1400" dirty="0">
+              <a:rPr lang="en-US" altLang="zh-CN" sz="1400" b="1" dirty="0" err="1" smtClean="0">
+                <a:latin typeface="仿宋" panose="02010609060101010101" pitchFamily="49" charset="-122"/>
+                <a:ea typeface="仿宋" panose="02010609060101010101" pitchFamily="49" charset="-122"/>
+              </a:rPr>
+              <a:t>Schemaless</a:t>
+            </a:r>
+            <a:r>
+              <a:rPr lang="en-US" altLang="zh-CN" sz="1400" b="1" dirty="0" smtClean="0">
+                <a:latin typeface="仿宋" panose="02010609060101010101" pitchFamily="49" charset="-122"/>
+                <a:ea typeface="仿宋" panose="02010609060101010101" pitchFamily="49" charset="-122"/>
+              </a:rPr>
+              <a:t>:</a:t>
+            </a:r>
+            <a:r>
+              <a:rPr lang="zh-CN" altLang="en-US" sz="1400" b="1" dirty="0" smtClean="0">
                 <a:latin typeface="仿宋" panose="02010609060101010101" pitchFamily="49" charset="-122"/>
                 <a:ea typeface="仿宋" panose="02010609060101010101" pitchFamily="49" charset="-122"/>
               </a:rPr>
               <a:t>每</a:t>
             </a:r>
             <a:r>
-              <a:rPr lang="zh-CN" altLang="en-US" sz="1400" dirty="0" smtClean="0">
-                <a:latin typeface="仿宋" panose="02010609060101010101" pitchFamily="49" charset="-122"/>
-                <a:ea typeface="仿宋" panose="02010609060101010101" pitchFamily="49" charset="-122"/>
-              </a:rPr>
-              <a:t>一行</a:t>
-            </a:r>
-            <a:r>
-              <a:rPr lang="en-US" altLang="zh-CN" sz="1400" dirty="0" smtClean="0">
-                <a:latin typeface="仿宋" panose="02010609060101010101" pitchFamily="49" charset="-122"/>
-                <a:ea typeface="仿宋" panose="02010609060101010101" pitchFamily="49" charset="-122"/>
-              </a:rPr>
-              <a:t>Schema</a:t>
-            </a:r>
-            <a:r>
-              <a:rPr lang="zh-CN" altLang="en-US" sz="1400" dirty="0" smtClean="0">
-                <a:latin typeface="仿宋" panose="02010609060101010101" pitchFamily="49" charset="-122"/>
-                <a:ea typeface="仿宋" panose="02010609060101010101" pitchFamily="49" charset="-122"/>
-              </a:rPr>
-              <a:t>可以不同可以称为</a:t>
-            </a:r>
-            <a:r>
-              <a:rPr lang="en-US" altLang="zh-CN" sz="1400" dirty="0" err="1" smtClean="0">
-                <a:latin typeface="仿宋" panose="02010609060101010101" pitchFamily="49" charset="-122"/>
-                <a:ea typeface="仿宋" panose="02010609060101010101" pitchFamily="49" charset="-122"/>
-              </a:rPr>
-              <a:t>Schemaless</a:t>
-            </a:r>
-            <a:endParaRPr lang="en-US" altLang="zh-CN" sz="1400" dirty="0" smtClean="0">
+              <a:rPr lang="zh-CN" altLang="en-US" sz="1400" b="1" dirty="0">
+                <a:latin typeface="仿宋" panose="02010609060101010101" pitchFamily="49" charset="-122"/>
+                <a:ea typeface="仿宋" panose="02010609060101010101" pitchFamily="49" charset="-122"/>
+              </a:rPr>
+              <a:t>一行中，列的组成都是灵活的，行与行之间并不需要遵循相同的列定义</a:t>
+            </a:r>
+            <a:endParaRPr lang="en-US" altLang="zh-CN" sz="1400" b="1" dirty="0" smtClean="0">
               <a:latin typeface="仿宋" panose="02010609060101010101" pitchFamily="49" charset="-122"/>
               <a:ea typeface="仿宋" panose="02010609060101010101" pitchFamily="49" charset="-122"/>
             </a:endParaRPr>
           </a:p>
           <a:p>
-            <a:endParaRPr lang="en-US" altLang="zh-CN" sz="1400" dirty="0">
+            <a:endParaRPr lang="en-US" altLang="zh-CN" sz="1400" b="1" dirty="0">
               <a:latin typeface="仿宋" panose="02010609060101010101" pitchFamily="49" charset="-122"/>
               <a:ea typeface="仿宋" panose="02010609060101010101" pitchFamily="49" charset="-122"/>
             </a:endParaRPr>
@@ -27836,19 +27943,19 @@
               <a:buChar char="•"/>
             </a:pPr>
             <a:r>
-              <a:rPr lang="zh-CN" altLang="en-US" sz="1400" dirty="0" smtClean="0">
+              <a:rPr lang="zh-CN" altLang="en-US" sz="1400" b="1" dirty="0" smtClean="0">
                 <a:latin typeface="仿宋" panose="02010609060101010101" pitchFamily="49" charset="-122"/>
                 <a:ea typeface="仿宋" panose="02010609060101010101" pitchFamily="49" charset="-122"/>
               </a:rPr>
               <a:t>数据是字典排序的</a:t>
             </a:r>
-            <a:endParaRPr lang="en-US" altLang="zh-CN" sz="1400" dirty="0" smtClean="0">
+            <a:endParaRPr lang="en-US" altLang="zh-CN" sz="1400" b="1" dirty="0" smtClean="0">
               <a:latin typeface="仿宋" panose="02010609060101010101" pitchFamily="49" charset="-122"/>
               <a:ea typeface="仿宋" panose="02010609060101010101" pitchFamily="49" charset="-122"/>
             </a:endParaRPr>
           </a:p>
           <a:p>
-            <a:endParaRPr lang="en-US" altLang="zh-CN" sz="1400" dirty="0">
+            <a:endParaRPr lang="en-US" altLang="zh-CN" sz="1400" b="1" dirty="0">
               <a:latin typeface="仿宋" panose="02010609060101010101" pitchFamily="49" charset="-122"/>
               <a:ea typeface="仿宋" panose="02010609060101010101" pitchFamily="49" charset="-122"/>
             </a:endParaRPr>
@@ -27859,19 +27966,19 @@
               <a:buChar char="•"/>
             </a:pPr>
             <a:r>
-              <a:rPr lang="zh-CN" altLang="en-US" sz="1400" dirty="0" smtClean="0">
+              <a:rPr lang="zh-CN" altLang="en-US" sz="1400" b="1" dirty="0" smtClean="0">
                 <a:latin typeface="仿宋" panose="02010609060101010101" pitchFamily="49" charset="-122"/>
                 <a:ea typeface="仿宋" panose="02010609060101010101" pitchFamily="49" charset="-122"/>
               </a:rPr>
               <a:t>每个单元格可以存储不同的版本，一般是时间戳</a:t>
             </a:r>
-            <a:endParaRPr lang="en-US" altLang="zh-CN" sz="1400" dirty="0" smtClean="0">
+            <a:endParaRPr lang="en-US" altLang="zh-CN" sz="1400" b="1" dirty="0" smtClean="0">
               <a:latin typeface="仿宋" panose="02010609060101010101" pitchFamily="49" charset="-122"/>
               <a:ea typeface="仿宋" panose="02010609060101010101" pitchFamily="49" charset="-122"/>
             </a:endParaRPr>
           </a:p>
           <a:p>
-            <a:endParaRPr lang="en-US" altLang="zh-CN" sz="1400" dirty="0">
+            <a:endParaRPr lang="en-US" altLang="zh-CN" sz="1400" b="1" dirty="0">
               <a:latin typeface="仿宋" panose="02010609060101010101" pitchFamily="49" charset="-122"/>
               <a:ea typeface="仿宋" panose="02010609060101010101" pitchFamily="49" charset="-122"/>
             </a:endParaRPr>
@@ -27882,13 +27989,13 @@
               <a:buChar char="•"/>
             </a:pPr>
             <a:r>
-              <a:rPr lang="zh-CN" altLang="en-US" sz="1400" dirty="0" smtClean="0">
+              <a:rPr lang="zh-CN" altLang="en-US" sz="1400" b="1" dirty="0" smtClean="0">
                 <a:latin typeface="仿宋" panose="02010609060101010101" pitchFamily="49" charset="-122"/>
                 <a:ea typeface="仿宋" panose="02010609060101010101" pitchFamily="49" charset="-122"/>
               </a:rPr>
               <a:t>可以获取指定版本的数据</a:t>
             </a:r>
-            <a:endParaRPr lang="en-US" altLang="zh-CN" sz="1400" dirty="0" smtClean="0">
+            <a:endParaRPr lang="en-US" altLang="zh-CN" sz="1400" b="1" dirty="0" smtClean="0">
               <a:latin typeface="仿宋" panose="02010609060101010101" pitchFamily="49" charset="-122"/>
               <a:ea typeface="仿宋" panose="02010609060101010101" pitchFamily="49" charset="-122"/>
             </a:endParaRPr>
@@ -31284,12 +31391,12 @@
         <p:spPr>
           <a:xfrm>
             <a:off x="608112" y="1516752"/>
-            <a:ext cx="3190805" cy="4790886"/>
+            <a:ext cx="3485585" cy="4790886"/>
           </a:xfrm>
         </p:spPr>
         <p:txBody>
           <a:bodyPr vert="horz" lIns="91440" tIns="45720" rIns="91440" bIns="45720" rtlCol="0">
-            <a:normAutofit fontScale="92500"/>
+            <a:normAutofit/>
           </a:bodyPr>
           <a:lstStyle/>
           <a:p>
@@ -31307,7 +31414,7 @@
               <a:buChar char="l"/>
             </a:pPr>
             <a:r>
-              <a:rPr lang="en-US" altLang="zh-CN" sz="1400" dirty="0" smtClean="0">
+              <a:rPr lang="zh-CN" altLang="en-US" sz="1600" dirty="0" smtClean="0">
                 <a:solidFill>
                   <a:prstClr val="black">
                     <a:lumMod val="75000"/>
@@ -31316,9 +31423,33 @@
                 </a:solidFill>
                 <a:cs typeface="Segoe UI" panose="020B0502040204020203" pitchFamily="34" charset="0"/>
               </a:rPr>
-              <a:t>Regions As Shards</a:t>
-            </a:r>
-            <a:endParaRPr lang="en-US" altLang="zh-CN" sz="1400" dirty="0">
+              <a:t>数据分片是通过</a:t>
+            </a:r>
+            <a:r>
+              <a:rPr lang="en-US" altLang="zh-CN" sz="1600" dirty="0" smtClean="0">
+                <a:solidFill>
+                  <a:prstClr val="black">
+                    <a:lumMod val="75000"/>
+                    <a:lumOff val="25000"/>
+                  </a:prstClr>
+                </a:solidFill>
+                <a:cs typeface="Segoe UI" panose="020B0502040204020203" pitchFamily="34" charset="0"/>
+              </a:rPr>
+              <a:t>Region</a:t>
+            </a:r>
+            <a:r>
+              <a:rPr lang="zh-CN" altLang="en-US" sz="1600" dirty="0" smtClean="0">
+                <a:solidFill>
+                  <a:prstClr val="black">
+                    <a:lumMod val="75000"/>
+                    <a:lumOff val="25000"/>
+                  </a:prstClr>
+                </a:solidFill>
+                <a:cs typeface="Segoe UI" panose="020B0502040204020203" pitchFamily="34" charset="0"/>
+              </a:rPr>
+              <a:t>来实现的</a:t>
+            </a:r>
+            <a:endParaRPr lang="en-US" altLang="zh-CN" sz="1600" dirty="0">
               <a:solidFill>
                 <a:prstClr val="black">
                   <a:lumMod val="75000"/>
@@ -31327,6 +31458,107 @@
               </a:solidFill>
               <a:cs typeface="Segoe UI" panose="020B0502040204020203" pitchFamily="34" charset="0"/>
             </a:endParaRPr>
+          </a:p>
+          <a:p>
+            <a:pPr marL="171450" indent="-171450">
+              <a:spcAft>
+                <a:spcPts val="600"/>
+              </a:spcAft>
+              <a:buFont typeface="Wingdings" panose="05000000000000000000" pitchFamily="2" charset="2"/>
+              <a:buChar char="l"/>
+            </a:pPr>
+            <a:r>
+              <a:rPr lang="zh-CN" altLang="en-US" sz="1400" dirty="0" smtClean="0"/>
+              <a:t>一个</a:t>
+            </a:r>
+            <a:r>
+              <a:rPr lang="en-US" altLang="zh-CN" sz="1400" b="1" dirty="0" smtClean="0"/>
+              <a:t>region </a:t>
+            </a:r>
+            <a:r>
+              <a:rPr lang="zh-CN" altLang="en-US" sz="1400" dirty="0" smtClean="0"/>
+              <a:t>只</a:t>
+            </a:r>
+            <a:r>
+              <a:rPr lang="zh-CN" altLang="en-US" sz="1400" b="1" dirty="0" smtClean="0"/>
+              <a:t>存在于一个</a:t>
+            </a:r>
+            <a:r>
+              <a:rPr lang="en-US" altLang="zh-CN" sz="1400" b="1" dirty="0" err="1" smtClean="0"/>
+              <a:t>RegionServer</a:t>
+            </a:r>
+            <a:r>
+              <a:rPr lang="zh-CN" altLang="en-US" sz="1400" b="1" dirty="0" smtClean="0"/>
+              <a:t>上</a:t>
+            </a:r>
+            <a:endParaRPr lang="en-US" altLang="zh-CN" sz="1400" dirty="0" smtClean="0"/>
+          </a:p>
+          <a:p>
+            <a:pPr marL="171450" indent="-171450">
+              <a:spcAft>
+                <a:spcPts val="600"/>
+              </a:spcAft>
+              <a:buFont typeface="Wingdings" panose="05000000000000000000" pitchFamily="2" charset="2"/>
+              <a:buChar char="l"/>
+            </a:pPr>
+            <a:r>
+              <a:rPr lang="zh-CN" altLang="en-US" sz="1400" dirty="0" smtClean="0"/>
+              <a:t>一个</a:t>
+            </a:r>
+            <a:r>
+              <a:rPr lang="en-US" altLang="zh-CN" sz="1400" dirty="0" err="1" smtClean="0"/>
+              <a:t>RegionServer</a:t>
+            </a:r>
+            <a:r>
+              <a:rPr lang="zh-CN" altLang="en-US" sz="1400" dirty="0" smtClean="0"/>
+              <a:t>可以有多个</a:t>
+            </a:r>
+            <a:r>
+              <a:rPr lang="en-US" altLang="zh-CN" sz="1400" dirty="0" smtClean="0"/>
+              <a:t>Region</a:t>
+            </a:r>
+            <a:br>
+              <a:rPr lang="en-US" altLang="zh-CN" sz="1400" dirty="0" smtClean="0"/>
+            </a:br>
+            <a:r>
+              <a:rPr lang="en-US" altLang="zh-CN" sz="1400" dirty="0" smtClean="0"/>
+              <a:t>• </a:t>
+            </a:r>
+            <a:r>
+              <a:rPr lang="zh-CN" altLang="en-US" sz="1400" dirty="0" smtClean="0"/>
+              <a:t>表数据分散于各个</a:t>
+            </a:r>
+            <a:r>
+              <a:rPr lang="en-US" altLang="zh-CN" sz="1400" dirty="0" err="1" smtClean="0"/>
+              <a:t>RegionServer</a:t>
+            </a:r>
+            <a:r>
+              <a:rPr lang="zh-CN" altLang="en-US" sz="1400" dirty="0" smtClean="0"/>
+              <a:t>上</a:t>
+            </a:r>
+            <a:r>
+              <a:rPr lang="en-US" altLang="zh-CN" sz="1400" dirty="0" smtClean="0"/>
+              <a:t/>
+            </a:r>
+            <a:br>
+              <a:rPr lang="en-US" altLang="zh-CN" sz="1400" dirty="0" smtClean="0"/>
+            </a:br>
+            <a:r>
+              <a:rPr lang="en-US" altLang="zh-CN" sz="1400" dirty="0" smtClean="0"/>
+              <a:t>• Distribution of </a:t>
+            </a:r>
+            <a:r>
+              <a:rPr lang="en-US" altLang="zh-CN" sz="1400" b="1" dirty="0" smtClean="0"/>
+              <a:t>I/O</a:t>
+            </a:r>
+            <a:r>
+              <a:rPr lang="en-US" altLang="zh-CN" sz="1400" dirty="0" smtClean="0"/>
+              <a:t> </a:t>
+            </a:r>
+            <a:br>
+              <a:rPr lang="en-US" altLang="zh-CN" sz="1400" dirty="0" smtClean="0"/>
+            </a:br>
+            <a:endParaRPr lang="en-US" altLang="zh-CN" sz="1400" dirty="0" smtClean="0"/>
           </a:p>
           <a:p>
             <a:pPr marL="171450" indent="-171450">
@@ -31341,111 +31573,11 @@
             </a:pPr>
             <a:r>
               <a:rPr lang="en-US" altLang="zh-CN" sz="1400" dirty="0" smtClean="0"/>
-              <a:t>A </a:t>
-            </a:r>
-            <a:r>
-              <a:rPr lang="en-US" altLang="zh-CN" sz="1400" b="1" dirty="0"/>
-              <a:t>region </a:t>
-            </a:r>
-            <a:r>
-              <a:rPr lang="en-US" altLang="zh-CN" sz="1400" dirty="0"/>
-              <a:t>is served by </a:t>
-            </a:r>
-            <a:r>
-              <a:rPr lang="en-US" altLang="zh-CN" sz="1400" b="1" dirty="0"/>
-              <a:t>exactly</a:t>
-            </a:r>
-            <a:br>
-              <a:rPr lang="en-US" altLang="zh-CN" sz="1400" b="1" dirty="0"/>
-            </a:br>
-            <a:r>
-              <a:rPr lang="en-US" altLang="zh-CN" sz="1400" b="1" dirty="0"/>
-              <a:t>one </a:t>
-            </a:r>
-            <a:r>
-              <a:rPr lang="en-US" altLang="zh-CN" sz="1400" dirty="0"/>
-              <a:t>region server </a:t>
-            </a:r>
-            <a:br>
-              <a:rPr lang="en-US" altLang="zh-CN" sz="1400" dirty="0"/>
-            </a:br>
-            <a:endParaRPr lang="en-US" altLang="zh-CN" sz="1400" dirty="0" smtClean="0"/>
-          </a:p>
-          <a:p>
-            <a:pPr marL="171450" indent="-171450">
-              <a:lnSpc>
-                <a:spcPts val="1800"/>
-              </a:lnSpc>
-              <a:spcAft>
-                <a:spcPts val="600"/>
-              </a:spcAft>
-              <a:buFont typeface="Wingdings" panose="05000000000000000000" pitchFamily="2" charset="2"/>
-              <a:buChar char="l"/>
-            </a:pPr>
-            <a:r>
-              <a:rPr lang="en-US" altLang="zh-CN" sz="1400" dirty="0"/>
-              <a:t>Every region server serves</a:t>
-            </a:r>
-            <a:br>
-              <a:rPr lang="en-US" altLang="zh-CN" sz="1400" dirty="0"/>
-            </a:br>
-            <a:r>
-              <a:rPr lang="en-US" altLang="zh-CN" sz="1400" b="1" dirty="0"/>
-              <a:t>many </a:t>
-            </a:r>
-            <a:r>
-              <a:rPr lang="en-US" altLang="zh-CN" sz="1400" dirty="0"/>
-              <a:t>regions</a:t>
-            </a:r>
-            <a:br>
-              <a:rPr lang="en-US" altLang="zh-CN" sz="1400" dirty="0"/>
-            </a:br>
-            <a:r>
-              <a:rPr lang="en-US" altLang="zh-CN" sz="1400" dirty="0"/>
-              <a:t>• Table data is </a:t>
-            </a:r>
-            <a:r>
-              <a:rPr lang="en-US" altLang="zh-CN" sz="1400" b="1" dirty="0"/>
-              <a:t>spread </a:t>
-            </a:r>
-            <a:r>
-              <a:rPr lang="en-US" altLang="zh-CN" sz="1400" dirty="0"/>
-              <a:t>over servers</a:t>
-            </a:r>
-            <a:br>
-              <a:rPr lang="en-US" altLang="zh-CN" sz="1400" dirty="0"/>
-            </a:br>
-            <a:r>
-              <a:rPr lang="en-US" altLang="zh-CN" sz="1400" dirty="0"/>
-              <a:t>• Distribution of </a:t>
-            </a:r>
-            <a:r>
-              <a:rPr lang="en-US" altLang="zh-CN" sz="1400" b="1" dirty="0"/>
-              <a:t>I/O</a:t>
-            </a:r>
-            <a:r>
-              <a:rPr lang="en-US" altLang="zh-CN" sz="1400" dirty="0"/>
-              <a:t> </a:t>
-            </a:r>
-            <a:br>
-              <a:rPr lang="en-US" altLang="zh-CN" sz="1400" dirty="0"/>
-            </a:br>
-            <a:endParaRPr lang="en-US" altLang="zh-CN" sz="1400" dirty="0" smtClean="0"/>
-          </a:p>
-          <a:p>
-            <a:pPr marL="171450" indent="-171450">
-              <a:lnSpc>
-                <a:spcPts val="1800"/>
-              </a:lnSpc>
-              <a:spcAft>
-                <a:spcPts val="600"/>
-              </a:spcAft>
-              <a:buFont typeface="Wingdings" panose="05000000000000000000" pitchFamily="2" charset="2"/>
-              <a:buChar char="l"/>
-            </a:pPr>
+              <a:t>Clients </a:t>
+            </a:r>
             <a:r>
               <a:rPr lang="en-US" altLang="zh-CN" sz="1400" dirty="0" smtClean="0"/>
-              <a:t>Clients talk </a:t>
+              <a:t>talk </a:t>
             </a:r>
             <a:r>
               <a:rPr lang="en-US" altLang="zh-CN" sz="1400" b="1" dirty="0" smtClean="0"/>

--- a/_posts/Hbase基本原理副本.pptx
+++ b/_posts/Hbase基本原理副本.pptx
@@ -360,7 +360,7 @@
                 <a:latin typeface="微软雅黑" panose="020B0503020204020204" pitchFamily="34" charset="-122"/>
                 <a:ea typeface="微软雅黑" panose="020B0503020204020204" pitchFamily="34" charset="-122"/>
               </a:rPr>
-              <a:t>2018年11月16日</a:t>
+              <a:t>2018年11月20日</a:t>
             </a:fld>
             <a:endParaRPr lang="en-US" dirty="0">
               <a:latin typeface="微软雅黑" panose="020B0503020204020204" pitchFamily="34" charset="-122"/>
@@ -547,7 +547,7 @@
             <a:fld id="{10717CCD-7153-4CFA-8FE4-043AE2A91A48}" type="datetime2">
               <a:rPr lang="zh-CN" altLang="en-US" smtClean="0"/>
               <a:pPr/>
-              <a:t>2018年11月16日</a:t>
+              <a:t>2018年11月20日</a:t>
             </a:fld>
             <a:endParaRPr lang="en-US" dirty="0"/>
           </a:p>
@@ -2393,7 +2393,7 @@
           <a:p>
             <a:fld id="{B6646B47-A73D-4F6F-AD82-C99F4E62F746}" type="datetime2">
               <a:rPr lang="zh-CN" altLang="en-US" smtClean="0"/>
-              <a:t>2018年11月16日</a:t>
+              <a:t>2018年11月20日</a:t>
             </a:fld>
             <a:endParaRPr lang="en-US" dirty="0"/>
           </a:p>
@@ -3077,7 +3077,7 @@
           <a:p>
             <a:fld id="{9A0CFC2C-DA54-4396-A846-1816F2961B91}" type="datetime2">
               <a:rPr lang="zh-CN" altLang="en-US" smtClean="0"/>
-              <a:t>2018年11月16日</a:t>
+              <a:t>2018年11月20日</a:t>
             </a:fld>
             <a:endParaRPr lang="en-US" dirty="0"/>
           </a:p>
@@ -3562,7 +3562,7 @@
           <a:p>
             <a:pPr algn="ctr"/>
             <a:r>
-              <a:rPr lang="en-US" altLang="zh-CN" sz="4800" dirty="0" err="1" smtClean="0">
+              <a:rPr lang="en-US" altLang="zh-CN" sz="4800" smtClean="0">
                 <a:solidFill>
                   <a:schemeClr val="bg1"/>
                 </a:solidFill>
@@ -3570,20 +3570,12 @@
               <a:t>Hbase</a:t>
             </a:r>
             <a:r>
-              <a:rPr lang="zh-CN" altLang="en-US" sz="4800" dirty="0" smtClean="0">
+              <a:rPr lang="zh-CN" altLang="en-US" sz="4800" smtClean="0">
                 <a:solidFill>
                   <a:schemeClr val="bg1"/>
                 </a:solidFill>
               </a:rPr>
-              <a:t>基本原理</a:t>
-            </a:r>
-            <a:r>
-              <a:rPr lang="zh-CN" altLang="en-US" sz="4800" dirty="0">
-                <a:solidFill>
-                  <a:schemeClr val="bg1"/>
-                </a:solidFill>
-              </a:rPr>
-              <a:t>介绍</a:t>
+              <a:t>基本原理介绍</a:t>
             </a:r>
             <a:endParaRPr lang="x-none" sz="4800" dirty="0">
               <a:solidFill>
@@ -4355,17 +4347,12 @@
             </a:pPr>
             <a:r>
               <a:rPr lang="zh-CN" altLang="en-US" sz="1400" dirty="0" smtClean="0"/>
-              <a:t>管理功能</a:t>
-            </a:r>
-            <a:r>
-              <a:rPr lang="zh-CN" altLang="en-US" sz="1400" dirty="0" smtClean="0"/>
-              <a:t>：启动，停止，</a:t>
+              <a:t>管理功能：启动，停止，</a:t>
             </a:r>
             <a:r>
               <a:rPr lang="en-US" altLang="zh-CN" sz="1400" dirty="0" smtClean="0"/>
               <a:t>Balance</a:t>
             </a:r>
-            <a:endParaRPr lang="en-US" altLang="zh-CN" sz="1400" dirty="0" smtClean="0"/>
           </a:p>
           <a:p>
             <a:pPr marL="400050" lvl="1" indent="-171450">
@@ -9840,15 +9827,7 @@
             </a:pPr>
             <a:r>
               <a:rPr lang="zh-CN" altLang="en-US" sz="3200" dirty="0" smtClean="0"/>
-              <a:t>面向列</a:t>
-            </a:r>
-            <a:r>
-              <a:rPr lang="zh-CN" altLang="en-US" sz="3200" dirty="0" smtClean="0"/>
-              <a:t>的海量数据管理</a:t>
-            </a:r>
-            <a:r>
-              <a:rPr lang="zh-CN" altLang="en-US" sz="3200" dirty="0" smtClean="0"/>
-              <a:t>系统</a:t>
+              <a:t>面向列的海量数据管理系统</a:t>
             </a:r>
             <a:endParaRPr lang="en-US" altLang="zh-CN" sz="3200" dirty="0" smtClean="0"/>
           </a:p>
@@ -19831,7 +19810,7 @@
           <a:noFill/>
           <a:extLst>
             <a:ext uri="{909E8E84-426E-40dd-AFC4-6F175D3DCCD1}">
-              <a14:hiddenFill xmlns:a14="http://schemas.microsoft.com/office/drawing/2010/main" xmlns="">
+              <a14:hiddenFill xmlns="" xmlns:a14="http://schemas.microsoft.com/office/drawing/2010/main">
                 <a:solidFill>
                   <a:srgbClr val="FFFFFF"/>
                 </a:solidFill>
@@ -31573,11 +31552,7 @@
             </a:pPr>
             <a:r>
               <a:rPr lang="en-US" altLang="zh-CN" sz="1400" dirty="0" smtClean="0"/>
-              <a:t>Clients </a:t>
-            </a:r>
-            <a:r>
-              <a:rPr lang="en-US" altLang="zh-CN" sz="1400" dirty="0" smtClean="0"/>
-              <a:t>talk </a:t>
+              <a:t>Clients talk </a:t>
             </a:r>
             <a:r>
               <a:rPr lang="en-US" altLang="zh-CN" sz="1400" b="1" dirty="0" smtClean="0"/>
